--- a/doc/BioCalc Presentation.pptx
+++ b/doc/BioCalc Presentation.pptx
@@ -5,7 +5,7 @@
     <p:sldMasterId id="2147483661" r:id="rId5"/>
   </p:sldMasterIdLst>
   <p:notesMasterIdLst>
-    <p:notesMasterId r:id="rId22"/>
+    <p:notesMasterId r:id="rId31"/>
   </p:notesMasterIdLst>
   <p:sldIdLst>
     <p:sldId id="269" r:id="rId6"/>
@@ -24,6 +24,15 @@
     <p:sldId id="287" r:id="rId19"/>
     <p:sldId id="288" r:id="rId20"/>
     <p:sldId id="289" r:id="rId21"/>
+    <p:sldId id="298" r:id="rId22"/>
+    <p:sldId id="295" r:id="rId23"/>
+    <p:sldId id="296" r:id="rId24"/>
+    <p:sldId id="294" r:id="rId25"/>
+    <p:sldId id="293" r:id="rId26"/>
+    <p:sldId id="292" r:id="rId27"/>
+    <p:sldId id="291" r:id="rId28"/>
+    <p:sldId id="290" r:id="rId29"/>
+    <p:sldId id="297" r:id="rId30"/>
   </p:sldIdLst>
   <p:sldSz cx="9144000" cy="6858000" type="screen4x3"/>
   <p:notesSz cx="6858000" cy="9144000"/>
@@ -250,7 +259,7 @@
             <a:fld id="{075D426C-3CEB-476F-A82F-ADFA14719D2A}" type="datetimeFigureOut">
               <a:rPr lang="en-US" altLang="en-US"/>
               <a:pPr/>
-              <a:t>9/14/2013</a:t>
+              <a:t>9/19/2013</a:t>
             </a:fld>
             <a:endParaRPr lang="en-US" altLang="en-US"/>
           </a:p>
@@ -5570,20 +5579,12 @@
               <a:t>, </a:t>
             </a:r>
             <a:r>
-              <a:rPr lang="ro-RO" altLang="en-US" sz="1100" dirty="0" smtClean="0">
+              <a:rPr lang="en-US" altLang="en-US" sz="1100" dirty="0" smtClean="0">
                 <a:solidFill>
                   <a:schemeClr val="bg1"/>
                 </a:solidFill>
               </a:rPr>
-              <a:t>October</a:t>
-            </a:r>
-            <a:r>
-              <a:rPr lang="en-US" altLang="en-US" sz="1100" dirty="0" smtClean="0">
-                <a:solidFill>
-                  <a:schemeClr val="bg1"/>
-                </a:solidFill>
-              </a:rPr>
-              <a:t> 20</a:t>
+              <a:t>September 20</a:t>
             </a:r>
             <a:r>
               <a:rPr lang="ro-RO" altLang="en-US" sz="1100" dirty="0" smtClean="0">
@@ -5764,37 +5765,9 @@
           <a:chExt cx="0" cy="0"/>
         </a:xfrm>
       </p:grpSpPr>
-      <p:sp>
-        <p:nvSpPr>
-          <p:cNvPr id="5122" name="Title 1"/>
-          <p:cNvSpPr>
-            <a:spLocks noGrp="1"/>
-          </p:cNvSpPr>
-          <p:nvPr>
-            <p:ph type="title"/>
-          </p:nvPr>
-        </p:nvSpPr>
-        <p:spPr>
-          <a:xfrm>
-            <a:off x="2286000" y="274638"/>
-            <a:ext cx="6400800" cy="563562"/>
-          </a:xfrm>
-        </p:spPr>
-        <p:txBody>
-          <a:bodyPr/>
-          <a:lstStyle/>
-          <a:p>
-            <a:r>
-              <a:rPr lang="ro-RO" altLang="en-US" sz="2400" dirty="0" smtClean="0"/>
-              <a:t>Inheritance - basic</a:t>
-            </a:r>
-            <a:endParaRPr lang="en-US" altLang="en-US" sz="2400" dirty="0" smtClean="0"/>
-          </a:p>
-        </p:txBody>
-      </p:sp>
       <p:pic>
         <p:nvPicPr>
-          <p:cNvPr id="31746" name="Picture 2"/>
+          <p:cNvPr id="2" name="Picture 2"/>
           <p:cNvPicPr>
             <a:picLocks noChangeAspect="1" noChangeArrowheads="1"/>
           </p:cNvPicPr>
@@ -5815,8 +5788,8 @@
         </p:blipFill>
         <p:spPr bwMode="auto">
           <a:xfrm>
-            <a:off x="1323975" y="2143125"/>
-            <a:ext cx="6677025" cy="3724275"/>
+            <a:off x="1219200" y="2011911"/>
+            <a:ext cx="6677025" cy="3857625"/>
           </a:xfrm>
           <a:prstGeom prst="rect">
             <a:avLst/>
@@ -5846,6 +5819,38 @@
           </a:extLst>
         </p:spPr>
       </p:pic>
+      <p:sp>
+        <p:nvSpPr>
+          <p:cNvPr id="5122" name="Title 1"/>
+          <p:cNvSpPr>
+            <a:spLocks noGrp="1"/>
+          </p:cNvSpPr>
+          <p:nvPr>
+            <p:ph type="title"/>
+          </p:nvPr>
+        </p:nvSpPr>
+        <p:spPr>
+          <a:xfrm>
+            <a:off x="2286000" y="228600"/>
+            <a:ext cx="6400800" cy="563562"/>
+          </a:xfrm>
+        </p:spPr>
+        <p:txBody>
+          <a:bodyPr/>
+          <a:lstStyle/>
+          <a:p>
+            <a:r>
+              <a:rPr lang="ro-RO" altLang="en-US" sz="2400" dirty="0" smtClean="0"/>
+              <a:t>Inheritance </a:t>
+            </a:r>
+            <a:r>
+              <a:rPr lang="ro-RO" altLang="en-US" sz="2400" dirty="0" smtClean="0"/>
+              <a:t>– basic</a:t>
+            </a:r>
+            <a:endParaRPr lang="en-US" altLang="en-US" sz="2400" dirty="0" smtClean="0"/>
+          </a:p>
+        </p:txBody>
+      </p:sp>
       <p:sp>
         <p:nvSpPr>
           <p:cNvPr id="5" name="Content Placeholder 2"/>
@@ -5896,8 +5901,23 @@
               <a:rPr lang="ro-RO" altLang="en-US" sz="2400" dirty="0" smtClean="0">
                 <a:cs typeface="Courier New" panose="02070309020205020404" pitchFamily="49" charset="0"/>
               </a:rPr>
-              <a:t>fucntion</a:t>
-            </a:r>
+              <a:t>fun</a:t>
+            </a:r>
+            <a:r>
+              <a:rPr lang="en-US" altLang="en-US" sz="2400" dirty="0" smtClean="0">
+                <a:cs typeface="Courier New" panose="02070309020205020404" pitchFamily="49" charset="0"/>
+              </a:rPr>
+              <a:t>c</a:t>
+            </a:r>
+            <a:r>
+              <a:rPr lang="ro-RO" altLang="en-US" sz="2400" dirty="0" smtClean="0">
+                <a:cs typeface="Courier New" panose="02070309020205020404" pitchFamily="49" charset="0"/>
+              </a:rPr>
+              <a:t>tion</a:t>
+            </a:r>
+            <a:endParaRPr lang="ro-RO" altLang="en-US" sz="2400" dirty="0" smtClean="0">
+              <a:cs typeface="Courier New" panose="02070309020205020404" pitchFamily="49" charset="0"/>
+            </a:endParaRPr>
           </a:p>
         </p:txBody>
       </p:sp>
@@ -6124,9 +6144,134 @@
   <p:timing>
     <p:tnLst>
       <p:par>
-        <p:cTn id="1" dur="indefinite" restart="never" nodeType="tmRoot"/>
+        <p:cTn id="1" dur="indefinite" restart="never" nodeType="tmRoot">
+          <p:childTnLst>
+            <p:seq concurrent="1" nextAc="seek">
+              <p:cTn id="2" dur="indefinite" nodeType="mainSeq">
+                <p:childTnLst>
+                  <p:par>
+                    <p:cTn id="3" fill="hold">
+                      <p:stCondLst>
+                        <p:cond delay="indefinite"/>
+                      </p:stCondLst>
+                      <p:childTnLst>
+                        <p:par>
+                          <p:cTn id="4" fill="hold">
+                            <p:stCondLst>
+                              <p:cond delay="0"/>
+                            </p:stCondLst>
+                            <p:childTnLst>
+                              <p:par>
+                                <p:cTn id="5" presetID="53" presetClass="entr" presetSubtype="16" fill="hold" grpId="0" nodeType="clickEffect">
+                                  <p:stCondLst>
+                                    <p:cond delay="0"/>
+                                  </p:stCondLst>
+                                  <p:childTnLst>
+                                    <p:set>
+                                      <p:cBhvr>
+                                        <p:cTn id="6" dur="1" fill="hold">
+                                          <p:stCondLst>
+                                            <p:cond delay="0"/>
+                                          </p:stCondLst>
+                                        </p:cTn>
+                                        <p:tgtEl>
+                                          <p:spTgt spid="6"/>
+                                        </p:tgtEl>
+                                        <p:attrNameLst>
+                                          <p:attrName>style.visibility</p:attrName>
+                                        </p:attrNameLst>
+                                      </p:cBhvr>
+                                      <p:to>
+                                        <p:strVal val="visible"/>
+                                      </p:to>
+                                    </p:set>
+                                    <p:anim calcmode="lin" valueType="num">
+                                      <p:cBhvr>
+                                        <p:cTn id="7" dur="500" fill="hold"/>
+                                        <p:tgtEl>
+                                          <p:spTgt spid="6"/>
+                                        </p:tgtEl>
+                                        <p:attrNameLst>
+                                          <p:attrName>ppt_w</p:attrName>
+                                        </p:attrNameLst>
+                                      </p:cBhvr>
+                                      <p:tavLst>
+                                        <p:tav tm="0">
+                                          <p:val>
+                                            <p:fltVal val="0"/>
+                                          </p:val>
+                                        </p:tav>
+                                        <p:tav tm="100000">
+                                          <p:val>
+                                            <p:strVal val="#ppt_w"/>
+                                          </p:val>
+                                        </p:tav>
+                                      </p:tavLst>
+                                    </p:anim>
+                                    <p:anim calcmode="lin" valueType="num">
+                                      <p:cBhvr>
+                                        <p:cTn id="8" dur="500" fill="hold"/>
+                                        <p:tgtEl>
+                                          <p:spTgt spid="6"/>
+                                        </p:tgtEl>
+                                        <p:attrNameLst>
+                                          <p:attrName>ppt_h</p:attrName>
+                                        </p:attrNameLst>
+                                      </p:cBhvr>
+                                      <p:tavLst>
+                                        <p:tav tm="0">
+                                          <p:val>
+                                            <p:fltVal val="0"/>
+                                          </p:val>
+                                        </p:tav>
+                                        <p:tav tm="100000">
+                                          <p:val>
+                                            <p:strVal val="#ppt_h"/>
+                                          </p:val>
+                                        </p:tav>
+                                      </p:tavLst>
+                                    </p:anim>
+                                    <p:animEffect transition="in" filter="fade">
+                                      <p:cBhvr>
+                                        <p:cTn id="9" dur="500"/>
+                                        <p:tgtEl>
+                                          <p:spTgt spid="6"/>
+                                        </p:tgtEl>
+                                      </p:cBhvr>
+                                    </p:animEffect>
+                                  </p:childTnLst>
+                                </p:cTn>
+                              </p:par>
+                            </p:childTnLst>
+                          </p:cTn>
+                        </p:par>
+                      </p:childTnLst>
+                    </p:cTn>
+                  </p:par>
+                </p:childTnLst>
+              </p:cTn>
+              <p:prevCondLst>
+                <p:cond evt="onPrev" delay="0">
+                  <p:tgtEl>
+                    <p:sldTgt/>
+                  </p:tgtEl>
+                </p:cond>
+              </p:prevCondLst>
+              <p:nextCondLst>
+                <p:cond evt="onNext" delay="0">
+                  <p:tgtEl>
+                    <p:sldTgt/>
+                  </p:tgtEl>
+                </p:cond>
+              </p:nextCondLst>
+            </p:seq>
+          </p:childTnLst>
+        </p:cTn>
       </p:par>
     </p:tnLst>
+    <p:bldLst>
+      <p:bldP spid="6" grpId="0"/>
+    </p:bldLst>
   </p:timing>
 </p:sld>
 </file>
@@ -6160,7 +6305,7 @@
         </p:nvSpPr>
         <p:spPr>
           <a:xfrm>
-            <a:off x="2286000" y="274638"/>
+            <a:off x="2286000" y="228600"/>
             <a:ext cx="6400800" cy="563562"/>
           </a:xfrm>
         </p:spPr>
@@ -6170,7 +6315,11 @@
           <a:p>
             <a:r>
               <a:rPr lang="ro-RO" altLang="en-US" sz="2400" dirty="0" smtClean="0"/>
-              <a:t>Inheritance - basic</a:t>
+              <a:t>Inheritance </a:t>
+            </a:r>
+            <a:r>
+              <a:rPr lang="ro-RO" altLang="en-US" sz="2400" dirty="0" smtClean="0"/>
+              <a:t>– basic</a:t>
             </a:r>
             <a:endParaRPr lang="en-US" altLang="en-US" sz="2400" dirty="0" smtClean="0"/>
           </a:p>
@@ -6435,9 +6584,20 @@
             </a:pPr>
             <a:r>
               <a:rPr lang="ro-RO" altLang="en-US" sz="1600" kern="0" dirty="0" smtClean="0"/>
-              <a:t>We cannot call the Animal function here.</a:t>
-            </a:r>
-            <a:endParaRPr lang="ro-RO" altLang="en-US" sz="1600" kern="0" dirty="0" smtClean="0"/>
+              <a:t>We cannot call the Animal </a:t>
+            </a:r>
+            <a:r>
+              <a:rPr lang="en-US" altLang="en-US" sz="1600" kern="0" dirty="0" smtClean="0"/>
+              <a:t>constructor</a:t>
+            </a:r>
+            <a:r>
+              <a:rPr lang="ro-RO" altLang="en-US" sz="1600" kern="0" dirty="0" smtClean="0"/>
+              <a:t> </a:t>
+            </a:r>
+            <a:r>
+              <a:rPr lang="ro-RO" altLang="en-US" sz="1600" kern="0" dirty="0" smtClean="0"/>
+              <a:t>here.</a:t>
+            </a:r>
           </a:p>
         </p:txBody>
       </p:sp>
@@ -6797,7 +6957,7 @@
         </p:nvSpPr>
         <p:spPr>
           <a:xfrm>
-            <a:off x="2286000" y="274638"/>
+            <a:off x="2286000" y="228600"/>
             <a:ext cx="6400800" cy="563562"/>
           </a:xfrm>
         </p:spPr>
@@ -6810,12 +6970,99 @@
               <a:t>Inheritance – with parameters</a:t>
             </a:r>
             <a:endParaRPr lang="en-US" altLang="en-US" sz="2400" dirty="0" smtClean="0"/>
+          </a:p>
+        </p:txBody>
+      </p:sp>
+      <p:sp>
+        <p:nvSpPr>
+          <p:cNvPr id="8" name="Content Placeholder 2"/>
+          <p:cNvSpPr>
+            <a:spLocks noGrp="1"/>
+          </p:cNvSpPr>
+          <p:nvPr>
+            <p:ph idx="1"/>
+          </p:nvPr>
+        </p:nvSpPr>
+        <p:spPr>
+          <a:xfrm>
+            <a:off x="685800" y="1371600"/>
+            <a:ext cx="7772400" cy="1143000"/>
+          </a:xfrm>
+        </p:spPr>
+        <p:txBody>
+          <a:bodyPr/>
+          <a:lstStyle/>
+          <a:p>
+            <a:r>
+              <a:rPr lang="ro-RO" altLang="en-US" sz="2400" dirty="0" smtClean="0"/>
+              <a:t>Create the constructor function named </a:t>
+            </a:r>
+            <a:r>
+              <a:rPr lang="ro-RO" altLang="en-US" sz="2400" dirty="0" smtClean="0">
+                <a:latin typeface="Courier New" panose="02070309020205020404" pitchFamily="49" charset="0"/>
+                <a:cs typeface="Courier New" panose="02070309020205020404" pitchFamily="49" charset="0"/>
+              </a:rPr>
+              <a:t>FakeBase</a:t>
+            </a:r>
+          </a:p>
+        </p:txBody>
+      </p:sp>
+      <p:sp>
+        <p:nvSpPr>
+          <p:cNvPr id="2" name="TextBox 1"/>
+          <p:cNvSpPr txBox="1"/>
+          <p:nvPr/>
+        </p:nvSpPr>
+        <p:spPr>
+          <a:xfrm>
+            <a:off x="3733800" y="5329646"/>
+            <a:ext cx="4724400" cy="523220"/>
+          </a:xfrm>
+          <a:prstGeom prst="rect">
+            <a:avLst/>
+          </a:prstGeom>
+          <a:noFill/>
+        </p:spPr>
+        <p:txBody>
+          <a:bodyPr wrap="square" rtlCol="0">
+            <a:spAutoFit/>
+          </a:bodyPr>
+          <a:lstStyle/>
+          <a:p>
+            <a:pPr algn="r"/>
+            <a:r>
+              <a:rPr lang="ro-RO" sz="1400" dirty="0" smtClean="0"/>
+              <a:t>We’ll use the parameterless </a:t>
+            </a:r>
+            <a:r>
+              <a:rPr lang="ro-RO" sz="1400" dirty="0" smtClean="0">
+                <a:latin typeface="Courier New" panose="02070309020205020404" pitchFamily="49" charset="0"/>
+                <a:cs typeface="Courier New" panose="02070309020205020404" pitchFamily="49" charset="0"/>
+              </a:rPr>
+              <a:t>FakeBase</a:t>
+            </a:r>
+            <a:r>
+              <a:rPr lang="ro-RO" sz="1400" dirty="0" smtClean="0"/>
+              <a:t> constructor instead of the </a:t>
+            </a:r>
+            <a:r>
+              <a:rPr lang="ro-RO" sz="1400" dirty="0" smtClean="0">
+                <a:latin typeface="Courier New" panose="02070309020205020404" pitchFamily="49" charset="0"/>
+                <a:cs typeface="Courier New" panose="02070309020205020404" pitchFamily="49" charset="0"/>
+              </a:rPr>
+              <a:t>Animal</a:t>
+            </a:r>
+            <a:r>
+              <a:rPr lang="ro-RO" sz="1400" dirty="0" smtClean="0"/>
+              <a:t> constructor.</a:t>
+            </a:r>
+            <a:endParaRPr lang="en-US" sz="1400" dirty="0" smtClean="0"/>
           </a:p>
         </p:txBody>
       </p:sp>
       <p:pic>
         <p:nvPicPr>
-          <p:cNvPr id="33796" name="Picture 4"/>
+          <p:cNvPr id="6146" name="Picture 2"/>
           <p:cNvPicPr>
             <a:picLocks noChangeAspect="1" noChangeArrowheads="1"/>
           </p:cNvPicPr>
@@ -6836,8 +7083,8 @@
         </p:blipFill>
         <p:spPr bwMode="auto">
           <a:xfrm>
-            <a:off x="1219200" y="2985116"/>
-            <a:ext cx="6867525" cy="1619250"/>
+            <a:off x="1138238" y="2652713"/>
+            <a:ext cx="6867525" cy="1552575"/>
           </a:xfrm>
           <a:prstGeom prst="rect">
             <a:avLst/>
@@ -6869,7 +7116,7 @@
       </p:pic>
       <p:pic>
         <p:nvPicPr>
-          <p:cNvPr id="33797" name="Picture 5"/>
+          <p:cNvPr id="6147" name="Picture 3"/>
           <p:cNvPicPr>
             <a:picLocks noChangeAspect="1" noChangeArrowheads="1"/>
           </p:cNvPicPr>
@@ -6890,8 +7137,8 @@
         </p:blipFill>
         <p:spPr bwMode="auto">
           <a:xfrm>
-            <a:off x="2692460" y="2971800"/>
-            <a:ext cx="1333500" cy="1609725"/>
+            <a:off x="2628900" y="2657475"/>
+            <a:ext cx="1333500" cy="1533525"/>
           </a:xfrm>
           <a:prstGeom prst="rect">
             <a:avLst/>
@@ -6921,93 +7168,6 @@
           </a:extLst>
         </p:spPr>
       </p:pic>
-      <p:sp>
-        <p:nvSpPr>
-          <p:cNvPr id="8" name="Content Placeholder 2"/>
-          <p:cNvSpPr>
-            <a:spLocks noGrp="1"/>
-          </p:cNvSpPr>
-          <p:nvPr>
-            <p:ph idx="1"/>
-          </p:nvPr>
-        </p:nvSpPr>
-        <p:spPr>
-          <a:xfrm>
-            <a:off x="685800" y="1371600"/>
-            <a:ext cx="7772400" cy="1143000"/>
-          </a:xfrm>
-        </p:spPr>
-        <p:txBody>
-          <a:bodyPr/>
-          <a:lstStyle/>
-          <a:p>
-            <a:r>
-              <a:rPr lang="ro-RO" altLang="en-US" sz="2400" dirty="0" smtClean="0"/>
-              <a:t>Create the constructor function named </a:t>
-            </a:r>
-            <a:r>
-              <a:rPr lang="ro-RO" altLang="en-US" sz="2400" dirty="0" smtClean="0">
-                <a:latin typeface="Courier New" panose="02070309020205020404" pitchFamily="49" charset="0"/>
-                <a:cs typeface="Courier New" panose="02070309020205020404" pitchFamily="49" charset="0"/>
-              </a:rPr>
-              <a:t>FakeBase</a:t>
-            </a:r>
-          </a:p>
-        </p:txBody>
-      </p:sp>
-      <p:sp>
-        <p:nvSpPr>
-          <p:cNvPr id="2" name="TextBox 1"/>
-          <p:cNvSpPr txBox="1"/>
-          <p:nvPr/>
-        </p:nvSpPr>
-        <p:spPr>
-          <a:xfrm>
-            <a:off x="3733800" y="5329646"/>
-            <a:ext cx="4724400" cy="523220"/>
-          </a:xfrm>
-          <a:prstGeom prst="rect">
-            <a:avLst/>
-          </a:prstGeom>
-          <a:noFill/>
-        </p:spPr>
-        <p:txBody>
-          <a:bodyPr wrap="square" rtlCol="0">
-            <a:spAutoFit/>
-          </a:bodyPr>
-          <a:lstStyle/>
-          <a:p>
-            <a:pPr algn="r"/>
-            <a:r>
-              <a:rPr lang="ro-RO" sz="1400" dirty="0" smtClean="0"/>
-              <a:t>We’ll use the parameterless </a:t>
-            </a:r>
-            <a:r>
-              <a:rPr lang="ro-RO" sz="1400" dirty="0" smtClean="0">
-                <a:latin typeface="Courier New" panose="02070309020205020404" pitchFamily="49" charset="0"/>
-                <a:cs typeface="Courier New" panose="02070309020205020404" pitchFamily="49" charset="0"/>
-              </a:rPr>
-              <a:t>FakeBase</a:t>
-            </a:r>
-            <a:r>
-              <a:rPr lang="ro-RO" sz="1400" dirty="0" smtClean="0"/>
-              <a:t> constructor instead of the </a:t>
-            </a:r>
-            <a:r>
-              <a:rPr lang="ro-RO" sz="1400" dirty="0" smtClean="0">
-                <a:latin typeface="Courier New" panose="02070309020205020404" pitchFamily="49" charset="0"/>
-                <a:cs typeface="Courier New" panose="02070309020205020404" pitchFamily="49" charset="0"/>
-              </a:rPr>
-              <a:t>Animal</a:t>
-            </a:r>
-            <a:r>
-              <a:rPr lang="ro-RO" sz="1400" dirty="0" smtClean="0"/>
-              <a:t> constructor.</a:t>
-            </a:r>
-            <a:endParaRPr lang="en-US" sz="1400" dirty="0" smtClean="0"/>
-          </a:p>
-        </p:txBody>
-      </p:sp>
     </p:spTree>
     <p:extLst>
       <p:ext uri="{BB962C8B-B14F-4D97-AF65-F5344CB8AC3E}">
@@ -7052,7 +7212,7 @@
                                           </p:stCondLst>
                                         </p:cTn>
                                         <p:tgtEl>
-                                          <p:spTgt spid="33797"/>
+                                          <p:spTgt spid="6147"/>
                                         </p:tgtEl>
                                         <p:attrNameLst>
                                           <p:attrName>style.visibility</p:attrName>
@@ -7066,7 +7226,7 @@
                                       <p:cBhvr>
                                         <p:cTn id="7" dur="500" fill="hold"/>
                                         <p:tgtEl>
-                                          <p:spTgt spid="33797"/>
+                                          <p:spTgt spid="6147"/>
                                         </p:tgtEl>
                                         <p:attrNameLst>
                                           <p:attrName>ppt_w</p:attrName>
@@ -7089,7 +7249,7 @@
                                       <p:cBhvr>
                                         <p:cTn id="8" dur="500" fill="hold"/>
                                         <p:tgtEl>
-                                          <p:spTgt spid="33797"/>
+                                          <p:spTgt spid="6147"/>
                                         </p:tgtEl>
                                         <p:attrNameLst>
                                           <p:attrName>ppt_h</p:attrName>
@@ -7112,7 +7272,7 @@
                                       <p:cBhvr>
                                         <p:cTn id="9" dur="500"/>
                                         <p:tgtEl>
-                                          <p:spTgt spid="33797"/>
+                                          <p:spTgt spid="6147"/>
                                         </p:tgtEl>
                                       </p:cBhvr>
                                     </p:animEffect>
@@ -7179,7 +7339,7 @@
         </p:nvSpPr>
         <p:spPr>
           <a:xfrm>
-            <a:off x="2286000" y="274638"/>
+            <a:off x="2286000" y="228600"/>
             <a:ext cx="6400800" cy="563562"/>
           </a:xfrm>
         </p:spPr>
@@ -7192,12 +7352,61 @@
               <a:t>Inheritance – with parameters</a:t>
             </a:r>
             <a:endParaRPr lang="en-US" altLang="en-US" sz="2400" dirty="0" smtClean="0"/>
+          </a:p>
+        </p:txBody>
+      </p:sp>
+      <p:sp>
+        <p:nvSpPr>
+          <p:cNvPr id="8" name="Content Placeholder 2"/>
+          <p:cNvSpPr>
+            <a:spLocks noGrp="1"/>
+          </p:cNvSpPr>
+          <p:nvPr>
+            <p:ph idx="1"/>
+          </p:nvPr>
+        </p:nvSpPr>
+        <p:spPr>
+          <a:xfrm>
+            <a:off x="685800" y="1371600"/>
+            <a:ext cx="7696200" cy="1143000"/>
+          </a:xfrm>
+        </p:spPr>
+        <p:txBody>
+          <a:bodyPr/>
+          <a:lstStyle/>
+          <a:p>
+            <a:r>
+              <a:rPr lang="ro-RO" altLang="en-US" sz="2400" dirty="0" smtClean="0"/>
+              <a:t>Set the </a:t>
+            </a:r>
+            <a:r>
+              <a:rPr lang="ro-RO" altLang="en-US" sz="2400" dirty="0" smtClean="0">
+                <a:latin typeface="Courier New" panose="02070309020205020404" pitchFamily="49" charset="0"/>
+                <a:cs typeface="Courier New" panose="02070309020205020404" pitchFamily="49" charset="0"/>
+              </a:rPr>
+              <a:t>prototype</a:t>
+            </a:r>
+            <a:r>
+              <a:rPr lang="ro-RO" altLang="en-US" sz="2400" dirty="0" smtClean="0"/>
+              <a:t> property of the </a:t>
+            </a:r>
+            <a:r>
+              <a:rPr lang="ro-RO" altLang="en-US" sz="2400" dirty="0" smtClean="0">
+                <a:latin typeface="Courier New" panose="02070309020205020404" pitchFamily="49" charset="0"/>
+                <a:cs typeface="Courier New" panose="02070309020205020404" pitchFamily="49" charset="0"/>
+              </a:rPr>
+              <a:t>FakeBase</a:t>
+            </a:r>
+            <a:r>
+              <a:rPr lang="ro-RO" altLang="en-US" sz="2400" dirty="0" smtClean="0"/>
+              <a:t> function</a:t>
+            </a:r>
           </a:p>
         </p:txBody>
       </p:sp>
       <p:pic>
         <p:nvPicPr>
-          <p:cNvPr id="34818" name="Picture 2"/>
+          <p:cNvPr id="7170" name="Picture 2"/>
           <p:cNvPicPr>
             <a:picLocks noChangeAspect="1" noChangeArrowheads="1"/>
           </p:cNvPicPr>
@@ -7218,8 +7427,8 @@
         </p:blipFill>
         <p:spPr bwMode="auto">
           <a:xfrm>
-            <a:off x="1237004" y="2971800"/>
-            <a:ext cx="6753225" cy="1724025"/>
+            <a:off x="1195388" y="2800350"/>
+            <a:ext cx="6753225" cy="1619250"/>
           </a:xfrm>
           <a:prstGeom prst="rect">
             <a:avLst/>
@@ -7249,55 +7458,6 @@
           </a:extLst>
         </p:spPr>
       </p:pic>
-      <p:sp>
-        <p:nvSpPr>
-          <p:cNvPr id="8" name="Content Placeholder 2"/>
-          <p:cNvSpPr>
-            <a:spLocks noGrp="1"/>
-          </p:cNvSpPr>
-          <p:nvPr>
-            <p:ph idx="1"/>
-          </p:nvPr>
-        </p:nvSpPr>
-        <p:spPr>
-          <a:xfrm>
-            <a:off x="685800" y="1371600"/>
-            <a:ext cx="7696200" cy="1143000"/>
-          </a:xfrm>
-        </p:spPr>
-        <p:txBody>
-          <a:bodyPr/>
-          <a:lstStyle/>
-          <a:p>
-            <a:r>
-              <a:rPr lang="ro-RO" altLang="en-US" sz="2400" dirty="0" smtClean="0"/>
-              <a:t>Set the </a:t>
-            </a:r>
-            <a:r>
-              <a:rPr lang="ro-RO" altLang="en-US" sz="2400" dirty="0" smtClean="0">
-                <a:latin typeface="Courier New" panose="02070309020205020404" pitchFamily="49" charset="0"/>
-                <a:cs typeface="Courier New" panose="02070309020205020404" pitchFamily="49" charset="0"/>
-              </a:rPr>
-              <a:t>prototype</a:t>
-            </a:r>
-            <a:r>
-              <a:rPr lang="ro-RO" altLang="en-US" sz="2400" dirty="0" smtClean="0"/>
-              <a:t> property of the </a:t>
-            </a:r>
-            <a:r>
-              <a:rPr lang="ro-RO" altLang="en-US" sz="2400" dirty="0" smtClean="0">
-                <a:latin typeface="Courier New" panose="02070309020205020404" pitchFamily="49" charset="0"/>
-                <a:cs typeface="Courier New" panose="02070309020205020404" pitchFamily="49" charset="0"/>
-              </a:rPr>
-              <a:t>FakeBase</a:t>
-            </a:r>
-            <a:r>
-              <a:rPr lang="ro-RO" altLang="en-US" sz="2400" dirty="0" smtClean="0"/>
-              <a:t> function</a:t>
-            </a:r>
-          </a:p>
-        </p:txBody>
-      </p:sp>
     </p:spTree>
     <p:extLst>
       <p:ext uri="{BB962C8B-B14F-4D97-AF65-F5344CB8AC3E}">
@@ -7347,7 +7507,7 @@
         </p:nvSpPr>
         <p:spPr>
           <a:xfrm>
-            <a:off x="2286000" y="274638"/>
+            <a:off x="2286000" y="228600"/>
             <a:ext cx="6400800" cy="563562"/>
           </a:xfrm>
         </p:spPr>
@@ -7360,12 +7520,61 @@
               <a:t>Inheritance – with parameters</a:t>
             </a:r>
             <a:endParaRPr lang="en-US" altLang="en-US" sz="2400" dirty="0" smtClean="0"/>
+          </a:p>
+        </p:txBody>
+      </p:sp>
+      <p:sp>
+        <p:nvSpPr>
+          <p:cNvPr id="6" name="Content Placeholder 2"/>
+          <p:cNvSpPr>
+            <a:spLocks noGrp="1"/>
+          </p:cNvSpPr>
+          <p:nvPr>
+            <p:ph idx="1"/>
+          </p:nvPr>
+        </p:nvSpPr>
+        <p:spPr>
+          <a:xfrm>
+            <a:off x="685800" y="1371600"/>
+            <a:ext cx="7696200" cy="1143000"/>
+          </a:xfrm>
+        </p:spPr>
+        <p:txBody>
+          <a:bodyPr/>
+          <a:lstStyle/>
+          <a:p>
+            <a:r>
+              <a:rPr lang="ro-RO" altLang="en-US" sz="2400" dirty="0" smtClean="0"/>
+              <a:t>Set the </a:t>
+            </a:r>
+            <a:r>
+              <a:rPr lang="ro-RO" altLang="en-US" sz="2400" dirty="0" smtClean="0">
+                <a:latin typeface="Courier New" panose="02070309020205020404" pitchFamily="49" charset="0"/>
+                <a:cs typeface="Courier New" panose="02070309020205020404" pitchFamily="49" charset="0"/>
+              </a:rPr>
+              <a:t>prototype</a:t>
+            </a:r>
+            <a:r>
+              <a:rPr lang="ro-RO" altLang="en-US" sz="2400" dirty="0" smtClean="0"/>
+              <a:t> property of the </a:t>
+            </a:r>
+            <a:r>
+              <a:rPr lang="ro-RO" altLang="en-US" sz="2400" dirty="0" smtClean="0">
+                <a:latin typeface="Courier New" panose="02070309020205020404" pitchFamily="49" charset="0"/>
+                <a:cs typeface="Courier New" panose="02070309020205020404" pitchFamily="49" charset="0"/>
+              </a:rPr>
+              <a:t>Dog </a:t>
+            </a:r>
+            <a:r>
+              <a:rPr lang="ro-RO" altLang="en-US" sz="2400" dirty="0" smtClean="0"/>
+              <a:t>function</a:t>
+            </a:r>
           </a:p>
         </p:txBody>
       </p:sp>
       <p:pic>
         <p:nvPicPr>
-          <p:cNvPr id="35842" name="Picture 2"/>
+          <p:cNvPr id="8194" name="Picture 2"/>
           <p:cNvPicPr>
             <a:picLocks noChangeAspect="1" noChangeArrowheads="1"/>
           </p:cNvPicPr>
@@ -7386,8 +7595,8 @@
         </p:blipFill>
         <p:spPr bwMode="auto">
           <a:xfrm>
-            <a:off x="1219200" y="2952750"/>
-            <a:ext cx="6781800" cy="1771650"/>
+            <a:off x="1176338" y="2181225"/>
+            <a:ext cx="6791325" cy="3762375"/>
           </a:xfrm>
           <a:prstGeom prst="rect">
             <a:avLst/>
@@ -7417,55 +7626,6 @@
           </a:extLst>
         </p:spPr>
       </p:pic>
-      <p:sp>
-        <p:nvSpPr>
-          <p:cNvPr id="6" name="Content Placeholder 2"/>
-          <p:cNvSpPr>
-            <a:spLocks noGrp="1"/>
-          </p:cNvSpPr>
-          <p:nvPr>
-            <p:ph idx="1"/>
-          </p:nvPr>
-        </p:nvSpPr>
-        <p:spPr>
-          <a:xfrm>
-            <a:off x="685800" y="1371600"/>
-            <a:ext cx="7696200" cy="1143000"/>
-          </a:xfrm>
-        </p:spPr>
-        <p:txBody>
-          <a:bodyPr/>
-          <a:lstStyle/>
-          <a:p>
-            <a:r>
-              <a:rPr lang="ro-RO" altLang="en-US" sz="2400" dirty="0" smtClean="0"/>
-              <a:t>Set the </a:t>
-            </a:r>
-            <a:r>
-              <a:rPr lang="ro-RO" altLang="en-US" sz="2400" dirty="0" smtClean="0">
-                <a:latin typeface="Courier New" panose="02070309020205020404" pitchFamily="49" charset="0"/>
-                <a:cs typeface="Courier New" panose="02070309020205020404" pitchFamily="49" charset="0"/>
-              </a:rPr>
-              <a:t>prototype</a:t>
-            </a:r>
-            <a:r>
-              <a:rPr lang="ro-RO" altLang="en-US" sz="2400" dirty="0" smtClean="0"/>
-              <a:t> property of the </a:t>
-            </a:r>
-            <a:r>
-              <a:rPr lang="ro-RO" altLang="en-US" sz="2400" dirty="0" smtClean="0">
-                <a:latin typeface="Courier New" panose="02070309020205020404" pitchFamily="49" charset="0"/>
-                <a:cs typeface="Courier New" panose="02070309020205020404" pitchFamily="49" charset="0"/>
-              </a:rPr>
-              <a:t>Dog </a:t>
-            </a:r>
-            <a:r>
-              <a:rPr lang="ro-RO" altLang="en-US" sz="2400" dirty="0" smtClean="0"/>
-              <a:t>function</a:t>
-            </a:r>
-          </a:p>
-        </p:txBody>
-      </p:sp>
     </p:spTree>
     <p:extLst>
       <p:ext uri="{BB962C8B-B14F-4D97-AF65-F5344CB8AC3E}">
@@ -7515,7 +7675,7 @@
         </p:nvSpPr>
         <p:spPr>
           <a:xfrm>
-            <a:off x="2286000" y="274638"/>
+            <a:off x="2286000" y="228600"/>
             <a:ext cx="6400800" cy="563562"/>
           </a:xfrm>
         </p:spPr>
@@ -8011,7 +8171,7 @@
         </p:nvSpPr>
         <p:spPr>
           <a:xfrm>
-            <a:off x="2286000" y="274638"/>
+            <a:off x="2286000" y="228600"/>
             <a:ext cx="6400800" cy="563562"/>
           </a:xfrm>
         </p:spPr>
@@ -8128,6 +8288,1181 @@
 </p:sld>
 </file>
 
+<file path=ppt/slides/slide17.xml><?xml version="1.0" encoding="utf-8"?>
+<p:sld xmlns:a="http://schemas.openxmlformats.org/drawingml/2006/main" xmlns:r="http://schemas.openxmlformats.org/officeDocument/2006/relationships" xmlns:p="http://schemas.openxmlformats.org/presentationml/2006/main">
+  <p:cSld>
+    <p:spTree>
+      <p:nvGrpSpPr>
+        <p:cNvPr id="1" name=""/>
+        <p:cNvGrpSpPr/>
+        <p:nvPr/>
+      </p:nvGrpSpPr>
+      <p:grpSpPr>
+        <a:xfrm>
+          <a:off x="0" y="0"/>
+          <a:ext cx="0" cy="0"/>
+          <a:chOff x="0" y="0"/>
+          <a:chExt cx="0" cy="0"/>
+        </a:xfrm>
+      </p:grpSpPr>
+      <p:sp>
+        <p:nvSpPr>
+          <p:cNvPr id="5122" name="Title 1"/>
+          <p:cNvSpPr>
+            <a:spLocks noGrp="1"/>
+          </p:cNvSpPr>
+          <p:nvPr>
+            <p:ph type="title"/>
+          </p:nvPr>
+        </p:nvSpPr>
+        <p:spPr>
+          <a:xfrm>
+            <a:off x="2286000" y="228600"/>
+            <a:ext cx="6400800" cy="563562"/>
+          </a:xfrm>
+        </p:spPr>
+        <p:txBody>
+          <a:bodyPr/>
+          <a:lstStyle/>
+          <a:p>
+            <a:r>
+              <a:rPr lang="en-US" altLang="en-US" sz="2400" dirty="0" smtClean="0"/>
+              <a:t>Agenda</a:t>
+            </a:r>
+          </a:p>
+        </p:txBody>
+      </p:sp>
+      <p:sp>
+        <p:nvSpPr>
+          <p:cNvPr id="5123" name="Content Placeholder 2"/>
+          <p:cNvSpPr>
+            <a:spLocks noGrp="1"/>
+          </p:cNvSpPr>
+          <p:nvPr>
+            <p:ph idx="1"/>
+          </p:nvPr>
+        </p:nvSpPr>
+        <p:spPr>
+          <a:xfrm>
+            <a:off x="2286000" y="1600200"/>
+            <a:ext cx="5257800" cy="4267200"/>
+          </a:xfrm>
+        </p:spPr>
+        <p:txBody>
+          <a:bodyPr/>
+          <a:lstStyle/>
+          <a:p>
+            <a:r>
+              <a:rPr lang="ro-RO" altLang="en-US" sz="2400" dirty="0" smtClean="0"/>
+              <a:t>Introduction</a:t>
+            </a:r>
+            <a:endParaRPr lang="en-US" altLang="en-US" sz="2400" dirty="0" smtClean="0"/>
+          </a:p>
+          <a:p>
+            <a:endParaRPr lang="ro-RO" altLang="en-US" sz="2400" dirty="0" smtClean="0"/>
+          </a:p>
+          <a:p>
+            <a:r>
+              <a:rPr lang="ro-RO" altLang="en-US" sz="2400" dirty="0" smtClean="0"/>
+              <a:t>BioCalc Application</a:t>
+            </a:r>
+            <a:endParaRPr lang="ro-RO" altLang="en-US" sz="2400" dirty="0"/>
+          </a:p>
+          <a:p>
+            <a:endParaRPr lang="ro-RO" altLang="en-US" sz="2400" dirty="0" smtClean="0"/>
+          </a:p>
+          <a:p>
+            <a:r>
+              <a:rPr lang="ro-RO" altLang="en-US" sz="2400" dirty="0" smtClean="0"/>
+              <a:t>Inheritance</a:t>
+            </a:r>
+            <a:endParaRPr lang="en-US" altLang="en-US" sz="2400" dirty="0" smtClean="0"/>
+          </a:p>
+          <a:p>
+            <a:endParaRPr lang="en-US" altLang="en-US" sz="2400" dirty="0" smtClean="0"/>
+          </a:p>
+          <a:p>
+            <a:r>
+              <a:rPr lang="en-US" altLang="en-US" sz="2400" b="1" dirty="0"/>
+              <a:t>Public, </a:t>
+            </a:r>
+            <a:r>
+              <a:rPr lang="en-US" altLang="en-US" sz="2400" b="1" dirty="0" smtClean="0"/>
+              <a:t>Private</a:t>
+            </a:r>
+            <a:r>
+              <a:rPr lang="en-US" altLang="en-US" sz="2400" b="1" dirty="0"/>
+              <a:t>, </a:t>
+            </a:r>
+            <a:r>
+              <a:rPr lang="en-US" altLang="en-US" sz="2400" b="1" dirty="0" smtClean="0"/>
+              <a:t>Protected</a:t>
+            </a:r>
+            <a:endParaRPr lang="en-US" altLang="en-US" sz="2400" b="1" dirty="0"/>
+          </a:p>
+          <a:p>
+            <a:endParaRPr lang="en-US" altLang="en-US" sz="2400" b="1" dirty="0" smtClean="0"/>
+          </a:p>
+          <a:p>
+            <a:r>
+              <a:rPr lang="ro-RO" altLang="en-US" sz="2400" dirty="0" smtClean="0"/>
+              <a:t>Adapter Pattern</a:t>
+            </a:r>
+          </a:p>
+        </p:txBody>
+      </p:sp>
+    </p:spTree>
+    <p:extLst>
+      <p:ext uri="{BB962C8B-B14F-4D97-AF65-F5344CB8AC3E}">
+        <p14:creationId xmlns:p14="http://schemas.microsoft.com/office/powerpoint/2010/main" val="719981763"/>
+      </p:ext>
+    </p:extLst>
+  </p:cSld>
+  <p:clrMapOvr>
+    <a:masterClrMapping/>
+  </p:clrMapOvr>
+  <p:timing>
+    <p:tnLst>
+      <p:par>
+        <p:cTn id="1" dur="indefinite" restart="never" nodeType="tmRoot"/>
+      </p:par>
+    </p:tnLst>
+  </p:timing>
+</p:sld>
+</file>
+
+<file path=ppt/slides/slide18.xml><?xml version="1.0" encoding="utf-8"?>
+<p:sld xmlns:a="http://schemas.openxmlformats.org/drawingml/2006/main" xmlns:r="http://schemas.openxmlformats.org/officeDocument/2006/relationships" xmlns:p="http://schemas.openxmlformats.org/presentationml/2006/main">
+  <p:cSld>
+    <p:spTree>
+      <p:nvGrpSpPr>
+        <p:cNvPr id="1" name=""/>
+        <p:cNvGrpSpPr/>
+        <p:nvPr/>
+      </p:nvGrpSpPr>
+      <p:grpSpPr>
+        <a:xfrm>
+          <a:off x="0" y="0"/>
+          <a:ext cx="0" cy="0"/>
+          <a:chOff x="0" y="0"/>
+          <a:chExt cx="0" cy="0"/>
+        </a:xfrm>
+      </p:grpSpPr>
+      <p:sp>
+        <p:nvSpPr>
+          <p:cNvPr id="5122" name="Title 1"/>
+          <p:cNvSpPr>
+            <a:spLocks noGrp="1"/>
+          </p:cNvSpPr>
+          <p:nvPr>
+            <p:ph type="title"/>
+          </p:nvPr>
+        </p:nvSpPr>
+        <p:spPr>
+          <a:xfrm>
+            <a:off x="2286000" y="228600"/>
+            <a:ext cx="6400800" cy="563562"/>
+          </a:xfrm>
+        </p:spPr>
+        <p:txBody>
+          <a:bodyPr/>
+          <a:lstStyle/>
+          <a:p>
+            <a:r>
+              <a:rPr lang="en-US" altLang="en-US" sz="2400" dirty="0"/>
+              <a:t>P</a:t>
+            </a:r>
+            <a:r>
+              <a:rPr lang="en-US" altLang="en-US" sz="2400" dirty="0" smtClean="0"/>
+              <a:t>ublic members</a:t>
+            </a:r>
+            <a:endParaRPr lang="en-US" altLang="en-US" sz="2400" dirty="0" smtClean="0"/>
+          </a:p>
+        </p:txBody>
+      </p:sp>
+      <p:sp>
+        <p:nvSpPr>
+          <p:cNvPr id="8" name="Content Placeholder 2"/>
+          <p:cNvSpPr txBox="1">
+            <a:spLocks/>
+          </p:cNvSpPr>
+          <p:nvPr/>
+        </p:nvSpPr>
+        <p:spPr bwMode="auto">
+          <a:xfrm>
+            <a:off x="838200" y="1871246"/>
+            <a:ext cx="6553200" cy="533400"/>
+          </a:xfrm>
+          <a:prstGeom prst="rect">
+            <a:avLst/>
+          </a:prstGeom>
+          <a:noFill/>
+          <a:ln>
+            <a:noFill/>
+          </a:ln>
+          <a:extLst>
+            <a:ext uri="{909E8E84-426E-40DD-AFC4-6F175D3DCCD1}">
+              <a14:hiddenFill xmlns:a14="http://schemas.microsoft.com/office/drawing/2010/main">
+                <a:solidFill>
+                  <a:srgbClr val="FFFFFF"/>
+                </a:solidFill>
+              </a14:hiddenFill>
+            </a:ext>
+            <a:ext uri="{91240B29-F687-4F45-9708-019B960494DF}">
+              <a14:hiddenLine xmlns:a14="http://schemas.microsoft.com/office/drawing/2010/main" w="9525">
+                <a:solidFill>
+                  <a:srgbClr val="000000"/>
+                </a:solidFill>
+                <a:miter lim="800000"/>
+                <a:headEnd/>
+                <a:tailEnd/>
+              </a14:hiddenLine>
+            </a:ext>
+          </a:extLst>
+        </p:spPr>
+        <p:txBody>
+          <a:bodyPr vert="horz" wrap="square" lIns="91440" tIns="45720" rIns="91440" bIns="45720" numCol="1" anchor="t" anchorCtr="0" compatLnSpc="1">
+            <a:prstTxWarp prst="textNoShape">
+              <a:avLst/>
+            </a:prstTxWarp>
+          </a:bodyPr>
+          <a:lstStyle>
+            <a:lvl1pPr marL="190500" indent="-190500" algn="l" rtl="0" eaLnBrk="0" fontAlgn="base" hangingPunct="0">
+              <a:spcBef>
+                <a:spcPct val="20000"/>
+              </a:spcBef>
+              <a:spcAft>
+                <a:spcPct val="0"/>
+              </a:spcAft>
+              <a:buSzPct val="80000"/>
+              <a:buFont typeface="Wingdings" pitchFamily="2" charset="2"/>
+              <a:buChar char="§"/>
+              <a:defRPr sz="2000">
+                <a:solidFill>
+                  <a:srgbClr val="32496A"/>
+                </a:solidFill>
+                <a:latin typeface="+mn-lt"/>
+                <a:ea typeface="+mn-ea"/>
+                <a:cs typeface="+mn-cs"/>
+              </a:defRPr>
+            </a:lvl1pPr>
+            <a:lvl2pPr marL="571500" indent="-190500" algn="l" rtl="0" eaLnBrk="0" fontAlgn="base" hangingPunct="0">
+              <a:spcBef>
+                <a:spcPct val="20000"/>
+              </a:spcBef>
+              <a:spcAft>
+                <a:spcPct val="0"/>
+              </a:spcAft>
+              <a:buClr>
+                <a:srgbClr val="32496A"/>
+              </a:buClr>
+              <a:buSzPct val="80000"/>
+              <a:buFont typeface="Arial" charset="0"/>
+              <a:buChar char="-"/>
+              <a:defRPr sz="2800">
+                <a:solidFill>
+                  <a:srgbClr val="32496A"/>
+                </a:solidFill>
+                <a:latin typeface="+mn-lt"/>
+              </a:defRPr>
+            </a:lvl2pPr>
+            <a:lvl3pPr marL="952500" indent="-190500" algn="l" rtl="0" eaLnBrk="0" fontAlgn="base" hangingPunct="0">
+              <a:spcBef>
+                <a:spcPct val="20000"/>
+              </a:spcBef>
+              <a:spcAft>
+                <a:spcPct val="0"/>
+              </a:spcAft>
+              <a:buClr>
+                <a:srgbClr val="32496A"/>
+              </a:buClr>
+              <a:buSzPct val="70000"/>
+              <a:buFont typeface="Wingdings" pitchFamily="2" charset="2"/>
+              <a:buChar char="à"/>
+              <a:defRPr sz="1400">
+                <a:solidFill>
+                  <a:srgbClr val="32496A"/>
+                </a:solidFill>
+                <a:latin typeface="+mn-lt"/>
+              </a:defRPr>
+            </a:lvl3pPr>
+            <a:lvl4pPr marL="1333500" indent="-190500" algn="l" rtl="0" eaLnBrk="0" fontAlgn="base" hangingPunct="0">
+              <a:spcBef>
+                <a:spcPct val="20000"/>
+              </a:spcBef>
+              <a:spcAft>
+                <a:spcPct val="0"/>
+              </a:spcAft>
+              <a:buSzPct val="80000"/>
+              <a:buFont typeface="Wingdings" pitchFamily="2" charset="2"/>
+              <a:buChar char="§"/>
+              <a:defRPr sz="1400">
+                <a:solidFill>
+                  <a:srgbClr val="32496A"/>
+                </a:solidFill>
+                <a:latin typeface="+mn-lt"/>
+              </a:defRPr>
+            </a:lvl4pPr>
+            <a:lvl5pPr marL="1714500" indent="-190500" algn="l" rtl="0" eaLnBrk="0" fontAlgn="base" hangingPunct="0">
+              <a:spcBef>
+                <a:spcPct val="20000"/>
+              </a:spcBef>
+              <a:spcAft>
+                <a:spcPct val="0"/>
+              </a:spcAft>
+              <a:buChar char="»"/>
+              <a:defRPr sz="2000">
+                <a:solidFill>
+                  <a:schemeClr val="tx1"/>
+                </a:solidFill>
+                <a:latin typeface="+mn-lt"/>
+              </a:defRPr>
+            </a:lvl5pPr>
+            <a:lvl6pPr marL="2171700" indent="-190500" algn="l" rtl="0" fontAlgn="base">
+              <a:spcBef>
+                <a:spcPct val="20000"/>
+              </a:spcBef>
+              <a:spcAft>
+                <a:spcPct val="0"/>
+              </a:spcAft>
+              <a:buChar char="»"/>
+              <a:defRPr sz="2000">
+                <a:solidFill>
+                  <a:schemeClr val="tx1"/>
+                </a:solidFill>
+                <a:latin typeface="+mn-lt"/>
+              </a:defRPr>
+            </a:lvl6pPr>
+            <a:lvl7pPr marL="2628900" indent="-190500" algn="l" rtl="0" fontAlgn="base">
+              <a:spcBef>
+                <a:spcPct val="20000"/>
+              </a:spcBef>
+              <a:spcAft>
+                <a:spcPct val="0"/>
+              </a:spcAft>
+              <a:buChar char="»"/>
+              <a:defRPr sz="2000">
+                <a:solidFill>
+                  <a:schemeClr val="tx1"/>
+                </a:solidFill>
+                <a:latin typeface="+mn-lt"/>
+              </a:defRPr>
+            </a:lvl7pPr>
+            <a:lvl8pPr marL="3086100" indent="-190500" algn="l" rtl="0" fontAlgn="base">
+              <a:spcBef>
+                <a:spcPct val="20000"/>
+              </a:spcBef>
+              <a:spcAft>
+                <a:spcPct val="0"/>
+              </a:spcAft>
+              <a:buChar char="»"/>
+              <a:defRPr sz="2000">
+                <a:solidFill>
+                  <a:schemeClr val="tx1"/>
+                </a:solidFill>
+                <a:latin typeface="+mn-lt"/>
+              </a:defRPr>
+            </a:lvl8pPr>
+            <a:lvl9pPr marL="3543300" indent="-190500" algn="l" rtl="0" fontAlgn="base">
+              <a:spcBef>
+                <a:spcPct val="20000"/>
+              </a:spcBef>
+              <a:spcAft>
+                <a:spcPct val="0"/>
+              </a:spcAft>
+              <a:buChar char="»"/>
+              <a:defRPr sz="2000">
+                <a:solidFill>
+                  <a:schemeClr val="tx1"/>
+                </a:solidFill>
+                <a:latin typeface="+mn-lt"/>
+              </a:defRPr>
+            </a:lvl9pPr>
+          </a:lstStyle>
+          <a:p>
+            <a:r>
+              <a:rPr lang="en-US" kern="0" dirty="0" smtClean="0"/>
+              <a:t>How we create public members?</a:t>
+            </a:r>
+            <a:endParaRPr lang="en-US" kern="0" dirty="0"/>
+          </a:p>
+        </p:txBody>
+      </p:sp>
+      <p:sp>
+        <p:nvSpPr>
+          <p:cNvPr id="9" name="TextBox 8"/>
+          <p:cNvSpPr txBox="1"/>
+          <p:nvPr/>
+        </p:nvSpPr>
+        <p:spPr>
+          <a:xfrm>
+            <a:off x="1295401" y="2404646"/>
+            <a:ext cx="685800" cy="338554"/>
+          </a:xfrm>
+          <a:prstGeom prst="rect">
+            <a:avLst/>
+          </a:prstGeom>
+          <a:noFill/>
+        </p:spPr>
+        <p:txBody>
+          <a:bodyPr wrap="square" rtlCol="0">
+            <a:spAutoFit/>
+          </a:bodyPr>
+          <a:lstStyle/>
+          <a:p>
+            <a:r>
+              <a:rPr lang="en-US" sz="1600" dirty="0" smtClean="0"/>
+              <a:t>Easy.</a:t>
+            </a:r>
+            <a:endParaRPr lang="en-US" sz="1600" dirty="0" smtClean="0">
+              <a:latin typeface="Courier New" panose="02070309020205020404" pitchFamily="49" charset="0"/>
+              <a:cs typeface="Courier New" panose="02070309020205020404" pitchFamily="49" charset="0"/>
+            </a:endParaRPr>
+          </a:p>
+        </p:txBody>
+      </p:sp>
+      <p:sp>
+        <p:nvSpPr>
+          <p:cNvPr id="13" name="TextBox 12"/>
+          <p:cNvSpPr txBox="1"/>
+          <p:nvPr/>
+        </p:nvSpPr>
+        <p:spPr>
+          <a:xfrm>
+            <a:off x="6194952" y="5751566"/>
+            <a:ext cx="1978426" cy="246221"/>
+          </a:xfrm>
+          <a:prstGeom prst="rect">
+            <a:avLst/>
+          </a:prstGeom>
+          <a:noFill/>
+        </p:spPr>
+        <p:txBody>
+          <a:bodyPr wrap="none" rtlCol="0">
+            <a:spAutoFit/>
+          </a:bodyPr>
+          <a:lstStyle/>
+          <a:p>
+            <a:pPr algn="r"/>
+            <a:r>
+              <a:rPr lang="ro-RO" sz="1000" dirty="0" smtClean="0">
+                <a:solidFill>
+                  <a:schemeClr val="bg1">
+                    <a:lumMod val="75000"/>
+                  </a:schemeClr>
+                </a:solidFill>
+              </a:rPr>
+              <a:t>[</a:t>
+            </a:r>
+            <a:r>
+              <a:rPr lang="en-US" sz="1000" dirty="0" err="1" smtClean="0">
+                <a:solidFill>
+                  <a:schemeClr val="bg1">
+                    <a:lumMod val="75000"/>
+                  </a:schemeClr>
+                </a:solidFill>
+              </a:rPr>
+              <a:t>jsfiddle</a:t>
+            </a:r>
+            <a:r>
+              <a:rPr lang="en-US" sz="1000" dirty="0">
+                <a:solidFill>
+                  <a:schemeClr val="bg1">
+                    <a:lumMod val="75000"/>
+                  </a:schemeClr>
+                </a:solidFill>
+              </a:rPr>
+              <a:t>: </a:t>
+            </a:r>
+            <a:r>
+              <a:rPr lang="en-US" sz="1000" dirty="0" smtClean="0">
+                <a:solidFill>
+                  <a:schemeClr val="bg1">
+                    <a:lumMod val="75000"/>
+                  </a:schemeClr>
+                </a:solidFill>
+              </a:rPr>
+              <a:t>Virtual </a:t>
+            </a:r>
+            <a:r>
+              <a:rPr lang="en-US" sz="1000" dirty="0">
+                <a:solidFill>
+                  <a:schemeClr val="bg1">
+                    <a:lumMod val="75000"/>
+                  </a:schemeClr>
+                </a:solidFill>
+              </a:rPr>
+              <a:t>public methods</a:t>
+            </a:r>
+            <a:r>
+              <a:rPr lang="ro-RO" sz="1000" dirty="0" smtClean="0">
+                <a:solidFill>
+                  <a:schemeClr val="bg1">
+                    <a:lumMod val="75000"/>
+                  </a:schemeClr>
+                </a:solidFill>
+              </a:rPr>
+              <a:t>]</a:t>
+            </a:r>
+            <a:endParaRPr lang="en-US" sz="1000" dirty="0">
+              <a:solidFill>
+                <a:schemeClr val="bg1">
+                  <a:lumMod val="75000"/>
+                </a:schemeClr>
+              </a:solidFill>
+            </a:endParaRPr>
+          </a:p>
+        </p:txBody>
+      </p:sp>
+    </p:spTree>
+    <p:extLst>
+      <p:ext uri="{BB962C8B-B14F-4D97-AF65-F5344CB8AC3E}">
+        <p14:creationId xmlns:p14="http://schemas.microsoft.com/office/powerpoint/2010/main" val="30351439"/>
+      </p:ext>
+    </p:extLst>
+  </p:cSld>
+  <p:clrMapOvr>
+    <a:masterClrMapping/>
+  </p:clrMapOvr>
+  <p:timing>
+    <p:tnLst>
+      <p:par>
+        <p:cTn id="1" dur="indefinite" restart="never" nodeType="tmRoot">
+          <p:childTnLst>
+            <p:seq concurrent="1" nextAc="seek">
+              <p:cTn id="2" dur="indefinite" nodeType="mainSeq">
+                <p:childTnLst>
+                  <p:par>
+                    <p:cTn id="3" fill="hold">
+                      <p:stCondLst>
+                        <p:cond delay="indefinite"/>
+                      </p:stCondLst>
+                      <p:childTnLst>
+                        <p:par>
+                          <p:cTn id="4" fill="hold">
+                            <p:stCondLst>
+                              <p:cond delay="0"/>
+                            </p:stCondLst>
+                            <p:childTnLst>
+                              <p:par>
+                                <p:cTn id="5" presetID="53" presetClass="entr" presetSubtype="16" fill="hold" grpId="0" nodeType="clickEffect">
+                                  <p:stCondLst>
+                                    <p:cond delay="0"/>
+                                  </p:stCondLst>
+                                  <p:childTnLst>
+                                    <p:set>
+                                      <p:cBhvr>
+                                        <p:cTn id="6" dur="1" fill="hold">
+                                          <p:stCondLst>
+                                            <p:cond delay="0"/>
+                                          </p:stCondLst>
+                                        </p:cTn>
+                                        <p:tgtEl>
+                                          <p:spTgt spid="9"/>
+                                        </p:tgtEl>
+                                        <p:attrNameLst>
+                                          <p:attrName>style.visibility</p:attrName>
+                                        </p:attrNameLst>
+                                      </p:cBhvr>
+                                      <p:to>
+                                        <p:strVal val="visible"/>
+                                      </p:to>
+                                    </p:set>
+                                    <p:anim calcmode="lin" valueType="num">
+                                      <p:cBhvr>
+                                        <p:cTn id="7" dur="500" fill="hold"/>
+                                        <p:tgtEl>
+                                          <p:spTgt spid="9"/>
+                                        </p:tgtEl>
+                                        <p:attrNameLst>
+                                          <p:attrName>ppt_w</p:attrName>
+                                        </p:attrNameLst>
+                                      </p:cBhvr>
+                                      <p:tavLst>
+                                        <p:tav tm="0">
+                                          <p:val>
+                                            <p:fltVal val="0"/>
+                                          </p:val>
+                                        </p:tav>
+                                        <p:tav tm="100000">
+                                          <p:val>
+                                            <p:strVal val="#ppt_w"/>
+                                          </p:val>
+                                        </p:tav>
+                                      </p:tavLst>
+                                    </p:anim>
+                                    <p:anim calcmode="lin" valueType="num">
+                                      <p:cBhvr>
+                                        <p:cTn id="8" dur="500" fill="hold"/>
+                                        <p:tgtEl>
+                                          <p:spTgt spid="9"/>
+                                        </p:tgtEl>
+                                        <p:attrNameLst>
+                                          <p:attrName>ppt_h</p:attrName>
+                                        </p:attrNameLst>
+                                      </p:cBhvr>
+                                      <p:tavLst>
+                                        <p:tav tm="0">
+                                          <p:val>
+                                            <p:fltVal val="0"/>
+                                          </p:val>
+                                        </p:tav>
+                                        <p:tav tm="100000">
+                                          <p:val>
+                                            <p:strVal val="#ppt_h"/>
+                                          </p:val>
+                                        </p:tav>
+                                      </p:tavLst>
+                                    </p:anim>
+                                    <p:animEffect transition="in" filter="fade">
+                                      <p:cBhvr>
+                                        <p:cTn id="9" dur="500"/>
+                                        <p:tgtEl>
+                                          <p:spTgt spid="9"/>
+                                        </p:tgtEl>
+                                      </p:cBhvr>
+                                    </p:animEffect>
+                                  </p:childTnLst>
+                                </p:cTn>
+                              </p:par>
+                            </p:childTnLst>
+                          </p:cTn>
+                        </p:par>
+                      </p:childTnLst>
+                    </p:cTn>
+                  </p:par>
+                </p:childTnLst>
+              </p:cTn>
+              <p:prevCondLst>
+                <p:cond evt="onPrev" delay="0">
+                  <p:tgtEl>
+                    <p:sldTgt/>
+                  </p:tgtEl>
+                </p:cond>
+              </p:prevCondLst>
+              <p:nextCondLst>
+                <p:cond evt="onNext" delay="0">
+                  <p:tgtEl>
+                    <p:sldTgt/>
+                  </p:tgtEl>
+                </p:cond>
+              </p:nextCondLst>
+            </p:seq>
+          </p:childTnLst>
+        </p:cTn>
+      </p:par>
+    </p:tnLst>
+    <p:bldLst>
+      <p:bldP spid="9" grpId="0"/>
+    </p:bldLst>
+  </p:timing>
+</p:sld>
+</file>
+
+<file path=ppt/slides/slide19.xml><?xml version="1.0" encoding="utf-8"?>
+<p:sld xmlns:a="http://schemas.openxmlformats.org/drawingml/2006/main" xmlns:r="http://schemas.openxmlformats.org/officeDocument/2006/relationships" xmlns:p="http://schemas.openxmlformats.org/presentationml/2006/main">
+  <p:cSld>
+    <p:spTree>
+      <p:nvGrpSpPr>
+        <p:cNvPr id="1" name=""/>
+        <p:cNvGrpSpPr/>
+        <p:nvPr/>
+      </p:nvGrpSpPr>
+      <p:grpSpPr>
+        <a:xfrm>
+          <a:off x="0" y="0"/>
+          <a:ext cx="0" cy="0"/>
+          <a:chOff x="0" y="0"/>
+          <a:chExt cx="0" cy="0"/>
+        </a:xfrm>
+      </p:grpSpPr>
+      <p:sp>
+        <p:nvSpPr>
+          <p:cNvPr id="5122" name="Title 1"/>
+          <p:cNvSpPr>
+            <a:spLocks noGrp="1"/>
+          </p:cNvSpPr>
+          <p:nvPr>
+            <p:ph type="title"/>
+          </p:nvPr>
+        </p:nvSpPr>
+        <p:spPr>
+          <a:xfrm>
+            <a:off x="2286000" y="228600"/>
+            <a:ext cx="6400800" cy="563562"/>
+          </a:xfrm>
+        </p:spPr>
+        <p:txBody>
+          <a:bodyPr/>
+          <a:lstStyle/>
+          <a:p>
+            <a:r>
+              <a:rPr lang="en-US" altLang="en-US" sz="2400" dirty="0" smtClean="0"/>
+              <a:t>Private members</a:t>
+            </a:r>
+            <a:endParaRPr lang="en-US" altLang="en-US" sz="2400" dirty="0" smtClean="0"/>
+          </a:p>
+        </p:txBody>
+      </p:sp>
+      <p:sp>
+        <p:nvSpPr>
+          <p:cNvPr id="8" name="Content Placeholder 2"/>
+          <p:cNvSpPr txBox="1">
+            <a:spLocks/>
+          </p:cNvSpPr>
+          <p:nvPr/>
+        </p:nvSpPr>
+        <p:spPr bwMode="auto">
+          <a:xfrm>
+            <a:off x="838200" y="1871246"/>
+            <a:ext cx="6553200" cy="533400"/>
+          </a:xfrm>
+          <a:prstGeom prst="rect">
+            <a:avLst/>
+          </a:prstGeom>
+          <a:noFill/>
+          <a:ln>
+            <a:noFill/>
+          </a:ln>
+          <a:extLst>
+            <a:ext uri="{909E8E84-426E-40DD-AFC4-6F175D3DCCD1}">
+              <a14:hiddenFill xmlns:a14="http://schemas.microsoft.com/office/drawing/2010/main">
+                <a:solidFill>
+                  <a:srgbClr val="FFFFFF"/>
+                </a:solidFill>
+              </a14:hiddenFill>
+            </a:ext>
+            <a:ext uri="{91240B29-F687-4F45-9708-019B960494DF}">
+              <a14:hiddenLine xmlns:a14="http://schemas.microsoft.com/office/drawing/2010/main" w="9525">
+                <a:solidFill>
+                  <a:srgbClr val="000000"/>
+                </a:solidFill>
+                <a:miter lim="800000"/>
+                <a:headEnd/>
+                <a:tailEnd/>
+              </a14:hiddenLine>
+            </a:ext>
+          </a:extLst>
+        </p:spPr>
+        <p:txBody>
+          <a:bodyPr vert="horz" wrap="square" lIns="91440" tIns="45720" rIns="91440" bIns="45720" numCol="1" anchor="t" anchorCtr="0" compatLnSpc="1">
+            <a:prstTxWarp prst="textNoShape">
+              <a:avLst/>
+            </a:prstTxWarp>
+          </a:bodyPr>
+          <a:lstStyle>
+            <a:lvl1pPr marL="190500" indent="-190500" algn="l" rtl="0" eaLnBrk="0" fontAlgn="base" hangingPunct="0">
+              <a:spcBef>
+                <a:spcPct val="20000"/>
+              </a:spcBef>
+              <a:spcAft>
+                <a:spcPct val="0"/>
+              </a:spcAft>
+              <a:buSzPct val="80000"/>
+              <a:buFont typeface="Wingdings" pitchFamily="2" charset="2"/>
+              <a:buChar char="§"/>
+              <a:defRPr sz="2000">
+                <a:solidFill>
+                  <a:srgbClr val="32496A"/>
+                </a:solidFill>
+                <a:latin typeface="+mn-lt"/>
+                <a:ea typeface="+mn-ea"/>
+                <a:cs typeface="+mn-cs"/>
+              </a:defRPr>
+            </a:lvl1pPr>
+            <a:lvl2pPr marL="571500" indent="-190500" algn="l" rtl="0" eaLnBrk="0" fontAlgn="base" hangingPunct="0">
+              <a:spcBef>
+                <a:spcPct val="20000"/>
+              </a:spcBef>
+              <a:spcAft>
+                <a:spcPct val="0"/>
+              </a:spcAft>
+              <a:buClr>
+                <a:srgbClr val="32496A"/>
+              </a:buClr>
+              <a:buSzPct val="80000"/>
+              <a:buFont typeface="Arial" charset="0"/>
+              <a:buChar char="-"/>
+              <a:defRPr sz="2800">
+                <a:solidFill>
+                  <a:srgbClr val="32496A"/>
+                </a:solidFill>
+                <a:latin typeface="+mn-lt"/>
+              </a:defRPr>
+            </a:lvl2pPr>
+            <a:lvl3pPr marL="952500" indent="-190500" algn="l" rtl="0" eaLnBrk="0" fontAlgn="base" hangingPunct="0">
+              <a:spcBef>
+                <a:spcPct val="20000"/>
+              </a:spcBef>
+              <a:spcAft>
+                <a:spcPct val="0"/>
+              </a:spcAft>
+              <a:buClr>
+                <a:srgbClr val="32496A"/>
+              </a:buClr>
+              <a:buSzPct val="70000"/>
+              <a:buFont typeface="Wingdings" pitchFamily="2" charset="2"/>
+              <a:buChar char="à"/>
+              <a:defRPr sz="1400">
+                <a:solidFill>
+                  <a:srgbClr val="32496A"/>
+                </a:solidFill>
+                <a:latin typeface="+mn-lt"/>
+              </a:defRPr>
+            </a:lvl3pPr>
+            <a:lvl4pPr marL="1333500" indent="-190500" algn="l" rtl="0" eaLnBrk="0" fontAlgn="base" hangingPunct="0">
+              <a:spcBef>
+                <a:spcPct val="20000"/>
+              </a:spcBef>
+              <a:spcAft>
+                <a:spcPct val="0"/>
+              </a:spcAft>
+              <a:buSzPct val="80000"/>
+              <a:buFont typeface="Wingdings" pitchFamily="2" charset="2"/>
+              <a:buChar char="§"/>
+              <a:defRPr sz="1400">
+                <a:solidFill>
+                  <a:srgbClr val="32496A"/>
+                </a:solidFill>
+                <a:latin typeface="+mn-lt"/>
+              </a:defRPr>
+            </a:lvl4pPr>
+            <a:lvl5pPr marL="1714500" indent="-190500" algn="l" rtl="0" eaLnBrk="0" fontAlgn="base" hangingPunct="0">
+              <a:spcBef>
+                <a:spcPct val="20000"/>
+              </a:spcBef>
+              <a:spcAft>
+                <a:spcPct val="0"/>
+              </a:spcAft>
+              <a:buChar char="»"/>
+              <a:defRPr sz="2000">
+                <a:solidFill>
+                  <a:schemeClr val="tx1"/>
+                </a:solidFill>
+                <a:latin typeface="+mn-lt"/>
+              </a:defRPr>
+            </a:lvl5pPr>
+            <a:lvl6pPr marL="2171700" indent="-190500" algn="l" rtl="0" fontAlgn="base">
+              <a:spcBef>
+                <a:spcPct val="20000"/>
+              </a:spcBef>
+              <a:spcAft>
+                <a:spcPct val="0"/>
+              </a:spcAft>
+              <a:buChar char="»"/>
+              <a:defRPr sz="2000">
+                <a:solidFill>
+                  <a:schemeClr val="tx1"/>
+                </a:solidFill>
+                <a:latin typeface="+mn-lt"/>
+              </a:defRPr>
+            </a:lvl6pPr>
+            <a:lvl7pPr marL="2628900" indent="-190500" algn="l" rtl="0" fontAlgn="base">
+              <a:spcBef>
+                <a:spcPct val="20000"/>
+              </a:spcBef>
+              <a:spcAft>
+                <a:spcPct val="0"/>
+              </a:spcAft>
+              <a:buChar char="»"/>
+              <a:defRPr sz="2000">
+                <a:solidFill>
+                  <a:schemeClr val="tx1"/>
+                </a:solidFill>
+                <a:latin typeface="+mn-lt"/>
+              </a:defRPr>
+            </a:lvl7pPr>
+            <a:lvl8pPr marL="3086100" indent="-190500" algn="l" rtl="0" fontAlgn="base">
+              <a:spcBef>
+                <a:spcPct val="20000"/>
+              </a:spcBef>
+              <a:spcAft>
+                <a:spcPct val="0"/>
+              </a:spcAft>
+              <a:buChar char="»"/>
+              <a:defRPr sz="2000">
+                <a:solidFill>
+                  <a:schemeClr val="tx1"/>
+                </a:solidFill>
+                <a:latin typeface="+mn-lt"/>
+              </a:defRPr>
+            </a:lvl8pPr>
+            <a:lvl9pPr marL="3543300" indent="-190500" algn="l" rtl="0" fontAlgn="base">
+              <a:spcBef>
+                <a:spcPct val="20000"/>
+              </a:spcBef>
+              <a:spcAft>
+                <a:spcPct val="0"/>
+              </a:spcAft>
+              <a:buChar char="»"/>
+              <a:defRPr sz="2000">
+                <a:solidFill>
+                  <a:schemeClr val="tx1"/>
+                </a:solidFill>
+                <a:latin typeface="+mn-lt"/>
+              </a:defRPr>
+            </a:lvl9pPr>
+          </a:lstStyle>
+          <a:p>
+            <a:r>
+              <a:rPr lang="en-US" kern="0" dirty="0" smtClean="0"/>
+              <a:t>How we create private members?</a:t>
+            </a:r>
+            <a:endParaRPr lang="en-US" kern="0" dirty="0"/>
+          </a:p>
+        </p:txBody>
+      </p:sp>
+      <p:sp>
+        <p:nvSpPr>
+          <p:cNvPr id="9" name="TextBox 8"/>
+          <p:cNvSpPr txBox="1"/>
+          <p:nvPr/>
+        </p:nvSpPr>
+        <p:spPr>
+          <a:xfrm>
+            <a:off x="1295401" y="2404646"/>
+            <a:ext cx="3124199" cy="338554"/>
+          </a:xfrm>
+          <a:prstGeom prst="rect">
+            <a:avLst/>
+          </a:prstGeom>
+          <a:noFill/>
+        </p:spPr>
+        <p:txBody>
+          <a:bodyPr wrap="square" rtlCol="0">
+            <a:spAutoFit/>
+          </a:bodyPr>
+          <a:lstStyle/>
+          <a:p>
+            <a:r>
+              <a:rPr lang="en-US" sz="1600" dirty="0" smtClean="0"/>
+              <a:t>We cannot, but we can emulate.</a:t>
+            </a:r>
+            <a:endParaRPr lang="en-US" sz="1600" dirty="0" smtClean="0">
+              <a:latin typeface="Courier New" panose="02070309020205020404" pitchFamily="49" charset="0"/>
+              <a:cs typeface="Courier New" panose="02070309020205020404" pitchFamily="49" charset="0"/>
+            </a:endParaRPr>
+          </a:p>
+        </p:txBody>
+      </p:sp>
+      <p:sp>
+        <p:nvSpPr>
+          <p:cNvPr id="13" name="TextBox 12"/>
+          <p:cNvSpPr txBox="1"/>
+          <p:nvPr/>
+        </p:nvSpPr>
+        <p:spPr>
+          <a:xfrm>
+            <a:off x="6170541" y="5756519"/>
+            <a:ext cx="1645002" cy="246221"/>
+          </a:xfrm>
+          <a:prstGeom prst="rect">
+            <a:avLst/>
+          </a:prstGeom>
+          <a:noFill/>
+        </p:spPr>
+        <p:txBody>
+          <a:bodyPr wrap="none" rtlCol="0">
+            <a:spAutoFit/>
+          </a:bodyPr>
+          <a:lstStyle/>
+          <a:p>
+            <a:pPr algn="r"/>
+            <a:r>
+              <a:rPr lang="ro-RO" sz="1000" dirty="0" smtClean="0">
+                <a:solidFill>
+                  <a:schemeClr val="bg1">
+                    <a:lumMod val="75000"/>
+                  </a:schemeClr>
+                </a:solidFill>
+              </a:rPr>
+              <a:t>[</a:t>
+            </a:r>
+            <a:r>
+              <a:rPr lang="en-US" sz="1000" dirty="0" err="1" smtClean="0">
+                <a:solidFill>
+                  <a:schemeClr val="bg1">
+                    <a:lumMod val="75000"/>
+                  </a:schemeClr>
+                </a:solidFill>
+              </a:rPr>
+              <a:t>jsfiddle</a:t>
+            </a:r>
+            <a:r>
+              <a:rPr lang="en-US" sz="1000" dirty="0">
+                <a:solidFill>
+                  <a:schemeClr val="bg1">
+                    <a:lumMod val="75000"/>
+                  </a:schemeClr>
+                </a:solidFill>
+              </a:rPr>
+              <a:t>: Private methods</a:t>
+            </a:r>
+            <a:r>
+              <a:rPr lang="ro-RO" sz="1000" dirty="0" smtClean="0">
+                <a:solidFill>
+                  <a:schemeClr val="bg1">
+                    <a:lumMod val="75000"/>
+                  </a:schemeClr>
+                </a:solidFill>
+              </a:rPr>
+              <a:t>]</a:t>
+            </a:r>
+            <a:endParaRPr lang="en-US" sz="1000" dirty="0">
+              <a:solidFill>
+                <a:schemeClr val="bg1">
+                  <a:lumMod val="75000"/>
+                </a:schemeClr>
+              </a:solidFill>
+            </a:endParaRPr>
+          </a:p>
+        </p:txBody>
+      </p:sp>
+    </p:spTree>
+    <p:extLst>
+      <p:ext uri="{BB962C8B-B14F-4D97-AF65-F5344CB8AC3E}">
+        <p14:creationId xmlns:p14="http://schemas.microsoft.com/office/powerpoint/2010/main" val="1925126406"/>
+      </p:ext>
+    </p:extLst>
+  </p:cSld>
+  <p:clrMapOvr>
+    <a:masterClrMapping/>
+  </p:clrMapOvr>
+  <p:timing>
+    <p:tnLst>
+      <p:par>
+        <p:cTn id="1" dur="indefinite" restart="never" nodeType="tmRoot">
+          <p:childTnLst>
+            <p:seq concurrent="1" nextAc="seek">
+              <p:cTn id="2" dur="indefinite" nodeType="mainSeq">
+                <p:childTnLst>
+                  <p:par>
+                    <p:cTn id="3" fill="hold">
+                      <p:stCondLst>
+                        <p:cond delay="indefinite"/>
+                      </p:stCondLst>
+                      <p:childTnLst>
+                        <p:par>
+                          <p:cTn id="4" fill="hold">
+                            <p:stCondLst>
+                              <p:cond delay="0"/>
+                            </p:stCondLst>
+                            <p:childTnLst>
+                              <p:par>
+                                <p:cTn id="5" presetID="53" presetClass="entr" presetSubtype="16" fill="hold" grpId="0" nodeType="clickEffect">
+                                  <p:stCondLst>
+                                    <p:cond delay="0"/>
+                                  </p:stCondLst>
+                                  <p:childTnLst>
+                                    <p:set>
+                                      <p:cBhvr>
+                                        <p:cTn id="6" dur="1" fill="hold">
+                                          <p:stCondLst>
+                                            <p:cond delay="0"/>
+                                          </p:stCondLst>
+                                        </p:cTn>
+                                        <p:tgtEl>
+                                          <p:spTgt spid="9"/>
+                                        </p:tgtEl>
+                                        <p:attrNameLst>
+                                          <p:attrName>style.visibility</p:attrName>
+                                        </p:attrNameLst>
+                                      </p:cBhvr>
+                                      <p:to>
+                                        <p:strVal val="visible"/>
+                                      </p:to>
+                                    </p:set>
+                                    <p:anim calcmode="lin" valueType="num">
+                                      <p:cBhvr>
+                                        <p:cTn id="7" dur="500" fill="hold"/>
+                                        <p:tgtEl>
+                                          <p:spTgt spid="9"/>
+                                        </p:tgtEl>
+                                        <p:attrNameLst>
+                                          <p:attrName>ppt_w</p:attrName>
+                                        </p:attrNameLst>
+                                      </p:cBhvr>
+                                      <p:tavLst>
+                                        <p:tav tm="0">
+                                          <p:val>
+                                            <p:fltVal val="0"/>
+                                          </p:val>
+                                        </p:tav>
+                                        <p:tav tm="100000">
+                                          <p:val>
+                                            <p:strVal val="#ppt_w"/>
+                                          </p:val>
+                                        </p:tav>
+                                      </p:tavLst>
+                                    </p:anim>
+                                    <p:anim calcmode="lin" valueType="num">
+                                      <p:cBhvr>
+                                        <p:cTn id="8" dur="500" fill="hold"/>
+                                        <p:tgtEl>
+                                          <p:spTgt spid="9"/>
+                                        </p:tgtEl>
+                                        <p:attrNameLst>
+                                          <p:attrName>ppt_h</p:attrName>
+                                        </p:attrNameLst>
+                                      </p:cBhvr>
+                                      <p:tavLst>
+                                        <p:tav tm="0">
+                                          <p:val>
+                                            <p:fltVal val="0"/>
+                                          </p:val>
+                                        </p:tav>
+                                        <p:tav tm="100000">
+                                          <p:val>
+                                            <p:strVal val="#ppt_h"/>
+                                          </p:val>
+                                        </p:tav>
+                                      </p:tavLst>
+                                    </p:anim>
+                                    <p:animEffect transition="in" filter="fade">
+                                      <p:cBhvr>
+                                        <p:cTn id="9" dur="500"/>
+                                        <p:tgtEl>
+                                          <p:spTgt spid="9"/>
+                                        </p:tgtEl>
+                                      </p:cBhvr>
+                                    </p:animEffect>
+                                  </p:childTnLst>
+                                </p:cTn>
+                              </p:par>
+                            </p:childTnLst>
+                          </p:cTn>
+                        </p:par>
+                      </p:childTnLst>
+                    </p:cTn>
+                  </p:par>
+                </p:childTnLst>
+              </p:cTn>
+              <p:prevCondLst>
+                <p:cond evt="onPrev" delay="0">
+                  <p:tgtEl>
+                    <p:sldTgt/>
+                  </p:tgtEl>
+                </p:cond>
+              </p:prevCondLst>
+              <p:nextCondLst>
+                <p:cond evt="onNext" delay="0">
+                  <p:tgtEl>
+                    <p:sldTgt/>
+                  </p:tgtEl>
+                </p:cond>
+              </p:nextCondLst>
+            </p:seq>
+          </p:childTnLst>
+        </p:cTn>
+      </p:par>
+    </p:tnLst>
+    <p:bldLst>
+      <p:bldP spid="9" grpId="0"/>
+    </p:bldLst>
+  </p:timing>
+</p:sld>
+</file>
+
 <file path=ppt/slides/slide2.xml><?xml version="1.0" encoding="utf-8"?>
 <p:sld xmlns:a="http://schemas.openxmlformats.org/drawingml/2006/main" xmlns:r="http://schemas.openxmlformats.org/officeDocument/2006/relationships" xmlns:p="http://schemas.openxmlformats.org/presentationml/2006/main">
   <p:cSld>
@@ -8157,7 +9492,7 @@
         </p:nvSpPr>
         <p:spPr>
           <a:xfrm>
-            <a:off x="2286000" y="274638"/>
+            <a:off x="2286000" y="228600"/>
             <a:ext cx="6400800" cy="563562"/>
           </a:xfrm>
         </p:spPr>
@@ -8219,6 +9554,16 @@
             <a:endParaRPr lang="en-US" altLang="en-US" sz="2400" dirty="0" smtClean="0"/>
           </a:p>
           <a:p>
+            <a:endParaRPr lang="en-US" altLang="en-US" sz="2400" dirty="0"/>
+          </a:p>
+          <a:p>
+            <a:r>
+              <a:rPr lang="en-US" altLang="en-US" sz="2400" dirty="0" smtClean="0"/>
+              <a:t>Public, Private, Protected</a:t>
+            </a:r>
+            <a:endParaRPr lang="en-US" altLang="en-US" sz="2400" dirty="0" smtClean="0"/>
+          </a:p>
+          <a:p>
             <a:endParaRPr lang="en-US" altLang="en-US" sz="2400" dirty="0" smtClean="0"/>
           </a:p>
           <a:p>
@@ -8230,6 +9575,2442 @@
         </p:txBody>
       </p:sp>
     </p:spTree>
+  </p:cSld>
+  <p:clrMapOvr>
+    <a:masterClrMapping/>
+  </p:clrMapOvr>
+  <p:timing>
+    <p:tnLst>
+      <p:par>
+        <p:cTn id="1" dur="indefinite" restart="never" nodeType="tmRoot"/>
+      </p:par>
+    </p:tnLst>
+  </p:timing>
+</p:sld>
+</file>
+
+<file path=ppt/slides/slide20.xml><?xml version="1.0" encoding="utf-8"?>
+<p:sld xmlns:a="http://schemas.openxmlformats.org/drawingml/2006/main" xmlns:r="http://schemas.openxmlformats.org/officeDocument/2006/relationships" xmlns:p="http://schemas.openxmlformats.org/presentationml/2006/main">
+  <p:cSld>
+    <p:spTree>
+      <p:nvGrpSpPr>
+        <p:cNvPr id="1" name=""/>
+        <p:cNvGrpSpPr/>
+        <p:nvPr/>
+      </p:nvGrpSpPr>
+      <p:grpSpPr>
+        <a:xfrm>
+          <a:off x="0" y="0"/>
+          <a:ext cx="0" cy="0"/>
+          <a:chOff x="0" y="0"/>
+          <a:chExt cx="0" cy="0"/>
+        </a:xfrm>
+      </p:grpSpPr>
+      <p:sp>
+        <p:nvSpPr>
+          <p:cNvPr id="5122" name="Title 1"/>
+          <p:cNvSpPr>
+            <a:spLocks noGrp="1"/>
+          </p:cNvSpPr>
+          <p:nvPr>
+            <p:ph type="title"/>
+          </p:nvPr>
+        </p:nvSpPr>
+        <p:spPr>
+          <a:xfrm>
+            <a:off x="2286000" y="228600"/>
+            <a:ext cx="6400800" cy="563562"/>
+          </a:xfrm>
+        </p:spPr>
+        <p:txBody>
+          <a:bodyPr/>
+          <a:lstStyle/>
+          <a:p>
+            <a:r>
+              <a:rPr lang="en-US" altLang="en-US" sz="2400" dirty="0" smtClean="0"/>
+              <a:t>Protected members</a:t>
+            </a:r>
+            <a:endParaRPr lang="en-US" altLang="en-US" sz="2400" dirty="0" smtClean="0"/>
+          </a:p>
+        </p:txBody>
+      </p:sp>
+      <p:sp>
+        <p:nvSpPr>
+          <p:cNvPr id="10" name="Content Placeholder 2"/>
+          <p:cNvSpPr txBox="1">
+            <a:spLocks/>
+          </p:cNvSpPr>
+          <p:nvPr/>
+        </p:nvSpPr>
+        <p:spPr bwMode="auto">
+          <a:xfrm>
+            <a:off x="838200" y="1871246"/>
+            <a:ext cx="6553200" cy="533400"/>
+          </a:xfrm>
+          <a:prstGeom prst="rect">
+            <a:avLst/>
+          </a:prstGeom>
+          <a:noFill/>
+          <a:ln>
+            <a:noFill/>
+          </a:ln>
+          <a:extLst>
+            <a:ext uri="{909E8E84-426E-40DD-AFC4-6F175D3DCCD1}">
+              <a14:hiddenFill xmlns:a14="http://schemas.microsoft.com/office/drawing/2010/main">
+                <a:solidFill>
+                  <a:srgbClr val="FFFFFF"/>
+                </a:solidFill>
+              </a14:hiddenFill>
+            </a:ext>
+            <a:ext uri="{91240B29-F687-4F45-9708-019B960494DF}">
+              <a14:hiddenLine xmlns:a14="http://schemas.microsoft.com/office/drawing/2010/main" w="9525">
+                <a:solidFill>
+                  <a:srgbClr val="000000"/>
+                </a:solidFill>
+                <a:miter lim="800000"/>
+                <a:headEnd/>
+                <a:tailEnd/>
+              </a14:hiddenLine>
+            </a:ext>
+          </a:extLst>
+        </p:spPr>
+        <p:txBody>
+          <a:bodyPr vert="horz" wrap="square" lIns="91440" tIns="45720" rIns="91440" bIns="45720" numCol="1" anchor="t" anchorCtr="0" compatLnSpc="1">
+            <a:prstTxWarp prst="textNoShape">
+              <a:avLst/>
+            </a:prstTxWarp>
+          </a:bodyPr>
+          <a:lstStyle>
+            <a:lvl1pPr marL="190500" indent="-190500" algn="l" rtl="0" eaLnBrk="0" fontAlgn="base" hangingPunct="0">
+              <a:spcBef>
+                <a:spcPct val="20000"/>
+              </a:spcBef>
+              <a:spcAft>
+                <a:spcPct val="0"/>
+              </a:spcAft>
+              <a:buSzPct val="80000"/>
+              <a:buFont typeface="Wingdings" pitchFamily="2" charset="2"/>
+              <a:buChar char="§"/>
+              <a:defRPr sz="2000">
+                <a:solidFill>
+                  <a:srgbClr val="32496A"/>
+                </a:solidFill>
+                <a:latin typeface="+mn-lt"/>
+                <a:ea typeface="+mn-ea"/>
+                <a:cs typeface="+mn-cs"/>
+              </a:defRPr>
+            </a:lvl1pPr>
+            <a:lvl2pPr marL="571500" indent="-190500" algn="l" rtl="0" eaLnBrk="0" fontAlgn="base" hangingPunct="0">
+              <a:spcBef>
+                <a:spcPct val="20000"/>
+              </a:spcBef>
+              <a:spcAft>
+                <a:spcPct val="0"/>
+              </a:spcAft>
+              <a:buClr>
+                <a:srgbClr val="32496A"/>
+              </a:buClr>
+              <a:buSzPct val="80000"/>
+              <a:buFont typeface="Arial" charset="0"/>
+              <a:buChar char="-"/>
+              <a:defRPr sz="2800">
+                <a:solidFill>
+                  <a:srgbClr val="32496A"/>
+                </a:solidFill>
+                <a:latin typeface="+mn-lt"/>
+              </a:defRPr>
+            </a:lvl2pPr>
+            <a:lvl3pPr marL="952500" indent="-190500" algn="l" rtl="0" eaLnBrk="0" fontAlgn="base" hangingPunct="0">
+              <a:spcBef>
+                <a:spcPct val="20000"/>
+              </a:spcBef>
+              <a:spcAft>
+                <a:spcPct val="0"/>
+              </a:spcAft>
+              <a:buClr>
+                <a:srgbClr val="32496A"/>
+              </a:buClr>
+              <a:buSzPct val="70000"/>
+              <a:buFont typeface="Wingdings" pitchFamily="2" charset="2"/>
+              <a:buChar char="à"/>
+              <a:defRPr sz="1400">
+                <a:solidFill>
+                  <a:srgbClr val="32496A"/>
+                </a:solidFill>
+                <a:latin typeface="+mn-lt"/>
+              </a:defRPr>
+            </a:lvl3pPr>
+            <a:lvl4pPr marL="1333500" indent="-190500" algn="l" rtl="0" eaLnBrk="0" fontAlgn="base" hangingPunct="0">
+              <a:spcBef>
+                <a:spcPct val="20000"/>
+              </a:spcBef>
+              <a:spcAft>
+                <a:spcPct val="0"/>
+              </a:spcAft>
+              <a:buSzPct val="80000"/>
+              <a:buFont typeface="Wingdings" pitchFamily="2" charset="2"/>
+              <a:buChar char="§"/>
+              <a:defRPr sz="1400">
+                <a:solidFill>
+                  <a:srgbClr val="32496A"/>
+                </a:solidFill>
+                <a:latin typeface="+mn-lt"/>
+              </a:defRPr>
+            </a:lvl4pPr>
+            <a:lvl5pPr marL="1714500" indent="-190500" algn="l" rtl="0" eaLnBrk="0" fontAlgn="base" hangingPunct="0">
+              <a:spcBef>
+                <a:spcPct val="20000"/>
+              </a:spcBef>
+              <a:spcAft>
+                <a:spcPct val="0"/>
+              </a:spcAft>
+              <a:buChar char="»"/>
+              <a:defRPr sz="2000">
+                <a:solidFill>
+                  <a:schemeClr val="tx1"/>
+                </a:solidFill>
+                <a:latin typeface="+mn-lt"/>
+              </a:defRPr>
+            </a:lvl5pPr>
+            <a:lvl6pPr marL="2171700" indent="-190500" algn="l" rtl="0" fontAlgn="base">
+              <a:spcBef>
+                <a:spcPct val="20000"/>
+              </a:spcBef>
+              <a:spcAft>
+                <a:spcPct val="0"/>
+              </a:spcAft>
+              <a:buChar char="»"/>
+              <a:defRPr sz="2000">
+                <a:solidFill>
+                  <a:schemeClr val="tx1"/>
+                </a:solidFill>
+                <a:latin typeface="+mn-lt"/>
+              </a:defRPr>
+            </a:lvl6pPr>
+            <a:lvl7pPr marL="2628900" indent="-190500" algn="l" rtl="0" fontAlgn="base">
+              <a:spcBef>
+                <a:spcPct val="20000"/>
+              </a:spcBef>
+              <a:spcAft>
+                <a:spcPct val="0"/>
+              </a:spcAft>
+              <a:buChar char="»"/>
+              <a:defRPr sz="2000">
+                <a:solidFill>
+                  <a:schemeClr val="tx1"/>
+                </a:solidFill>
+                <a:latin typeface="+mn-lt"/>
+              </a:defRPr>
+            </a:lvl7pPr>
+            <a:lvl8pPr marL="3086100" indent="-190500" algn="l" rtl="0" fontAlgn="base">
+              <a:spcBef>
+                <a:spcPct val="20000"/>
+              </a:spcBef>
+              <a:spcAft>
+                <a:spcPct val="0"/>
+              </a:spcAft>
+              <a:buChar char="»"/>
+              <a:defRPr sz="2000">
+                <a:solidFill>
+                  <a:schemeClr val="tx1"/>
+                </a:solidFill>
+                <a:latin typeface="+mn-lt"/>
+              </a:defRPr>
+            </a:lvl8pPr>
+            <a:lvl9pPr marL="3543300" indent="-190500" algn="l" rtl="0" fontAlgn="base">
+              <a:spcBef>
+                <a:spcPct val="20000"/>
+              </a:spcBef>
+              <a:spcAft>
+                <a:spcPct val="0"/>
+              </a:spcAft>
+              <a:buChar char="»"/>
+              <a:defRPr sz="2000">
+                <a:solidFill>
+                  <a:schemeClr val="tx1"/>
+                </a:solidFill>
+                <a:latin typeface="+mn-lt"/>
+              </a:defRPr>
+            </a:lvl9pPr>
+          </a:lstStyle>
+          <a:p>
+            <a:r>
+              <a:rPr lang="en-US" kern="0" dirty="0" smtClean="0"/>
+              <a:t>How we create protected members?</a:t>
+            </a:r>
+            <a:endParaRPr lang="en-US" kern="0" dirty="0"/>
+          </a:p>
+        </p:txBody>
+      </p:sp>
+      <p:sp>
+        <p:nvSpPr>
+          <p:cNvPr id="12" name="TextBox 11"/>
+          <p:cNvSpPr txBox="1"/>
+          <p:nvPr/>
+        </p:nvSpPr>
+        <p:spPr>
+          <a:xfrm>
+            <a:off x="1291047" y="2404646"/>
+            <a:ext cx="1223554" cy="338554"/>
+          </a:xfrm>
+          <a:prstGeom prst="rect">
+            <a:avLst/>
+          </a:prstGeom>
+          <a:noFill/>
+        </p:spPr>
+        <p:txBody>
+          <a:bodyPr wrap="square" rtlCol="0">
+            <a:spAutoFit/>
+          </a:bodyPr>
+          <a:lstStyle/>
+          <a:p>
+            <a:r>
+              <a:rPr lang="en-US" sz="1600" dirty="0" smtClean="0"/>
+              <a:t>We cannot.</a:t>
+            </a:r>
+            <a:endParaRPr lang="en-US" sz="1600" dirty="0" smtClean="0">
+              <a:latin typeface="Courier New" panose="02070309020205020404" pitchFamily="49" charset="0"/>
+              <a:cs typeface="Courier New" panose="02070309020205020404" pitchFamily="49" charset="0"/>
+            </a:endParaRPr>
+          </a:p>
+        </p:txBody>
+      </p:sp>
+    </p:spTree>
+    <p:extLst>
+      <p:ext uri="{BB962C8B-B14F-4D97-AF65-F5344CB8AC3E}">
+        <p14:creationId xmlns:p14="http://schemas.microsoft.com/office/powerpoint/2010/main" val="1323662240"/>
+      </p:ext>
+    </p:extLst>
+  </p:cSld>
+  <p:clrMapOvr>
+    <a:masterClrMapping/>
+  </p:clrMapOvr>
+  <p:timing>
+    <p:tnLst>
+      <p:par>
+        <p:cTn id="1" dur="indefinite" restart="never" nodeType="tmRoot">
+          <p:childTnLst>
+            <p:seq concurrent="1" nextAc="seek">
+              <p:cTn id="2" dur="indefinite" nodeType="mainSeq">
+                <p:childTnLst>
+                  <p:par>
+                    <p:cTn id="3" fill="hold">
+                      <p:stCondLst>
+                        <p:cond delay="indefinite"/>
+                      </p:stCondLst>
+                      <p:childTnLst>
+                        <p:par>
+                          <p:cTn id="4" fill="hold">
+                            <p:stCondLst>
+                              <p:cond delay="0"/>
+                            </p:stCondLst>
+                            <p:childTnLst>
+                              <p:par>
+                                <p:cTn id="5" presetID="53" presetClass="entr" presetSubtype="16" fill="hold" grpId="0" nodeType="clickEffect">
+                                  <p:stCondLst>
+                                    <p:cond delay="0"/>
+                                  </p:stCondLst>
+                                  <p:childTnLst>
+                                    <p:set>
+                                      <p:cBhvr>
+                                        <p:cTn id="6" dur="1" fill="hold">
+                                          <p:stCondLst>
+                                            <p:cond delay="0"/>
+                                          </p:stCondLst>
+                                        </p:cTn>
+                                        <p:tgtEl>
+                                          <p:spTgt spid="12"/>
+                                        </p:tgtEl>
+                                        <p:attrNameLst>
+                                          <p:attrName>style.visibility</p:attrName>
+                                        </p:attrNameLst>
+                                      </p:cBhvr>
+                                      <p:to>
+                                        <p:strVal val="visible"/>
+                                      </p:to>
+                                    </p:set>
+                                    <p:anim calcmode="lin" valueType="num">
+                                      <p:cBhvr>
+                                        <p:cTn id="7" dur="500" fill="hold"/>
+                                        <p:tgtEl>
+                                          <p:spTgt spid="12"/>
+                                        </p:tgtEl>
+                                        <p:attrNameLst>
+                                          <p:attrName>ppt_w</p:attrName>
+                                        </p:attrNameLst>
+                                      </p:cBhvr>
+                                      <p:tavLst>
+                                        <p:tav tm="0">
+                                          <p:val>
+                                            <p:fltVal val="0"/>
+                                          </p:val>
+                                        </p:tav>
+                                        <p:tav tm="100000">
+                                          <p:val>
+                                            <p:strVal val="#ppt_w"/>
+                                          </p:val>
+                                        </p:tav>
+                                      </p:tavLst>
+                                    </p:anim>
+                                    <p:anim calcmode="lin" valueType="num">
+                                      <p:cBhvr>
+                                        <p:cTn id="8" dur="500" fill="hold"/>
+                                        <p:tgtEl>
+                                          <p:spTgt spid="12"/>
+                                        </p:tgtEl>
+                                        <p:attrNameLst>
+                                          <p:attrName>ppt_h</p:attrName>
+                                        </p:attrNameLst>
+                                      </p:cBhvr>
+                                      <p:tavLst>
+                                        <p:tav tm="0">
+                                          <p:val>
+                                            <p:fltVal val="0"/>
+                                          </p:val>
+                                        </p:tav>
+                                        <p:tav tm="100000">
+                                          <p:val>
+                                            <p:strVal val="#ppt_h"/>
+                                          </p:val>
+                                        </p:tav>
+                                      </p:tavLst>
+                                    </p:anim>
+                                    <p:animEffect transition="in" filter="fade">
+                                      <p:cBhvr>
+                                        <p:cTn id="9" dur="500"/>
+                                        <p:tgtEl>
+                                          <p:spTgt spid="12"/>
+                                        </p:tgtEl>
+                                      </p:cBhvr>
+                                    </p:animEffect>
+                                  </p:childTnLst>
+                                </p:cTn>
+                              </p:par>
+                            </p:childTnLst>
+                          </p:cTn>
+                        </p:par>
+                      </p:childTnLst>
+                    </p:cTn>
+                  </p:par>
+                </p:childTnLst>
+              </p:cTn>
+              <p:prevCondLst>
+                <p:cond evt="onPrev" delay="0">
+                  <p:tgtEl>
+                    <p:sldTgt/>
+                  </p:tgtEl>
+                </p:cond>
+              </p:prevCondLst>
+              <p:nextCondLst>
+                <p:cond evt="onNext" delay="0">
+                  <p:tgtEl>
+                    <p:sldTgt/>
+                  </p:tgtEl>
+                </p:cond>
+              </p:nextCondLst>
+            </p:seq>
+          </p:childTnLst>
+        </p:cTn>
+      </p:par>
+    </p:tnLst>
+    <p:bldLst>
+      <p:bldP spid="12" grpId="0"/>
+    </p:bldLst>
+  </p:timing>
+</p:sld>
+</file>
+
+<file path=ppt/slides/slide21.xml><?xml version="1.0" encoding="utf-8"?>
+<p:sld xmlns:a="http://schemas.openxmlformats.org/drawingml/2006/main" xmlns:r="http://schemas.openxmlformats.org/officeDocument/2006/relationships" xmlns:p="http://schemas.openxmlformats.org/presentationml/2006/main">
+  <p:cSld>
+    <p:spTree>
+      <p:nvGrpSpPr>
+        <p:cNvPr id="1" name=""/>
+        <p:cNvGrpSpPr/>
+        <p:nvPr/>
+      </p:nvGrpSpPr>
+      <p:grpSpPr>
+        <a:xfrm>
+          <a:off x="0" y="0"/>
+          <a:ext cx="0" cy="0"/>
+          <a:chOff x="0" y="0"/>
+          <a:chExt cx="0" cy="0"/>
+        </a:xfrm>
+      </p:grpSpPr>
+      <p:sp>
+        <p:nvSpPr>
+          <p:cNvPr id="5122" name="Title 1"/>
+          <p:cNvSpPr>
+            <a:spLocks noGrp="1"/>
+          </p:cNvSpPr>
+          <p:nvPr>
+            <p:ph type="title"/>
+          </p:nvPr>
+        </p:nvSpPr>
+        <p:spPr>
+          <a:xfrm>
+            <a:off x="2286000" y="228600"/>
+            <a:ext cx="6400800" cy="563562"/>
+          </a:xfrm>
+        </p:spPr>
+        <p:txBody>
+          <a:bodyPr/>
+          <a:lstStyle/>
+          <a:p>
+            <a:r>
+              <a:rPr lang="en-US" altLang="en-US" sz="2400" dirty="0" smtClean="0"/>
+              <a:t>Alternative to private and protected members</a:t>
+            </a:r>
+            <a:endParaRPr lang="en-US" altLang="en-US" sz="2400" dirty="0" smtClean="0"/>
+          </a:p>
+        </p:txBody>
+      </p:sp>
+      <p:sp>
+        <p:nvSpPr>
+          <p:cNvPr id="6" name="Content Placeholder 2"/>
+          <p:cNvSpPr>
+            <a:spLocks noGrp="1"/>
+          </p:cNvSpPr>
+          <p:nvPr>
+            <p:ph idx="1"/>
+          </p:nvPr>
+        </p:nvSpPr>
+        <p:spPr>
+          <a:xfrm>
+            <a:off x="838200" y="1876961"/>
+            <a:ext cx="6553200" cy="533400"/>
+          </a:xfrm>
+        </p:spPr>
+        <p:txBody>
+          <a:bodyPr/>
+          <a:lstStyle/>
+          <a:p>
+            <a:r>
+              <a:rPr lang="en-US" dirty="0" smtClean="0"/>
+              <a:t>Alternative to private and protected members</a:t>
+            </a:r>
+            <a:endParaRPr lang="en-US" dirty="0"/>
+          </a:p>
+        </p:txBody>
+      </p:sp>
+      <p:sp>
+        <p:nvSpPr>
+          <p:cNvPr id="5" name="TextBox 4"/>
+          <p:cNvSpPr txBox="1"/>
+          <p:nvPr/>
+        </p:nvSpPr>
+        <p:spPr>
+          <a:xfrm>
+            <a:off x="1295400" y="2715161"/>
+            <a:ext cx="6172199" cy="1323439"/>
+          </a:xfrm>
+          <a:prstGeom prst="rect">
+            <a:avLst/>
+          </a:prstGeom>
+          <a:noFill/>
+        </p:spPr>
+        <p:txBody>
+          <a:bodyPr wrap="square" rtlCol="0">
+            <a:spAutoFit/>
+          </a:bodyPr>
+          <a:lstStyle/>
+          <a:p>
+            <a:r>
+              <a:rPr lang="en-US" sz="1600" dirty="0" smtClean="0"/>
+              <a:t>Create all members as public and </a:t>
+            </a:r>
+            <a:r>
+              <a:rPr lang="en-US" sz="1600" b="1" dirty="0" smtClean="0"/>
+              <a:t>use a naming convention </a:t>
+            </a:r>
+            <a:r>
+              <a:rPr lang="en-US" sz="1600" dirty="0" smtClean="0"/>
+              <a:t>for “private” and “protected” ones.</a:t>
+            </a:r>
+          </a:p>
+          <a:p>
+            <a:endParaRPr lang="en-US" sz="1600" dirty="0"/>
+          </a:p>
+          <a:p>
+            <a:r>
+              <a:rPr lang="en-US" sz="1600" dirty="0" err="1" smtClean="0"/>
+              <a:t>jQuery</a:t>
+            </a:r>
+            <a:r>
+              <a:rPr lang="en-US" sz="1600" dirty="0" smtClean="0"/>
+              <a:t> uses underscore for “private” members:</a:t>
+            </a:r>
+          </a:p>
+          <a:p>
+            <a:r>
+              <a:rPr lang="en-US" sz="1600" dirty="0" smtClean="0"/>
+              <a:t>Example: </a:t>
+            </a:r>
+            <a:r>
+              <a:rPr lang="en-US" sz="1600" dirty="0" err="1" smtClean="0">
+                <a:latin typeface="Courier New" panose="02070309020205020404" pitchFamily="49" charset="0"/>
+                <a:cs typeface="Courier New" panose="02070309020205020404" pitchFamily="49" charset="0"/>
+              </a:rPr>
+              <a:t>this._paint</a:t>
+            </a:r>
+            <a:r>
+              <a:rPr lang="en-US" sz="1600" dirty="0" smtClean="0">
+                <a:latin typeface="Courier New" panose="02070309020205020404" pitchFamily="49" charset="0"/>
+                <a:cs typeface="Courier New" panose="02070309020205020404" pitchFamily="49" charset="0"/>
+              </a:rPr>
+              <a:t>();</a:t>
+            </a:r>
+            <a:endParaRPr lang="en-US" sz="1600" dirty="0" smtClean="0">
+              <a:latin typeface="Courier New" panose="02070309020205020404" pitchFamily="49" charset="0"/>
+              <a:cs typeface="Courier New" panose="02070309020205020404" pitchFamily="49" charset="0"/>
+            </a:endParaRPr>
+          </a:p>
+        </p:txBody>
+      </p:sp>
+    </p:spTree>
+    <p:extLst>
+      <p:ext uri="{BB962C8B-B14F-4D97-AF65-F5344CB8AC3E}">
+        <p14:creationId xmlns:p14="http://schemas.microsoft.com/office/powerpoint/2010/main" val="790676348"/>
+      </p:ext>
+    </p:extLst>
+  </p:cSld>
+  <p:clrMapOvr>
+    <a:masterClrMapping/>
+  </p:clrMapOvr>
+  <p:timing>
+    <p:tnLst>
+      <p:par>
+        <p:cTn id="1" dur="indefinite" restart="never" nodeType="tmRoot"/>
+      </p:par>
+    </p:tnLst>
+  </p:timing>
+</p:sld>
+</file>
+
+<file path=ppt/slides/slide22.xml><?xml version="1.0" encoding="utf-8"?>
+<p:sld xmlns:a="http://schemas.openxmlformats.org/drawingml/2006/main" xmlns:r="http://schemas.openxmlformats.org/officeDocument/2006/relationships" xmlns:p="http://schemas.openxmlformats.org/presentationml/2006/main">
+  <p:cSld>
+    <p:spTree>
+      <p:nvGrpSpPr>
+        <p:cNvPr id="1" name=""/>
+        <p:cNvGrpSpPr/>
+        <p:nvPr/>
+      </p:nvGrpSpPr>
+      <p:grpSpPr>
+        <a:xfrm>
+          <a:off x="0" y="0"/>
+          <a:ext cx="0" cy="0"/>
+          <a:chOff x="0" y="0"/>
+          <a:chExt cx="0" cy="0"/>
+        </a:xfrm>
+      </p:grpSpPr>
+      <p:sp>
+        <p:nvSpPr>
+          <p:cNvPr id="5122" name="Title 1"/>
+          <p:cNvSpPr>
+            <a:spLocks noGrp="1"/>
+          </p:cNvSpPr>
+          <p:nvPr>
+            <p:ph type="title"/>
+          </p:nvPr>
+        </p:nvSpPr>
+        <p:spPr>
+          <a:xfrm>
+            <a:off x="2286000" y="228600"/>
+            <a:ext cx="6400800" cy="563562"/>
+          </a:xfrm>
+        </p:spPr>
+        <p:txBody>
+          <a:bodyPr/>
+          <a:lstStyle/>
+          <a:p>
+            <a:r>
+              <a:rPr lang="en-US" altLang="en-US" sz="2400" dirty="0" smtClean="0"/>
+              <a:t>Public, Private, Protected</a:t>
+            </a:r>
+            <a:endParaRPr lang="en-US" altLang="en-US" sz="2400" dirty="0" smtClean="0"/>
+          </a:p>
+        </p:txBody>
+      </p:sp>
+      <p:graphicFrame>
+        <p:nvGraphicFramePr>
+          <p:cNvPr id="3" name="Table 2"/>
+          <p:cNvGraphicFramePr>
+            <a:graphicFrameLocks noGrp="1"/>
+          </p:cNvGraphicFramePr>
+          <p:nvPr>
+            <p:extLst>
+              <p:ext uri="{D42A27DB-BD31-4B8C-83A1-F6EECF244321}">
+                <p14:modId xmlns:p14="http://schemas.microsoft.com/office/powerpoint/2010/main" val="3038689818"/>
+              </p:ext>
+            </p:extLst>
+          </p:nvPr>
+        </p:nvGraphicFramePr>
+        <p:xfrm>
+          <a:off x="1524000" y="2743200"/>
+          <a:ext cx="6096000" cy="1483360"/>
+        </p:xfrm>
+        <a:graphic>
+          <a:graphicData uri="http://schemas.openxmlformats.org/drawingml/2006/table">
+            <a:tbl>
+              <a:tblPr firstRow="1" bandRow="1">
+                <a:tableStyleId>{00A15C55-8517-42AA-B614-E9B94910E393}</a:tableStyleId>
+              </a:tblPr>
+              <a:tblGrid>
+                <a:gridCol w="3048000"/>
+                <a:gridCol w="3048000"/>
+              </a:tblGrid>
+              <a:tr h="370840">
+                <a:tc>
+                  <a:txBody>
+                    <a:bodyPr/>
+                    <a:lstStyle/>
+                    <a:p>
+                      <a:pPr algn="ctr"/>
+                      <a:r>
+                        <a:rPr lang="en-US" dirty="0" smtClean="0"/>
+                        <a:t>Member type</a:t>
+                      </a:r>
+                      <a:endParaRPr lang="en-US" dirty="0"/>
+                    </a:p>
+                  </a:txBody>
+                  <a:tcPr/>
+                </a:tc>
+                <a:tc>
+                  <a:txBody>
+                    <a:bodyPr/>
+                    <a:lstStyle/>
+                    <a:p>
+                      <a:pPr algn="ctr"/>
+                      <a:r>
+                        <a:rPr lang="en-US" dirty="0" smtClean="0"/>
+                        <a:t>Can be</a:t>
+                      </a:r>
+                      <a:r>
+                        <a:rPr lang="en-US" baseline="0" dirty="0" smtClean="0"/>
+                        <a:t> created</a:t>
+                      </a:r>
+                      <a:endParaRPr lang="en-US" dirty="0"/>
+                    </a:p>
+                  </a:txBody>
+                  <a:tcPr/>
+                </a:tc>
+              </a:tr>
+              <a:tr h="370840">
+                <a:tc>
+                  <a:txBody>
+                    <a:bodyPr/>
+                    <a:lstStyle/>
+                    <a:p>
+                      <a:pPr algn="ctr"/>
+                      <a:r>
+                        <a:rPr lang="en-US" dirty="0" smtClean="0"/>
+                        <a:t>public</a:t>
+                      </a:r>
+                      <a:endParaRPr lang="en-US" dirty="0"/>
+                    </a:p>
+                  </a:txBody>
+                  <a:tcPr/>
+                </a:tc>
+                <a:tc>
+                  <a:txBody>
+                    <a:bodyPr/>
+                    <a:lstStyle/>
+                    <a:p>
+                      <a:pPr algn="ctr"/>
+                      <a:r>
+                        <a:rPr lang="en-US" dirty="0" smtClean="0"/>
+                        <a:t>yes</a:t>
+                      </a:r>
+                      <a:endParaRPr lang="en-US" dirty="0"/>
+                    </a:p>
+                  </a:txBody>
+                  <a:tcPr/>
+                </a:tc>
+              </a:tr>
+              <a:tr h="370840">
+                <a:tc>
+                  <a:txBody>
+                    <a:bodyPr/>
+                    <a:lstStyle/>
+                    <a:p>
+                      <a:pPr algn="ctr"/>
+                      <a:r>
+                        <a:rPr lang="en-US" dirty="0" smtClean="0"/>
+                        <a:t>private</a:t>
+                      </a:r>
+                      <a:endParaRPr lang="en-US" dirty="0"/>
+                    </a:p>
+                  </a:txBody>
+                  <a:tcPr/>
+                </a:tc>
+                <a:tc>
+                  <a:txBody>
+                    <a:bodyPr/>
+                    <a:lstStyle/>
+                    <a:p>
+                      <a:pPr algn="ctr"/>
+                      <a:r>
+                        <a:rPr lang="en-US" dirty="0" smtClean="0"/>
+                        <a:t>emulate</a:t>
+                      </a:r>
+                      <a:endParaRPr lang="en-US" dirty="0"/>
+                    </a:p>
+                  </a:txBody>
+                  <a:tcPr/>
+                </a:tc>
+              </a:tr>
+              <a:tr h="370840">
+                <a:tc>
+                  <a:txBody>
+                    <a:bodyPr/>
+                    <a:lstStyle/>
+                    <a:p>
+                      <a:pPr algn="ctr"/>
+                      <a:r>
+                        <a:rPr lang="en-US" dirty="0" smtClean="0"/>
+                        <a:t>protected</a:t>
+                      </a:r>
+                      <a:endParaRPr lang="en-US" dirty="0"/>
+                    </a:p>
+                  </a:txBody>
+                  <a:tcPr/>
+                </a:tc>
+                <a:tc>
+                  <a:txBody>
+                    <a:bodyPr/>
+                    <a:lstStyle/>
+                    <a:p>
+                      <a:pPr algn="ctr"/>
+                      <a:r>
+                        <a:rPr lang="en-US" dirty="0" smtClean="0"/>
+                        <a:t>no</a:t>
+                      </a:r>
+                      <a:endParaRPr lang="en-US" dirty="0"/>
+                    </a:p>
+                  </a:txBody>
+                  <a:tcPr/>
+                </a:tc>
+              </a:tr>
+            </a:tbl>
+          </a:graphicData>
+        </a:graphic>
+      </p:graphicFrame>
+      <p:sp>
+        <p:nvSpPr>
+          <p:cNvPr id="9" name="Content Placeholder 2"/>
+          <p:cNvSpPr>
+            <a:spLocks noGrp="1"/>
+          </p:cNvSpPr>
+          <p:nvPr>
+            <p:ph idx="1"/>
+          </p:nvPr>
+        </p:nvSpPr>
+        <p:spPr>
+          <a:xfrm>
+            <a:off x="838200" y="1876961"/>
+            <a:ext cx="6553200" cy="533400"/>
+          </a:xfrm>
+        </p:spPr>
+        <p:txBody>
+          <a:bodyPr/>
+          <a:lstStyle/>
+          <a:p>
+            <a:r>
+              <a:rPr lang="en-US" dirty="0" smtClean="0"/>
+              <a:t>Conclusion</a:t>
+            </a:r>
+            <a:endParaRPr lang="en-US" dirty="0"/>
+          </a:p>
+        </p:txBody>
+      </p:sp>
+    </p:spTree>
+    <p:extLst>
+      <p:ext uri="{BB962C8B-B14F-4D97-AF65-F5344CB8AC3E}">
+        <p14:creationId xmlns:p14="http://schemas.microsoft.com/office/powerpoint/2010/main" val="2088202518"/>
+      </p:ext>
+    </p:extLst>
+  </p:cSld>
+  <p:clrMapOvr>
+    <a:masterClrMapping/>
+  </p:clrMapOvr>
+  <p:timing>
+    <p:tnLst>
+      <p:par>
+        <p:cTn id="1" dur="indefinite" restart="never" nodeType="tmRoot"/>
+      </p:par>
+    </p:tnLst>
+  </p:timing>
+</p:sld>
+</file>
+
+<file path=ppt/slides/slide23.xml><?xml version="1.0" encoding="utf-8"?>
+<p:sld xmlns:a="http://schemas.openxmlformats.org/drawingml/2006/main" xmlns:r="http://schemas.openxmlformats.org/officeDocument/2006/relationships" xmlns:p="http://schemas.openxmlformats.org/presentationml/2006/main">
+  <p:cSld>
+    <p:spTree>
+      <p:nvGrpSpPr>
+        <p:cNvPr id="1" name=""/>
+        <p:cNvGrpSpPr/>
+        <p:nvPr/>
+      </p:nvGrpSpPr>
+      <p:grpSpPr>
+        <a:xfrm>
+          <a:off x="0" y="0"/>
+          <a:ext cx="0" cy="0"/>
+          <a:chOff x="0" y="0"/>
+          <a:chExt cx="0" cy="0"/>
+        </a:xfrm>
+      </p:grpSpPr>
+      <p:sp>
+        <p:nvSpPr>
+          <p:cNvPr id="5122" name="Title 1"/>
+          <p:cNvSpPr>
+            <a:spLocks noGrp="1"/>
+          </p:cNvSpPr>
+          <p:nvPr>
+            <p:ph type="title"/>
+          </p:nvPr>
+        </p:nvSpPr>
+        <p:spPr>
+          <a:xfrm>
+            <a:off x="2286000" y="228600"/>
+            <a:ext cx="6400800" cy="563562"/>
+          </a:xfrm>
+        </p:spPr>
+        <p:txBody>
+          <a:bodyPr/>
+          <a:lstStyle/>
+          <a:p>
+            <a:r>
+              <a:rPr lang="en-US" altLang="en-US" sz="2400" dirty="0" smtClean="0"/>
+              <a:t>Agenda</a:t>
+            </a:r>
+          </a:p>
+        </p:txBody>
+      </p:sp>
+      <p:sp>
+        <p:nvSpPr>
+          <p:cNvPr id="5123" name="Content Placeholder 2"/>
+          <p:cNvSpPr>
+            <a:spLocks noGrp="1"/>
+          </p:cNvSpPr>
+          <p:nvPr>
+            <p:ph idx="1"/>
+          </p:nvPr>
+        </p:nvSpPr>
+        <p:spPr>
+          <a:xfrm>
+            <a:off x="2286000" y="1600200"/>
+            <a:ext cx="5257800" cy="4267200"/>
+          </a:xfrm>
+        </p:spPr>
+        <p:txBody>
+          <a:bodyPr/>
+          <a:lstStyle/>
+          <a:p>
+            <a:r>
+              <a:rPr lang="ro-RO" altLang="en-US" sz="2400" dirty="0" smtClean="0"/>
+              <a:t>Introduction</a:t>
+            </a:r>
+            <a:endParaRPr lang="en-US" altLang="en-US" sz="2400" dirty="0" smtClean="0"/>
+          </a:p>
+          <a:p>
+            <a:endParaRPr lang="ro-RO" altLang="en-US" sz="2400" dirty="0" smtClean="0"/>
+          </a:p>
+          <a:p>
+            <a:r>
+              <a:rPr lang="ro-RO" altLang="en-US" sz="2400" dirty="0" smtClean="0"/>
+              <a:t>BioCalc Application</a:t>
+            </a:r>
+            <a:endParaRPr lang="ro-RO" altLang="en-US" sz="2400" dirty="0"/>
+          </a:p>
+          <a:p>
+            <a:endParaRPr lang="ro-RO" altLang="en-US" sz="2400" dirty="0" smtClean="0"/>
+          </a:p>
+          <a:p>
+            <a:r>
+              <a:rPr lang="ro-RO" altLang="en-US" sz="2400" dirty="0" smtClean="0"/>
+              <a:t>Inheritance</a:t>
+            </a:r>
+            <a:endParaRPr lang="en-US" altLang="en-US" sz="2400" dirty="0" smtClean="0"/>
+          </a:p>
+          <a:p>
+            <a:endParaRPr lang="en-US" altLang="en-US" sz="2400" dirty="0" smtClean="0"/>
+          </a:p>
+          <a:p>
+            <a:r>
+              <a:rPr lang="en-US" altLang="en-US" sz="2400" dirty="0"/>
+              <a:t>Public, </a:t>
+            </a:r>
+            <a:r>
+              <a:rPr lang="en-US" altLang="en-US" sz="2400" dirty="0" smtClean="0"/>
+              <a:t>Private</a:t>
+            </a:r>
+            <a:r>
+              <a:rPr lang="en-US" altLang="en-US" sz="2400" dirty="0"/>
+              <a:t>, </a:t>
+            </a:r>
+            <a:r>
+              <a:rPr lang="en-US" altLang="en-US" sz="2400" dirty="0" smtClean="0"/>
+              <a:t>Protected</a:t>
+            </a:r>
+            <a:endParaRPr lang="en-US" altLang="en-US" sz="2400" b="1" dirty="0"/>
+          </a:p>
+          <a:p>
+            <a:endParaRPr lang="en-US" altLang="en-US" sz="2400" b="1" dirty="0" smtClean="0"/>
+          </a:p>
+          <a:p>
+            <a:r>
+              <a:rPr lang="ro-RO" altLang="en-US" sz="2400" b="1" dirty="0" smtClean="0"/>
+              <a:t>Adapter Pattern</a:t>
+            </a:r>
+          </a:p>
+        </p:txBody>
+      </p:sp>
+    </p:spTree>
+    <p:extLst>
+      <p:ext uri="{BB962C8B-B14F-4D97-AF65-F5344CB8AC3E}">
+        <p14:creationId xmlns:p14="http://schemas.microsoft.com/office/powerpoint/2010/main" val="1410434610"/>
+      </p:ext>
+    </p:extLst>
+  </p:cSld>
+  <p:clrMapOvr>
+    <a:masterClrMapping/>
+  </p:clrMapOvr>
+  <p:timing>
+    <p:tnLst>
+      <p:par>
+        <p:cTn id="1" dur="indefinite" restart="never" nodeType="tmRoot"/>
+      </p:par>
+    </p:tnLst>
+  </p:timing>
+</p:sld>
+</file>
+
+<file path=ppt/slides/slide24.xml><?xml version="1.0" encoding="utf-8"?>
+<p:sld xmlns:a="http://schemas.openxmlformats.org/drawingml/2006/main" xmlns:r="http://schemas.openxmlformats.org/officeDocument/2006/relationships" xmlns:p="http://schemas.openxmlformats.org/presentationml/2006/main">
+  <p:cSld>
+    <p:spTree>
+      <p:nvGrpSpPr>
+        <p:cNvPr id="1" name=""/>
+        <p:cNvGrpSpPr/>
+        <p:nvPr/>
+      </p:nvGrpSpPr>
+      <p:grpSpPr>
+        <a:xfrm>
+          <a:off x="0" y="0"/>
+          <a:ext cx="0" cy="0"/>
+          <a:chOff x="0" y="0"/>
+          <a:chExt cx="0" cy="0"/>
+        </a:xfrm>
+      </p:grpSpPr>
+      <p:sp>
+        <p:nvSpPr>
+          <p:cNvPr id="2" name="Title 1"/>
+          <p:cNvSpPr>
+            <a:spLocks noGrp="1"/>
+          </p:cNvSpPr>
+          <p:nvPr>
+            <p:ph type="title"/>
+          </p:nvPr>
+        </p:nvSpPr>
+        <p:spPr/>
+        <p:txBody>
+          <a:bodyPr/>
+          <a:lstStyle/>
+          <a:p>
+            <a:r>
+              <a:rPr lang="en-US" sz="2400" dirty="0" smtClean="0"/>
+              <a:t>Adapter Pattern – Duck Typing</a:t>
+            </a:r>
+            <a:endParaRPr lang="en-US" sz="2400" dirty="0"/>
+          </a:p>
+        </p:txBody>
+      </p:sp>
+      <p:sp>
+        <p:nvSpPr>
+          <p:cNvPr id="4" name="TextBox 3"/>
+          <p:cNvSpPr txBox="1"/>
+          <p:nvPr/>
+        </p:nvSpPr>
+        <p:spPr>
+          <a:xfrm>
+            <a:off x="600344" y="2286000"/>
+            <a:ext cx="3066865" cy="830997"/>
+          </a:xfrm>
+          <a:prstGeom prst="rect">
+            <a:avLst/>
+          </a:prstGeom>
+          <a:noFill/>
+        </p:spPr>
+        <p:txBody>
+          <a:bodyPr wrap="none" rtlCol="0">
+            <a:spAutoFit/>
+          </a:bodyPr>
+          <a:lstStyle/>
+          <a:p>
+            <a:r>
+              <a:rPr lang="en-US" sz="1200" dirty="0" smtClean="0">
+                <a:latin typeface="Courier New" panose="02070309020205020404" pitchFamily="49" charset="0"/>
+                <a:cs typeface="Courier New" panose="02070309020205020404" pitchFamily="49" charset="0"/>
+              </a:rPr>
+              <a:t>public interface </a:t>
+            </a:r>
+            <a:r>
+              <a:rPr lang="en-US" sz="1200" dirty="0" err="1" smtClean="0">
+                <a:latin typeface="Courier New" panose="02070309020205020404" pitchFamily="49" charset="0"/>
+                <a:cs typeface="Courier New" panose="02070309020205020404" pitchFamily="49" charset="0"/>
+              </a:rPr>
+              <a:t>IMyInterface</a:t>
+            </a:r>
+            <a:r>
+              <a:rPr lang="en-US" sz="1200" dirty="0" smtClean="0">
+                <a:latin typeface="Courier New" panose="02070309020205020404" pitchFamily="49" charset="0"/>
+                <a:cs typeface="Courier New" panose="02070309020205020404" pitchFamily="49" charset="0"/>
+              </a:rPr>
+              <a:t>()</a:t>
+            </a:r>
+          </a:p>
+          <a:p>
+            <a:r>
+              <a:rPr lang="en-US" sz="1200" dirty="0" smtClean="0">
+                <a:latin typeface="Courier New" panose="02070309020205020404" pitchFamily="49" charset="0"/>
+                <a:cs typeface="Courier New" panose="02070309020205020404" pitchFamily="49" charset="0"/>
+              </a:rPr>
+              <a:t>{</a:t>
+            </a:r>
+          </a:p>
+          <a:p>
+            <a:r>
+              <a:rPr lang="en-US" sz="1200" dirty="0">
+                <a:latin typeface="Courier New" panose="02070309020205020404" pitchFamily="49" charset="0"/>
+                <a:cs typeface="Courier New" panose="02070309020205020404" pitchFamily="49" charset="0"/>
+              </a:rPr>
+              <a:t> </a:t>
+            </a:r>
+            <a:r>
+              <a:rPr lang="en-US" sz="1200" dirty="0" smtClean="0">
+                <a:latin typeface="Courier New" panose="02070309020205020404" pitchFamily="49" charset="0"/>
+                <a:cs typeface="Courier New" panose="02070309020205020404" pitchFamily="49" charset="0"/>
+              </a:rPr>
+              <a:t>   void </a:t>
+            </a:r>
+            <a:r>
+              <a:rPr lang="en-US" sz="1200" dirty="0" err="1" smtClean="0">
+                <a:latin typeface="Courier New" panose="02070309020205020404" pitchFamily="49" charset="0"/>
+                <a:cs typeface="Courier New" panose="02070309020205020404" pitchFamily="49" charset="0"/>
+              </a:rPr>
+              <a:t>MyFunction</a:t>
+            </a:r>
+            <a:r>
+              <a:rPr lang="en-US" sz="1200" dirty="0" smtClean="0">
+                <a:latin typeface="Courier New" panose="02070309020205020404" pitchFamily="49" charset="0"/>
+                <a:cs typeface="Courier New" panose="02070309020205020404" pitchFamily="49" charset="0"/>
+              </a:rPr>
+              <a:t>();</a:t>
+            </a:r>
+          </a:p>
+          <a:p>
+            <a:r>
+              <a:rPr lang="en-US" sz="1200" dirty="0" smtClean="0">
+                <a:latin typeface="Courier New" panose="02070309020205020404" pitchFamily="49" charset="0"/>
+                <a:cs typeface="Courier New" panose="02070309020205020404" pitchFamily="49" charset="0"/>
+              </a:rPr>
+              <a:t>}</a:t>
+            </a:r>
+          </a:p>
+        </p:txBody>
+      </p:sp>
+      <p:sp>
+        <p:nvSpPr>
+          <p:cNvPr id="6" name="Content Placeholder 2"/>
+          <p:cNvSpPr>
+            <a:spLocks noGrp="1"/>
+          </p:cNvSpPr>
+          <p:nvPr>
+            <p:ph idx="1"/>
+          </p:nvPr>
+        </p:nvSpPr>
+        <p:spPr>
+          <a:xfrm>
+            <a:off x="1447800" y="1490911"/>
+            <a:ext cx="1143000" cy="457200"/>
+          </a:xfrm>
+        </p:spPr>
+        <p:txBody>
+          <a:bodyPr/>
+          <a:lstStyle/>
+          <a:p>
+            <a:pPr marL="0" indent="0" algn="ctr">
+              <a:buNone/>
+            </a:pPr>
+            <a:r>
+              <a:rPr lang="en-US" dirty="0" smtClean="0"/>
+              <a:t>C#</a:t>
+            </a:r>
+            <a:endParaRPr lang="en-US" dirty="0"/>
+          </a:p>
+        </p:txBody>
+      </p:sp>
+      <p:sp>
+        <p:nvSpPr>
+          <p:cNvPr id="7" name="Content Placeholder 2"/>
+          <p:cNvSpPr txBox="1">
+            <a:spLocks/>
+          </p:cNvSpPr>
+          <p:nvPr/>
+        </p:nvSpPr>
+        <p:spPr bwMode="auto">
+          <a:xfrm>
+            <a:off x="5337296" y="1414711"/>
+            <a:ext cx="2209800" cy="457200"/>
+          </a:xfrm>
+          <a:prstGeom prst="rect">
+            <a:avLst/>
+          </a:prstGeom>
+          <a:noFill/>
+          <a:ln>
+            <a:noFill/>
+          </a:ln>
+          <a:extLst>
+            <a:ext uri="{909E8E84-426E-40DD-AFC4-6F175D3DCCD1}">
+              <a14:hiddenFill xmlns:a14="http://schemas.microsoft.com/office/drawing/2010/main">
+                <a:solidFill>
+                  <a:srgbClr val="FFFFFF"/>
+                </a:solidFill>
+              </a14:hiddenFill>
+            </a:ext>
+            <a:ext uri="{91240B29-F687-4F45-9708-019B960494DF}">
+              <a14:hiddenLine xmlns:a14="http://schemas.microsoft.com/office/drawing/2010/main" w="9525">
+                <a:solidFill>
+                  <a:srgbClr val="000000"/>
+                </a:solidFill>
+                <a:miter lim="800000"/>
+                <a:headEnd/>
+                <a:tailEnd/>
+              </a14:hiddenLine>
+            </a:ext>
+          </a:extLst>
+        </p:spPr>
+        <p:txBody>
+          <a:bodyPr vert="horz" wrap="square" lIns="91440" tIns="45720" rIns="91440" bIns="45720" numCol="1" anchor="t" anchorCtr="0" compatLnSpc="1">
+            <a:prstTxWarp prst="textNoShape">
+              <a:avLst/>
+            </a:prstTxWarp>
+          </a:bodyPr>
+          <a:lstStyle>
+            <a:lvl1pPr marL="190500" indent="-190500" algn="l" rtl="0" eaLnBrk="0" fontAlgn="base" hangingPunct="0">
+              <a:spcBef>
+                <a:spcPct val="20000"/>
+              </a:spcBef>
+              <a:spcAft>
+                <a:spcPct val="0"/>
+              </a:spcAft>
+              <a:buSzPct val="80000"/>
+              <a:buFont typeface="Wingdings" pitchFamily="2" charset="2"/>
+              <a:buChar char="§"/>
+              <a:defRPr sz="2000">
+                <a:solidFill>
+                  <a:srgbClr val="32496A"/>
+                </a:solidFill>
+                <a:latin typeface="+mn-lt"/>
+                <a:ea typeface="+mn-ea"/>
+                <a:cs typeface="+mn-cs"/>
+              </a:defRPr>
+            </a:lvl1pPr>
+            <a:lvl2pPr marL="571500" indent="-190500" algn="l" rtl="0" eaLnBrk="0" fontAlgn="base" hangingPunct="0">
+              <a:spcBef>
+                <a:spcPct val="20000"/>
+              </a:spcBef>
+              <a:spcAft>
+                <a:spcPct val="0"/>
+              </a:spcAft>
+              <a:buClr>
+                <a:srgbClr val="32496A"/>
+              </a:buClr>
+              <a:buSzPct val="80000"/>
+              <a:buFont typeface="Arial" charset="0"/>
+              <a:buChar char="-"/>
+              <a:defRPr sz="2800">
+                <a:solidFill>
+                  <a:srgbClr val="32496A"/>
+                </a:solidFill>
+                <a:latin typeface="+mn-lt"/>
+              </a:defRPr>
+            </a:lvl2pPr>
+            <a:lvl3pPr marL="952500" indent="-190500" algn="l" rtl="0" eaLnBrk="0" fontAlgn="base" hangingPunct="0">
+              <a:spcBef>
+                <a:spcPct val="20000"/>
+              </a:spcBef>
+              <a:spcAft>
+                <a:spcPct val="0"/>
+              </a:spcAft>
+              <a:buClr>
+                <a:srgbClr val="32496A"/>
+              </a:buClr>
+              <a:buSzPct val="70000"/>
+              <a:buFont typeface="Wingdings" pitchFamily="2" charset="2"/>
+              <a:buChar char="à"/>
+              <a:defRPr sz="1400">
+                <a:solidFill>
+                  <a:srgbClr val="32496A"/>
+                </a:solidFill>
+                <a:latin typeface="+mn-lt"/>
+              </a:defRPr>
+            </a:lvl3pPr>
+            <a:lvl4pPr marL="1333500" indent="-190500" algn="l" rtl="0" eaLnBrk="0" fontAlgn="base" hangingPunct="0">
+              <a:spcBef>
+                <a:spcPct val="20000"/>
+              </a:spcBef>
+              <a:spcAft>
+                <a:spcPct val="0"/>
+              </a:spcAft>
+              <a:buSzPct val="80000"/>
+              <a:buFont typeface="Wingdings" pitchFamily="2" charset="2"/>
+              <a:buChar char="§"/>
+              <a:defRPr sz="1400">
+                <a:solidFill>
+                  <a:srgbClr val="32496A"/>
+                </a:solidFill>
+                <a:latin typeface="+mn-lt"/>
+              </a:defRPr>
+            </a:lvl4pPr>
+            <a:lvl5pPr marL="1714500" indent="-190500" algn="l" rtl="0" eaLnBrk="0" fontAlgn="base" hangingPunct="0">
+              <a:spcBef>
+                <a:spcPct val="20000"/>
+              </a:spcBef>
+              <a:spcAft>
+                <a:spcPct val="0"/>
+              </a:spcAft>
+              <a:buChar char="»"/>
+              <a:defRPr sz="2000">
+                <a:solidFill>
+                  <a:schemeClr val="tx1"/>
+                </a:solidFill>
+                <a:latin typeface="+mn-lt"/>
+              </a:defRPr>
+            </a:lvl5pPr>
+            <a:lvl6pPr marL="2171700" indent="-190500" algn="l" rtl="0" fontAlgn="base">
+              <a:spcBef>
+                <a:spcPct val="20000"/>
+              </a:spcBef>
+              <a:spcAft>
+                <a:spcPct val="0"/>
+              </a:spcAft>
+              <a:buChar char="»"/>
+              <a:defRPr sz="2000">
+                <a:solidFill>
+                  <a:schemeClr val="tx1"/>
+                </a:solidFill>
+                <a:latin typeface="+mn-lt"/>
+              </a:defRPr>
+            </a:lvl6pPr>
+            <a:lvl7pPr marL="2628900" indent="-190500" algn="l" rtl="0" fontAlgn="base">
+              <a:spcBef>
+                <a:spcPct val="20000"/>
+              </a:spcBef>
+              <a:spcAft>
+                <a:spcPct val="0"/>
+              </a:spcAft>
+              <a:buChar char="»"/>
+              <a:defRPr sz="2000">
+                <a:solidFill>
+                  <a:schemeClr val="tx1"/>
+                </a:solidFill>
+                <a:latin typeface="+mn-lt"/>
+              </a:defRPr>
+            </a:lvl7pPr>
+            <a:lvl8pPr marL="3086100" indent="-190500" algn="l" rtl="0" fontAlgn="base">
+              <a:spcBef>
+                <a:spcPct val="20000"/>
+              </a:spcBef>
+              <a:spcAft>
+                <a:spcPct val="0"/>
+              </a:spcAft>
+              <a:buChar char="»"/>
+              <a:defRPr sz="2000">
+                <a:solidFill>
+                  <a:schemeClr val="tx1"/>
+                </a:solidFill>
+                <a:latin typeface="+mn-lt"/>
+              </a:defRPr>
+            </a:lvl8pPr>
+            <a:lvl9pPr marL="3543300" indent="-190500" algn="l" rtl="0" fontAlgn="base">
+              <a:spcBef>
+                <a:spcPct val="20000"/>
+              </a:spcBef>
+              <a:spcAft>
+                <a:spcPct val="0"/>
+              </a:spcAft>
+              <a:buChar char="»"/>
+              <a:defRPr sz="2000">
+                <a:solidFill>
+                  <a:schemeClr val="tx1"/>
+                </a:solidFill>
+                <a:latin typeface="+mn-lt"/>
+              </a:defRPr>
+            </a:lvl9pPr>
+          </a:lstStyle>
+          <a:p>
+            <a:pPr marL="0" indent="0" algn="ctr">
+              <a:buFont typeface="Wingdings" pitchFamily="2" charset="2"/>
+              <a:buNone/>
+            </a:pPr>
+            <a:r>
+              <a:rPr lang="en-US" kern="0" dirty="0" smtClean="0"/>
+              <a:t>JavaScript</a:t>
+            </a:r>
+            <a:endParaRPr lang="en-US" kern="0" dirty="0"/>
+          </a:p>
+        </p:txBody>
+      </p:sp>
+      <p:sp>
+        <p:nvSpPr>
+          <p:cNvPr id="8" name="TextBox 7"/>
+          <p:cNvSpPr txBox="1"/>
+          <p:nvPr/>
+        </p:nvSpPr>
+        <p:spPr>
+          <a:xfrm>
+            <a:off x="4257944" y="3688784"/>
+            <a:ext cx="4368504" cy="646331"/>
+          </a:xfrm>
+          <a:prstGeom prst="rect">
+            <a:avLst/>
+          </a:prstGeom>
+          <a:noFill/>
+        </p:spPr>
+        <p:txBody>
+          <a:bodyPr wrap="none" rtlCol="0">
+            <a:spAutoFit/>
+          </a:bodyPr>
+          <a:lstStyle/>
+          <a:p>
+            <a:r>
+              <a:rPr lang="en-US" sz="1200" dirty="0" smtClean="0">
+                <a:latin typeface="Courier New" panose="02070309020205020404" pitchFamily="49" charset="0"/>
+                <a:cs typeface="Courier New" panose="02070309020205020404" pitchFamily="49" charset="0"/>
+              </a:rPr>
+              <a:t>if </a:t>
+            </a:r>
+            <a:r>
+              <a:rPr lang="en-US" sz="1200" dirty="0">
+                <a:latin typeface="Courier New" panose="02070309020205020404" pitchFamily="49" charset="0"/>
+                <a:cs typeface="Courier New" panose="02070309020205020404" pitchFamily="49" charset="0"/>
+              </a:rPr>
+              <a:t>(</a:t>
+            </a:r>
+            <a:r>
+              <a:rPr lang="en-US" sz="1200" dirty="0" err="1">
+                <a:latin typeface="Courier New" panose="02070309020205020404" pitchFamily="49" charset="0"/>
+                <a:cs typeface="Courier New" panose="02070309020205020404" pitchFamily="49" charset="0"/>
+              </a:rPr>
+              <a:t>typeof</a:t>
+            </a:r>
+            <a:r>
+              <a:rPr lang="en-US" sz="1200" dirty="0">
+                <a:latin typeface="Courier New" panose="02070309020205020404" pitchFamily="49" charset="0"/>
+                <a:cs typeface="Courier New" panose="02070309020205020404" pitchFamily="49" charset="0"/>
+              </a:rPr>
+              <a:t> </a:t>
+            </a:r>
+            <a:r>
+              <a:rPr lang="en-US" sz="1200" dirty="0" err="1" smtClean="0">
+                <a:latin typeface="Courier New" panose="02070309020205020404" pitchFamily="49" charset="0"/>
+                <a:cs typeface="Courier New" panose="02070309020205020404" pitchFamily="49" charset="0"/>
+              </a:rPr>
+              <a:t>myObj.myFunction</a:t>
+            </a:r>
+            <a:r>
+              <a:rPr lang="en-US" sz="1200" dirty="0" smtClean="0">
+                <a:latin typeface="Courier New" panose="02070309020205020404" pitchFamily="49" charset="0"/>
+                <a:cs typeface="Courier New" panose="02070309020205020404" pitchFamily="49" charset="0"/>
+              </a:rPr>
+              <a:t> </a:t>
+            </a:r>
+            <a:r>
+              <a:rPr lang="en-US" sz="1200" dirty="0">
+                <a:latin typeface="Courier New" panose="02070309020205020404" pitchFamily="49" charset="0"/>
+                <a:cs typeface="Courier New" panose="02070309020205020404" pitchFamily="49" charset="0"/>
+              </a:rPr>
+              <a:t>=== "function") {</a:t>
+            </a:r>
+          </a:p>
+          <a:p>
+            <a:r>
+              <a:rPr lang="en-US" sz="1200" dirty="0" smtClean="0">
+                <a:latin typeface="Courier New" panose="02070309020205020404" pitchFamily="49" charset="0"/>
+                <a:cs typeface="Courier New" panose="02070309020205020404" pitchFamily="49" charset="0"/>
+              </a:rPr>
+              <a:t>    </a:t>
+            </a:r>
+            <a:r>
+              <a:rPr lang="en-US" sz="1200" dirty="0" err="1" smtClean="0">
+                <a:latin typeface="Courier New" panose="02070309020205020404" pitchFamily="49" charset="0"/>
+                <a:cs typeface="Courier New" panose="02070309020205020404" pitchFamily="49" charset="0"/>
+              </a:rPr>
+              <a:t>myObj.myFunction</a:t>
+            </a:r>
+            <a:r>
+              <a:rPr lang="en-US" sz="1200" dirty="0" smtClean="0">
+                <a:latin typeface="Courier New" panose="02070309020205020404" pitchFamily="49" charset="0"/>
+                <a:cs typeface="Courier New" panose="02070309020205020404" pitchFamily="49" charset="0"/>
+              </a:rPr>
+              <a:t>();</a:t>
+            </a:r>
+          </a:p>
+          <a:p>
+            <a:r>
+              <a:rPr lang="en-US" sz="1200" dirty="0" smtClean="0">
+                <a:latin typeface="Courier New" panose="02070309020205020404" pitchFamily="49" charset="0"/>
+                <a:cs typeface="Courier New" panose="02070309020205020404" pitchFamily="49" charset="0"/>
+              </a:rPr>
+              <a:t>}</a:t>
+            </a:r>
+            <a:endParaRPr lang="en-US" sz="1200" dirty="0" smtClean="0">
+              <a:latin typeface="Courier New" panose="02070309020205020404" pitchFamily="49" charset="0"/>
+              <a:cs typeface="Courier New" panose="02070309020205020404" pitchFamily="49" charset="0"/>
+            </a:endParaRPr>
+          </a:p>
+        </p:txBody>
+      </p:sp>
+      <p:sp>
+        <p:nvSpPr>
+          <p:cNvPr id="9" name="TextBox 8"/>
+          <p:cNvSpPr txBox="1"/>
+          <p:nvPr/>
+        </p:nvSpPr>
+        <p:spPr>
+          <a:xfrm>
+            <a:off x="573993" y="3657600"/>
+            <a:ext cx="3159839" cy="1200329"/>
+          </a:xfrm>
+          <a:prstGeom prst="rect">
+            <a:avLst/>
+          </a:prstGeom>
+          <a:noFill/>
+        </p:spPr>
+        <p:txBody>
+          <a:bodyPr wrap="none" rtlCol="0">
+            <a:spAutoFit/>
+          </a:bodyPr>
+          <a:lstStyle/>
+          <a:p>
+            <a:r>
+              <a:rPr lang="en-US" sz="1200" dirty="0" err="1" smtClean="0">
+                <a:latin typeface="Courier New" panose="02070309020205020404" pitchFamily="49" charset="0"/>
+                <a:cs typeface="Courier New" panose="02070309020205020404" pitchFamily="49" charset="0"/>
+              </a:rPr>
+              <a:t>var</a:t>
+            </a:r>
+            <a:r>
+              <a:rPr lang="en-US" sz="1200" dirty="0" smtClean="0">
+                <a:latin typeface="Courier New" panose="02070309020205020404" pitchFamily="49" charset="0"/>
+                <a:cs typeface="Courier New" panose="02070309020205020404" pitchFamily="49" charset="0"/>
+              </a:rPr>
+              <a:t> </a:t>
+            </a:r>
+            <a:r>
+              <a:rPr lang="en-US" sz="1200" dirty="0" err="1" smtClean="0">
+                <a:latin typeface="Courier New" panose="02070309020205020404" pitchFamily="49" charset="0"/>
+                <a:cs typeface="Courier New" panose="02070309020205020404" pitchFamily="49" charset="0"/>
+              </a:rPr>
+              <a:t>myObj</a:t>
+            </a:r>
+            <a:r>
+              <a:rPr lang="en-US" sz="1200" dirty="0" smtClean="0">
+                <a:latin typeface="Courier New" panose="02070309020205020404" pitchFamily="49" charset="0"/>
+                <a:cs typeface="Courier New" panose="02070309020205020404" pitchFamily="49" charset="0"/>
+              </a:rPr>
+              <a:t> = </a:t>
+            </a:r>
+            <a:r>
+              <a:rPr lang="en-US" sz="1200" dirty="0" err="1" smtClean="0">
+                <a:latin typeface="Courier New" panose="02070309020205020404" pitchFamily="49" charset="0"/>
+                <a:cs typeface="Courier New" panose="02070309020205020404" pitchFamily="49" charset="0"/>
+              </a:rPr>
+              <a:t>obj</a:t>
+            </a:r>
+            <a:r>
+              <a:rPr lang="en-US" sz="1200" dirty="0" smtClean="0">
+                <a:latin typeface="Courier New" panose="02070309020205020404" pitchFamily="49" charset="0"/>
+                <a:cs typeface="Courier New" panose="02070309020205020404" pitchFamily="49" charset="0"/>
+              </a:rPr>
+              <a:t> as </a:t>
+            </a:r>
+            <a:r>
+              <a:rPr lang="en-US" sz="1200" dirty="0" err="1" smtClean="0">
+                <a:latin typeface="Courier New" panose="02070309020205020404" pitchFamily="49" charset="0"/>
+                <a:cs typeface="Courier New" panose="02070309020205020404" pitchFamily="49" charset="0"/>
+              </a:rPr>
+              <a:t>IMyInterface</a:t>
+            </a:r>
+            <a:r>
+              <a:rPr lang="en-US" sz="1200" dirty="0" smtClean="0">
+                <a:latin typeface="Courier New" panose="02070309020205020404" pitchFamily="49" charset="0"/>
+                <a:cs typeface="Courier New" panose="02070309020205020404" pitchFamily="49" charset="0"/>
+              </a:rPr>
+              <a:t>;</a:t>
+            </a:r>
+          </a:p>
+          <a:p>
+            <a:endParaRPr lang="en-US" sz="1200" dirty="0" smtClean="0">
+              <a:latin typeface="Courier New" panose="02070309020205020404" pitchFamily="49" charset="0"/>
+              <a:cs typeface="Courier New" panose="02070309020205020404" pitchFamily="49" charset="0"/>
+            </a:endParaRPr>
+          </a:p>
+          <a:p>
+            <a:r>
+              <a:rPr lang="en-US" sz="1200" dirty="0" smtClean="0">
+                <a:latin typeface="Courier New" panose="02070309020205020404" pitchFamily="49" charset="0"/>
+                <a:cs typeface="Courier New" panose="02070309020205020404" pitchFamily="49" charset="0"/>
+              </a:rPr>
+              <a:t>if </a:t>
+            </a:r>
+            <a:r>
+              <a:rPr lang="en-US" sz="1200" dirty="0">
+                <a:latin typeface="Courier New" panose="02070309020205020404" pitchFamily="49" charset="0"/>
+                <a:cs typeface="Courier New" panose="02070309020205020404" pitchFamily="49" charset="0"/>
+              </a:rPr>
+              <a:t>(</a:t>
+            </a:r>
+            <a:r>
+              <a:rPr lang="en-US" sz="1200" dirty="0" err="1" smtClean="0">
+                <a:latin typeface="Courier New" panose="02070309020205020404" pitchFamily="49" charset="0"/>
+                <a:cs typeface="Courier New" panose="02070309020205020404" pitchFamily="49" charset="0"/>
+              </a:rPr>
+              <a:t>myObj</a:t>
+            </a:r>
+            <a:r>
+              <a:rPr lang="en-US" sz="1200" dirty="0" smtClean="0">
+                <a:latin typeface="Courier New" panose="02070309020205020404" pitchFamily="49" charset="0"/>
+                <a:cs typeface="Courier New" panose="02070309020205020404" pitchFamily="49" charset="0"/>
+              </a:rPr>
+              <a:t> != null)</a:t>
+            </a:r>
+            <a:endParaRPr lang="en-US" sz="1200" dirty="0">
+              <a:latin typeface="Courier New" panose="02070309020205020404" pitchFamily="49" charset="0"/>
+              <a:cs typeface="Courier New" panose="02070309020205020404" pitchFamily="49" charset="0"/>
+            </a:endParaRPr>
+          </a:p>
+          <a:p>
+            <a:r>
+              <a:rPr lang="en-US" sz="1200" dirty="0">
+                <a:latin typeface="Courier New" panose="02070309020205020404" pitchFamily="49" charset="0"/>
+                <a:cs typeface="Courier New" panose="02070309020205020404" pitchFamily="49" charset="0"/>
+              </a:rPr>
+              <a:t>{</a:t>
+            </a:r>
+          </a:p>
+          <a:p>
+            <a:r>
+              <a:rPr lang="en-US" sz="1200" dirty="0" smtClean="0">
+                <a:latin typeface="Courier New" panose="02070309020205020404" pitchFamily="49" charset="0"/>
+                <a:cs typeface="Courier New" panose="02070309020205020404" pitchFamily="49" charset="0"/>
+              </a:rPr>
+              <a:t>    </a:t>
+            </a:r>
+            <a:r>
+              <a:rPr lang="en-US" sz="1200" dirty="0" err="1" smtClean="0">
+                <a:latin typeface="Courier New" panose="02070309020205020404" pitchFamily="49" charset="0"/>
+                <a:cs typeface="Courier New" panose="02070309020205020404" pitchFamily="49" charset="0"/>
+              </a:rPr>
+              <a:t>myObj.MyFunction</a:t>
+            </a:r>
+            <a:r>
+              <a:rPr lang="en-US" sz="1200" dirty="0" smtClean="0">
+                <a:latin typeface="Courier New" panose="02070309020205020404" pitchFamily="49" charset="0"/>
+                <a:cs typeface="Courier New" panose="02070309020205020404" pitchFamily="49" charset="0"/>
+              </a:rPr>
+              <a:t>();</a:t>
+            </a:r>
+            <a:endParaRPr lang="en-US" sz="1200" dirty="0">
+              <a:latin typeface="Courier New" panose="02070309020205020404" pitchFamily="49" charset="0"/>
+              <a:cs typeface="Courier New" panose="02070309020205020404" pitchFamily="49" charset="0"/>
+            </a:endParaRPr>
+          </a:p>
+          <a:p>
+            <a:r>
+              <a:rPr lang="en-US" sz="1200" dirty="0" smtClean="0">
+                <a:latin typeface="Courier New" panose="02070309020205020404" pitchFamily="49" charset="0"/>
+                <a:cs typeface="Courier New" panose="02070309020205020404" pitchFamily="49" charset="0"/>
+              </a:rPr>
+              <a:t>}</a:t>
+            </a:r>
+            <a:endParaRPr lang="en-US" sz="1200" dirty="0" smtClean="0">
+              <a:latin typeface="Courier New" panose="02070309020205020404" pitchFamily="49" charset="0"/>
+              <a:cs typeface="Courier New" panose="02070309020205020404" pitchFamily="49" charset="0"/>
+            </a:endParaRPr>
+          </a:p>
+        </p:txBody>
+      </p:sp>
+      <p:sp>
+        <p:nvSpPr>
+          <p:cNvPr id="10" name="TextBox 9"/>
+          <p:cNvSpPr txBox="1"/>
+          <p:nvPr/>
+        </p:nvSpPr>
+        <p:spPr>
+          <a:xfrm>
+            <a:off x="4243700" y="2290273"/>
+            <a:ext cx="4382747" cy="276999"/>
+          </a:xfrm>
+          <a:prstGeom prst="rect">
+            <a:avLst/>
+          </a:prstGeom>
+          <a:noFill/>
+        </p:spPr>
+        <p:txBody>
+          <a:bodyPr wrap="square" rtlCol="0">
+            <a:spAutoFit/>
+          </a:bodyPr>
+          <a:lstStyle/>
+          <a:p>
+            <a:pPr algn="ctr"/>
+            <a:r>
+              <a:rPr lang="en-US" sz="1200" dirty="0" smtClean="0">
+                <a:latin typeface="+mn-lt"/>
+                <a:cs typeface="Courier New" panose="02070309020205020404" pitchFamily="49" charset="0"/>
+              </a:rPr>
+              <a:t>We don’t have interfaces</a:t>
+            </a:r>
+            <a:endParaRPr lang="en-US" sz="1200" dirty="0" smtClean="0">
+              <a:latin typeface="+mn-lt"/>
+              <a:cs typeface="Courier New" panose="02070309020205020404" pitchFamily="49" charset="0"/>
+            </a:endParaRPr>
+          </a:p>
+        </p:txBody>
+      </p:sp>
+      <p:sp>
+        <p:nvSpPr>
+          <p:cNvPr id="11" name="Content Placeholder 2"/>
+          <p:cNvSpPr txBox="1">
+            <a:spLocks/>
+          </p:cNvSpPr>
+          <p:nvPr/>
+        </p:nvSpPr>
+        <p:spPr bwMode="auto">
+          <a:xfrm>
+            <a:off x="600346" y="5410200"/>
+            <a:ext cx="8026102" cy="457200"/>
+          </a:xfrm>
+          <a:prstGeom prst="rect">
+            <a:avLst/>
+          </a:prstGeom>
+          <a:noFill/>
+          <a:ln>
+            <a:noFill/>
+          </a:ln>
+          <a:extLst>
+            <a:ext uri="{909E8E84-426E-40DD-AFC4-6F175D3DCCD1}">
+              <a14:hiddenFill xmlns:a14="http://schemas.microsoft.com/office/drawing/2010/main">
+                <a:solidFill>
+                  <a:srgbClr val="FFFFFF"/>
+                </a:solidFill>
+              </a14:hiddenFill>
+            </a:ext>
+            <a:ext uri="{91240B29-F687-4F45-9708-019B960494DF}">
+              <a14:hiddenLine xmlns:a14="http://schemas.microsoft.com/office/drawing/2010/main" w="9525">
+                <a:solidFill>
+                  <a:srgbClr val="000000"/>
+                </a:solidFill>
+                <a:miter lim="800000"/>
+                <a:headEnd/>
+                <a:tailEnd/>
+              </a14:hiddenLine>
+            </a:ext>
+          </a:extLst>
+        </p:spPr>
+        <p:txBody>
+          <a:bodyPr vert="horz" wrap="square" lIns="91440" tIns="45720" rIns="91440" bIns="45720" numCol="1" anchor="t" anchorCtr="0" compatLnSpc="1">
+            <a:prstTxWarp prst="textNoShape">
+              <a:avLst/>
+            </a:prstTxWarp>
+          </a:bodyPr>
+          <a:lstStyle>
+            <a:lvl1pPr marL="190500" indent="-190500" algn="l" rtl="0" eaLnBrk="0" fontAlgn="base" hangingPunct="0">
+              <a:spcBef>
+                <a:spcPct val="20000"/>
+              </a:spcBef>
+              <a:spcAft>
+                <a:spcPct val="0"/>
+              </a:spcAft>
+              <a:buSzPct val="80000"/>
+              <a:buFont typeface="Wingdings" pitchFamily="2" charset="2"/>
+              <a:buChar char="§"/>
+              <a:defRPr sz="2000">
+                <a:solidFill>
+                  <a:srgbClr val="32496A"/>
+                </a:solidFill>
+                <a:latin typeface="+mn-lt"/>
+                <a:ea typeface="+mn-ea"/>
+                <a:cs typeface="+mn-cs"/>
+              </a:defRPr>
+            </a:lvl1pPr>
+            <a:lvl2pPr marL="571500" indent="-190500" algn="l" rtl="0" eaLnBrk="0" fontAlgn="base" hangingPunct="0">
+              <a:spcBef>
+                <a:spcPct val="20000"/>
+              </a:spcBef>
+              <a:spcAft>
+                <a:spcPct val="0"/>
+              </a:spcAft>
+              <a:buClr>
+                <a:srgbClr val="32496A"/>
+              </a:buClr>
+              <a:buSzPct val="80000"/>
+              <a:buFont typeface="Arial" charset="0"/>
+              <a:buChar char="-"/>
+              <a:defRPr sz="2800">
+                <a:solidFill>
+                  <a:srgbClr val="32496A"/>
+                </a:solidFill>
+                <a:latin typeface="+mn-lt"/>
+              </a:defRPr>
+            </a:lvl2pPr>
+            <a:lvl3pPr marL="952500" indent="-190500" algn="l" rtl="0" eaLnBrk="0" fontAlgn="base" hangingPunct="0">
+              <a:spcBef>
+                <a:spcPct val="20000"/>
+              </a:spcBef>
+              <a:spcAft>
+                <a:spcPct val="0"/>
+              </a:spcAft>
+              <a:buClr>
+                <a:srgbClr val="32496A"/>
+              </a:buClr>
+              <a:buSzPct val="70000"/>
+              <a:buFont typeface="Wingdings" pitchFamily="2" charset="2"/>
+              <a:buChar char="à"/>
+              <a:defRPr sz="1400">
+                <a:solidFill>
+                  <a:srgbClr val="32496A"/>
+                </a:solidFill>
+                <a:latin typeface="+mn-lt"/>
+              </a:defRPr>
+            </a:lvl3pPr>
+            <a:lvl4pPr marL="1333500" indent="-190500" algn="l" rtl="0" eaLnBrk="0" fontAlgn="base" hangingPunct="0">
+              <a:spcBef>
+                <a:spcPct val="20000"/>
+              </a:spcBef>
+              <a:spcAft>
+                <a:spcPct val="0"/>
+              </a:spcAft>
+              <a:buSzPct val="80000"/>
+              <a:buFont typeface="Wingdings" pitchFamily="2" charset="2"/>
+              <a:buChar char="§"/>
+              <a:defRPr sz="1400">
+                <a:solidFill>
+                  <a:srgbClr val="32496A"/>
+                </a:solidFill>
+                <a:latin typeface="+mn-lt"/>
+              </a:defRPr>
+            </a:lvl4pPr>
+            <a:lvl5pPr marL="1714500" indent="-190500" algn="l" rtl="0" eaLnBrk="0" fontAlgn="base" hangingPunct="0">
+              <a:spcBef>
+                <a:spcPct val="20000"/>
+              </a:spcBef>
+              <a:spcAft>
+                <a:spcPct val="0"/>
+              </a:spcAft>
+              <a:buChar char="»"/>
+              <a:defRPr sz="2000">
+                <a:solidFill>
+                  <a:schemeClr val="tx1"/>
+                </a:solidFill>
+                <a:latin typeface="+mn-lt"/>
+              </a:defRPr>
+            </a:lvl5pPr>
+            <a:lvl6pPr marL="2171700" indent="-190500" algn="l" rtl="0" fontAlgn="base">
+              <a:spcBef>
+                <a:spcPct val="20000"/>
+              </a:spcBef>
+              <a:spcAft>
+                <a:spcPct val="0"/>
+              </a:spcAft>
+              <a:buChar char="»"/>
+              <a:defRPr sz="2000">
+                <a:solidFill>
+                  <a:schemeClr val="tx1"/>
+                </a:solidFill>
+                <a:latin typeface="+mn-lt"/>
+              </a:defRPr>
+            </a:lvl6pPr>
+            <a:lvl7pPr marL="2628900" indent="-190500" algn="l" rtl="0" fontAlgn="base">
+              <a:spcBef>
+                <a:spcPct val="20000"/>
+              </a:spcBef>
+              <a:spcAft>
+                <a:spcPct val="0"/>
+              </a:spcAft>
+              <a:buChar char="»"/>
+              <a:defRPr sz="2000">
+                <a:solidFill>
+                  <a:schemeClr val="tx1"/>
+                </a:solidFill>
+                <a:latin typeface="+mn-lt"/>
+              </a:defRPr>
+            </a:lvl7pPr>
+            <a:lvl8pPr marL="3086100" indent="-190500" algn="l" rtl="0" fontAlgn="base">
+              <a:spcBef>
+                <a:spcPct val="20000"/>
+              </a:spcBef>
+              <a:spcAft>
+                <a:spcPct val="0"/>
+              </a:spcAft>
+              <a:buChar char="»"/>
+              <a:defRPr sz="2000">
+                <a:solidFill>
+                  <a:schemeClr val="tx1"/>
+                </a:solidFill>
+                <a:latin typeface="+mn-lt"/>
+              </a:defRPr>
+            </a:lvl8pPr>
+            <a:lvl9pPr marL="3543300" indent="-190500" algn="l" rtl="0" fontAlgn="base">
+              <a:spcBef>
+                <a:spcPct val="20000"/>
+              </a:spcBef>
+              <a:spcAft>
+                <a:spcPct val="0"/>
+              </a:spcAft>
+              <a:buChar char="»"/>
+              <a:defRPr sz="2000">
+                <a:solidFill>
+                  <a:schemeClr val="tx1"/>
+                </a:solidFill>
+                <a:latin typeface="+mn-lt"/>
+              </a:defRPr>
+            </a:lvl9pPr>
+          </a:lstStyle>
+          <a:p>
+            <a:pPr marL="0" indent="0" algn="ctr">
+              <a:buFont typeface="Wingdings" pitchFamily="2" charset="2"/>
+              <a:buNone/>
+            </a:pPr>
+            <a:r>
+              <a:rPr lang="en-US" kern="0" dirty="0" smtClean="0"/>
+              <a:t>“If it walks like a duck and it quacks like a duck then it’s a duck.”</a:t>
+            </a:r>
+            <a:endParaRPr lang="en-US" kern="0" dirty="0"/>
+          </a:p>
+        </p:txBody>
+      </p:sp>
+    </p:spTree>
+    <p:extLst>
+      <p:ext uri="{BB962C8B-B14F-4D97-AF65-F5344CB8AC3E}">
+        <p14:creationId xmlns:p14="http://schemas.microsoft.com/office/powerpoint/2010/main" val="3350290899"/>
+      </p:ext>
+    </p:extLst>
+  </p:cSld>
+  <p:clrMapOvr>
+    <a:masterClrMapping/>
+  </p:clrMapOvr>
+  <p:timing>
+    <p:tnLst>
+      <p:par>
+        <p:cTn id="1" dur="indefinite" restart="never" nodeType="tmRoot">
+          <p:childTnLst>
+            <p:seq concurrent="1" nextAc="seek">
+              <p:cTn id="2" dur="indefinite" nodeType="mainSeq">
+                <p:childTnLst>
+                  <p:par>
+                    <p:cTn id="3" fill="hold">
+                      <p:stCondLst>
+                        <p:cond delay="indefinite"/>
+                      </p:stCondLst>
+                      <p:childTnLst>
+                        <p:par>
+                          <p:cTn id="4" fill="hold">
+                            <p:stCondLst>
+                              <p:cond delay="0"/>
+                            </p:stCondLst>
+                            <p:childTnLst>
+                              <p:par>
+                                <p:cTn id="5" presetID="53" presetClass="entr" presetSubtype="16" fill="hold" grpId="0" nodeType="clickEffect">
+                                  <p:stCondLst>
+                                    <p:cond delay="0"/>
+                                  </p:stCondLst>
+                                  <p:childTnLst>
+                                    <p:set>
+                                      <p:cBhvr>
+                                        <p:cTn id="6" dur="1" fill="hold">
+                                          <p:stCondLst>
+                                            <p:cond delay="0"/>
+                                          </p:stCondLst>
+                                        </p:cTn>
+                                        <p:tgtEl>
+                                          <p:spTgt spid="9"/>
+                                        </p:tgtEl>
+                                        <p:attrNameLst>
+                                          <p:attrName>style.visibility</p:attrName>
+                                        </p:attrNameLst>
+                                      </p:cBhvr>
+                                      <p:to>
+                                        <p:strVal val="visible"/>
+                                      </p:to>
+                                    </p:set>
+                                    <p:anim calcmode="lin" valueType="num">
+                                      <p:cBhvr>
+                                        <p:cTn id="7" dur="500" fill="hold"/>
+                                        <p:tgtEl>
+                                          <p:spTgt spid="9"/>
+                                        </p:tgtEl>
+                                        <p:attrNameLst>
+                                          <p:attrName>ppt_w</p:attrName>
+                                        </p:attrNameLst>
+                                      </p:cBhvr>
+                                      <p:tavLst>
+                                        <p:tav tm="0">
+                                          <p:val>
+                                            <p:fltVal val="0"/>
+                                          </p:val>
+                                        </p:tav>
+                                        <p:tav tm="100000">
+                                          <p:val>
+                                            <p:strVal val="#ppt_w"/>
+                                          </p:val>
+                                        </p:tav>
+                                      </p:tavLst>
+                                    </p:anim>
+                                    <p:anim calcmode="lin" valueType="num">
+                                      <p:cBhvr>
+                                        <p:cTn id="8" dur="500" fill="hold"/>
+                                        <p:tgtEl>
+                                          <p:spTgt spid="9"/>
+                                        </p:tgtEl>
+                                        <p:attrNameLst>
+                                          <p:attrName>ppt_h</p:attrName>
+                                        </p:attrNameLst>
+                                      </p:cBhvr>
+                                      <p:tavLst>
+                                        <p:tav tm="0">
+                                          <p:val>
+                                            <p:fltVal val="0"/>
+                                          </p:val>
+                                        </p:tav>
+                                        <p:tav tm="100000">
+                                          <p:val>
+                                            <p:strVal val="#ppt_h"/>
+                                          </p:val>
+                                        </p:tav>
+                                      </p:tavLst>
+                                    </p:anim>
+                                    <p:animEffect transition="in" filter="fade">
+                                      <p:cBhvr>
+                                        <p:cTn id="9" dur="500"/>
+                                        <p:tgtEl>
+                                          <p:spTgt spid="9"/>
+                                        </p:tgtEl>
+                                      </p:cBhvr>
+                                    </p:animEffect>
+                                  </p:childTnLst>
+                                </p:cTn>
+                              </p:par>
+                            </p:childTnLst>
+                          </p:cTn>
+                        </p:par>
+                      </p:childTnLst>
+                    </p:cTn>
+                  </p:par>
+                  <p:par>
+                    <p:cTn id="10" fill="hold">
+                      <p:stCondLst>
+                        <p:cond delay="indefinite"/>
+                      </p:stCondLst>
+                      <p:childTnLst>
+                        <p:par>
+                          <p:cTn id="11" fill="hold">
+                            <p:stCondLst>
+                              <p:cond delay="0"/>
+                            </p:stCondLst>
+                            <p:childTnLst>
+                              <p:par>
+                                <p:cTn id="12" presetID="53" presetClass="entr" presetSubtype="16" fill="hold" grpId="0" nodeType="clickEffect">
+                                  <p:stCondLst>
+                                    <p:cond delay="0"/>
+                                  </p:stCondLst>
+                                  <p:childTnLst>
+                                    <p:set>
+                                      <p:cBhvr>
+                                        <p:cTn id="13" dur="1" fill="hold">
+                                          <p:stCondLst>
+                                            <p:cond delay="0"/>
+                                          </p:stCondLst>
+                                        </p:cTn>
+                                        <p:tgtEl>
+                                          <p:spTgt spid="8"/>
+                                        </p:tgtEl>
+                                        <p:attrNameLst>
+                                          <p:attrName>style.visibility</p:attrName>
+                                        </p:attrNameLst>
+                                      </p:cBhvr>
+                                      <p:to>
+                                        <p:strVal val="visible"/>
+                                      </p:to>
+                                    </p:set>
+                                    <p:anim calcmode="lin" valueType="num">
+                                      <p:cBhvr>
+                                        <p:cTn id="14" dur="500" fill="hold"/>
+                                        <p:tgtEl>
+                                          <p:spTgt spid="8"/>
+                                        </p:tgtEl>
+                                        <p:attrNameLst>
+                                          <p:attrName>ppt_w</p:attrName>
+                                        </p:attrNameLst>
+                                      </p:cBhvr>
+                                      <p:tavLst>
+                                        <p:tav tm="0">
+                                          <p:val>
+                                            <p:fltVal val="0"/>
+                                          </p:val>
+                                        </p:tav>
+                                        <p:tav tm="100000">
+                                          <p:val>
+                                            <p:strVal val="#ppt_w"/>
+                                          </p:val>
+                                        </p:tav>
+                                      </p:tavLst>
+                                    </p:anim>
+                                    <p:anim calcmode="lin" valueType="num">
+                                      <p:cBhvr>
+                                        <p:cTn id="15" dur="500" fill="hold"/>
+                                        <p:tgtEl>
+                                          <p:spTgt spid="8"/>
+                                        </p:tgtEl>
+                                        <p:attrNameLst>
+                                          <p:attrName>ppt_h</p:attrName>
+                                        </p:attrNameLst>
+                                      </p:cBhvr>
+                                      <p:tavLst>
+                                        <p:tav tm="0">
+                                          <p:val>
+                                            <p:fltVal val="0"/>
+                                          </p:val>
+                                        </p:tav>
+                                        <p:tav tm="100000">
+                                          <p:val>
+                                            <p:strVal val="#ppt_h"/>
+                                          </p:val>
+                                        </p:tav>
+                                      </p:tavLst>
+                                    </p:anim>
+                                    <p:animEffect transition="in" filter="fade">
+                                      <p:cBhvr>
+                                        <p:cTn id="16" dur="500"/>
+                                        <p:tgtEl>
+                                          <p:spTgt spid="8"/>
+                                        </p:tgtEl>
+                                      </p:cBhvr>
+                                    </p:animEffect>
+                                  </p:childTnLst>
+                                </p:cTn>
+                              </p:par>
+                            </p:childTnLst>
+                          </p:cTn>
+                        </p:par>
+                      </p:childTnLst>
+                    </p:cTn>
+                  </p:par>
+                  <p:par>
+                    <p:cTn id="17" fill="hold">
+                      <p:stCondLst>
+                        <p:cond delay="indefinite"/>
+                      </p:stCondLst>
+                      <p:childTnLst>
+                        <p:par>
+                          <p:cTn id="18" fill="hold">
+                            <p:stCondLst>
+                              <p:cond delay="0"/>
+                            </p:stCondLst>
+                            <p:childTnLst>
+                              <p:par>
+                                <p:cTn id="19" presetID="53" presetClass="entr" presetSubtype="16" fill="hold" grpId="0" nodeType="clickEffect">
+                                  <p:stCondLst>
+                                    <p:cond delay="0"/>
+                                  </p:stCondLst>
+                                  <p:childTnLst>
+                                    <p:set>
+                                      <p:cBhvr>
+                                        <p:cTn id="20" dur="1" fill="hold">
+                                          <p:stCondLst>
+                                            <p:cond delay="0"/>
+                                          </p:stCondLst>
+                                        </p:cTn>
+                                        <p:tgtEl>
+                                          <p:spTgt spid="11"/>
+                                        </p:tgtEl>
+                                        <p:attrNameLst>
+                                          <p:attrName>style.visibility</p:attrName>
+                                        </p:attrNameLst>
+                                      </p:cBhvr>
+                                      <p:to>
+                                        <p:strVal val="visible"/>
+                                      </p:to>
+                                    </p:set>
+                                    <p:anim calcmode="lin" valueType="num">
+                                      <p:cBhvr>
+                                        <p:cTn id="21" dur="500" fill="hold"/>
+                                        <p:tgtEl>
+                                          <p:spTgt spid="11"/>
+                                        </p:tgtEl>
+                                        <p:attrNameLst>
+                                          <p:attrName>ppt_w</p:attrName>
+                                        </p:attrNameLst>
+                                      </p:cBhvr>
+                                      <p:tavLst>
+                                        <p:tav tm="0">
+                                          <p:val>
+                                            <p:fltVal val="0"/>
+                                          </p:val>
+                                        </p:tav>
+                                        <p:tav tm="100000">
+                                          <p:val>
+                                            <p:strVal val="#ppt_w"/>
+                                          </p:val>
+                                        </p:tav>
+                                      </p:tavLst>
+                                    </p:anim>
+                                    <p:anim calcmode="lin" valueType="num">
+                                      <p:cBhvr>
+                                        <p:cTn id="22" dur="500" fill="hold"/>
+                                        <p:tgtEl>
+                                          <p:spTgt spid="11"/>
+                                        </p:tgtEl>
+                                        <p:attrNameLst>
+                                          <p:attrName>ppt_h</p:attrName>
+                                        </p:attrNameLst>
+                                      </p:cBhvr>
+                                      <p:tavLst>
+                                        <p:tav tm="0">
+                                          <p:val>
+                                            <p:fltVal val="0"/>
+                                          </p:val>
+                                        </p:tav>
+                                        <p:tav tm="100000">
+                                          <p:val>
+                                            <p:strVal val="#ppt_h"/>
+                                          </p:val>
+                                        </p:tav>
+                                      </p:tavLst>
+                                    </p:anim>
+                                    <p:animEffect transition="in" filter="fade">
+                                      <p:cBhvr>
+                                        <p:cTn id="23" dur="500"/>
+                                        <p:tgtEl>
+                                          <p:spTgt spid="11"/>
+                                        </p:tgtEl>
+                                      </p:cBhvr>
+                                    </p:animEffect>
+                                  </p:childTnLst>
+                                </p:cTn>
+                              </p:par>
+                            </p:childTnLst>
+                          </p:cTn>
+                        </p:par>
+                      </p:childTnLst>
+                    </p:cTn>
+                  </p:par>
+                </p:childTnLst>
+              </p:cTn>
+              <p:prevCondLst>
+                <p:cond evt="onPrev" delay="0">
+                  <p:tgtEl>
+                    <p:sldTgt/>
+                  </p:tgtEl>
+                </p:cond>
+              </p:prevCondLst>
+              <p:nextCondLst>
+                <p:cond evt="onNext" delay="0">
+                  <p:tgtEl>
+                    <p:sldTgt/>
+                  </p:tgtEl>
+                </p:cond>
+              </p:nextCondLst>
+            </p:seq>
+          </p:childTnLst>
+        </p:cTn>
+      </p:par>
+    </p:tnLst>
+    <p:bldLst>
+      <p:bldP spid="8" grpId="0"/>
+      <p:bldP spid="9" grpId="0"/>
+      <p:bldP spid="11" grpId="0"/>
+    </p:bldLst>
+  </p:timing>
+</p:sld>
+</file>
+
+<file path=ppt/slides/slide25.xml><?xml version="1.0" encoding="utf-8"?>
+<p:sld xmlns:a="http://schemas.openxmlformats.org/drawingml/2006/main" xmlns:r="http://schemas.openxmlformats.org/officeDocument/2006/relationships" xmlns:p="http://schemas.openxmlformats.org/presentationml/2006/main">
+  <p:cSld>
+    <p:spTree>
+      <p:nvGrpSpPr>
+        <p:cNvPr id="1" name=""/>
+        <p:cNvGrpSpPr/>
+        <p:nvPr/>
+      </p:nvGrpSpPr>
+      <p:grpSpPr>
+        <a:xfrm>
+          <a:off x="0" y="0"/>
+          <a:ext cx="0" cy="0"/>
+          <a:chOff x="0" y="0"/>
+          <a:chExt cx="0" cy="0"/>
+        </a:xfrm>
+      </p:grpSpPr>
+      <p:sp>
+        <p:nvSpPr>
+          <p:cNvPr id="2" name="Title 1"/>
+          <p:cNvSpPr>
+            <a:spLocks noGrp="1"/>
+          </p:cNvSpPr>
+          <p:nvPr>
+            <p:ph type="title"/>
+          </p:nvPr>
+        </p:nvSpPr>
+        <p:spPr/>
+        <p:txBody>
+          <a:bodyPr/>
+          <a:lstStyle/>
+          <a:p>
+            <a:r>
+              <a:rPr lang="en-US" sz="2400" dirty="0" smtClean="0"/>
+              <a:t>Adapter Pattern</a:t>
+            </a:r>
+            <a:endParaRPr lang="en-US" sz="2400" dirty="0"/>
+          </a:p>
+        </p:txBody>
+      </p:sp>
+      <p:pic>
+        <p:nvPicPr>
+          <p:cNvPr id="9218" name="Picture 2"/>
+          <p:cNvPicPr>
+            <a:picLocks noChangeAspect="1" noChangeArrowheads="1"/>
+          </p:cNvPicPr>
+          <p:nvPr/>
+        </p:nvPicPr>
+        <p:blipFill>
+          <a:blip r:embed="rId2">
+            <a:extLst>
+              <a:ext uri="{28A0092B-C50C-407E-A947-70E740481C1C}">
+                <a14:useLocalDpi xmlns:a14="http://schemas.microsoft.com/office/drawing/2010/main" val="0"/>
+              </a:ext>
+            </a:extLst>
+          </a:blip>
+          <a:srcRect/>
+          <a:stretch>
+            <a:fillRect/>
+          </a:stretch>
+        </p:blipFill>
+        <p:spPr bwMode="auto">
+          <a:xfrm>
+            <a:off x="2743200" y="1905000"/>
+            <a:ext cx="3629025" cy="3333750"/>
+          </a:xfrm>
+          <a:prstGeom prst="rect">
+            <a:avLst/>
+          </a:prstGeom>
+          <a:noFill/>
+          <a:ln>
+            <a:noFill/>
+          </a:ln>
+          <a:extLst>
+            <a:ext uri="{909E8E84-426E-40DD-AFC4-6F175D3DCCD1}">
+              <a14:hiddenFill xmlns:a14="http://schemas.microsoft.com/office/drawing/2010/main">
+                <a:solidFill>
+                  <a:schemeClr val="accent1"/>
+                </a:solidFill>
+              </a14:hiddenFill>
+            </a:ext>
+            <a:ext uri="{91240B29-F687-4F45-9708-019B960494DF}">
+              <a14:hiddenLine xmlns:a14="http://schemas.microsoft.com/office/drawing/2010/main" w="9525">
+                <a:solidFill>
+                  <a:schemeClr val="tx1"/>
+                </a:solidFill>
+                <a:miter lim="800000"/>
+                <a:headEnd/>
+                <a:tailEnd/>
+              </a14:hiddenLine>
+            </a:ext>
+          </a:extLst>
+        </p:spPr>
+      </p:pic>
+      <p:sp>
+        <p:nvSpPr>
+          <p:cNvPr id="9" name="TextBox 8"/>
+          <p:cNvSpPr txBox="1"/>
+          <p:nvPr/>
+        </p:nvSpPr>
+        <p:spPr>
+          <a:xfrm>
+            <a:off x="7486263" y="5756518"/>
+            <a:ext cx="864339" cy="246221"/>
+          </a:xfrm>
+          <a:prstGeom prst="rect">
+            <a:avLst/>
+          </a:prstGeom>
+          <a:noFill/>
+        </p:spPr>
+        <p:txBody>
+          <a:bodyPr wrap="none" rtlCol="0">
+            <a:spAutoFit/>
+          </a:bodyPr>
+          <a:lstStyle/>
+          <a:p>
+            <a:pPr algn="r"/>
+            <a:r>
+              <a:rPr lang="ro-RO" sz="1000" dirty="0" smtClean="0">
+                <a:solidFill>
+                  <a:schemeClr val="bg1">
+                    <a:lumMod val="75000"/>
+                  </a:schemeClr>
+                </a:solidFill>
+              </a:rPr>
+              <a:t>[</a:t>
+            </a:r>
+            <a:r>
+              <a:rPr lang="en-US" sz="1000" dirty="0" smtClean="0">
+                <a:solidFill>
+                  <a:schemeClr val="bg1">
+                    <a:lumMod val="75000"/>
+                  </a:schemeClr>
+                </a:solidFill>
+              </a:rPr>
+              <a:t>show </a:t>
+            </a:r>
+            <a:r>
+              <a:rPr lang="en-US" sz="1000" dirty="0" smtClean="0">
+                <a:solidFill>
+                  <a:schemeClr val="bg1">
+                    <a:lumMod val="75000"/>
+                  </a:schemeClr>
+                </a:solidFill>
+              </a:rPr>
+              <a:t>code</a:t>
+            </a:r>
+            <a:r>
+              <a:rPr lang="ro-RO" sz="1000" dirty="0" smtClean="0">
+                <a:solidFill>
+                  <a:schemeClr val="bg1">
+                    <a:lumMod val="75000"/>
+                  </a:schemeClr>
+                </a:solidFill>
+              </a:rPr>
+              <a:t>]</a:t>
+            </a:r>
+            <a:endParaRPr lang="en-US" sz="1000" dirty="0">
+              <a:solidFill>
+                <a:schemeClr val="bg1">
+                  <a:lumMod val="75000"/>
+                </a:schemeClr>
+              </a:solidFill>
+            </a:endParaRPr>
+          </a:p>
+        </p:txBody>
+      </p:sp>
+    </p:spTree>
+    <p:extLst>
+      <p:ext uri="{BB962C8B-B14F-4D97-AF65-F5344CB8AC3E}">
+        <p14:creationId xmlns:p14="http://schemas.microsoft.com/office/powerpoint/2010/main" val="1408603848"/>
+      </p:ext>
+    </p:extLst>
   </p:cSld>
   <p:clrMapOvr>
     <a:masterClrMapping/>
@@ -8273,7 +12054,7 @@
         </p:nvSpPr>
         <p:spPr>
           <a:xfrm>
-            <a:off x="2286000" y="274638"/>
+            <a:off x="2286000" y="228600"/>
             <a:ext cx="6400800" cy="563562"/>
           </a:xfrm>
         </p:spPr>
@@ -8332,7 +12113,7 @@
         </p:nvSpPr>
         <p:spPr bwMode="auto">
           <a:xfrm>
-            <a:off x="1752600" y="3048000"/>
+            <a:off x="1752600" y="3247311"/>
             <a:ext cx="6324600" cy="990600"/>
           </a:xfrm>
           <a:prstGeom prst="rect">
@@ -8559,7 +12340,7 @@
         </p:blipFill>
         <p:spPr>
           <a:xfrm>
-            <a:off x="3695700" y="1905000"/>
+            <a:off x="3733800" y="1828800"/>
             <a:ext cx="2400300" cy="984123"/>
           </a:xfrm>
           <a:prstGeom prst="rect">
@@ -8567,6 +12348,36 @@
           </a:prstGeom>
         </p:spPr>
       </p:pic>
+      <p:sp>
+        <p:nvSpPr>
+          <p:cNvPr id="3" name="TextBox 2"/>
+          <p:cNvSpPr txBox="1"/>
+          <p:nvPr/>
+        </p:nvSpPr>
+        <p:spPr>
+          <a:xfrm>
+            <a:off x="3733800" y="2877979"/>
+            <a:ext cx="2286000" cy="246221"/>
+          </a:xfrm>
+          <a:prstGeom prst="rect">
+            <a:avLst/>
+          </a:prstGeom>
+          <a:noFill/>
+        </p:spPr>
+        <p:txBody>
+          <a:bodyPr wrap="square" rtlCol="0">
+            <a:spAutoFit/>
+          </a:bodyPr>
+          <a:lstStyle/>
+          <a:p>
+            <a:r>
+              <a:rPr lang="en-US" sz="1000" dirty="0"/>
+              <a:t>http://en.wikipedia.org/wiki/Biorhythm</a:t>
+            </a:r>
+            <a:endParaRPr lang="en-US" sz="1000" dirty="0" smtClean="0"/>
+          </a:p>
+        </p:txBody>
+      </p:sp>
       <p:pic>
         <p:nvPicPr>
           <p:cNvPr id="7" name="Picture 6"/>
@@ -8589,7 +12400,7 @@
         </p:blipFill>
         <p:spPr>
           <a:xfrm>
-            <a:off x="2895600" y="3471479"/>
+            <a:off x="2743200" y="3670790"/>
             <a:ext cx="4208804" cy="2395921"/>
           </a:xfrm>
           <a:prstGeom prst="rect">
@@ -8605,8 +12416,8 @@
         </p:nvSpPr>
         <p:spPr>
           <a:xfrm>
-            <a:off x="7543800" y="5633410"/>
-            <a:ext cx="1197764" cy="246221"/>
+            <a:off x="7487936" y="5820490"/>
+            <a:ext cx="1178528" cy="246221"/>
           </a:xfrm>
           <a:prstGeom prst="rect">
             <a:avLst/>
@@ -8619,6 +12430,7 @@
           </a:bodyPr>
           <a:lstStyle/>
           <a:p>
+            <a:pPr algn="r"/>
             <a:r>
               <a:rPr lang="ro-RO" sz="1000" dirty="0" smtClean="0">
                 <a:solidFill>
@@ -8627,7 +12439,27 @@
                   </a:schemeClr>
                 </a:solidFill>
               </a:rPr>
-              <a:t>[show application]</a:t>
+              <a:t>[show </a:t>
+            </a:r>
+            <a:r>
+              <a:rPr lang="en-US" sz="1000" dirty="0" smtClean="0">
+                <a:solidFill>
+                  <a:schemeClr val="bg1">
+                    <a:lumMod val="75000"/>
+                  </a:schemeClr>
+                </a:solidFill>
+              </a:rPr>
+              <a:t>in browser</a:t>
+            </a:r>
+            <a:r>
+              <a:rPr lang="ro-RO" sz="1000" dirty="0" smtClean="0">
+                <a:solidFill>
+                  <a:schemeClr val="bg1">
+                    <a:lumMod val="75000"/>
+                  </a:schemeClr>
+                </a:solidFill>
+              </a:rPr>
+              <a:t>]</a:t>
             </a:r>
             <a:endParaRPr lang="en-US" sz="1000" dirty="0">
               <a:solidFill>
@@ -8639,6 +12471,36 @@
           </a:p>
         </p:txBody>
       </p:sp>
+      <p:pic>
+        <p:nvPicPr>
+          <p:cNvPr id="5" name="Picture 4"/>
+          <p:cNvPicPr>
+            <a:picLocks noChangeAspect="1"/>
+          </p:cNvPicPr>
+          <p:nvPr/>
+        </p:nvPicPr>
+        <p:blipFill>
+          <a:blip r:embed="rId4" cstate="print">
+            <a:extLst>
+              <a:ext uri="{28A0092B-C50C-407E-A947-70E740481C1C}">
+                <a14:useLocalDpi xmlns:a14="http://schemas.microsoft.com/office/drawing/2010/main" val="0"/>
+              </a:ext>
+            </a:extLst>
+          </a:blip>
+          <a:stretch>
+            <a:fillRect/>
+          </a:stretch>
+        </p:blipFill>
+        <p:spPr>
+          <a:xfrm>
+            <a:off x="5951559" y="2870870"/>
+            <a:ext cx="220641" cy="253329"/>
+          </a:xfrm>
+          <a:prstGeom prst="rect">
+            <a:avLst/>
+          </a:prstGeom>
+        </p:spPr>
+      </p:pic>
     </p:spTree>
   </p:cSld>
   <p:clrMapOvr>
@@ -8656,6 +12518,9 @@
                     <p:cTn id="3" fill="hold">
                       <p:stCondLst>
                         <p:cond delay="indefinite"/>
+                        <p:cond evt="onBegin" delay="0">
+                          <p:tn val="2"/>
+                        </p:cond>
                       </p:stCondLst>
                       <p:childTnLst>
                         <p:par>
@@ -8665,7 +12530,7 @@
                             </p:stCondLst>
                             <p:childTnLst>
                               <p:par>
-                                <p:cTn id="5" presetID="53" presetClass="entr" presetSubtype="16" fill="hold" grpId="0" nodeType="clickEffect">
+                                <p:cTn id="5" presetID="53" presetClass="entr" presetSubtype="16" fill="hold" grpId="0" nodeType="withEffect">
                                   <p:stCondLst>
                                     <p:cond delay="0"/>
                                   </p:stCondLst>
@@ -8842,6 +12707,168 @@
                                   </p:childTnLst>
                                 </p:cTn>
                               </p:par>
+                              <p:par>
+                                <p:cTn id="15" presetID="53" presetClass="entr" presetSubtype="16" fill="hold" grpId="0" nodeType="withEffect">
+                                  <p:stCondLst>
+                                    <p:cond delay="0"/>
+                                  </p:stCondLst>
+                                  <p:childTnLst>
+                                    <p:set>
+                                      <p:cBhvr>
+                                        <p:cTn id="16" dur="1" fill="hold">
+                                          <p:stCondLst>
+                                            <p:cond delay="0"/>
+                                          </p:stCondLst>
+                                        </p:cTn>
+                                        <p:tgtEl>
+                                          <p:spTgt spid="3"/>
+                                        </p:tgtEl>
+                                        <p:attrNameLst>
+                                          <p:attrName>style.visibility</p:attrName>
+                                        </p:attrNameLst>
+                                      </p:cBhvr>
+                                      <p:to>
+                                        <p:strVal val="visible"/>
+                                      </p:to>
+                                    </p:set>
+                                    <p:anim calcmode="lin" valueType="num">
+                                      <p:cBhvr>
+                                        <p:cTn id="17" dur="500" fill="hold"/>
+                                        <p:tgtEl>
+                                          <p:spTgt spid="3"/>
+                                        </p:tgtEl>
+                                        <p:attrNameLst>
+                                          <p:attrName>ppt_w</p:attrName>
+                                        </p:attrNameLst>
+                                      </p:cBhvr>
+                                      <p:tavLst>
+                                        <p:tav tm="0">
+                                          <p:val>
+                                            <p:fltVal val="0"/>
+                                          </p:val>
+                                        </p:tav>
+                                        <p:tav tm="100000">
+                                          <p:val>
+                                            <p:strVal val="#ppt_w"/>
+                                          </p:val>
+                                        </p:tav>
+                                      </p:tavLst>
+                                    </p:anim>
+                                    <p:anim calcmode="lin" valueType="num">
+                                      <p:cBhvr>
+                                        <p:cTn id="18" dur="500" fill="hold"/>
+                                        <p:tgtEl>
+                                          <p:spTgt spid="3"/>
+                                        </p:tgtEl>
+                                        <p:attrNameLst>
+                                          <p:attrName>ppt_h</p:attrName>
+                                        </p:attrNameLst>
+                                      </p:cBhvr>
+                                      <p:tavLst>
+                                        <p:tav tm="0">
+                                          <p:val>
+                                            <p:fltVal val="0"/>
+                                          </p:val>
+                                        </p:tav>
+                                        <p:tav tm="100000">
+                                          <p:val>
+                                            <p:strVal val="#ppt_h"/>
+                                          </p:val>
+                                        </p:tav>
+                                      </p:tavLst>
+                                    </p:anim>
+                                    <p:animEffect transition="in" filter="fade">
+                                      <p:cBhvr>
+                                        <p:cTn id="19" dur="500"/>
+                                        <p:tgtEl>
+                                          <p:spTgt spid="3"/>
+                                        </p:tgtEl>
+                                      </p:cBhvr>
+                                    </p:animEffect>
+                                  </p:childTnLst>
+                                </p:cTn>
+                              </p:par>
+                              <p:par>
+                                <p:cTn id="20" presetID="53" presetClass="entr" presetSubtype="16" fill="hold" nodeType="withEffect">
+                                  <p:stCondLst>
+                                    <p:cond delay="0"/>
+                                  </p:stCondLst>
+                                  <p:childTnLst>
+                                    <p:set>
+                                      <p:cBhvr>
+                                        <p:cTn id="21" dur="1" fill="hold">
+                                          <p:stCondLst>
+                                            <p:cond delay="0"/>
+                                          </p:stCondLst>
+                                        </p:cTn>
+                                        <p:tgtEl>
+                                          <p:spTgt spid="5"/>
+                                        </p:tgtEl>
+                                        <p:attrNameLst>
+                                          <p:attrName>style.visibility</p:attrName>
+                                        </p:attrNameLst>
+                                      </p:cBhvr>
+                                      <p:to>
+                                        <p:strVal val="visible"/>
+                                      </p:to>
+                                    </p:set>
+                                    <p:anim calcmode="lin" valueType="num">
+                                      <p:cBhvr>
+                                        <p:cTn id="22" dur="500" fill="hold"/>
+                                        <p:tgtEl>
+                                          <p:spTgt spid="5"/>
+                                        </p:tgtEl>
+                                        <p:attrNameLst>
+                                          <p:attrName>ppt_w</p:attrName>
+                                        </p:attrNameLst>
+                                      </p:cBhvr>
+                                      <p:tavLst>
+                                        <p:tav tm="0">
+                                          <p:val>
+                                            <p:fltVal val="0"/>
+                                          </p:val>
+                                        </p:tav>
+                                        <p:tav tm="100000">
+                                          <p:val>
+                                            <p:strVal val="#ppt_w"/>
+                                          </p:val>
+                                        </p:tav>
+                                      </p:tavLst>
+                                    </p:anim>
+                                    <p:anim calcmode="lin" valueType="num">
+                                      <p:cBhvr>
+                                        <p:cTn id="23" dur="500" fill="hold"/>
+                                        <p:tgtEl>
+                                          <p:spTgt spid="5"/>
+                                        </p:tgtEl>
+                                        <p:attrNameLst>
+                                          <p:attrName>ppt_h</p:attrName>
+                                        </p:attrNameLst>
+                                      </p:cBhvr>
+                                      <p:tavLst>
+                                        <p:tav tm="0">
+                                          <p:val>
+                                            <p:fltVal val="0"/>
+                                          </p:val>
+                                        </p:tav>
+                                        <p:tav tm="100000">
+                                          <p:val>
+                                            <p:strVal val="#ppt_h"/>
+                                          </p:val>
+                                        </p:tav>
+                                      </p:tavLst>
+                                    </p:anim>
+                                    <p:animEffect transition="in" filter="fade">
+                                      <p:cBhvr>
+                                        <p:cTn id="24" dur="500"/>
+                                        <p:tgtEl>
+                                          <p:spTgt spid="5"/>
+                                        </p:tgtEl>
+                                      </p:cBhvr>
+                                    </p:animEffect>
+                                  </p:childTnLst>
+                                </p:cTn>
+                              </p:par>
                             </p:childTnLst>
                           </p:cTn>
                         </p:par>
@@ -8849,26 +12876,26 @@
                     </p:cTn>
                   </p:par>
                   <p:par>
-                    <p:cTn id="15" fill="hold">
+                    <p:cTn id="25" fill="hold">
                       <p:stCondLst>
                         <p:cond delay="indefinite"/>
                       </p:stCondLst>
                       <p:childTnLst>
                         <p:par>
-                          <p:cTn id="16" fill="hold">
+                          <p:cTn id="26" fill="hold">
                             <p:stCondLst>
                               <p:cond delay="0"/>
                             </p:stCondLst>
                             <p:childTnLst>
                               <p:par>
-                                <p:cTn id="17" presetID="53" presetClass="entr" presetSubtype="16" fill="hold" grpId="0" nodeType="clickEffect">
+                                <p:cTn id="27" presetID="53" presetClass="entr" presetSubtype="16" fill="hold" grpId="0" nodeType="clickEffect">
                                   <p:stCondLst>
                                     <p:cond delay="0"/>
                                   </p:stCondLst>
                                   <p:childTnLst>
                                     <p:set>
                                       <p:cBhvr>
-                                        <p:cTn id="18" dur="1" fill="hold">
+                                        <p:cTn id="28" dur="1" fill="hold">
                                           <p:stCondLst>
                                             <p:cond delay="0"/>
                                           </p:stCondLst>
@@ -8890,7 +12917,7 @@
                                     </p:set>
                                     <p:anim calcmode="lin" valueType="num">
                                       <p:cBhvr>
-                                        <p:cTn id="19" dur="500" fill="hold"/>
+                                        <p:cTn id="29" dur="500" fill="hold"/>
                                         <p:tgtEl>
                                           <p:spTgt spid="8">
                                             <p:txEl>
@@ -8917,7 +12944,7 @@
                                     </p:anim>
                                     <p:anim calcmode="lin" valueType="num">
                                       <p:cBhvr>
-                                        <p:cTn id="20" dur="500" fill="hold"/>
+                                        <p:cTn id="30" dur="500" fill="hold"/>
                                         <p:tgtEl>
                                           <p:spTgt spid="8">
                                             <p:txEl>
@@ -8944,7 +12971,7 @@
                                     </p:anim>
                                     <p:animEffect transition="in" filter="fade">
                                       <p:cBhvr>
-                                        <p:cTn id="21" dur="500"/>
+                                        <p:cTn id="31" dur="500"/>
                                         <p:tgtEl>
                                           <p:spTgt spid="8">
                                             <p:txEl>
@@ -8958,14 +12985,14 @@
                                 </p:cTn>
                               </p:par>
                               <p:par>
-                                <p:cTn id="22" presetID="53" presetClass="entr" presetSubtype="16" fill="hold" nodeType="withEffect">
+                                <p:cTn id="32" presetID="53" presetClass="entr" presetSubtype="16" fill="hold" nodeType="withEffect">
                                   <p:stCondLst>
                                     <p:cond delay="0"/>
                                   </p:stCondLst>
                                   <p:childTnLst>
                                     <p:set>
                                       <p:cBhvr>
-                                        <p:cTn id="23" dur="1" fill="hold">
+                                        <p:cTn id="33" dur="1" fill="hold">
                                           <p:stCondLst>
                                             <p:cond delay="0"/>
                                           </p:stCondLst>
@@ -8983,7 +13010,7 @@
                                     </p:set>
                                     <p:anim calcmode="lin" valueType="num">
                                       <p:cBhvr>
-                                        <p:cTn id="24" dur="500" fill="hold"/>
+                                        <p:cTn id="34" dur="500" fill="hold"/>
                                         <p:tgtEl>
                                           <p:spTgt spid="7"/>
                                         </p:tgtEl>
@@ -9006,7 +13033,7 @@
                                     </p:anim>
                                     <p:anim calcmode="lin" valueType="num">
                                       <p:cBhvr>
-                                        <p:cTn id="25" dur="500" fill="hold"/>
+                                        <p:cTn id="35" dur="500" fill="hold"/>
                                         <p:tgtEl>
                                           <p:spTgt spid="7"/>
                                         </p:tgtEl>
@@ -9029,7 +13056,7 @@
                                     </p:anim>
                                     <p:animEffect transition="in" filter="fade">
                                       <p:cBhvr>
-                                        <p:cTn id="26" dur="500"/>
+                                        <p:cTn id="36" dur="500"/>
                                         <p:tgtEl>
                                           <p:spTgt spid="7"/>
                                         </p:tgtEl>
@@ -9068,6 +13095,7 @@
     <p:bldLst>
       <p:bldP spid="2" grpId="0" uiExpand="1" build="p"/>
       <p:bldP spid="8" grpId="0" build="p"/>
+      <p:bldP spid="3" grpId="0"/>
     </p:bldLst>
   </p:timing>
 </p:sld>
@@ -9102,7 +13130,7 @@
         </p:nvSpPr>
         <p:spPr>
           <a:xfrm>
-            <a:off x="2286000" y="274638"/>
+            <a:off x="2286000" y="228600"/>
             <a:ext cx="6400800" cy="563562"/>
           </a:xfrm>
         </p:spPr>
@@ -9160,6 +13188,28 @@
             <a:r>
               <a:rPr lang="ro-RO" altLang="en-US" sz="2400" dirty="0" smtClean="0"/>
               <a:t>Inheritance</a:t>
+            </a:r>
+            <a:endParaRPr lang="en-US" altLang="en-US" sz="2400" dirty="0" smtClean="0"/>
+          </a:p>
+          <a:p>
+            <a:endParaRPr lang="en-US" altLang="en-US" sz="2400" dirty="0"/>
+          </a:p>
+          <a:p>
+            <a:r>
+              <a:rPr lang="en-US" altLang="en-US" sz="2400" dirty="0"/>
+              <a:t>Public, </a:t>
+            </a:r>
+            <a:r>
+              <a:rPr lang="en-US" altLang="en-US" sz="2400" dirty="0" smtClean="0"/>
+              <a:t>Private</a:t>
+            </a:r>
+            <a:r>
+              <a:rPr lang="en-US" altLang="en-US" sz="2400" dirty="0"/>
+              <a:t>, </a:t>
+            </a:r>
+            <a:r>
+              <a:rPr lang="en-US" altLang="en-US" sz="2400" dirty="0" smtClean="0"/>
+              <a:t>Protected</a:t>
             </a:r>
             <a:endParaRPr lang="en-US" altLang="en-US" sz="2400" dirty="0" smtClean="0"/>
           </a:p>
@@ -9223,7 +13273,7 @@
         </p:nvSpPr>
         <p:spPr>
           <a:xfrm>
-            <a:off x="2286000" y="274638"/>
+            <a:off x="2286000" y="228600"/>
             <a:ext cx="6400800" cy="563562"/>
           </a:xfrm>
         </p:spPr>
@@ -9236,66 +13286,6 @@
               <a:t>BioCalc Application</a:t>
             </a:r>
             <a:endParaRPr lang="en-US" altLang="en-US" sz="2400" dirty="0" smtClean="0"/>
-          </a:p>
-        </p:txBody>
-      </p:sp>
-      <p:sp>
-        <p:nvSpPr>
-          <p:cNvPr id="14" name="Content Placeholder 1"/>
-          <p:cNvSpPr>
-            <a:spLocks noGrp="1"/>
-          </p:cNvSpPr>
-          <p:nvPr>
-            <p:ph idx="1"/>
-          </p:nvPr>
-        </p:nvSpPr>
-        <p:spPr>
-          <a:xfrm>
-            <a:off x="1524000" y="1981200"/>
-            <a:ext cx="6934200" cy="2819400"/>
-          </a:xfrm>
-        </p:spPr>
-        <p:txBody>
-          <a:bodyPr/>
-          <a:lstStyle/>
-          <a:p>
-            <a:pPr lvl="0"/>
-            <a:r>
-              <a:rPr lang="ro-RO" dirty="0" smtClean="0"/>
-              <a:t>BioCalc Project</a:t>
-            </a:r>
-          </a:p>
-          <a:p>
-            <a:pPr marL="381000" lvl="1" indent="0">
-              <a:buNone/>
-            </a:pPr>
-            <a:r>
-              <a:rPr lang="ro-RO" sz="1400" dirty="0" smtClean="0"/>
-              <a:t>- the application (html, css, js)</a:t>
-            </a:r>
-          </a:p>
-          <a:p>
-            <a:pPr lvl="0"/>
-            <a:endParaRPr lang="ro-RO" dirty="0" smtClean="0"/>
-          </a:p>
-          <a:p>
-            <a:pPr lvl="0"/>
-            <a:endParaRPr lang="ro-RO" dirty="0"/>
-          </a:p>
-          <a:p>
-            <a:pPr lvl="0"/>
-            <a:r>
-              <a:rPr lang="ro-RO" dirty="0" smtClean="0"/>
-              <a:t>BioControls Project</a:t>
-            </a:r>
-          </a:p>
-          <a:p>
-            <a:pPr lvl="1"/>
-            <a:r>
-              <a:rPr lang="ro-RO" sz="1400" dirty="0" smtClean="0"/>
-              <a:t>the jQuery widgets (BiorhythmView, BiorhythmLegend, XDayView)</a:t>
-            </a:r>
-            <a:endParaRPr lang="en-US" sz="1400" dirty="0"/>
           </a:p>
         </p:txBody>
       </p:sp>
@@ -9343,14 +13333,14 @@
       </p:sp>
       <p:pic>
         <p:nvPicPr>
-          <p:cNvPr id="28675" name="Picture 3"/>
+          <p:cNvPr id="1028" name="Picture 4"/>
           <p:cNvPicPr>
             <a:picLocks noChangeAspect="1" noChangeArrowheads="1"/>
           </p:cNvPicPr>
           <p:nvPr/>
         </p:nvPicPr>
         <p:blipFill>
-          <a:blip r:embed="rId2" cstate="print">
+          <a:blip r:embed="rId2">
             <a:extLst>
               <a:ext uri="{28A0092B-C50C-407E-A947-70E740481C1C}">
                 <a14:useLocalDpi xmlns:a14="http://schemas.microsoft.com/office/drawing/2010/main" val="0"/>
@@ -9364,62 +13354,8 @@
         </p:blipFill>
         <p:spPr bwMode="auto">
           <a:xfrm>
-            <a:off x="4953000" y="1531676"/>
-            <a:ext cx="2881413" cy="1516323"/>
-          </a:xfrm>
-          <a:prstGeom prst="rect">
-            <a:avLst/>
-          </a:prstGeom>
-          <a:noFill/>
-          <a:ln>
-            <a:noFill/>
-          </a:ln>
-          <a:extLst>
-            <a:ext uri="{909E8E84-426E-40DD-AFC4-6F175D3DCCD1}">
-              <a14:hiddenFill xmlns:a14="http://schemas.microsoft.com/office/drawing/2010/main">
-                <a:solidFill>
-                  <a:schemeClr val="accent1"/>
-                </a:solidFill>
-              </a14:hiddenFill>
-            </a:ext>
-            <a:ext uri="{91240B29-F687-4F45-9708-019B960494DF}">
-              <a14:hiddenLine xmlns:a14="http://schemas.microsoft.com/office/drawing/2010/main" w="9525">
-                <a:solidFill>
-                  <a:schemeClr val="tx1"/>
-                </a:solidFill>
-                <a:miter lim="800000"/>
-                <a:headEnd/>
-                <a:tailEnd/>
-              </a14:hiddenLine>
-            </a:ext>
-          </a:extLst>
-        </p:spPr>
-      </p:pic>
-      <p:pic>
-        <p:nvPicPr>
-          <p:cNvPr id="17" name="Picture 2"/>
-          <p:cNvPicPr>
-            <a:picLocks noChangeAspect="1" noChangeArrowheads="1"/>
-          </p:cNvPicPr>
-          <p:nvPr/>
-        </p:nvPicPr>
-        <p:blipFill>
-          <a:blip r:embed="rId3" cstate="print">
-            <a:extLst>
-              <a:ext uri="{28A0092B-C50C-407E-A947-70E740481C1C}">
-                <a14:useLocalDpi xmlns:a14="http://schemas.microsoft.com/office/drawing/2010/main" val="0"/>
-              </a:ext>
-            </a:extLst>
-          </a:blip>
-          <a:srcRect/>
-          <a:stretch>
-            <a:fillRect/>
-          </a:stretch>
-        </p:blipFill>
-        <p:spPr bwMode="auto">
-          <a:xfrm>
-            <a:off x="4267200" y="4238769"/>
-            <a:ext cx="2162175" cy="1763972"/>
+            <a:off x="2576513" y="1524000"/>
+            <a:ext cx="3990975" cy="4524375"/>
           </a:xfrm>
           <a:prstGeom prst="rect">
             <a:avLst/>
@@ -9462,7 +13398,132 @@
   <p:timing>
     <p:tnLst>
       <p:par>
-        <p:cTn id="1" dur="indefinite" restart="never" nodeType="tmRoot"/>
+        <p:cTn id="1" dur="indefinite" restart="never" nodeType="tmRoot">
+          <p:childTnLst>
+            <p:seq concurrent="1" nextAc="seek">
+              <p:cTn id="2" dur="indefinite" nodeType="mainSeq">
+                <p:childTnLst>
+                  <p:par>
+                    <p:cTn id="3" fill="hold">
+                      <p:stCondLst>
+                        <p:cond delay="indefinite"/>
+                        <p:cond evt="onBegin" delay="0">
+                          <p:tn val="2"/>
+                        </p:cond>
+                      </p:stCondLst>
+                      <p:childTnLst>
+                        <p:par>
+                          <p:cTn id="4" fill="hold">
+                            <p:stCondLst>
+                              <p:cond delay="0"/>
+                            </p:stCondLst>
+                            <p:childTnLst>
+                              <p:par>
+                                <p:cTn id="5" presetID="53" presetClass="entr" presetSubtype="16" fill="hold" nodeType="withEffect">
+                                  <p:stCondLst>
+                                    <p:cond delay="0"/>
+                                  </p:stCondLst>
+                                  <p:childTnLst>
+                                    <p:set>
+                                      <p:cBhvr>
+                                        <p:cTn id="6" dur="1" fill="hold">
+                                          <p:stCondLst>
+                                            <p:cond delay="0"/>
+                                          </p:stCondLst>
+                                        </p:cTn>
+                                        <p:tgtEl>
+                                          <p:spTgt spid="1028"/>
+                                        </p:tgtEl>
+                                        <p:attrNameLst>
+                                          <p:attrName>style.visibility</p:attrName>
+                                        </p:attrNameLst>
+                                      </p:cBhvr>
+                                      <p:to>
+                                        <p:strVal val="visible"/>
+                                      </p:to>
+                                    </p:set>
+                                    <p:anim calcmode="lin" valueType="num">
+                                      <p:cBhvr>
+                                        <p:cTn id="7" dur="500" fill="hold"/>
+                                        <p:tgtEl>
+                                          <p:spTgt spid="1028"/>
+                                        </p:tgtEl>
+                                        <p:attrNameLst>
+                                          <p:attrName>ppt_w</p:attrName>
+                                        </p:attrNameLst>
+                                      </p:cBhvr>
+                                      <p:tavLst>
+                                        <p:tav tm="0">
+                                          <p:val>
+                                            <p:fltVal val="0"/>
+                                          </p:val>
+                                        </p:tav>
+                                        <p:tav tm="100000">
+                                          <p:val>
+                                            <p:strVal val="#ppt_w"/>
+                                          </p:val>
+                                        </p:tav>
+                                      </p:tavLst>
+                                    </p:anim>
+                                    <p:anim calcmode="lin" valueType="num">
+                                      <p:cBhvr>
+                                        <p:cTn id="8" dur="500" fill="hold"/>
+                                        <p:tgtEl>
+                                          <p:spTgt spid="1028"/>
+                                        </p:tgtEl>
+                                        <p:attrNameLst>
+                                          <p:attrName>ppt_h</p:attrName>
+                                        </p:attrNameLst>
+                                      </p:cBhvr>
+                                      <p:tavLst>
+                                        <p:tav tm="0">
+                                          <p:val>
+                                            <p:fltVal val="0"/>
+                                          </p:val>
+                                        </p:tav>
+                                        <p:tav tm="100000">
+                                          <p:val>
+                                            <p:strVal val="#ppt_h"/>
+                                          </p:val>
+                                        </p:tav>
+                                      </p:tavLst>
+                                    </p:anim>
+                                    <p:animEffect transition="in" filter="fade">
+                                      <p:cBhvr>
+                                        <p:cTn id="9" dur="500"/>
+                                        <p:tgtEl>
+                                          <p:spTgt spid="1028"/>
+                                        </p:tgtEl>
+                                      </p:cBhvr>
+                                    </p:animEffect>
+                                  </p:childTnLst>
+                                </p:cTn>
+                              </p:par>
+                            </p:childTnLst>
+                          </p:cTn>
+                        </p:par>
+                      </p:childTnLst>
+                    </p:cTn>
+                  </p:par>
+                </p:childTnLst>
+              </p:cTn>
+              <p:prevCondLst>
+                <p:cond evt="onPrev" delay="0">
+                  <p:tgtEl>
+                    <p:sldTgt/>
+                  </p:tgtEl>
+                </p:cond>
+              </p:prevCondLst>
+              <p:nextCondLst>
+                <p:cond evt="onNext" delay="0">
+                  <p:tgtEl>
+                    <p:sldTgt/>
+                  </p:tgtEl>
+                </p:cond>
+              </p:nextCondLst>
+            </p:seq>
+          </p:childTnLst>
+        </p:cTn>
       </p:par>
     </p:tnLst>
   </p:timing>
@@ -9486,37 +13547,9 @@
           <a:chExt cx="0" cy="0"/>
         </a:xfrm>
       </p:grpSpPr>
-      <p:sp>
-        <p:nvSpPr>
-          <p:cNvPr id="6146" name="Title 1"/>
-          <p:cNvSpPr>
-            <a:spLocks noGrp="1"/>
-          </p:cNvSpPr>
-          <p:nvPr>
-            <p:ph type="title"/>
-          </p:nvPr>
-        </p:nvSpPr>
-        <p:spPr>
-          <a:xfrm>
-            <a:off x="2286000" y="274638"/>
-            <a:ext cx="6400800" cy="563562"/>
-          </a:xfrm>
-        </p:spPr>
-        <p:txBody>
-          <a:bodyPr/>
-          <a:lstStyle/>
-          <a:p>
-            <a:r>
-              <a:rPr lang="ro-RO" altLang="en-US" sz="2400" dirty="0" smtClean="0"/>
-              <a:t>BioCalc Application</a:t>
-            </a:r>
-            <a:endParaRPr lang="en-US" altLang="en-US" sz="2400" dirty="0" smtClean="0"/>
-          </a:p>
-        </p:txBody>
-      </p:sp>
       <p:pic>
         <p:nvPicPr>
-          <p:cNvPr id="28674" name="Picture 2"/>
+          <p:cNvPr id="2050" name="Picture 2"/>
           <p:cNvPicPr>
             <a:picLocks noChangeAspect="1" noChangeArrowheads="1"/>
           </p:cNvPicPr>
@@ -9537,8 +13570,8 @@
         </p:blipFill>
         <p:spPr bwMode="auto">
           <a:xfrm>
-            <a:off x="2133600" y="1295400"/>
-            <a:ext cx="5895975" cy="4810125"/>
+            <a:off x="2133600" y="1466850"/>
+            <a:ext cx="5829300" cy="4552950"/>
           </a:xfrm>
           <a:prstGeom prst="rect">
             <a:avLst/>
@@ -9568,6 +13601,50 @@
           </a:extLst>
         </p:spPr>
       </p:pic>
+      <p:sp>
+        <p:nvSpPr>
+          <p:cNvPr id="6146" name="Title 1"/>
+          <p:cNvSpPr>
+            <a:spLocks noGrp="1"/>
+          </p:cNvSpPr>
+          <p:nvPr>
+            <p:ph type="title"/>
+          </p:nvPr>
+        </p:nvSpPr>
+        <p:spPr>
+          <a:xfrm>
+            <a:off x="2286000" y="228600"/>
+            <a:ext cx="6400800" cy="563562"/>
+          </a:xfrm>
+        </p:spPr>
+        <p:txBody>
+          <a:bodyPr/>
+          <a:lstStyle/>
+          <a:p>
+            <a:r>
+              <a:rPr lang="ro-RO" altLang="en-US" sz="2400" dirty="0" smtClean="0"/>
+              <a:t>BioCalc </a:t>
+            </a:r>
+            <a:r>
+              <a:rPr lang="ro-RO" altLang="en-US" sz="2400" dirty="0" smtClean="0"/>
+              <a:t>Application</a:t>
+            </a:r>
+            <a:r>
+              <a:rPr lang="en-US" altLang="en-US" sz="2400" dirty="0" smtClean="0"/>
+              <a:t> – </a:t>
+            </a:r>
+            <a:r>
+              <a:rPr lang="en-US" altLang="en-US" sz="2400" dirty="0" err="1" smtClean="0"/>
+              <a:t>BioControls</a:t>
+            </a:r>
+            <a:r>
+              <a:rPr lang="en-US" altLang="en-US" sz="2400" dirty="0" smtClean="0"/>
+              <a:t> Project</a:t>
+            </a:r>
+            <a:endParaRPr lang="en-US" altLang="en-US" sz="2400" dirty="0" smtClean="0"/>
+          </a:p>
+        </p:txBody>
+      </p:sp>
       <p:sp>
         <p:nvSpPr>
           <p:cNvPr id="6" name="Content Placeholder 1"/>
@@ -9580,8 +13657,8 @@
         </p:nvSpPr>
         <p:spPr>
           <a:xfrm>
-            <a:off x="571500" y="4038600"/>
-            <a:ext cx="3733800" cy="1143000"/>
+            <a:off x="914400" y="4114800"/>
+            <a:ext cx="2895600" cy="533400"/>
           </a:xfrm>
         </p:spPr>
         <p:txBody>
@@ -9741,7 +13818,7 @@
                                           </p:stCondLst>
                                         </p:cTn>
                                         <p:tgtEl>
-                                          <p:spTgt spid="28674"/>
+                                          <p:spTgt spid="2050"/>
                                         </p:tgtEl>
                                         <p:attrNameLst>
                                           <p:attrName>style.visibility</p:attrName>
@@ -9755,7 +13832,7 @@
                                       <p:cBhvr>
                                         <p:cTn id="12" dur="500" fill="hold"/>
                                         <p:tgtEl>
-                                          <p:spTgt spid="28674"/>
+                                          <p:spTgt spid="2050"/>
                                         </p:tgtEl>
                                         <p:attrNameLst>
                                           <p:attrName>ppt_w</p:attrName>
@@ -9778,7 +13855,7 @@
                                       <p:cBhvr>
                                         <p:cTn id="13" dur="500" fill="hold"/>
                                         <p:tgtEl>
-                                          <p:spTgt spid="28674"/>
+                                          <p:spTgt spid="2050"/>
                                         </p:tgtEl>
                                         <p:attrNameLst>
                                           <p:attrName>ppt_h</p:attrName>
@@ -9801,7 +13878,7 @@
                                       <p:cBhvr>
                                         <p:cTn id="14" dur="500"/>
                                         <p:tgtEl>
-                                          <p:spTgt spid="28674"/>
+                                          <p:spTgt spid="2050"/>
                                         </p:tgtEl>
                                       </p:cBhvr>
                                     </p:animEffect>
@@ -9871,7 +13948,7 @@
         </p:nvSpPr>
         <p:spPr>
           <a:xfrm>
-            <a:off x="2286000" y="274638"/>
+            <a:off x="2286000" y="228600"/>
             <a:ext cx="6400800" cy="563562"/>
           </a:xfrm>
         </p:spPr>
@@ -9931,6 +14008,28 @@
               <a:t>Inheritance</a:t>
             </a:r>
             <a:endParaRPr lang="en-US" altLang="en-US" sz="2400" b="1" dirty="0" smtClean="0"/>
+          </a:p>
+          <a:p>
+            <a:endParaRPr lang="en-US" altLang="en-US" sz="2400" dirty="0" smtClean="0"/>
+          </a:p>
+          <a:p>
+            <a:r>
+              <a:rPr lang="en-US" altLang="en-US" sz="2400" dirty="0"/>
+              <a:t>Public, </a:t>
+            </a:r>
+            <a:r>
+              <a:rPr lang="en-US" altLang="en-US" sz="2400" dirty="0" smtClean="0"/>
+              <a:t>Private</a:t>
+            </a:r>
+            <a:r>
+              <a:rPr lang="en-US" altLang="en-US" sz="2400" dirty="0"/>
+              <a:t>, </a:t>
+            </a:r>
+            <a:r>
+              <a:rPr lang="en-US" altLang="en-US" sz="2400" dirty="0" smtClean="0"/>
+              <a:t>Protected</a:t>
+            </a:r>
+            <a:endParaRPr lang="en-US" altLang="en-US" sz="2400" dirty="0"/>
           </a:p>
           <a:p>
             <a:endParaRPr lang="en-US" altLang="en-US" sz="2400" dirty="0" smtClean="0"/>
@@ -9992,7 +14091,7 @@
         </p:nvSpPr>
         <p:spPr>
           <a:xfrm>
-            <a:off x="2286000" y="274638"/>
+            <a:off x="2286000" y="228600"/>
             <a:ext cx="6400800" cy="563562"/>
           </a:xfrm>
         </p:spPr>
@@ -10002,15 +14101,68 @@
           <a:p>
             <a:r>
               <a:rPr lang="ro-RO" altLang="en-US" sz="2400" dirty="0" smtClean="0"/>
-              <a:t>Inheritance - basic</a:t>
+              <a:t>Inheritance </a:t>
+            </a:r>
+            <a:r>
+              <a:rPr lang="ro-RO" altLang="en-US" sz="2400" dirty="0" smtClean="0"/>
+              <a:t>– basic</a:t>
             </a:r>
             <a:endParaRPr lang="en-US" altLang="en-US" sz="2400" dirty="0" smtClean="0"/>
+          </a:p>
+        </p:txBody>
+      </p:sp>
+      <p:sp>
+        <p:nvSpPr>
+          <p:cNvPr id="8" name="Content Placeholder 2"/>
+          <p:cNvSpPr>
+            <a:spLocks noGrp="1"/>
+          </p:cNvSpPr>
+          <p:nvPr>
+            <p:ph idx="1"/>
+          </p:nvPr>
+        </p:nvSpPr>
+        <p:spPr>
+          <a:xfrm>
+            <a:off x="685800" y="1371600"/>
+            <a:ext cx="6172200" cy="1143000"/>
+          </a:xfrm>
+        </p:spPr>
+        <p:txBody>
+          <a:bodyPr/>
+          <a:lstStyle/>
+          <a:p>
+            <a:r>
+              <a:rPr lang="ro-RO" altLang="en-US" sz="2400" dirty="0" smtClean="0"/>
+              <a:t>Create two functions (</a:t>
+            </a:r>
+            <a:r>
+              <a:rPr lang="ro-RO" altLang="en-US" sz="2400" dirty="0" smtClean="0">
+                <a:latin typeface="Courier New" panose="02070309020205020404" pitchFamily="49" charset="0"/>
+                <a:cs typeface="Courier New" panose="02070309020205020404" pitchFamily="49" charset="0"/>
+              </a:rPr>
+              <a:t>Animal</a:t>
+            </a:r>
+            <a:r>
+              <a:rPr lang="ro-RO" altLang="en-US" sz="2400" dirty="0" smtClean="0"/>
+              <a:t> and </a:t>
+            </a:r>
+            <a:r>
+              <a:rPr lang="ro-RO" altLang="en-US" sz="2400" dirty="0" smtClean="0">
+                <a:latin typeface="Courier New" panose="02070309020205020404" pitchFamily="49" charset="0"/>
+                <a:cs typeface="Courier New" panose="02070309020205020404" pitchFamily="49" charset="0"/>
+              </a:rPr>
+              <a:t>Dog</a:t>
+            </a:r>
+            <a:r>
+              <a:rPr lang="ro-RO" altLang="en-US" sz="2400" dirty="0" smtClean="0"/>
+              <a:t>)</a:t>
+            </a:r>
           </a:p>
         </p:txBody>
       </p:sp>
       <p:pic>
         <p:nvPicPr>
-          <p:cNvPr id="29700" name="Picture 4"/>
+          <p:cNvPr id="3074" name="Picture 2"/>
           <p:cNvPicPr>
             <a:picLocks noChangeAspect="1" noChangeArrowheads="1"/>
           </p:cNvPicPr>
@@ -10031,8 +14183,8 @@
         </p:blipFill>
         <p:spPr bwMode="auto">
           <a:xfrm>
-            <a:off x="1219200" y="2209800"/>
-            <a:ext cx="6743700" cy="3867150"/>
+            <a:off x="1028700" y="2057400"/>
+            <a:ext cx="6743700" cy="3886200"/>
           </a:xfrm>
           <a:prstGeom prst="rect">
             <a:avLst/>
@@ -10062,55 +14214,6 @@
           </a:extLst>
         </p:spPr>
       </p:pic>
-      <p:sp>
-        <p:nvSpPr>
-          <p:cNvPr id="8" name="Content Placeholder 2"/>
-          <p:cNvSpPr>
-            <a:spLocks noGrp="1"/>
-          </p:cNvSpPr>
-          <p:nvPr>
-            <p:ph idx="1"/>
-          </p:nvPr>
-        </p:nvSpPr>
-        <p:spPr>
-          <a:xfrm>
-            <a:off x="685800" y="1371600"/>
-            <a:ext cx="6172200" cy="1143000"/>
-          </a:xfrm>
-        </p:spPr>
-        <p:txBody>
-          <a:bodyPr/>
-          <a:lstStyle/>
-          <a:p>
-            <a:r>
-              <a:rPr lang="ro-RO" altLang="en-US" sz="2400" dirty="0" smtClean="0"/>
-              <a:t>Create two functions (</a:t>
-            </a:r>
-            <a:r>
-              <a:rPr lang="ro-RO" altLang="en-US" sz="2400" dirty="0" smtClean="0">
-                <a:latin typeface="Courier New" panose="02070309020205020404" pitchFamily="49" charset="0"/>
-                <a:cs typeface="Courier New" panose="02070309020205020404" pitchFamily="49" charset="0"/>
-              </a:rPr>
-              <a:t>Animal</a:t>
-            </a:r>
-            <a:r>
-              <a:rPr lang="ro-RO" altLang="en-US" sz="2400" dirty="0" smtClean="0"/>
-              <a:t> and </a:t>
-            </a:r>
-            <a:r>
-              <a:rPr lang="ro-RO" altLang="en-US" sz="2400" dirty="0" smtClean="0">
-                <a:latin typeface="Courier New" panose="02070309020205020404" pitchFamily="49" charset="0"/>
-                <a:cs typeface="Courier New" panose="02070309020205020404" pitchFamily="49" charset="0"/>
-              </a:rPr>
-              <a:t>Dog</a:t>
-            </a:r>
-            <a:r>
-              <a:rPr lang="ro-RO" altLang="en-US" sz="2400" dirty="0" smtClean="0"/>
-              <a:t>)</a:t>
-            </a:r>
-          </a:p>
-        </p:txBody>
-      </p:sp>
     </p:spTree>
     <p:extLst>
       <p:ext uri="{BB962C8B-B14F-4D97-AF65-F5344CB8AC3E}">
@@ -10160,7 +14263,7 @@
         </p:nvSpPr>
         <p:spPr>
           <a:xfrm>
-            <a:off x="2286000" y="274638"/>
+            <a:off x="2286000" y="228600"/>
             <a:ext cx="6400800" cy="563562"/>
           </a:xfrm>
         </p:spPr>
@@ -10170,15 +14273,72 @@
           <a:p>
             <a:r>
               <a:rPr lang="ro-RO" altLang="en-US" sz="2400" dirty="0" smtClean="0"/>
-              <a:t>Inheritance - basic</a:t>
+              <a:t>Inheritance </a:t>
+            </a:r>
+            <a:r>
+              <a:rPr lang="ro-RO" altLang="en-US" sz="2400" dirty="0" smtClean="0"/>
+              <a:t>– basic</a:t>
             </a:r>
             <a:endParaRPr lang="en-US" altLang="en-US" sz="2400" dirty="0" smtClean="0"/>
+          </a:p>
+        </p:txBody>
+      </p:sp>
+      <p:sp>
+        <p:nvSpPr>
+          <p:cNvPr id="6" name="Content Placeholder 2"/>
+          <p:cNvSpPr>
+            <a:spLocks noGrp="1"/>
+          </p:cNvSpPr>
+          <p:nvPr>
+            <p:ph idx="1"/>
+          </p:nvPr>
+        </p:nvSpPr>
+        <p:spPr>
+          <a:xfrm>
+            <a:off x="685800" y="1371600"/>
+            <a:ext cx="7696200" cy="1143000"/>
+          </a:xfrm>
+        </p:spPr>
+        <p:txBody>
+          <a:bodyPr/>
+          <a:lstStyle/>
+          <a:p>
+            <a:r>
+              <a:rPr lang="ro-RO" altLang="en-US" sz="2400" dirty="0" smtClean="0"/>
+              <a:t>Set the </a:t>
+            </a:r>
+            <a:r>
+              <a:rPr lang="ro-RO" altLang="en-US" sz="2400" dirty="0" smtClean="0">
+                <a:latin typeface="Courier New" panose="02070309020205020404" pitchFamily="49" charset="0"/>
+                <a:cs typeface="Courier New" panose="02070309020205020404" pitchFamily="49" charset="0"/>
+              </a:rPr>
+              <a:t>prototype</a:t>
+            </a:r>
+            <a:r>
+              <a:rPr lang="ro-RO" altLang="en-US" sz="2400" dirty="0" smtClean="0"/>
+              <a:t> property of the </a:t>
+            </a:r>
+            <a:r>
+              <a:rPr lang="ro-RO" altLang="en-US" sz="2400" dirty="0" smtClean="0">
+                <a:latin typeface="Courier New" panose="02070309020205020404" pitchFamily="49" charset="0"/>
+                <a:cs typeface="Courier New" panose="02070309020205020404" pitchFamily="49" charset="0"/>
+              </a:rPr>
+              <a:t>Dog</a:t>
+            </a:r>
+            <a:r>
+              <a:rPr lang="ro-RO" altLang="en-US" sz="2400" dirty="0"/>
+              <a:t> </a:t>
+            </a:r>
+            <a:r>
+              <a:rPr lang="ro-RO" altLang="en-US" sz="2400" dirty="0" smtClean="0"/>
+              <a:t>function</a:t>
+            </a:r>
           </a:p>
         </p:txBody>
       </p:sp>
       <p:pic>
         <p:nvPicPr>
-          <p:cNvPr id="30722" name="Picture 2"/>
+          <p:cNvPr id="4098" name="Picture 2"/>
           <p:cNvPicPr>
             <a:picLocks noChangeAspect="1" noChangeArrowheads="1"/>
           </p:cNvPicPr>
@@ -10199,8 +14359,8 @@
         </p:blipFill>
         <p:spPr bwMode="auto">
           <a:xfrm>
-            <a:off x="1266825" y="2847975"/>
-            <a:ext cx="6581775" cy="1800225"/>
+            <a:off x="1066800" y="1981200"/>
+            <a:ext cx="6696075" cy="4248150"/>
           </a:xfrm>
           <a:prstGeom prst="rect">
             <a:avLst/>
@@ -10230,59 +14390,6 @@
           </a:extLst>
         </p:spPr>
       </p:pic>
-      <p:sp>
-        <p:nvSpPr>
-          <p:cNvPr id="6" name="Content Placeholder 2"/>
-          <p:cNvSpPr>
-            <a:spLocks noGrp="1"/>
-          </p:cNvSpPr>
-          <p:nvPr>
-            <p:ph idx="1"/>
-          </p:nvPr>
-        </p:nvSpPr>
-        <p:spPr>
-          <a:xfrm>
-            <a:off x="685800" y="1371600"/>
-            <a:ext cx="7696200" cy="1143000"/>
-          </a:xfrm>
-        </p:spPr>
-        <p:txBody>
-          <a:bodyPr/>
-          <a:lstStyle/>
-          <a:p>
-            <a:r>
-              <a:rPr lang="ro-RO" altLang="en-US" sz="2400" dirty="0" smtClean="0"/>
-              <a:t>Set the </a:t>
-            </a:r>
-            <a:r>
-              <a:rPr lang="ro-RO" altLang="en-US" sz="2400" dirty="0" smtClean="0">
-                <a:latin typeface="Courier New" panose="02070309020205020404" pitchFamily="49" charset="0"/>
-                <a:cs typeface="Courier New" panose="02070309020205020404" pitchFamily="49" charset="0"/>
-              </a:rPr>
-              <a:t>prototype</a:t>
-            </a:r>
-            <a:r>
-              <a:rPr lang="ro-RO" altLang="en-US" sz="2400" dirty="0" smtClean="0"/>
-              <a:t> property of the </a:t>
-            </a:r>
-            <a:r>
-              <a:rPr lang="ro-RO" altLang="en-US" sz="2400" dirty="0" smtClean="0">
-                <a:latin typeface="Courier New" panose="02070309020205020404" pitchFamily="49" charset="0"/>
-                <a:cs typeface="Courier New" panose="02070309020205020404" pitchFamily="49" charset="0"/>
-              </a:rPr>
-              <a:t>Dog</a:t>
-            </a:r>
-            <a:r>
-              <a:rPr lang="ro-RO" altLang="en-US" sz="2400" dirty="0"/>
-              <a:t> </a:t>
-            </a:r>
-            <a:r>
-              <a:rPr lang="ro-RO" altLang="en-US" sz="2400" dirty="0" smtClean="0"/>
-              <a:t>function</a:t>
-            </a:r>
-          </a:p>
-        </p:txBody>
-      </p:sp>
     </p:spTree>
     <p:extLst>
       <p:ext uri="{BB962C8B-B14F-4D97-AF65-F5344CB8AC3E}">
@@ -11230,19 +15337,6 @@
 </file>
 
 <file path=customXml/item1.xml><?xml version="1.0" encoding="utf-8"?>
-<?mso-contentType ?>
-<FormTemplates xmlns="http://schemas.microsoft.com/sharepoint/v3/contenttype/forms">
-  <Display>DocumentLibraryForm</Display>
-  <Edit>DocumentLibraryForm</Edit>
-  <New>DocumentLibraryForm</New>
-</FormTemplates>
-</file>
-
-<file path=customXml/item2.xml><?xml version="1.0" encoding="utf-8"?>
-<LongProperties xmlns="http://schemas.microsoft.com/office/2006/metadata/longProperties"/>
-</file>
-
-<file path=customXml/item3.xml><?xml version="1.0" encoding="utf-8"?>
 <ct:contentTypeSchema xmlns:ct="http://schemas.microsoft.com/office/2006/metadata/contentType" xmlns:ma="http://schemas.microsoft.com/office/2006/metadata/properties/metaAttributes" ct:_="" ma:_="" ma:contentTypeName="Document" ma:contentTypeID="0x010100152A3CFC636B004F874CAA4462160261" ma:contentTypeVersion="0" ma:contentTypeDescription="Create a new document." ma:contentTypeScope="" ma:versionID="54724255b6a7e390441e7f802fb831c9">
   <xsd:schema xmlns:xsd="http://www.w3.org/2001/XMLSchema" xmlns:xs="http://www.w3.org/2001/XMLSchema" xmlns:p="http://schemas.microsoft.com/office/2006/metadata/properties" targetNamespace="http://schemas.microsoft.com/office/2006/metadata/properties" ma:root="true" ma:fieldsID="c64490b4aec6201516c3a874156f37b2">
     <xsd:element name="properties">
@@ -11356,6 +15450,19 @@
 </ct:contentTypeSchema>
 </file>
 
+<file path=customXml/item2.xml><?xml version="1.0" encoding="utf-8"?>
+<LongProperties xmlns="http://schemas.microsoft.com/office/2006/metadata/longProperties"/>
+</file>
+
+<file path=customXml/item3.xml><?xml version="1.0" encoding="utf-8"?>
+<?mso-contentType ?>
+<FormTemplates xmlns="http://schemas.microsoft.com/sharepoint/v3/contenttype/forms">
+  <Display>DocumentLibraryForm</Display>
+  <Edit>DocumentLibraryForm</Edit>
+  <New>DocumentLibraryForm</New>
+</FormTemplates>
+</file>
+
 <file path=customXml/item4.xml><?xml version="1.0" encoding="utf-8"?>
 <p:properties xmlns:p="http://schemas.microsoft.com/office/2006/metadata/properties" xmlns:xsi="http://www.w3.org/2001/XMLSchema-instance" xmlns:pc="http://schemas.microsoft.com/office/infopath/2007/PartnerControls">
   <documentManagement/>
@@ -11363,22 +15470,6 @@
 </file>
 
 <file path=customXml/itemProps1.xml><?xml version="1.0" encoding="utf-8"?>
-<ds:datastoreItem xmlns:ds="http://schemas.openxmlformats.org/officeDocument/2006/customXml" ds:itemID="{DDAAD0C2-8AA2-4903-8770-A9DDE0A43745}">
-  <ds:schemaRefs>
-    <ds:schemaRef ds:uri="http://schemas.microsoft.com/sharepoint/v3/contenttype/forms"/>
-  </ds:schemaRefs>
-</ds:datastoreItem>
-</file>
-
-<file path=customXml/itemProps2.xml><?xml version="1.0" encoding="utf-8"?>
-<ds:datastoreItem xmlns:ds="http://schemas.openxmlformats.org/officeDocument/2006/customXml" ds:itemID="{E16A62CF-B99A-493C-8B5C-42B74BCBDFA7}">
-  <ds:schemaRefs>
-    <ds:schemaRef ds:uri="http://schemas.microsoft.com/office/2006/metadata/longProperties"/>
-  </ds:schemaRefs>
-</ds:datastoreItem>
-</file>
-
-<file path=customXml/itemProps3.xml><?xml version="1.0" encoding="utf-8"?>
 <ds:datastoreItem xmlns:ds="http://schemas.openxmlformats.org/officeDocument/2006/customXml" ds:itemID="{13855BF2-3E1B-4048-8F5D-5069A0D184FE}">
   <ds:schemaRefs>
     <ds:schemaRef ds:uri="http://schemas.microsoft.com/office/2006/metadata/contentType"/>
@@ -11394,17 +15485,33 @@
 </ds:datastoreItem>
 </file>
 
+<file path=customXml/itemProps2.xml><?xml version="1.0" encoding="utf-8"?>
+<ds:datastoreItem xmlns:ds="http://schemas.openxmlformats.org/officeDocument/2006/customXml" ds:itemID="{E16A62CF-B99A-493C-8B5C-42B74BCBDFA7}">
+  <ds:schemaRefs>
+    <ds:schemaRef ds:uri="http://schemas.microsoft.com/office/2006/metadata/longProperties"/>
+  </ds:schemaRefs>
+</ds:datastoreItem>
+</file>
+
+<file path=customXml/itemProps3.xml><?xml version="1.0" encoding="utf-8"?>
+<ds:datastoreItem xmlns:ds="http://schemas.openxmlformats.org/officeDocument/2006/customXml" ds:itemID="{DDAAD0C2-8AA2-4903-8770-A9DDE0A43745}">
+  <ds:schemaRefs>
+    <ds:schemaRef ds:uri="http://schemas.microsoft.com/sharepoint/v3/contenttype/forms"/>
+  </ds:schemaRefs>
+</ds:datastoreItem>
+</file>
+
 <file path=customXml/itemProps4.xml><?xml version="1.0" encoding="utf-8"?>
 <ds:datastoreItem xmlns:ds="http://schemas.openxmlformats.org/officeDocument/2006/customXml" ds:itemID="{D3E1AC4D-42DF-494E-976D-E107797B8048}">
   <ds:schemaRefs>
     <ds:schemaRef ds:uri="http://purl.org/dc/elements/1.1/"/>
+    <ds:schemaRef ds:uri="http://purl.org/dc/terms/"/>
+    <ds:schemaRef ds:uri="http://www.w3.org/XML/1998/namespace"/>
+    <ds:schemaRef ds:uri="http://purl.org/dc/dcmitype/"/>
+    <ds:schemaRef ds:uri="http://schemas.microsoft.com/office/2006/documentManagement/types"/>
+    <ds:schemaRef ds:uri="http://schemas.microsoft.com/office/2006/metadata/properties"/>
+    <ds:schemaRef ds:uri="http://schemas.microsoft.com/office/infopath/2007/PartnerControls"/>
     <ds:schemaRef ds:uri="http://schemas.openxmlformats.org/package/2006/metadata/core-properties"/>
-    <ds:schemaRef ds:uri="http://purl.org/dc/terms/"/>
-    <ds:schemaRef ds:uri="http://schemas.microsoft.com/office/2006/documentManagement/types"/>
-    <ds:schemaRef ds:uri="http://www.w3.org/XML/1998/namespace"/>
-    <ds:schemaRef ds:uri="http://schemas.microsoft.com/office/infopath/2007/PartnerControls"/>
-    <ds:schemaRef ds:uri="http://schemas.microsoft.com/office/2006/metadata/properties"/>
-    <ds:schemaRef ds:uri="http://purl.org/dc/dcmitype/"/>
   </ds:schemaRefs>
 </ds:datastoreItem>
 </file>
--- a/doc/BioCalc Presentation.pptx
+++ b/doc/BioCalc Presentation.pptx
@@ -5,7 +5,7 @@
     <p:sldMasterId id="2147483661" r:id="rId5"/>
   </p:sldMasterIdLst>
   <p:notesMasterIdLst>
-    <p:notesMasterId r:id="rId31"/>
+    <p:notesMasterId r:id="rId36"/>
   </p:notesMasterIdLst>
   <p:sldIdLst>
     <p:sldId id="269" r:id="rId6"/>
@@ -14,25 +14,30 @@
     <p:sldId id="279" r:id="rId9"/>
     <p:sldId id="277" r:id="rId10"/>
     <p:sldId id="278" r:id="rId11"/>
-    <p:sldId id="280" r:id="rId12"/>
-    <p:sldId id="281" r:id="rId13"/>
-    <p:sldId id="282" r:id="rId14"/>
-    <p:sldId id="283" r:id="rId15"/>
-    <p:sldId id="284" r:id="rId16"/>
-    <p:sldId id="285" r:id="rId17"/>
-    <p:sldId id="286" r:id="rId18"/>
-    <p:sldId id="287" r:id="rId19"/>
-    <p:sldId id="288" r:id="rId20"/>
-    <p:sldId id="289" r:id="rId21"/>
-    <p:sldId id="298" r:id="rId22"/>
-    <p:sldId id="295" r:id="rId23"/>
-    <p:sldId id="296" r:id="rId24"/>
-    <p:sldId id="294" r:id="rId25"/>
-    <p:sldId id="293" r:id="rId26"/>
-    <p:sldId id="292" r:id="rId27"/>
-    <p:sldId id="291" r:id="rId28"/>
-    <p:sldId id="290" r:id="rId29"/>
-    <p:sldId id="297" r:id="rId30"/>
+    <p:sldId id="302" r:id="rId12"/>
+    <p:sldId id="280" r:id="rId13"/>
+    <p:sldId id="281" r:id="rId14"/>
+    <p:sldId id="303" r:id="rId15"/>
+    <p:sldId id="282" r:id="rId16"/>
+    <p:sldId id="283" r:id="rId17"/>
+    <p:sldId id="284" r:id="rId18"/>
+    <p:sldId id="285" r:id="rId19"/>
+    <p:sldId id="286" r:id="rId20"/>
+    <p:sldId id="287" r:id="rId21"/>
+    <p:sldId id="288" r:id="rId22"/>
+    <p:sldId id="301" r:id="rId23"/>
+    <p:sldId id="289" r:id="rId24"/>
+    <p:sldId id="298" r:id="rId25"/>
+    <p:sldId id="295" r:id="rId26"/>
+    <p:sldId id="296" r:id="rId27"/>
+    <p:sldId id="294" r:id="rId28"/>
+    <p:sldId id="293" r:id="rId29"/>
+    <p:sldId id="292" r:id="rId30"/>
+    <p:sldId id="291" r:id="rId31"/>
+    <p:sldId id="290" r:id="rId32"/>
+    <p:sldId id="297" r:id="rId33"/>
+    <p:sldId id="299" r:id="rId34"/>
+    <p:sldId id="300" r:id="rId35"/>
   </p:sldIdLst>
   <p:sldSz cx="9144000" cy="6858000" type="screen4x3"/>
   <p:notesSz cx="6858000" cy="9144000"/>
@@ -259,7 +264,7 @@
             <a:fld id="{075D426C-3CEB-476F-A82F-ADFA14719D2A}" type="datetimeFigureOut">
               <a:rPr lang="en-US" altLang="en-US"/>
               <a:pPr/>
-              <a:t>9/19/2013</a:t>
+              <a:t>9/20/2013</a:t>
             </a:fld>
             <a:endParaRPr lang="en-US" altLang="en-US"/>
           </a:p>
@@ -5084,6 +5089,45 @@
           <a:chExt cx="0" cy="0"/>
         </a:xfrm>
       </p:grpSpPr>
+      <p:pic>
+        <p:nvPicPr>
+          <p:cNvPr id="5" name="Picture 4"/>
+          <p:cNvPicPr>
+            <a:picLocks noChangeAspect="1"/>
+          </p:cNvPicPr>
+          <p:nvPr/>
+        </p:nvPicPr>
+        <p:blipFill>
+          <a:blip r:embed="rId3" cstate="print">
+            <a:extLst>
+              <a:ext uri="{BEBA8EAE-BF5A-486C-A8C5-ECC9F3942E4B}">
+                <a14:imgProps xmlns:a14="http://schemas.microsoft.com/office/drawing/2010/main">
+                  <a14:imgLayer r:embed="rId4">
+                    <a14:imgEffect>
+                      <a14:artisticCutout/>
+                    </a14:imgEffect>
+                  </a14:imgLayer>
+                </a14:imgProps>
+              </a:ext>
+              <a:ext uri="{28A0092B-C50C-407E-A947-70E740481C1C}">
+                <a14:useLocalDpi xmlns:a14="http://schemas.microsoft.com/office/drawing/2010/main" val="0"/>
+              </a:ext>
+            </a:extLst>
+          </a:blip>
+          <a:stretch>
+            <a:fillRect/>
+          </a:stretch>
+        </p:blipFill>
+        <p:spPr>
+          <a:xfrm>
+            <a:off x="727107" y="5105400"/>
+            <a:ext cx="1101693" cy="970924"/>
+          </a:xfrm>
+          <a:prstGeom prst="rect">
+            <a:avLst/>
+          </a:prstGeom>
+        </p:spPr>
+      </p:pic>
       <p:sp>
         <p:nvSpPr>
           <p:cNvPr id="148493" name="Text Box 13"/>
@@ -5576,15 +5620,7 @@
                   <a:schemeClr val="bg1"/>
                 </a:solidFill>
               </a:rPr>
-              <a:t>, </a:t>
-            </a:r>
-            <a:r>
-              <a:rPr lang="en-US" altLang="en-US" sz="1100" dirty="0" smtClean="0">
-                <a:solidFill>
-                  <a:schemeClr val="bg1"/>
-                </a:solidFill>
-              </a:rPr>
-              <a:t>September 20</a:t>
+              <a:t>, September 20</a:t>
             </a:r>
             <a:r>
               <a:rPr lang="ro-RO" altLang="en-US" sz="1100" dirty="0" smtClean="0">
@@ -5765,6 +5801,362 @@
           <a:chExt cx="0" cy="0"/>
         </a:xfrm>
       </p:grpSpPr>
+      <p:sp>
+        <p:nvSpPr>
+          <p:cNvPr id="5122" name="Title 1"/>
+          <p:cNvSpPr>
+            <a:spLocks noGrp="1"/>
+          </p:cNvSpPr>
+          <p:nvPr>
+            <p:ph type="title"/>
+          </p:nvPr>
+        </p:nvSpPr>
+        <p:spPr>
+          <a:xfrm>
+            <a:off x="2286000" y="228600"/>
+            <a:ext cx="6400800" cy="563562"/>
+          </a:xfrm>
+        </p:spPr>
+        <p:txBody>
+          <a:bodyPr/>
+          <a:lstStyle/>
+          <a:p>
+            <a:r>
+              <a:rPr lang="ro-RO" altLang="en-US" sz="2400" dirty="0" smtClean="0"/>
+              <a:t>Inheritance – </a:t>
+            </a:r>
+            <a:r>
+              <a:rPr lang="en-US" altLang="en-US" sz="2400" dirty="0" smtClean="0"/>
+              <a:t>B</a:t>
+            </a:r>
+            <a:r>
+              <a:rPr lang="ro-RO" altLang="en-US" sz="2400" dirty="0" smtClean="0"/>
+              <a:t>asic</a:t>
+            </a:r>
+            <a:endParaRPr lang="en-US" altLang="en-US" sz="2400" dirty="0" smtClean="0"/>
+          </a:p>
+        </p:txBody>
+      </p:sp>
+      <p:sp>
+        <p:nvSpPr>
+          <p:cNvPr id="8" name="Content Placeholder 2"/>
+          <p:cNvSpPr>
+            <a:spLocks noGrp="1"/>
+          </p:cNvSpPr>
+          <p:nvPr>
+            <p:ph idx="1"/>
+          </p:nvPr>
+        </p:nvSpPr>
+        <p:spPr>
+          <a:xfrm>
+            <a:off x="685800" y="1371600"/>
+            <a:ext cx="6172200" cy="1143000"/>
+          </a:xfrm>
+        </p:spPr>
+        <p:txBody>
+          <a:bodyPr/>
+          <a:lstStyle/>
+          <a:p>
+            <a:r>
+              <a:rPr lang="ro-RO" altLang="en-US" sz="2400" dirty="0" smtClean="0"/>
+              <a:t>Create two functions (</a:t>
+            </a:r>
+            <a:r>
+              <a:rPr lang="ro-RO" altLang="en-US" sz="2400" dirty="0" smtClean="0">
+                <a:latin typeface="Courier New" panose="02070309020205020404" pitchFamily="49" charset="0"/>
+                <a:cs typeface="Courier New" panose="02070309020205020404" pitchFamily="49" charset="0"/>
+              </a:rPr>
+              <a:t>Animal</a:t>
+            </a:r>
+            <a:r>
+              <a:rPr lang="ro-RO" altLang="en-US" sz="2400" dirty="0" smtClean="0"/>
+              <a:t> and </a:t>
+            </a:r>
+            <a:r>
+              <a:rPr lang="ro-RO" altLang="en-US" sz="2400" dirty="0" smtClean="0">
+                <a:latin typeface="Courier New" panose="02070309020205020404" pitchFamily="49" charset="0"/>
+                <a:cs typeface="Courier New" panose="02070309020205020404" pitchFamily="49" charset="0"/>
+              </a:rPr>
+              <a:t>Dog</a:t>
+            </a:r>
+            <a:r>
+              <a:rPr lang="ro-RO" altLang="en-US" sz="2400" dirty="0" smtClean="0"/>
+              <a:t>)</a:t>
+            </a:r>
+          </a:p>
+        </p:txBody>
+      </p:sp>
+      <p:pic>
+        <p:nvPicPr>
+          <p:cNvPr id="3074" name="Picture 2"/>
+          <p:cNvPicPr>
+            <a:picLocks noChangeAspect="1" noChangeArrowheads="1"/>
+          </p:cNvPicPr>
+          <p:nvPr/>
+        </p:nvPicPr>
+        <p:blipFill>
+          <a:blip r:embed="rId2">
+            <a:extLst>
+              <a:ext uri="{28A0092B-C50C-407E-A947-70E740481C1C}">
+                <a14:useLocalDpi xmlns:a14="http://schemas.microsoft.com/office/drawing/2010/main" val="0"/>
+              </a:ext>
+            </a:extLst>
+          </a:blip>
+          <a:srcRect/>
+          <a:stretch>
+            <a:fillRect/>
+          </a:stretch>
+        </p:blipFill>
+        <p:spPr bwMode="auto">
+          <a:xfrm>
+            <a:off x="1028700" y="2057400"/>
+            <a:ext cx="6743700" cy="3886200"/>
+          </a:xfrm>
+          <a:prstGeom prst="rect">
+            <a:avLst/>
+          </a:prstGeom>
+          <a:noFill/>
+          <a:ln>
+            <a:noFill/>
+          </a:ln>
+          <a:extLst>
+            <a:ext uri="{909E8E84-426E-40DD-AFC4-6F175D3DCCD1}">
+              <a14:hiddenFill xmlns:a14="http://schemas.microsoft.com/office/drawing/2010/main">
+                <a:solidFill>
+                  <a:schemeClr val="accent1"/>
+                </a:solidFill>
+              </a14:hiddenFill>
+            </a:ext>
+            <a:ext uri="{91240B29-F687-4F45-9708-019B960494DF}">
+              <a14:hiddenLine xmlns:a14="http://schemas.microsoft.com/office/drawing/2010/main" w="9525">
+                <a:solidFill>
+                  <a:schemeClr val="tx1"/>
+                </a:solidFill>
+                <a:miter lim="800000"/>
+                <a:headEnd/>
+                <a:tailEnd/>
+              </a14:hiddenLine>
+            </a:ext>
+          </a:extLst>
+        </p:spPr>
+      </p:pic>
+    </p:spTree>
+    <p:extLst>
+      <p:ext uri="{BB962C8B-B14F-4D97-AF65-F5344CB8AC3E}">
+        <p14:creationId xmlns:p14="http://schemas.microsoft.com/office/powerpoint/2010/main" val="679634271"/>
+      </p:ext>
+    </p:extLst>
+  </p:cSld>
+  <p:clrMapOvr>
+    <a:masterClrMapping/>
+  </p:clrMapOvr>
+  <p:timing>
+    <p:tnLst>
+      <p:par>
+        <p:cTn id="1" dur="indefinite" restart="never" nodeType="tmRoot"/>
+      </p:par>
+    </p:tnLst>
+  </p:timing>
+</p:sld>
+</file>
+
+<file path=ppt/slides/slide11.xml><?xml version="1.0" encoding="utf-8"?>
+<p:sld xmlns:a="http://schemas.openxmlformats.org/drawingml/2006/main" xmlns:r="http://schemas.openxmlformats.org/officeDocument/2006/relationships" xmlns:p="http://schemas.openxmlformats.org/presentationml/2006/main">
+  <p:cSld>
+    <p:spTree>
+      <p:nvGrpSpPr>
+        <p:cNvPr id="1" name=""/>
+        <p:cNvGrpSpPr/>
+        <p:nvPr/>
+      </p:nvGrpSpPr>
+      <p:grpSpPr>
+        <a:xfrm>
+          <a:off x="0" y="0"/>
+          <a:ext cx="0" cy="0"/>
+          <a:chOff x="0" y="0"/>
+          <a:chExt cx="0" cy="0"/>
+        </a:xfrm>
+      </p:grpSpPr>
+      <p:sp>
+        <p:nvSpPr>
+          <p:cNvPr id="5122" name="Title 1"/>
+          <p:cNvSpPr>
+            <a:spLocks noGrp="1"/>
+          </p:cNvSpPr>
+          <p:nvPr>
+            <p:ph type="title"/>
+          </p:nvPr>
+        </p:nvSpPr>
+        <p:spPr>
+          <a:xfrm>
+            <a:off x="2286000" y="228600"/>
+            <a:ext cx="6400800" cy="563562"/>
+          </a:xfrm>
+        </p:spPr>
+        <p:txBody>
+          <a:bodyPr/>
+          <a:lstStyle/>
+          <a:p>
+            <a:r>
+              <a:rPr lang="ro-RO" altLang="en-US" sz="2400" dirty="0" smtClean="0"/>
+              <a:t>Inheritance – </a:t>
+            </a:r>
+            <a:r>
+              <a:rPr lang="en-US" altLang="en-US" sz="2400" dirty="0" smtClean="0"/>
+              <a:t>B</a:t>
+            </a:r>
+            <a:r>
+              <a:rPr lang="ro-RO" altLang="en-US" sz="2400" dirty="0" smtClean="0"/>
+              <a:t>asic</a:t>
+            </a:r>
+            <a:endParaRPr lang="en-US" altLang="en-US" sz="2400" dirty="0" smtClean="0"/>
+          </a:p>
+        </p:txBody>
+      </p:sp>
+      <p:sp>
+        <p:nvSpPr>
+          <p:cNvPr id="6" name="Content Placeholder 2"/>
+          <p:cNvSpPr>
+            <a:spLocks noGrp="1"/>
+          </p:cNvSpPr>
+          <p:nvPr>
+            <p:ph idx="1"/>
+          </p:nvPr>
+        </p:nvSpPr>
+        <p:spPr>
+          <a:xfrm>
+            <a:off x="685800" y="1371600"/>
+            <a:ext cx="7696200" cy="1143000"/>
+          </a:xfrm>
+        </p:spPr>
+        <p:txBody>
+          <a:bodyPr/>
+          <a:lstStyle/>
+          <a:p>
+            <a:r>
+              <a:rPr lang="ro-RO" altLang="en-US" sz="2400" dirty="0" smtClean="0"/>
+              <a:t>Set the </a:t>
+            </a:r>
+            <a:r>
+              <a:rPr lang="ro-RO" altLang="en-US" sz="2400" dirty="0" smtClean="0">
+                <a:latin typeface="Courier New" panose="02070309020205020404" pitchFamily="49" charset="0"/>
+                <a:cs typeface="Courier New" panose="02070309020205020404" pitchFamily="49" charset="0"/>
+              </a:rPr>
+              <a:t>prototype</a:t>
+            </a:r>
+            <a:r>
+              <a:rPr lang="ro-RO" altLang="en-US" sz="2400" dirty="0" smtClean="0"/>
+              <a:t> property of the </a:t>
+            </a:r>
+            <a:r>
+              <a:rPr lang="ro-RO" altLang="en-US" sz="2400" dirty="0" smtClean="0">
+                <a:latin typeface="Courier New" panose="02070309020205020404" pitchFamily="49" charset="0"/>
+                <a:cs typeface="Courier New" panose="02070309020205020404" pitchFamily="49" charset="0"/>
+              </a:rPr>
+              <a:t>Dog</a:t>
+            </a:r>
+            <a:r>
+              <a:rPr lang="ro-RO" altLang="en-US" sz="2400" dirty="0"/>
+              <a:t> </a:t>
+            </a:r>
+            <a:r>
+              <a:rPr lang="ro-RO" altLang="en-US" sz="2400" dirty="0" smtClean="0"/>
+              <a:t>function</a:t>
+            </a:r>
+          </a:p>
+        </p:txBody>
+      </p:sp>
+      <p:pic>
+        <p:nvPicPr>
+          <p:cNvPr id="4098" name="Picture 2"/>
+          <p:cNvPicPr>
+            <a:picLocks noChangeAspect="1" noChangeArrowheads="1"/>
+          </p:cNvPicPr>
+          <p:nvPr/>
+        </p:nvPicPr>
+        <p:blipFill>
+          <a:blip r:embed="rId2">
+            <a:extLst>
+              <a:ext uri="{28A0092B-C50C-407E-A947-70E740481C1C}">
+                <a14:useLocalDpi xmlns:a14="http://schemas.microsoft.com/office/drawing/2010/main" val="0"/>
+              </a:ext>
+            </a:extLst>
+          </a:blip>
+          <a:srcRect/>
+          <a:stretch>
+            <a:fillRect/>
+          </a:stretch>
+        </p:blipFill>
+        <p:spPr bwMode="auto">
+          <a:xfrm>
+            <a:off x="1066800" y="1981200"/>
+            <a:ext cx="6696075" cy="4248150"/>
+          </a:xfrm>
+          <a:prstGeom prst="rect">
+            <a:avLst/>
+          </a:prstGeom>
+          <a:noFill/>
+          <a:ln>
+            <a:noFill/>
+          </a:ln>
+          <a:extLst>
+            <a:ext uri="{909E8E84-426E-40DD-AFC4-6F175D3DCCD1}">
+              <a14:hiddenFill xmlns:a14="http://schemas.microsoft.com/office/drawing/2010/main">
+                <a:solidFill>
+                  <a:schemeClr val="accent1"/>
+                </a:solidFill>
+              </a14:hiddenFill>
+            </a:ext>
+            <a:ext uri="{91240B29-F687-4F45-9708-019B960494DF}">
+              <a14:hiddenLine xmlns:a14="http://schemas.microsoft.com/office/drawing/2010/main" w="9525">
+                <a:solidFill>
+                  <a:schemeClr val="tx1"/>
+                </a:solidFill>
+                <a:miter lim="800000"/>
+                <a:headEnd/>
+                <a:tailEnd/>
+              </a14:hiddenLine>
+            </a:ext>
+          </a:extLst>
+        </p:spPr>
+      </p:pic>
+    </p:spTree>
+    <p:extLst>
+      <p:ext uri="{BB962C8B-B14F-4D97-AF65-F5344CB8AC3E}">
+        <p14:creationId xmlns:p14="http://schemas.microsoft.com/office/powerpoint/2010/main" val="3815883155"/>
+      </p:ext>
+    </p:extLst>
+  </p:cSld>
+  <p:clrMapOvr>
+    <a:masterClrMapping/>
+  </p:clrMapOvr>
+  <p:timing>
+    <p:tnLst>
+      <p:par>
+        <p:cTn id="1" dur="indefinite" restart="never" nodeType="tmRoot"/>
+      </p:par>
+    </p:tnLst>
+  </p:timing>
+</p:sld>
+</file>
+
+<file path=ppt/slides/slide12.xml><?xml version="1.0" encoding="utf-8"?>
+<p:sld xmlns:a="http://schemas.openxmlformats.org/drawingml/2006/main" xmlns:r="http://schemas.openxmlformats.org/officeDocument/2006/relationships" xmlns:p="http://schemas.openxmlformats.org/presentationml/2006/main">
+  <p:cSld>
+    <p:spTree>
+      <p:nvGrpSpPr>
+        <p:cNvPr id="1" name=""/>
+        <p:cNvGrpSpPr/>
+        <p:nvPr/>
+      </p:nvGrpSpPr>
+      <p:grpSpPr>
+        <a:xfrm>
+          <a:off x="0" y="0"/>
+          <a:ext cx="0" cy="0"/>
+          <a:chOff x="0" y="0"/>
+          <a:chExt cx="0" cy="0"/>
+        </a:xfrm>
+      </p:grpSpPr>
       <p:pic>
         <p:nvPicPr>
           <p:cNvPr id="2" name="Picture 2"/>
@@ -5841,11 +6233,15 @@
           <a:p>
             <a:r>
               <a:rPr lang="ro-RO" altLang="en-US" sz="2400" dirty="0" smtClean="0"/>
-              <a:t>Inheritance </a:t>
+              <a:t>Inheritance – </a:t>
+            </a:r>
+            <a:r>
+              <a:rPr lang="en-US" altLang="en-US" sz="2400" dirty="0" smtClean="0"/>
+              <a:t>B</a:t>
             </a:r>
             <a:r>
               <a:rPr lang="ro-RO" altLang="en-US" sz="2400" dirty="0" smtClean="0"/>
-              <a:t>– basic</a:t>
+              <a:t>asic</a:t>
             </a:r>
             <a:endParaRPr lang="en-US" altLang="en-US" sz="2400" dirty="0" smtClean="0"/>
           </a:p>
@@ -5915,9 +6311,6 @@
               </a:rPr>
               <a:t>tion</a:t>
             </a:r>
-            <a:endParaRPr lang="ro-RO" altLang="en-US" sz="2400" dirty="0" smtClean="0">
-              <a:cs typeface="Courier New" panose="02070309020205020404" pitchFamily="49" charset="0"/>
-            </a:endParaRPr>
           </a:p>
         </p:txBody>
       </p:sp>
@@ -6276,7 +6669,7 @@
 </p:sld>
 </file>
 
-<file path=ppt/slides/slide11.xml><?xml version="1.0" encoding="utf-8"?>
+<file path=ppt/slides/slide13.xml><?xml version="1.0" encoding="utf-8"?>
 <p:sld xmlns:a="http://schemas.openxmlformats.org/drawingml/2006/main" xmlns:r="http://schemas.openxmlformats.org/officeDocument/2006/relationships" xmlns:p="http://schemas.openxmlformats.org/presentationml/2006/main">
   <p:cSld>
     <p:spTree>
@@ -6315,11 +6708,15 @@
           <a:p>
             <a:r>
               <a:rPr lang="ro-RO" altLang="en-US" sz="2400" dirty="0" smtClean="0"/>
-              <a:t>Inheritance </a:t>
+              <a:t>Inheritance – </a:t>
+            </a:r>
+            <a:r>
+              <a:rPr lang="en-US" altLang="en-US" sz="2400" dirty="0" smtClean="0"/>
+              <a:t>B</a:t>
             </a:r>
             <a:r>
               <a:rPr lang="ro-RO" altLang="en-US" sz="2400" dirty="0" smtClean="0"/>
-              <a:t>– basic</a:t>
+              <a:t>asic</a:t>
             </a:r>
             <a:endParaRPr lang="en-US" altLang="en-US" sz="2400" dirty="0" smtClean="0"/>
           </a:p>
@@ -6592,11 +6989,7 @@
             </a:r>
             <a:r>
               <a:rPr lang="ro-RO" altLang="en-US" sz="1600" kern="0" dirty="0" smtClean="0"/>
-              <a:t> </a:t>
-            </a:r>
-            <a:r>
-              <a:rPr lang="ro-RO" altLang="en-US" sz="1600" kern="0" dirty="0" smtClean="0"/>
-              <a:t>here.</a:t>
+              <a:t> here.</a:t>
             </a:r>
           </a:p>
         </p:txBody>
@@ -6912,556 +7305,6 @@
     <p:extLst>
       <p:ext uri="{BB962C8B-B14F-4D97-AF65-F5344CB8AC3E}">
         <p14:creationId xmlns:p14="http://schemas.microsoft.com/office/powerpoint/2010/main" val="3499413274"/>
-      </p:ext>
-    </p:extLst>
-  </p:cSld>
-  <p:clrMapOvr>
-    <a:masterClrMapping/>
-  </p:clrMapOvr>
-  <p:timing>
-    <p:tnLst>
-      <p:par>
-        <p:cTn id="1" dur="indefinite" restart="never" nodeType="tmRoot"/>
-      </p:par>
-    </p:tnLst>
-  </p:timing>
-</p:sld>
-</file>
-
-<file path=ppt/slides/slide12.xml><?xml version="1.0" encoding="utf-8"?>
-<p:sld xmlns:a="http://schemas.openxmlformats.org/drawingml/2006/main" xmlns:r="http://schemas.openxmlformats.org/officeDocument/2006/relationships" xmlns:p="http://schemas.openxmlformats.org/presentationml/2006/main">
-  <p:cSld>
-    <p:spTree>
-      <p:nvGrpSpPr>
-        <p:cNvPr id="1" name=""/>
-        <p:cNvGrpSpPr/>
-        <p:nvPr/>
-      </p:nvGrpSpPr>
-      <p:grpSpPr>
-        <a:xfrm>
-          <a:off x="0" y="0"/>
-          <a:ext cx="0" cy="0"/>
-          <a:chOff x="0" y="0"/>
-          <a:chExt cx="0" cy="0"/>
-        </a:xfrm>
-      </p:grpSpPr>
-      <p:sp>
-        <p:nvSpPr>
-          <p:cNvPr id="5122" name="Title 1"/>
-          <p:cNvSpPr>
-            <a:spLocks noGrp="1"/>
-          </p:cNvSpPr>
-          <p:nvPr>
-            <p:ph type="title"/>
-          </p:nvPr>
-        </p:nvSpPr>
-        <p:spPr>
-          <a:xfrm>
-            <a:off x="2286000" y="228600"/>
-            <a:ext cx="6400800" cy="563562"/>
-          </a:xfrm>
-        </p:spPr>
-        <p:txBody>
-          <a:bodyPr/>
-          <a:lstStyle/>
-          <a:p>
-            <a:r>
-              <a:rPr lang="ro-RO" altLang="en-US" sz="2400" dirty="0" smtClean="0"/>
-              <a:t>Inheritance – with parameters</a:t>
-            </a:r>
-            <a:endParaRPr lang="en-US" altLang="en-US" sz="2400" dirty="0" smtClean="0"/>
-          </a:p>
-        </p:txBody>
-      </p:sp>
-      <p:sp>
-        <p:nvSpPr>
-          <p:cNvPr id="8" name="Content Placeholder 2"/>
-          <p:cNvSpPr>
-            <a:spLocks noGrp="1"/>
-          </p:cNvSpPr>
-          <p:nvPr>
-            <p:ph idx="1"/>
-          </p:nvPr>
-        </p:nvSpPr>
-        <p:spPr>
-          <a:xfrm>
-            <a:off x="685800" y="1371600"/>
-            <a:ext cx="7772400" cy="1143000"/>
-          </a:xfrm>
-        </p:spPr>
-        <p:txBody>
-          <a:bodyPr/>
-          <a:lstStyle/>
-          <a:p>
-            <a:r>
-              <a:rPr lang="ro-RO" altLang="en-US" sz="2400" dirty="0" smtClean="0"/>
-              <a:t>Create the constructor function named </a:t>
-            </a:r>
-            <a:r>
-              <a:rPr lang="ro-RO" altLang="en-US" sz="2400" dirty="0" smtClean="0">
-                <a:latin typeface="Courier New" panose="02070309020205020404" pitchFamily="49" charset="0"/>
-                <a:cs typeface="Courier New" panose="02070309020205020404" pitchFamily="49" charset="0"/>
-              </a:rPr>
-              <a:t>FakeBase</a:t>
-            </a:r>
-          </a:p>
-        </p:txBody>
-      </p:sp>
-      <p:sp>
-        <p:nvSpPr>
-          <p:cNvPr id="2" name="TextBox 1"/>
-          <p:cNvSpPr txBox="1"/>
-          <p:nvPr/>
-        </p:nvSpPr>
-        <p:spPr>
-          <a:xfrm>
-            <a:off x="3733800" y="5329646"/>
-            <a:ext cx="4724400" cy="523220"/>
-          </a:xfrm>
-          <a:prstGeom prst="rect">
-            <a:avLst/>
-          </a:prstGeom>
-          <a:noFill/>
-        </p:spPr>
-        <p:txBody>
-          <a:bodyPr wrap="square" rtlCol="0">
-            <a:spAutoFit/>
-          </a:bodyPr>
-          <a:lstStyle/>
-          <a:p>
-            <a:pPr algn="r"/>
-            <a:r>
-              <a:rPr lang="ro-RO" sz="1400" dirty="0" smtClean="0"/>
-              <a:t>We’ll use the parameterless </a:t>
-            </a:r>
-            <a:r>
-              <a:rPr lang="ro-RO" sz="1400" dirty="0" smtClean="0">
-                <a:latin typeface="Courier New" panose="02070309020205020404" pitchFamily="49" charset="0"/>
-                <a:cs typeface="Courier New" panose="02070309020205020404" pitchFamily="49" charset="0"/>
-              </a:rPr>
-              <a:t>FakeBase</a:t>
-            </a:r>
-            <a:r>
-              <a:rPr lang="ro-RO" sz="1400" dirty="0" smtClean="0"/>
-              <a:t> constructor instead of the </a:t>
-            </a:r>
-            <a:r>
-              <a:rPr lang="ro-RO" sz="1400" dirty="0" smtClean="0">
-                <a:latin typeface="Courier New" panose="02070309020205020404" pitchFamily="49" charset="0"/>
-                <a:cs typeface="Courier New" panose="02070309020205020404" pitchFamily="49" charset="0"/>
-              </a:rPr>
-              <a:t>Animal</a:t>
-            </a:r>
-            <a:r>
-              <a:rPr lang="ro-RO" sz="1400" dirty="0" smtClean="0"/>
-              <a:t> constructor.</a:t>
-            </a:r>
-            <a:endParaRPr lang="en-US" sz="1400" dirty="0" smtClean="0"/>
-          </a:p>
-        </p:txBody>
-      </p:sp>
-      <p:pic>
-        <p:nvPicPr>
-          <p:cNvPr id="6146" name="Picture 2"/>
-          <p:cNvPicPr>
-            <a:picLocks noChangeAspect="1" noChangeArrowheads="1"/>
-          </p:cNvPicPr>
-          <p:nvPr/>
-        </p:nvPicPr>
-        <p:blipFill>
-          <a:blip r:embed="rId2">
-            <a:extLst>
-              <a:ext uri="{28A0092B-C50C-407E-A947-70E740481C1C}">
-                <a14:useLocalDpi xmlns:a14="http://schemas.microsoft.com/office/drawing/2010/main" val="0"/>
-              </a:ext>
-            </a:extLst>
-          </a:blip>
-          <a:srcRect/>
-          <a:stretch>
-            <a:fillRect/>
-          </a:stretch>
-        </p:blipFill>
-        <p:spPr bwMode="auto">
-          <a:xfrm>
-            <a:off x="1138238" y="2652713"/>
-            <a:ext cx="6867525" cy="1552575"/>
-          </a:xfrm>
-          <a:prstGeom prst="rect">
-            <a:avLst/>
-          </a:prstGeom>
-          <a:noFill/>
-          <a:ln>
-            <a:noFill/>
-          </a:ln>
-          <a:extLst>
-            <a:ext uri="{909E8E84-426E-40DD-AFC4-6F175D3DCCD1}">
-              <a14:hiddenFill xmlns:a14="http://schemas.microsoft.com/office/drawing/2010/main">
-                <a:solidFill>
-                  <a:schemeClr val="accent1"/>
-                </a:solidFill>
-              </a14:hiddenFill>
-            </a:ext>
-            <a:ext uri="{91240B29-F687-4F45-9708-019B960494DF}">
-              <a14:hiddenLine xmlns:a14="http://schemas.microsoft.com/office/drawing/2010/main" w="9525">
-                <a:solidFill>
-                  <a:schemeClr val="tx1"/>
-                </a:solidFill>
-                <a:miter lim="800000"/>
-                <a:headEnd/>
-                <a:tailEnd/>
-              </a14:hiddenLine>
-            </a:ext>
-          </a:extLst>
-        </p:spPr>
-      </p:pic>
-      <p:pic>
-        <p:nvPicPr>
-          <p:cNvPr id="6147" name="Picture 3"/>
-          <p:cNvPicPr>
-            <a:picLocks noChangeAspect="1" noChangeArrowheads="1"/>
-          </p:cNvPicPr>
-          <p:nvPr/>
-        </p:nvPicPr>
-        <p:blipFill>
-          <a:blip r:embed="rId3">
-            <a:extLst>
-              <a:ext uri="{28A0092B-C50C-407E-A947-70E740481C1C}">
-                <a14:useLocalDpi xmlns:a14="http://schemas.microsoft.com/office/drawing/2010/main" val="0"/>
-              </a:ext>
-            </a:extLst>
-          </a:blip>
-          <a:srcRect/>
-          <a:stretch>
-            <a:fillRect/>
-          </a:stretch>
-        </p:blipFill>
-        <p:spPr bwMode="auto">
-          <a:xfrm>
-            <a:off x="2628900" y="2657475"/>
-            <a:ext cx="1333500" cy="1533525"/>
-          </a:xfrm>
-          <a:prstGeom prst="rect">
-            <a:avLst/>
-          </a:prstGeom>
-          <a:noFill/>
-          <a:ln>
-            <a:noFill/>
-          </a:ln>
-          <a:extLst>
-            <a:ext uri="{909E8E84-426E-40DD-AFC4-6F175D3DCCD1}">
-              <a14:hiddenFill xmlns:a14="http://schemas.microsoft.com/office/drawing/2010/main">
-                <a:solidFill>
-                  <a:schemeClr val="accent1"/>
-                </a:solidFill>
-              </a14:hiddenFill>
-            </a:ext>
-            <a:ext uri="{91240B29-F687-4F45-9708-019B960494DF}">
-              <a14:hiddenLine xmlns:a14="http://schemas.microsoft.com/office/drawing/2010/main" w="9525">
-                <a:solidFill>
-                  <a:schemeClr val="tx1"/>
-                </a:solidFill>
-                <a:miter lim="800000"/>
-                <a:headEnd/>
-                <a:tailEnd/>
-              </a14:hiddenLine>
-            </a:ext>
-          </a:extLst>
-        </p:spPr>
-      </p:pic>
-    </p:spTree>
-    <p:extLst>
-      <p:ext uri="{BB962C8B-B14F-4D97-AF65-F5344CB8AC3E}">
-        <p14:creationId xmlns:p14="http://schemas.microsoft.com/office/powerpoint/2010/main" val="2611736916"/>
-      </p:ext>
-    </p:extLst>
-  </p:cSld>
-  <p:clrMapOvr>
-    <a:masterClrMapping/>
-  </p:clrMapOvr>
-  <p:timing>
-    <p:tnLst>
-      <p:par>
-        <p:cTn id="1" dur="indefinite" restart="never" nodeType="tmRoot">
-          <p:childTnLst>
-            <p:seq concurrent="1" nextAc="seek">
-              <p:cTn id="2" dur="indefinite" nodeType="mainSeq">
-                <p:childTnLst>
-                  <p:par>
-                    <p:cTn id="3" fill="hold">
-                      <p:stCondLst>
-                        <p:cond delay="indefinite"/>
-                      </p:stCondLst>
-                      <p:childTnLst>
-                        <p:par>
-                          <p:cTn id="4" fill="hold">
-                            <p:stCondLst>
-                              <p:cond delay="0"/>
-                            </p:stCondLst>
-                            <p:childTnLst>
-                              <p:par>
-                                <p:cTn id="5" presetID="53" presetClass="entr" presetSubtype="16" fill="hold" nodeType="clickEffect">
-                                  <p:stCondLst>
-                                    <p:cond delay="0"/>
-                                  </p:stCondLst>
-                                  <p:childTnLst>
-                                    <p:set>
-                                      <p:cBhvr>
-                                        <p:cTn id="6" dur="1" fill="hold">
-                                          <p:stCondLst>
-                                            <p:cond delay="0"/>
-                                          </p:stCondLst>
-                                        </p:cTn>
-                                        <p:tgtEl>
-                                          <p:spTgt spid="6147"/>
-                                        </p:tgtEl>
-                                        <p:attrNameLst>
-                                          <p:attrName>style.visibility</p:attrName>
-                                        </p:attrNameLst>
-                                      </p:cBhvr>
-                                      <p:to>
-                                        <p:strVal val="visible"/>
-                                      </p:to>
-                                    </p:set>
-                                    <p:anim calcmode="lin" valueType="num">
-                                      <p:cBhvr>
-                                        <p:cTn id="7" dur="500" fill="hold"/>
-                                        <p:tgtEl>
-                                          <p:spTgt spid="6147"/>
-                                        </p:tgtEl>
-                                        <p:attrNameLst>
-                                          <p:attrName>ppt_w</p:attrName>
-                                        </p:attrNameLst>
-                                      </p:cBhvr>
-                                      <p:tavLst>
-                                        <p:tav tm="0">
-                                          <p:val>
-                                            <p:fltVal val="0"/>
-                                          </p:val>
-                                        </p:tav>
-                                        <p:tav tm="100000">
-                                          <p:val>
-                                            <p:strVal val="#ppt_w"/>
-                                          </p:val>
-                                        </p:tav>
-                                      </p:tavLst>
-                                    </p:anim>
-                                    <p:anim calcmode="lin" valueType="num">
-                                      <p:cBhvr>
-                                        <p:cTn id="8" dur="500" fill="hold"/>
-                                        <p:tgtEl>
-                                          <p:spTgt spid="6147"/>
-                                        </p:tgtEl>
-                                        <p:attrNameLst>
-                                          <p:attrName>ppt_h</p:attrName>
-                                        </p:attrNameLst>
-                                      </p:cBhvr>
-                                      <p:tavLst>
-                                        <p:tav tm="0">
-                                          <p:val>
-                                            <p:fltVal val="0"/>
-                                          </p:val>
-                                        </p:tav>
-                                        <p:tav tm="100000">
-                                          <p:val>
-                                            <p:strVal val="#ppt_h"/>
-                                          </p:val>
-                                        </p:tav>
-                                      </p:tavLst>
-                                    </p:anim>
-                                    <p:animEffect transition="in" filter="fade">
-                                      <p:cBhvr>
-                                        <p:cTn id="9" dur="500"/>
-                                        <p:tgtEl>
-                                          <p:spTgt spid="6147"/>
-                                        </p:tgtEl>
-                                      </p:cBhvr>
-                                    </p:animEffect>
-                                  </p:childTnLst>
-                                </p:cTn>
-                              </p:par>
-                            </p:childTnLst>
-                          </p:cTn>
-                        </p:par>
-                      </p:childTnLst>
-                    </p:cTn>
-                  </p:par>
-                </p:childTnLst>
-              </p:cTn>
-              <p:prevCondLst>
-                <p:cond evt="onPrev" delay="0">
-                  <p:tgtEl>
-                    <p:sldTgt/>
-                  </p:tgtEl>
-                </p:cond>
-              </p:prevCondLst>
-              <p:nextCondLst>
-                <p:cond evt="onNext" delay="0">
-                  <p:tgtEl>
-                    <p:sldTgt/>
-                  </p:tgtEl>
-                </p:cond>
-              </p:nextCondLst>
-            </p:seq>
-          </p:childTnLst>
-        </p:cTn>
-      </p:par>
-    </p:tnLst>
-  </p:timing>
-</p:sld>
-</file>
-
-<file path=ppt/slides/slide13.xml><?xml version="1.0" encoding="utf-8"?>
-<p:sld xmlns:a="http://schemas.openxmlformats.org/drawingml/2006/main" xmlns:r="http://schemas.openxmlformats.org/officeDocument/2006/relationships" xmlns:p="http://schemas.openxmlformats.org/presentationml/2006/main">
-  <p:cSld>
-    <p:spTree>
-      <p:nvGrpSpPr>
-        <p:cNvPr id="1" name=""/>
-        <p:cNvGrpSpPr/>
-        <p:nvPr/>
-      </p:nvGrpSpPr>
-      <p:grpSpPr>
-        <a:xfrm>
-          <a:off x="0" y="0"/>
-          <a:ext cx="0" cy="0"/>
-          <a:chOff x="0" y="0"/>
-          <a:chExt cx="0" cy="0"/>
-        </a:xfrm>
-      </p:grpSpPr>
-      <p:sp>
-        <p:nvSpPr>
-          <p:cNvPr id="5122" name="Title 1"/>
-          <p:cNvSpPr>
-            <a:spLocks noGrp="1"/>
-          </p:cNvSpPr>
-          <p:nvPr>
-            <p:ph type="title"/>
-          </p:nvPr>
-        </p:nvSpPr>
-        <p:spPr>
-          <a:xfrm>
-            <a:off x="2286000" y="228600"/>
-            <a:ext cx="6400800" cy="563562"/>
-          </a:xfrm>
-        </p:spPr>
-        <p:txBody>
-          <a:bodyPr/>
-          <a:lstStyle/>
-          <a:p>
-            <a:r>
-              <a:rPr lang="ro-RO" altLang="en-US" sz="2400" dirty="0" smtClean="0"/>
-              <a:t>Inheritance – with parameters</a:t>
-            </a:r>
-            <a:endParaRPr lang="en-US" altLang="en-US" sz="2400" dirty="0" smtClean="0"/>
-          </a:p>
-        </p:txBody>
-      </p:sp>
-      <p:sp>
-        <p:nvSpPr>
-          <p:cNvPr id="8" name="Content Placeholder 2"/>
-          <p:cNvSpPr>
-            <a:spLocks noGrp="1"/>
-          </p:cNvSpPr>
-          <p:nvPr>
-            <p:ph idx="1"/>
-          </p:nvPr>
-        </p:nvSpPr>
-        <p:spPr>
-          <a:xfrm>
-            <a:off x="685800" y="1371600"/>
-            <a:ext cx="7696200" cy="1143000"/>
-          </a:xfrm>
-        </p:spPr>
-        <p:txBody>
-          <a:bodyPr/>
-          <a:lstStyle/>
-          <a:p>
-            <a:r>
-              <a:rPr lang="ro-RO" altLang="en-US" sz="2400" dirty="0" smtClean="0"/>
-              <a:t>Set the </a:t>
-            </a:r>
-            <a:r>
-              <a:rPr lang="ro-RO" altLang="en-US" sz="2400" dirty="0" smtClean="0">
-                <a:latin typeface="Courier New" panose="02070309020205020404" pitchFamily="49" charset="0"/>
-                <a:cs typeface="Courier New" panose="02070309020205020404" pitchFamily="49" charset="0"/>
-              </a:rPr>
-              <a:t>prototype</a:t>
-            </a:r>
-            <a:r>
-              <a:rPr lang="ro-RO" altLang="en-US" sz="2400" dirty="0" smtClean="0"/>
-              <a:t> property of the </a:t>
-            </a:r>
-            <a:r>
-              <a:rPr lang="ro-RO" altLang="en-US" sz="2400" dirty="0" smtClean="0">
-                <a:latin typeface="Courier New" panose="02070309020205020404" pitchFamily="49" charset="0"/>
-                <a:cs typeface="Courier New" panose="02070309020205020404" pitchFamily="49" charset="0"/>
-              </a:rPr>
-              <a:t>FakeBase</a:t>
-            </a:r>
-            <a:r>
-              <a:rPr lang="ro-RO" altLang="en-US" sz="2400" dirty="0" smtClean="0"/>
-              <a:t> function</a:t>
-            </a:r>
-          </a:p>
-        </p:txBody>
-      </p:sp>
-      <p:pic>
-        <p:nvPicPr>
-          <p:cNvPr id="7170" name="Picture 2"/>
-          <p:cNvPicPr>
-            <a:picLocks noChangeAspect="1" noChangeArrowheads="1"/>
-          </p:cNvPicPr>
-          <p:nvPr/>
-        </p:nvPicPr>
-        <p:blipFill>
-          <a:blip r:embed="rId2">
-            <a:extLst>
-              <a:ext uri="{28A0092B-C50C-407E-A947-70E740481C1C}">
-                <a14:useLocalDpi xmlns:a14="http://schemas.microsoft.com/office/drawing/2010/main" val="0"/>
-              </a:ext>
-            </a:extLst>
-          </a:blip>
-          <a:srcRect/>
-          <a:stretch>
-            <a:fillRect/>
-          </a:stretch>
-        </p:blipFill>
-        <p:spPr bwMode="auto">
-          <a:xfrm>
-            <a:off x="1195388" y="2800350"/>
-            <a:ext cx="6753225" cy="1619250"/>
-          </a:xfrm>
-          <a:prstGeom prst="rect">
-            <a:avLst/>
-          </a:prstGeom>
-          <a:noFill/>
-          <a:ln>
-            <a:noFill/>
-          </a:ln>
-          <a:extLst>
-            <a:ext uri="{909E8E84-426E-40DD-AFC4-6F175D3DCCD1}">
-              <a14:hiddenFill xmlns:a14="http://schemas.microsoft.com/office/drawing/2010/main">
-                <a:solidFill>
-                  <a:schemeClr val="accent1"/>
-                </a:solidFill>
-              </a14:hiddenFill>
-            </a:ext>
-            <a:ext uri="{91240B29-F687-4F45-9708-019B960494DF}">
-              <a14:hiddenLine xmlns:a14="http://schemas.microsoft.com/office/drawing/2010/main" w="9525">
-                <a:solidFill>
-                  <a:schemeClr val="tx1"/>
-                </a:solidFill>
-                <a:miter lim="800000"/>
-                <a:headEnd/>
-                <a:tailEnd/>
-              </a14:hiddenLine>
-            </a:ext>
-          </a:extLst>
-        </p:spPr>
-      </p:pic>
-    </p:spTree>
-    <p:extLst>
-      <p:ext uri="{BB962C8B-B14F-4D97-AF65-F5344CB8AC3E}">
-        <p14:creationId xmlns:p14="http://schemas.microsoft.com/office/powerpoint/2010/main" val="1861461591"/>
       </p:ext>
     </p:extLst>
   </p:cSld>
@@ -7517,7 +7360,23 @@
           <a:p>
             <a:r>
               <a:rPr lang="ro-RO" altLang="en-US" sz="2400" dirty="0" smtClean="0"/>
-              <a:t>Inheritance – with parameters</a:t>
+              <a:t>Inheritance – </a:t>
+            </a:r>
+            <a:r>
+              <a:rPr lang="en-US" altLang="en-US" sz="2400" dirty="0" smtClean="0"/>
+              <a:t>W</a:t>
+            </a:r>
+            <a:r>
+              <a:rPr lang="ro-RO" altLang="en-US" sz="2400" dirty="0" smtClean="0"/>
+              <a:t>ith </a:t>
+            </a:r>
+            <a:r>
+              <a:rPr lang="en-US" altLang="en-US" sz="2400" dirty="0" smtClean="0"/>
+              <a:t>P</a:t>
+            </a:r>
+            <a:r>
+              <a:rPr lang="ro-RO" altLang="en-US" sz="2400" dirty="0" smtClean="0"/>
+              <a:t>arameters</a:t>
             </a:r>
             <a:endParaRPr lang="en-US" altLang="en-US" sz="2400" dirty="0" smtClean="0"/>
           </a:p>
@@ -7525,7 +7384,7 @@
       </p:sp>
       <p:sp>
         <p:nvSpPr>
-          <p:cNvPr id="6" name="Content Placeholder 2"/>
+          <p:cNvPr id="8" name="Content Placeholder 2"/>
           <p:cNvSpPr>
             <a:spLocks noGrp="1"/>
           </p:cNvSpPr>
@@ -7536,7 +7395,7 @@
         <p:spPr>
           <a:xfrm>
             <a:off x="685800" y="1371600"/>
-            <a:ext cx="7696200" cy="1143000"/>
+            <a:ext cx="7772400" cy="1143000"/>
           </a:xfrm>
         </p:spPr>
         <p:txBody>
@@ -7545,36 +7404,74 @@
           <a:p>
             <a:r>
               <a:rPr lang="ro-RO" altLang="en-US" sz="2400" dirty="0" smtClean="0"/>
-              <a:t>Set the </a:t>
+              <a:t>Create the constructor function named </a:t>
             </a:r>
             <a:r>
               <a:rPr lang="ro-RO" altLang="en-US" sz="2400" dirty="0" smtClean="0">
                 <a:latin typeface="Courier New" panose="02070309020205020404" pitchFamily="49" charset="0"/>
                 <a:cs typeface="Courier New" panose="02070309020205020404" pitchFamily="49" charset="0"/>
               </a:rPr>
-              <a:t>prototype</a:t>
-            </a:r>
-            <a:r>
-              <a:rPr lang="ro-RO" altLang="en-US" sz="2400" dirty="0" smtClean="0"/>
-              <a:t> property of the </a:t>
-            </a:r>
-            <a:r>
-              <a:rPr lang="ro-RO" altLang="en-US" sz="2400" dirty="0" smtClean="0">
+              <a:t>FakeBase</a:t>
+            </a:r>
+          </a:p>
+        </p:txBody>
+      </p:sp>
+      <p:sp>
+        <p:nvSpPr>
+          <p:cNvPr id="2" name="TextBox 1"/>
+          <p:cNvSpPr txBox="1"/>
+          <p:nvPr/>
+        </p:nvSpPr>
+        <p:spPr>
+          <a:xfrm>
+            <a:off x="3733800" y="5329646"/>
+            <a:ext cx="4724400" cy="523220"/>
+          </a:xfrm>
+          <a:prstGeom prst="rect">
+            <a:avLst/>
+          </a:prstGeom>
+          <a:noFill/>
+        </p:spPr>
+        <p:txBody>
+          <a:bodyPr wrap="square" rtlCol="0">
+            <a:spAutoFit/>
+          </a:bodyPr>
+          <a:lstStyle/>
+          <a:p>
+            <a:pPr algn="r"/>
+            <a:r>
+              <a:rPr lang="ro-RO" sz="1400" dirty="0" smtClean="0"/>
+              <a:t>We’ll use the parameterless </a:t>
+            </a:r>
+            <a:r>
+              <a:rPr lang="ro-RO" sz="1400" dirty="0" smtClean="0">
                 <a:latin typeface="Courier New" panose="02070309020205020404" pitchFamily="49" charset="0"/>
                 <a:cs typeface="Courier New" panose="02070309020205020404" pitchFamily="49" charset="0"/>
               </a:rPr>
-              <a:t>Dog </a:t>
-            </a:r>
-            <a:r>
-              <a:rPr lang="ro-RO" altLang="en-US" sz="2400" dirty="0" smtClean="0"/>
-              <a:t>function</a:t>
-            </a:r>
+              <a:t>FakeBase</a:t>
+            </a:r>
+            <a:r>
+              <a:rPr lang="ro-RO" sz="1400" dirty="0" smtClean="0"/>
+              <a:t> constructor instead of the </a:t>
+            </a:r>
+            <a:r>
+              <a:rPr lang="ro-RO" sz="1400" dirty="0" smtClean="0">
+                <a:latin typeface="Courier New" panose="02070309020205020404" pitchFamily="49" charset="0"/>
+                <a:cs typeface="Courier New" panose="02070309020205020404" pitchFamily="49" charset="0"/>
+              </a:rPr>
+              <a:t>Animal</a:t>
+            </a:r>
+            <a:r>
+              <a:rPr lang="ro-RO" sz="1400" dirty="0" smtClean="0"/>
+              <a:t> constructor.</a:t>
+            </a:r>
+            <a:endParaRPr lang="en-US" sz="1400" dirty="0" smtClean="0"/>
           </a:p>
         </p:txBody>
       </p:sp>
       <p:pic>
         <p:nvPicPr>
-          <p:cNvPr id="8194" name="Picture 2"/>
+          <p:cNvPr id="3074" name="Picture 2"/>
           <p:cNvPicPr>
             <a:picLocks noChangeAspect="1" noChangeArrowheads="1"/>
           </p:cNvPicPr>
@@ -7595,8 +7492,8 @@
         </p:blipFill>
         <p:spPr bwMode="auto">
           <a:xfrm>
-            <a:off x="1176338" y="2181225"/>
-            <a:ext cx="6791325" cy="3762375"/>
+            <a:off x="1138238" y="2790825"/>
+            <a:ext cx="6867525" cy="1552575"/>
           </a:xfrm>
           <a:prstGeom prst="rect">
             <a:avLst/>
@@ -7626,10 +7523,118 @@
           </a:extLst>
         </p:spPr>
       </p:pic>
+      <p:pic>
+        <p:nvPicPr>
+          <p:cNvPr id="3076" name="Picture 4"/>
+          <p:cNvPicPr>
+            <a:picLocks noChangeAspect="1" noChangeArrowheads="1"/>
+          </p:cNvPicPr>
+          <p:nvPr/>
+        </p:nvPicPr>
+        <p:blipFill>
+          <a:blip r:embed="rId3">
+            <a:extLst>
+              <a:ext uri="{28A0092B-C50C-407E-A947-70E740481C1C}">
+                <a14:useLocalDpi xmlns:a14="http://schemas.microsoft.com/office/drawing/2010/main" val="0"/>
+              </a:ext>
+            </a:extLst>
+          </a:blip>
+          <a:srcRect/>
+          <a:stretch>
+            <a:fillRect/>
+          </a:stretch>
+        </p:blipFill>
+        <p:spPr bwMode="auto">
+          <a:xfrm>
+            <a:off x="2628900" y="2790825"/>
+            <a:ext cx="1333500" cy="1533525"/>
+          </a:xfrm>
+          <a:prstGeom prst="rect">
+            <a:avLst/>
+          </a:prstGeom>
+          <a:noFill/>
+          <a:ln>
+            <a:noFill/>
+          </a:ln>
+          <a:extLst>
+            <a:ext uri="{909E8E84-426E-40DD-AFC4-6F175D3DCCD1}">
+              <a14:hiddenFill xmlns:a14="http://schemas.microsoft.com/office/drawing/2010/main">
+                <a:solidFill>
+                  <a:schemeClr val="accent1"/>
+                </a:solidFill>
+              </a14:hiddenFill>
+            </a:ext>
+            <a:ext uri="{91240B29-F687-4F45-9708-019B960494DF}">
+              <a14:hiddenLine xmlns:a14="http://schemas.microsoft.com/office/drawing/2010/main" w="9525">
+                <a:solidFill>
+                  <a:schemeClr val="tx1"/>
+                </a:solidFill>
+                <a:miter lim="800000"/>
+                <a:headEnd/>
+                <a:tailEnd/>
+              </a14:hiddenLine>
+            </a:ext>
+          </a:extLst>
+        </p:spPr>
+      </p:pic>
+      <p:pic>
+        <p:nvPicPr>
+          <p:cNvPr id="3078" name="Picture 6"/>
+          <p:cNvPicPr>
+            <a:picLocks noChangeAspect="1" noChangeArrowheads="1"/>
+          </p:cNvPicPr>
+          <p:nvPr/>
+        </p:nvPicPr>
+        <p:blipFill>
+          <a:blip r:embed="rId4">
+            <a:extLst>
+              <a:ext uri="{28A0092B-C50C-407E-A947-70E740481C1C}">
+                <a14:useLocalDpi xmlns:a14="http://schemas.microsoft.com/office/drawing/2010/main" val="0"/>
+              </a:ext>
+            </a:extLst>
+          </a:blip>
+          <a:srcRect/>
+          <a:stretch>
+            <a:fillRect/>
+          </a:stretch>
+        </p:blipFill>
+        <p:spPr bwMode="auto">
+          <a:xfrm>
+            <a:off x="5691188" y="2785172"/>
+            <a:ext cx="2314575" cy="752475"/>
+          </a:xfrm>
+          <a:prstGeom prst="rect">
+            <a:avLst/>
+          </a:prstGeom>
+          <a:noFill/>
+          <a:ln>
+            <a:noFill/>
+          </a:ln>
+          <a:extLst>
+            <a:ext uri="{909E8E84-426E-40DD-AFC4-6F175D3DCCD1}">
+              <a14:hiddenFill xmlns:a14="http://schemas.microsoft.com/office/drawing/2010/main">
+                <a:solidFill>
+                  <a:schemeClr val="accent1"/>
+                </a:solidFill>
+              </a14:hiddenFill>
+            </a:ext>
+            <a:ext uri="{91240B29-F687-4F45-9708-019B960494DF}">
+              <a14:hiddenLine xmlns:a14="http://schemas.microsoft.com/office/drawing/2010/main" w="9525">
+                <a:solidFill>
+                  <a:schemeClr val="tx1"/>
+                </a:solidFill>
+                <a:miter lim="800000"/>
+                <a:headEnd/>
+                <a:tailEnd/>
+              </a14:hiddenLine>
+            </a:ext>
+          </a:extLst>
+        </p:spPr>
+      </p:pic>
     </p:spTree>
     <p:extLst>
       <p:ext uri="{BB962C8B-B14F-4D97-AF65-F5344CB8AC3E}">
-        <p14:creationId xmlns:p14="http://schemas.microsoft.com/office/powerpoint/2010/main" val="3125307590"/>
+        <p14:creationId xmlns:p14="http://schemas.microsoft.com/office/powerpoint/2010/main" val="2611736916"/>
       </p:ext>
     </p:extLst>
   </p:cSld>
@@ -7639,7 +7644,210 @@
   <p:timing>
     <p:tnLst>
       <p:par>
-        <p:cTn id="1" dur="indefinite" restart="never" nodeType="tmRoot"/>
+        <p:cTn id="1" dur="indefinite" restart="never" nodeType="tmRoot">
+          <p:childTnLst>
+            <p:seq concurrent="1" nextAc="seek">
+              <p:cTn id="2" dur="indefinite" nodeType="mainSeq">
+                <p:childTnLst>
+                  <p:par>
+                    <p:cTn id="3" fill="hold">
+                      <p:stCondLst>
+                        <p:cond delay="indefinite"/>
+                      </p:stCondLst>
+                      <p:childTnLst>
+                        <p:par>
+                          <p:cTn id="4" fill="hold">
+                            <p:stCondLst>
+                              <p:cond delay="0"/>
+                            </p:stCondLst>
+                            <p:childTnLst>
+                              <p:par>
+                                <p:cTn id="5" presetID="53" presetClass="entr" presetSubtype="16" fill="hold" nodeType="clickEffect">
+                                  <p:stCondLst>
+                                    <p:cond delay="0"/>
+                                  </p:stCondLst>
+                                  <p:childTnLst>
+                                    <p:set>
+                                      <p:cBhvr>
+                                        <p:cTn id="6" dur="1" fill="hold">
+                                          <p:stCondLst>
+                                            <p:cond delay="0"/>
+                                          </p:stCondLst>
+                                        </p:cTn>
+                                        <p:tgtEl>
+                                          <p:spTgt spid="3076"/>
+                                        </p:tgtEl>
+                                        <p:attrNameLst>
+                                          <p:attrName>style.visibility</p:attrName>
+                                        </p:attrNameLst>
+                                      </p:cBhvr>
+                                      <p:to>
+                                        <p:strVal val="visible"/>
+                                      </p:to>
+                                    </p:set>
+                                    <p:anim calcmode="lin" valueType="num">
+                                      <p:cBhvr>
+                                        <p:cTn id="7" dur="500" fill="hold"/>
+                                        <p:tgtEl>
+                                          <p:spTgt spid="3076"/>
+                                        </p:tgtEl>
+                                        <p:attrNameLst>
+                                          <p:attrName>ppt_w</p:attrName>
+                                        </p:attrNameLst>
+                                      </p:cBhvr>
+                                      <p:tavLst>
+                                        <p:tav tm="0">
+                                          <p:val>
+                                            <p:fltVal val="0"/>
+                                          </p:val>
+                                        </p:tav>
+                                        <p:tav tm="100000">
+                                          <p:val>
+                                            <p:strVal val="#ppt_w"/>
+                                          </p:val>
+                                        </p:tav>
+                                      </p:tavLst>
+                                    </p:anim>
+                                    <p:anim calcmode="lin" valueType="num">
+                                      <p:cBhvr>
+                                        <p:cTn id="8" dur="500" fill="hold"/>
+                                        <p:tgtEl>
+                                          <p:spTgt spid="3076"/>
+                                        </p:tgtEl>
+                                        <p:attrNameLst>
+                                          <p:attrName>ppt_h</p:attrName>
+                                        </p:attrNameLst>
+                                      </p:cBhvr>
+                                      <p:tavLst>
+                                        <p:tav tm="0">
+                                          <p:val>
+                                            <p:fltVal val="0"/>
+                                          </p:val>
+                                        </p:tav>
+                                        <p:tav tm="100000">
+                                          <p:val>
+                                            <p:strVal val="#ppt_h"/>
+                                          </p:val>
+                                        </p:tav>
+                                      </p:tavLst>
+                                    </p:anim>
+                                    <p:animEffect transition="in" filter="fade">
+                                      <p:cBhvr>
+                                        <p:cTn id="9" dur="500"/>
+                                        <p:tgtEl>
+                                          <p:spTgt spid="3076"/>
+                                        </p:tgtEl>
+                                      </p:cBhvr>
+                                    </p:animEffect>
+                                  </p:childTnLst>
+                                </p:cTn>
+                              </p:par>
+                              <p:par>
+                                <p:cTn id="10" presetID="53" presetClass="entr" presetSubtype="16" fill="hold" nodeType="withEffect">
+                                  <p:stCondLst>
+                                    <p:cond delay="0"/>
+                                  </p:stCondLst>
+                                  <p:childTnLst>
+                                    <p:set>
+                                      <p:cBhvr>
+                                        <p:cTn id="11" dur="1" fill="hold">
+                                          <p:stCondLst>
+                                            <p:cond delay="0"/>
+                                          </p:stCondLst>
+                                        </p:cTn>
+                                        <p:tgtEl>
+                                          <p:spTgt spid="3078"/>
+                                        </p:tgtEl>
+                                        <p:attrNameLst>
+                                          <p:attrName>style.visibility</p:attrName>
+                                        </p:attrNameLst>
+                                      </p:cBhvr>
+                                      <p:to>
+                                        <p:strVal val="visible"/>
+                                      </p:to>
+                                    </p:set>
+                                    <p:anim calcmode="lin" valueType="num">
+                                      <p:cBhvr>
+                                        <p:cTn id="12" dur="500" fill="hold"/>
+                                        <p:tgtEl>
+                                          <p:spTgt spid="3078"/>
+                                        </p:tgtEl>
+                                        <p:attrNameLst>
+                                          <p:attrName>ppt_w</p:attrName>
+                                        </p:attrNameLst>
+                                      </p:cBhvr>
+                                      <p:tavLst>
+                                        <p:tav tm="0">
+                                          <p:val>
+                                            <p:fltVal val="0"/>
+                                          </p:val>
+                                        </p:tav>
+                                        <p:tav tm="100000">
+                                          <p:val>
+                                            <p:strVal val="#ppt_w"/>
+                                          </p:val>
+                                        </p:tav>
+                                      </p:tavLst>
+                                    </p:anim>
+                                    <p:anim calcmode="lin" valueType="num">
+                                      <p:cBhvr>
+                                        <p:cTn id="13" dur="500" fill="hold"/>
+                                        <p:tgtEl>
+                                          <p:spTgt spid="3078"/>
+                                        </p:tgtEl>
+                                        <p:attrNameLst>
+                                          <p:attrName>ppt_h</p:attrName>
+                                        </p:attrNameLst>
+                                      </p:cBhvr>
+                                      <p:tavLst>
+                                        <p:tav tm="0">
+                                          <p:val>
+                                            <p:fltVal val="0"/>
+                                          </p:val>
+                                        </p:tav>
+                                        <p:tav tm="100000">
+                                          <p:val>
+                                            <p:strVal val="#ppt_h"/>
+                                          </p:val>
+                                        </p:tav>
+                                      </p:tavLst>
+                                    </p:anim>
+                                    <p:animEffect transition="in" filter="fade">
+                                      <p:cBhvr>
+                                        <p:cTn id="14" dur="500"/>
+                                        <p:tgtEl>
+                                          <p:spTgt spid="3078"/>
+                                        </p:tgtEl>
+                                      </p:cBhvr>
+                                    </p:animEffect>
+                                  </p:childTnLst>
+                                </p:cTn>
+                              </p:par>
+                            </p:childTnLst>
+                          </p:cTn>
+                        </p:par>
+                      </p:childTnLst>
+                    </p:cTn>
+                  </p:par>
+                </p:childTnLst>
+              </p:cTn>
+              <p:prevCondLst>
+                <p:cond evt="onPrev" delay="0">
+                  <p:tgtEl>
+                    <p:sldTgt/>
+                  </p:tgtEl>
+                </p:cond>
+              </p:prevCondLst>
+              <p:nextCondLst>
+                <p:cond evt="onNext" delay="0">
+                  <p:tgtEl>
+                    <p:sldTgt/>
+                  </p:tgtEl>
+                </p:cond>
+              </p:nextCondLst>
+            </p:seq>
+          </p:childTnLst>
+        </p:cTn>
       </p:par>
     </p:tnLst>
   </p:timing>
@@ -7685,15 +7893,80 @@
           <a:p>
             <a:r>
               <a:rPr lang="ro-RO" altLang="en-US" sz="2400" dirty="0" smtClean="0"/>
-              <a:t>Inheritance – with parameters</a:t>
+              <a:t>Inheritance – </a:t>
+            </a:r>
+            <a:r>
+              <a:rPr lang="en-US" altLang="en-US" sz="2400" dirty="0" smtClean="0"/>
+              <a:t>W</a:t>
+            </a:r>
+            <a:r>
+              <a:rPr lang="ro-RO" altLang="en-US" sz="2400" dirty="0" smtClean="0"/>
+              <a:t>ith </a:t>
+            </a:r>
+            <a:r>
+              <a:rPr lang="en-US" altLang="en-US" sz="2400" dirty="0" smtClean="0"/>
+              <a:t>P</a:t>
+            </a:r>
+            <a:r>
+              <a:rPr lang="ro-RO" altLang="en-US" sz="2400" dirty="0" smtClean="0"/>
+              <a:t>arameters</a:t>
             </a:r>
             <a:endParaRPr lang="en-US" altLang="en-US" sz="2400" dirty="0" smtClean="0"/>
+          </a:p>
+        </p:txBody>
+      </p:sp>
+      <p:sp>
+        <p:nvSpPr>
+          <p:cNvPr id="8" name="Content Placeholder 2"/>
+          <p:cNvSpPr>
+            <a:spLocks noGrp="1"/>
+          </p:cNvSpPr>
+          <p:nvPr>
+            <p:ph idx="1"/>
+          </p:nvPr>
+        </p:nvSpPr>
+        <p:spPr>
+          <a:xfrm>
+            <a:off x="685800" y="1371600"/>
+            <a:ext cx="7696200" cy="1143000"/>
+          </a:xfrm>
+        </p:spPr>
+        <p:txBody>
+          <a:bodyPr/>
+          <a:lstStyle/>
+          <a:p>
+            <a:r>
+              <a:rPr lang="ro-RO" altLang="en-US" sz="2400" dirty="0" smtClean="0"/>
+              <a:t>Set the </a:t>
+            </a:r>
+            <a:r>
+              <a:rPr lang="ro-RO" altLang="en-US" sz="2400" dirty="0" smtClean="0">
+                <a:latin typeface="Courier New" panose="02070309020205020404" pitchFamily="49" charset="0"/>
+                <a:cs typeface="Courier New" panose="02070309020205020404" pitchFamily="49" charset="0"/>
+              </a:rPr>
+              <a:t>prototype</a:t>
+            </a:r>
+            <a:r>
+              <a:rPr lang="ro-RO" altLang="en-US" sz="2400" dirty="0" smtClean="0"/>
+              <a:t> property of the </a:t>
+            </a:r>
+            <a:r>
+              <a:rPr lang="ro-RO" altLang="en-US" sz="2400" dirty="0" smtClean="0">
+                <a:latin typeface="Courier New" panose="02070309020205020404" pitchFamily="49" charset="0"/>
+                <a:cs typeface="Courier New" panose="02070309020205020404" pitchFamily="49" charset="0"/>
+              </a:rPr>
+              <a:t>FakeBase</a:t>
+            </a:r>
+            <a:r>
+              <a:rPr lang="ro-RO" altLang="en-US" sz="2400" dirty="0" smtClean="0"/>
+              <a:t> function</a:t>
+            </a:r>
           </a:p>
         </p:txBody>
       </p:sp>
       <p:pic>
         <p:nvPicPr>
-          <p:cNvPr id="36866" name="Picture 2"/>
+          <p:cNvPr id="1026" name="Picture 2"/>
           <p:cNvPicPr>
             <a:picLocks noChangeAspect="1" noChangeArrowheads="1"/>
           </p:cNvPicPr>
@@ -7714,8 +7987,8 @@
         </p:blipFill>
         <p:spPr bwMode="auto">
           <a:xfrm>
-            <a:off x="1219200" y="2895600"/>
-            <a:ext cx="6838950" cy="1828800"/>
+            <a:off x="1195388" y="2819400"/>
+            <a:ext cx="6753225" cy="1619250"/>
           </a:xfrm>
           <a:prstGeom prst="rect">
             <a:avLst/>
@@ -7745,181 +8018,10 @@
           </a:extLst>
         </p:spPr>
       </p:pic>
-      <p:sp>
-        <p:nvSpPr>
-          <p:cNvPr id="5" name="Content Placeholder 2"/>
-          <p:cNvSpPr>
-            <a:spLocks noGrp="1"/>
-          </p:cNvSpPr>
-          <p:nvPr>
-            <p:ph idx="1"/>
-          </p:nvPr>
-        </p:nvSpPr>
-        <p:spPr>
-          <a:xfrm>
-            <a:off x="685800" y="1371600"/>
-            <a:ext cx="7772400" cy="1143000"/>
-          </a:xfrm>
-        </p:spPr>
-        <p:txBody>
-          <a:bodyPr/>
-          <a:lstStyle/>
-          <a:p>
-            <a:r>
-              <a:rPr lang="ro-RO" altLang="en-US" sz="2400" dirty="0" smtClean="0"/>
-              <a:t>Fix the „</a:t>
-            </a:r>
-            <a:r>
-              <a:rPr lang="ro-RO" altLang="en-US" sz="2400" dirty="0" smtClean="0">
-                <a:latin typeface="Courier New" panose="02070309020205020404" pitchFamily="49" charset="0"/>
-                <a:cs typeface="Courier New" panose="02070309020205020404" pitchFamily="49" charset="0"/>
-              </a:rPr>
-              <a:t>constructor</a:t>
-            </a:r>
-            <a:r>
-              <a:rPr lang="ro-RO" altLang="en-US" sz="2400" dirty="0" smtClean="0"/>
-              <a:t>” property of the </a:t>
-            </a:r>
-            <a:r>
-              <a:rPr lang="ro-RO" altLang="en-US" sz="2400" dirty="0" smtClean="0">
-                <a:latin typeface="Courier New" panose="02070309020205020404" pitchFamily="49" charset="0"/>
-                <a:cs typeface="Courier New" panose="02070309020205020404" pitchFamily="49" charset="0"/>
-              </a:rPr>
-              <a:t>FakeBase </a:t>
-            </a:r>
-            <a:r>
-              <a:rPr lang="ro-RO" altLang="en-US" sz="2400" dirty="0" smtClean="0">
-                <a:cs typeface="Courier New" panose="02070309020205020404" pitchFamily="49" charset="0"/>
-              </a:rPr>
-              <a:t>function</a:t>
-            </a:r>
-          </a:p>
-        </p:txBody>
-      </p:sp>
-      <p:sp>
-        <p:nvSpPr>
-          <p:cNvPr id="6" name="TextBox 5"/>
-          <p:cNvSpPr txBox="1"/>
-          <p:nvPr/>
-        </p:nvSpPr>
-        <p:spPr>
-          <a:xfrm>
-            <a:off x="2514600" y="5486400"/>
-            <a:ext cx="4724400" cy="523220"/>
-          </a:xfrm>
-          <a:prstGeom prst="rect">
-            <a:avLst/>
-          </a:prstGeom>
-          <a:noFill/>
-        </p:spPr>
-        <p:txBody>
-          <a:bodyPr wrap="square" rtlCol="0">
-            <a:spAutoFit/>
-          </a:bodyPr>
-          <a:lstStyle/>
-          <a:p>
-            <a:pPr algn="r"/>
-            <a:r>
-              <a:rPr lang="ro-RO" sz="1400" dirty="0" smtClean="0"/>
-              <a:t>Call the base constructor from inside the child constructor.</a:t>
-            </a:r>
-            <a:endParaRPr lang="en-US" sz="1400" dirty="0" smtClean="0"/>
-          </a:p>
-        </p:txBody>
-      </p:sp>
-      <p:cxnSp>
-        <p:nvCxnSpPr>
-          <p:cNvPr id="3" name="Straight Arrow Connector 2"/>
-          <p:cNvCxnSpPr>
-            <a:stCxn id="6" idx="0"/>
-          </p:cNvCxnSpPr>
-          <p:nvPr/>
-        </p:nvCxnSpPr>
-        <p:spPr bwMode="auto">
-          <a:xfrm flipV="1">
-            <a:off x="4876800" y="3581400"/>
-            <a:ext cx="1295400" cy="1905000"/>
-          </a:xfrm>
-          <a:prstGeom prst="straightConnector1">
-            <a:avLst/>
-          </a:prstGeom>
-          <a:noFill/>
-          <a:ln w="9525" cap="flat" cmpd="sng" algn="ctr">
-            <a:solidFill>
-              <a:schemeClr val="tx1"/>
-            </a:solidFill>
-            <a:prstDash val="solid"/>
-            <a:round/>
-            <a:headEnd type="none" w="med" len="med"/>
-            <a:tailEnd type="arrow"/>
-          </a:ln>
-          <a:effectLst/>
-        </p:spPr>
-      </p:cxnSp>
-      <p:sp>
-        <p:nvSpPr>
-          <p:cNvPr id="13" name="TextBox 12"/>
-          <p:cNvSpPr txBox="1"/>
-          <p:nvPr/>
-        </p:nvSpPr>
-        <p:spPr>
-          <a:xfrm>
-            <a:off x="6553200" y="4971580"/>
-            <a:ext cx="1504950" cy="307777"/>
-          </a:xfrm>
-          <a:prstGeom prst="rect">
-            <a:avLst/>
-          </a:prstGeom>
-          <a:noFill/>
-        </p:spPr>
-        <p:txBody>
-          <a:bodyPr wrap="square" rtlCol="0">
-            <a:spAutoFit/>
-          </a:bodyPr>
-          <a:lstStyle/>
-          <a:p>
-            <a:pPr algn="r"/>
-            <a:r>
-              <a:rPr lang="ro-RO" sz="1400" dirty="0" smtClean="0"/>
-              <a:t>Fix constructor</a:t>
-            </a:r>
-            <a:endParaRPr lang="en-US" sz="1400" dirty="0" smtClean="0"/>
-          </a:p>
-        </p:txBody>
-      </p:sp>
-      <p:cxnSp>
-        <p:nvCxnSpPr>
-          <p:cNvPr id="14" name="Straight Arrow Connector 13"/>
-          <p:cNvCxnSpPr>
-            <a:stCxn id="13" idx="0"/>
-          </p:cNvCxnSpPr>
-          <p:nvPr/>
-        </p:nvCxnSpPr>
-        <p:spPr bwMode="auto">
-          <a:xfrm flipV="1">
-            <a:off x="7305675" y="4419600"/>
-            <a:ext cx="0" cy="551980"/>
-          </a:xfrm>
-          <a:prstGeom prst="straightConnector1">
-            <a:avLst/>
-          </a:prstGeom>
-          <a:noFill/>
-          <a:ln w="9525" cap="flat" cmpd="sng" algn="ctr">
-            <a:solidFill>
-              <a:schemeClr val="tx1"/>
-            </a:solidFill>
-            <a:prstDash val="solid"/>
-            <a:round/>
-            <a:headEnd type="none" w="med" len="med"/>
-            <a:tailEnd type="arrow"/>
-          </a:ln>
-          <a:effectLst/>
-        </p:spPr>
-      </p:cxnSp>
     </p:spTree>
     <p:extLst>
       <p:ext uri="{BB962C8B-B14F-4D97-AF65-F5344CB8AC3E}">
-        <p14:creationId xmlns:p14="http://schemas.microsoft.com/office/powerpoint/2010/main" val="3138581112"/>
+        <p14:creationId xmlns:p14="http://schemas.microsoft.com/office/powerpoint/2010/main" val="1861461591"/>
       </p:ext>
     </p:extLst>
   </p:cSld>
@@ -7929,215 +8031,9 @@
   <p:timing>
     <p:tnLst>
       <p:par>
-        <p:cTn id="1" dur="indefinite" restart="never" nodeType="tmRoot">
-          <p:childTnLst>
-            <p:seq concurrent="1" nextAc="seek">
-              <p:cTn id="2" dur="indefinite" nodeType="mainSeq">
-                <p:childTnLst>
-                  <p:par>
-                    <p:cTn id="3" fill="hold">
-                      <p:stCondLst>
-                        <p:cond delay="indefinite"/>
-                      </p:stCondLst>
-                      <p:childTnLst>
-                        <p:par>
-                          <p:cTn id="4" fill="hold">
-                            <p:stCondLst>
-                              <p:cond delay="0"/>
-                            </p:stCondLst>
-                            <p:childTnLst>
-                              <p:par>
-                                <p:cTn id="5" presetID="53" presetClass="entr" presetSubtype="16" fill="hold" grpId="0" nodeType="clickEffect">
-                                  <p:stCondLst>
-                                    <p:cond delay="0"/>
-                                  </p:stCondLst>
-                                  <p:childTnLst>
-                                    <p:set>
-                                      <p:cBhvr>
-                                        <p:cTn id="6" dur="1" fill="hold">
-                                          <p:stCondLst>
-                                            <p:cond delay="0"/>
-                                          </p:stCondLst>
-                                        </p:cTn>
-                                        <p:tgtEl>
-                                          <p:spTgt spid="6"/>
-                                        </p:tgtEl>
-                                        <p:attrNameLst>
-                                          <p:attrName>style.visibility</p:attrName>
-                                        </p:attrNameLst>
-                                      </p:cBhvr>
-                                      <p:to>
-                                        <p:strVal val="visible"/>
-                                      </p:to>
-                                    </p:set>
-                                    <p:anim calcmode="lin" valueType="num">
-                                      <p:cBhvr>
-                                        <p:cTn id="7" dur="500" fill="hold"/>
-                                        <p:tgtEl>
-                                          <p:spTgt spid="6"/>
-                                        </p:tgtEl>
-                                        <p:attrNameLst>
-                                          <p:attrName>ppt_w</p:attrName>
-                                        </p:attrNameLst>
-                                      </p:cBhvr>
-                                      <p:tavLst>
-                                        <p:tav tm="0">
-                                          <p:val>
-                                            <p:fltVal val="0"/>
-                                          </p:val>
-                                        </p:tav>
-                                        <p:tav tm="100000">
-                                          <p:val>
-                                            <p:strVal val="#ppt_w"/>
-                                          </p:val>
-                                        </p:tav>
-                                      </p:tavLst>
-                                    </p:anim>
-                                    <p:anim calcmode="lin" valueType="num">
-                                      <p:cBhvr>
-                                        <p:cTn id="8" dur="500" fill="hold"/>
-                                        <p:tgtEl>
-                                          <p:spTgt spid="6"/>
-                                        </p:tgtEl>
-                                        <p:attrNameLst>
-                                          <p:attrName>ppt_h</p:attrName>
-                                        </p:attrNameLst>
-                                      </p:cBhvr>
-                                      <p:tavLst>
-                                        <p:tav tm="0">
-                                          <p:val>
-                                            <p:fltVal val="0"/>
-                                          </p:val>
-                                        </p:tav>
-                                        <p:tav tm="100000">
-                                          <p:val>
-                                            <p:strVal val="#ppt_h"/>
-                                          </p:val>
-                                        </p:tav>
-                                      </p:tavLst>
-                                    </p:anim>
-                                    <p:animEffect transition="in" filter="fade">
-                                      <p:cBhvr>
-                                        <p:cTn id="9" dur="500"/>
-                                        <p:tgtEl>
-                                          <p:spTgt spid="6"/>
-                                        </p:tgtEl>
-                                      </p:cBhvr>
-                                    </p:animEffect>
-                                  </p:childTnLst>
-                                </p:cTn>
-                              </p:par>
-                              <p:par>
-                                <p:cTn id="10" presetID="53" presetClass="entr" presetSubtype="16" fill="hold" nodeType="withEffect">
-                                  <p:stCondLst>
-                                    <p:cond delay="0"/>
-                                  </p:stCondLst>
-                                  <p:childTnLst>
-                                    <p:set>
-                                      <p:cBhvr>
-                                        <p:cTn id="11" dur="1" fill="hold">
-                                          <p:stCondLst>
-                                            <p:cond delay="0"/>
-                                          </p:stCondLst>
-                                        </p:cTn>
-                                        <p:tgtEl>
-                                          <p:spTgt spid="3"/>
-                                        </p:tgtEl>
-                                        <p:attrNameLst>
-                                          <p:attrName>style.visibility</p:attrName>
-                                        </p:attrNameLst>
-                                      </p:cBhvr>
-                                      <p:to>
-                                        <p:strVal val="visible"/>
-                                      </p:to>
-                                    </p:set>
-                                    <p:anim calcmode="lin" valueType="num">
-                                      <p:cBhvr>
-                                        <p:cTn id="12" dur="500" fill="hold"/>
-                                        <p:tgtEl>
-                                          <p:spTgt spid="3"/>
-                                        </p:tgtEl>
-                                        <p:attrNameLst>
-                                          <p:attrName>ppt_w</p:attrName>
-                                        </p:attrNameLst>
-                                      </p:cBhvr>
-                                      <p:tavLst>
-                                        <p:tav tm="0">
-                                          <p:val>
-                                            <p:fltVal val="0"/>
-                                          </p:val>
-                                        </p:tav>
-                                        <p:tav tm="100000">
-                                          <p:val>
-                                            <p:strVal val="#ppt_w"/>
-                                          </p:val>
-                                        </p:tav>
-                                      </p:tavLst>
-                                    </p:anim>
-                                    <p:anim calcmode="lin" valueType="num">
-                                      <p:cBhvr>
-                                        <p:cTn id="13" dur="500" fill="hold"/>
-                                        <p:tgtEl>
-                                          <p:spTgt spid="3"/>
-                                        </p:tgtEl>
-                                        <p:attrNameLst>
-                                          <p:attrName>ppt_h</p:attrName>
-                                        </p:attrNameLst>
-                                      </p:cBhvr>
-                                      <p:tavLst>
-                                        <p:tav tm="0">
-                                          <p:val>
-                                            <p:fltVal val="0"/>
-                                          </p:val>
-                                        </p:tav>
-                                        <p:tav tm="100000">
-                                          <p:val>
-                                            <p:strVal val="#ppt_h"/>
-                                          </p:val>
-                                        </p:tav>
-                                      </p:tavLst>
-                                    </p:anim>
-                                    <p:animEffect transition="in" filter="fade">
-                                      <p:cBhvr>
-                                        <p:cTn id="14" dur="500"/>
-                                        <p:tgtEl>
-                                          <p:spTgt spid="3"/>
-                                        </p:tgtEl>
-                                      </p:cBhvr>
-                                    </p:animEffect>
-                                  </p:childTnLst>
-                                </p:cTn>
-                              </p:par>
-                            </p:childTnLst>
-                          </p:cTn>
-                        </p:par>
-                      </p:childTnLst>
-                    </p:cTn>
-                  </p:par>
-                </p:childTnLst>
-              </p:cTn>
-              <p:prevCondLst>
-                <p:cond evt="onPrev" delay="0">
-                  <p:tgtEl>
-                    <p:sldTgt/>
-                  </p:tgtEl>
-                </p:cond>
-              </p:prevCondLst>
-              <p:nextCondLst>
-                <p:cond evt="onNext" delay="0">
-                  <p:tgtEl>
-                    <p:sldTgt/>
-                  </p:tgtEl>
-                </p:cond>
-              </p:nextCondLst>
-            </p:seq>
-          </p:childTnLst>
-        </p:cTn>
+        <p:cTn id="1" dur="indefinite" restart="never" nodeType="tmRoot"/>
       </p:par>
     </p:tnLst>
-    <p:bldLst>
-      <p:bldP spid="6" grpId="0"/>
-    </p:bldLst>
   </p:timing>
 </p:sld>
 </file>
@@ -8181,15 +8077,80 @@
           <a:p>
             <a:r>
               <a:rPr lang="ro-RO" altLang="en-US" sz="2400" dirty="0" smtClean="0"/>
-              <a:t>Inheritance – with parameters</a:t>
+              <a:t>Inheritance – </a:t>
+            </a:r>
+            <a:r>
+              <a:rPr lang="en-US" altLang="en-US" sz="2400" dirty="0" smtClean="0"/>
+              <a:t>W</a:t>
+            </a:r>
+            <a:r>
+              <a:rPr lang="ro-RO" altLang="en-US" sz="2400" dirty="0" smtClean="0"/>
+              <a:t>ith </a:t>
+            </a:r>
+            <a:r>
+              <a:rPr lang="en-US" altLang="en-US" sz="2400" dirty="0" smtClean="0"/>
+              <a:t>P</a:t>
+            </a:r>
+            <a:r>
+              <a:rPr lang="ro-RO" altLang="en-US" sz="2400" dirty="0" smtClean="0"/>
+              <a:t>arameters</a:t>
             </a:r>
             <a:endParaRPr lang="en-US" altLang="en-US" sz="2400" dirty="0" smtClean="0"/>
+          </a:p>
+        </p:txBody>
+      </p:sp>
+      <p:sp>
+        <p:nvSpPr>
+          <p:cNvPr id="6" name="Content Placeholder 2"/>
+          <p:cNvSpPr>
+            <a:spLocks noGrp="1"/>
+          </p:cNvSpPr>
+          <p:nvPr>
+            <p:ph idx="1"/>
+          </p:nvPr>
+        </p:nvSpPr>
+        <p:spPr>
+          <a:xfrm>
+            <a:off x="685800" y="1371600"/>
+            <a:ext cx="7696200" cy="1143000"/>
+          </a:xfrm>
+        </p:spPr>
+        <p:txBody>
+          <a:bodyPr/>
+          <a:lstStyle/>
+          <a:p>
+            <a:r>
+              <a:rPr lang="ro-RO" altLang="en-US" sz="2400" dirty="0" smtClean="0"/>
+              <a:t>Set the </a:t>
+            </a:r>
+            <a:r>
+              <a:rPr lang="ro-RO" altLang="en-US" sz="2400" dirty="0" smtClean="0">
+                <a:latin typeface="Courier New" panose="02070309020205020404" pitchFamily="49" charset="0"/>
+                <a:cs typeface="Courier New" panose="02070309020205020404" pitchFamily="49" charset="0"/>
+              </a:rPr>
+              <a:t>prototype</a:t>
+            </a:r>
+            <a:r>
+              <a:rPr lang="ro-RO" altLang="en-US" sz="2400" dirty="0" smtClean="0"/>
+              <a:t> property of the </a:t>
+            </a:r>
+            <a:r>
+              <a:rPr lang="ro-RO" altLang="en-US" sz="2400" dirty="0" smtClean="0">
+                <a:latin typeface="Courier New" panose="02070309020205020404" pitchFamily="49" charset="0"/>
+                <a:cs typeface="Courier New" panose="02070309020205020404" pitchFamily="49" charset="0"/>
+              </a:rPr>
+              <a:t>Dog </a:t>
+            </a:r>
+            <a:r>
+              <a:rPr lang="ro-RO" altLang="en-US" sz="2400" dirty="0" smtClean="0"/>
+              <a:t>function</a:t>
+            </a:r>
           </a:p>
         </p:txBody>
       </p:sp>
       <p:pic>
         <p:nvPicPr>
-          <p:cNvPr id="37890" name="Picture 2"/>
+          <p:cNvPr id="2050" name="Picture 2"/>
           <p:cNvPicPr>
             <a:picLocks noChangeAspect="1" noChangeArrowheads="1"/>
           </p:cNvPicPr>
@@ -8210,8 +8171,8 @@
         </p:blipFill>
         <p:spPr bwMode="auto">
           <a:xfrm>
-            <a:off x="1600200" y="1828800"/>
-            <a:ext cx="6572250" cy="4238625"/>
+            <a:off x="1209675" y="2133600"/>
+            <a:ext cx="6791325" cy="3762375"/>
           </a:xfrm>
           <a:prstGeom prst="rect">
             <a:avLst/>
@@ -8241,37 +8202,10 @@
           </a:extLst>
         </p:spPr>
       </p:pic>
-      <p:sp>
-        <p:nvSpPr>
-          <p:cNvPr id="5" name="Content Placeholder 2"/>
-          <p:cNvSpPr>
-            <a:spLocks noGrp="1"/>
-          </p:cNvSpPr>
-          <p:nvPr>
-            <p:ph idx="1"/>
-          </p:nvPr>
-        </p:nvSpPr>
-        <p:spPr>
-          <a:xfrm>
-            <a:off x="685800" y="1295400"/>
-            <a:ext cx="5029200" cy="533400"/>
-          </a:xfrm>
-        </p:spPr>
-        <p:txBody>
-          <a:bodyPr/>
-          <a:lstStyle/>
-          <a:p>
-            <a:r>
-              <a:rPr lang="ro-RO" altLang="en-US" sz="2400" dirty="0" smtClean="0"/>
-              <a:t>In ECMA Script 5</a:t>
-            </a:r>
-          </a:p>
-        </p:txBody>
-      </p:sp>
     </p:spTree>
     <p:extLst>
       <p:ext uri="{BB962C8B-B14F-4D97-AF65-F5344CB8AC3E}">
-        <p14:creationId xmlns:p14="http://schemas.microsoft.com/office/powerpoint/2010/main" val="1830154489"/>
+        <p14:creationId xmlns:p14="http://schemas.microsoft.com/office/powerpoint/2010/main" val="3125307590"/>
       </p:ext>
     </p:extLst>
   </p:cSld>
@@ -8305,6 +8239,60 @@
           <a:chExt cx="0" cy="0"/>
         </a:xfrm>
       </p:grpSpPr>
+      <p:pic>
+        <p:nvPicPr>
+          <p:cNvPr id="4098" name="Picture 2"/>
+          <p:cNvPicPr>
+            <a:picLocks noChangeAspect="1" noChangeArrowheads="1"/>
+          </p:cNvPicPr>
+          <p:nvPr/>
+        </p:nvPicPr>
+        <p:blipFill>
+          <a:blip r:embed="rId2">
+            <a:extLst>
+              <a:ext uri="{28A0092B-C50C-407E-A947-70E740481C1C}">
+                <a14:useLocalDpi xmlns:a14="http://schemas.microsoft.com/office/drawing/2010/main" val="0"/>
+              </a:ext>
+            </a:extLst>
+          </a:blip>
+          <a:srcRect/>
+          <a:stretch>
+            <a:fillRect/>
+          </a:stretch>
+        </p:blipFill>
+        <p:spPr bwMode="auto">
+          <a:xfrm>
+            <a:off x="1152525" y="2971800"/>
+            <a:ext cx="6838950" cy="1828800"/>
+          </a:xfrm>
+          <a:prstGeom prst="rect">
+            <a:avLst/>
+          </a:prstGeom>
+          <a:noFill/>
+          <a:ln>
+            <a:noFill/>
+          </a:ln>
+          <a:extLst>
+            <a:ext uri="{909E8E84-426E-40DD-AFC4-6F175D3DCCD1}">
+              <a14:hiddenFill xmlns:a14="http://schemas.microsoft.com/office/drawing/2010/main">
+                <a:solidFill>
+                  <a:schemeClr val="accent1"/>
+                </a:solidFill>
+              </a14:hiddenFill>
+            </a:ext>
+            <a:ext uri="{91240B29-F687-4F45-9708-019B960494DF}">
+              <a14:hiddenLine xmlns:a14="http://schemas.microsoft.com/office/drawing/2010/main" w="9525">
+                <a:solidFill>
+                  <a:schemeClr val="tx1"/>
+                </a:solidFill>
+                <a:miter lim="800000"/>
+                <a:headEnd/>
+                <a:tailEnd/>
+              </a14:hiddenLine>
+            </a:ext>
+          </a:extLst>
+        </p:spPr>
+      </p:pic>
       <p:sp>
         <p:nvSpPr>
           <p:cNvPr id="5122" name="Title 1"/>
@@ -8326,15 +8314,32 @@
           <a:lstStyle/>
           <a:p>
             <a:r>
+              <a:rPr lang="ro-RO" altLang="en-US" sz="2400" dirty="0" smtClean="0"/>
+              <a:t>Inheritance – </a:t>
+            </a:r>
+            <a:r>
               <a:rPr lang="en-US" altLang="en-US" sz="2400" dirty="0" smtClean="0"/>
-              <a:t>Agenda</a:t>
-            </a:r>
+              <a:t>W</a:t>
+            </a:r>
+            <a:r>
+              <a:rPr lang="ro-RO" altLang="en-US" sz="2400" dirty="0" smtClean="0"/>
+              <a:t>ith </a:t>
+            </a:r>
+            <a:r>
+              <a:rPr lang="en-US" altLang="en-US" sz="2400" dirty="0" smtClean="0"/>
+              <a:t>P</a:t>
+            </a:r>
+            <a:r>
+              <a:rPr lang="ro-RO" altLang="en-US" sz="2400" dirty="0" smtClean="0"/>
+              <a:t>arameters</a:t>
+            </a:r>
+            <a:endParaRPr lang="en-US" altLang="en-US" sz="2400" dirty="0" smtClean="0"/>
           </a:p>
         </p:txBody>
       </p:sp>
       <p:sp>
         <p:nvSpPr>
-          <p:cNvPr id="5123" name="Content Placeholder 2"/>
+          <p:cNvPr id="5" name="Content Placeholder 2"/>
           <p:cNvSpPr>
             <a:spLocks noGrp="1"/>
           </p:cNvSpPr>
@@ -8344,8 +8349,8 @@
         </p:nvSpPr>
         <p:spPr>
           <a:xfrm>
-            <a:off x="2286000" y="1600200"/>
-            <a:ext cx="5257800" cy="4267200"/>
+            <a:off x="685800" y="1371600"/>
+            <a:ext cx="7772400" cy="1143000"/>
           </a:xfrm>
         </p:spPr>
         <p:txBody>
@@ -8354,59 +8359,31 @@
           <a:p>
             <a:r>
               <a:rPr lang="ro-RO" altLang="en-US" sz="2400" dirty="0" smtClean="0"/>
-              <a:t>Introduction</a:t>
-            </a:r>
-            <a:endParaRPr lang="en-US" altLang="en-US" sz="2400" dirty="0" smtClean="0"/>
-          </a:p>
-          <a:p>
-            <a:endParaRPr lang="ro-RO" altLang="en-US" sz="2400" dirty="0" smtClean="0"/>
-          </a:p>
-          <a:p>
+              <a:t>Fix the „</a:t>
+            </a:r>
+            <a:r>
+              <a:rPr lang="ro-RO" altLang="en-US" sz="2400" dirty="0" smtClean="0">
+                <a:latin typeface="Courier New" panose="02070309020205020404" pitchFamily="49" charset="0"/>
+                <a:cs typeface="Courier New" panose="02070309020205020404" pitchFamily="49" charset="0"/>
+              </a:rPr>
+              <a:t>constructor</a:t>
+            </a:r>
             <a:r>
               <a:rPr lang="ro-RO" altLang="en-US" sz="2400" dirty="0" smtClean="0"/>
-              <a:t>BioCalc Application</a:t>
-            </a:r>
-            <a:endParaRPr lang="ro-RO" altLang="en-US" sz="2400" dirty="0"/>
-          </a:p>
-          <a:p>
-            <a:endParaRPr lang="ro-RO" altLang="en-US" sz="2400" dirty="0" smtClean="0"/>
-          </a:p>
-          <a:p>
-            <a:r>
-              <a:rPr lang="ro-RO" altLang="en-US" sz="2400" dirty="0" smtClean="0"/>
-              <a:t>Inheritance</a:t>
-            </a:r>
-            <a:endParaRPr lang="en-US" altLang="en-US" sz="2400" dirty="0" smtClean="0"/>
-          </a:p>
-          <a:p>
-            <a:endParaRPr lang="en-US" altLang="en-US" sz="2400" dirty="0" smtClean="0"/>
-          </a:p>
-          <a:p>
-            <a:r>
-              <a:rPr lang="en-US" altLang="en-US" sz="2400" b="1" dirty="0"/>
-              <a:t>Public, </a:t>
-            </a:r>
-            <a:r>
-              <a:rPr lang="en-US" altLang="en-US" sz="2400" b="1" dirty="0" smtClean="0"/>
-              <a:t>Private</a:t>
-            </a:r>
-            <a:r>
-              <a:rPr lang="en-US" altLang="en-US" sz="2400" b="1" dirty="0"/>
-              <a:t>, </a:t>
-            </a:r>
-            <a:r>
-              <a:rPr lang="en-US" altLang="en-US" sz="2400" b="1" dirty="0" smtClean="0"/>
-              <a:t>Protected</a:t>
-            </a:r>
-            <a:endParaRPr lang="en-US" altLang="en-US" sz="2400" b="1" dirty="0"/>
-          </a:p>
-          <a:p>
-            <a:endParaRPr lang="en-US" altLang="en-US" sz="2400" b="1" dirty="0" smtClean="0"/>
-          </a:p>
-          <a:p>
-            <a:r>
-              <a:rPr lang="ro-RO" altLang="en-US" sz="2400" dirty="0" smtClean="0"/>
-              <a:t>Adapter Pattern</a:t>
+              <a:t>” property of the </a:t>
+            </a:r>
+            <a:r>
+              <a:rPr lang="ro-RO" altLang="en-US" sz="2400" dirty="0" smtClean="0">
+                <a:latin typeface="Courier New" panose="02070309020205020404" pitchFamily="49" charset="0"/>
+                <a:cs typeface="Courier New" panose="02070309020205020404" pitchFamily="49" charset="0"/>
+              </a:rPr>
+              <a:t>FakeBase </a:t>
+            </a:r>
+            <a:r>
+              <a:rPr lang="ro-RO" altLang="en-US" sz="2400" dirty="0" smtClean="0">
+                <a:cs typeface="Courier New" panose="02070309020205020404" pitchFamily="49" charset="0"/>
+              </a:rPr>
+              <a:t>function</a:t>
             </a:r>
           </a:p>
         </p:txBody>
@@ -8414,7 +8391,7 @@
     </p:spTree>
     <p:extLst>
       <p:ext uri="{BB962C8B-B14F-4D97-AF65-F5344CB8AC3E}">
-        <p14:creationId xmlns:p14="http://schemas.microsoft.com/office/powerpoint/2010/main" val="719981763"/>
+        <p14:creationId xmlns:p14="http://schemas.microsoft.com/office/powerpoint/2010/main" val="3138581112"/>
       </p:ext>
     </p:extLst>
   </p:cSld>
@@ -8469,6 +8446,664 @@
           <a:lstStyle/>
           <a:p>
             <a:r>
+              <a:rPr lang="ro-RO" altLang="en-US" sz="2400" dirty="0" smtClean="0"/>
+              <a:t>Inheritance – </a:t>
+            </a:r>
+            <a:r>
+              <a:rPr lang="en-US" altLang="en-US" sz="2400" dirty="0" smtClean="0"/>
+              <a:t>W</a:t>
+            </a:r>
+            <a:r>
+              <a:rPr lang="ro-RO" altLang="en-US" sz="2400" dirty="0" smtClean="0"/>
+              <a:t>ith </a:t>
+            </a:r>
+            <a:r>
+              <a:rPr lang="en-US" altLang="en-US" sz="2400" dirty="0" smtClean="0"/>
+              <a:t>P</a:t>
+            </a:r>
+            <a:r>
+              <a:rPr lang="ro-RO" altLang="en-US" sz="2400" dirty="0" smtClean="0"/>
+              <a:t>arameters</a:t>
+            </a:r>
+            <a:endParaRPr lang="en-US" altLang="en-US" sz="2400" dirty="0" smtClean="0"/>
+          </a:p>
+        </p:txBody>
+      </p:sp>
+      <p:sp>
+        <p:nvSpPr>
+          <p:cNvPr id="5" name="Content Placeholder 2"/>
+          <p:cNvSpPr>
+            <a:spLocks noGrp="1"/>
+          </p:cNvSpPr>
+          <p:nvPr>
+            <p:ph idx="1"/>
+          </p:nvPr>
+        </p:nvSpPr>
+        <p:spPr>
+          <a:xfrm>
+            <a:off x="685800" y="1371600"/>
+            <a:ext cx="7772400" cy="1143000"/>
+          </a:xfrm>
+        </p:spPr>
+        <p:txBody>
+          <a:bodyPr/>
+          <a:lstStyle/>
+          <a:p>
+            <a:r>
+              <a:rPr lang="en-US" altLang="en-US" sz="2400" dirty="0" smtClean="0"/>
+              <a:t>Call base constructor.</a:t>
+            </a:r>
+            <a:endParaRPr lang="ro-RO" altLang="en-US" sz="2400" dirty="0" smtClean="0">
+              <a:cs typeface="Courier New" panose="02070309020205020404" pitchFamily="49" charset="0"/>
+            </a:endParaRPr>
+          </a:p>
+        </p:txBody>
+      </p:sp>
+      <p:pic>
+        <p:nvPicPr>
+          <p:cNvPr id="2" name="Picture 2"/>
+          <p:cNvPicPr>
+            <a:picLocks noChangeAspect="1" noChangeArrowheads="1"/>
+          </p:cNvPicPr>
+          <p:nvPr/>
+        </p:nvPicPr>
+        <p:blipFill>
+          <a:blip r:embed="rId2">
+            <a:extLst>
+              <a:ext uri="{28A0092B-C50C-407E-A947-70E740481C1C}">
+                <a14:useLocalDpi xmlns:a14="http://schemas.microsoft.com/office/drawing/2010/main" val="0"/>
+              </a:ext>
+            </a:extLst>
+          </a:blip>
+          <a:srcRect/>
+          <a:stretch>
+            <a:fillRect/>
+          </a:stretch>
+        </p:blipFill>
+        <p:spPr bwMode="auto">
+          <a:xfrm>
+            <a:off x="1165344" y="2895600"/>
+            <a:ext cx="6838950" cy="1828800"/>
+          </a:xfrm>
+          <a:prstGeom prst="rect">
+            <a:avLst/>
+          </a:prstGeom>
+          <a:noFill/>
+          <a:ln>
+            <a:noFill/>
+          </a:ln>
+          <a:extLst>
+            <a:ext uri="{909E8E84-426E-40DD-AFC4-6F175D3DCCD1}">
+              <a14:hiddenFill xmlns:a14="http://schemas.microsoft.com/office/drawing/2010/main">
+                <a:solidFill>
+                  <a:schemeClr val="accent1"/>
+                </a:solidFill>
+              </a14:hiddenFill>
+            </a:ext>
+            <a:ext uri="{91240B29-F687-4F45-9708-019B960494DF}">
+              <a14:hiddenLine xmlns:a14="http://schemas.microsoft.com/office/drawing/2010/main" w="9525">
+                <a:solidFill>
+                  <a:schemeClr val="tx1"/>
+                </a:solidFill>
+                <a:miter lim="800000"/>
+                <a:headEnd/>
+                <a:tailEnd/>
+              </a14:hiddenLine>
+            </a:ext>
+          </a:extLst>
+        </p:spPr>
+      </p:pic>
+    </p:spTree>
+    <p:extLst>
+      <p:ext uri="{BB962C8B-B14F-4D97-AF65-F5344CB8AC3E}">
+        <p14:creationId xmlns:p14="http://schemas.microsoft.com/office/powerpoint/2010/main" val="4027063244"/>
+      </p:ext>
+    </p:extLst>
+  </p:cSld>
+  <p:clrMapOvr>
+    <a:masterClrMapping/>
+  </p:clrMapOvr>
+  <p:timing>
+    <p:tnLst>
+      <p:par>
+        <p:cTn id="1" dur="indefinite" restart="never" nodeType="tmRoot"/>
+      </p:par>
+    </p:tnLst>
+  </p:timing>
+</p:sld>
+</file>
+
+<file path=ppt/slides/slide19.xml><?xml version="1.0" encoding="utf-8"?>
+<p:sld xmlns:a="http://schemas.openxmlformats.org/drawingml/2006/main" xmlns:r="http://schemas.openxmlformats.org/officeDocument/2006/relationships" xmlns:p="http://schemas.openxmlformats.org/presentationml/2006/main">
+  <p:cSld>
+    <p:spTree>
+      <p:nvGrpSpPr>
+        <p:cNvPr id="1" name=""/>
+        <p:cNvGrpSpPr/>
+        <p:nvPr/>
+      </p:nvGrpSpPr>
+      <p:grpSpPr>
+        <a:xfrm>
+          <a:off x="0" y="0"/>
+          <a:ext cx="0" cy="0"/>
+          <a:chOff x="0" y="0"/>
+          <a:chExt cx="0" cy="0"/>
+        </a:xfrm>
+      </p:grpSpPr>
+      <p:sp>
+        <p:nvSpPr>
+          <p:cNvPr id="5122" name="Title 1"/>
+          <p:cNvSpPr>
+            <a:spLocks noGrp="1"/>
+          </p:cNvSpPr>
+          <p:nvPr>
+            <p:ph type="title"/>
+          </p:nvPr>
+        </p:nvSpPr>
+        <p:spPr>
+          <a:xfrm>
+            <a:off x="2286000" y="228600"/>
+            <a:ext cx="6400800" cy="563562"/>
+          </a:xfrm>
+        </p:spPr>
+        <p:txBody>
+          <a:bodyPr/>
+          <a:lstStyle/>
+          <a:p>
+            <a:r>
+              <a:rPr lang="ro-RO" altLang="en-US" sz="2400" dirty="0" smtClean="0"/>
+              <a:t>Inheritance – </a:t>
+            </a:r>
+            <a:r>
+              <a:rPr lang="en-US" altLang="en-US" sz="2400" dirty="0" smtClean="0"/>
+              <a:t>W</a:t>
+            </a:r>
+            <a:r>
+              <a:rPr lang="ro-RO" altLang="en-US" sz="2400" dirty="0" smtClean="0"/>
+              <a:t>ith </a:t>
+            </a:r>
+            <a:r>
+              <a:rPr lang="en-US" altLang="en-US" sz="2400" dirty="0" smtClean="0"/>
+              <a:t>P</a:t>
+            </a:r>
+            <a:r>
+              <a:rPr lang="ro-RO" altLang="en-US" sz="2400" dirty="0" smtClean="0"/>
+              <a:t>arameters</a:t>
+            </a:r>
+            <a:endParaRPr lang="en-US" altLang="en-US" sz="2400" dirty="0" smtClean="0"/>
+          </a:p>
+        </p:txBody>
+      </p:sp>
+      <p:sp>
+        <p:nvSpPr>
+          <p:cNvPr id="5" name="Content Placeholder 2"/>
+          <p:cNvSpPr>
+            <a:spLocks noGrp="1"/>
+          </p:cNvSpPr>
+          <p:nvPr>
+            <p:ph idx="1"/>
+          </p:nvPr>
+        </p:nvSpPr>
+        <p:spPr>
+          <a:xfrm>
+            <a:off x="685800" y="1295400"/>
+            <a:ext cx="5029200" cy="533400"/>
+          </a:xfrm>
+        </p:spPr>
+        <p:txBody>
+          <a:bodyPr/>
+          <a:lstStyle/>
+          <a:p>
+            <a:r>
+              <a:rPr lang="ro-RO" altLang="en-US" sz="2400" dirty="0" smtClean="0"/>
+              <a:t>In ECMA Script 5</a:t>
+            </a:r>
+          </a:p>
+        </p:txBody>
+      </p:sp>
+      <p:pic>
+        <p:nvPicPr>
+          <p:cNvPr id="6146" name="Picture 2"/>
+          <p:cNvPicPr>
+            <a:picLocks noChangeAspect="1" noChangeArrowheads="1"/>
+          </p:cNvPicPr>
+          <p:nvPr/>
+        </p:nvPicPr>
+        <p:blipFill>
+          <a:blip r:embed="rId2">
+            <a:extLst>
+              <a:ext uri="{28A0092B-C50C-407E-A947-70E740481C1C}">
+                <a14:useLocalDpi xmlns:a14="http://schemas.microsoft.com/office/drawing/2010/main" val="0"/>
+              </a:ext>
+            </a:extLst>
+          </a:blip>
+          <a:srcRect/>
+          <a:stretch>
+            <a:fillRect/>
+          </a:stretch>
+        </p:blipFill>
+        <p:spPr bwMode="auto">
+          <a:xfrm>
+            <a:off x="1245817" y="1981200"/>
+            <a:ext cx="6686550" cy="3981450"/>
+          </a:xfrm>
+          <a:prstGeom prst="rect">
+            <a:avLst/>
+          </a:prstGeom>
+          <a:noFill/>
+          <a:ln>
+            <a:noFill/>
+          </a:ln>
+          <a:extLst>
+            <a:ext uri="{909E8E84-426E-40DD-AFC4-6F175D3DCCD1}">
+              <a14:hiddenFill xmlns:a14="http://schemas.microsoft.com/office/drawing/2010/main">
+                <a:solidFill>
+                  <a:schemeClr val="accent1"/>
+                </a:solidFill>
+              </a14:hiddenFill>
+            </a:ext>
+            <a:ext uri="{91240B29-F687-4F45-9708-019B960494DF}">
+              <a14:hiddenLine xmlns:a14="http://schemas.microsoft.com/office/drawing/2010/main" w="9525">
+                <a:solidFill>
+                  <a:schemeClr val="tx1"/>
+                </a:solidFill>
+                <a:miter lim="800000"/>
+                <a:headEnd/>
+                <a:tailEnd/>
+              </a14:hiddenLine>
+            </a:ext>
+          </a:extLst>
+        </p:spPr>
+      </p:pic>
+      <p:sp>
+        <p:nvSpPr>
+          <p:cNvPr id="6" name="TextBox 5"/>
+          <p:cNvSpPr txBox="1"/>
+          <p:nvPr/>
+        </p:nvSpPr>
+        <p:spPr>
+          <a:xfrm>
+            <a:off x="6400800" y="6027139"/>
+            <a:ext cx="2169184" cy="246221"/>
+          </a:xfrm>
+          <a:prstGeom prst="rect">
+            <a:avLst/>
+          </a:prstGeom>
+          <a:noFill/>
+        </p:spPr>
+        <p:txBody>
+          <a:bodyPr wrap="none" rtlCol="0">
+            <a:spAutoFit/>
+          </a:bodyPr>
+          <a:lstStyle/>
+          <a:p>
+            <a:pPr algn="r"/>
+            <a:r>
+              <a:rPr lang="ro-RO" sz="1000" dirty="0" smtClean="0">
+                <a:solidFill>
+                  <a:schemeClr val="bg1">
+                    <a:lumMod val="75000"/>
+                  </a:schemeClr>
+                </a:solidFill>
+              </a:rPr>
+              <a:t>[</a:t>
+            </a:r>
+            <a:r>
+              <a:rPr lang="en-US" sz="1000" dirty="0" smtClean="0">
+                <a:solidFill>
+                  <a:schemeClr val="bg1">
+                    <a:lumMod val="75000"/>
+                  </a:schemeClr>
+                </a:solidFill>
+              </a:rPr>
+              <a:t>show code: Biorhythm inheritance</a:t>
+            </a:r>
+            <a:r>
+              <a:rPr lang="ro-RO" sz="1000" dirty="0" smtClean="0">
+                <a:solidFill>
+                  <a:schemeClr val="bg1">
+                    <a:lumMod val="75000"/>
+                  </a:schemeClr>
+                </a:solidFill>
+              </a:rPr>
+              <a:t>]</a:t>
+            </a:r>
+            <a:endParaRPr lang="en-US" sz="1000" dirty="0">
+              <a:solidFill>
+                <a:schemeClr val="bg1">
+                  <a:lumMod val="75000"/>
+                </a:schemeClr>
+              </a:solidFill>
+            </a:endParaRPr>
+          </a:p>
+        </p:txBody>
+      </p:sp>
+    </p:spTree>
+    <p:extLst>
+      <p:ext uri="{BB962C8B-B14F-4D97-AF65-F5344CB8AC3E}">
+        <p14:creationId xmlns:p14="http://schemas.microsoft.com/office/powerpoint/2010/main" val="1830154489"/>
+      </p:ext>
+    </p:extLst>
+  </p:cSld>
+  <p:clrMapOvr>
+    <a:masterClrMapping/>
+  </p:clrMapOvr>
+  <p:timing>
+    <p:tnLst>
+      <p:par>
+        <p:cTn id="1" dur="indefinite" restart="never" nodeType="tmRoot"/>
+      </p:par>
+    </p:tnLst>
+  </p:timing>
+</p:sld>
+</file>
+
+<file path=ppt/slides/slide2.xml><?xml version="1.0" encoding="utf-8"?>
+<p:sld xmlns:a="http://schemas.openxmlformats.org/drawingml/2006/main" xmlns:r="http://schemas.openxmlformats.org/officeDocument/2006/relationships" xmlns:p="http://schemas.openxmlformats.org/presentationml/2006/main">
+  <p:cSld>
+    <p:spTree>
+      <p:nvGrpSpPr>
+        <p:cNvPr id="1" name=""/>
+        <p:cNvGrpSpPr/>
+        <p:nvPr/>
+      </p:nvGrpSpPr>
+      <p:grpSpPr>
+        <a:xfrm>
+          <a:off x="0" y="0"/>
+          <a:ext cx="0" cy="0"/>
+          <a:chOff x="0" y="0"/>
+          <a:chExt cx="0" cy="0"/>
+        </a:xfrm>
+      </p:grpSpPr>
+      <p:sp>
+        <p:nvSpPr>
+          <p:cNvPr id="5122" name="Title 1"/>
+          <p:cNvSpPr>
+            <a:spLocks noGrp="1"/>
+          </p:cNvSpPr>
+          <p:nvPr>
+            <p:ph type="title"/>
+          </p:nvPr>
+        </p:nvSpPr>
+        <p:spPr>
+          <a:xfrm>
+            <a:off x="2286000" y="228600"/>
+            <a:ext cx="6400800" cy="563562"/>
+          </a:xfrm>
+        </p:spPr>
+        <p:txBody>
+          <a:bodyPr/>
+          <a:lstStyle/>
+          <a:p>
+            <a:r>
+              <a:rPr lang="en-US" altLang="en-US" sz="2400" dirty="0" smtClean="0"/>
+              <a:t>Agenda</a:t>
+            </a:r>
+          </a:p>
+        </p:txBody>
+      </p:sp>
+      <p:sp>
+        <p:nvSpPr>
+          <p:cNvPr id="5123" name="Content Placeholder 2"/>
+          <p:cNvSpPr>
+            <a:spLocks noGrp="1"/>
+          </p:cNvSpPr>
+          <p:nvPr>
+            <p:ph idx="1"/>
+          </p:nvPr>
+        </p:nvSpPr>
+        <p:spPr>
+          <a:xfrm>
+            <a:off x="2286000" y="1600200"/>
+            <a:ext cx="5257800" cy="4267200"/>
+          </a:xfrm>
+        </p:spPr>
+        <p:txBody>
+          <a:bodyPr/>
+          <a:lstStyle/>
+          <a:p>
+            <a:r>
+              <a:rPr lang="ro-RO" altLang="en-US" sz="2400" b="1" dirty="0" smtClean="0"/>
+              <a:t>Introduction</a:t>
+            </a:r>
+            <a:endParaRPr lang="en-US" altLang="en-US" sz="2400" b="1" dirty="0" smtClean="0"/>
+          </a:p>
+          <a:p>
+            <a:endParaRPr lang="ro-RO" altLang="en-US" sz="2400" dirty="0" smtClean="0"/>
+          </a:p>
+          <a:p>
+            <a:r>
+              <a:rPr lang="ro-RO" altLang="en-US" sz="2400" dirty="0" smtClean="0"/>
+              <a:t>BioCalc Application</a:t>
+            </a:r>
+            <a:endParaRPr lang="ro-RO" altLang="en-US" sz="2400" dirty="0"/>
+          </a:p>
+          <a:p>
+            <a:endParaRPr lang="ro-RO" altLang="en-US" sz="2400" dirty="0" smtClean="0"/>
+          </a:p>
+          <a:p>
+            <a:r>
+              <a:rPr lang="ro-RO" altLang="en-US" sz="2400" dirty="0" smtClean="0"/>
+              <a:t>Inheritance</a:t>
+            </a:r>
+            <a:endParaRPr lang="en-US" altLang="en-US" sz="2400" dirty="0" smtClean="0"/>
+          </a:p>
+          <a:p>
+            <a:endParaRPr lang="en-US" altLang="en-US" sz="2400" dirty="0"/>
+          </a:p>
+          <a:p>
+            <a:r>
+              <a:rPr lang="en-US" altLang="en-US" sz="2400" dirty="0" smtClean="0"/>
+              <a:t>Public, Private, Protected</a:t>
+            </a:r>
+          </a:p>
+          <a:p>
+            <a:endParaRPr lang="en-US" altLang="en-US" sz="2400" dirty="0" smtClean="0"/>
+          </a:p>
+          <a:p>
+            <a:r>
+              <a:rPr lang="ro-RO" altLang="en-US" sz="2400" dirty="0" smtClean="0"/>
+              <a:t>Adapter Pattern</a:t>
+            </a:r>
+          </a:p>
+        </p:txBody>
+      </p:sp>
+    </p:spTree>
+  </p:cSld>
+  <p:clrMapOvr>
+    <a:masterClrMapping/>
+  </p:clrMapOvr>
+  <p:timing>
+    <p:tnLst>
+      <p:par>
+        <p:cTn id="1" dur="indefinite" restart="never" nodeType="tmRoot"/>
+      </p:par>
+    </p:tnLst>
+  </p:timing>
+</p:sld>
+</file>
+
+<file path=ppt/slides/slide20.xml><?xml version="1.0" encoding="utf-8"?>
+<p:sld xmlns:a="http://schemas.openxmlformats.org/drawingml/2006/main" xmlns:r="http://schemas.openxmlformats.org/officeDocument/2006/relationships" xmlns:p="http://schemas.openxmlformats.org/presentationml/2006/main">
+  <p:cSld>
+    <p:spTree>
+      <p:nvGrpSpPr>
+        <p:cNvPr id="1" name=""/>
+        <p:cNvGrpSpPr/>
+        <p:nvPr/>
+      </p:nvGrpSpPr>
+      <p:grpSpPr>
+        <a:xfrm>
+          <a:off x="0" y="0"/>
+          <a:ext cx="0" cy="0"/>
+          <a:chOff x="0" y="0"/>
+          <a:chExt cx="0" cy="0"/>
+        </a:xfrm>
+      </p:grpSpPr>
+      <p:sp>
+        <p:nvSpPr>
+          <p:cNvPr id="5122" name="Title 1"/>
+          <p:cNvSpPr>
+            <a:spLocks noGrp="1"/>
+          </p:cNvSpPr>
+          <p:nvPr>
+            <p:ph type="title"/>
+          </p:nvPr>
+        </p:nvSpPr>
+        <p:spPr>
+          <a:xfrm>
+            <a:off x="2286000" y="228600"/>
+            <a:ext cx="6400800" cy="563562"/>
+          </a:xfrm>
+        </p:spPr>
+        <p:txBody>
+          <a:bodyPr/>
+          <a:lstStyle/>
+          <a:p>
+            <a:r>
+              <a:rPr lang="en-US" altLang="en-US" sz="2400" dirty="0" smtClean="0"/>
+              <a:t>Agenda</a:t>
+            </a:r>
+          </a:p>
+        </p:txBody>
+      </p:sp>
+      <p:sp>
+        <p:nvSpPr>
+          <p:cNvPr id="5123" name="Content Placeholder 2"/>
+          <p:cNvSpPr>
+            <a:spLocks noGrp="1"/>
+          </p:cNvSpPr>
+          <p:nvPr>
+            <p:ph idx="1"/>
+          </p:nvPr>
+        </p:nvSpPr>
+        <p:spPr>
+          <a:xfrm>
+            <a:off x="2286000" y="1600200"/>
+            <a:ext cx="5257800" cy="4267200"/>
+          </a:xfrm>
+        </p:spPr>
+        <p:txBody>
+          <a:bodyPr/>
+          <a:lstStyle/>
+          <a:p>
+            <a:r>
+              <a:rPr lang="ro-RO" altLang="en-US" sz="2400" dirty="0" smtClean="0"/>
+              <a:t>Introduction</a:t>
+            </a:r>
+            <a:endParaRPr lang="en-US" altLang="en-US" sz="2400" dirty="0" smtClean="0"/>
+          </a:p>
+          <a:p>
+            <a:endParaRPr lang="ro-RO" altLang="en-US" sz="2400" dirty="0" smtClean="0"/>
+          </a:p>
+          <a:p>
+            <a:r>
+              <a:rPr lang="ro-RO" altLang="en-US" sz="2400" dirty="0" smtClean="0"/>
+              <a:t>BioCalc Application</a:t>
+            </a:r>
+            <a:endParaRPr lang="ro-RO" altLang="en-US" sz="2400" dirty="0"/>
+          </a:p>
+          <a:p>
+            <a:endParaRPr lang="ro-RO" altLang="en-US" sz="2400" dirty="0" smtClean="0"/>
+          </a:p>
+          <a:p>
+            <a:r>
+              <a:rPr lang="ro-RO" altLang="en-US" sz="2400" dirty="0" smtClean="0"/>
+              <a:t>Inheritance</a:t>
+            </a:r>
+            <a:endParaRPr lang="en-US" altLang="en-US" sz="2400" dirty="0" smtClean="0"/>
+          </a:p>
+          <a:p>
+            <a:endParaRPr lang="en-US" altLang="en-US" sz="2400" dirty="0" smtClean="0"/>
+          </a:p>
+          <a:p>
+            <a:r>
+              <a:rPr lang="en-US" altLang="en-US" sz="2400" b="1" dirty="0"/>
+              <a:t>Public, </a:t>
+            </a:r>
+            <a:r>
+              <a:rPr lang="en-US" altLang="en-US" sz="2400" b="1" dirty="0" smtClean="0"/>
+              <a:t>Private</a:t>
+            </a:r>
+            <a:r>
+              <a:rPr lang="en-US" altLang="en-US" sz="2400" b="1" dirty="0"/>
+              <a:t>, </a:t>
+            </a:r>
+            <a:r>
+              <a:rPr lang="en-US" altLang="en-US" sz="2400" b="1" dirty="0" smtClean="0"/>
+              <a:t>Protected</a:t>
+            </a:r>
+            <a:endParaRPr lang="en-US" altLang="en-US" sz="2400" b="1" dirty="0"/>
+          </a:p>
+          <a:p>
+            <a:endParaRPr lang="en-US" altLang="en-US" sz="2400" b="1" dirty="0" smtClean="0"/>
+          </a:p>
+          <a:p>
+            <a:r>
+              <a:rPr lang="ro-RO" altLang="en-US" sz="2400" dirty="0" smtClean="0"/>
+              <a:t>Adapter Pattern</a:t>
+            </a:r>
+          </a:p>
+        </p:txBody>
+      </p:sp>
+    </p:spTree>
+    <p:extLst>
+      <p:ext uri="{BB962C8B-B14F-4D97-AF65-F5344CB8AC3E}">
+        <p14:creationId xmlns:p14="http://schemas.microsoft.com/office/powerpoint/2010/main" val="719981763"/>
+      </p:ext>
+    </p:extLst>
+  </p:cSld>
+  <p:clrMapOvr>
+    <a:masterClrMapping/>
+  </p:clrMapOvr>
+  <p:timing>
+    <p:tnLst>
+      <p:par>
+        <p:cTn id="1" dur="indefinite" restart="never" nodeType="tmRoot"/>
+      </p:par>
+    </p:tnLst>
+  </p:timing>
+</p:sld>
+</file>
+
+<file path=ppt/slides/slide21.xml><?xml version="1.0" encoding="utf-8"?>
+<p:sld xmlns:a="http://schemas.openxmlformats.org/drawingml/2006/main" xmlns:r="http://schemas.openxmlformats.org/officeDocument/2006/relationships" xmlns:p="http://schemas.openxmlformats.org/presentationml/2006/main">
+  <p:cSld>
+    <p:spTree>
+      <p:nvGrpSpPr>
+        <p:cNvPr id="1" name=""/>
+        <p:cNvGrpSpPr/>
+        <p:nvPr/>
+      </p:nvGrpSpPr>
+      <p:grpSpPr>
+        <a:xfrm>
+          <a:off x="0" y="0"/>
+          <a:ext cx="0" cy="0"/>
+          <a:chOff x="0" y="0"/>
+          <a:chExt cx="0" cy="0"/>
+        </a:xfrm>
+      </p:grpSpPr>
+      <p:sp>
+        <p:nvSpPr>
+          <p:cNvPr id="5122" name="Title 1"/>
+          <p:cNvSpPr>
+            <a:spLocks noGrp="1"/>
+          </p:cNvSpPr>
+          <p:nvPr>
+            <p:ph type="title"/>
+          </p:nvPr>
+        </p:nvSpPr>
+        <p:spPr>
+          <a:xfrm>
+            <a:off x="2286000" y="228600"/>
+            <a:ext cx="6400800" cy="563562"/>
+          </a:xfrm>
+        </p:spPr>
+        <p:txBody>
+          <a:bodyPr/>
+          <a:lstStyle/>
+          <a:p>
+            <a:r>
               <a:rPr lang="en-US" altLang="en-US" sz="2400" dirty="0"/>
               <a:t>P</a:t>
             </a:r>
@@ -8476,7 +9111,6 @@
               <a:rPr lang="en-US" altLang="en-US" sz="2400" dirty="0" smtClean="0"/>
               <a:t>ublic members</a:t>
             </a:r>
-            <a:endParaRPr lang="en-US" altLang="en-US" sz="2400" dirty="0" smtClean="0"/>
           </a:p>
         </p:txBody>
       </p:sp>
@@ -8729,7 +9363,7 @@
         </p:nvSpPr>
         <p:spPr>
           <a:xfrm>
-            <a:off x="6194952" y="5751566"/>
+            <a:off x="6553200" y="5883468"/>
             <a:ext cx="1978426" cy="246221"/>
           </a:xfrm>
           <a:prstGeom prst="rect">
@@ -8959,7 +9593,7 @@
 </p:sld>
 </file>
 
-<file path=ppt/slides/slide19.xml><?xml version="1.0" encoding="utf-8"?>
+<file path=ppt/slides/slide22.xml><?xml version="1.0" encoding="utf-8"?>
 <p:sld xmlns:a="http://schemas.openxmlformats.org/drawingml/2006/main" xmlns:r="http://schemas.openxmlformats.org/officeDocument/2006/relationships" xmlns:p="http://schemas.openxmlformats.org/presentationml/2006/main">
   <p:cSld>
     <p:spTree>
@@ -9000,7 +9634,6 @@
               <a:rPr lang="en-US" altLang="en-US" sz="2400" dirty="0" smtClean="0"/>
               <a:t>Private members</a:t>
             </a:r>
-            <a:endParaRPr lang="en-US" altLang="en-US" sz="2400" dirty="0" smtClean="0"/>
           </a:p>
         </p:txBody>
       </p:sp>
@@ -9221,7 +9854,7 @@
         <p:spPr>
           <a:xfrm>
             <a:off x="1295401" y="2404646"/>
-            <a:ext cx="3124199" cy="338554"/>
+            <a:ext cx="3733799" cy="338554"/>
           </a:xfrm>
           <a:prstGeom prst="rect">
             <a:avLst/>
@@ -9236,7 +9869,11 @@
           <a:p>
             <a:r>
               <a:rPr lang="en-US" sz="1600" dirty="0" smtClean="0"/>
-              <a:t>We cannot, but we can emulate.</a:t>
+              <a:t>We cannot, but we can </a:t>
+            </a:r>
+            <a:r>
+              <a:rPr lang="en-US" sz="1600" dirty="0" smtClean="0"/>
+              <a:t>emulate them.</a:t>
             </a:r>
             <a:endParaRPr lang="en-US" sz="1600" dirty="0" smtClean="0">
               <a:latin typeface="Courier New" panose="02070309020205020404" pitchFamily="49" charset="0"/>
@@ -9253,7 +9890,7 @@
         </p:nvSpPr>
         <p:spPr>
           <a:xfrm>
-            <a:off x="6170541" y="5756519"/>
+            <a:off x="6858000" y="5910466"/>
             <a:ext cx="1645002" cy="246221"/>
           </a:xfrm>
           <a:prstGeom prst="rect">
@@ -9463,7 +10100,7 @@
 </p:sld>
 </file>
 
-<file path=ppt/slides/slide2.xml><?xml version="1.0" encoding="utf-8"?>
+<file path=ppt/slides/slide23.xml><?xml version="1.0" encoding="utf-8"?>
 <p:sld xmlns:a="http://schemas.openxmlformats.org/drawingml/2006/main" xmlns:r="http://schemas.openxmlformats.org/officeDocument/2006/relationships" xmlns:p="http://schemas.openxmlformats.org/presentationml/2006/main">
   <p:cSld>
     <p:spTree>
@@ -9502,135 +10139,8 @@
           <a:p>
             <a:r>
               <a:rPr lang="en-US" altLang="en-US" sz="2400" dirty="0" smtClean="0"/>
-              <a:t>Agenda</a:t>
-            </a:r>
-          </a:p>
-        </p:txBody>
-      </p:sp>
-      <p:sp>
-        <p:nvSpPr>
-          <p:cNvPr id="5123" name="Content Placeholder 2"/>
-          <p:cNvSpPr>
-            <a:spLocks noGrp="1"/>
-          </p:cNvSpPr>
-          <p:nvPr>
-            <p:ph idx="1"/>
-          </p:nvPr>
-        </p:nvSpPr>
-        <p:spPr>
-          <a:xfrm>
-            <a:off x="2286000" y="1600200"/>
-            <a:ext cx="5257800" cy="4267200"/>
-          </a:xfrm>
-        </p:spPr>
-        <p:txBody>
-          <a:bodyPr/>
-          <a:lstStyle/>
-          <a:p>
-            <a:r>
-              <a:rPr lang="ro-RO" altLang="en-US" sz="2400" b="1" dirty="0" smtClean="0"/>
-              <a:t>Introduction</a:t>
-            </a:r>
-            <a:endParaRPr lang="en-US" altLang="en-US" sz="2400" b="1" dirty="0" smtClean="0"/>
-          </a:p>
-          <a:p>
-            <a:endParaRPr lang="ro-RO" altLang="en-US" sz="2400" dirty="0" smtClean="0"/>
-          </a:p>
-          <a:p>
-            <a:r>
-              <a:rPr lang="ro-RO" altLang="en-US" sz="2400" dirty="0" smtClean="0"/>
-              <a:t>BioCalc Application</a:t>
-            </a:r>
-            <a:endParaRPr lang="ro-RO" altLang="en-US" sz="2400" dirty="0"/>
-          </a:p>
-          <a:p>
-            <a:endParaRPr lang="ro-RO" altLang="en-US" sz="2400" dirty="0" smtClean="0"/>
-          </a:p>
-          <a:p>
-            <a:r>
-              <a:rPr lang="ro-RO" altLang="en-US" sz="2400" dirty="0" smtClean="0"/>
-              <a:t>Inheritance</a:t>
-            </a:r>
-            <a:endParaRPr lang="en-US" altLang="en-US" sz="2400" dirty="0" smtClean="0"/>
-          </a:p>
-          <a:p>
-            <a:endParaRPr lang="en-US" altLang="en-US" sz="2400" dirty="0"/>
-          </a:p>
-          <a:p>
-            <a:r>
-              <a:rPr lang="en-US" altLang="en-US" sz="2400" dirty="0" smtClean="0"/>
-              <a:t>Public, Private, Protected</a:t>
-            </a:r>
-            <a:endParaRPr lang="en-US" altLang="en-US" sz="2400" dirty="0" smtClean="0"/>
-          </a:p>
-          <a:p>
-            <a:endParaRPr lang="en-US" altLang="en-US" sz="2400" dirty="0" smtClean="0"/>
-          </a:p>
-          <a:p>
-            <a:r>
-              <a:rPr lang="ro-RO" altLang="en-US" sz="2400" dirty="0" smtClean="0"/>
-              <a:t>Adapter Pattern</a:t>
-            </a:r>
-          </a:p>
-        </p:txBody>
-      </p:sp>
-    </p:spTree>
-  </p:cSld>
-  <p:clrMapOvr>
-    <a:masterClrMapping/>
-  </p:clrMapOvr>
-  <p:timing>
-    <p:tnLst>
-      <p:par>
-        <p:cTn id="1" dur="indefinite" restart="never" nodeType="tmRoot"/>
-      </p:par>
-    </p:tnLst>
-  </p:timing>
-</p:sld>
-</file>
-
-<file path=ppt/slides/slide20.xml><?xml version="1.0" encoding="utf-8"?>
-<p:sld xmlns:a="http://schemas.openxmlformats.org/drawingml/2006/main" xmlns:r="http://schemas.openxmlformats.org/officeDocument/2006/relationships" xmlns:p="http://schemas.openxmlformats.org/presentationml/2006/main">
-  <p:cSld>
-    <p:spTree>
-      <p:nvGrpSpPr>
-        <p:cNvPr id="1" name=""/>
-        <p:cNvGrpSpPr/>
-        <p:nvPr/>
-      </p:nvGrpSpPr>
-      <p:grpSpPr>
-        <a:xfrm>
-          <a:off x="0" y="0"/>
-          <a:ext cx="0" cy="0"/>
-          <a:chOff x="0" y="0"/>
-          <a:chExt cx="0" cy="0"/>
-        </a:xfrm>
-      </p:grpSpPr>
-      <p:sp>
-        <p:nvSpPr>
-          <p:cNvPr id="5122" name="Title 1"/>
-          <p:cNvSpPr>
-            <a:spLocks noGrp="1"/>
-          </p:cNvSpPr>
-          <p:nvPr>
-            <p:ph type="title"/>
-          </p:nvPr>
-        </p:nvSpPr>
-        <p:spPr>
-          <a:xfrm>
-            <a:off x="2286000" y="228600"/>
-            <a:ext cx="6400800" cy="563562"/>
-          </a:xfrm>
-        </p:spPr>
-        <p:txBody>
-          <a:bodyPr/>
-          <a:lstStyle/>
-          <a:p>
-            <a:r>
-              <a:rPr lang="en-US" altLang="en-US" sz="2400" dirty="0" smtClean="0"/>
               <a:t>Protected members</a:t>
             </a:r>
-            <a:endParaRPr lang="en-US" altLang="en-US" sz="2400" dirty="0" smtClean="0"/>
           </a:p>
         </p:txBody>
       </p:sp>
@@ -10020,7 +10530,7 @@
 </p:sld>
 </file>
 
-<file path=ppt/slides/slide21.xml><?xml version="1.0" encoding="utf-8"?>
+<file path=ppt/slides/slide24.xml><?xml version="1.0" encoding="utf-8"?>
 <p:sld xmlns:a="http://schemas.openxmlformats.org/drawingml/2006/main" xmlns:r="http://schemas.openxmlformats.org/officeDocument/2006/relationships" xmlns:p="http://schemas.openxmlformats.org/presentationml/2006/main">
   <p:cSld>
     <p:spTree>
@@ -10061,7 +10571,6 @@
               <a:rPr lang="en-US" altLang="en-US" sz="2400" dirty="0" smtClean="0"/>
               <a:t>Alternative to private and protected members</a:t>
             </a:r>
-            <a:endParaRPr lang="en-US" altLang="en-US" sz="2400" dirty="0" smtClean="0"/>
           </a:p>
         </p:txBody>
       </p:sp>
@@ -10102,7 +10611,7 @@
         <p:spPr>
           <a:xfrm>
             <a:off x="1295400" y="2715161"/>
-            <a:ext cx="6172199" cy="1323439"/>
+            <a:ext cx="6172199" cy="1569660"/>
           </a:xfrm>
           <a:prstGeom prst="rect">
             <a:avLst/>
@@ -10117,16 +10626,41 @@
           <a:p>
             <a:r>
               <a:rPr lang="en-US" sz="1600" dirty="0" smtClean="0"/>
-              <a:t>Create all members as public and </a:t>
+              <a:t>1. Create </a:t>
+            </a:r>
+            <a:r>
+              <a:rPr lang="en-US" sz="1600" dirty="0" smtClean="0"/>
+              <a:t>all </a:t>
+            </a:r>
+            <a:r>
+              <a:rPr lang="en-US" sz="1600" dirty="0" smtClean="0"/>
+              <a:t>as public;</a:t>
+            </a:r>
+          </a:p>
+          <a:p>
+            <a:r>
+              <a:rPr lang="en-US" sz="1600" dirty="0" smtClean="0"/>
+              <a:t>2.</a:t>
+            </a:r>
+            <a:r>
+              <a:rPr lang="en-US" sz="1600" dirty="0" smtClean="0"/>
+              <a:t> Use </a:t>
+            </a:r>
+            <a:r>
+              <a:rPr lang="en-US" sz="1600" dirty="0" smtClean="0"/>
+              <a:t>a </a:t>
             </a:r>
             <a:r>
               <a:rPr lang="en-US" sz="1600" b="1" dirty="0" smtClean="0"/>
-              <a:t>use a naming convention </a:t>
+              <a:t>naming convention </a:t>
             </a:r>
             <a:r>
               <a:rPr lang="en-US" sz="1600" dirty="0" smtClean="0"/>
               <a:t>for “private” and “protected” ones.</a:t>
             </a:r>
+          </a:p>
+          <a:p>
+            <a:endParaRPr lang="en-US" sz="1600" dirty="0" smtClean="0"/>
           </a:p>
           <a:p>
             <a:endParaRPr lang="en-US" sz="1600" dirty="0"/>
@@ -10160,10 +10694,6 @@
               </a:rPr>
               <a:t>();</a:t>
             </a:r>
-            <a:endParaRPr lang="en-US" sz="1600" dirty="0" smtClean="0">
-              <a:latin typeface="Courier New" panose="02070309020205020404" pitchFamily="49" charset="0"/>
-              <a:cs typeface="Courier New" panose="02070309020205020404" pitchFamily="49" charset="0"/>
-            </a:endParaRPr>
           </a:p>
         </p:txBody>
       </p:sp>
@@ -10187,7 +10717,7 @@
 </p:sld>
 </file>
 
-<file path=ppt/slides/slide22.xml><?xml version="1.0" encoding="utf-8"?>
+<file path=ppt/slides/slide25.xml><?xml version="1.0" encoding="utf-8"?>
 <p:sld xmlns:a="http://schemas.openxmlformats.org/drawingml/2006/main" xmlns:r="http://schemas.openxmlformats.org/officeDocument/2006/relationships" xmlns:p="http://schemas.openxmlformats.org/presentationml/2006/main">
   <p:cSld>
     <p:spTree>
@@ -10228,7 +10758,6 @@
               <a:rPr lang="en-US" altLang="en-US" sz="2400" dirty="0" smtClean="0"/>
               <a:t>Public, Private, Protected</a:t>
             </a:r>
-            <a:endParaRPr lang="en-US" altLang="en-US" sz="2400" dirty="0" smtClean="0"/>
           </a:p>
         </p:txBody>
       </p:sp>
@@ -10444,7 +10973,7 @@
 </p:sld>
 </file>
 
-<file path=ppt/slides/slide23.xml><?xml version="1.0" encoding="utf-8"?>
+<file path=ppt/slides/slide26.xml><?xml version="1.0" encoding="utf-8"?>
 <p:sld xmlns:a="http://schemas.openxmlformats.org/drawingml/2006/main" xmlns:r="http://schemas.openxmlformats.org/officeDocument/2006/relationships" xmlns:p="http://schemas.openxmlformats.org/presentationml/2006/main">
   <p:cSld>
     <p:spTree>
@@ -10587,7 +11116,7 @@
 </p:sld>
 </file>
 
-<file path=ppt/slides/slide24.xml><?xml version="1.0" encoding="utf-8"?>
+<file path=ppt/slides/slide27.xml><?xml version="1.0" encoding="utf-8"?>
 <p:sld xmlns:a="http://schemas.openxmlformats.org/drawingml/2006/main" xmlns:r="http://schemas.openxmlformats.org/officeDocument/2006/relationships" xmlns:p="http://schemas.openxmlformats.org/presentationml/2006/main">
   <p:cSld>
     <p:spTree>
@@ -11067,10 +11596,6 @@
               </a:rPr>
               <a:t>}</a:t>
             </a:r>
-            <a:endParaRPr lang="en-US" sz="1200" dirty="0" smtClean="0">
-              <a:latin typeface="Courier New" panose="02070309020205020404" pitchFamily="49" charset="0"/>
-              <a:cs typeface="Courier New" panose="02070309020205020404" pitchFamily="49" charset="0"/>
-            </a:endParaRPr>
           </a:p>
         </p:txBody>
       </p:sp>
@@ -11237,10 +11762,6 @@
               </a:rPr>
               <a:t>}</a:t>
             </a:r>
-            <a:endParaRPr lang="en-US" sz="1200" dirty="0" smtClean="0">
-              <a:latin typeface="Courier New" panose="02070309020205020404" pitchFamily="49" charset="0"/>
-              <a:cs typeface="Courier New" panose="02070309020205020404" pitchFamily="49" charset="0"/>
-            </a:endParaRPr>
           </a:p>
         </p:txBody>
       </p:sp>
@@ -11274,10 +11795,6 @@
               </a:rPr>
               <a:t>We don’t have interfaces</a:t>
             </a:r>
-            <a:endParaRPr lang="en-US" sz="1200" dirty="0" smtClean="0">
-              <a:latin typeface="+mn-lt"/>
-              <a:cs typeface="Courier New" panose="02070309020205020404" pitchFamily="49" charset="0"/>
-            </a:endParaRPr>
           </a:p>
         </p:txBody>
       </p:sp>
@@ -11838,7 +12355,7 @@
 </p:sld>
 </file>
 
-<file path=ppt/slides/slide25.xml><?xml version="1.0" encoding="utf-8"?>
+<file path=ppt/slides/slide28.xml><?xml version="1.0" encoding="utf-8"?>
 <p:sld xmlns:a="http://schemas.openxmlformats.org/drawingml/2006/main" xmlns:r="http://schemas.openxmlformats.org/officeDocument/2006/relationships" xmlns:p="http://schemas.openxmlformats.org/presentationml/2006/main">
   <p:cSld>
     <p:spTree>
@@ -11973,17 +12490,7 @@
                   </a:schemeClr>
                 </a:solidFill>
               </a:rPr>
-              <a:t>show </a:t>
-            </a:r>
-            <a:r>
-              <a:rPr lang="en-US" sz="1000" dirty="0" smtClean="0">
-                <a:solidFill>
-                  <a:schemeClr val="bg1">
-                    <a:lumMod val="75000"/>
-                  </a:schemeClr>
-                </a:solidFill>
-              </a:rPr>
-              <a:t>code</a:t>
+              <a:t>show code</a:t>
             </a:r>
             <a:r>
               <a:rPr lang="ro-RO" sz="1000" dirty="0" smtClean="0">
@@ -12009,6 +12516,181 @@
     <p:extLst>
       <p:ext uri="{BB962C8B-B14F-4D97-AF65-F5344CB8AC3E}">
         <p14:creationId xmlns:p14="http://schemas.microsoft.com/office/powerpoint/2010/main" val="1408603848"/>
+      </p:ext>
+    </p:extLst>
+  </p:cSld>
+  <p:clrMapOvr>
+    <a:masterClrMapping/>
+  </p:clrMapOvr>
+  <p:timing>
+    <p:tnLst>
+      <p:par>
+        <p:cTn id="1" dur="indefinite" restart="never" nodeType="tmRoot"/>
+      </p:par>
+    </p:tnLst>
+  </p:timing>
+</p:sld>
+</file>
+
+<file path=ppt/slides/slide29.xml><?xml version="1.0" encoding="utf-8"?>
+<p:sld xmlns:a="http://schemas.openxmlformats.org/drawingml/2006/main" xmlns:r="http://schemas.openxmlformats.org/officeDocument/2006/relationships" xmlns:p="http://schemas.openxmlformats.org/presentationml/2006/main">
+  <p:cSld>
+    <p:spTree>
+      <p:nvGrpSpPr>
+        <p:cNvPr id="1" name=""/>
+        <p:cNvGrpSpPr/>
+        <p:nvPr/>
+      </p:nvGrpSpPr>
+      <p:grpSpPr>
+        <a:xfrm>
+          <a:off x="0" y="0"/>
+          <a:ext cx="0" cy="0"/>
+          <a:chOff x="0" y="0"/>
+          <a:chExt cx="0" cy="0"/>
+        </a:xfrm>
+      </p:grpSpPr>
+      <p:sp>
+        <p:nvSpPr>
+          <p:cNvPr id="2" name="Title 1"/>
+          <p:cNvSpPr>
+            <a:spLocks noGrp="1"/>
+          </p:cNvSpPr>
+          <p:nvPr>
+            <p:ph type="title"/>
+          </p:nvPr>
+        </p:nvSpPr>
+        <p:spPr/>
+        <p:txBody>
+          <a:bodyPr/>
+          <a:lstStyle/>
+          <a:p>
+            <a:r>
+              <a:rPr lang="en-US" sz="2400" dirty="0" smtClean="0"/>
+              <a:t>Links</a:t>
+            </a:r>
+            <a:endParaRPr lang="en-US" sz="2400" dirty="0"/>
+          </a:p>
+        </p:txBody>
+      </p:sp>
+      <p:sp>
+        <p:nvSpPr>
+          <p:cNvPr id="3" name="TextBox 2"/>
+          <p:cNvSpPr txBox="1"/>
+          <p:nvPr/>
+        </p:nvSpPr>
+        <p:spPr>
+          <a:xfrm>
+            <a:off x="2514600" y="2057400"/>
+            <a:ext cx="4275529" cy="2585323"/>
+          </a:xfrm>
+          <a:prstGeom prst="rect">
+            <a:avLst/>
+          </a:prstGeom>
+          <a:noFill/>
+        </p:spPr>
+        <p:txBody>
+          <a:bodyPr wrap="none" rtlCol="0">
+            <a:spAutoFit/>
+          </a:bodyPr>
+          <a:lstStyle/>
+          <a:p>
+            <a:r>
+              <a:rPr lang="en-US" dirty="0" smtClean="0"/>
+              <a:t>Wikipedia Biorhythm page:</a:t>
+            </a:r>
+          </a:p>
+          <a:p>
+            <a:r>
+              <a:rPr lang="en-US" dirty="0" smtClean="0">
+                <a:hlinkClick r:id="rId2"/>
+              </a:rPr>
+              <a:t>http</a:t>
+            </a:r>
+            <a:r>
+              <a:rPr lang="en-US" dirty="0">
+                <a:hlinkClick r:id="rId2"/>
+              </a:rPr>
+              <a:t>://</a:t>
+            </a:r>
+            <a:r>
+              <a:rPr lang="en-US" dirty="0" smtClean="0">
+                <a:hlinkClick r:id="rId2"/>
+              </a:rPr>
+              <a:t>en.wikipedia.org/wiki/Biorhythm</a:t>
+            </a:r>
+            <a:endParaRPr lang="en-US" dirty="0" smtClean="0"/>
+          </a:p>
+          <a:p>
+            <a:endParaRPr lang="en-US" dirty="0" smtClean="0"/>
+          </a:p>
+          <a:p>
+            <a:endParaRPr lang="en-US" dirty="0"/>
+          </a:p>
+          <a:p>
+            <a:endParaRPr lang="en-US" dirty="0"/>
+          </a:p>
+          <a:p>
+            <a:r>
+              <a:rPr lang="en-US" dirty="0" err="1" smtClean="0"/>
+              <a:t>BioCalc</a:t>
+            </a:r>
+            <a:r>
+              <a:rPr lang="en-US" dirty="0" smtClean="0"/>
+              <a:t> </a:t>
+            </a:r>
+            <a:r>
+              <a:rPr lang="en-US" dirty="0" err="1" smtClean="0"/>
+              <a:t>Github</a:t>
+            </a:r>
+            <a:r>
+              <a:rPr lang="en-US" dirty="0" smtClean="0"/>
+              <a:t> page:</a:t>
+            </a:r>
+          </a:p>
+          <a:p>
+            <a:r>
+              <a:rPr lang="en-US" dirty="0">
+                <a:hlinkClick r:id="rId3"/>
+              </a:rPr>
+              <a:t>https://</a:t>
+            </a:r>
+            <a:r>
+              <a:rPr lang="en-US" dirty="0" smtClean="0">
+                <a:hlinkClick r:id="rId3"/>
+              </a:rPr>
+              <a:t>github.com/lastunicorn/BioCalcJs</a:t>
+            </a:r>
+            <a:endParaRPr lang="en-US" dirty="0" smtClean="0"/>
+          </a:p>
+          <a:p>
+            <a:r>
+              <a:rPr lang="en-US" dirty="0" smtClean="0"/>
+              <a:t>or</a:t>
+            </a:r>
+          </a:p>
+          <a:p>
+            <a:r>
+              <a:rPr lang="en-US" dirty="0" smtClean="0">
+                <a:hlinkClick r:id="rId4"/>
+              </a:rPr>
+              <a:t>http://github.com</a:t>
+            </a:r>
+            <a:r>
+              <a:rPr lang="en-US" dirty="0" smtClean="0"/>
+              <a:t> -&gt; search for </a:t>
+            </a:r>
+            <a:r>
+              <a:rPr lang="en-US" dirty="0" err="1" smtClean="0"/>
+              <a:t>BioCalc</a:t>
+            </a:r>
+            <a:endParaRPr lang="en-US" dirty="0" smtClean="0"/>
+          </a:p>
+        </p:txBody>
+      </p:sp>
+    </p:spTree>
+    <p:extLst>
+      <p:ext uri="{BB962C8B-B14F-4D97-AF65-F5344CB8AC3E}">
+        <p14:creationId xmlns:p14="http://schemas.microsoft.com/office/powerpoint/2010/main" val="475278987"/>
       </p:ext>
     </p:extLst>
   </p:cSld>
@@ -13101,6 +13783,123 @@
 </p:sld>
 </file>
 
+<file path=ppt/slides/slide30.xml><?xml version="1.0" encoding="utf-8"?>
+<p:sld xmlns:a="http://schemas.openxmlformats.org/drawingml/2006/main" xmlns:r="http://schemas.openxmlformats.org/officeDocument/2006/relationships" xmlns:p="http://schemas.openxmlformats.org/presentationml/2006/main">
+  <p:cSld>
+    <p:spTree>
+      <p:nvGrpSpPr>
+        <p:cNvPr id="1" name=""/>
+        <p:cNvGrpSpPr/>
+        <p:nvPr/>
+      </p:nvGrpSpPr>
+      <p:grpSpPr>
+        <a:xfrm>
+          <a:off x="0" y="0"/>
+          <a:ext cx="0" cy="0"/>
+          <a:chOff x="0" y="0"/>
+          <a:chExt cx="0" cy="0"/>
+        </a:xfrm>
+      </p:grpSpPr>
+      <p:pic>
+        <p:nvPicPr>
+          <p:cNvPr id="4" name="Picture 3"/>
+          <p:cNvPicPr>
+            <a:picLocks noChangeAspect="1"/>
+          </p:cNvPicPr>
+          <p:nvPr/>
+        </p:nvPicPr>
+        <p:blipFill>
+          <a:blip r:embed="rId2">
+            <a:extLst>
+              <a:ext uri="{BEBA8EAE-BF5A-486C-A8C5-ECC9F3942E4B}">
+                <a14:imgProps xmlns:a14="http://schemas.microsoft.com/office/drawing/2010/main">
+                  <a14:imgLayer r:embed="rId3">
+                    <a14:imgEffect>
+                      <a14:artisticCutout/>
+                    </a14:imgEffect>
+                  </a14:imgLayer>
+                </a14:imgProps>
+              </a:ext>
+              <a:ext uri="{28A0092B-C50C-407E-A947-70E740481C1C}">
+                <a14:useLocalDpi xmlns:a14="http://schemas.microsoft.com/office/drawing/2010/main" val="0"/>
+              </a:ext>
+            </a:extLst>
+          </a:blip>
+          <a:stretch>
+            <a:fillRect/>
+          </a:stretch>
+        </p:blipFill>
+        <p:spPr>
+          <a:xfrm>
+            <a:off x="0" y="-549681"/>
+            <a:ext cx="9144000" cy="8058624"/>
+          </a:xfrm>
+          <a:prstGeom prst="rect">
+            <a:avLst/>
+          </a:prstGeom>
+        </p:spPr>
+      </p:pic>
+      <p:sp>
+        <p:nvSpPr>
+          <p:cNvPr id="3" name="TextBox 2"/>
+          <p:cNvSpPr txBox="1"/>
+          <p:nvPr/>
+        </p:nvSpPr>
+        <p:spPr>
+          <a:xfrm>
+            <a:off x="3433273" y="2971799"/>
+            <a:ext cx="2129109" cy="1015663"/>
+          </a:xfrm>
+          <a:prstGeom prst="rect">
+            <a:avLst/>
+          </a:prstGeom>
+          <a:noFill/>
+          <a:effectLst>
+            <a:outerShdw blurRad="50800" dist="38100" dir="2700000" algn="tl" rotWithShape="0">
+              <a:schemeClr val="bg1">
+                <a:alpha val="40000"/>
+              </a:schemeClr>
+            </a:outerShdw>
+          </a:effectLst>
+        </p:spPr>
+        <p:txBody>
+          <a:bodyPr wrap="none" rtlCol="0">
+            <a:spAutoFit/>
+          </a:bodyPr>
+          <a:lstStyle/>
+          <a:p>
+            <a:r>
+              <a:rPr lang="en-US" sz="6000" b="1" dirty="0" smtClean="0">
+                <a:latin typeface="Blackadder ITC" panose="04020505051007020D02" pitchFamily="82" charset="0"/>
+              </a:rPr>
+              <a:t>The end</a:t>
+            </a:r>
+            <a:endParaRPr lang="en-US" sz="6000" b="1" dirty="0" smtClean="0">
+              <a:latin typeface="Blackadder ITC" panose="04020505051007020D02" pitchFamily="82" charset="0"/>
+            </a:endParaRPr>
+          </a:p>
+        </p:txBody>
+      </p:sp>
+    </p:spTree>
+    <p:extLst>
+      <p:ext uri="{BB962C8B-B14F-4D97-AF65-F5344CB8AC3E}">
+        <p14:creationId xmlns:p14="http://schemas.microsoft.com/office/powerpoint/2010/main" val="3873180793"/>
+      </p:ext>
+    </p:extLst>
+  </p:cSld>
+  <p:clrMapOvr>
+    <a:masterClrMapping/>
+  </p:clrMapOvr>
+  <p:timing>
+    <p:tnLst>
+      <p:par>
+        <p:cTn id="1" dur="indefinite" restart="never" nodeType="tmRoot"/>
+      </p:par>
+    </p:tnLst>
+  </p:timing>
+</p:sld>
+</file>
+
 <file path=ppt/slides/slide4.xml><?xml version="1.0" encoding="utf-8"?>
 <p:sld xmlns:a="http://schemas.openxmlformats.org/drawingml/2006/main" xmlns:r="http://schemas.openxmlformats.org/officeDocument/2006/relationships" xmlns:p="http://schemas.openxmlformats.org/presentationml/2006/main">
   <p:cSld>
@@ -13211,7 +14010,6 @@
               <a:rPr lang="en-US" altLang="en-US" sz="2400" dirty="0" smtClean="0"/>
               <a:t>Protected</a:t>
             </a:r>
-            <a:endParaRPr lang="en-US" altLang="en-US" sz="2400" dirty="0" smtClean="0"/>
           </a:p>
           <a:p>
             <a:endParaRPr lang="en-US" altLang="en-US" sz="2400" dirty="0" smtClean="0"/>
@@ -13623,11 +14421,7 @@
           <a:p>
             <a:r>
               <a:rPr lang="ro-RO" altLang="en-US" sz="2400" dirty="0" smtClean="0"/>
-              <a:t>BioCalc </a:t>
-            </a:r>
-            <a:r>
-              <a:rPr lang="ro-RO" altLang="en-US" sz="2400" dirty="0" smtClean="0"/>
-              <a:t>Application</a:t>
+              <a:t>BioCalc Application</a:t>
             </a:r>
             <a:r>
               <a:rPr lang="en-US" altLang="en-US" sz="2400" dirty="0" smtClean="0"/>
@@ -13641,7 +14435,6 @@
               <a:rPr lang="en-US" altLang="en-US" sz="2400" dirty="0" smtClean="0"/>
               <a:t> Project</a:t>
             </a:r>
-            <a:endParaRPr lang="en-US" altLang="en-US" sz="2400" dirty="0" smtClean="0"/>
           </a:p>
         </p:txBody>
       </p:sp>
@@ -13938,7 +14731,7 @@
       </p:grpSpPr>
       <p:sp>
         <p:nvSpPr>
-          <p:cNvPr id="5122" name="Title 1"/>
+          <p:cNvPr id="6146" name="Title 1"/>
           <p:cNvSpPr>
             <a:spLocks noGrp="1"/>
           </p:cNvSpPr>
@@ -13957,15 +14750,20 @@
           <a:lstStyle/>
           <a:p>
             <a:r>
-              <a:rPr lang="en-US" altLang="en-US" sz="2400" dirty="0" smtClean="0"/>
-              <a:t>Agenda</a:t>
-            </a:r>
+              <a:rPr lang="ro-RO" altLang="en-US" sz="2400" dirty="0" smtClean="0"/>
+              <a:t>BioCalc </a:t>
+            </a:r>
+            <a:r>
+              <a:rPr lang="ro-RO" altLang="en-US" sz="2400" dirty="0" smtClean="0"/>
+              <a:t>Application</a:t>
+            </a:r>
+            <a:endParaRPr lang="en-US" altLang="en-US" sz="2400" dirty="0" smtClean="0"/>
           </a:p>
         </p:txBody>
       </p:sp>
       <p:sp>
         <p:nvSpPr>
-          <p:cNvPr id="5123" name="Content Placeholder 2"/>
+          <p:cNvPr id="6" name="Content Placeholder 1"/>
           <p:cNvSpPr>
             <a:spLocks noGrp="1"/>
           </p:cNvSpPr>
@@ -13975,77 +14773,81 @@
         </p:nvSpPr>
         <p:spPr>
           <a:xfrm>
-            <a:off x="2286000" y="1600200"/>
-            <a:ext cx="5257800" cy="4267200"/>
+            <a:off x="990600" y="1676400"/>
+            <a:ext cx="7010400" cy="533400"/>
           </a:xfrm>
         </p:spPr>
         <p:txBody>
           <a:bodyPr/>
           <a:lstStyle/>
           <a:p>
-            <a:r>
-              <a:rPr lang="ro-RO" altLang="en-US" sz="2400" dirty="0" smtClean="0"/>
-              <a:t>Introduction</a:t>
-            </a:r>
-            <a:endParaRPr lang="en-US" altLang="en-US" sz="2400" dirty="0" smtClean="0"/>
-          </a:p>
-          <a:p>
-            <a:endParaRPr lang="ro-RO" altLang="en-US" sz="2400" dirty="0" smtClean="0"/>
-          </a:p>
-          <a:p>
-            <a:r>
-              <a:rPr lang="ro-RO" altLang="en-US" sz="2400" dirty="0" smtClean="0"/>
-              <a:t>BioCalc Application</a:t>
-            </a:r>
-            <a:endParaRPr lang="ro-RO" altLang="en-US" sz="2400" dirty="0"/>
-          </a:p>
-          <a:p>
-            <a:endParaRPr lang="ro-RO" altLang="en-US" sz="2400" dirty="0" smtClean="0"/>
-          </a:p>
-          <a:p>
-            <a:r>
-              <a:rPr lang="ro-RO" altLang="en-US" sz="2400" b="1" dirty="0" smtClean="0"/>
-              <a:t>Inheritance</a:t>
-            </a:r>
-            <a:endParaRPr lang="en-US" altLang="en-US" sz="2400" b="1" dirty="0" smtClean="0"/>
-          </a:p>
-          <a:p>
-            <a:endParaRPr lang="en-US" altLang="en-US" sz="2400" dirty="0" smtClean="0"/>
-          </a:p>
-          <a:p>
-            <a:r>
-              <a:rPr lang="en-US" altLang="en-US" sz="2400" dirty="0"/>
-              <a:t>Public, </a:t>
-            </a:r>
-            <a:r>
-              <a:rPr lang="en-US" altLang="en-US" sz="2400" dirty="0" smtClean="0"/>
-              <a:t>Private</a:t>
-            </a:r>
-            <a:r>
-              <a:rPr lang="en-US" altLang="en-US" sz="2400" dirty="0"/>
-              <a:t>, </a:t>
-            </a:r>
-            <a:r>
-              <a:rPr lang="en-US" altLang="en-US" sz="2400" dirty="0" smtClean="0"/>
-              <a:t>Protected</a:t>
-            </a:r>
-            <a:endParaRPr lang="en-US" altLang="en-US" sz="2400" dirty="0"/>
-          </a:p>
-          <a:p>
-            <a:endParaRPr lang="en-US" altLang="en-US" sz="2400" dirty="0" smtClean="0"/>
-          </a:p>
-          <a:p>
-            <a:r>
-              <a:rPr lang="ro-RO" altLang="en-US" sz="2400" dirty="0" smtClean="0"/>
-              <a:t>Adapter Pattern</a:t>
-            </a:r>
+            <a:pPr lvl="0"/>
+            <a:r>
+              <a:rPr lang="en-US" dirty="0" smtClean="0"/>
+              <a:t>The Biorhythms hierarchy</a:t>
+            </a:r>
+            <a:endParaRPr lang="en-US" dirty="0"/>
           </a:p>
         </p:txBody>
       </p:sp>
+      <p:pic>
+        <p:nvPicPr>
+          <p:cNvPr id="7170" name="Picture 2"/>
+          <p:cNvPicPr>
+            <a:picLocks noChangeAspect="1" noChangeArrowheads="1"/>
+          </p:cNvPicPr>
+          <p:nvPr/>
+        </p:nvPicPr>
+        <p:blipFill>
+          <a:blip r:embed="rId2">
+            <a:extLst>
+              <a:ext uri="{28A0092B-C50C-407E-A947-70E740481C1C}">
+                <a14:useLocalDpi xmlns:a14="http://schemas.microsoft.com/office/drawing/2010/main" val="0"/>
+              </a:ext>
+            </a:extLst>
+          </a:blip>
+          <a:srcRect/>
+          <a:stretch>
+            <a:fillRect/>
+          </a:stretch>
+        </p:blipFill>
+        <p:spPr bwMode="auto">
+          <a:xfrm>
+            <a:off x="1466850" y="2590800"/>
+            <a:ext cx="6210300" cy="2714625"/>
+          </a:xfrm>
+          <a:prstGeom prst="rect">
+            <a:avLst/>
+          </a:prstGeom>
+          <a:noFill/>
+          <a:ln>
+            <a:noFill/>
+          </a:ln>
+          <a:extLst>
+            <a:ext uri="{909E8E84-426E-40DD-AFC4-6F175D3DCCD1}">
+              <a14:hiddenFill xmlns:a14="http://schemas.microsoft.com/office/drawing/2010/main">
+                <a:solidFill>
+                  <a:schemeClr val="accent1"/>
+                </a:solidFill>
+              </a14:hiddenFill>
+            </a:ext>
+            <a:ext uri="{91240B29-F687-4F45-9708-019B960494DF}">
+              <a14:hiddenLine xmlns:a14="http://schemas.microsoft.com/office/drawing/2010/main" w="9525">
+                <a:solidFill>
+                  <a:schemeClr val="tx1"/>
+                </a:solidFill>
+                <a:miter lim="800000"/>
+                <a:headEnd/>
+                <a:tailEnd/>
+              </a14:hiddenLine>
+            </a:ext>
+          </a:extLst>
+        </p:spPr>
+      </p:pic>
     </p:spTree>
     <p:extLst>
       <p:ext uri="{BB962C8B-B14F-4D97-AF65-F5344CB8AC3E}">
-        <p14:creationId xmlns:p14="http://schemas.microsoft.com/office/powerpoint/2010/main" val="3084669641"/>
+        <p14:creationId xmlns:p14="http://schemas.microsoft.com/office/powerpoint/2010/main" val="539437025"/>
       </p:ext>
     </p:extLst>
   </p:cSld>
@@ -14100,20 +14902,15 @@
           <a:lstStyle/>
           <a:p>
             <a:r>
-              <a:rPr lang="ro-RO" altLang="en-US" sz="2400" dirty="0" smtClean="0"/>
-              <a:t>Inheritance </a:t>
-            </a:r>
-            <a:r>
-              <a:rPr lang="ro-RO" altLang="en-US" sz="2400" dirty="0" smtClean="0"/>
-              <a:t>– basic</a:t>
-            </a:r>
-            <a:endParaRPr lang="en-US" altLang="en-US" sz="2400" dirty="0" smtClean="0"/>
+              <a:rPr lang="en-US" altLang="en-US" sz="2400" dirty="0" smtClean="0"/>
+              <a:t>Agenda</a:t>
+            </a:r>
           </a:p>
         </p:txBody>
       </p:sp>
       <p:sp>
         <p:nvSpPr>
-          <p:cNvPr id="8" name="Content Placeholder 2"/>
+          <p:cNvPr id="5123" name="Content Placeholder 2"/>
           <p:cNvSpPr>
             <a:spLocks noGrp="1"/>
           </p:cNvSpPr>
@@ -14123,8 +14920,8 @@
         </p:nvSpPr>
         <p:spPr>
           <a:xfrm>
-            <a:off x="685800" y="1371600"/>
-            <a:ext cx="6172200" cy="1143000"/>
+            <a:off x="2286000" y="1600200"/>
+            <a:ext cx="5257800" cy="4267200"/>
           </a:xfrm>
         </p:spPr>
         <p:txBody>
@@ -14133,91 +14930,67 @@
           <a:p>
             <a:r>
               <a:rPr lang="ro-RO" altLang="en-US" sz="2400" dirty="0" smtClean="0"/>
-              <a:t>Create two functions (</a:t>
-            </a:r>
-            <a:r>
-              <a:rPr lang="ro-RO" altLang="en-US" sz="2400" dirty="0" smtClean="0">
-                <a:latin typeface="Courier New" panose="02070309020205020404" pitchFamily="49" charset="0"/>
-                <a:cs typeface="Courier New" panose="02070309020205020404" pitchFamily="49" charset="0"/>
-              </a:rPr>
-              <a:t>Animal</a:t>
-            </a:r>
+              <a:t>Introduction</a:t>
+            </a:r>
+            <a:endParaRPr lang="en-US" altLang="en-US" sz="2400" dirty="0" smtClean="0"/>
+          </a:p>
+          <a:p>
+            <a:endParaRPr lang="ro-RO" altLang="en-US" sz="2400" dirty="0" smtClean="0"/>
+          </a:p>
+          <a:p>
             <a:r>
               <a:rPr lang="ro-RO" altLang="en-US" sz="2400" dirty="0" smtClean="0"/>
-              <a:t> and </a:t>
-            </a:r>
-            <a:r>
-              <a:rPr lang="ro-RO" altLang="en-US" sz="2400" dirty="0" smtClean="0">
-                <a:latin typeface="Courier New" panose="02070309020205020404" pitchFamily="49" charset="0"/>
-                <a:cs typeface="Courier New" panose="02070309020205020404" pitchFamily="49" charset="0"/>
-              </a:rPr>
-              <a:t>Dog</a:t>
-            </a:r>
+              <a:t>BioCalc Application</a:t>
+            </a:r>
+            <a:endParaRPr lang="ro-RO" altLang="en-US" sz="2400" dirty="0"/>
+          </a:p>
+          <a:p>
+            <a:endParaRPr lang="ro-RO" altLang="en-US" sz="2400" dirty="0" smtClean="0"/>
+          </a:p>
+          <a:p>
+            <a:r>
+              <a:rPr lang="ro-RO" altLang="en-US" sz="2400" b="1" dirty="0" smtClean="0"/>
+              <a:t>Inheritance</a:t>
+            </a:r>
+            <a:endParaRPr lang="en-US" altLang="en-US" sz="2400" b="1" dirty="0" smtClean="0"/>
+          </a:p>
+          <a:p>
+            <a:endParaRPr lang="en-US" altLang="en-US" sz="2400" dirty="0" smtClean="0"/>
+          </a:p>
+          <a:p>
+            <a:r>
+              <a:rPr lang="en-US" altLang="en-US" sz="2400" dirty="0"/>
+              <a:t>Public, </a:t>
+            </a:r>
+            <a:r>
+              <a:rPr lang="en-US" altLang="en-US" sz="2400" dirty="0" smtClean="0"/>
+              <a:t>Private</a:t>
+            </a:r>
+            <a:r>
+              <a:rPr lang="en-US" altLang="en-US" sz="2400" dirty="0"/>
+              <a:t>, </a:t>
+            </a:r>
+            <a:r>
+              <a:rPr lang="en-US" altLang="en-US" sz="2400" dirty="0" smtClean="0"/>
+              <a:t>Protected</a:t>
+            </a:r>
+            <a:endParaRPr lang="en-US" altLang="en-US" sz="2400" dirty="0"/>
+          </a:p>
+          <a:p>
+            <a:endParaRPr lang="en-US" altLang="en-US" sz="2400" dirty="0" smtClean="0"/>
+          </a:p>
+          <a:p>
             <a:r>
               <a:rPr lang="ro-RO" altLang="en-US" sz="2400" dirty="0" smtClean="0"/>
-              <a:t>)</a:t>
+              <a:t>Adapter Pattern</a:t>
             </a:r>
           </a:p>
         </p:txBody>
       </p:sp>
-      <p:pic>
-        <p:nvPicPr>
-          <p:cNvPr id="3074" name="Picture 2"/>
-          <p:cNvPicPr>
-            <a:picLocks noChangeAspect="1" noChangeArrowheads="1"/>
-          </p:cNvPicPr>
-          <p:nvPr/>
-        </p:nvPicPr>
-        <p:blipFill>
-          <a:blip r:embed="rId2">
-            <a:extLst>
-              <a:ext uri="{28A0092B-C50C-407E-A947-70E740481C1C}">
-                <a14:useLocalDpi xmlns:a14="http://schemas.microsoft.com/office/drawing/2010/main" val="0"/>
-              </a:ext>
-            </a:extLst>
-          </a:blip>
-          <a:srcRect/>
-          <a:stretch>
-            <a:fillRect/>
-          </a:stretch>
-        </p:blipFill>
-        <p:spPr bwMode="auto">
-          <a:xfrm>
-            <a:off x="1028700" y="2057400"/>
-            <a:ext cx="6743700" cy="3886200"/>
-          </a:xfrm>
-          <a:prstGeom prst="rect">
-            <a:avLst/>
-          </a:prstGeom>
-          <a:noFill/>
-          <a:ln>
-            <a:noFill/>
-          </a:ln>
-          <a:extLst>
-            <a:ext uri="{909E8E84-426E-40DD-AFC4-6F175D3DCCD1}">
-              <a14:hiddenFill xmlns:a14="http://schemas.microsoft.com/office/drawing/2010/main">
-                <a:solidFill>
-                  <a:schemeClr val="accent1"/>
-                </a:solidFill>
-              </a14:hiddenFill>
-            </a:ext>
-            <a:ext uri="{91240B29-F687-4F45-9708-019B960494DF}">
-              <a14:hiddenLine xmlns:a14="http://schemas.microsoft.com/office/drawing/2010/main" w="9525">
-                <a:solidFill>
-                  <a:schemeClr val="tx1"/>
-                </a:solidFill>
-                <a:miter lim="800000"/>
-                <a:headEnd/>
-                <a:tailEnd/>
-              </a14:hiddenLine>
-            </a:ext>
-          </a:extLst>
-        </p:spPr>
-      </p:pic>
     </p:spTree>
     <p:extLst>
       <p:ext uri="{BB962C8B-B14F-4D97-AF65-F5344CB8AC3E}">
-        <p14:creationId xmlns:p14="http://schemas.microsoft.com/office/powerpoint/2010/main" val="3160665240"/>
+        <p14:creationId xmlns:p14="http://schemas.microsoft.com/office/powerpoint/2010/main" val="3084669641"/>
       </p:ext>
     </p:extLst>
   </p:cSld>
@@ -14273,11 +15046,11 @@
           <a:p>
             <a:r>
               <a:rPr lang="ro-RO" altLang="en-US" sz="2400" dirty="0" smtClean="0"/>
-              <a:t>Inheritance </a:t>
-            </a:r>
-            <a:r>
-              <a:rPr lang="ro-RO" altLang="en-US" sz="2400" dirty="0" smtClean="0"/>
-              <a:t>– basic</a:t>
+              <a:t>Inheritance – </a:t>
+            </a:r>
+            <a:r>
+              <a:rPr lang="en-US" altLang="en-US" sz="2400" dirty="0" smtClean="0"/>
+              <a:t>Function Call</a:t>
             </a:r>
             <a:endParaRPr lang="en-US" altLang="en-US" sz="2400" dirty="0" smtClean="0"/>
           </a:p>
@@ -14285,7 +15058,7 @@
       </p:sp>
       <p:sp>
         <p:nvSpPr>
-          <p:cNvPr id="6" name="Content Placeholder 2"/>
+          <p:cNvPr id="8" name="Content Placeholder 2"/>
           <p:cNvSpPr>
             <a:spLocks noGrp="1"/>
           </p:cNvSpPr>
@@ -14296,7 +15069,7 @@
         <p:spPr>
           <a:xfrm>
             <a:off x="685800" y="1371600"/>
-            <a:ext cx="7696200" cy="1143000"/>
+            <a:ext cx="6172200" cy="533400"/>
           </a:xfrm>
         </p:spPr>
         <p:txBody>
@@ -14304,96 +15077,553 @@
           <a:lstStyle/>
           <a:p>
             <a:r>
-              <a:rPr lang="ro-RO" altLang="en-US" sz="2400" dirty="0" smtClean="0"/>
-              <a:t>Set the </a:t>
-            </a:r>
-            <a:r>
-              <a:rPr lang="ro-RO" altLang="en-US" sz="2400" dirty="0" smtClean="0">
-                <a:latin typeface="Courier New" panose="02070309020205020404" pitchFamily="49" charset="0"/>
-                <a:cs typeface="Courier New" panose="02070309020205020404" pitchFamily="49" charset="0"/>
-              </a:rPr>
-              <a:t>prototype</a:t>
-            </a:r>
-            <a:r>
-              <a:rPr lang="ro-RO" altLang="en-US" sz="2400" dirty="0" smtClean="0"/>
-              <a:t> property of the </a:t>
-            </a:r>
-            <a:r>
-              <a:rPr lang="ro-RO" altLang="en-US" sz="2400" dirty="0" smtClean="0">
-                <a:latin typeface="Courier New" panose="02070309020205020404" pitchFamily="49" charset="0"/>
-                <a:cs typeface="Courier New" panose="02070309020205020404" pitchFamily="49" charset="0"/>
-              </a:rPr>
-              <a:t>Dog</a:t>
-            </a:r>
-            <a:r>
-              <a:rPr lang="ro-RO" altLang="en-US" sz="2400" dirty="0"/>
-              <a:t> </a:t>
-            </a:r>
-            <a:r>
-              <a:rPr lang="ro-RO" altLang="en-US" sz="2400" dirty="0" smtClean="0"/>
-              <a:t>function</a:t>
-            </a:r>
+              <a:rPr lang="en-US" altLang="en-US" sz="2400" dirty="0" smtClean="0"/>
+              <a:t>How </a:t>
+            </a:r>
+            <a:r>
+              <a:rPr lang="en-US" altLang="en-US" sz="2400" dirty="0" err="1" smtClean="0"/>
+              <a:t>javascript</a:t>
+            </a:r>
+            <a:r>
+              <a:rPr lang="en-US" altLang="en-US" sz="2400" dirty="0" smtClean="0"/>
+              <a:t> runtime calls a function</a:t>
+            </a:r>
+            <a:endParaRPr lang="ro-RO" altLang="en-US" sz="2400" dirty="0" smtClean="0"/>
           </a:p>
         </p:txBody>
       </p:sp>
-      <p:pic>
-        <p:nvPicPr>
-          <p:cNvPr id="4098" name="Picture 2"/>
-          <p:cNvPicPr>
-            <a:picLocks noChangeAspect="1" noChangeArrowheads="1"/>
-          </p:cNvPicPr>
+      <p:sp>
+        <p:nvSpPr>
+          <p:cNvPr id="5" name="TextBox 4"/>
+          <p:cNvSpPr txBox="1"/>
           <p:nvPr/>
-        </p:nvPicPr>
-        <p:blipFill>
-          <a:blip r:embed="rId2">
-            <a:extLst>
-              <a:ext uri="{28A0092B-C50C-407E-A947-70E740481C1C}">
-                <a14:useLocalDpi xmlns:a14="http://schemas.microsoft.com/office/drawing/2010/main" val="0"/>
-              </a:ext>
-            </a:extLst>
-          </a:blip>
-          <a:srcRect/>
-          <a:stretch>
-            <a:fillRect/>
-          </a:stretch>
-        </p:blipFill>
-        <p:spPr bwMode="auto">
+        </p:nvSpPr>
+        <p:spPr>
           <a:xfrm>
-            <a:off x="1066800" y="1981200"/>
-            <a:ext cx="6696075" cy="4248150"/>
+            <a:off x="1267626" y="2286000"/>
+            <a:ext cx="2416046" cy="276999"/>
           </a:xfrm>
           <a:prstGeom prst="rect">
             <a:avLst/>
           </a:prstGeom>
           <a:noFill/>
-          <a:ln>
-            <a:noFill/>
-          </a:ln>
-          <a:extLst>
-            <a:ext uri="{909E8E84-426E-40DD-AFC4-6F175D3DCCD1}">
-              <a14:hiddenFill xmlns:a14="http://schemas.microsoft.com/office/drawing/2010/main">
-                <a:solidFill>
-                  <a:schemeClr val="accent1"/>
-                </a:solidFill>
-              </a14:hiddenFill>
-            </a:ext>
-            <a:ext uri="{91240B29-F687-4F45-9708-019B960494DF}">
-              <a14:hiddenLine xmlns:a14="http://schemas.microsoft.com/office/drawing/2010/main" w="9525">
-                <a:solidFill>
-                  <a:schemeClr val="tx1"/>
-                </a:solidFill>
-                <a:miter lim="800000"/>
-                <a:headEnd/>
-                <a:tailEnd/>
-              </a14:hiddenLine>
-            </a:ext>
-          </a:extLst>
-        </p:spPr>
-      </p:pic>
+        </p:spPr>
+        <p:txBody>
+          <a:bodyPr wrap="none" rtlCol="0">
+            <a:spAutoFit/>
+          </a:bodyPr>
+          <a:lstStyle/>
+          <a:p>
+            <a:r>
+              <a:rPr lang="en-US" sz="1200" dirty="0" smtClean="0">
+                <a:latin typeface="Courier New" panose="02070309020205020404" pitchFamily="49" charset="0"/>
+                <a:cs typeface="Courier New" panose="02070309020205020404" pitchFamily="49" charset="0"/>
+              </a:rPr>
+              <a:t>function </a:t>
+            </a:r>
+            <a:r>
+              <a:rPr lang="en-US" sz="1200" dirty="0" err="1" smtClean="0">
+                <a:latin typeface="Courier New" panose="02070309020205020404" pitchFamily="49" charset="0"/>
+                <a:cs typeface="Courier New" panose="02070309020205020404" pitchFamily="49" charset="0"/>
+              </a:rPr>
+              <a:t>myFunction</a:t>
+            </a:r>
+            <a:r>
+              <a:rPr lang="en-US" sz="1200" dirty="0" smtClean="0">
+                <a:latin typeface="Courier New" panose="02070309020205020404" pitchFamily="49" charset="0"/>
+                <a:cs typeface="Courier New" panose="02070309020205020404" pitchFamily="49" charset="0"/>
+              </a:rPr>
+              <a:t>() {}</a:t>
+            </a:r>
+          </a:p>
+        </p:txBody>
+      </p:sp>
+      <p:sp>
+        <p:nvSpPr>
+          <p:cNvPr id="6" name="TextBox 5"/>
+          <p:cNvSpPr txBox="1"/>
+          <p:nvPr/>
+        </p:nvSpPr>
+        <p:spPr>
+          <a:xfrm>
+            <a:off x="1267626" y="2971800"/>
+            <a:ext cx="7225055" cy="1015663"/>
+          </a:xfrm>
+          <a:prstGeom prst="rect">
+            <a:avLst/>
+          </a:prstGeom>
+          <a:noFill/>
+        </p:spPr>
+        <p:txBody>
+          <a:bodyPr wrap="none" rtlCol="0">
+            <a:spAutoFit/>
+          </a:bodyPr>
+          <a:lstStyle/>
+          <a:p>
+            <a:r>
+              <a:rPr lang="en-US" sz="1200" dirty="0" err="1" smtClean="0">
+                <a:latin typeface="Courier New" panose="02070309020205020404" pitchFamily="49" charset="0"/>
+                <a:cs typeface="Courier New" panose="02070309020205020404" pitchFamily="49" charset="0"/>
+              </a:rPr>
+              <a:t>myFunction</a:t>
+            </a:r>
+            <a:r>
+              <a:rPr lang="en-US" sz="1200" dirty="0" smtClean="0">
+                <a:latin typeface="Courier New" panose="02070309020205020404" pitchFamily="49" charset="0"/>
+                <a:cs typeface="Courier New" panose="02070309020205020404" pitchFamily="49" charset="0"/>
+              </a:rPr>
+              <a:t>();		</a:t>
+            </a:r>
+            <a:r>
+              <a:rPr lang="en-US" sz="1200" dirty="0" smtClean="0">
+                <a:latin typeface="Courier New" panose="02070309020205020404" pitchFamily="49" charset="0"/>
+                <a:cs typeface="Courier New" panose="02070309020205020404" pitchFamily="49" charset="0"/>
+                <a:sym typeface="Wingdings" panose="05000000000000000000" pitchFamily="2" charset="2"/>
+              </a:rPr>
+              <a:t> 	</a:t>
+            </a:r>
+            <a:r>
+              <a:rPr lang="en-US" sz="1200" dirty="0" err="1" smtClean="0">
+                <a:latin typeface="Courier New" panose="02070309020205020404" pitchFamily="49" charset="0"/>
+                <a:cs typeface="Courier New" panose="02070309020205020404" pitchFamily="49" charset="0"/>
+                <a:sym typeface="Wingdings" panose="05000000000000000000" pitchFamily="2" charset="2"/>
+              </a:rPr>
+              <a:t>myFunction.call</a:t>
+            </a:r>
+            <a:r>
+              <a:rPr lang="en-US" sz="1200" dirty="0" smtClean="0">
+                <a:latin typeface="Courier New" panose="02070309020205020404" pitchFamily="49" charset="0"/>
+                <a:cs typeface="Courier New" panose="02070309020205020404" pitchFamily="49" charset="0"/>
+                <a:sym typeface="Wingdings" panose="05000000000000000000" pitchFamily="2" charset="2"/>
+              </a:rPr>
+              <a:t>(window);</a:t>
+            </a:r>
+          </a:p>
+          <a:p>
+            <a:r>
+              <a:rPr lang="en-US" sz="1200" dirty="0" smtClean="0">
+                <a:latin typeface="Courier New" panose="02070309020205020404" pitchFamily="49" charset="0"/>
+                <a:cs typeface="Courier New" panose="02070309020205020404" pitchFamily="49" charset="0"/>
+                <a:sym typeface="Wingdings" panose="05000000000000000000" pitchFamily="2" charset="2"/>
+              </a:rPr>
+              <a:t>				</a:t>
+            </a:r>
+            <a:r>
+              <a:rPr lang="en-US" sz="1200" dirty="0" err="1" smtClean="0">
+                <a:latin typeface="Courier New" panose="02070309020205020404" pitchFamily="49" charset="0"/>
+                <a:cs typeface="Courier New" panose="02070309020205020404" pitchFamily="49" charset="0"/>
+                <a:sym typeface="Wingdings" panose="05000000000000000000" pitchFamily="2" charset="2"/>
+              </a:rPr>
+              <a:t>myFunction.call</a:t>
+            </a:r>
+            <a:r>
+              <a:rPr lang="en-US" sz="1200" dirty="0" smtClean="0">
+                <a:latin typeface="Courier New" panose="02070309020205020404" pitchFamily="49" charset="0"/>
+                <a:cs typeface="Courier New" panose="02070309020205020404" pitchFamily="49" charset="0"/>
+                <a:sym typeface="Wingdings" panose="05000000000000000000" pitchFamily="2" charset="2"/>
+              </a:rPr>
+              <a:t>(null); // ES5</a:t>
+            </a:r>
+          </a:p>
+          <a:p>
+            <a:endParaRPr lang="en-US" sz="1200" dirty="0">
+              <a:latin typeface="Courier New" panose="02070309020205020404" pitchFamily="49" charset="0"/>
+              <a:cs typeface="Courier New" panose="02070309020205020404" pitchFamily="49" charset="0"/>
+              <a:sym typeface="Wingdings" panose="05000000000000000000" pitchFamily="2" charset="2"/>
+            </a:endParaRPr>
+          </a:p>
+          <a:p>
+            <a:r>
+              <a:rPr lang="en-US" sz="1200" dirty="0" err="1" smtClean="0">
+                <a:latin typeface="Courier New" panose="02070309020205020404" pitchFamily="49" charset="0"/>
+                <a:cs typeface="Courier New" panose="02070309020205020404" pitchFamily="49" charset="0"/>
+                <a:sym typeface="Wingdings" panose="05000000000000000000" pitchFamily="2" charset="2"/>
+              </a:rPr>
+              <a:t>myFunction</a:t>
+            </a:r>
+            <a:r>
+              <a:rPr lang="en-US" sz="1200" dirty="0" smtClean="0">
+                <a:latin typeface="Courier New" panose="02070309020205020404" pitchFamily="49" charset="0"/>
+                <a:cs typeface="Courier New" panose="02070309020205020404" pitchFamily="49" charset="0"/>
+                <a:sym typeface="Wingdings" panose="05000000000000000000" pitchFamily="2" charset="2"/>
+              </a:rPr>
+              <a:t>(</a:t>
+            </a:r>
+            <a:r>
+              <a:rPr lang="en-US" sz="1200" dirty="0" err="1" smtClean="0">
+                <a:latin typeface="Courier New" panose="02070309020205020404" pitchFamily="49" charset="0"/>
+                <a:cs typeface="Courier New" panose="02070309020205020404" pitchFamily="49" charset="0"/>
+                <a:sym typeface="Wingdings" panose="05000000000000000000" pitchFamily="2" charset="2"/>
+              </a:rPr>
+              <a:t>param</a:t>
+            </a:r>
+            <a:r>
+              <a:rPr lang="en-US" sz="1200" dirty="0" smtClean="0">
+                <a:latin typeface="Courier New" panose="02070309020205020404" pitchFamily="49" charset="0"/>
+                <a:cs typeface="Courier New" panose="02070309020205020404" pitchFamily="49" charset="0"/>
+                <a:sym typeface="Wingdings" panose="05000000000000000000" pitchFamily="2" charset="2"/>
+              </a:rPr>
+              <a:t>);			</a:t>
+            </a:r>
+            <a:r>
+              <a:rPr lang="en-US" sz="1200" dirty="0" err="1" smtClean="0">
+                <a:latin typeface="Courier New" panose="02070309020205020404" pitchFamily="49" charset="0"/>
+                <a:cs typeface="Courier New" panose="02070309020205020404" pitchFamily="49" charset="0"/>
+                <a:sym typeface="Wingdings" panose="05000000000000000000" pitchFamily="2" charset="2"/>
+              </a:rPr>
+              <a:t>myFunction.call</a:t>
+            </a:r>
+            <a:r>
+              <a:rPr lang="en-US" sz="1200" dirty="0" smtClean="0">
+                <a:latin typeface="Courier New" panose="02070309020205020404" pitchFamily="49" charset="0"/>
+                <a:cs typeface="Courier New" panose="02070309020205020404" pitchFamily="49" charset="0"/>
+                <a:sym typeface="Wingdings" panose="05000000000000000000" pitchFamily="2" charset="2"/>
+              </a:rPr>
+              <a:t>(window, </a:t>
+            </a:r>
+            <a:r>
+              <a:rPr lang="en-US" sz="1200" dirty="0" err="1" smtClean="0">
+                <a:latin typeface="Courier New" panose="02070309020205020404" pitchFamily="49" charset="0"/>
+                <a:cs typeface="Courier New" panose="02070309020205020404" pitchFamily="49" charset="0"/>
+                <a:sym typeface="Wingdings" panose="05000000000000000000" pitchFamily="2" charset="2"/>
+              </a:rPr>
+              <a:t>param</a:t>
+            </a:r>
+            <a:r>
+              <a:rPr lang="en-US" sz="1200" dirty="0" smtClean="0">
+                <a:latin typeface="Courier New" panose="02070309020205020404" pitchFamily="49" charset="0"/>
+                <a:cs typeface="Courier New" panose="02070309020205020404" pitchFamily="49" charset="0"/>
+                <a:sym typeface="Wingdings" panose="05000000000000000000" pitchFamily="2" charset="2"/>
+              </a:rPr>
+              <a:t>);</a:t>
+            </a:r>
+          </a:p>
+          <a:p>
+            <a:r>
+              <a:rPr lang="en-US" sz="1200" dirty="0">
+                <a:latin typeface="Courier New" panose="02070309020205020404" pitchFamily="49" charset="0"/>
+                <a:cs typeface="Courier New" panose="02070309020205020404" pitchFamily="49" charset="0"/>
+                <a:sym typeface="Wingdings" panose="05000000000000000000" pitchFamily="2" charset="2"/>
+              </a:rPr>
+              <a:t>	</a:t>
+            </a:r>
+            <a:r>
+              <a:rPr lang="en-US" sz="1200" dirty="0" smtClean="0">
+                <a:latin typeface="Courier New" panose="02070309020205020404" pitchFamily="49" charset="0"/>
+                <a:cs typeface="Courier New" panose="02070309020205020404" pitchFamily="49" charset="0"/>
+                <a:sym typeface="Wingdings" panose="05000000000000000000" pitchFamily="2" charset="2"/>
+              </a:rPr>
+              <a:t>			</a:t>
+            </a:r>
+            <a:r>
+              <a:rPr lang="en-US" sz="1200" dirty="0" err="1" smtClean="0">
+                <a:latin typeface="Courier New" panose="02070309020205020404" pitchFamily="49" charset="0"/>
+                <a:cs typeface="Courier New" panose="02070309020205020404" pitchFamily="49" charset="0"/>
+                <a:sym typeface="Wingdings" panose="05000000000000000000" pitchFamily="2" charset="2"/>
+              </a:rPr>
+              <a:t>myFunction.call</a:t>
+            </a:r>
+            <a:r>
+              <a:rPr lang="en-US" sz="1200" dirty="0" smtClean="0">
+                <a:latin typeface="Courier New" panose="02070309020205020404" pitchFamily="49" charset="0"/>
+                <a:cs typeface="Courier New" panose="02070309020205020404" pitchFamily="49" charset="0"/>
+                <a:sym typeface="Wingdings" panose="05000000000000000000" pitchFamily="2" charset="2"/>
+              </a:rPr>
+              <a:t>(null, </a:t>
+            </a:r>
+            <a:r>
+              <a:rPr lang="en-US" sz="1200" dirty="0" err="1">
+                <a:latin typeface="Courier New" panose="02070309020205020404" pitchFamily="49" charset="0"/>
+                <a:cs typeface="Courier New" panose="02070309020205020404" pitchFamily="49" charset="0"/>
+                <a:sym typeface="Wingdings" panose="05000000000000000000" pitchFamily="2" charset="2"/>
+              </a:rPr>
+              <a:t>param</a:t>
+            </a:r>
+            <a:r>
+              <a:rPr lang="en-US" sz="1200" dirty="0" smtClean="0">
+                <a:latin typeface="Courier New" panose="02070309020205020404" pitchFamily="49" charset="0"/>
+                <a:cs typeface="Courier New" panose="02070309020205020404" pitchFamily="49" charset="0"/>
+                <a:sym typeface="Wingdings" panose="05000000000000000000" pitchFamily="2" charset="2"/>
+              </a:rPr>
+              <a:t>); // ES5</a:t>
+            </a:r>
+            <a:endParaRPr lang="en-US" sz="1200" dirty="0">
+              <a:latin typeface="Courier New" panose="02070309020205020404" pitchFamily="49" charset="0"/>
+              <a:cs typeface="Courier New" panose="02070309020205020404" pitchFamily="49" charset="0"/>
+              <a:sym typeface="Wingdings" panose="05000000000000000000" pitchFamily="2" charset="2"/>
+            </a:endParaRPr>
+          </a:p>
+        </p:txBody>
+      </p:sp>
+      <p:sp>
+        <p:nvSpPr>
+          <p:cNvPr id="7" name="TextBox 6"/>
+          <p:cNvSpPr txBox="1"/>
+          <p:nvPr/>
+        </p:nvSpPr>
+        <p:spPr>
+          <a:xfrm>
+            <a:off x="1267625" y="4419600"/>
+            <a:ext cx="6295313" cy="1384995"/>
+          </a:xfrm>
+          <a:prstGeom prst="rect">
+            <a:avLst/>
+          </a:prstGeom>
+          <a:noFill/>
+        </p:spPr>
+        <p:txBody>
+          <a:bodyPr wrap="none" rtlCol="0">
+            <a:spAutoFit/>
+          </a:bodyPr>
+          <a:lstStyle/>
+          <a:p>
+            <a:r>
+              <a:rPr lang="en-US" sz="1200" dirty="0" err="1" smtClean="0">
+                <a:latin typeface="Courier New" panose="02070309020205020404" pitchFamily="49" charset="0"/>
+                <a:cs typeface="Courier New" panose="02070309020205020404" pitchFamily="49" charset="0"/>
+                <a:sym typeface="Wingdings" panose="05000000000000000000" pitchFamily="2" charset="2"/>
+              </a:rPr>
+              <a:t>var</a:t>
+            </a:r>
+            <a:r>
+              <a:rPr lang="en-US" sz="1200" dirty="0" smtClean="0">
+                <a:latin typeface="Courier New" panose="02070309020205020404" pitchFamily="49" charset="0"/>
+                <a:cs typeface="Courier New" panose="02070309020205020404" pitchFamily="49" charset="0"/>
+                <a:sym typeface="Wingdings" panose="05000000000000000000" pitchFamily="2" charset="2"/>
+              </a:rPr>
+              <a:t> </a:t>
+            </a:r>
+            <a:r>
+              <a:rPr lang="en-US" sz="1200" dirty="0" err="1" smtClean="0">
+                <a:latin typeface="Courier New" panose="02070309020205020404" pitchFamily="49" charset="0"/>
+                <a:cs typeface="Courier New" panose="02070309020205020404" pitchFamily="49" charset="0"/>
+                <a:sym typeface="Wingdings" panose="05000000000000000000" pitchFamily="2" charset="2"/>
+              </a:rPr>
+              <a:t>obj</a:t>
+            </a:r>
+            <a:r>
+              <a:rPr lang="en-US" sz="1200" dirty="0" smtClean="0">
+                <a:latin typeface="Courier New" panose="02070309020205020404" pitchFamily="49" charset="0"/>
+                <a:cs typeface="Courier New" panose="02070309020205020404" pitchFamily="49" charset="0"/>
+                <a:sym typeface="Wingdings" panose="05000000000000000000" pitchFamily="2" charset="2"/>
+              </a:rPr>
+              <a:t> = {</a:t>
+            </a:r>
+          </a:p>
+          <a:p>
+            <a:r>
+              <a:rPr lang="en-US" sz="1200" dirty="0" smtClean="0">
+                <a:latin typeface="Courier New" panose="02070309020205020404" pitchFamily="49" charset="0"/>
+                <a:cs typeface="Courier New" panose="02070309020205020404" pitchFamily="49" charset="0"/>
+                <a:sym typeface="Wingdings" panose="05000000000000000000" pitchFamily="2" charset="2"/>
+              </a:rPr>
+              <a:t>    </a:t>
+            </a:r>
+            <a:r>
+              <a:rPr lang="en-US" sz="1200" dirty="0" err="1" smtClean="0">
+                <a:latin typeface="Courier New" panose="02070309020205020404" pitchFamily="49" charset="0"/>
+                <a:cs typeface="Courier New" panose="02070309020205020404" pitchFamily="49" charset="0"/>
+                <a:sym typeface="Wingdings" panose="05000000000000000000" pitchFamily="2" charset="2"/>
+              </a:rPr>
+              <a:t>myMethod</a:t>
+            </a:r>
+            <a:r>
+              <a:rPr lang="en-US" sz="1200" dirty="0" smtClean="0">
+                <a:latin typeface="Courier New" panose="02070309020205020404" pitchFamily="49" charset="0"/>
+                <a:cs typeface="Courier New" panose="02070309020205020404" pitchFamily="49" charset="0"/>
+                <a:sym typeface="Wingdings" panose="05000000000000000000" pitchFamily="2" charset="2"/>
+              </a:rPr>
+              <a:t>: </a:t>
+            </a:r>
+            <a:r>
+              <a:rPr lang="en-US" sz="1200" dirty="0" err="1" smtClean="0">
+                <a:latin typeface="Courier New" panose="02070309020205020404" pitchFamily="49" charset="0"/>
+                <a:cs typeface="Courier New" panose="02070309020205020404" pitchFamily="49" charset="0"/>
+                <a:sym typeface="Wingdings" panose="05000000000000000000" pitchFamily="2" charset="2"/>
+              </a:rPr>
+              <a:t>myFunction</a:t>
+            </a:r>
+            <a:endParaRPr lang="en-US" sz="1200" dirty="0" smtClean="0">
+              <a:latin typeface="Courier New" panose="02070309020205020404" pitchFamily="49" charset="0"/>
+              <a:cs typeface="Courier New" panose="02070309020205020404" pitchFamily="49" charset="0"/>
+              <a:sym typeface="Wingdings" panose="05000000000000000000" pitchFamily="2" charset="2"/>
+            </a:endParaRPr>
+          </a:p>
+          <a:p>
+            <a:r>
+              <a:rPr lang="en-US" sz="1200" dirty="0" smtClean="0">
+                <a:latin typeface="Courier New" panose="02070309020205020404" pitchFamily="49" charset="0"/>
+                <a:cs typeface="Courier New" panose="02070309020205020404" pitchFamily="49" charset="0"/>
+                <a:sym typeface="Wingdings" panose="05000000000000000000" pitchFamily="2" charset="2"/>
+              </a:rPr>
+              <a:t>};</a:t>
+            </a:r>
+          </a:p>
+          <a:p>
+            <a:endParaRPr lang="en-US" sz="1200" dirty="0">
+              <a:latin typeface="Courier New" panose="02070309020205020404" pitchFamily="49" charset="0"/>
+              <a:cs typeface="Courier New" panose="02070309020205020404" pitchFamily="49" charset="0"/>
+              <a:sym typeface="Wingdings" panose="05000000000000000000" pitchFamily="2" charset="2"/>
+            </a:endParaRPr>
+          </a:p>
+          <a:p>
+            <a:r>
+              <a:rPr lang="en-US" sz="1200" dirty="0" err="1" smtClean="0">
+                <a:latin typeface="Courier New" panose="02070309020205020404" pitchFamily="49" charset="0"/>
+                <a:cs typeface="Courier New" panose="02070309020205020404" pitchFamily="49" charset="0"/>
+                <a:sym typeface="Wingdings" panose="05000000000000000000" pitchFamily="2" charset="2"/>
+              </a:rPr>
+              <a:t>obj.myMethod</a:t>
+            </a:r>
+            <a:r>
+              <a:rPr lang="en-US" sz="1200" dirty="0" smtClean="0">
+                <a:latin typeface="Courier New" panose="02070309020205020404" pitchFamily="49" charset="0"/>
+                <a:cs typeface="Courier New" panose="02070309020205020404" pitchFamily="49" charset="0"/>
+                <a:sym typeface="Wingdings" panose="05000000000000000000" pitchFamily="2" charset="2"/>
+              </a:rPr>
+              <a:t>();			</a:t>
+            </a:r>
+            <a:r>
+              <a:rPr lang="en-US" sz="1200" dirty="0" err="1" smtClean="0">
+                <a:latin typeface="Courier New" panose="02070309020205020404" pitchFamily="49" charset="0"/>
+                <a:cs typeface="Courier New" panose="02070309020205020404" pitchFamily="49" charset="0"/>
+                <a:sym typeface="Wingdings" panose="05000000000000000000" pitchFamily="2" charset="2"/>
+              </a:rPr>
+              <a:t>myMethod.call</a:t>
+            </a:r>
+            <a:r>
+              <a:rPr lang="en-US" sz="1200" dirty="0" smtClean="0">
+                <a:latin typeface="Courier New" panose="02070309020205020404" pitchFamily="49" charset="0"/>
+                <a:cs typeface="Courier New" panose="02070309020205020404" pitchFamily="49" charset="0"/>
+                <a:sym typeface="Wingdings" panose="05000000000000000000" pitchFamily="2" charset="2"/>
+              </a:rPr>
+              <a:t>(</a:t>
+            </a:r>
+            <a:r>
+              <a:rPr lang="en-US" sz="1200" dirty="0" err="1" smtClean="0">
+                <a:latin typeface="Courier New" panose="02070309020205020404" pitchFamily="49" charset="0"/>
+                <a:cs typeface="Courier New" panose="02070309020205020404" pitchFamily="49" charset="0"/>
+                <a:sym typeface="Wingdings" panose="05000000000000000000" pitchFamily="2" charset="2"/>
+              </a:rPr>
+              <a:t>obj</a:t>
+            </a:r>
+            <a:r>
+              <a:rPr lang="en-US" sz="1200" dirty="0" smtClean="0">
+                <a:latin typeface="Courier New" panose="02070309020205020404" pitchFamily="49" charset="0"/>
+                <a:cs typeface="Courier New" panose="02070309020205020404" pitchFamily="49" charset="0"/>
+                <a:sym typeface="Wingdings" panose="05000000000000000000" pitchFamily="2" charset="2"/>
+              </a:rPr>
+              <a:t>);</a:t>
+            </a:r>
+          </a:p>
+          <a:p>
+            <a:endParaRPr lang="en-US" sz="1200" dirty="0" smtClean="0">
+              <a:latin typeface="Courier New" panose="02070309020205020404" pitchFamily="49" charset="0"/>
+              <a:cs typeface="Courier New" panose="02070309020205020404" pitchFamily="49" charset="0"/>
+              <a:sym typeface="Wingdings" panose="05000000000000000000" pitchFamily="2" charset="2"/>
+            </a:endParaRPr>
+          </a:p>
+          <a:p>
+            <a:r>
+              <a:rPr lang="en-US" sz="1200" dirty="0" err="1" smtClean="0">
+                <a:latin typeface="Courier New" panose="02070309020205020404" pitchFamily="49" charset="0"/>
+                <a:cs typeface="Courier New" panose="02070309020205020404" pitchFamily="49" charset="0"/>
+                <a:sym typeface="Wingdings" panose="05000000000000000000" pitchFamily="2" charset="2"/>
+              </a:rPr>
+              <a:t>obj.myMethod</a:t>
+            </a:r>
+            <a:r>
+              <a:rPr lang="en-US" sz="1200" dirty="0" smtClean="0">
+                <a:latin typeface="Courier New" panose="02070309020205020404" pitchFamily="49" charset="0"/>
+                <a:cs typeface="Courier New" panose="02070309020205020404" pitchFamily="49" charset="0"/>
+                <a:sym typeface="Wingdings" panose="05000000000000000000" pitchFamily="2" charset="2"/>
+              </a:rPr>
+              <a:t>(</a:t>
+            </a:r>
+            <a:r>
+              <a:rPr lang="en-US" sz="1200" dirty="0" err="1" smtClean="0">
+                <a:latin typeface="Courier New" panose="02070309020205020404" pitchFamily="49" charset="0"/>
+                <a:cs typeface="Courier New" panose="02070309020205020404" pitchFamily="49" charset="0"/>
+                <a:sym typeface="Wingdings" panose="05000000000000000000" pitchFamily="2" charset="2"/>
+              </a:rPr>
+              <a:t>param</a:t>
+            </a:r>
+            <a:r>
+              <a:rPr lang="en-US" sz="1200" dirty="0" smtClean="0">
+                <a:latin typeface="Courier New" panose="02070309020205020404" pitchFamily="49" charset="0"/>
+                <a:cs typeface="Courier New" panose="02070309020205020404" pitchFamily="49" charset="0"/>
+                <a:sym typeface="Wingdings" panose="05000000000000000000" pitchFamily="2" charset="2"/>
+              </a:rPr>
+              <a:t>);	</a:t>
+            </a:r>
+            <a:r>
+              <a:rPr lang="en-US" sz="1200" dirty="0">
+                <a:latin typeface="Courier New" panose="02070309020205020404" pitchFamily="49" charset="0"/>
+                <a:cs typeface="Courier New" panose="02070309020205020404" pitchFamily="49" charset="0"/>
+                <a:sym typeface="Wingdings" panose="05000000000000000000" pitchFamily="2" charset="2"/>
+              </a:rPr>
+              <a:t>	</a:t>
+            </a:r>
+            <a:r>
+              <a:rPr lang="en-US" sz="1200" dirty="0" err="1" smtClean="0">
+                <a:latin typeface="Courier New" panose="02070309020205020404" pitchFamily="49" charset="0"/>
+                <a:cs typeface="Courier New" panose="02070309020205020404" pitchFamily="49" charset="0"/>
+                <a:sym typeface="Wingdings" panose="05000000000000000000" pitchFamily="2" charset="2"/>
+              </a:rPr>
+              <a:t>myMethod.call</a:t>
+            </a:r>
+            <a:r>
+              <a:rPr lang="en-US" sz="1200" dirty="0" smtClean="0">
+                <a:latin typeface="Courier New" panose="02070309020205020404" pitchFamily="49" charset="0"/>
+                <a:cs typeface="Courier New" panose="02070309020205020404" pitchFamily="49" charset="0"/>
+                <a:sym typeface="Wingdings" panose="05000000000000000000" pitchFamily="2" charset="2"/>
+              </a:rPr>
+              <a:t>(</a:t>
+            </a:r>
+            <a:r>
+              <a:rPr lang="en-US" sz="1200" dirty="0" err="1" smtClean="0">
+                <a:latin typeface="Courier New" panose="02070309020205020404" pitchFamily="49" charset="0"/>
+                <a:cs typeface="Courier New" panose="02070309020205020404" pitchFamily="49" charset="0"/>
+                <a:sym typeface="Wingdings" panose="05000000000000000000" pitchFamily="2" charset="2"/>
+              </a:rPr>
+              <a:t>obj</a:t>
+            </a:r>
+            <a:r>
+              <a:rPr lang="en-US" sz="1200" dirty="0" smtClean="0">
+                <a:latin typeface="Courier New" panose="02070309020205020404" pitchFamily="49" charset="0"/>
+                <a:cs typeface="Courier New" panose="02070309020205020404" pitchFamily="49" charset="0"/>
+                <a:sym typeface="Wingdings" panose="05000000000000000000" pitchFamily="2" charset="2"/>
+              </a:rPr>
+              <a:t>, </a:t>
+            </a:r>
+            <a:r>
+              <a:rPr lang="en-US" sz="1200" dirty="0" err="1" smtClean="0">
+                <a:latin typeface="Courier New" panose="02070309020205020404" pitchFamily="49" charset="0"/>
+                <a:cs typeface="Courier New" panose="02070309020205020404" pitchFamily="49" charset="0"/>
+                <a:sym typeface="Wingdings" panose="05000000000000000000" pitchFamily="2" charset="2"/>
+              </a:rPr>
+              <a:t>param</a:t>
+            </a:r>
+            <a:r>
+              <a:rPr lang="en-US" sz="1200" dirty="0" smtClean="0">
+                <a:latin typeface="Courier New" panose="02070309020205020404" pitchFamily="49" charset="0"/>
+                <a:cs typeface="Courier New" panose="02070309020205020404" pitchFamily="49" charset="0"/>
+                <a:sym typeface="Wingdings" panose="05000000000000000000" pitchFamily="2" charset="2"/>
+              </a:rPr>
+              <a:t>);</a:t>
+            </a:r>
+            <a:endParaRPr lang="en-US" sz="1200" dirty="0">
+              <a:latin typeface="Courier New" panose="02070309020205020404" pitchFamily="49" charset="0"/>
+              <a:cs typeface="Courier New" panose="02070309020205020404" pitchFamily="49" charset="0"/>
+              <a:sym typeface="Wingdings" panose="05000000000000000000" pitchFamily="2" charset="2"/>
+            </a:endParaRPr>
+          </a:p>
+        </p:txBody>
+      </p:sp>
     </p:spTree>
     <p:extLst>
       <p:ext uri="{BB962C8B-B14F-4D97-AF65-F5344CB8AC3E}">
-        <p14:creationId xmlns:p14="http://schemas.microsoft.com/office/powerpoint/2010/main" val="3815883155"/>
+        <p14:creationId xmlns:p14="http://schemas.microsoft.com/office/powerpoint/2010/main" val="3160665240"/>
       </p:ext>
     </p:extLst>
   </p:cSld>
@@ -14403,9 +15633,234 @@
   <p:timing>
     <p:tnLst>
       <p:par>
-        <p:cTn id="1" dur="indefinite" restart="never" nodeType="tmRoot"/>
+        <p:cTn id="1" dur="indefinite" restart="never" nodeType="tmRoot">
+          <p:childTnLst>
+            <p:seq concurrent="1" nextAc="seek">
+              <p:cTn id="2" dur="indefinite" nodeType="mainSeq">
+                <p:childTnLst>
+                  <p:par>
+                    <p:cTn id="3" fill="hold">
+                      <p:stCondLst>
+                        <p:cond delay="indefinite"/>
+                      </p:stCondLst>
+                      <p:childTnLst>
+                        <p:par>
+                          <p:cTn id="4" fill="hold">
+                            <p:stCondLst>
+                              <p:cond delay="0"/>
+                            </p:stCondLst>
+                            <p:childTnLst>
+                              <p:par>
+                                <p:cTn id="5" presetID="53" presetClass="entr" presetSubtype="16" fill="hold" grpId="0" nodeType="clickEffect">
+                                  <p:stCondLst>
+                                    <p:cond delay="0"/>
+                                  </p:stCondLst>
+                                  <p:childTnLst>
+                                    <p:set>
+                                      <p:cBhvr>
+                                        <p:cTn id="6" dur="1" fill="hold">
+                                          <p:stCondLst>
+                                            <p:cond delay="0"/>
+                                          </p:stCondLst>
+                                        </p:cTn>
+                                        <p:tgtEl>
+                                          <p:spTgt spid="6"/>
+                                        </p:tgtEl>
+                                        <p:attrNameLst>
+                                          <p:attrName>style.visibility</p:attrName>
+                                        </p:attrNameLst>
+                                      </p:cBhvr>
+                                      <p:to>
+                                        <p:strVal val="visible"/>
+                                      </p:to>
+                                    </p:set>
+                                    <p:anim calcmode="lin" valueType="num">
+                                      <p:cBhvr>
+                                        <p:cTn id="7" dur="500" fill="hold"/>
+                                        <p:tgtEl>
+                                          <p:spTgt spid="6"/>
+                                        </p:tgtEl>
+                                        <p:attrNameLst>
+                                          <p:attrName>ppt_w</p:attrName>
+                                        </p:attrNameLst>
+                                      </p:cBhvr>
+                                      <p:tavLst>
+                                        <p:tav tm="0">
+                                          <p:val>
+                                            <p:fltVal val="0"/>
+                                          </p:val>
+                                        </p:tav>
+                                        <p:tav tm="100000">
+                                          <p:val>
+                                            <p:strVal val="#ppt_w"/>
+                                          </p:val>
+                                        </p:tav>
+                                      </p:tavLst>
+                                    </p:anim>
+                                    <p:anim calcmode="lin" valueType="num">
+                                      <p:cBhvr>
+                                        <p:cTn id="8" dur="500" fill="hold"/>
+                                        <p:tgtEl>
+                                          <p:spTgt spid="6"/>
+                                        </p:tgtEl>
+                                        <p:attrNameLst>
+                                          <p:attrName>ppt_h</p:attrName>
+                                        </p:attrNameLst>
+                                      </p:cBhvr>
+                                      <p:tavLst>
+                                        <p:tav tm="0">
+                                          <p:val>
+                                            <p:fltVal val="0"/>
+                                          </p:val>
+                                        </p:tav>
+                                        <p:tav tm="100000">
+                                          <p:val>
+                                            <p:strVal val="#ppt_h"/>
+                                          </p:val>
+                                        </p:tav>
+                                      </p:tavLst>
+                                    </p:anim>
+                                    <p:animEffect transition="in" filter="fade">
+                                      <p:cBhvr>
+                                        <p:cTn id="9" dur="500"/>
+                                        <p:tgtEl>
+                                          <p:spTgt spid="6"/>
+                                        </p:tgtEl>
+                                      </p:cBhvr>
+                                    </p:animEffect>
+                                  </p:childTnLst>
+                                </p:cTn>
+                              </p:par>
+                            </p:childTnLst>
+                          </p:cTn>
+                        </p:par>
+                      </p:childTnLst>
+                    </p:cTn>
+                  </p:par>
+                  <p:par>
+                    <p:cTn id="10" fill="hold">
+                      <p:stCondLst>
+                        <p:cond delay="indefinite"/>
+                      </p:stCondLst>
+                      <p:childTnLst>
+                        <p:par>
+                          <p:cTn id="11" fill="hold">
+                            <p:stCondLst>
+                              <p:cond delay="0"/>
+                            </p:stCondLst>
+                            <p:childTnLst>
+                              <p:par>
+                                <p:cTn id="12" presetID="53" presetClass="entr" presetSubtype="16" fill="hold" grpId="0" nodeType="clickEffect">
+                                  <p:stCondLst>
+                                    <p:cond delay="0"/>
+                                  </p:stCondLst>
+                                  <p:childTnLst>
+                                    <p:set>
+                                      <p:cBhvr>
+                                        <p:cTn id="13" dur="1" fill="hold">
+                                          <p:stCondLst>
+                                            <p:cond delay="0"/>
+                                          </p:stCondLst>
+                                        </p:cTn>
+                                        <p:tgtEl>
+                                          <p:spTgt spid="7"/>
+                                        </p:tgtEl>
+                                        <p:attrNameLst>
+                                          <p:attrName>style.visibility</p:attrName>
+                                        </p:attrNameLst>
+                                      </p:cBhvr>
+                                      <p:to>
+                                        <p:strVal val="visible"/>
+                                      </p:to>
+                                    </p:set>
+                                    <p:anim calcmode="lin" valueType="num">
+                                      <p:cBhvr>
+                                        <p:cTn id="14" dur="500" fill="hold"/>
+                                        <p:tgtEl>
+                                          <p:spTgt spid="7"/>
+                                        </p:tgtEl>
+                                        <p:attrNameLst>
+                                          <p:attrName>ppt_w</p:attrName>
+                                        </p:attrNameLst>
+                                      </p:cBhvr>
+                                      <p:tavLst>
+                                        <p:tav tm="0">
+                                          <p:val>
+                                            <p:fltVal val="0"/>
+                                          </p:val>
+                                        </p:tav>
+                                        <p:tav tm="100000">
+                                          <p:val>
+                                            <p:strVal val="#ppt_w"/>
+                                          </p:val>
+                                        </p:tav>
+                                      </p:tavLst>
+                                    </p:anim>
+                                    <p:anim calcmode="lin" valueType="num">
+                                      <p:cBhvr>
+                                        <p:cTn id="15" dur="500" fill="hold"/>
+                                        <p:tgtEl>
+                                          <p:spTgt spid="7"/>
+                                        </p:tgtEl>
+                                        <p:attrNameLst>
+                                          <p:attrName>ppt_h</p:attrName>
+                                        </p:attrNameLst>
+                                      </p:cBhvr>
+                                      <p:tavLst>
+                                        <p:tav tm="0">
+                                          <p:val>
+                                            <p:fltVal val="0"/>
+                                          </p:val>
+                                        </p:tav>
+                                        <p:tav tm="100000">
+                                          <p:val>
+                                            <p:strVal val="#ppt_h"/>
+                                          </p:val>
+                                        </p:tav>
+                                      </p:tavLst>
+                                    </p:anim>
+                                    <p:animEffect transition="in" filter="fade">
+                                      <p:cBhvr>
+                                        <p:cTn id="16" dur="500"/>
+                                        <p:tgtEl>
+                                          <p:spTgt spid="7"/>
+                                        </p:tgtEl>
+                                      </p:cBhvr>
+                                    </p:animEffect>
+                                  </p:childTnLst>
+                                </p:cTn>
+                              </p:par>
+                            </p:childTnLst>
+                          </p:cTn>
+                        </p:par>
+                      </p:childTnLst>
+                    </p:cTn>
+                  </p:par>
+                </p:childTnLst>
+              </p:cTn>
+              <p:prevCondLst>
+                <p:cond evt="onPrev" delay="0">
+                  <p:tgtEl>
+                    <p:sldTgt/>
+                  </p:tgtEl>
+                </p:cond>
+              </p:prevCondLst>
+              <p:nextCondLst>
+                <p:cond evt="onNext" delay="0">
+                  <p:tgtEl>
+                    <p:sldTgt/>
+                  </p:tgtEl>
+                </p:cond>
+              </p:nextCondLst>
+            </p:seq>
+          </p:childTnLst>
+        </p:cTn>
       </p:par>
     </p:tnLst>
+    <p:bldLst>
+      <p:bldP spid="6" grpId="0"/>
+      <p:bldP spid="7" grpId="0"/>
+    </p:bldLst>
   </p:timing>
 </p:sld>
 </file>
@@ -15337,6 +16792,19 @@
 </file>
 
 <file path=customXml/item1.xml><?xml version="1.0" encoding="utf-8"?>
+<?mso-contentType ?>
+<FormTemplates xmlns="http://schemas.microsoft.com/sharepoint/v3/contenttype/forms">
+  <Display>DocumentLibraryForm</Display>
+  <Edit>DocumentLibraryForm</Edit>
+  <New>DocumentLibraryForm</New>
+</FormTemplates>
+</file>
+
+<file path=customXml/item2.xml><?xml version="1.0" encoding="utf-8"?>
+<LongProperties xmlns="http://schemas.microsoft.com/office/2006/metadata/longProperties"/>
+</file>
+
+<file path=customXml/item3.xml><?xml version="1.0" encoding="utf-8"?>
 <ct:contentTypeSchema xmlns:ct="http://schemas.microsoft.com/office/2006/metadata/contentType" xmlns:ma="http://schemas.microsoft.com/office/2006/metadata/properties/metaAttributes" ct:_="" ma:_="" ma:contentTypeName="Document" ma:contentTypeID="0x010100152A3CFC636B004F874CAA4462160261" ma:contentTypeVersion="0" ma:contentTypeDescription="Create a new document." ma:contentTypeScope="" ma:versionID="54724255b6a7e390441e7f802fb831c9">
   <xsd:schema xmlns:xsd="http://www.w3.org/2001/XMLSchema" xmlns:xs="http://www.w3.org/2001/XMLSchema" xmlns:p="http://schemas.microsoft.com/office/2006/metadata/properties" targetNamespace="http://schemas.microsoft.com/office/2006/metadata/properties" ma:root="true" ma:fieldsID="c64490b4aec6201516c3a874156f37b2">
     <xsd:element name="properties">
@@ -15450,19 +16918,6 @@
 </ct:contentTypeSchema>
 </file>
 
-<file path=customXml/item2.xml><?xml version="1.0" encoding="utf-8"?>
-<LongProperties xmlns="http://schemas.microsoft.com/office/2006/metadata/longProperties"/>
-</file>
-
-<file path=customXml/item3.xml><?xml version="1.0" encoding="utf-8"?>
-<?mso-contentType ?>
-<FormTemplates xmlns="http://schemas.microsoft.com/sharepoint/v3/contenttype/forms">
-  <Display>DocumentLibraryForm</Display>
-  <Edit>DocumentLibraryForm</Edit>
-  <New>DocumentLibraryForm</New>
-</FormTemplates>
-</file>
-
 <file path=customXml/item4.xml><?xml version="1.0" encoding="utf-8"?>
 <p:properties xmlns:p="http://schemas.microsoft.com/office/2006/metadata/properties" xmlns:xsi="http://www.w3.org/2001/XMLSchema-instance" xmlns:pc="http://schemas.microsoft.com/office/infopath/2007/PartnerControls">
   <documentManagement/>
@@ -15470,17 +16925,9 @@
 </file>
 
 <file path=customXml/itemProps1.xml><?xml version="1.0" encoding="utf-8"?>
-<ds:datastoreItem xmlns:ds="http://schemas.openxmlformats.org/officeDocument/2006/customXml" ds:itemID="{13855BF2-3E1B-4048-8F5D-5069A0D184FE}">
+<ds:datastoreItem xmlns:ds="http://schemas.openxmlformats.org/officeDocument/2006/customXml" ds:itemID="{DDAAD0C2-8AA2-4903-8770-A9DDE0A43745}">
   <ds:schemaRefs>
-    <ds:schemaRef ds:uri="http://schemas.microsoft.com/office/2006/metadata/contentType"/>
-    <ds:schemaRef ds:uri="http://schemas.microsoft.com/office/2006/metadata/properties/metaAttributes"/>
-    <ds:schemaRef ds:uri="http://www.w3.org/2001/XMLSchema"/>
-    <ds:schemaRef ds:uri="http://schemas.microsoft.com/office/2006/metadata/properties"/>
-    <ds:schemaRef ds:uri="http://schemas.openxmlformats.org/package/2006/metadata/core-properties"/>
-    <ds:schemaRef ds:uri="http://purl.org/dc/elements/1.1/"/>
-    <ds:schemaRef ds:uri="http://purl.org/dc/terms/"/>
-    <ds:schemaRef ds:uri="http://schemas.microsoft.com/internal/obd"/>
-    <ds:schemaRef ds:uri="http://schemas.microsoft.com/office/infopath/2007/PartnerControls"/>
+    <ds:schemaRef ds:uri="http://schemas.microsoft.com/sharepoint/v3/contenttype/forms"/>
   </ds:schemaRefs>
 </ds:datastoreItem>
 </file>
@@ -15494,9 +16941,17 @@
 </file>
 
 <file path=customXml/itemProps3.xml><?xml version="1.0" encoding="utf-8"?>
-<ds:datastoreItem xmlns:ds="http://schemas.openxmlformats.org/officeDocument/2006/customXml" ds:itemID="{DDAAD0C2-8AA2-4903-8770-A9DDE0A43745}">
+<ds:datastoreItem xmlns:ds="http://schemas.openxmlformats.org/officeDocument/2006/customXml" ds:itemID="{13855BF2-3E1B-4048-8F5D-5069A0D184FE}">
   <ds:schemaRefs>
-    <ds:schemaRef ds:uri="http://schemas.microsoft.com/sharepoint/v3/contenttype/forms"/>
+    <ds:schemaRef ds:uri="http://schemas.microsoft.com/office/2006/metadata/contentType"/>
+    <ds:schemaRef ds:uri="http://schemas.microsoft.com/office/2006/metadata/properties/metaAttributes"/>
+    <ds:schemaRef ds:uri="http://www.w3.org/2001/XMLSchema"/>
+    <ds:schemaRef ds:uri="http://schemas.microsoft.com/office/2006/metadata/properties"/>
+    <ds:schemaRef ds:uri="http://schemas.openxmlformats.org/package/2006/metadata/core-properties"/>
+    <ds:schemaRef ds:uri="http://purl.org/dc/elements/1.1/"/>
+    <ds:schemaRef ds:uri="http://purl.org/dc/terms/"/>
+    <ds:schemaRef ds:uri="http://schemas.microsoft.com/internal/obd"/>
+    <ds:schemaRef ds:uri="http://schemas.microsoft.com/office/infopath/2007/PartnerControls"/>
   </ds:schemaRefs>
 </ds:datastoreItem>
 </file>

--- a/doc/BioCalc Presentation.pptx
+++ b/doc/BioCalc Presentation.pptx
@@ -5089,45 +5089,6 @@
           <a:chExt cx="0" cy="0"/>
         </a:xfrm>
       </p:grpSpPr>
-      <p:pic>
-        <p:nvPicPr>
-          <p:cNvPr id="5" name="Picture 4"/>
-          <p:cNvPicPr>
-            <a:picLocks noChangeAspect="1"/>
-          </p:cNvPicPr>
-          <p:nvPr/>
-        </p:nvPicPr>
-        <p:blipFill>
-          <a:blip r:embed="rId3" cstate="print">
-            <a:extLst>
-              <a:ext uri="{BEBA8EAE-BF5A-486C-A8C5-ECC9F3942E4B}">
-                <a14:imgProps xmlns:a14="http://schemas.microsoft.com/office/drawing/2010/main">
-                  <a14:imgLayer r:embed="rId4">
-                    <a14:imgEffect>
-                      <a14:artisticCutout/>
-                    </a14:imgEffect>
-                  </a14:imgLayer>
-                </a14:imgProps>
-              </a:ext>
-              <a:ext uri="{28A0092B-C50C-407E-A947-70E740481C1C}">
-                <a14:useLocalDpi xmlns:a14="http://schemas.microsoft.com/office/drawing/2010/main" val="0"/>
-              </a:ext>
-            </a:extLst>
-          </a:blip>
-          <a:stretch>
-            <a:fillRect/>
-          </a:stretch>
-        </p:blipFill>
-        <p:spPr>
-          <a:xfrm>
-            <a:off x="727107" y="5105400"/>
-            <a:ext cx="1101693" cy="970924"/>
-          </a:xfrm>
-          <a:prstGeom prst="rect">
-            <a:avLst/>
-          </a:prstGeom>
-        </p:spPr>
-      </p:pic>
       <p:sp>
         <p:nvSpPr>
           <p:cNvPr id="148493" name="Text Box 13"/>
@@ -5352,7 +5313,23 @@
                   <a:schemeClr val="bg1"/>
                 </a:solidFill>
               </a:rPr>
-              <a:t>Through the dark waters of the </a:t>
+              <a:t>Through the dark </a:t>
+            </a:r>
+            <a:r>
+              <a:rPr lang="en-US" altLang="en-US" b="1" i="1" dirty="0" smtClean="0">
+                <a:solidFill>
+                  <a:schemeClr val="bg1"/>
+                </a:solidFill>
+              </a:rPr>
+              <a:t>waters of </a:t>
+            </a:r>
+            <a:r>
+              <a:rPr lang="en-US" altLang="en-US" b="1" i="1" dirty="0" smtClean="0">
+                <a:solidFill>
+                  <a:schemeClr val="bg1"/>
+                </a:solidFill>
+              </a:rPr>
+              <a:t>the </a:t>
             </a:r>
             <a:r>
               <a:rPr lang="ro-RO" altLang="en-US" b="1" i="1" dirty="0" smtClean="0">
@@ -5638,6 +5615,36 @@
           </a:p>
         </p:txBody>
       </p:sp>
+      <p:pic>
+        <p:nvPicPr>
+          <p:cNvPr id="2" name="Picture 1"/>
+          <p:cNvPicPr>
+            <a:picLocks noChangeAspect="1"/>
+          </p:cNvPicPr>
+          <p:nvPr/>
+        </p:nvPicPr>
+        <p:blipFill>
+          <a:blip r:embed="rId3">
+            <a:extLst>
+              <a:ext uri="{28A0092B-C50C-407E-A947-70E740481C1C}">
+                <a14:useLocalDpi xmlns:a14="http://schemas.microsoft.com/office/drawing/2010/main" val="0"/>
+              </a:ext>
+            </a:extLst>
+          </a:blip>
+          <a:stretch>
+            <a:fillRect/>
+          </a:stretch>
+        </p:blipFill>
+        <p:spPr>
+          <a:xfrm>
+            <a:off x="625312" y="4953000"/>
+            <a:ext cx="1228725" cy="1085850"/>
+          </a:xfrm>
+          <a:prstGeom prst="rect">
+            <a:avLst/>
+          </a:prstGeom>
+        </p:spPr>
+      </p:pic>
     </p:spTree>
   </p:cSld>
   <p:clrMapOvr>
@@ -5752,6 +5759,50 @@
                             </p:childTnLst>
                           </p:cTn>
                         </p:par>
+                        <p:par>
+                          <p:cTn id="12" fill="hold">
+                            <p:stCondLst>
+                              <p:cond delay="6475"/>
+                            </p:stCondLst>
+                            <p:childTnLst>
+                              <p:par>
+                                <p:cTn id="13" presetID="22" presetClass="entr" presetSubtype="4" fill="hold" nodeType="afterEffect">
+                                  <p:stCondLst>
+                                    <p:cond delay="0"/>
+                                  </p:stCondLst>
+                                  <p:childTnLst>
+                                    <p:set>
+                                      <p:cBhvr>
+                                        <p:cTn id="14" dur="1" fill="hold">
+                                          <p:stCondLst>
+                                            <p:cond delay="0"/>
+                                          </p:stCondLst>
+                                        </p:cTn>
+                                        <p:tgtEl>
+                                          <p:spTgt spid="2"/>
+                                        </p:tgtEl>
+                                        <p:attrNameLst>
+                                          <p:attrName>style.visibility</p:attrName>
+                                        </p:attrNameLst>
+                                      </p:cBhvr>
+                                      <p:to>
+                                        <p:strVal val="visible"/>
+                                      </p:to>
+                                    </p:set>
+                                    <p:animEffect transition="in" filter="wipe(down)">
+                                      <p:cBhvr>
+                                        <p:cTn id="15" dur="500"/>
+                                        <p:tgtEl>
+                                          <p:spTgt spid="2"/>
+                                        </p:tgtEl>
+                                      </p:cBhvr>
+                                    </p:animEffect>
+                                  </p:childTnLst>
+                                </p:cTn>
+                              </p:par>
+                            </p:childTnLst>
+                          </p:cTn>
+                        </p:par>
                       </p:childTnLst>
                     </p:cTn>
                   </p:par>
@@ -5940,6 +5991,60 @@
           </a:extLst>
         </p:spPr>
       </p:pic>
+      <p:sp>
+        <p:nvSpPr>
+          <p:cNvPr id="5" name="TextBox 4"/>
+          <p:cNvSpPr txBox="1"/>
+          <p:nvPr/>
+        </p:nvSpPr>
+        <p:spPr>
+          <a:xfrm>
+            <a:off x="3352800" y="6459379"/>
+            <a:ext cx="2518638" cy="246221"/>
+          </a:xfrm>
+          <a:prstGeom prst="rect">
+            <a:avLst/>
+          </a:prstGeom>
+          <a:solidFill>
+            <a:schemeClr val="bg1"/>
+          </a:solidFill>
+        </p:spPr>
+        <p:txBody>
+          <a:bodyPr wrap="none" rtlCol="0">
+            <a:spAutoFit/>
+          </a:bodyPr>
+          <a:lstStyle/>
+          <a:p>
+            <a:r>
+              <a:rPr lang="en-US" sz="1000" dirty="0" smtClean="0">
+                <a:solidFill>
+                  <a:schemeClr val="bg1">
+                    <a:lumMod val="50000"/>
+                  </a:schemeClr>
+                </a:solidFill>
+              </a:rPr>
+              <a:t>© iQuest </a:t>
+            </a:r>
+            <a:r>
+              <a:rPr lang="en-US" sz="1000" dirty="0" smtClean="0">
+                <a:solidFill>
+                  <a:schemeClr val="bg1">
+                    <a:lumMod val="50000"/>
+                  </a:schemeClr>
+                </a:solidFill>
+              </a:rPr>
+              <a:t>Group 2013. All rights reserved.</a:t>
+            </a:r>
+            <a:endParaRPr lang="en-US" sz="1000" dirty="0" smtClean="0">
+              <a:solidFill>
+                <a:schemeClr val="bg1">
+                  <a:lumMod val="50000"/>
+                </a:schemeClr>
+              </a:solidFill>
+            </a:endParaRPr>
+          </a:p>
+        </p:txBody>
+      </p:sp>
     </p:spTree>
     <p:extLst>
       <p:ext uri="{BB962C8B-B14F-4D97-AF65-F5344CB8AC3E}">
@@ -6120,6 +6225,60 @@
           </a:extLst>
         </p:spPr>
       </p:pic>
+      <p:sp>
+        <p:nvSpPr>
+          <p:cNvPr id="5" name="TextBox 4"/>
+          <p:cNvSpPr txBox="1"/>
+          <p:nvPr/>
+        </p:nvSpPr>
+        <p:spPr>
+          <a:xfrm>
+            <a:off x="3352800" y="6459379"/>
+            <a:ext cx="2518638" cy="246221"/>
+          </a:xfrm>
+          <a:prstGeom prst="rect">
+            <a:avLst/>
+          </a:prstGeom>
+          <a:solidFill>
+            <a:schemeClr val="bg1"/>
+          </a:solidFill>
+        </p:spPr>
+        <p:txBody>
+          <a:bodyPr wrap="none" rtlCol="0">
+            <a:spAutoFit/>
+          </a:bodyPr>
+          <a:lstStyle/>
+          <a:p>
+            <a:r>
+              <a:rPr lang="en-US" sz="1000" dirty="0" smtClean="0">
+                <a:solidFill>
+                  <a:schemeClr val="bg1">
+                    <a:lumMod val="50000"/>
+                  </a:schemeClr>
+                </a:solidFill>
+              </a:rPr>
+              <a:t>© iQuest </a:t>
+            </a:r>
+            <a:r>
+              <a:rPr lang="en-US" sz="1000" dirty="0" smtClean="0">
+                <a:solidFill>
+                  <a:schemeClr val="bg1">
+                    <a:lumMod val="50000"/>
+                  </a:schemeClr>
+                </a:solidFill>
+              </a:rPr>
+              <a:t>Group 2013. All rights reserved.</a:t>
+            </a:r>
+            <a:endParaRPr lang="en-US" sz="1000" dirty="0" smtClean="0">
+              <a:solidFill>
+                <a:schemeClr val="bg1">
+                  <a:lumMod val="50000"/>
+                </a:schemeClr>
+              </a:solidFill>
+            </a:endParaRPr>
+          </a:p>
+        </p:txBody>
+      </p:sp>
     </p:spTree>
     <p:extLst>
       <p:ext uri="{BB962C8B-B14F-4D97-AF65-F5344CB8AC3E}">
@@ -6521,6 +6680,60 @@
               <a:rPr lang="ro-RO" altLang="en-US" sz="2400" dirty="0" smtClean="0"/>
               <a:t>But what if...</a:t>
             </a:r>
+          </a:p>
+        </p:txBody>
+      </p:sp>
+      <p:sp>
+        <p:nvSpPr>
+          <p:cNvPr id="7" name="TextBox 6"/>
+          <p:cNvSpPr txBox="1"/>
+          <p:nvPr/>
+        </p:nvSpPr>
+        <p:spPr>
+          <a:xfrm>
+            <a:off x="3352800" y="6459379"/>
+            <a:ext cx="2518638" cy="246221"/>
+          </a:xfrm>
+          <a:prstGeom prst="rect">
+            <a:avLst/>
+          </a:prstGeom>
+          <a:solidFill>
+            <a:schemeClr val="bg1"/>
+          </a:solidFill>
+        </p:spPr>
+        <p:txBody>
+          <a:bodyPr wrap="none" rtlCol="0">
+            <a:spAutoFit/>
+          </a:bodyPr>
+          <a:lstStyle/>
+          <a:p>
+            <a:r>
+              <a:rPr lang="en-US" sz="1000" dirty="0" smtClean="0">
+                <a:solidFill>
+                  <a:schemeClr val="bg1">
+                    <a:lumMod val="50000"/>
+                  </a:schemeClr>
+                </a:solidFill>
+              </a:rPr>
+              <a:t>© iQuest </a:t>
+            </a:r>
+            <a:r>
+              <a:rPr lang="en-US" sz="1000" dirty="0" smtClean="0">
+                <a:solidFill>
+                  <a:schemeClr val="bg1">
+                    <a:lumMod val="50000"/>
+                  </a:schemeClr>
+                </a:solidFill>
+              </a:rPr>
+              <a:t>Group 2013. All rights reserved.</a:t>
+            </a:r>
+            <a:endParaRPr lang="en-US" sz="1000" dirty="0" smtClean="0">
+              <a:solidFill>
+                <a:schemeClr val="bg1">
+                  <a:lumMod val="50000"/>
+                </a:schemeClr>
+              </a:solidFill>
+            </a:endParaRPr>
           </a:p>
         </p:txBody>
       </p:sp>
@@ -7301,6 +7514,60 @@
           </a:p>
         </p:txBody>
       </p:sp>
+      <p:sp>
+        <p:nvSpPr>
+          <p:cNvPr id="9" name="TextBox 8"/>
+          <p:cNvSpPr txBox="1"/>
+          <p:nvPr/>
+        </p:nvSpPr>
+        <p:spPr>
+          <a:xfrm>
+            <a:off x="3352800" y="6459379"/>
+            <a:ext cx="2518638" cy="246221"/>
+          </a:xfrm>
+          <a:prstGeom prst="rect">
+            <a:avLst/>
+          </a:prstGeom>
+          <a:solidFill>
+            <a:schemeClr val="bg1"/>
+          </a:solidFill>
+        </p:spPr>
+        <p:txBody>
+          <a:bodyPr wrap="none" rtlCol="0">
+            <a:spAutoFit/>
+          </a:bodyPr>
+          <a:lstStyle/>
+          <a:p>
+            <a:r>
+              <a:rPr lang="en-US" sz="1000" dirty="0" smtClean="0">
+                <a:solidFill>
+                  <a:schemeClr val="bg1">
+                    <a:lumMod val="50000"/>
+                  </a:schemeClr>
+                </a:solidFill>
+              </a:rPr>
+              <a:t>© iQuest </a:t>
+            </a:r>
+            <a:r>
+              <a:rPr lang="en-US" sz="1000" dirty="0" smtClean="0">
+                <a:solidFill>
+                  <a:schemeClr val="bg1">
+                    <a:lumMod val="50000"/>
+                  </a:schemeClr>
+                </a:solidFill>
+              </a:rPr>
+              <a:t>Group 2013. All rights reserved.</a:t>
+            </a:r>
+            <a:endParaRPr lang="en-US" sz="1000" dirty="0" smtClean="0">
+              <a:solidFill>
+                <a:schemeClr val="bg1">
+                  <a:lumMod val="50000"/>
+                </a:schemeClr>
+              </a:solidFill>
+            </a:endParaRPr>
+          </a:p>
+        </p:txBody>
+      </p:sp>
     </p:spTree>
     <p:extLst>
       <p:ext uri="{BB962C8B-B14F-4D97-AF65-F5344CB8AC3E}">
@@ -7631,6 +7898,60 @@
           </a:extLst>
         </p:spPr>
       </p:pic>
+      <p:sp>
+        <p:nvSpPr>
+          <p:cNvPr id="9" name="TextBox 8"/>
+          <p:cNvSpPr txBox="1"/>
+          <p:nvPr/>
+        </p:nvSpPr>
+        <p:spPr>
+          <a:xfrm>
+            <a:off x="3352800" y="6459379"/>
+            <a:ext cx="2518638" cy="246221"/>
+          </a:xfrm>
+          <a:prstGeom prst="rect">
+            <a:avLst/>
+          </a:prstGeom>
+          <a:solidFill>
+            <a:schemeClr val="bg1"/>
+          </a:solidFill>
+        </p:spPr>
+        <p:txBody>
+          <a:bodyPr wrap="none" rtlCol="0">
+            <a:spAutoFit/>
+          </a:bodyPr>
+          <a:lstStyle/>
+          <a:p>
+            <a:r>
+              <a:rPr lang="en-US" sz="1000" dirty="0" smtClean="0">
+                <a:solidFill>
+                  <a:schemeClr val="bg1">
+                    <a:lumMod val="50000"/>
+                  </a:schemeClr>
+                </a:solidFill>
+              </a:rPr>
+              <a:t>© iQuest </a:t>
+            </a:r>
+            <a:r>
+              <a:rPr lang="en-US" sz="1000" dirty="0" smtClean="0">
+                <a:solidFill>
+                  <a:schemeClr val="bg1">
+                    <a:lumMod val="50000"/>
+                  </a:schemeClr>
+                </a:solidFill>
+              </a:rPr>
+              <a:t>Group 2013. All rights reserved.</a:t>
+            </a:r>
+            <a:endParaRPr lang="en-US" sz="1000" dirty="0" smtClean="0">
+              <a:solidFill>
+                <a:schemeClr val="bg1">
+                  <a:lumMod val="50000"/>
+                </a:schemeClr>
+              </a:solidFill>
+            </a:endParaRPr>
+          </a:p>
+        </p:txBody>
+      </p:sp>
     </p:spTree>
     <p:extLst>
       <p:ext uri="{BB962C8B-B14F-4D97-AF65-F5344CB8AC3E}">
@@ -8018,6 +8339,60 @@
           </a:extLst>
         </p:spPr>
       </p:pic>
+      <p:sp>
+        <p:nvSpPr>
+          <p:cNvPr id="5" name="TextBox 4"/>
+          <p:cNvSpPr txBox="1"/>
+          <p:nvPr/>
+        </p:nvSpPr>
+        <p:spPr>
+          <a:xfrm>
+            <a:off x="3352800" y="6459379"/>
+            <a:ext cx="2518638" cy="246221"/>
+          </a:xfrm>
+          <a:prstGeom prst="rect">
+            <a:avLst/>
+          </a:prstGeom>
+          <a:solidFill>
+            <a:schemeClr val="bg1"/>
+          </a:solidFill>
+        </p:spPr>
+        <p:txBody>
+          <a:bodyPr wrap="none" rtlCol="0">
+            <a:spAutoFit/>
+          </a:bodyPr>
+          <a:lstStyle/>
+          <a:p>
+            <a:r>
+              <a:rPr lang="en-US" sz="1000" dirty="0" smtClean="0">
+                <a:solidFill>
+                  <a:schemeClr val="bg1">
+                    <a:lumMod val="50000"/>
+                  </a:schemeClr>
+                </a:solidFill>
+              </a:rPr>
+              <a:t>© iQuest </a:t>
+            </a:r>
+            <a:r>
+              <a:rPr lang="en-US" sz="1000" dirty="0" smtClean="0">
+                <a:solidFill>
+                  <a:schemeClr val="bg1">
+                    <a:lumMod val="50000"/>
+                  </a:schemeClr>
+                </a:solidFill>
+              </a:rPr>
+              <a:t>Group 2013. All rights reserved.</a:t>
+            </a:r>
+            <a:endParaRPr lang="en-US" sz="1000" dirty="0" smtClean="0">
+              <a:solidFill>
+                <a:schemeClr val="bg1">
+                  <a:lumMod val="50000"/>
+                </a:schemeClr>
+              </a:solidFill>
+            </a:endParaRPr>
+          </a:p>
+        </p:txBody>
+      </p:sp>
     </p:spTree>
     <p:extLst>
       <p:ext uri="{BB962C8B-B14F-4D97-AF65-F5344CB8AC3E}">
@@ -8202,6 +8577,60 @@
           </a:extLst>
         </p:spPr>
       </p:pic>
+      <p:sp>
+        <p:nvSpPr>
+          <p:cNvPr id="5" name="TextBox 4"/>
+          <p:cNvSpPr txBox="1"/>
+          <p:nvPr/>
+        </p:nvSpPr>
+        <p:spPr>
+          <a:xfrm>
+            <a:off x="3352800" y="6459379"/>
+            <a:ext cx="2518638" cy="246221"/>
+          </a:xfrm>
+          <a:prstGeom prst="rect">
+            <a:avLst/>
+          </a:prstGeom>
+          <a:solidFill>
+            <a:schemeClr val="bg1"/>
+          </a:solidFill>
+        </p:spPr>
+        <p:txBody>
+          <a:bodyPr wrap="none" rtlCol="0">
+            <a:spAutoFit/>
+          </a:bodyPr>
+          <a:lstStyle/>
+          <a:p>
+            <a:r>
+              <a:rPr lang="en-US" sz="1000" dirty="0" smtClean="0">
+                <a:solidFill>
+                  <a:schemeClr val="bg1">
+                    <a:lumMod val="50000"/>
+                  </a:schemeClr>
+                </a:solidFill>
+              </a:rPr>
+              <a:t>© iQuest </a:t>
+            </a:r>
+            <a:r>
+              <a:rPr lang="en-US" sz="1000" dirty="0" smtClean="0">
+                <a:solidFill>
+                  <a:schemeClr val="bg1">
+                    <a:lumMod val="50000"/>
+                  </a:schemeClr>
+                </a:solidFill>
+              </a:rPr>
+              <a:t>Group 2013. All rights reserved.</a:t>
+            </a:r>
+            <a:endParaRPr lang="en-US" sz="1000" dirty="0" smtClean="0">
+              <a:solidFill>
+                <a:schemeClr val="bg1">
+                  <a:lumMod val="50000"/>
+                </a:schemeClr>
+              </a:solidFill>
+            </a:endParaRPr>
+          </a:p>
+        </p:txBody>
+      </p:sp>
     </p:spTree>
     <p:extLst>
       <p:ext uri="{BB962C8B-B14F-4D97-AF65-F5344CB8AC3E}">
@@ -8388,6 +8817,60 @@
           </a:p>
         </p:txBody>
       </p:sp>
+      <p:sp>
+        <p:nvSpPr>
+          <p:cNvPr id="6" name="TextBox 5"/>
+          <p:cNvSpPr txBox="1"/>
+          <p:nvPr/>
+        </p:nvSpPr>
+        <p:spPr>
+          <a:xfrm>
+            <a:off x="3352800" y="6459379"/>
+            <a:ext cx="2518638" cy="246221"/>
+          </a:xfrm>
+          <a:prstGeom prst="rect">
+            <a:avLst/>
+          </a:prstGeom>
+          <a:solidFill>
+            <a:schemeClr val="bg1"/>
+          </a:solidFill>
+        </p:spPr>
+        <p:txBody>
+          <a:bodyPr wrap="none" rtlCol="0">
+            <a:spAutoFit/>
+          </a:bodyPr>
+          <a:lstStyle/>
+          <a:p>
+            <a:r>
+              <a:rPr lang="en-US" sz="1000" dirty="0" smtClean="0">
+                <a:solidFill>
+                  <a:schemeClr val="bg1">
+                    <a:lumMod val="50000"/>
+                  </a:schemeClr>
+                </a:solidFill>
+              </a:rPr>
+              <a:t>© iQuest </a:t>
+            </a:r>
+            <a:r>
+              <a:rPr lang="en-US" sz="1000" dirty="0" smtClean="0">
+                <a:solidFill>
+                  <a:schemeClr val="bg1">
+                    <a:lumMod val="50000"/>
+                  </a:schemeClr>
+                </a:solidFill>
+              </a:rPr>
+              <a:t>Group 2013. All rights reserved.</a:t>
+            </a:r>
+            <a:endParaRPr lang="en-US" sz="1000" dirty="0" smtClean="0">
+              <a:solidFill>
+                <a:schemeClr val="bg1">
+                  <a:lumMod val="50000"/>
+                </a:schemeClr>
+              </a:solidFill>
+            </a:endParaRPr>
+          </a:p>
+        </p:txBody>
+      </p:sp>
     </p:spTree>
     <p:extLst>
       <p:ext uri="{BB962C8B-B14F-4D97-AF65-F5344CB8AC3E}">
@@ -8553,6 +9036,60 @@
           </a:extLst>
         </p:spPr>
       </p:pic>
+      <p:sp>
+        <p:nvSpPr>
+          <p:cNvPr id="6" name="TextBox 5"/>
+          <p:cNvSpPr txBox="1"/>
+          <p:nvPr/>
+        </p:nvSpPr>
+        <p:spPr>
+          <a:xfrm>
+            <a:off x="3352800" y="6459379"/>
+            <a:ext cx="2518638" cy="246221"/>
+          </a:xfrm>
+          <a:prstGeom prst="rect">
+            <a:avLst/>
+          </a:prstGeom>
+          <a:solidFill>
+            <a:schemeClr val="bg1"/>
+          </a:solidFill>
+        </p:spPr>
+        <p:txBody>
+          <a:bodyPr wrap="none" rtlCol="0">
+            <a:spAutoFit/>
+          </a:bodyPr>
+          <a:lstStyle/>
+          <a:p>
+            <a:r>
+              <a:rPr lang="en-US" sz="1000" dirty="0" smtClean="0">
+                <a:solidFill>
+                  <a:schemeClr val="bg1">
+                    <a:lumMod val="50000"/>
+                  </a:schemeClr>
+                </a:solidFill>
+              </a:rPr>
+              <a:t>© iQuest </a:t>
+            </a:r>
+            <a:r>
+              <a:rPr lang="en-US" sz="1000" dirty="0" smtClean="0">
+                <a:solidFill>
+                  <a:schemeClr val="bg1">
+                    <a:lumMod val="50000"/>
+                  </a:schemeClr>
+                </a:solidFill>
+              </a:rPr>
+              <a:t>Group 2013. All rights reserved.</a:t>
+            </a:r>
+            <a:endParaRPr lang="en-US" sz="1000" dirty="0" smtClean="0">
+              <a:solidFill>
+                <a:schemeClr val="bg1">
+                  <a:lumMod val="50000"/>
+                </a:schemeClr>
+              </a:solidFill>
+            </a:endParaRPr>
+          </a:p>
+        </p:txBody>
+      </p:sp>
     </p:spTree>
     <p:extLst>
       <p:ext uri="{BB962C8B-B14F-4D97-AF65-F5344CB8AC3E}">
@@ -8772,6 +9309,60 @@
               <a:solidFill>
                 <a:schemeClr val="bg1">
                   <a:lumMod val="75000"/>
+                </a:schemeClr>
+              </a:solidFill>
+            </a:endParaRPr>
+          </a:p>
+        </p:txBody>
+      </p:sp>
+      <p:sp>
+        <p:nvSpPr>
+          <p:cNvPr id="7" name="TextBox 6"/>
+          <p:cNvSpPr txBox="1"/>
+          <p:nvPr/>
+        </p:nvSpPr>
+        <p:spPr>
+          <a:xfrm>
+            <a:off x="3352800" y="6459379"/>
+            <a:ext cx="2518638" cy="246221"/>
+          </a:xfrm>
+          <a:prstGeom prst="rect">
+            <a:avLst/>
+          </a:prstGeom>
+          <a:solidFill>
+            <a:schemeClr val="bg1"/>
+          </a:solidFill>
+        </p:spPr>
+        <p:txBody>
+          <a:bodyPr wrap="none" rtlCol="0">
+            <a:spAutoFit/>
+          </a:bodyPr>
+          <a:lstStyle/>
+          <a:p>
+            <a:r>
+              <a:rPr lang="en-US" sz="1000" dirty="0" smtClean="0">
+                <a:solidFill>
+                  <a:schemeClr val="bg1">
+                    <a:lumMod val="50000"/>
+                  </a:schemeClr>
+                </a:solidFill>
+              </a:rPr>
+              <a:t>© iQuest </a:t>
+            </a:r>
+            <a:r>
+              <a:rPr lang="en-US" sz="1000" dirty="0" smtClean="0">
+                <a:solidFill>
+                  <a:schemeClr val="bg1">
+                    <a:lumMod val="50000"/>
+                  </a:schemeClr>
+                </a:solidFill>
+              </a:rPr>
+              <a:t>Group 2013. All rights reserved.</a:t>
+            </a:r>
+            <a:endParaRPr lang="en-US" sz="1000" dirty="0" smtClean="0">
+              <a:solidFill>
+                <a:schemeClr val="bg1">
+                  <a:lumMod val="50000"/>
                 </a:schemeClr>
               </a:solidFill>
             </a:endParaRPr>
@@ -8908,6 +9499,121 @@
           </a:p>
         </p:txBody>
       </p:sp>
+      <p:sp>
+        <p:nvSpPr>
+          <p:cNvPr id="2" name="TextBox 1"/>
+          <p:cNvSpPr txBox="1"/>
+          <p:nvPr/>
+        </p:nvSpPr>
+        <p:spPr>
+          <a:xfrm>
+            <a:off x="3352800" y="6459379"/>
+            <a:ext cx="2518638" cy="246221"/>
+          </a:xfrm>
+          <a:prstGeom prst="rect">
+            <a:avLst/>
+          </a:prstGeom>
+          <a:solidFill>
+            <a:schemeClr val="bg1"/>
+          </a:solidFill>
+        </p:spPr>
+        <p:txBody>
+          <a:bodyPr wrap="none" rtlCol="0">
+            <a:spAutoFit/>
+          </a:bodyPr>
+          <a:lstStyle/>
+          <a:p>
+            <a:r>
+              <a:rPr lang="en-US" sz="1000" dirty="0" smtClean="0">
+                <a:solidFill>
+                  <a:schemeClr val="bg1">
+                    <a:lumMod val="50000"/>
+                  </a:schemeClr>
+                </a:solidFill>
+              </a:rPr>
+              <a:t>© iQuest </a:t>
+            </a:r>
+            <a:r>
+              <a:rPr lang="en-US" sz="1000" dirty="0" smtClean="0">
+                <a:solidFill>
+                  <a:schemeClr val="bg1">
+                    <a:lumMod val="50000"/>
+                  </a:schemeClr>
+                </a:solidFill>
+              </a:rPr>
+              <a:t>Group 2013. All rights reserved.</a:t>
+            </a:r>
+            <a:endParaRPr lang="en-US" sz="1000" dirty="0" smtClean="0">
+              <a:solidFill>
+                <a:schemeClr val="bg1">
+                  <a:lumMod val="50000"/>
+                </a:schemeClr>
+              </a:solidFill>
+            </a:endParaRPr>
+          </a:p>
+        </p:txBody>
+      </p:sp>
+      <p:sp>
+        <p:nvSpPr>
+          <p:cNvPr id="5" name="Flowchart: Process 4"/>
+          <p:cNvSpPr/>
+          <p:nvPr/>
+        </p:nvSpPr>
+        <p:spPr bwMode="auto">
+          <a:xfrm>
+            <a:off x="2895600" y="6065186"/>
+            <a:ext cx="914400" cy="612648"/>
+          </a:xfrm>
+          <a:prstGeom prst="flowChartProcess">
+            <a:avLst/>
+          </a:prstGeom>
+          <a:noFill/>
+          <a:ln w="9525" cap="flat" cmpd="sng" algn="ctr">
+            <a:noFill/>
+            <a:prstDash val="solid"/>
+            <a:round/>
+            <a:headEnd type="none" w="med" len="med"/>
+            <a:tailEnd type="none" w="med" len="med"/>
+          </a:ln>
+          <a:effectLst/>
+        </p:spPr>
+        <p:txBody>
+          <a:bodyPr vert="horz" wrap="none" lIns="91440" tIns="45720" rIns="91440" bIns="45720" numCol="1" rtlCol="0" anchor="ctr" anchorCtr="0" compatLnSpc="1">
+            <a:prstTxWarp prst="textNoShape">
+              <a:avLst/>
+            </a:prstTxWarp>
+          </a:bodyPr>
+          <a:lstStyle/>
+          <a:p>
+            <a:pPr marL="0" marR="0" indent="0" algn="ctr" defTabSz="914400" rtl="0" eaLnBrk="1" fontAlgn="base" latinLnBrk="0" hangingPunct="1">
+              <a:lnSpc>
+                <a:spcPct val="100000"/>
+              </a:lnSpc>
+              <a:spcBef>
+                <a:spcPct val="0"/>
+              </a:spcBef>
+              <a:spcAft>
+                <a:spcPct val="0"/>
+              </a:spcAft>
+              <a:buClrTx/>
+              <a:buSzTx/>
+              <a:buFontTx/>
+              <a:buNone/>
+              <a:tabLst/>
+            </a:pPr>
+            <a:endParaRPr kumimoji="0" lang="en-US" sz="2000" b="0" i="0" u="none" strike="noStrike" cap="none" normalizeH="0" baseline="0" smtClean="0">
+              <a:ln>
+                <a:noFill/>
+              </a:ln>
+              <a:solidFill>
+                <a:srgbClr val="3E5A84"/>
+              </a:solidFill>
+              <a:effectLst/>
+              <a:latin typeface="Arial" charset="0"/>
+            </a:endParaRPr>
+          </a:p>
+        </p:txBody>
+      </p:sp>
     </p:spTree>
   </p:cSld>
   <p:clrMapOvr>
@@ -9043,6 +9749,60 @@
               <a:rPr lang="ro-RO" altLang="en-US" sz="2400" dirty="0" smtClean="0"/>
               <a:t>Adapter Pattern</a:t>
             </a:r>
+          </a:p>
+        </p:txBody>
+      </p:sp>
+      <p:sp>
+        <p:nvSpPr>
+          <p:cNvPr id="4" name="TextBox 3"/>
+          <p:cNvSpPr txBox="1"/>
+          <p:nvPr/>
+        </p:nvSpPr>
+        <p:spPr>
+          <a:xfrm>
+            <a:off x="3352800" y="6459379"/>
+            <a:ext cx="2518638" cy="246221"/>
+          </a:xfrm>
+          <a:prstGeom prst="rect">
+            <a:avLst/>
+          </a:prstGeom>
+          <a:solidFill>
+            <a:schemeClr val="bg1"/>
+          </a:solidFill>
+        </p:spPr>
+        <p:txBody>
+          <a:bodyPr wrap="none" rtlCol="0">
+            <a:spAutoFit/>
+          </a:bodyPr>
+          <a:lstStyle/>
+          <a:p>
+            <a:r>
+              <a:rPr lang="en-US" sz="1000" dirty="0" smtClean="0">
+                <a:solidFill>
+                  <a:schemeClr val="bg1">
+                    <a:lumMod val="50000"/>
+                  </a:schemeClr>
+                </a:solidFill>
+              </a:rPr>
+              <a:t>© iQuest </a:t>
+            </a:r>
+            <a:r>
+              <a:rPr lang="en-US" sz="1000" dirty="0" smtClean="0">
+                <a:solidFill>
+                  <a:schemeClr val="bg1">
+                    <a:lumMod val="50000"/>
+                  </a:schemeClr>
+                </a:solidFill>
+              </a:rPr>
+              <a:t>Group 2013. All rights reserved.</a:t>
+            </a:r>
+            <a:endParaRPr lang="en-US" sz="1000" dirty="0" smtClean="0">
+              <a:solidFill>
+                <a:schemeClr val="bg1">
+                  <a:lumMod val="50000"/>
+                </a:schemeClr>
+              </a:solidFill>
+            </a:endParaRPr>
           </a:p>
         </p:txBody>
       </p:sp>
@@ -9442,6 +10202,60 @@
               <a:solidFill>
                 <a:schemeClr val="bg1">
                   <a:lumMod val="75000"/>
+                </a:schemeClr>
+              </a:solidFill>
+            </a:endParaRPr>
+          </a:p>
+        </p:txBody>
+      </p:sp>
+      <p:sp>
+        <p:nvSpPr>
+          <p:cNvPr id="6" name="TextBox 5"/>
+          <p:cNvSpPr txBox="1"/>
+          <p:nvPr/>
+        </p:nvSpPr>
+        <p:spPr>
+          <a:xfrm>
+            <a:off x="3352800" y="6459379"/>
+            <a:ext cx="2518638" cy="246221"/>
+          </a:xfrm>
+          <a:prstGeom prst="rect">
+            <a:avLst/>
+          </a:prstGeom>
+          <a:solidFill>
+            <a:schemeClr val="bg1"/>
+          </a:solidFill>
+        </p:spPr>
+        <p:txBody>
+          <a:bodyPr wrap="none" rtlCol="0">
+            <a:spAutoFit/>
+          </a:bodyPr>
+          <a:lstStyle/>
+          <a:p>
+            <a:r>
+              <a:rPr lang="en-US" sz="1000" dirty="0" smtClean="0">
+                <a:solidFill>
+                  <a:schemeClr val="bg1">
+                    <a:lumMod val="50000"/>
+                  </a:schemeClr>
+                </a:solidFill>
+              </a:rPr>
+              <a:t>© iQuest </a:t>
+            </a:r>
+            <a:r>
+              <a:rPr lang="en-US" sz="1000" dirty="0" smtClean="0">
+                <a:solidFill>
+                  <a:schemeClr val="bg1">
+                    <a:lumMod val="50000"/>
+                  </a:schemeClr>
+                </a:solidFill>
+              </a:rPr>
+              <a:t>Group 2013. All rights reserved.</a:t>
+            </a:r>
+            <a:endParaRPr lang="en-US" sz="1000" dirty="0" smtClean="0">
+              <a:solidFill>
+                <a:schemeClr val="bg1">
+                  <a:lumMod val="50000"/>
                 </a:schemeClr>
               </a:solidFill>
             </a:endParaRPr>
@@ -9869,11 +10683,7 @@
           <a:p>
             <a:r>
               <a:rPr lang="en-US" sz="1600" dirty="0" smtClean="0"/>
-              <a:t>We cannot, but we can </a:t>
-            </a:r>
-            <a:r>
-              <a:rPr lang="en-US" sz="1600" dirty="0" smtClean="0"/>
-              <a:t>emulate them.</a:t>
+              <a:t>We cannot, but we can emulate them.</a:t>
             </a:r>
             <a:endParaRPr lang="en-US" sz="1600" dirty="0" smtClean="0">
               <a:latin typeface="Courier New" panose="02070309020205020404" pitchFamily="49" charset="0"/>
@@ -9949,6 +10759,60 @@
               <a:solidFill>
                 <a:schemeClr val="bg1">
                   <a:lumMod val="75000"/>
+                </a:schemeClr>
+              </a:solidFill>
+            </a:endParaRPr>
+          </a:p>
+        </p:txBody>
+      </p:sp>
+      <p:sp>
+        <p:nvSpPr>
+          <p:cNvPr id="6" name="TextBox 5"/>
+          <p:cNvSpPr txBox="1"/>
+          <p:nvPr/>
+        </p:nvSpPr>
+        <p:spPr>
+          <a:xfrm>
+            <a:off x="3352800" y="6459379"/>
+            <a:ext cx="2518638" cy="246221"/>
+          </a:xfrm>
+          <a:prstGeom prst="rect">
+            <a:avLst/>
+          </a:prstGeom>
+          <a:solidFill>
+            <a:schemeClr val="bg1"/>
+          </a:solidFill>
+        </p:spPr>
+        <p:txBody>
+          <a:bodyPr wrap="none" rtlCol="0">
+            <a:spAutoFit/>
+          </a:bodyPr>
+          <a:lstStyle/>
+          <a:p>
+            <a:r>
+              <a:rPr lang="en-US" sz="1000" dirty="0" smtClean="0">
+                <a:solidFill>
+                  <a:schemeClr val="bg1">
+                    <a:lumMod val="50000"/>
+                  </a:schemeClr>
+                </a:solidFill>
+              </a:rPr>
+              <a:t>© iQuest </a:t>
+            </a:r>
+            <a:r>
+              <a:rPr lang="en-US" sz="1000" dirty="0" smtClean="0">
+                <a:solidFill>
+                  <a:schemeClr val="bg1">
+                    <a:lumMod val="50000"/>
+                  </a:schemeClr>
+                </a:solidFill>
+              </a:rPr>
+              <a:t>Group 2013. All rights reserved.</a:t>
+            </a:r>
+            <a:endParaRPr lang="en-US" sz="1000" dirty="0" smtClean="0">
+              <a:solidFill>
+                <a:schemeClr val="bg1">
+                  <a:lumMod val="50000"/>
                 </a:schemeClr>
               </a:solidFill>
             </a:endParaRPr>
@@ -10385,6 +11249,60 @@
           </a:p>
         </p:txBody>
       </p:sp>
+      <p:sp>
+        <p:nvSpPr>
+          <p:cNvPr id="5" name="TextBox 4"/>
+          <p:cNvSpPr txBox="1"/>
+          <p:nvPr/>
+        </p:nvSpPr>
+        <p:spPr>
+          <a:xfrm>
+            <a:off x="3352800" y="6459379"/>
+            <a:ext cx="2518638" cy="246221"/>
+          </a:xfrm>
+          <a:prstGeom prst="rect">
+            <a:avLst/>
+          </a:prstGeom>
+          <a:solidFill>
+            <a:schemeClr val="bg1"/>
+          </a:solidFill>
+        </p:spPr>
+        <p:txBody>
+          <a:bodyPr wrap="none" rtlCol="0">
+            <a:spAutoFit/>
+          </a:bodyPr>
+          <a:lstStyle/>
+          <a:p>
+            <a:r>
+              <a:rPr lang="en-US" sz="1000" dirty="0" smtClean="0">
+                <a:solidFill>
+                  <a:schemeClr val="bg1">
+                    <a:lumMod val="50000"/>
+                  </a:schemeClr>
+                </a:solidFill>
+              </a:rPr>
+              <a:t>© iQuest </a:t>
+            </a:r>
+            <a:r>
+              <a:rPr lang="en-US" sz="1000" dirty="0" smtClean="0">
+                <a:solidFill>
+                  <a:schemeClr val="bg1">
+                    <a:lumMod val="50000"/>
+                  </a:schemeClr>
+                </a:solidFill>
+              </a:rPr>
+              <a:t>Group 2013. All rights reserved.</a:t>
+            </a:r>
+            <a:endParaRPr lang="en-US" sz="1000" dirty="0" smtClean="0">
+              <a:solidFill>
+                <a:schemeClr val="bg1">
+                  <a:lumMod val="50000"/>
+                </a:schemeClr>
+              </a:solidFill>
+            </a:endParaRPr>
+          </a:p>
+        </p:txBody>
+      </p:sp>
     </p:spTree>
     <p:extLst>
       <p:ext uri="{BB962C8B-B14F-4D97-AF65-F5344CB8AC3E}">
@@ -10626,29 +11544,13 @@
           <a:p>
             <a:r>
               <a:rPr lang="en-US" sz="1600" dirty="0" smtClean="0"/>
-              <a:t>1. Create </a:t>
-            </a:r>
+              <a:t>1. Create all as public;</a:t>
+            </a:r>
+          </a:p>
+          <a:p>
             <a:r>
               <a:rPr lang="en-US" sz="1600" dirty="0" smtClean="0"/>
-              <a:t>all </a:t>
-            </a:r>
-            <a:r>
-              <a:rPr lang="en-US" sz="1600" dirty="0" smtClean="0"/>
-              <a:t>as public;</a:t>
-            </a:r>
-          </a:p>
-          <a:p>
-            <a:r>
-              <a:rPr lang="en-US" sz="1600" dirty="0" smtClean="0"/>
-              <a:t>2.</a:t>
-            </a:r>
-            <a:r>
-              <a:rPr lang="en-US" sz="1600" dirty="0" smtClean="0"/>
-              <a:t> Use </a:t>
-            </a:r>
-            <a:r>
-              <a:rPr lang="en-US" sz="1600" dirty="0" smtClean="0"/>
-              <a:t>a </a:t>
+              <a:t>2. Use a </a:t>
             </a:r>
             <a:r>
               <a:rPr lang="en-US" sz="1600" b="1" dirty="0" smtClean="0"/>
@@ -10694,6 +11596,60 @@
               </a:rPr>
               <a:t>();</a:t>
             </a:r>
+          </a:p>
+        </p:txBody>
+      </p:sp>
+      <p:sp>
+        <p:nvSpPr>
+          <p:cNvPr id="7" name="TextBox 6"/>
+          <p:cNvSpPr txBox="1"/>
+          <p:nvPr/>
+        </p:nvSpPr>
+        <p:spPr>
+          <a:xfrm>
+            <a:off x="3352800" y="6459379"/>
+            <a:ext cx="2518638" cy="246221"/>
+          </a:xfrm>
+          <a:prstGeom prst="rect">
+            <a:avLst/>
+          </a:prstGeom>
+          <a:solidFill>
+            <a:schemeClr val="bg1"/>
+          </a:solidFill>
+        </p:spPr>
+        <p:txBody>
+          <a:bodyPr wrap="none" rtlCol="0">
+            <a:spAutoFit/>
+          </a:bodyPr>
+          <a:lstStyle/>
+          <a:p>
+            <a:r>
+              <a:rPr lang="en-US" sz="1000" dirty="0" smtClean="0">
+                <a:solidFill>
+                  <a:schemeClr val="bg1">
+                    <a:lumMod val="50000"/>
+                  </a:schemeClr>
+                </a:solidFill>
+              </a:rPr>
+              <a:t>© iQuest </a:t>
+            </a:r>
+            <a:r>
+              <a:rPr lang="en-US" sz="1000" dirty="0" smtClean="0">
+                <a:solidFill>
+                  <a:schemeClr val="bg1">
+                    <a:lumMod val="50000"/>
+                  </a:schemeClr>
+                </a:solidFill>
+              </a:rPr>
+              <a:t>Group 2013. All rights reserved.</a:t>
+            </a:r>
+            <a:endParaRPr lang="en-US" sz="1000" dirty="0" smtClean="0">
+              <a:solidFill>
+                <a:schemeClr val="bg1">
+                  <a:lumMod val="50000"/>
+                </a:schemeClr>
+              </a:solidFill>
+            </a:endParaRPr>
           </a:p>
         </p:txBody>
       </p:sp>
@@ -10953,6 +11909,60 @@
           </a:p>
         </p:txBody>
       </p:sp>
+      <p:sp>
+        <p:nvSpPr>
+          <p:cNvPr id="5" name="TextBox 4"/>
+          <p:cNvSpPr txBox="1"/>
+          <p:nvPr/>
+        </p:nvSpPr>
+        <p:spPr>
+          <a:xfrm>
+            <a:off x="3352800" y="6459379"/>
+            <a:ext cx="2518638" cy="246221"/>
+          </a:xfrm>
+          <a:prstGeom prst="rect">
+            <a:avLst/>
+          </a:prstGeom>
+          <a:solidFill>
+            <a:schemeClr val="bg1"/>
+          </a:solidFill>
+        </p:spPr>
+        <p:txBody>
+          <a:bodyPr wrap="none" rtlCol="0">
+            <a:spAutoFit/>
+          </a:bodyPr>
+          <a:lstStyle/>
+          <a:p>
+            <a:r>
+              <a:rPr lang="en-US" sz="1000" dirty="0" smtClean="0">
+                <a:solidFill>
+                  <a:schemeClr val="bg1">
+                    <a:lumMod val="50000"/>
+                  </a:schemeClr>
+                </a:solidFill>
+              </a:rPr>
+              <a:t>© iQuest </a:t>
+            </a:r>
+            <a:r>
+              <a:rPr lang="en-US" sz="1000" dirty="0" smtClean="0">
+                <a:solidFill>
+                  <a:schemeClr val="bg1">
+                    <a:lumMod val="50000"/>
+                  </a:schemeClr>
+                </a:solidFill>
+              </a:rPr>
+              <a:t>Group 2013. All rights reserved.</a:t>
+            </a:r>
+            <a:endParaRPr lang="en-US" sz="1000" dirty="0" smtClean="0">
+              <a:solidFill>
+                <a:schemeClr val="bg1">
+                  <a:lumMod val="50000"/>
+                </a:schemeClr>
+              </a:solidFill>
+            </a:endParaRPr>
+          </a:p>
+        </p:txBody>
+      </p:sp>
     </p:spTree>
     <p:extLst>
       <p:ext uri="{BB962C8B-B14F-4D97-AF65-F5344CB8AC3E}">
@@ -11093,6 +12103,60 @@
               <a:rPr lang="ro-RO" altLang="en-US" sz="2400" b="1" dirty="0" smtClean="0"/>
               <a:t>Adapter Pattern</a:t>
             </a:r>
+          </a:p>
+        </p:txBody>
+      </p:sp>
+      <p:sp>
+        <p:nvSpPr>
+          <p:cNvPr id="4" name="TextBox 3"/>
+          <p:cNvSpPr txBox="1"/>
+          <p:nvPr/>
+        </p:nvSpPr>
+        <p:spPr>
+          <a:xfrm>
+            <a:off x="3352800" y="6459379"/>
+            <a:ext cx="2518638" cy="246221"/>
+          </a:xfrm>
+          <a:prstGeom prst="rect">
+            <a:avLst/>
+          </a:prstGeom>
+          <a:solidFill>
+            <a:schemeClr val="bg1"/>
+          </a:solidFill>
+        </p:spPr>
+        <p:txBody>
+          <a:bodyPr wrap="none" rtlCol="0">
+            <a:spAutoFit/>
+          </a:bodyPr>
+          <a:lstStyle/>
+          <a:p>
+            <a:r>
+              <a:rPr lang="en-US" sz="1000" dirty="0" smtClean="0">
+                <a:solidFill>
+                  <a:schemeClr val="bg1">
+                    <a:lumMod val="50000"/>
+                  </a:schemeClr>
+                </a:solidFill>
+              </a:rPr>
+              <a:t>© iQuest </a:t>
+            </a:r>
+            <a:r>
+              <a:rPr lang="en-US" sz="1000" dirty="0" smtClean="0">
+                <a:solidFill>
+                  <a:schemeClr val="bg1">
+                    <a:lumMod val="50000"/>
+                  </a:schemeClr>
+                </a:solidFill>
+              </a:rPr>
+              <a:t>Group 2013. All rights reserved.</a:t>
+            </a:r>
+            <a:endParaRPr lang="en-US" sz="1000" dirty="0" smtClean="0">
+              <a:solidFill>
+                <a:schemeClr val="bg1">
+                  <a:lumMod val="50000"/>
+                </a:schemeClr>
+              </a:solidFill>
+            </a:endParaRPr>
           </a:p>
         </p:txBody>
       </p:sp>
@@ -12007,6 +13071,60 @@
               <a:t>“If it walks like a duck and it quacks like a duck then it’s a duck.”</a:t>
             </a:r>
             <a:endParaRPr lang="en-US" kern="0" dirty="0"/>
+          </a:p>
+        </p:txBody>
+      </p:sp>
+      <p:sp>
+        <p:nvSpPr>
+          <p:cNvPr id="12" name="TextBox 11"/>
+          <p:cNvSpPr txBox="1"/>
+          <p:nvPr/>
+        </p:nvSpPr>
+        <p:spPr>
+          <a:xfrm>
+            <a:off x="3352800" y="6459379"/>
+            <a:ext cx="2518638" cy="246221"/>
+          </a:xfrm>
+          <a:prstGeom prst="rect">
+            <a:avLst/>
+          </a:prstGeom>
+          <a:solidFill>
+            <a:schemeClr val="bg1"/>
+          </a:solidFill>
+        </p:spPr>
+        <p:txBody>
+          <a:bodyPr wrap="none" rtlCol="0">
+            <a:spAutoFit/>
+          </a:bodyPr>
+          <a:lstStyle/>
+          <a:p>
+            <a:r>
+              <a:rPr lang="en-US" sz="1000" dirty="0" smtClean="0">
+                <a:solidFill>
+                  <a:schemeClr val="bg1">
+                    <a:lumMod val="50000"/>
+                  </a:schemeClr>
+                </a:solidFill>
+              </a:rPr>
+              <a:t>© iQuest </a:t>
+            </a:r>
+            <a:r>
+              <a:rPr lang="en-US" sz="1000" dirty="0" smtClean="0">
+                <a:solidFill>
+                  <a:schemeClr val="bg1">
+                    <a:lumMod val="50000"/>
+                  </a:schemeClr>
+                </a:solidFill>
+              </a:rPr>
+              <a:t>Group 2013. All rights reserved.</a:t>
+            </a:r>
+            <a:endParaRPr lang="en-US" sz="1000" dirty="0" smtClean="0">
+              <a:solidFill>
+                <a:schemeClr val="bg1">
+                  <a:lumMod val="50000"/>
+                </a:schemeClr>
+              </a:solidFill>
+            </a:endParaRPr>
           </a:p>
         </p:txBody>
       </p:sp>
@@ -12512,6 +13630,60 @@
           </a:p>
         </p:txBody>
       </p:sp>
+      <p:sp>
+        <p:nvSpPr>
+          <p:cNvPr id="5" name="TextBox 4"/>
+          <p:cNvSpPr txBox="1"/>
+          <p:nvPr/>
+        </p:nvSpPr>
+        <p:spPr>
+          <a:xfrm>
+            <a:off x="3352800" y="6459379"/>
+            <a:ext cx="2518638" cy="246221"/>
+          </a:xfrm>
+          <a:prstGeom prst="rect">
+            <a:avLst/>
+          </a:prstGeom>
+          <a:solidFill>
+            <a:schemeClr val="bg1"/>
+          </a:solidFill>
+        </p:spPr>
+        <p:txBody>
+          <a:bodyPr wrap="none" rtlCol="0">
+            <a:spAutoFit/>
+          </a:bodyPr>
+          <a:lstStyle/>
+          <a:p>
+            <a:r>
+              <a:rPr lang="en-US" sz="1000" dirty="0" smtClean="0">
+                <a:solidFill>
+                  <a:schemeClr val="bg1">
+                    <a:lumMod val="50000"/>
+                  </a:schemeClr>
+                </a:solidFill>
+              </a:rPr>
+              <a:t>© iQuest </a:t>
+            </a:r>
+            <a:r>
+              <a:rPr lang="en-US" sz="1000" dirty="0" smtClean="0">
+                <a:solidFill>
+                  <a:schemeClr val="bg1">
+                    <a:lumMod val="50000"/>
+                  </a:schemeClr>
+                </a:solidFill>
+              </a:rPr>
+              <a:t>Group 2013. All rights reserved.</a:t>
+            </a:r>
+            <a:endParaRPr lang="en-US" sz="1000" dirty="0" smtClean="0">
+              <a:solidFill>
+                <a:schemeClr val="bg1">
+                  <a:lumMod val="50000"/>
+                </a:schemeClr>
+              </a:solidFill>
+            </a:endParaRPr>
+          </a:p>
+        </p:txBody>
+      </p:sp>
     </p:spTree>
     <p:extLst>
       <p:ext uri="{BB962C8B-B14F-4D97-AF65-F5344CB8AC3E}">
@@ -12684,6 +13856,60 @@
               <a:t>BioCalc</a:t>
             </a:r>
             <a:endParaRPr lang="en-US" dirty="0" smtClean="0"/>
+          </a:p>
+        </p:txBody>
+      </p:sp>
+      <p:sp>
+        <p:nvSpPr>
+          <p:cNvPr id="4" name="TextBox 3"/>
+          <p:cNvSpPr txBox="1"/>
+          <p:nvPr/>
+        </p:nvSpPr>
+        <p:spPr>
+          <a:xfrm>
+            <a:off x="3352800" y="6459379"/>
+            <a:ext cx="2518638" cy="246221"/>
+          </a:xfrm>
+          <a:prstGeom prst="rect">
+            <a:avLst/>
+          </a:prstGeom>
+          <a:solidFill>
+            <a:schemeClr val="bg1"/>
+          </a:solidFill>
+        </p:spPr>
+        <p:txBody>
+          <a:bodyPr wrap="none" rtlCol="0">
+            <a:spAutoFit/>
+          </a:bodyPr>
+          <a:lstStyle/>
+          <a:p>
+            <a:r>
+              <a:rPr lang="en-US" sz="1000" dirty="0" smtClean="0">
+                <a:solidFill>
+                  <a:schemeClr val="bg1">
+                    <a:lumMod val="50000"/>
+                  </a:schemeClr>
+                </a:solidFill>
+              </a:rPr>
+              <a:t>© iQuest </a:t>
+            </a:r>
+            <a:r>
+              <a:rPr lang="en-US" sz="1000" dirty="0" smtClean="0">
+                <a:solidFill>
+                  <a:schemeClr val="bg1">
+                    <a:lumMod val="50000"/>
+                  </a:schemeClr>
+                </a:solidFill>
+              </a:rPr>
+              <a:t>Group 2013. All rights reserved.</a:t>
+            </a:r>
+            <a:endParaRPr lang="en-US" sz="1000" dirty="0" smtClean="0">
+              <a:solidFill>
+                <a:schemeClr val="bg1">
+                  <a:lumMod val="50000"/>
+                </a:schemeClr>
+              </a:solidFill>
+            </a:endParaRPr>
           </a:p>
         </p:txBody>
       </p:sp>
@@ -13183,6 +14409,60 @@
           </a:prstGeom>
         </p:spPr>
       </p:pic>
+      <p:sp>
+        <p:nvSpPr>
+          <p:cNvPr id="11" name="TextBox 10"/>
+          <p:cNvSpPr txBox="1"/>
+          <p:nvPr/>
+        </p:nvSpPr>
+        <p:spPr>
+          <a:xfrm>
+            <a:off x="3352800" y="6459379"/>
+            <a:ext cx="2518638" cy="246221"/>
+          </a:xfrm>
+          <a:prstGeom prst="rect">
+            <a:avLst/>
+          </a:prstGeom>
+          <a:solidFill>
+            <a:schemeClr val="bg1"/>
+          </a:solidFill>
+        </p:spPr>
+        <p:txBody>
+          <a:bodyPr wrap="none" rtlCol="0">
+            <a:spAutoFit/>
+          </a:bodyPr>
+          <a:lstStyle/>
+          <a:p>
+            <a:r>
+              <a:rPr lang="en-US" sz="1000" dirty="0" smtClean="0">
+                <a:solidFill>
+                  <a:schemeClr val="bg1">
+                    <a:lumMod val="50000"/>
+                  </a:schemeClr>
+                </a:solidFill>
+              </a:rPr>
+              <a:t>© iQuest </a:t>
+            </a:r>
+            <a:r>
+              <a:rPr lang="en-US" sz="1000" dirty="0" smtClean="0">
+                <a:solidFill>
+                  <a:schemeClr val="bg1">
+                    <a:lumMod val="50000"/>
+                  </a:schemeClr>
+                </a:solidFill>
+              </a:rPr>
+              <a:t>Group 2013. All rights reserved.</a:t>
+            </a:r>
+            <a:endParaRPr lang="en-US" sz="1000" dirty="0" smtClean="0">
+              <a:solidFill>
+                <a:schemeClr val="bg1">
+                  <a:lumMod val="50000"/>
+                </a:schemeClr>
+              </a:solidFill>
+            </a:endParaRPr>
+          </a:p>
+        </p:txBody>
+      </p:sp>
     </p:spTree>
   </p:cSld>
   <p:clrMapOvr>
@@ -13800,6 +15080,60 @@
           <a:chExt cx="0" cy="0"/>
         </a:xfrm>
       </p:grpSpPr>
+      <p:sp>
+        <p:nvSpPr>
+          <p:cNvPr id="5" name="TextBox 4"/>
+          <p:cNvSpPr txBox="1"/>
+          <p:nvPr/>
+        </p:nvSpPr>
+        <p:spPr>
+          <a:xfrm>
+            <a:off x="3352800" y="6459379"/>
+            <a:ext cx="2518638" cy="246221"/>
+          </a:xfrm>
+          <a:prstGeom prst="rect">
+            <a:avLst/>
+          </a:prstGeom>
+          <a:solidFill>
+            <a:schemeClr val="bg1"/>
+          </a:solidFill>
+        </p:spPr>
+        <p:txBody>
+          <a:bodyPr wrap="none" rtlCol="0">
+            <a:spAutoFit/>
+          </a:bodyPr>
+          <a:lstStyle/>
+          <a:p>
+            <a:r>
+              <a:rPr lang="en-US" sz="1000" dirty="0" smtClean="0">
+                <a:solidFill>
+                  <a:schemeClr val="bg1">
+                    <a:lumMod val="50000"/>
+                  </a:schemeClr>
+                </a:solidFill>
+              </a:rPr>
+              <a:t>© iQuest </a:t>
+            </a:r>
+            <a:r>
+              <a:rPr lang="en-US" sz="1000" dirty="0" smtClean="0">
+                <a:solidFill>
+                  <a:schemeClr val="bg1">
+                    <a:lumMod val="50000"/>
+                  </a:schemeClr>
+                </a:solidFill>
+              </a:rPr>
+              <a:t>Group 2013. All rights reserved.</a:t>
+            </a:r>
+            <a:endParaRPr lang="en-US" sz="1000" dirty="0" smtClean="0">
+              <a:solidFill>
+                <a:schemeClr val="bg1">
+                  <a:lumMod val="50000"/>
+                </a:schemeClr>
+              </a:solidFill>
+            </a:endParaRPr>
+          </a:p>
+        </p:txBody>
+      </p:sp>
       <p:pic>
         <p:nvPicPr>
           <p:cNvPr id="4" name="Picture 3"/>
@@ -13811,15 +15145,6 @@
         <p:blipFill>
           <a:blip r:embed="rId2">
             <a:extLst>
-              <a:ext uri="{BEBA8EAE-BF5A-486C-A8C5-ECC9F3942E4B}">
-                <a14:imgProps xmlns:a14="http://schemas.microsoft.com/office/drawing/2010/main">
-                  <a14:imgLayer r:embed="rId3">
-                    <a14:imgEffect>
-                      <a14:artisticCutout/>
-                    </a14:imgEffect>
-                  </a14:imgLayer>
-                </a14:imgProps>
-              </a:ext>
               <a:ext uri="{28A0092B-C50C-407E-A947-70E740481C1C}">
                 <a14:useLocalDpi xmlns:a14="http://schemas.microsoft.com/office/drawing/2010/main" val="0"/>
               </a:ext>
@@ -13870,13 +15195,15 @@
           <a:p>
             <a:r>
               <a:rPr lang="en-US" sz="6000" b="1" dirty="0" smtClean="0">
+                <a:solidFill>
+                  <a:schemeClr val="bg1">
+                    <a:lumMod val="95000"/>
+                  </a:schemeClr>
+                </a:solidFill>
                 <a:latin typeface="Blackadder ITC" panose="04020505051007020D02" pitchFamily="82" charset="0"/>
               </a:rPr>
               <a:t>The end</a:t>
             </a:r>
-            <a:endParaRPr lang="en-US" sz="6000" b="1" dirty="0" smtClean="0">
-              <a:latin typeface="Blackadder ITC" panose="04020505051007020D02" pitchFamily="82" charset="0"/>
-            </a:endParaRPr>
           </a:p>
         </p:txBody>
       </p:sp>
@@ -14022,6 +15349,60 @@
           </a:p>
         </p:txBody>
       </p:sp>
+      <p:sp>
+        <p:nvSpPr>
+          <p:cNvPr id="4" name="TextBox 3"/>
+          <p:cNvSpPr txBox="1"/>
+          <p:nvPr/>
+        </p:nvSpPr>
+        <p:spPr>
+          <a:xfrm>
+            <a:off x="3352800" y="6459379"/>
+            <a:ext cx="2518638" cy="246221"/>
+          </a:xfrm>
+          <a:prstGeom prst="rect">
+            <a:avLst/>
+          </a:prstGeom>
+          <a:solidFill>
+            <a:schemeClr val="bg1"/>
+          </a:solidFill>
+        </p:spPr>
+        <p:txBody>
+          <a:bodyPr wrap="none" rtlCol="0">
+            <a:spAutoFit/>
+          </a:bodyPr>
+          <a:lstStyle/>
+          <a:p>
+            <a:r>
+              <a:rPr lang="en-US" sz="1000" dirty="0" smtClean="0">
+                <a:solidFill>
+                  <a:schemeClr val="bg1">
+                    <a:lumMod val="50000"/>
+                  </a:schemeClr>
+                </a:solidFill>
+              </a:rPr>
+              <a:t>© iQuest </a:t>
+            </a:r>
+            <a:r>
+              <a:rPr lang="en-US" sz="1000" dirty="0" smtClean="0">
+                <a:solidFill>
+                  <a:schemeClr val="bg1">
+                    <a:lumMod val="50000"/>
+                  </a:schemeClr>
+                </a:solidFill>
+              </a:rPr>
+              <a:t>Group 2013. All rights reserved.</a:t>
+            </a:r>
+            <a:endParaRPr lang="en-US" sz="1000" dirty="0" smtClean="0">
+              <a:solidFill>
+                <a:schemeClr val="bg1">
+                  <a:lumMod val="50000"/>
+                </a:schemeClr>
+              </a:solidFill>
+            </a:endParaRPr>
+          </a:p>
+        </p:txBody>
+      </p:sp>
     </p:spTree>
     <p:extLst>
       <p:ext uri="{BB962C8B-B14F-4D97-AF65-F5344CB8AC3E}">
@@ -14183,6 +15564,60 @@
           </a:extLst>
         </p:spPr>
       </p:pic>
+      <p:sp>
+        <p:nvSpPr>
+          <p:cNvPr id="5" name="TextBox 4"/>
+          <p:cNvSpPr txBox="1"/>
+          <p:nvPr/>
+        </p:nvSpPr>
+        <p:spPr>
+          <a:xfrm>
+            <a:off x="3352800" y="6459379"/>
+            <a:ext cx="2518638" cy="246221"/>
+          </a:xfrm>
+          <a:prstGeom prst="rect">
+            <a:avLst/>
+          </a:prstGeom>
+          <a:solidFill>
+            <a:schemeClr val="bg1"/>
+          </a:solidFill>
+        </p:spPr>
+        <p:txBody>
+          <a:bodyPr wrap="none" rtlCol="0">
+            <a:spAutoFit/>
+          </a:bodyPr>
+          <a:lstStyle/>
+          <a:p>
+            <a:r>
+              <a:rPr lang="en-US" sz="1000" dirty="0" smtClean="0">
+                <a:solidFill>
+                  <a:schemeClr val="bg1">
+                    <a:lumMod val="50000"/>
+                  </a:schemeClr>
+                </a:solidFill>
+              </a:rPr>
+              <a:t>© iQuest </a:t>
+            </a:r>
+            <a:r>
+              <a:rPr lang="en-US" sz="1000" dirty="0" smtClean="0">
+                <a:solidFill>
+                  <a:schemeClr val="bg1">
+                    <a:lumMod val="50000"/>
+                  </a:schemeClr>
+                </a:solidFill>
+              </a:rPr>
+              <a:t>Group 2013. All rights reserved.</a:t>
+            </a:r>
+            <a:endParaRPr lang="en-US" sz="1000" dirty="0" smtClean="0">
+              <a:solidFill>
+                <a:schemeClr val="bg1">
+                  <a:lumMod val="50000"/>
+                </a:schemeClr>
+              </a:solidFill>
+            </a:endParaRPr>
+          </a:p>
+        </p:txBody>
+      </p:sp>
     </p:spTree>
     <p:extLst>
       <p:ext uri="{BB962C8B-B14F-4D97-AF65-F5344CB8AC3E}">
@@ -14464,6 +15899,60 @@
               <a:t>BioControls Project</a:t>
             </a:r>
             <a:endParaRPr lang="en-US" dirty="0"/>
+          </a:p>
+        </p:txBody>
+      </p:sp>
+      <p:sp>
+        <p:nvSpPr>
+          <p:cNvPr id="5" name="TextBox 4"/>
+          <p:cNvSpPr txBox="1"/>
+          <p:nvPr/>
+        </p:nvSpPr>
+        <p:spPr>
+          <a:xfrm>
+            <a:off x="3352800" y="6459379"/>
+            <a:ext cx="2518638" cy="246221"/>
+          </a:xfrm>
+          <a:prstGeom prst="rect">
+            <a:avLst/>
+          </a:prstGeom>
+          <a:solidFill>
+            <a:schemeClr val="bg1"/>
+          </a:solidFill>
+        </p:spPr>
+        <p:txBody>
+          <a:bodyPr wrap="none" rtlCol="0">
+            <a:spAutoFit/>
+          </a:bodyPr>
+          <a:lstStyle/>
+          <a:p>
+            <a:r>
+              <a:rPr lang="en-US" sz="1000" dirty="0" smtClean="0">
+                <a:solidFill>
+                  <a:schemeClr val="bg1">
+                    <a:lumMod val="50000"/>
+                  </a:schemeClr>
+                </a:solidFill>
+              </a:rPr>
+              <a:t>© iQuest </a:t>
+            </a:r>
+            <a:r>
+              <a:rPr lang="en-US" sz="1000" dirty="0" smtClean="0">
+                <a:solidFill>
+                  <a:schemeClr val="bg1">
+                    <a:lumMod val="50000"/>
+                  </a:schemeClr>
+                </a:solidFill>
+              </a:rPr>
+              <a:t>Group 2013. All rights reserved.</a:t>
+            </a:r>
+            <a:endParaRPr lang="en-US" sz="1000" dirty="0" smtClean="0">
+              <a:solidFill>
+                <a:schemeClr val="bg1">
+                  <a:lumMod val="50000"/>
+                </a:schemeClr>
+              </a:solidFill>
+            </a:endParaRPr>
           </a:p>
         </p:txBody>
       </p:sp>
@@ -14751,11 +16240,7 @@
           <a:p>
             <a:r>
               <a:rPr lang="ro-RO" altLang="en-US" sz="2400" dirty="0" smtClean="0"/>
-              <a:t>BioCalc </a:t>
-            </a:r>
-            <a:r>
-              <a:rPr lang="ro-RO" altLang="en-US" sz="2400" dirty="0" smtClean="0"/>
-              <a:t>Application</a:t>
+              <a:t>BioCalc Application</a:t>
             </a:r>
             <a:endParaRPr lang="en-US" altLang="en-US" sz="2400" dirty="0" smtClean="0"/>
           </a:p>
@@ -14844,6 +16329,60 @@
           </a:extLst>
         </p:spPr>
       </p:pic>
+      <p:sp>
+        <p:nvSpPr>
+          <p:cNvPr id="5" name="TextBox 4"/>
+          <p:cNvSpPr txBox="1"/>
+          <p:nvPr/>
+        </p:nvSpPr>
+        <p:spPr>
+          <a:xfrm>
+            <a:off x="3352800" y="6459379"/>
+            <a:ext cx="2518638" cy="246221"/>
+          </a:xfrm>
+          <a:prstGeom prst="rect">
+            <a:avLst/>
+          </a:prstGeom>
+          <a:solidFill>
+            <a:schemeClr val="bg1"/>
+          </a:solidFill>
+        </p:spPr>
+        <p:txBody>
+          <a:bodyPr wrap="none" rtlCol="0">
+            <a:spAutoFit/>
+          </a:bodyPr>
+          <a:lstStyle/>
+          <a:p>
+            <a:r>
+              <a:rPr lang="en-US" sz="1000" dirty="0" smtClean="0">
+                <a:solidFill>
+                  <a:schemeClr val="bg1">
+                    <a:lumMod val="50000"/>
+                  </a:schemeClr>
+                </a:solidFill>
+              </a:rPr>
+              <a:t>© iQuest </a:t>
+            </a:r>
+            <a:r>
+              <a:rPr lang="en-US" sz="1000" dirty="0" smtClean="0">
+                <a:solidFill>
+                  <a:schemeClr val="bg1">
+                    <a:lumMod val="50000"/>
+                  </a:schemeClr>
+                </a:solidFill>
+              </a:rPr>
+              <a:t>Group 2013. All rights reserved.</a:t>
+            </a:r>
+            <a:endParaRPr lang="en-US" sz="1000" dirty="0" smtClean="0">
+              <a:solidFill>
+                <a:schemeClr val="bg1">
+                  <a:lumMod val="50000"/>
+                </a:schemeClr>
+              </a:solidFill>
+            </a:endParaRPr>
+          </a:p>
+        </p:txBody>
+      </p:sp>
     </p:spTree>
     <p:extLst>
       <p:ext uri="{BB962C8B-B14F-4D97-AF65-F5344CB8AC3E}">
@@ -14984,6 +16523,60 @@
               <a:rPr lang="ro-RO" altLang="en-US" sz="2400" dirty="0" smtClean="0"/>
               <a:t>Adapter Pattern</a:t>
             </a:r>
+          </a:p>
+        </p:txBody>
+      </p:sp>
+      <p:sp>
+        <p:nvSpPr>
+          <p:cNvPr id="4" name="TextBox 3"/>
+          <p:cNvSpPr txBox="1"/>
+          <p:nvPr/>
+        </p:nvSpPr>
+        <p:spPr>
+          <a:xfrm>
+            <a:off x="3352800" y="6459379"/>
+            <a:ext cx="2518638" cy="246221"/>
+          </a:xfrm>
+          <a:prstGeom prst="rect">
+            <a:avLst/>
+          </a:prstGeom>
+          <a:solidFill>
+            <a:schemeClr val="bg1"/>
+          </a:solidFill>
+        </p:spPr>
+        <p:txBody>
+          <a:bodyPr wrap="none" rtlCol="0">
+            <a:spAutoFit/>
+          </a:bodyPr>
+          <a:lstStyle/>
+          <a:p>
+            <a:r>
+              <a:rPr lang="en-US" sz="1000" dirty="0" smtClean="0">
+                <a:solidFill>
+                  <a:schemeClr val="bg1">
+                    <a:lumMod val="50000"/>
+                  </a:schemeClr>
+                </a:solidFill>
+              </a:rPr>
+              <a:t>© iQuest </a:t>
+            </a:r>
+            <a:r>
+              <a:rPr lang="en-US" sz="1000" dirty="0" smtClean="0">
+                <a:solidFill>
+                  <a:schemeClr val="bg1">
+                    <a:lumMod val="50000"/>
+                  </a:schemeClr>
+                </a:solidFill>
+              </a:rPr>
+              <a:t>Group 2013. All rights reserved.</a:t>
+            </a:r>
+            <a:endParaRPr lang="en-US" sz="1000" dirty="0" smtClean="0">
+              <a:solidFill>
+                <a:schemeClr val="bg1">
+                  <a:lumMod val="50000"/>
+                </a:schemeClr>
+              </a:solidFill>
+            </a:endParaRPr>
           </a:p>
         </p:txBody>
       </p:sp>
@@ -15052,7 +16645,6 @@
               <a:rPr lang="en-US" altLang="en-US" sz="2400" dirty="0" smtClean="0"/>
               <a:t>Function Call</a:t>
             </a:r>
-            <a:endParaRPr lang="en-US" altLang="en-US" sz="2400" dirty="0" smtClean="0"/>
           </a:p>
         </p:txBody>
       </p:sp>
@@ -15364,7 +16956,7 @@
         <p:spPr>
           <a:xfrm>
             <a:off x="1267625" y="4419600"/>
-            <a:ext cx="6295313" cy="1384995"/>
+            <a:ext cx="6481261" cy="1384995"/>
           </a:xfrm>
           <a:prstGeom prst="rect">
             <a:avLst/>
@@ -15489,7 +17081,7 @@
                 <a:cs typeface="Courier New" panose="02070309020205020404" pitchFamily="49" charset="0"/>
                 <a:sym typeface="Wingdings" panose="05000000000000000000" pitchFamily="2" charset="2"/>
               </a:rPr>
-              <a:t>myMethod.call</a:t>
+              <a:t>myFunction.call</a:t>
             </a:r>
             <a:r>
               <a:rPr lang="en-US" sz="1200" dirty="0" smtClean="0">
@@ -15570,7 +17162,7 @@
                 <a:cs typeface="Courier New" panose="02070309020205020404" pitchFamily="49" charset="0"/>
                 <a:sym typeface="Wingdings" panose="05000000000000000000" pitchFamily="2" charset="2"/>
               </a:rPr>
-              <a:t>myMethod.call</a:t>
+              <a:t>myFunction.call</a:t>
             </a:r>
             <a:r>
               <a:rPr lang="en-US" sz="1200" dirty="0" smtClean="0">
@@ -15616,6 +17208,60 @@
               <a:latin typeface="Courier New" panose="02070309020205020404" pitchFamily="49" charset="0"/>
               <a:cs typeface="Courier New" panose="02070309020205020404" pitchFamily="49" charset="0"/>
               <a:sym typeface="Wingdings" panose="05000000000000000000" pitchFamily="2" charset="2"/>
+            </a:endParaRPr>
+          </a:p>
+        </p:txBody>
+      </p:sp>
+      <p:sp>
+        <p:nvSpPr>
+          <p:cNvPr id="9" name="TextBox 8"/>
+          <p:cNvSpPr txBox="1"/>
+          <p:nvPr/>
+        </p:nvSpPr>
+        <p:spPr>
+          <a:xfrm>
+            <a:off x="3352800" y="6459379"/>
+            <a:ext cx="2518638" cy="246221"/>
+          </a:xfrm>
+          <a:prstGeom prst="rect">
+            <a:avLst/>
+          </a:prstGeom>
+          <a:solidFill>
+            <a:schemeClr val="bg1"/>
+          </a:solidFill>
+        </p:spPr>
+        <p:txBody>
+          <a:bodyPr wrap="none" rtlCol="0">
+            <a:spAutoFit/>
+          </a:bodyPr>
+          <a:lstStyle/>
+          <a:p>
+            <a:r>
+              <a:rPr lang="en-US" sz="1000" dirty="0" smtClean="0">
+                <a:solidFill>
+                  <a:schemeClr val="bg1">
+                    <a:lumMod val="50000"/>
+                  </a:schemeClr>
+                </a:solidFill>
+              </a:rPr>
+              <a:t>© iQuest </a:t>
+            </a:r>
+            <a:r>
+              <a:rPr lang="en-US" sz="1000" dirty="0" smtClean="0">
+                <a:solidFill>
+                  <a:schemeClr val="bg1">
+                    <a:lumMod val="50000"/>
+                  </a:schemeClr>
+                </a:solidFill>
+              </a:rPr>
+              <a:t>Group 2013. All rights reserved.</a:t>
+            </a:r>
+            <a:endParaRPr lang="en-US" sz="1000" dirty="0" smtClean="0">
+              <a:solidFill>
+                <a:schemeClr val="bg1">
+                  <a:lumMod val="50000"/>
+                </a:schemeClr>
+              </a:solidFill>
             </a:endParaRPr>
           </a:p>
         </p:txBody>
@@ -16792,6 +18438,10 @@
 </file>
 
 <file path=customXml/item1.xml><?xml version="1.0" encoding="utf-8"?>
+<LongProperties xmlns="http://schemas.microsoft.com/office/2006/metadata/longProperties"/>
+</file>
+
+<file path=customXml/item2.xml><?xml version="1.0" encoding="utf-8"?>
 <?mso-contentType ?>
 <FormTemplates xmlns="http://schemas.microsoft.com/sharepoint/v3/contenttype/forms">
   <Display>DocumentLibraryForm</Display>
@@ -16800,11 +18450,13 @@
 </FormTemplates>
 </file>
 
-<file path=customXml/item2.xml><?xml version="1.0" encoding="utf-8"?>
-<LongProperties xmlns="http://schemas.microsoft.com/office/2006/metadata/longProperties"/>
+<file path=customXml/item3.xml><?xml version="1.0" encoding="utf-8"?>
+<p:properties xmlns:p="http://schemas.microsoft.com/office/2006/metadata/properties" xmlns:xsi="http://www.w3.org/2001/XMLSchema-instance" xmlns:pc="http://schemas.microsoft.com/office/infopath/2007/PartnerControls">
+  <documentManagement/>
+</p:properties>
 </file>
 
-<file path=customXml/item3.xml><?xml version="1.0" encoding="utf-8"?>
+<file path=customXml/item4.xml><?xml version="1.0" encoding="utf-8"?>
 <ct:contentTypeSchema xmlns:ct="http://schemas.microsoft.com/office/2006/metadata/contentType" xmlns:ma="http://schemas.microsoft.com/office/2006/metadata/properties/metaAttributes" ct:_="" ma:_="" ma:contentTypeName="Document" ma:contentTypeID="0x010100152A3CFC636B004F874CAA4462160261" ma:contentTypeVersion="0" ma:contentTypeDescription="Create a new document." ma:contentTypeScope="" ma:versionID="54724255b6a7e390441e7f802fb831c9">
   <xsd:schema xmlns:xsd="http://www.w3.org/2001/XMLSchema" xmlns:xs="http://www.w3.org/2001/XMLSchema" xmlns:p="http://schemas.microsoft.com/office/2006/metadata/properties" targetNamespace="http://schemas.microsoft.com/office/2006/metadata/properties" ma:root="true" ma:fieldsID="c64490b4aec6201516c3a874156f37b2">
     <xsd:element name="properties">
@@ -16918,13 +18570,15 @@
 </ct:contentTypeSchema>
 </file>
 
-<file path=customXml/item4.xml><?xml version="1.0" encoding="utf-8"?>
-<p:properties xmlns:p="http://schemas.microsoft.com/office/2006/metadata/properties" xmlns:xsi="http://www.w3.org/2001/XMLSchema-instance" xmlns:pc="http://schemas.microsoft.com/office/infopath/2007/PartnerControls">
-  <documentManagement/>
-</p:properties>
+<file path=customXml/itemProps1.xml><?xml version="1.0" encoding="utf-8"?>
+<ds:datastoreItem xmlns:ds="http://schemas.openxmlformats.org/officeDocument/2006/customXml" ds:itemID="{E16A62CF-B99A-493C-8B5C-42B74BCBDFA7}">
+  <ds:schemaRefs>
+    <ds:schemaRef ds:uri="http://schemas.microsoft.com/office/2006/metadata/longProperties"/>
+  </ds:schemaRefs>
+</ds:datastoreItem>
 </file>
 
-<file path=customXml/itemProps1.xml><?xml version="1.0" encoding="utf-8"?>
+<file path=customXml/itemProps2.xml><?xml version="1.0" encoding="utf-8"?>
 <ds:datastoreItem xmlns:ds="http://schemas.openxmlformats.org/officeDocument/2006/customXml" ds:itemID="{DDAAD0C2-8AA2-4903-8770-A9DDE0A43745}">
   <ds:schemaRefs>
     <ds:schemaRef ds:uri="http://schemas.microsoft.com/sharepoint/v3/contenttype/forms"/>
@@ -16932,15 +18586,22 @@
 </ds:datastoreItem>
 </file>
 
-<file path=customXml/itemProps2.xml><?xml version="1.0" encoding="utf-8"?>
-<ds:datastoreItem xmlns:ds="http://schemas.openxmlformats.org/officeDocument/2006/customXml" ds:itemID="{E16A62CF-B99A-493C-8B5C-42B74BCBDFA7}">
+<file path=customXml/itemProps3.xml><?xml version="1.0" encoding="utf-8"?>
+<ds:datastoreItem xmlns:ds="http://schemas.openxmlformats.org/officeDocument/2006/customXml" ds:itemID="{D3E1AC4D-42DF-494E-976D-E107797B8048}">
   <ds:schemaRefs>
-    <ds:schemaRef ds:uri="http://schemas.microsoft.com/office/2006/metadata/longProperties"/>
+    <ds:schemaRef ds:uri="http://purl.org/dc/elements/1.1/"/>
+    <ds:schemaRef ds:uri="http://purl.org/dc/terms/"/>
+    <ds:schemaRef ds:uri="http://www.w3.org/XML/1998/namespace"/>
+    <ds:schemaRef ds:uri="http://purl.org/dc/dcmitype/"/>
+    <ds:schemaRef ds:uri="http://schemas.microsoft.com/office/2006/documentManagement/types"/>
+    <ds:schemaRef ds:uri="http://schemas.microsoft.com/office/2006/metadata/properties"/>
+    <ds:schemaRef ds:uri="http://schemas.microsoft.com/office/infopath/2007/PartnerControls"/>
+    <ds:schemaRef ds:uri="http://schemas.openxmlformats.org/package/2006/metadata/core-properties"/>
   </ds:schemaRefs>
 </ds:datastoreItem>
 </file>
 
-<file path=customXml/itemProps3.xml><?xml version="1.0" encoding="utf-8"?>
+<file path=customXml/itemProps4.xml><?xml version="1.0" encoding="utf-8"?>
 <ds:datastoreItem xmlns:ds="http://schemas.openxmlformats.org/officeDocument/2006/customXml" ds:itemID="{13855BF2-3E1B-4048-8F5D-5069A0D184FE}">
   <ds:schemaRefs>
     <ds:schemaRef ds:uri="http://schemas.microsoft.com/office/2006/metadata/contentType"/>
@@ -16954,19 +18615,4 @@
     <ds:schemaRef ds:uri="http://schemas.microsoft.com/office/infopath/2007/PartnerControls"/>
   </ds:schemaRefs>
 </ds:datastoreItem>
-</file>
-
-<file path=customXml/itemProps4.xml><?xml version="1.0" encoding="utf-8"?>
-<ds:datastoreItem xmlns:ds="http://schemas.openxmlformats.org/officeDocument/2006/customXml" ds:itemID="{D3E1AC4D-42DF-494E-976D-E107797B8048}">
-  <ds:schemaRefs>
-    <ds:schemaRef ds:uri="http://purl.org/dc/elements/1.1/"/>
-    <ds:schemaRef ds:uri="http://purl.org/dc/terms/"/>
-    <ds:schemaRef ds:uri="http://www.w3.org/XML/1998/namespace"/>
-    <ds:schemaRef ds:uri="http://purl.org/dc/dcmitype/"/>
-    <ds:schemaRef ds:uri="http://schemas.microsoft.com/office/2006/documentManagement/types"/>
-    <ds:schemaRef ds:uri="http://schemas.microsoft.com/office/2006/metadata/properties"/>
-    <ds:schemaRef ds:uri="http://schemas.microsoft.com/office/infopath/2007/PartnerControls"/>
-    <ds:schemaRef ds:uri="http://schemas.openxmlformats.org/package/2006/metadata/core-properties"/>
-  </ds:schemaRefs>
-</ds:datastoreItem>
 </file>
--- a/doc/BioCalc Presentation.pptx
+++ b/doc/BioCalc Presentation.pptx
@@ -5,39 +5,34 @@
     <p:sldMasterId id="2147483661" r:id="rId5"/>
   </p:sldMasterIdLst>
   <p:notesMasterIdLst>
-    <p:notesMasterId r:id="rId36"/>
+    <p:notesMasterId r:id="rId31"/>
   </p:notesMasterIdLst>
   <p:sldIdLst>
     <p:sldId id="269" r:id="rId6"/>
-    <p:sldId id="267" r:id="rId7"/>
+    <p:sldId id="308" r:id="rId7"/>
     <p:sldId id="276" r:id="rId8"/>
-    <p:sldId id="279" r:id="rId9"/>
+    <p:sldId id="309" r:id="rId9"/>
     <p:sldId id="277" r:id="rId10"/>
     <p:sldId id="278" r:id="rId11"/>
     <p:sldId id="302" r:id="rId12"/>
     <p:sldId id="280" r:id="rId13"/>
     <p:sldId id="281" r:id="rId14"/>
-    <p:sldId id="303" r:id="rId15"/>
-    <p:sldId id="282" r:id="rId16"/>
-    <p:sldId id="283" r:id="rId17"/>
-    <p:sldId id="284" r:id="rId18"/>
-    <p:sldId id="285" r:id="rId19"/>
-    <p:sldId id="286" r:id="rId20"/>
-    <p:sldId id="287" r:id="rId21"/>
-    <p:sldId id="288" r:id="rId22"/>
-    <p:sldId id="301" r:id="rId23"/>
-    <p:sldId id="289" r:id="rId24"/>
-    <p:sldId id="298" r:id="rId25"/>
-    <p:sldId id="295" r:id="rId26"/>
-    <p:sldId id="296" r:id="rId27"/>
-    <p:sldId id="294" r:id="rId28"/>
-    <p:sldId id="293" r:id="rId29"/>
-    <p:sldId id="292" r:id="rId30"/>
-    <p:sldId id="291" r:id="rId31"/>
-    <p:sldId id="290" r:id="rId32"/>
-    <p:sldId id="297" r:id="rId33"/>
-    <p:sldId id="299" r:id="rId34"/>
-    <p:sldId id="300" r:id="rId35"/>
+    <p:sldId id="307" r:id="rId15"/>
+    <p:sldId id="305" r:id="rId16"/>
+    <p:sldId id="306" r:id="rId17"/>
+    <p:sldId id="303" r:id="rId18"/>
+    <p:sldId id="282" r:id="rId19"/>
+    <p:sldId id="283" r:id="rId20"/>
+    <p:sldId id="284" r:id="rId21"/>
+    <p:sldId id="285" r:id="rId22"/>
+    <p:sldId id="286" r:id="rId23"/>
+    <p:sldId id="287" r:id="rId24"/>
+    <p:sldId id="288" r:id="rId25"/>
+    <p:sldId id="301" r:id="rId26"/>
+    <p:sldId id="289" r:id="rId27"/>
+    <p:sldId id="304" r:id="rId28"/>
+    <p:sldId id="299" r:id="rId29"/>
+    <p:sldId id="300" r:id="rId30"/>
   </p:sldIdLst>
   <p:sldSz cx="9144000" cy="6858000" type="screen4x3"/>
   <p:notesSz cx="6858000" cy="9144000"/>
@@ -264,7 +259,7 @@
             <a:fld id="{075D426C-3CEB-476F-A82F-ADFA14719D2A}" type="datetimeFigureOut">
               <a:rPr lang="en-US" altLang="en-US"/>
               <a:pPr/>
-              <a:t>9/20/2013</a:t>
+              <a:t>9/22/2013</a:t>
             </a:fld>
             <a:endParaRPr lang="en-US" altLang="en-US"/>
           </a:p>
@@ -5313,23 +5308,7 @@
                   <a:schemeClr val="bg1"/>
                 </a:solidFill>
               </a:rPr>
-              <a:t>Through the dark </a:t>
-            </a:r>
-            <a:r>
-              <a:rPr lang="en-US" altLang="en-US" b="1" i="1" dirty="0" smtClean="0">
-                <a:solidFill>
-                  <a:schemeClr val="bg1"/>
-                </a:solidFill>
-              </a:rPr>
-              <a:t>waters of </a:t>
-            </a:r>
-            <a:r>
-              <a:rPr lang="en-US" altLang="en-US" b="1" i="1" dirty="0" smtClean="0">
-                <a:solidFill>
-                  <a:schemeClr val="bg1"/>
-                </a:solidFill>
-              </a:rPr>
-              <a:t>the </a:t>
+              <a:t>Through the dark waters of the </a:t>
             </a:r>
             <a:r>
               <a:rPr lang="ro-RO" altLang="en-US" b="1" i="1" dirty="0" smtClean="0">
@@ -5873,24 +5852,15 @@
           <a:lstStyle/>
           <a:p>
             <a:r>
-              <a:rPr lang="ro-RO" altLang="en-US" sz="2400" dirty="0" smtClean="0"/>
-              <a:t>Inheritance – </a:t>
-            </a:r>
-            <a:r>
               <a:rPr lang="en-US" altLang="en-US" sz="2400" dirty="0" smtClean="0"/>
-              <a:t>B</a:t>
-            </a:r>
-            <a:r>
-              <a:rPr lang="ro-RO" altLang="en-US" sz="2400" dirty="0" smtClean="0"/>
-              <a:t>asic</a:t>
-            </a:r>
-            <a:endParaRPr lang="en-US" altLang="en-US" sz="2400" dirty="0" smtClean="0"/>
-          </a:p>
-        </p:txBody>
-      </p:sp>
-      <p:sp>
-        <p:nvSpPr>
-          <p:cNvPr id="8" name="Content Placeholder 2"/>
+              <a:t>Agenda</a:t>
+            </a:r>
+          </a:p>
+        </p:txBody>
+      </p:sp>
+      <p:sp>
+        <p:nvSpPr>
+          <p:cNvPr id="5123" name="Content Placeholder 2"/>
           <p:cNvSpPr>
             <a:spLocks noGrp="1"/>
           </p:cNvSpPr>
@@ -5900,8 +5870,8 @@
         </p:nvSpPr>
         <p:spPr>
           <a:xfrm>
-            <a:off x="685800" y="1371600"/>
-            <a:ext cx="6172200" cy="1143000"/>
+            <a:off x="2286000" y="1600200"/>
+            <a:ext cx="5257800" cy="4267200"/>
           </a:xfrm>
         </p:spPr>
         <p:txBody>
@@ -5910,90 +5880,54 @@
           <a:p>
             <a:r>
               <a:rPr lang="ro-RO" altLang="en-US" sz="2400" dirty="0" smtClean="0"/>
-              <a:t>Create two functions (</a:t>
-            </a:r>
-            <a:r>
-              <a:rPr lang="ro-RO" altLang="en-US" sz="2400" dirty="0" smtClean="0">
-                <a:latin typeface="Courier New" panose="02070309020205020404" pitchFamily="49" charset="0"/>
-                <a:cs typeface="Courier New" panose="02070309020205020404" pitchFamily="49" charset="0"/>
-              </a:rPr>
-              <a:t>Animal</a:t>
-            </a:r>
+              <a:t>Introduction</a:t>
+            </a:r>
+            <a:endParaRPr lang="en-US" altLang="en-US" sz="2400" dirty="0" smtClean="0"/>
+          </a:p>
+          <a:p>
+            <a:endParaRPr lang="ro-RO" altLang="en-US" sz="2400" dirty="0" smtClean="0"/>
+          </a:p>
+          <a:p>
             <a:r>
               <a:rPr lang="ro-RO" altLang="en-US" sz="2400" dirty="0" smtClean="0"/>
-              <a:t> and </a:t>
-            </a:r>
-            <a:r>
-              <a:rPr lang="ro-RO" altLang="en-US" sz="2400" dirty="0" smtClean="0">
-                <a:latin typeface="Courier New" panose="02070309020205020404" pitchFamily="49" charset="0"/>
-                <a:cs typeface="Courier New" panose="02070309020205020404" pitchFamily="49" charset="0"/>
-              </a:rPr>
-              <a:t>Dog</a:t>
-            </a:r>
+              <a:t>BioCalc Application</a:t>
+            </a:r>
+            <a:endParaRPr lang="ro-RO" altLang="en-US" sz="2400" dirty="0"/>
+          </a:p>
+          <a:p>
+            <a:endParaRPr lang="en-US" altLang="en-US" sz="2400" dirty="0" smtClean="0"/>
+          </a:p>
+          <a:p>
+            <a:r>
+              <a:rPr lang="en-US" altLang="en-US" sz="2400" dirty="0" smtClean="0"/>
+              <a:t>Function Call</a:t>
+            </a:r>
+          </a:p>
+          <a:p>
+            <a:endParaRPr lang="en-US" altLang="en-US" sz="2400" dirty="0"/>
+          </a:p>
+          <a:p>
+            <a:r>
+              <a:rPr lang="en-US" altLang="en-US" sz="2400" b="1" dirty="0" smtClean="0"/>
+              <a:t>Object Creation</a:t>
+            </a:r>
+            <a:endParaRPr lang="ro-RO" altLang="en-US" sz="2400" b="1" dirty="0" smtClean="0"/>
+          </a:p>
+          <a:p>
+            <a:endParaRPr lang="en-US" altLang="en-US" sz="2400" b="1" dirty="0" smtClean="0"/>
+          </a:p>
+          <a:p>
             <a:r>
               <a:rPr lang="ro-RO" altLang="en-US" sz="2400" dirty="0" smtClean="0"/>
-              <a:t>)</a:t>
-            </a:r>
-          </a:p>
-        </p:txBody>
-      </p:sp>
-      <p:pic>
-        <p:nvPicPr>
-          <p:cNvPr id="3074" name="Picture 2"/>
-          <p:cNvPicPr>
-            <a:picLocks noChangeAspect="1" noChangeArrowheads="1"/>
-          </p:cNvPicPr>
-          <p:nvPr/>
-        </p:nvPicPr>
-        <p:blipFill>
-          <a:blip r:embed="rId2">
-            <a:extLst>
-              <a:ext uri="{28A0092B-C50C-407E-A947-70E740481C1C}">
-                <a14:useLocalDpi xmlns:a14="http://schemas.microsoft.com/office/drawing/2010/main" val="0"/>
-              </a:ext>
-            </a:extLst>
-          </a:blip>
-          <a:srcRect/>
-          <a:stretch>
-            <a:fillRect/>
-          </a:stretch>
-        </p:blipFill>
-        <p:spPr bwMode="auto">
-          <a:xfrm>
-            <a:off x="1028700" y="2057400"/>
-            <a:ext cx="6743700" cy="3886200"/>
-          </a:xfrm>
-          <a:prstGeom prst="rect">
-            <a:avLst/>
-          </a:prstGeom>
-          <a:noFill/>
-          <a:ln>
-            <a:noFill/>
-          </a:ln>
-          <a:extLst>
-            <a:ext uri="{909E8E84-426E-40DD-AFC4-6F175D3DCCD1}">
-              <a14:hiddenFill xmlns:a14="http://schemas.microsoft.com/office/drawing/2010/main">
-                <a:solidFill>
-                  <a:schemeClr val="accent1"/>
-                </a:solidFill>
-              </a14:hiddenFill>
-            </a:ext>
-            <a:ext uri="{91240B29-F687-4F45-9708-019B960494DF}">
-              <a14:hiddenLine xmlns:a14="http://schemas.microsoft.com/office/drawing/2010/main" w="9525">
-                <a:solidFill>
-                  <a:schemeClr val="tx1"/>
-                </a:solidFill>
-                <a:miter lim="800000"/>
-                <a:headEnd/>
-                <a:tailEnd/>
-              </a14:hiddenLine>
-            </a:ext>
-          </a:extLst>
-        </p:spPr>
-      </p:pic>
-      <p:sp>
-        <p:nvSpPr>
-          <p:cNvPr id="5" name="TextBox 4"/>
+              <a:t>Inheritance</a:t>
+            </a:r>
+            <a:endParaRPr lang="ro-RO" altLang="en-US" sz="1800" dirty="0" smtClean="0"/>
+          </a:p>
+        </p:txBody>
+      </p:sp>
+      <p:sp>
+        <p:nvSpPr>
+          <p:cNvPr id="4" name="TextBox 3"/>
           <p:cNvSpPr txBox="1"/>
           <p:nvPr/>
         </p:nvSpPr>
@@ -6023,32 +5957,15 @@
                   </a:schemeClr>
                 </a:solidFill>
               </a:rPr>
-              <a:t>© iQuest </a:t>
-            </a:r>
-            <a:r>
-              <a:rPr lang="en-US" sz="1000" dirty="0" smtClean="0">
-                <a:solidFill>
-                  <a:schemeClr val="bg1">
-                    <a:lumMod val="50000"/>
-                  </a:schemeClr>
-                </a:solidFill>
-              </a:rPr>
-              <a:t>Group 2013. All rights reserved.</a:t>
-            </a:r>
-            <a:endParaRPr lang="en-US" sz="1000" dirty="0" smtClean="0">
-              <a:solidFill>
-                <a:schemeClr val="bg1">
-                  <a:lumMod val="50000"/>
-                </a:schemeClr>
-              </a:solidFill>
-            </a:endParaRPr>
+              <a:t>© iQuest Group 2013. All rights reserved.</a:t>
+            </a:r>
           </a:p>
         </p:txBody>
       </p:sp>
     </p:spTree>
     <p:extLst>
       <p:ext uri="{BB962C8B-B14F-4D97-AF65-F5344CB8AC3E}">
-        <p14:creationId xmlns:p14="http://schemas.microsoft.com/office/powerpoint/2010/main" val="679634271"/>
+        <p14:creationId xmlns:p14="http://schemas.microsoft.com/office/powerpoint/2010/main" val="2297191106"/>
       </p:ext>
     </p:extLst>
   </p:cSld>
@@ -6103,6 +6020,1342 @@
           <a:lstStyle/>
           <a:p>
             <a:r>
+              <a:rPr lang="en-US" altLang="en-US" sz="2400" dirty="0" smtClean="0"/>
+              <a:t>Object Creation</a:t>
+            </a:r>
+          </a:p>
+        </p:txBody>
+      </p:sp>
+      <p:sp>
+        <p:nvSpPr>
+          <p:cNvPr id="8" name="Content Placeholder 2"/>
+          <p:cNvSpPr>
+            <a:spLocks noGrp="1"/>
+          </p:cNvSpPr>
+          <p:nvPr>
+            <p:ph idx="1"/>
+          </p:nvPr>
+        </p:nvSpPr>
+        <p:spPr>
+          <a:xfrm>
+            <a:off x="685800" y="1371600"/>
+            <a:ext cx="6172200" cy="533400"/>
+          </a:xfrm>
+        </p:spPr>
+        <p:txBody>
+          <a:bodyPr/>
+          <a:lstStyle/>
+          <a:p>
+            <a:r>
+              <a:rPr lang="en-US" altLang="en-US" sz="2400" dirty="0" smtClean="0"/>
+              <a:t>1) Object literal</a:t>
+            </a:r>
+            <a:endParaRPr lang="ro-RO" altLang="en-US" sz="2400" dirty="0" smtClean="0"/>
+          </a:p>
+        </p:txBody>
+      </p:sp>
+      <p:sp>
+        <p:nvSpPr>
+          <p:cNvPr id="5" name="TextBox 4"/>
+          <p:cNvSpPr txBox="1"/>
+          <p:nvPr/>
+        </p:nvSpPr>
+        <p:spPr>
+          <a:xfrm>
+            <a:off x="1267625" y="2009001"/>
+            <a:ext cx="1393330" cy="276999"/>
+          </a:xfrm>
+          <a:prstGeom prst="rect">
+            <a:avLst/>
+          </a:prstGeom>
+          <a:noFill/>
+        </p:spPr>
+        <p:txBody>
+          <a:bodyPr wrap="none" rtlCol="0">
+            <a:spAutoFit/>
+          </a:bodyPr>
+          <a:lstStyle/>
+          <a:p>
+            <a:r>
+              <a:rPr lang="en-US" sz="1200" dirty="0" err="1" smtClean="0">
+                <a:latin typeface="Courier New" panose="02070309020205020404" pitchFamily="49" charset="0"/>
+                <a:cs typeface="Courier New" panose="02070309020205020404" pitchFamily="49" charset="0"/>
+              </a:rPr>
+              <a:t>var</a:t>
+            </a:r>
+            <a:r>
+              <a:rPr lang="en-US" sz="1200" dirty="0" smtClean="0">
+                <a:latin typeface="Courier New" panose="02070309020205020404" pitchFamily="49" charset="0"/>
+                <a:cs typeface="Courier New" panose="02070309020205020404" pitchFamily="49" charset="0"/>
+              </a:rPr>
+              <a:t> cat = {};</a:t>
+            </a:r>
+          </a:p>
+        </p:txBody>
+      </p:sp>
+      <p:sp>
+        <p:nvSpPr>
+          <p:cNvPr id="6" name="TextBox 5"/>
+          <p:cNvSpPr txBox="1"/>
+          <p:nvPr/>
+        </p:nvSpPr>
+        <p:spPr>
+          <a:xfrm>
+            <a:off x="1267626" y="3495080"/>
+            <a:ext cx="2044149" cy="461665"/>
+          </a:xfrm>
+          <a:prstGeom prst="rect">
+            <a:avLst/>
+          </a:prstGeom>
+          <a:noFill/>
+        </p:spPr>
+        <p:txBody>
+          <a:bodyPr wrap="none" rtlCol="0">
+            <a:spAutoFit/>
+          </a:bodyPr>
+          <a:lstStyle/>
+          <a:p>
+            <a:r>
+              <a:rPr lang="en-US" sz="1200" dirty="0" smtClean="0">
+                <a:latin typeface="Courier New" panose="02070309020205020404" pitchFamily="49" charset="0"/>
+                <a:cs typeface="Courier New" panose="02070309020205020404" pitchFamily="49" charset="0"/>
+              </a:rPr>
+              <a:t>function Cat() {}</a:t>
+            </a:r>
+          </a:p>
+          <a:p>
+            <a:r>
+              <a:rPr lang="en-US" sz="1200" dirty="0" err="1" smtClean="0">
+                <a:latin typeface="Courier New" panose="02070309020205020404" pitchFamily="49" charset="0"/>
+                <a:cs typeface="Courier New" panose="02070309020205020404" pitchFamily="49" charset="0"/>
+                <a:sym typeface="Wingdings" panose="05000000000000000000" pitchFamily="2" charset="2"/>
+              </a:rPr>
+              <a:t>var</a:t>
+            </a:r>
+            <a:r>
+              <a:rPr lang="en-US" sz="1200" dirty="0" smtClean="0">
+                <a:latin typeface="Courier New" panose="02070309020205020404" pitchFamily="49" charset="0"/>
+                <a:cs typeface="Courier New" panose="02070309020205020404" pitchFamily="49" charset="0"/>
+                <a:sym typeface="Wingdings" panose="05000000000000000000" pitchFamily="2" charset="2"/>
+              </a:rPr>
+              <a:t> cat = new Cat();</a:t>
+            </a:r>
+            <a:endParaRPr lang="en-US" sz="1200" dirty="0">
+              <a:latin typeface="Courier New" panose="02070309020205020404" pitchFamily="49" charset="0"/>
+              <a:cs typeface="Courier New" panose="02070309020205020404" pitchFamily="49" charset="0"/>
+              <a:sym typeface="Wingdings" panose="05000000000000000000" pitchFamily="2" charset="2"/>
+            </a:endParaRPr>
+          </a:p>
+        </p:txBody>
+      </p:sp>
+      <p:sp>
+        <p:nvSpPr>
+          <p:cNvPr id="7" name="TextBox 6"/>
+          <p:cNvSpPr txBox="1"/>
+          <p:nvPr/>
+        </p:nvSpPr>
+        <p:spPr>
+          <a:xfrm>
+            <a:off x="1267625" y="5285601"/>
+            <a:ext cx="3159839" cy="276999"/>
+          </a:xfrm>
+          <a:prstGeom prst="rect">
+            <a:avLst/>
+          </a:prstGeom>
+          <a:noFill/>
+        </p:spPr>
+        <p:txBody>
+          <a:bodyPr wrap="none" rtlCol="0">
+            <a:spAutoFit/>
+          </a:bodyPr>
+          <a:lstStyle/>
+          <a:p>
+            <a:r>
+              <a:rPr lang="en-US" sz="1200" dirty="0" err="1" smtClean="0">
+                <a:latin typeface="Courier New" panose="02070309020205020404" pitchFamily="49" charset="0"/>
+                <a:cs typeface="Courier New" panose="02070309020205020404" pitchFamily="49" charset="0"/>
+                <a:sym typeface="Wingdings" panose="05000000000000000000" pitchFamily="2" charset="2"/>
+              </a:rPr>
+              <a:t>var</a:t>
+            </a:r>
+            <a:r>
+              <a:rPr lang="en-US" sz="1200" dirty="0" smtClean="0">
+                <a:latin typeface="Courier New" panose="02070309020205020404" pitchFamily="49" charset="0"/>
+                <a:cs typeface="Courier New" panose="02070309020205020404" pitchFamily="49" charset="0"/>
+                <a:sym typeface="Wingdings" panose="05000000000000000000" pitchFamily="2" charset="2"/>
+              </a:rPr>
+              <a:t> cat = </a:t>
+            </a:r>
+            <a:r>
+              <a:rPr lang="en-US" sz="1200" dirty="0" err="1" smtClean="0">
+                <a:latin typeface="Courier New" panose="02070309020205020404" pitchFamily="49" charset="0"/>
+                <a:cs typeface="Courier New" panose="02070309020205020404" pitchFamily="49" charset="0"/>
+                <a:sym typeface="Wingdings" panose="05000000000000000000" pitchFamily="2" charset="2"/>
+              </a:rPr>
+              <a:t>Object.create</a:t>
+            </a:r>
+            <a:r>
+              <a:rPr lang="en-US" sz="1200" dirty="0" smtClean="0">
+                <a:latin typeface="Courier New" panose="02070309020205020404" pitchFamily="49" charset="0"/>
+                <a:cs typeface="Courier New" panose="02070309020205020404" pitchFamily="49" charset="0"/>
+                <a:sym typeface="Wingdings" panose="05000000000000000000" pitchFamily="2" charset="2"/>
+              </a:rPr>
+              <a:t>(animal);</a:t>
+            </a:r>
+            <a:endParaRPr lang="en-US" sz="1200" dirty="0">
+              <a:latin typeface="Courier New" panose="02070309020205020404" pitchFamily="49" charset="0"/>
+              <a:cs typeface="Courier New" panose="02070309020205020404" pitchFamily="49" charset="0"/>
+              <a:sym typeface="Wingdings" panose="05000000000000000000" pitchFamily="2" charset="2"/>
+            </a:endParaRPr>
+          </a:p>
+        </p:txBody>
+      </p:sp>
+      <p:sp>
+        <p:nvSpPr>
+          <p:cNvPr id="9" name="TextBox 8"/>
+          <p:cNvSpPr txBox="1"/>
+          <p:nvPr/>
+        </p:nvSpPr>
+        <p:spPr>
+          <a:xfrm>
+            <a:off x="3352800" y="6459379"/>
+            <a:ext cx="2518638" cy="246221"/>
+          </a:xfrm>
+          <a:prstGeom prst="rect">
+            <a:avLst/>
+          </a:prstGeom>
+          <a:solidFill>
+            <a:schemeClr val="bg1"/>
+          </a:solidFill>
+        </p:spPr>
+        <p:txBody>
+          <a:bodyPr wrap="none" rtlCol="0">
+            <a:spAutoFit/>
+          </a:bodyPr>
+          <a:lstStyle/>
+          <a:p>
+            <a:r>
+              <a:rPr lang="en-US" sz="1000" dirty="0" smtClean="0">
+                <a:solidFill>
+                  <a:schemeClr val="bg1">
+                    <a:lumMod val="50000"/>
+                  </a:schemeClr>
+                </a:solidFill>
+              </a:rPr>
+              <a:t>© iQuest Group 2013. All rights reserved.</a:t>
+            </a:r>
+          </a:p>
+        </p:txBody>
+      </p:sp>
+      <p:sp>
+        <p:nvSpPr>
+          <p:cNvPr id="10" name="Content Placeholder 2"/>
+          <p:cNvSpPr txBox="1">
+            <a:spLocks/>
+          </p:cNvSpPr>
+          <p:nvPr/>
+        </p:nvSpPr>
+        <p:spPr bwMode="auto">
+          <a:xfrm>
+            <a:off x="685800" y="2928045"/>
+            <a:ext cx="6172200" cy="533400"/>
+          </a:xfrm>
+          <a:prstGeom prst="rect">
+            <a:avLst/>
+          </a:prstGeom>
+          <a:noFill/>
+          <a:ln>
+            <a:noFill/>
+          </a:ln>
+          <a:extLst>
+            <a:ext uri="{909E8E84-426E-40DD-AFC4-6F175D3DCCD1}">
+              <a14:hiddenFill xmlns:a14="http://schemas.microsoft.com/office/drawing/2010/main">
+                <a:solidFill>
+                  <a:srgbClr val="FFFFFF"/>
+                </a:solidFill>
+              </a14:hiddenFill>
+            </a:ext>
+            <a:ext uri="{91240B29-F687-4F45-9708-019B960494DF}">
+              <a14:hiddenLine xmlns:a14="http://schemas.microsoft.com/office/drawing/2010/main" w="9525">
+                <a:solidFill>
+                  <a:srgbClr val="000000"/>
+                </a:solidFill>
+                <a:miter lim="800000"/>
+                <a:headEnd/>
+                <a:tailEnd/>
+              </a14:hiddenLine>
+            </a:ext>
+          </a:extLst>
+        </p:spPr>
+        <p:txBody>
+          <a:bodyPr vert="horz" wrap="square" lIns="91440" tIns="45720" rIns="91440" bIns="45720" numCol="1" anchor="t" anchorCtr="0" compatLnSpc="1">
+            <a:prstTxWarp prst="textNoShape">
+              <a:avLst/>
+            </a:prstTxWarp>
+          </a:bodyPr>
+          <a:lstStyle>
+            <a:lvl1pPr marL="190500" indent="-190500" algn="l" rtl="0" eaLnBrk="0" fontAlgn="base" hangingPunct="0">
+              <a:spcBef>
+                <a:spcPct val="20000"/>
+              </a:spcBef>
+              <a:spcAft>
+                <a:spcPct val="0"/>
+              </a:spcAft>
+              <a:buSzPct val="80000"/>
+              <a:buFont typeface="Wingdings" pitchFamily="2" charset="2"/>
+              <a:buChar char="§"/>
+              <a:defRPr sz="2000">
+                <a:solidFill>
+                  <a:srgbClr val="32496A"/>
+                </a:solidFill>
+                <a:latin typeface="+mn-lt"/>
+                <a:ea typeface="+mn-ea"/>
+                <a:cs typeface="+mn-cs"/>
+              </a:defRPr>
+            </a:lvl1pPr>
+            <a:lvl2pPr marL="571500" indent="-190500" algn="l" rtl="0" eaLnBrk="0" fontAlgn="base" hangingPunct="0">
+              <a:spcBef>
+                <a:spcPct val="20000"/>
+              </a:spcBef>
+              <a:spcAft>
+                <a:spcPct val="0"/>
+              </a:spcAft>
+              <a:buClr>
+                <a:srgbClr val="32496A"/>
+              </a:buClr>
+              <a:buSzPct val="80000"/>
+              <a:buFont typeface="Arial" charset="0"/>
+              <a:buChar char="-"/>
+              <a:defRPr sz="2800">
+                <a:solidFill>
+                  <a:srgbClr val="32496A"/>
+                </a:solidFill>
+                <a:latin typeface="+mn-lt"/>
+              </a:defRPr>
+            </a:lvl2pPr>
+            <a:lvl3pPr marL="952500" indent="-190500" algn="l" rtl="0" eaLnBrk="0" fontAlgn="base" hangingPunct="0">
+              <a:spcBef>
+                <a:spcPct val="20000"/>
+              </a:spcBef>
+              <a:spcAft>
+                <a:spcPct val="0"/>
+              </a:spcAft>
+              <a:buClr>
+                <a:srgbClr val="32496A"/>
+              </a:buClr>
+              <a:buSzPct val="70000"/>
+              <a:buFont typeface="Wingdings" pitchFamily="2" charset="2"/>
+              <a:buChar char="à"/>
+              <a:defRPr sz="1400">
+                <a:solidFill>
+                  <a:srgbClr val="32496A"/>
+                </a:solidFill>
+                <a:latin typeface="+mn-lt"/>
+              </a:defRPr>
+            </a:lvl3pPr>
+            <a:lvl4pPr marL="1333500" indent="-190500" algn="l" rtl="0" eaLnBrk="0" fontAlgn="base" hangingPunct="0">
+              <a:spcBef>
+                <a:spcPct val="20000"/>
+              </a:spcBef>
+              <a:spcAft>
+                <a:spcPct val="0"/>
+              </a:spcAft>
+              <a:buSzPct val="80000"/>
+              <a:buFont typeface="Wingdings" pitchFamily="2" charset="2"/>
+              <a:buChar char="§"/>
+              <a:defRPr sz="1400">
+                <a:solidFill>
+                  <a:srgbClr val="32496A"/>
+                </a:solidFill>
+                <a:latin typeface="+mn-lt"/>
+              </a:defRPr>
+            </a:lvl4pPr>
+            <a:lvl5pPr marL="1714500" indent="-190500" algn="l" rtl="0" eaLnBrk="0" fontAlgn="base" hangingPunct="0">
+              <a:spcBef>
+                <a:spcPct val="20000"/>
+              </a:spcBef>
+              <a:spcAft>
+                <a:spcPct val="0"/>
+              </a:spcAft>
+              <a:buChar char="»"/>
+              <a:defRPr sz="2000">
+                <a:solidFill>
+                  <a:schemeClr val="tx1"/>
+                </a:solidFill>
+                <a:latin typeface="+mn-lt"/>
+              </a:defRPr>
+            </a:lvl5pPr>
+            <a:lvl6pPr marL="2171700" indent="-190500" algn="l" rtl="0" fontAlgn="base">
+              <a:spcBef>
+                <a:spcPct val="20000"/>
+              </a:spcBef>
+              <a:spcAft>
+                <a:spcPct val="0"/>
+              </a:spcAft>
+              <a:buChar char="»"/>
+              <a:defRPr sz="2000">
+                <a:solidFill>
+                  <a:schemeClr val="tx1"/>
+                </a:solidFill>
+                <a:latin typeface="+mn-lt"/>
+              </a:defRPr>
+            </a:lvl6pPr>
+            <a:lvl7pPr marL="2628900" indent="-190500" algn="l" rtl="0" fontAlgn="base">
+              <a:spcBef>
+                <a:spcPct val="20000"/>
+              </a:spcBef>
+              <a:spcAft>
+                <a:spcPct val="0"/>
+              </a:spcAft>
+              <a:buChar char="»"/>
+              <a:defRPr sz="2000">
+                <a:solidFill>
+                  <a:schemeClr val="tx1"/>
+                </a:solidFill>
+                <a:latin typeface="+mn-lt"/>
+              </a:defRPr>
+            </a:lvl7pPr>
+            <a:lvl8pPr marL="3086100" indent="-190500" algn="l" rtl="0" fontAlgn="base">
+              <a:spcBef>
+                <a:spcPct val="20000"/>
+              </a:spcBef>
+              <a:spcAft>
+                <a:spcPct val="0"/>
+              </a:spcAft>
+              <a:buChar char="»"/>
+              <a:defRPr sz="2000">
+                <a:solidFill>
+                  <a:schemeClr val="tx1"/>
+                </a:solidFill>
+                <a:latin typeface="+mn-lt"/>
+              </a:defRPr>
+            </a:lvl8pPr>
+            <a:lvl9pPr marL="3543300" indent="-190500" algn="l" rtl="0" fontAlgn="base">
+              <a:spcBef>
+                <a:spcPct val="20000"/>
+              </a:spcBef>
+              <a:spcAft>
+                <a:spcPct val="0"/>
+              </a:spcAft>
+              <a:buChar char="»"/>
+              <a:defRPr sz="2000">
+                <a:solidFill>
+                  <a:schemeClr val="tx1"/>
+                </a:solidFill>
+                <a:latin typeface="+mn-lt"/>
+              </a:defRPr>
+            </a:lvl9pPr>
+          </a:lstStyle>
+          <a:p>
+            <a:r>
+              <a:rPr lang="en-US" altLang="en-US" sz="2400" kern="0" dirty="0" smtClean="0"/>
+              <a:t>2) Using </a:t>
+            </a:r>
+            <a:r>
+              <a:rPr lang="en-US" altLang="en-US" sz="2400" kern="0" dirty="0" smtClean="0">
+                <a:latin typeface="Courier New" panose="02070309020205020404" pitchFamily="49" charset="0"/>
+                <a:cs typeface="Courier New" panose="02070309020205020404" pitchFamily="49" charset="0"/>
+              </a:rPr>
+              <a:t>new</a:t>
+            </a:r>
+            <a:r>
+              <a:rPr lang="en-US" altLang="en-US" sz="2400" kern="0" dirty="0" smtClean="0"/>
+              <a:t> operator</a:t>
+            </a:r>
+            <a:endParaRPr lang="ro-RO" altLang="en-US" sz="2400" kern="0" dirty="0" smtClean="0"/>
+          </a:p>
+        </p:txBody>
+      </p:sp>
+      <p:sp>
+        <p:nvSpPr>
+          <p:cNvPr id="11" name="Content Placeholder 2"/>
+          <p:cNvSpPr txBox="1">
+            <a:spLocks/>
+          </p:cNvSpPr>
+          <p:nvPr/>
+        </p:nvSpPr>
+        <p:spPr bwMode="auto">
+          <a:xfrm>
+            <a:off x="685800" y="4642545"/>
+            <a:ext cx="6172200" cy="533400"/>
+          </a:xfrm>
+          <a:prstGeom prst="rect">
+            <a:avLst/>
+          </a:prstGeom>
+          <a:noFill/>
+          <a:ln>
+            <a:noFill/>
+          </a:ln>
+          <a:extLst>
+            <a:ext uri="{909E8E84-426E-40DD-AFC4-6F175D3DCCD1}">
+              <a14:hiddenFill xmlns:a14="http://schemas.microsoft.com/office/drawing/2010/main">
+                <a:solidFill>
+                  <a:srgbClr val="FFFFFF"/>
+                </a:solidFill>
+              </a14:hiddenFill>
+            </a:ext>
+            <a:ext uri="{91240B29-F687-4F45-9708-019B960494DF}">
+              <a14:hiddenLine xmlns:a14="http://schemas.microsoft.com/office/drawing/2010/main" w="9525">
+                <a:solidFill>
+                  <a:srgbClr val="000000"/>
+                </a:solidFill>
+                <a:miter lim="800000"/>
+                <a:headEnd/>
+                <a:tailEnd/>
+              </a14:hiddenLine>
+            </a:ext>
+          </a:extLst>
+        </p:spPr>
+        <p:txBody>
+          <a:bodyPr vert="horz" wrap="square" lIns="91440" tIns="45720" rIns="91440" bIns="45720" numCol="1" anchor="t" anchorCtr="0" compatLnSpc="1">
+            <a:prstTxWarp prst="textNoShape">
+              <a:avLst/>
+            </a:prstTxWarp>
+          </a:bodyPr>
+          <a:lstStyle>
+            <a:lvl1pPr marL="190500" indent="-190500" algn="l" rtl="0" eaLnBrk="0" fontAlgn="base" hangingPunct="0">
+              <a:spcBef>
+                <a:spcPct val="20000"/>
+              </a:spcBef>
+              <a:spcAft>
+                <a:spcPct val="0"/>
+              </a:spcAft>
+              <a:buSzPct val="80000"/>
+              <a:buFont typeface="Wingdings" pitchFamily="2" charset="2"/>
+              <a:buChar char="§"/>
+              <a:defRPr sz="2000">
+                <a:solidFill>
+                  <a:srgbClr val="32496A"/>
+                </a:solidFill>
+                <a:latin typeface="+mn-lt"/>
+                <a:ea typeface="+mn-ea"/>
+                <a:cs typeface="+mn-cs"/>
+              </a:defRPr>
+            </a:lvl1pPr>
+            <a:lvl2pPr marL="571500" indent="-190500" algn="l" rtl="0" eaLnBrk="0" fontAlgn="base" hangingPunct="0">
+              <a:spcBef>
+                <a:spcPct val="20000"/>
+              </a:spcBef>
+              <a:spcAft>
+                <a:spcPct val="0"/>
+              </a:spcAft>
+              <a:buClr>
+                <a:srgbClr val="32496A"/>
+              </a:buClr>
+              <a:buSzPct val="80000"/>
+              <a:buFont typeface="Arial" charset="0"/>
+              <a:buChar char="-"/>
+              <a:defRPr sz="2800">
+                <a:solidFill>
+                  <a:srgbClr val="32496A"/>
+                </a:solidFill>
+                <a:latin typeface="+mn-lt"/>
+              </a:defRPr>
+            </a:lvl2pPr>
+            <a:lvl3pPr marL="952500" indent="-190500" algn="l" rtl="0" eaLnBrk="0" fontAlgn="base" hangingPunct="0">
+              <a:spcBef>
+                <a:spcPct val="20000"/>
+              </a:spcBef>
+              <a:spcAft>
+                <a:spcPct val="0"/>
+              </a:spcAft>
+              <a:buClr>
+                <a:srgbClr val="32496A"/>
+              </a:buClr>
+              <a:buSzPct val="70000"/>
+              <a:buFont typeface="Wingdings" pitchFamily="2" charset="2"/>
+              <a:buChar char="à"/>
+              <a:defRPr sz="1400">
+                <a:solidFill>
+                  <a:srgbClr val="32496A"/>
+                </a:solidFill>
+                <a:latin typeface="+mn-lt"/>
+              </a:defRPr>
+            </a:lvl3pPr>
+            <a:lvl4pPr marL="1333500" indent="-190500" algn="l" rtl="0" eaLnBrk="0" fontAlgn="base" hangingPunct="0">
+              <a:spcBef>
+                <a:spcPct val="20000"/>
+              </a:spcBef>
+              <a:spcAft>
+                <a:spcPct val="0"/>
+              </a:spcAft>
+              <a:buSzPct val="80000"/>
+              <a:buFont typeface="Wingdings" pitchFamily="2" charset="2"/>
+              <a:buChar char="§"/>
+              <a:defRPr sz="1400">
+                <a:solidFill>
+                  <a:srgbClr val="32496A"/>
+                </a:solidFill>
+                <a:latin typeface="+mn-lt"/>
+              </a:defRPr>
+            </a:lvl4pPr>
+            <a:lvl5pPr marL="1714500" indent="-190500" algn="l" rtl="0" eaLnBrk="0" fontAlgn="base" hangingPunct="0">
+              <a:spcBef>
+                <a:spcPct val="20000"/>
+              </a:spcBef>
+              <a:spcAft>
+                <a:spcPct val="0"/>
+              </a:spcAft>
+              <a:buChar char="»"/>
+              <a:defRPr sz="2000">
+                <a:solidFill>
+                  <a:schemeClr val="tx1"/>
+                </a:solidFill>
+                <a:latin typeface="+mn-lt"/>
+              </a:defRPr>
+            </a:lvl5pPr>
+            <a:lvl6pPr marL="2171700" indent="-190500" algn="l" rtl="0" fontAlgn="base">
+              <a:spcBef>
+                <a:spcPct val="20000"/>
+              </a:spcBef>
+              <a:spcAft>
+                <a:spcPct val="0"/>
+              </a:spcAft>
+              <a:buChar char="»"/>
+              <a:defRPr sz="2000">
+                <a:solidFill>
+                  <a:schemeClr val="tx1"/>
+                </a:solidFill>
+                <a:latin typeface="+mn-lt"/>
+              </a:defRPr>
+            </a:lvl6pPr>
+            <a:lvl7pPr marL="2628900" indent="-190500" algn="l" rtl="0" fontAlgn="base">
+              <a:spcBef>
+                <a:spcPct val="20000"/>
+              </a:spcBef>
+              <a:spcAft>
+                <a:spcPct val="0"/>
+              </a:spcAft>
+              <a:buChar char="»"/>
+              <a:defRPr sz="2000">
+                <a:solidFill>
+                  <a:schemeClr val="tx1"/>
+                </a:solidFill>
+                <a:latin typeface="+mn-lt"/>
+              </a:defRPr>
+            </a:lvl7pPr>
+            <a:lvl8pPr marL="3086100" indent="-190500" algn="l" rtl="0" fontAlgn="base">
+              <a:spcBef>
+                <a:spcPct val="20000"/>
+              </a:spcBef>
+              <a:spcAft>
+                <a:spcPct val="0"/>
+              </a:spcAft>
+              <a:buChar char="»"/>
+              <a:defRPr sz="2000">
+                <a:solidFill>
+                  <a:schemeClr val="tx1"/>
+                </a:solidFill>
+                <a:latin typeface="+mn-lt"/>
+              </a:defRPr>
+            </a:lvl8pPr>
+            <a:lvl9pPr marL="3543300" indent="-190500" algn="l" rtl="0" fontAlgn="base">
+              <a:spcBef>
+                <a:spcPct val="20000"/>
+              </a:spcBef>
+              <a:spcAft>
+                <a:spcPct val="0"/>
+              </a:spcAft>
+              <a:buChar char="»"/>
+              <a:defRPr sz="2000">
+                <a:solidFill>
+                  <a:schemeClr val="tx1"/>
+                </a:solidFill>
+                <a:latin typeface="+mn-lt"/>
+              </a:defRPr>
+            </a:lvl9pPr>
+          </a:lstStyle>
+          <a:p>
+            <a:r>
+              <a:rPr lang="en-US" altLang="en-US" sz="2400" kern="0" dirty="0" smtClean="0"/>
+              <a:t>3) Using the </a:t>
+            </a:r>
+            <a:r>
+              <a:rPr lang="en-US" altLang="en-US" sz="2400" kern="0" dirty="0" err="1" smtClean="0">
+                <a:latin typeface="Courier New" panose="02070309020205020404" pitchFamily="49" charset="0"/>
+                <a:cs typeface="Courier New" panose="02070309020205020404" pitchFamily="49" charset="0"/>
+              </a:rPr>
+              <a:t>Object.create</a:t>
+            </a:r>
+            <a:r>
+              <a:rPr lang="en-US" altLang="en-US" sz="2400" kern="0" dirty="0" smtClean="0">
+                <a:latin typeface="Courier New" panose="02070309020205020404" pitchFamily="49" charset="0"/>
+                <a:cs typeface="Courier New" panose="02070309020205020404" pitchFamily="49" charset="0"/>
+              </a:rPr>
+              <a:t>()</a:t>
+            </a:r>
+            <a:r>
+              <a:rPr lang="en-US" altLang="en-US" sz="2400" kern="0" dirty="0" smtClean="0"/>
+              <a:t> function</a:t>
+            </a:r>
+            <a:endParaRPr lang="ro-RO" altLang="en-US" sz="2400" kern="0" dirty="0" smtClean="0"/>
+          </a:p>
+        </p:txBody>
+      </p:sp>
+    </p:spTree>
+    <p:extLst>
+      <p:ext uri="{BB962C8B-B14F-4D97-AF65-F5344CB8AC3E}">
+        <p14:creationId xmlns:p14="http://schemas.microsoft.com/office/powerpoint/2010/main" val="1635399152"/>
+      </p:ext>
+    </p:extLst>
+  </p:cSld>
+  <p:clrMapOvr>
+    <a:masterClrMapping/>
+  </p:clrMapOvr>
+  <p:timing>
+    <p:tnLst>
+      <p:par>
+        <p:cTn id="1" dur="indefinite" restart="never" nodeType="tmRoot">
+          <p:childTnLst>
+            <p:seq concurrent="1" nextAc="seek">
+              <p:cTn id="2" dur="indefinite" nodeType="mainSeq">
+                <p:childTnLst>
+                  <p:par>
+                    <p:cTn id="3" fill="hold">
+                      <p:stCondLst>
+                        <p:cond delay="indefinite"/>
+                      </p:stCondLst>
+                      <p:childTnLst>
+                        <p:par>
+                          <p:cTn id="4" fill="hold">
+                            <p:stCondLst>
+                              <p:cond delay="0"/>
+                            </p:stCondLst>
+                            <p:childTnLst>
+                              <p:par>
+                                <p:cTn id="5" presetID="53" presetClass="entr" presetSubtype="16" fill="hold" grpId="0" nodeType="clickEffect">
+                                  <p:stCondLst>
+                                    <p:cond delay="0"/>
+                                  </p:stCondLst>
+                                  <p:childTnLst>
+                                    <p:set>
+                                      <p:cBhvr>
+                                        <p:cTn id="6" dur="1" fill="hold">
+                                          <p:stCondLst>
+                                            <p:cond delay="0"/>
+                                          </p:stCondLst>
+                                        </p:cTn>
+                                        <p:tgtEl>
+                                          <p:spTgt spid="6"/>
+                                        </p:tgtEl>
+                                        <p:attrNameLst>
+                                          <p:attrName>style.visibility</p:attrName>
+                                        </p:attrNameLst>
+                                      </p:cBhvr>
+                                      <p:to>
+                                        <p:strVal val="visible"/>
+                                      </p:to>
+                                    </p:set>
+                                    <p:anim calcmode="lin" valueType="num">
+                                      <p:cBhvr>
+                                        <p:cTn id="7" dur="500" fill="hold"/>
+                                        <p:tgtEl>
+                                          <p:spTgt spid="6"/>
+                                        </p:tgtEl>
+                                        <p:attrNameLst>
+                                          <p:attrName>ppt_w</p:attrName>
+                                        </p:attrNameLst>
+                                      </p:cBhvr>
+                                      <p:tavLst>
+                                        <p:tav tm="0">
+                                          <p:val>
+                                            <p:fltVal val="0"/>
+                                          </p:val>
+                                        </p:tav>
+                                        <p:tav tm="100000">
+                                          <p:val>
+                                            <p:strVal val="#ppt_w"/>
+                                          </p:val>
+                                        </p:tav>
+                                      </p:tavLst>
+                                    </p:anim>
+                                    <p:anim calcmode="lin" valueType="num">
+                                      <p:cBhvr>
+                                        <p:cTn id="8" dur="500" fill="hold"/>
+                                        <p:tgtEl>
+                                          <p:spTgt spid="6"/>
+                                        </p:tgtEl>
+                                        <p:attrNameLst>
+                                          <p:attrName>ppt_h</p:attrName>
+                                        </p:attrNameLst>
+                                      </p:cBhvr>
+                                      <p:tavLst>
+                                        <p:tav tm="0">
+                                          <p:val>
+                                            <p:fltVal val="0"/>
+                                          </p:val>
+                                        </p:tav>
+                                        <p:tav tm="100000">
+                                          <p:val>
+                                            <p:strVal val="#ppt_h"/>
+                                          </p:val>
+                                        </p:tav>
+                                      </p:tavLst>
+                                    </p:anim>
+                                    <p:animEffect transition="in" filter="fade">
+                                      <p:cBhvr>
+                                        <p:cTn id="9" dur="500"/>
+                                        <p:tgtEl>
+                                          <p:spTgt spid="6"/>
+                                        </p:tgtEl>
+                                      </p:cBhvr>
+                                    </p:animEffect>
+                                  </p:childTnLst>
+                                </p:cTn>
+                              </p:par>
+                            </p:childTnLst>
+                          </p:cTn>
+                        </p:par>
+                      </p:childTnLst>
+                    </p:cTn>
+                  </p:par>
+                  <p:par>
+                    <p:cTn id="10" fill="hold">
+                      <p:stCondLst>
+                        <p:cond delay="indefinite"/>
+                      </p:stCondLst>
+                      <p:childTnLst>
+                        <p:par>
+                          <p:cTn id="11" fill="hold">
+                            <p:stCondLst>
+                              <p:cond delay="0"/>
+                            </p:stCondLst>
+                            <p:childTnLst>
+                              <p:par>
+                                <p:cTn id="12" presetID="53" presetClass="entr" presetSubtype="16" fill="hold" grpId="0" nodeType="clickEffect">
+                                  <p:stCondLst>
+                                    <p:cond delay="0"/>
+                                  </p:stCondLst>
+                                  <p:childTnLst>
+                                    <p:set>
+                                      <p:cBhvr>
+                                        <p:cTn id="13" dur="1" fill="hold">
+                                          <p:stCondLst>
+                                            <p:cond delay="0"/>
+                                          </p:stCondLst>
+                                        </p:cTn>
+                                        <p:tgtEl>
+                                          <p:spTgt spid="7"/>
+                                        </p:tgtEl>
+                                        <p:attrNameLst>
+                                          <p:attrName>style.visibility</p:attrName>
+                                        </p:attrNameLst>
+                                      </p:cBhvr>
+                                      <p:to>
+                                        <p:strVal val="visible"/>
+                                      </p:to>
+                                    </p:set>
+                                    <p:anim calcmode="lin" valueType="num">
+                                      <p:cBhvr>
+                                        <p:cTn id="14" dur="500" fill="hold"/>
+                                        <p:tgtEl>
+                                          <p:spTgt spid="7"/>
+                                        </p:tgtEl>
+                                        <p:attrNameLst>
+                                          <p:attrName>ppt_w</p:attrName>
+                                        </p:attrNameLst>
+                                      </p:cBhvr>
+                                      <p:tavLst>
+                                        <p:tav tm="0">
+                                          <p:val>
+                                            <p:fltVal val="0"/>
+                                          </p:val>
+                                        </p:tav>
+                                        <p:tav tm="100000">
+                                          <p:val>
+                                            <p:strVal val="#ppt_w"/>
+                                          </p:val>
+                                        </p:tav>
+                                      </p:tavLst>
+                                    </p:anim>
+                                    <p:anim calcmode="lin" valueType="num">
+                                      <p:cBhvr>
+                                        <p:cTn id="15" dur="500" fill="hold"/>
+                                        <p:tgtEl>
+                                          <p:spTgt spid="7"/>
+                                        </p:tgtEl>
+                                        <p:attrNameLst>
+                                          <p:attrName>ppt_h</p:attrName>
+                                        </p:attrNameLst>
+                                      </p:cBhvr>
+                                      <p:tavLst>
+                                        <p:tav tm="0">
+                                          <p:val>
+                                            <p:fltVal val="0"/>
+                                          </p:val>
+                                        </p:tav>
+                                        <p:tav tm="100000">
+                                          <p:val>
+                                            <p:strVal val="#ppt_h"/>
+                                          </p:val>
+                                        </p:tav>
+                                      </p:tavLst>
+                                    </p:anim>
+                                    <p:animEffect transition="in" filter="fade">
+                                      <p:cBhvr>
+                                        <p:cTn id="16" dur="500"/>
+                                        <p:tgtEl>
+                                          <p:spTgt spid="7"/>
+                                        </p:tgtEl>
+                                      </p:cBhvr>
+                                    </p:animEffect>
+                                  </p:childTnLst>
+                                </p:cTn>
+                              </p:par>
+                            </p:childTnLst>
+                          </p:cTn>
+                        </p:par>
+                      </p:childTnLst>
+                    </p:cTn>
+                  </p:par>
+                </p:childTnLst>
+              </p:cTn>
+              <p:prevCondLst>
+                <p:cond evt="onPrev" delay="0">
+                  <p:tgtEl>
+                    <p:sldTgt/>
+                  </p:tgtEl>
+                </p:cond>
+              </p:prevCondLst>
+              <p:nextCondLst>
+                <p:cond evt="onNext" delay="0">
+                  <p:tgtEl>
+                    <p:sldTgt/>
+                  </p:tgtEl>
+                </p:cond>
+              </p:nextCondLst>
+            </p:seq>
+          </p:childTnLst>
+        </p:cTn>
+      </p:par>
+    </p:tnLst>
+    <p:bldLst>
+      <p:bldP spid="6" grpId="0"/>
+      <p:bldP spid="7" grpId="0"/>
+    </p:bldLst>
+  </p:timing>
+</p:sld>
+</file>
+
+<file path=ppt/slides/slide12.xml><?xml version="1.0" encoding="utf-8"?>
+<p:sld xmlns:a="http://schemas.openxmlformats.org/drawingml/2006/main" xmlns:r="http://schemas.openxmlformats.org/officeDocument/2006/relationships" xmlns:p="http://schemas.openxmlformats.org/presentationml/2006/main">
+  <p:cSld>
+    <p:spTree>
+      <p:nvGrpSpPr>
+        <p:cNvPr id="1" name=""/>
+        <p:cNvGrpSpPr/>
+        <p:nvPr/>
+      </p:nvGrpSpPr>
+      <p:grpSpPr>
+        <a:xfrm>
+          <a:off x="0" y="0"/>
+          <a:ext cx="0" cy="0"/>
+          <a:chOff x="0" y="0"/>
+          <a:chExt cx="0" cy="0"/>
+        </a:xfrm>
+      </p:grpSpPr>
+      <p:sp>
+        <p:nvSpPr>
+          <p:cNvPr id="5122" name="Title 1"/>
+          <p:cNvSpPr>
+            <a:spLocks noGrp="1"/>
+          </p:cNvSpPr>
+          <p:nvPr>
+            <p:ph type="title"/>
+          </p:nvPr>
+        </p:nvSpPr>
+        <p:spPr>
+          <a:xfrm>
+            <a:off x="2286000" y="228600"/>
+            <a:ext cx="6400800" cy="563562"/>
+          </a:xfrm>
+        </p:spPr>
+        <p:txBody>
+          <a:bodyPr/>
+          <a:lstStyle/>
+          <a:p>
+            <a:r>
+              <a:rPr lang="en-US" altLang="en-US" sz="2400" dirty="0" smtClean="0"/>
+              <a:t>Agenda</a:t>
+            </a:r>
+          </a:p>
+        </p:txBody>
+      </p:sp>
+      <p:sp>
+        <p:nvSpPr>
+          <p:cNvPr id="5123" name="Content Placeholder 2"/>
+          <p:cNvSpPr>
+            <a:spLocks noGrp="1"/>
+          </p:cNvSpPr>
+          <p:nvPr>
+            <p:ph idx="1"/>
+          </p:nvPr>
+        </p:nvSpPr>
+        <p:spPr>
+          <a:xfrm>
+            <a:off x="2286000" y="1600200"/>
+            <a:ext cx="5257800" cy="4267200"/>
+          </a:xfrm>
+        </p:spPr>
+        <p:txBody>
+          <a:bodyPr/>
+          <a:lstStyle/>
+          <a:p>
+            <a:r>
+              <a:rPr lang="ro-RO" altLang="en-US" sz="2400" dirty="0" smtClean="0"/>
+              <a:t>Introduction</a:t>
+            </a:r>
+            <a:endParaRPr lang="en-US" altLang="en-US" sz="2400" dirty="0" smtClean="0"/>
+          </a:p>
+          <a:p>
+            <a:endParaRPr lang="ro-RO" altLang="en-US" sz="2400" dirty="0" smtClean="0"/>
+          </a:p>
+          <a:p>
+            <a:r>
+              <a:rPr lang="ro-RO" altLang="en-US" sz="2400" dirty="0" smtClean="0"/>
+              <a:t>BioCalc Application</a:t>
+            </a:r>
+            <a:endParaRPr lang="ro-RO" altLang="en-US" sz="2400" dirty="0"/>
+          </a:p>
+          <a:p>
+            <a:endParaRPr lang="en-US" altLang="en-US" sz="2400" dirty="0" smtClean="0"/>
+          </a:p>
+          <a:p>
+            <a:r>
+              <a:rPr lang="en-US" altLang="en-US" sz="2400" dirty="0" smtClean="0"/>
+              <a:t>Function Call</a:t>
+            </a:r>
+          </a:p>
+          <a:p>
+            <a:endParaRPr lang="en-US" altLang="en-US" sz="2400" dirty="0"/>
+          </a:p>
+          <a:p>
+            <a:r>
+              <a:rPr lang="en-US" altLang="en-US" sz="2400" dirty="0" smtClean="0"/>
+              <a:t>Object Creation</a:t>
+            </a:r>
+            <a:endParaRPr lang="ro-RO" altLang="en-US" sz="2400" dirty="0" smtClean="0"/>
+          </a:p>
+          <a:p>
+            <a:endParaRPr lang="en-US" altLang="en-US" sz="2400" b="1" dirty="0" smtClean="0"/>
+          </a:p>
+          <a:p>
+            <a:r>
+              <a:rPr lang="ro-RO" altLang="en-US" sz="2400" b="1" dirty="0" smtClean="0"/>
+              <a:t>Inheritance</a:t>
+            </a:r>
+            <a:endParaRPr lang="ro-RO" altLang="en-US" sz="1800" dirty="0" smtClean="0"/>
+          </a:p>
+        </p:txBody>
+      </p:sp>
+      <p:sp>
+        <p:nvSpPr>
+          <p:cNvPr id="4" name="TextBox 3"/>
+          <p:cNvSpPr txBox="1"/>
+          <p:nvPr/>
+        </p:nvSpPr>
+        <p:spPr>
+          <a:xfrm>
+            <a:off x="3352800" y="6459379"/>
+            <a:ext cx="2518638" cy="246221"/>
+          </a:xfrm>
+          <a:prstGeom prst="rect">
+            <a:avLst/>
+          </a:prstGeom>
+          <a:solidFill>
+            <a:schemeClr val="bg1"/>
+          </a:solidFill>
+        </p:spPr>
+        <p:txBody>
+          <a:bodyPr wrap="none" rtlCol="0">
+            <a:spAutoFit/>
+          </a:bodyPr>
+          <a:lstStyle/>
+          <a:p>
+            <a:r>
+              <a:rPr lang="en-US" sz="1000" dirty="0" smtClean="0">
+                <a:solidFill>
+                  <a:schemeClr val="bg1">
+                    <a:lumMod val="50000"/>
+                  </a:schemeClr>
+                </a:solidFill>
+              </a:rPr>
+              <a:t>© iQuest Group 2013. All rights reserved.</a:t>
+            </a:r>
+          </a:p>
+        </p:txBody>
+      </p:sp>
+    </p:spTree>
+    <p:extLst>
+      <p:ext uri="{BB962C8B-B14F-4D97-AF65-F5344CB8AC3E}">
+        <p14:creationId xmlns:p14="http://schemas.microsoft.com/office/powerpoint/2010/main" val="3475425590"/>
+      </p:ext>
+    </p:extLst>
+  </p:cSld>
+  <p:clrMapOvr>
+    <a:masterClrMapping/>
+  </p:clrMapOvr>
+  <p:timing>
+    <p:tnLst>
+      <p:par>
+        <p:cTn id="1" dur="indefinite" restart="never" nodeType="tmRoot"/>
+      </p:par>
+    </p:tnLst>
+  </p:timing>
+</p:sld>
+</file>
+
+<file path=ppt/slides/slide13.xml><?xml version="1.0" encoding="utf-8"?>
+<p:sld xmlns:a="http://schemas.openxmlformats.org/drawingml/2006/main" xmlns:r="http://schemas.openxmlformats.org/officeDocument/2006/relationships" xmlns:p="http://schemas.openxmlformats.org/presentationml/2006/main">
+  <p:cSld>
+    <p:spTree>
+      <p:nvGrpSpPr>
+        <p:cNvPr id="1" name=""/>
+        <p:cNvGrpSpPr/>
+        <p:nvPr/>
+      </p:nvGrpSpPr>
+      <p:grpSpPr>
+        <a:xfrm>
+          <a:off x="0" y="0"/>
+          <a:ext cx="0" cy="0"/>
+          <a:chOff x="0" y="0"/>
+          <a:chExt cx="0" cy="0"/>
+        </a:xfrm>
+      </p:grpSpPr>
+      <p:sp>
+        <p:nvSpPr>
+          <p:cNvPr id="5122" name="Title 1"/>
+          <p:cNvSpPr>
+            <a:spLocks noGrp="1"/>
+          </p:cNvSpPr>
+          <p:nvPr>
+            <p:ph type="title"/>
+          </p:nvPr>
+        </p:nvSpPr>
+        <p:spPr>
+          <a:xfrm>
+            <a:off x="2286000" y="228600"/>
+            <a:ext cx="6400800" cy="563562"/>
+          </a:xfrm>
+        </p:spPr>
+        <p:txBody>
+          <a:bodyPr/>
+          <a:lstStyle/>
+          <a:p>
+            <a:r>
+              <a:rPr lang="ro-RO" altLang="en-US" sz="2400" dirty="0" smtClean="0"/>
+              <a:t>Inheritance – </a:t>
+            </a:r>
+            <a:r>
+              <a:rPr lang="en-US" altLang="en-US" sz="2400" dirty="0" smtClean="0"/>
+              <a:t>B</a:t>
+            </a:r>
+            <a:r>
+              <a:rPr lang="ro-RO" altLang="en-US" sz="2400" dirty="0" smtClean="0"/>
+              <a:t>asic</a:t>
+            </a:r>
+            <a:endParaRPr lang="en-US" altLang="en-US" sz="2400" dirty="0" smtClean="0"/>
+          </a:p>
+        </p:txBody>
+      </p:sp>
+      <p:sp>
+        <p:nvSpPr>
+          <p:cNvPr id="8" name="Content Placeholder 2"/>
+          <p:cNvSpPr>
+            <a:spLocks noGrp="1"/>
+          </p:cNvSpPr>
+          <p:nvPr>
+            <p:ph idx="1"/>
+          </p:nvPr>
+        </p:nvSpPr>
+        <p:spPr>
+          <a:xfrm>
+            <a:off x="685800" y="1371600"/>
+            <a:ext cx="6172200" cy="1143000"/>
+          </a:xfrm>
+        </p:spPr>
+        <p:txBody>
+          <a:bodyPr/>
+          <a:lstStyle/>
+          <a:p>
+            <a:r>
+              <a:rPr lang="ro-RO" altLang="en-US" sz="2400" dirty="0" smtClean="0"/>
+              <a:t>Create two functions (</a:t>
+            </a:r>
+            <a:r>
+              <a:rPr lang="ro-RO" altLang="en-US" sz="2400" dirty="0" smtClean="0">
+                <a:latin typeface="Courier New" panose="02070309020205020404" pitchFamily="49" charset="0"/>
+                <a:cs typeface="Courier New" panose="02070309020205020404" pitchFamily="49" charset="0"/>
+              </a:rPr>
+              <a:t>Animal</a:t>
+            </a:r>
+            <a:r>
+              <a:rPr lang="ro-RO" altLang="en-US" sz="2400" dirty="0" smtClean="0"/>
+              <a:t> and </a:t>
+            </a:r>
+            <a:r>
+              <a:rPr lang="ro-RO" altLang="en-US" sz="2400" dirty="0" smtClean="0">
+                <a:latin typeface="Courier New" panose="02070309020205020404" pitchFamily="49" charset="0"/>
+                <a:cs typeface="Courier New" panose="02070309020205020404" pitchFamily="49" charset="0"/>
+              </a:rPr>
+              <a:t>Dog</a:t>
+            </a:r>
+            <a:r>
+              <a:rPr lang="ro-RO" altLang="en-US" sz="2400" dirty="0" smtClean="0"/>
+              <a:t>)</a:t>
+            </a:r>
+          </a:p>
+        </p:txBody>
+      </p:sp>
+      <p:pic>
+        <p:nvPicPr>
+          <p:cNvPr id="3074" name="Picture 2"/>
+          <p:cNvPicPr>
+            <a:picLocks noChangeAspect="1" noChangeArrowheads="1"/>
+          </p:cNvPicPr>
+          <p:nvPr/>
+        </p:nvPicPr>
+        <p:blipFill>
+          <a:blip r:embed="rId2">
+            <a:extLst>
+              <a:ext uri="{28A0092B-C50C-407E-A947-70E740481C1C}">
+                <a14:useLocalDpi xmlns:a14="http://schemas.microsoft.com/office/drawing/2010/main" val="0"/>
+              </a:ext>
+            </a:extLst>
+          </a:blip>
+          <a:srcRect/>
+          <a:stretch>
+            <a:fillRect/>
+          </a:stretch>
+        </p:blipFill>
+        <p:spPr bwMode="auto">
+          <a:xfrm>
+            <a:off x="1028700" y="2057400"/>
+            <a:ext cx="6743700" cy="3886200"/>
+          </a:xfrm>
+          <a:prstGeom prst="rect">
+            <a:avLst/>
+          </a:prstGeom>
+          <a:noFill/>
+          <a:ln>
+            <a:noFill/>
+          </a:ln>
+          <a:extLst>
+            <a:ext uri="{909E8E84-426E-40DD-AFC4-6F175D3DCCD1}">
+              <a14:hiddenFill xmlns:a14="http://schemas.microsoft.com/office/drawing/2010/main">
+                <a:solidFill>
+                  <a:schemeClr val="accent1"/>
+                </a:solidFill>
+              </a14:hiddenFill>
+            </a:ext>
+            <a:ext uri="{91240B29-F687-4F45-9708-019B960494DF}">
+              <a14:hiddenLine xmlns:a14="http://schemas.microsoft.com/office/drawing/2010/main" w="9525">
+                <a:solidFill>
+                  <a:schemeClr val="tx1"/>
+                </a:solidFill>
+                <a:miter lim="800000"/>
+                <a:headEnd/>
+                <a:tailEnd/>
+              </a14:hiddenLine>
+            </a:ext>
+          </a:extLst>
+        </p:spPr>
+      </p:pic>
+      <p:sp>
+        <p:nvSpPr>
+          <p:cNvPr id="5" name="TextBox 4"/>
+          <p:cNvSpPr txBox="1"/>
+          <p:nvPr/>
+        </p:nvSpPr>
+        <p:spPr>
+          <a:xfrm>
+            <a:off x="3352800" y="6459379"/>
+            <a:ext cx="2518638" cy="246221"/>
+          </a:xfrm>
+          <a:prstGeom prst="rect">
+            <a:avLst/>
+          </a:prstGeom>
+          <a:solidFill>
+            <a:schemeClr val="bg1"/>
+          </a:solidFill>
+        </p:spPr>
+        <p:txBody>
+          <a:bodyPr wrap="none" rtlCol="0">
+            <a:spAutoFit/>
+          </a:bodyPr>
+          <a:lstStyle/>
+          <a:p>
+            <a:r>
+              <a:rPr lang="en-US" sz="1000" dirty="0" smtClean="0">
+                <a:solidFill>
+                  <a:schemeClr val="bg1">
+                    <a:lumMod val="50000"/>
+                  </a:schemeClr>
+                </a:solidFill>
+              </a:rPr>
+              <a:t>© iQuest Group 2013. All rights reserved.</a:t>
+            </a:r>
+          </a:p>
+        </p:txBody>
+      </p:sp>
+    </p:spTree>
+    <p:extLst>
+      <p:ext uri="{BB962C8B-B14F-4D97-AF65-F5344CB8AC3E}">
+        <p14:creationId xmlns:p14="http://schemas.microsoft.com/office/powerpoint/2010/main" val="679634271"/>
+      </p:ext>
+    </p:extLst>
+  </p:cSld>
+  <p:clrMapOvr>
+    <a:masterClrMapping/>
+  </p:clrMapOvr>
+  <p:timing>
+    <p:tnLst>
+      <p:par>
+        <p:cTn id="1" dur="indefinite" restart="never" nodeType="tmRoot"/>
+      </p:par>
+    </p:tnLst>
+  </p:timing>
+</p:sld>
+</file>
+
+<file path=ppt/slides/slide14.xml><?xml version="1.0" encoding="utf-8"?>
+<p:sld xmlns:a="http://schemas.openxmlformats.org/drawingml/2006/main" xmlns:r="http://schemas.openxmlformats.org/officeDocument/2006/relationships" xmlns:p="http://schemas.openxmlformats.org/presentationml/2006/main">
+  <p:cSld>
+    <p:spTree>
+      <p:nvGrpSpPr>
+        <p:cNvPr id="1" name=""/>
+        <p:cNvGrpSpPr/>
+        <p:nvPr/>
+      </p:nvGrpSpPr>
+      <p:grpSpPr>
+        <a:xfrm>
+          <a:off x="0" y="0"/>
+          <a:ext cx="0" cy="0"/>
+          <a:chOff x="0" y="0"/>
+          <a:chExt cx="0" cy="0"/>
+        </a:xfrm>
+      </p:grpSpPr>
+      <p:sp>
+        <p:nvSpPr>
+          <p:cNvPr id="5122" name="Title 1"/>
+          <p:cNvSpPr>
+            <a:spLocks noGrp="1"/>
+          </p:cNvSpPr>
+          <p:nvPr>
+            <p:ph type="title"/>
+          </p:nvPr>
+        </p:nvSpPr>
+        <p:spPr>
+          <a:xfrm>
+            <a:off x="2286000" y="228600"/>
+            <a:ext cx="6400800" cy="563562"/>
+          </a:xfrm>
+        </p:spPr>
+        <p:txBody>
+          <a:bodyPr/>
+          <a:lstStyle/>
+          <a:p>
+            <a:r>
               <a:rPr lang="ro-RO" altLang="en-US" sz="2400" dirty="0" smtClean="0"/>
               <a:t>Inheritance – </a:t>
             </a:r>
@@ -6257,25 +7510,8 @@
                   </a:schemeClr>
                 </a:solidFill>
               </a:rPr>
-              <a:t>© iQuest </a:t>
-            </a:r>
-            <a:r>
-              <a:rPr lang="en-US" sz="1000" dirty="0" smtClean="0">
-                <a:solidFill>
-                  <a:schemeClr val="bg1">
-                    <a:lumMod val="50000"/>
-                  </a:schemeClr>
-                </a:solidFill>
-              </a:rPr>
-              <a:t>Group 2013. All rights reserved.</a:t>
-            </a:r>
-            <a:endParaRPr lang="en-US" sz="1000" dirty="0" smtClean="0">
-              <a:solidFill>
-                <a:schemeClr val="bg1">
-                  <a:lumMod val="50000"/>
-                </a:schemeClr>
-              </a:solidFill>
-            </a:endParaRPr>
+              <a:t>© iQuest Group 2013. All rights reserved.</a:t>
+            </a:r>
           </a:p>
         </p:txBody>
       </p:sp>
@@ -6299,7 +7535,7 @@
 </p:sld>
 </file>
 
-<file path=ppt/slides/slide12.xml><?xml version="1.0" encoding="utf-8"?>
+<file path=ppt/slides/slide15.xml><?xml version="1.0" encoding="utf-8"?>
 <p:sld xmlns:a="http://schemas.openxmlformats.org/drawingml/2006/main" xmlns:r="http://schemas.openxmlformats.org/officeDocument/2006/relationships" xmlns:p="http://schemas.openxmlformats.org/presentationml/2006/main">
   <p:cSld>
     <p:spTree>
@@ -6715,25 +7951,8 @@
                   </a:schemeClr>
                 </a:solidFill>
               </a:rPr>
-              <a:t>© iQuest </a:t>
-            </a:r>
-            <a:r>
-              <a:rPr lang="en-US" sz="1000" dirty="0" smtClean="0">
-                <a:solidFill>
-                  <a:schemeClr val="bg1">
-                    <a:lumMod val="50000"/>
-                  </a:schemeClr>
-                </a:solidFill>
-              </a:rPr>
-              <a:t>Group 2013. All rights reserved.</a:t>
-            </a:r>
-            <a:endParaRPr lang="en-US" sz="1000" dirty="0" smtClean="0">
-              <a:solidFill>
-                <a:schemeClr val="bg1">
-                  <a:lumMod val="50000"/>
-                </a:schemeClr>
-              </a:solidFill>
-            </a:endParaRPr>
+              <a:t>© iQuest Group 2013. All rights reserved.</a:t>
+            </a:r>
           </a:p>
         </p:txBody>
       </p:sp>
@@ -6882,7 +8101,7 @@
 </p:sld>
 </file>
 
-<file path=ppt/slides/slide13.xml><?xml version="1.0" encoding="utf-8"?>
+<file path=ppt/slides/slide16.xml><?xml version="1.0" encoding="utf-8"?>
 <p:sld xmlns:a="http://schemas.openxmlformats.org/drawingml/2006/main" xmlns:r="http://schemas.openxmlformats.org/officeDocument/2006/relationships" xmlns:p="http://schemas.openxmlformats.org/presentationml/2006/main">
   <p:cSld>
     <p:spTree>
@@ -6899,45 +8118,9 @@
           <a:chExt cx="0" cy="0"/>
         </a:xfrm>
       </p:grpSpPr>
-      <p:sp>
-        <p:nvSpPr>
-          <p:cNvPr id="5122" name="Title 1"/>
-          <p:cNvSpPr>
-            <a:spLocks noGrp="1"/>
-          </p:cNvSpPr>
-          <p:nvPr>
-            <p:ph type="title"/>
-          </p:nvPr>
-        </p:nvSpPr>
-        <p:spPr>
-          <a:xfrm>
-            <a:off x="2286000" y="228600"/>
-            <a:ext cx="6400800" cy="563562"/>
-          </a:xfrm>
-        </p:spPr>
-        <p:txBody>
-          <a:bodyPr/>
-          <a:lstStyle/>
-          <a:p>
-            <a:r>
-              <a:rPr lang="ro-RO" altLang="en-US" sz="2400" dirty="0" smtClean="0"/>
-              <a:t>Inheritance – </a:t>
-            </a:r>
-            <a:r>
-              <a:rPr lang="en-US" altLang="en-US" sz="2400" dirty="0" smtClean="0"/>
-              <a:t>B</a:t>
-            </a:r>
-            <a:r>
-              <a:rPr lang="ro-RO" altLang="en-US" sz="2400" dirty="0" smtClean="0"/>
-              <a:t>asic</a:t>
-            </a:r>
-            <a:endParaRPr lang="en-US" altLang="en-US" sz="2400" dirty="0" smtClean="0"/>
-          </a:p>
-        </p:txBody>
-      </p:sp>
       <p:pic>
         <p:nvPicPr>
-          <p:cNvPr id="32770" name="Picture 2"/>
+          <p:cNvPr id="1026" name="Picture 2"/>
           <p:cNvPicPr>
             <a:picLocks noChangeAspect="1" noChangeArrowheads="1"/>
           </p:cNvPicPr>
@@ -6958,8 +8141,8 @@
         </p:blipFill>
         <p:spPr bwMode="auto">
           <a:xfrm>
-            <a:off x="1371600" y="2305050"/>
-            <a:ext cx="6400800" cy="2552700"/>
+            <a:off x="1419225" y="2895600"/>
+            <a:ext cx="6305550" cy="1790700"/>
           </a:xfrm>
           <a:prstGeom prst="rect">
             <a:avLst/>
@@ -6991,6 +8174,42 @@
       </p:pic>
       <p:sp>
         <p:nvSpPr>
+          <p:cNvPr id="5122" name="Title 1"/>
+          <p:cNvSpPr>
+            <a:spLocks noGrp="1"/>
+          </p:cNvSpPr>
+          <p:nvPr>
+            <p:ph type="title"/>
+          </p:nvPr>
+        </p:nvSpPr>
+        <p:spPr>
+          <a:xfrm>
+            <a:off x="2286000" y="228600"/>
+            <a:ext cx="6400800" cy="563562"/>
+          </a:xfrm>
+        </p:spPr>
+        <p:txBody>
+          <a:bodyPr/>
+          <a:lstStyle/>
+          <a:p>
+            <a:r>
+              <a:rPr lang="ro-RO" altLang="en-US" sz="2400" dirty="0" smtClean="0"/>
+              <a:t>Inheritance – </a:t>
+            </a:r>
+            <a:r>
+              <a:rPr lang="en-US" altLang="en-US" sz="2400" dirty="0" smtClean="0"/>
+              <a:t>B</a:t>
+            </a:r>
+            <a:r>
+              <a:rPr lang="ro-RO" altLang="en-US" sz="2400" dirty="0" smtClean="0"/>
+              <a:t>asic</a:t>
+            </a:r>
+            <a:endParaRPr lang="en-US" altLang="en-US" sz="2400" dirty="0" smtClean="0"/>
+          </a:p>
+        </p:txBody>
+      </p:sp>
+      <p:sp>
+        <p:nvSpPr>
           <p:cNvPr id="7" name="Content Placeholder 2"/>
           <p:cNvSpPr txBox="1">
             <a:spLocks/>
@@ -6999,7 +8218,7 @@
         </p:nvSpPr>
         <p:spPr bwMode="auto">
           <a:xfrm>
-            <a:off x="5257800" y="5334000"/>
+            <a:off x="5257800" y="5181600"/>
             <a:ext cx="3124200" cy="609600"/>
           </a:xfrm>
           <a:prstGeom prst="rect">
@@ -7215,7 +8434,7 @@
         </p:nvSpPr>
         <p:spPr bwMode="auto">
           <a:xfrm>
-            <a:off x="6553200" y="3581400"/>
+            <a:off x="6553200" y="3429000"/>
             <a:ext cx="1051560" cy="304800"/>
           </a:xfrm>
           <a:prstGeom prst="ellipse">
@@ -7281,7 +8500,7 @@
         </p:nvCxnSpPr>
         <p:spPr bwMode="auto">
           <a:xfrm flipV="1">
-            <a:off x="6819900" y="3886200"/>
+            <a:off x="6819900" y="3733800"/>
             <a:ext cx="259080" cy="1447800"/>
           </a:xfrm>
           <a:prstGeom prst="straightConnector1">
@@ -7546,25 +8765,8 @@
                   </a:schemeClr>
                 </a:solidFill>
               </a:rPr>
-              <a:t>© iQuest </a:t>
-            </a:r>
-            <a:r>
-              <a:rPr lang="en-US" sz="1000" dirty="0" smtClean="0">
-                <a:solidFill>
-                  <a:schemeClr val="bg1">
-                    <a:lumMod val="50000"/>
-                  </a:schemeClr>
-                </a:solidFill>
-              </a:rPr>
-              <a:t>Group 2013. All rights reserved.</a:t>
-            </a:r>
-            <a:endParaRPr lang="en-US" sz="1000" dirty="0" smtClean="0">
-              <a:solidFill>
-                <a:schemeClr val="bg1">
-                  <a:lumMod val="50000"/>
-                </a:schemeClr>
-              </a:solidFill>
-            </a:endParaRPr>
+              <a:t>© iQuest Group 2013. All rights reserved.</a:t>
+            </a:r>
           </a:p>
         </p:txBody>
       </p:sp>
@@ -7588,7 +8790,7 @@
 </p:sld>
 </file>
 
-<file path=ppt/slides/slide14.xml><?xml version="1.0" encoding="utf-8"?>
+<file path=ppt/slides/slide17.xml><?xml version="1.0" encoding="utf-8"?>
 <p:sld xmlns:a="http://schemas.openxmlformats.org/drawingml/2006/main" xmlns:r="http://schemas.openxmlformats.org/officeDocument/2006/relationships" xmlns:p="http://schemas.openxmlformats.org/presentationml/2006/main">
   <p:cSld>
     <p:spTree>
@@ -7930,25 +9132,8 @@
                   </a:schemeClr>
                 </a:solidFill>
               </a:rPr>
-              <a:t>© iQuest </a:t>
-            </a:r>
-            <a:r>
-              <a:rPr lang="en-US" sz="1000" dirty="0" smtClean="0">
-                <a:solidFill>
-                  <a:schemeClr val="bg1">
-                    <a:lumMod val="50000"/>
-                  </a:schemeClr>
-                </a:solidFill>
-              </a:rPr>
-              <a:t>Group 2013. All rights reserved.</a:t>
-            </a:r>
-            <a:endParaRPr lang="en-US" sz="1000" dirty="0" smtClean="0">
-              <a:solidFill>
-                <a:schemeClr val="bg1">
-                  <a:lumMod val="50000"/>
-                </a:schemeClr>
-              </a:solidFill>
-            </a:endParaRPr>
+              <a:t>© iQuest Group 2013. All rights reserved.</a:t>
+            </a:r>
           </a:p>
         </p:txBody>
       </p:sp>
@@ -8175,722 +9360,6 @@
 </p:sld>
 </file>
 
-<file path=ppt/slides/slide15.xml><?xml version="1.0" encoding="utf-8"?>
-<p:sld xmlns:a="http://schemas.openxmlformats.org/drawingml/2006/main" xmlns:r="http://schemas.openxmlformats.org/officeDocument/2006/relationships" xmlns:p="http://schemas.openxmlformats.org/presentationml/2006/main">
-  <p:cSld>
-    <p:spTree>
-      <p:nvGrpSpPr>
-        <p:cNvPr id="1" name=""/>
-        <p:cNvGrpSpPr/>
-        <p:nvPr/>
-      </p:nvGrpSpPr>
-      <p:grpSpPr>
-        <a:xfrm>
-          <a:off x="0" y="0"/>
-          <a:ext cx="0" cy="0"/>
-          <a:chOff x="0" y="0"/>
-          <a:chExt cx="0" cy="0"/>
-        </a:xfrm>
-      </p:grpSpPr>
-      <p:sp>
-        <p:nvSpPr>
-          <p:cNvPr id="5122" name="Title 1"/>
-          <p:cNvSpPr>
-            <a:spLocks noGrp="1"/>
-          </p:cNvSpPr>
-          <p:nvPr>
-            <p:ph type="title"/>
-          </p:nvPr>
-        </p:nvSpPr>
-        <p:spPr>
-          <a:xfrm>
-            <a:off x="2286000" y="228600"/>
-            <a:ext cx="6400800" cy="563562"/>
-          </a:xfrm>
-        </p:spPr>
-        <p:txBody>
-          <a:bodyPr/>
-          <a:lstStyle/>
-          <a:p>
-            <a:r>
-              <a:rPr lang="ro-RO" altLang="en-US" sz="2400" dirty="0" smtClean="0"/>
-              <a:t>Inheritance – </a:t>
-            </a:r>
-            <a:r>
-              <a:rPr lang="en-US" altLang="en-US" sz="2400" dirty="0" smtClean="0"/>
-              <a:t>W</a:t>
-            </a:r>
-            <a:r>
-              <a:rPr lang="ro-RO" altLang="en-US" sz="2400" dirty="0" smtClean="0"/>
-              <a:t>ith </a:t>
-            </a:r>
-            <a:r>
-              <a:rPr lang="en-US" altLang="en-US" sz="2400" dirty="0" smtClean="0"/>
-              <a:t>P</a:t>
-            </a:r>
-            <a:r>
-              <a:rPr lang="ro-RO" altLang="en-US" sz="2400" dirty="0" smtClean="0"/>
-              <a:t>arameters</a:t>
-            </a:r>
-            <a:endParaRPr lang="en-US" altLang="en-US" sz="2400" dirty="0" smtClean="0"/>
-          </a:p>
-        </p:txBody>
-      </p:sp>
-      <p:sp>
-        <p:nvSpPr>
-          <p:cNvPr id="8" name="Content Placeholder 2"/>
-          <p:cNvSpPr>
-            <a:spLocks noGrp="1"/>
-          </p:cNvSpPr>
-          <p:nvPr>
-            <p:ph idx="1"/>
-          </p:nvPr>
-        </p:nvSpPr>
-        <p:spPr>
-          <a:xfrm>
-            <a:off x="685800" y="1371600"/>
-            <a:ext cx="7696200" cy="1143000"/>
-          </a:xfrm>
-        </p:spPr>
-        <p:txBody>
-          <a:bodyPr/>
-          <a:lstStyle/>
-          <a:p>
-            <a:r>
-              <a:rPr lang="ro-RO" altLang="en-US" sz="2400" dirty="0" smtClean="0"/>
-              <a:t>Set the </a:t>
-            </a:r>
-            <a:r>
-              <a:rPr lang="ro-RO" altLang="en-US" sz="2400" dirty="0" smtClean="0">
-                <a:latin typeface="Courier New" panose="02070309020205020404" pitchFamily="49" charset="0"/>
-                <a:cs typeface="Courier New" panose="02070309020205020404" pitchFamily="49" charset="0"/>
-              </a:rPr>
-              <a:t>prototype</a:t>
-            </a:r>
-            <a:r>
-              <a:rPr lang="ro-RO" altLang="en-US" sz="2400" dirty="0" smtClean="0"/>
-              <a:t> property of the </a:t>
-            </a:r>
-            <a:r>
-              <a:rPr lang="ro-RO" altLang="en-US" sz="2400" dirty="0" smtClean="0">
-                <a:latin typeface="Courier New" panose="02070309020205020404" pitchFamily="49" charset="0"/>
-                <a:cs typeface="Courier New" panose="02070309020205020404" pitchFamily="49" charset="0"/>
-              </a:rPr>
-              <a:t>FakeBase</a:t>
-            </a:r>
-            <a:r>
-              <a:rPr lang="ro-RO" altLang="en-US" sz="2400" dirty="0" smtClean="0"/>
-              <a:t> function</a:t>
-            </a:r>
-          </a:p>
-        </p:txBody>
-      </p:sp>
-      <p:pic>
-        <p:nvPicPr>
-          <p:cNvPr id="1026" name="Picture 2"/>
-          <p:cNvPicPr>
-            <a:picLocks noChangeAspect="1" noChangeArrowheads="1"/>
-          </p:cNvPicPr>
-          <p:nvPr/>
-        </p:nvPicPr>
-        <p:blipFill>
-          <a:blip r:embed="rId2">
-            <a:extLst>
-              <a:ext uri="{28A0092B-C50C-407E-A947-70E740481C1C}">
-                <a14:useLocalDpi xmlns:a14="http://schemas.microsoft.com/office/drawing/2010/main" val="0"/>
-              </a:ext>
-            </a:extLst>
-          </a:blip>
-          <a:srcRect/>
-          <a:stretch>
-            <a:fillRect/>
-          </a:stretch>
-        </p:blipFill>
-        <p:spPr bwMode="auto">
-          <a:xfrm>
-            <a:off x="1195388" y="2819400"/>
-            <a:ext cx="6753225" cy="1619250"/>
-          </a:xfrm>
-          <a:prstGeom prst="rect">
-            <a:avLst/>
-          </a:prstGeom>
-          <a:noFill/>
-          <a:ln>
-            <a:noFill/>
-          </a:ln>
-          <a:extLst>
-            <a:ext uri="{909E8E84-426E-40DD-AFC4-6F175D3DCCD1}">
-              <a14:hiddenFill xmlns:a14="http://schemas.microsoft.com/office/drawing/2010/main">
-                <a:solidFill>
-                  <a:schemeClr val="accent1"/>
-                </a:solidFill>
-              </a14:hiddenFill>
-            </a:ext>
-            <a:ext uri="{91240B29-F687-4F45-9708-019B960494DF}">
-              <a14:hiddenLine xmlns:a14="http://schemas.microsoft.com/office/drawing/2010/main" w="9525">
-                <a:solidFill>
-                  <a:schemeClr val="tx1"/>
-                </a:solidFill>
-                <a:miter lim="800000"/>
-                <a:headEnd/>
-                <a:tailEnd/>
-              </a14:hiddenLine>
-            </a:ext>
-          </a:extLst>
-        </p:spPr>
-      </p:pic>
-      <p:sp>
-        <p:nvSpPr>
-          <p:cNvPr id="5" name="TextBox 4"/>
-          <p:cNvSpPr txBox="1"/>
-          <p:nvPr/>
-        </p:nvSpPr>
-        <p:spPr>
-          <a:xfrm>
-            <a:off x="3352800" y="6459379"/>
-            <a:ext cx="2518638" cy="246221"/>
-          </a:xfrm>
-          <a:prstGeom prst="rect">
-            <a:avLst/>
-          </a:prstGeom>
-          <a:solidFill>
-            <a:schemeClr val="bg1"/>
-          </a:solidFill>
-        </p:spPr>
-        <p:txBody>
-          <a:bodyPr wrap="none" rtlCol="0">
-            <a:spAutoFit/>
-          </a:bodyPr>
-          <a:lstStyle/>
-          <a:p>
-            <a:r>
-              <a:rPr lang="en-US" sz="1000" dirty="0" smtClean="0">
-                <a:solidFill>
-                  <a:schemeClr val="bg1">
-                    <a:lumMod val="50000"/>
-                  </a:schemeClr>
-                </a:solidFill>
-              </a:rPr>
-              <a:t>© iQuest </a:t>
-            </a:r>
-            <a:r>
-              <a:rPr lang="en-US" sz="1000" dirty="0" smtClean="0">
-                <a:solidFill>
-                  <a:schemeClr val="bg1">
-                    <a:lumMod val="50000"/>
-                  </a:schemeClr>
-                </a:solidFill>
-              </a:rPr>
-              <a:t>Group 2013. All rights reserved.</a:t>
-            </a:r>
-            <a:endParaRPr lang="en-US" sz="1000" dirty="0" smtClean="0">
-              <a:solidFill>
-                <a:schemeClr val="bg1">
-                  <a:lumMod val="50000"/>
-                </a:schemeClr>
-              </a:solidFill>
-            </a:endParaRPr>
-          </a:p>
-        </p:txBody>
-      </p:sp>
-    </p:spTree>
-    <p:extLst>
-      <p:ext uri="{BB962C8B-B14F-4D97-AF65-F5344CB8AC3E}">
-        <p14:creationId xmlns:p14="http://schemas.microsoft.com/office/powerpoint/2010/main" val="1861461591"/>
-      </p:ext>
-    </p:extLst>
-  </p:cSld>
-  <p:clrMapOvr>
-    <a:masterClrMapping/>
-  </p:clrMapOvr>
-  <p:timing>
-    <p:tnLst>
-      <p:par>
-        <p:cTn id="1" dur="indefinite" restart="never" nodeType="tmRoot"/>
-      </p:par>
-    </p:tnLst>
-  </p:timing>
-</p:sld>
-</file>
-
-<file path=ppt/slides/slide16.xml><?xml version="1.0" encoding="utf-8"?>
-<p:sld xmlns:a="http://schemas.openxmlformats.org/drawingml/2006/main" xmlns:r="http://schemas.openxmlformats.org/officeDocument/2006/relationships" xmlns:p="http://schemas.openxmlformats.org/presentationml/2006/main">
-  <p:cSld>
-    <p:spTree>
-      <p:nvGrpSpPr>
-        <p:cNvPr id="1" name=""/>
-        <p:cNvGrpSpPr/>
-        <p:nvPr/>
-      </p:nvGrpSpPr>
-      <p:grpSpPr>
-        <a:xfrm>
-          <a:off x="0" y="0"/>
-          <a:ext cx="0" cy="0"/>
-          <a:chOff x="0" y="0"/>
-          <a:chExt cx="0" cy="0"/>
-        </a:xfrm>
-      </p:grpSpPr>
-      <p:sp>
-        <p:nvSpPr>
-          <p:cNvPr id="5122" name="Title 1"/>
-          <p:cNvSpPr>
-            <a:spLocks noGrp="1"/>
-          </p:cNvSpPr>
-          <p:nvPr>
-            <p:ph type="title"/>
-          </p:nvPr>
-        </p:nvSpPr>
-        <p:spPr>
-          <a:xfrm>
-            <a:off x="2286000" y="228600"/>
-            <a:ext cx="6400800" cy="563562"/>
-          </a:xfrm>
-        </p:spPr>
-        <p:txBody>
-          <a:bodyPr/>
-          <a:lstStyle/>
-          <a:p>
-            <a:r>
-              <a:rPr lang="ro-RO" altLang="en-US" sz="2400" dirty="0" smtClean="0"/>
-              <a:t>Inheritance – </a:t>
-            </a:r>
-            <a:r>
-              <a:rPr lang="en-US" altLang="en-US" sz="2400" dirty="0" smtClean="0"/>
-              <a:t>W</a:t>
-            </a:r>
-            <a:r>
-              <a:rPr lang="ro-RO" altLang="en-US" sz="2400" dirty="0" smtClean="0"/>
-              <a:t>ith </a:t>
-            </a:r>
-            <a:r>
-              <a:rPr lang="en-US" altLang="en-US" sz="2400" dirty="0" smtClean="0"/>
-              <a:t>P</a:t>
-            </a:r>
-            <a:r>
-              <a:rPr lang="ro-RO" altLang="en-US" sz="2400" dirty="0" smtClean="0"/>
-              <a:t>arameters</a:t>
-            </a:r>
-            <a:endParaRPr lang="en-US" altLang="en-US" sz="2400" dirty="0" smtClean="0"/>
-          </a:p>
-        </p:txBody>
-      </p:sp>
-      <p:sp>
-        <p:nvSpPr>
-          <p:cNvPr id="6" name="Content Placeholder 2"/>
-          <p:cNvSpPr>
-            <a:spLocks noGrp="1"/>
-          </p:cNvSpPr>
-          <p:nvPr>
-            <p:ph idx="1"/>
-          </p:nvPr>
-        </p:nvSpPr>
-        <p:spPr>
-          <a:xfrm>
-            <a:off x="685800" y="1371600"/>
-            <a:ext cx="7696200" cy="1143000"/>
-          </a:xfrm>
-        </p:spPr>
-        <p:txBody>
-          <a:bodyPr/>
-          <a:lstStyle/>
-          <a:p>
-            <a:r>
-              <a:rPr lang="ro-RO" altLang="en-US" sz="2400" dirty="0" smtClean="0"/>
-              <a:t>Set the </a:t>
-            </a:r>
-            <a:r>
-              <a:rPr lang="ro-RO" altLang="en-US" sz="2400" dirty="0" smtClean="0">
-                <a:latin typeface="Courier New" panose="02070309020205020404" pitchFamily="49" charset="0"/>
-                <a:cs typeface="Courier New" panose="02070309020205020404" pitchFamily="49" charset="0"/>
-              </a:rPr>
-              <a:t>prototype</a:t>
-            </a:r>
-            <a:r>
-              <a:rPr lang="ro-RO" altLang="en-US" sz="2400" dirty="0" smtClean="0"/>
-              <a:t> property of the </a:t>
-            </a:r>
-            <a:r>
-              <a:rPr lang="ro-RO" altLang="en-US" sz="2400" dirty="0" smtClean="0">
-                <a:latin typeface="Courier New" panose="02070309020205020404" pitchFamily="49" charset="0"/>
-                <a:cs typeface="Courier New" panose="02070309020205020404" pitchFamily="49" charset="0"/>
-              </a:rPr>
-              <a:t>Dog </a:t>
-            </a:r>
-            <a:r>
-              <a:rPr lang="ro-RO" altLang="en-US" sz="2400" dirty="0" smtClean="0"/>
-              <a:t>function</a:t>
-            </a:r>
-          </a:p>
-        </p:txBody>
-      </p:sp>
-      <p:pic>
-        <p:nvPicPr>
-          <p:cNvPr id="2050" name="Picture 2"/>
-          <p:cNvPicPr>
-            <a:picLocks noChangeAspect="1" noChangeArrowheads="1"/>
-          </p:cNvPicPr>
-          <p:nvPr/>
-        </p:nvPicPr>
-        <p:blipFill>
-          <a:blip r:embed="rId2">
-            <a:extLst>
-              <a:ext uri="{28A0092B-C50C-407E-A947-70E740481C1C}">
-                <a14:useLocalDpi xmlns:a14="http://schemas.microsoft.com/office/drawing/2010/main" val="0"/>
-              </a:ext>
-            </a:extLst>
-          </a:blip>
-          <a:srcRect/>
-          <a:stretch>
-            <a:fillRect/>
-          </a:stretch>
-        </p:blipFill>
-        <p:spPr bwMode="auto">
-          <a:xfrm>
-            <a:off x="1209675" y="2133600"/>
-            <a:ext cx="6791325" cy="3762375"/>
-          </a:xfrm>
-          <a:prstGeom prst="rect">
-            <a:avLst/>
-          </a:prstGeom>
-          <a:noFill/>
-          <a:ln>
-            <a:noFill/>
-          </a:ln>
-          <a:extLst>
-            <a:ext uri="{909E8E84-426E-40DD-AFC4-6F175D3DCCD1}">
-              <a14:hiddenFill xmlns:a14="http://schemas.microsoft.com/office/drawing/2010/main">
-                <a:solidFill>
-                  <a:schemeClr val="accent1"/>
-                </a:solidFill>
-              </a14:hiddenFill>
-            </a:ext>
-            <a:ext uri="{91240B29-F687-4F45-9708-019B960494DF}">
-              <a14:hiddenLine xmlns:a14="http://schemas.microsoft.com/office/drawing/2010/main" w="9525">
-                <a:solidFill>
-                  <a:schemeClr val="tx1"/>
-                </a:solidFill>
-                <a:miter lim="800000"/>
-                <a:headEnd/>
-                <a:tailEnd/>
-              </a14:hiddenLine>
-            </a:ext>
-          </a:extLst>
-        </p:spPr>
-      </p:pic>
-      <p:sp>
-        <p:nvSpPr>
-          <p:cNvPr id="5" name="TextBox 4"/>
-          <p:cNvSpPr txBox="1"/>
-          <p:nvPr/>
-        </p:nvSpPr>
-        <p:spPr>
-          <a:xfrm>
-            <a:off x="3352800" y="6459379"/>
-            <a:ext cx="2518638" cy="246221"/>
-          </a:xfrm>
-          <a:prstGeom prst="rect">
-            <a:avLst/>
-          </a:prstGeom>
-          <a:solidFill>
-            <a:schemeClr val="bg1"/>
-          </a:solidFill>
-        </p:spPr>
-        <p:txBody>
-          <a:bodyPr wrap="none" rtlCol="0">
-            <a:spAutoFit/>
-          </a:bodyPr>
-          <a:lstStyle/>
-          <a:p>
-            <a:r>
-              <a:rPr lang="en-US" sz="1000" dirty="0" smtClean="0">
-                <a:solidFill>
-                  <a:schemeClr val="bg1">
-                    <a:lumMod val="50000"/>
-                  </a:schemeClr>
-                </a:solidFill>
-              </a:rPr>
-              <a:t>© iQuest </a:t>
-            </a:r>
-            <a:r>
-              <a:rPr lang="en-US" sz="1000" dirty="0" smtClean="0">
-                <a:solidFill>
-                  <a:schemeClr val="bg1">
-                    <a:lumMod val="50000"/>
-                  </a:schemeClr>
-                </a:solidFill>
-              </a:rPr>
-              <a:t>Group 2013. All rights reserved.</a:t>
-            </a:r>
-            <a:endParaRPr lang="en-US" sz="1000" dirty="0" smtClean="0">
-              <a:solidFill>
-                <a:schemeClr val="bg1">
-                  <a:lumMod val="50000"/>
-                </a:schemeClr>
-              </a:solidFill>
-            </a:endParaRPr>
-          </a:p>
-        </p:txBody>
-      </p:sp>
-    </p:spTree>
-    <p:extLst>
-      <p:ext uri="{BB962C8B-B14F-4D97-AF65-F5344CB8AC3E}">
-        <p14:creationId xmlns:p14="http://schemas.microsoft.com/office/powerpoint/2010/main" val="3125307590"/>
-      </p:ext>
-    </p:extLst>
-  </p:cSld>
-  <p:clrMapOvr>
-    <a:masterClrMapping/>
-  </p:clrMapOvr>
-  <p:timing>
-    <p:tnLst>
-      <p:par>
-        <p:cTn id="1" dur="indefinite" restart="never" nodeType="tmRoot"/>
-      </p:par>
-    </p:tnLst>
-  </p:timing>
-</p:sld>
-</file>
-
-<file path=ppt/slides/slide17.xml><?xml version="1.0" encoding="utf-8"?>
-<p:sld xmlns:a="http://schemas.openxmlformats.org/drawingml/2006/main" xmlns:r="http://schemas.openxmlformats.org/officeDocument/2006/relationships" xmlns:p="http://schemas.openxmlformats.org/presentationml/2006/main">
-  <p:cSld>
-    <p:spTree>
-      <p:nvGrpSpPr>
-        <p:cNvPr id="1" name=""/>
-        <p:cNvGrpSpPr/>
-        <p:nvPr/>
-      </p:nvGrpSpPr>
-      <p:grpSpPr>
-        <a:xfrm>
-          <a:off x="0" y="0"/>
-          <a:ext cx="0" cy="0"/>
-          <a:chOff x="0" y="0"/>
-          <a:chExt cx="0" cy="0"/>
-        </a:xfrm>
-      </p:grpSpPr>
-      <p:pic>
-        <p:nvPicPr>
-          <p:cNvPr id="4098" name="Picture 2"/>
-          <p:cNvPicPr>
-            <a:picLocks noChangeAspect="1" noChangeArrowheads="1"/>
-          </p:cNvPicPr>
-          <p:nvPr/>
-        </p:nvPicPr>
-        <p:blipFill>
-          <a:blip r:embed="rId2">
-            <a:extLst>
-              <a:ext uri="{28A0092B-C50C-407E-A947-70E740481C1C}">
-                <a14:useLocalDpi xmlns:a14="http://schemas.microsoft.com/office/drawing/2010/main" val="0"/>
-              </a:ext>
-            </a:extLst>
-          </a:blip>
-          <a:srcRect/>
-          <a:stretch>
-            <a:fillRect/>
-          </a:stretch>
-        </p:blipFill>
-        <p:spPr bwMode="auto">
-          <a:xfrm>
-            <a:off x="1152525" y="2971800"/>
-            <a:ext cx="6838950" cy="1828800"/>
-          </a:xfrm>
-          <a:prstGeom prst="rect">
-            <a:avLst/>
-          </a:prstGeom>
-          <a:noFill/>
-          <a:ln>
-            <a:noFill/>
-          </a:ln>
-          <a:extLst>
-            <a:ext uri="{909E8E84-426E-40DD-AFC4-6F175D3DCCD1}">
-              <a14:hiddenFill xmlns:a14="http://schemas.microsoft.com/office/drawing/2010/main">
-                <a:solidFill>
-                  <a:schemeClr val="accent1"/>
-                </a:solidFill>
-              </a14:hiddenFill>
-            </a:ext>
-            <a:ext uri="{91240B29-F687-4F45-9708-019B960494DF}">
-              <a14:hiddenLine xmlns:a14="http://schemas.microsoft.com/office/drawing/2010/main" w="9525">
-                <a:solidFill>
-                  <a:schemeClr val="tx1"/>
-                </a:solidFill>
-                <a:miter lim="800000"/>
-                <a:headEnd/>
-                <a:tailEnd/>
-              </a14:hiddenLine>
-            </a:ext>
-          </a:extLst>
-        </p:spPr>
-      </p:pic>
-      <p:sp>
-        <p:nvSpPr>
-          <p:cNvPr id="5122" name="Title 1"/>
-          <p:cNvSpPr>
-            <a:spLocks noGrp="1"/>
-          </p:cNvSpPr>
-          <p:nvPr>
-            <p:ph type="title"/>
-          </p:nvPr>
-        </p:nvSpPr>
-        <p:spPr>
-          <a:xfrm>
-            <a:off x="2286000" y="228600"/>
-            <a:ext cx="6400800" cy="563562"/>
-          </a:xfrm>
-        </p:spPr>
-        <p:txBody>
-          <a:bodyPr/>
-          <a:lstStyle/>
-          <a:p>
-            <a:r>
-              <a:rPr lang="ro-RO" altLang="en-US" sz="2400" dirty="0" smtClean="0"/>
-              <a:t>Inheritance – </a:t>
-            </a:r>
-            <a:r>
-              <a:rPr lang="en-US" altLang="en-US" sz="2400" dirty="0" smtClean="0"/>
-              <a:t>W</a:t>
-            </a:r>
-            <a:r>
-              <a:rPr lang="ro-RO" altLang="en-US" sz="2400" dirty="0" smtClean="0"/>
-              <a:t>ith </a:t>
-            </a:r>
-            <a:r>
-              <a:rPr lang="en-US" altLang="en-US" sz="2400" dirty="0" smtClean="0"/>
-              <a:t>P</a:t>
-            </a:r>
-            <a:r>
-              <a:rPr lang="ro-RO" altLang="en-US" sz="2400" dirty="0" smtClean="0"/>
-              <a:t>arameters</a:t>
-            </a:r>
-            <a:endParaRPr lang="en-US" altLang="en-US" sz="2400" dirty="0" smtClean="0"/>
-          </a:p>
-        </p:txBody>
-      </p:sp>
-      <p:sp>
-        <p:nvSpPr>
-          <p:cNvPr id="5" name="Content Placeholder 2"/>
-          <p:cNvSpPr>
-            <a:spLocks noGrp="1"/>
-          </p:cNvSpPr>
-          <p:nvPr>
-            <p:ph idx="1"/>
-          </p:nvPr>
-        </p:nvSpPr>
-        <p:spPr>
-          <a:xfrm>
-            <a:off x="685800" y="1371600"/>
-            <a:ext cx="7772400" cy="1143000"/>
-          </a:xfrm>
-        </p:spPr>
-        <p:txBody>
-          <a:bodyPr/>
-          <a:lstStyle/>
-          <a:p>
-            <a:r>
-              <a:rPr lang="ro-RO" altLang="en-US" sz="2400" dirty="0" smtClean="0"/>
-              <a:t>Fix the „</a:t>
-            </a:r>
-            <a:r>
-              <a:rPr lang="ro-RO" altLang="en-US" sz="2400" dirty="0" smtClean="0">
-                <a:latin typeface="Courier New" panose="02070309020205020404" pitchFamily="49" charset="0"/>
-                <a:cs typeface="Courier New" panose="02070309020205020404" pitchFamily="49" charset="0"/>
-              </a:rPr>
-              <a:t>constructor</a:t>
-            </a:r>
-            <a:r>
-              <a:rPr lang="ro-RO" altLang="en-US" sz="2400" dirty="0" smtClean="0"/>
-              <a:t>” property of the </a:t>
-            </a:r>
-            <a:r>
-              <a:rPr lang="ro-RO" altLang="en-US" sz="2400" dirty="0" smtClean="0">
-                <a:latin typeface="Courier New" panose="02070309020205020404" pitchFamily="49" charset="0"/>
-                <a:cs typeface="Courier New" panose="02070309020205020404" pitchFamily="49" charset="0"/>
-              </a:rPr>
-              <a:t>FakeBase </a:t>
-            </a:r>
-            <a:r>
-              <a:rPr lang="ro-RO" altLang="en-US" sz="2400" dirty="0" smtClean="0">
-                <a:cs typeface="Courier New" panose="02070309020205020404" pitchFamily="49" charset="0"/>
-              </a:rPr>
-              <a:t>function</a:t>
-            </a:r>
-          </a:p>
-        </p:txBody>
-      </p:sp>
-      <p:sp>
-        <p:nvSpPr>
-          <p:cNvPr id="6" name="TextBox 5"/>
-          <p:cNvSpPr txBox="1"/>
-          <p:nvPr/>
-        </p:nvSpPr>
-        <p:spPr>
-          <a:xfrm>
-            <a:off x="3352800" y="6459379"/>
-            <a:ext cx="2518638" cy="246221"/>
-          </a:xfrm>
-          <a:prstGeom prst="rect">
-            <a:avLst/>
-          </a:prstGeom>
-          <a:solidFill>
-            <a:schemeClr val="bg1"/>
-          </a:solidFill>
-        </p:spPr>
-        <p:txBody>
-          <a:bodyPr wrap="none" rtlCol="0">
-            <a:spAutoFit/>
-          </a:bodyPr>
-          <a:lstStyle/>
-          <a:p>
-            <a:r>
-              <a:rPr lang="en-US" sz="1000" dirty="0" smtClean="0">
-                <a:solidFill>
-                  <a:schemeClr val="bg1">
-                    <a:lumMod val="50000"/>
-                  </a:schemeClr>
-                </a:solidFill>
-              </a:rPr>
-              <a:t>© iQuest </a:t>
-            </a:r>
-            <a:r>
-              <a:rPr lang="en-US" sz="1000" dirty="0" smtClean="0">
-                <a:solidFill>
-                  <a:schemeClr val="bg1">
-                    <a:lumMod val="50000"/>
-                  </a:schemeClr>
-                </a:solidFill>
-              </a:rPr>
-              <a:t>Group 2013. All rights reserved.</a:t>
-            </a:r>
-            <a:endParaRPr lang="en-US" sz="1000" dirty="0" smtClean="0">
-              <a:solidFill>
-                <a:schemeClr val="bg1">
-                  <a:lumMod val="50000"/>
-                </a:schemeClr>
-              </a:solidFill>
-            </a:endParaRPr>
-          </a:p>
-        </p:txBody>
-      </p:sp>
-    </p:spTree>
-    <p:extLst>
-      <p:ext uri="{BB962C8B-B14F-4D97-AF65-F5344CB8AC3E}">
-        <p14:creationId xmlns:p14="http://schemas.microsoft.com/office/powerpoint/2010/main" val="3138581112"/>
-      </p:ext>
-    </p:extLst>
-  </p:cSld>
-  <p:clrMapOvr>
-    <a:masterClrMapping/>
-  </p:clrMapOvr>
-  <p:timing>
-    <p:tnLst>
-      <p:par>
-        <p:cTn id="1" dur="indefinite" restart="never" nodeType="tmRoot"/>
-      </p:par>
-    </p:tnLst>
-  </p:timing>
-</p:sld>
-</file>
-
 <file path=ppt/slides/slide18.xml><?xml version="1.0" encoding="utf-8"?>
 <p:sld xmlns:a="http://schemas.openxmlformats.org/drawingml/2006/main" xmlns:r="http://schemas.openxmlformats.org/officeDocument/2006/relationships" xmlns:p="http://schemas.openxmlformats.org/presentationml/2006/main">
   <p:cSld>
@@ -8954,7 +9423,7 @@
       </p:sp>
       <p:sp>
         <p:nvSpPr>
-          <p:cNvPr id="5" name="Content Placeholder 2"/>
+          <p:cNvPr id="8" name="Content Placeholder 2"/>
           <p:cNvSpPr>
             <a:spLocks noGrp="1"/>
           </p:cNvSpPr>
@@ -8965,7 +9434,7 @@
         <p:spPr>
           <a:xfrm>
             <a:off x="685800" y="1371600"/>
-            <a:ext cx="7772400" cy="1143000"/>
+            <a:ext cx="7696200" cy="1143000"/>
           </a:xfrm>
         </p:spPr>
         <p:txBody>
@@ -8973,12 +9442,68 @@
           <a:lstStyle/>
           <a:p>
             <a:r>
-              <a:rPr lang="en-US" altLang="en-US" sz="2400" dirty="0" smtClean="0"/>
-              <a:t>Call base constructor.</a:t>
-            </a:r>
-            <a:endParaRPr lang="ro-RO" altLang="en-US" sz="2400" dirty="0" smtClean="0">
-              <a:cs typeface="Courier New" panose="02070309020205020404" pitchFamily="49" charset="0"/>
-            </a:endParaRPr>
+              <a:rPr lang="ro-RO" altLang="en-US" sz="2400" dirty="0" smtClean="0"/>
+              <a:t>Set the </a:t>
+            </a:r>
+            <a:r>
+              <a:rPr lang="ro-RO" altLang="en-US" sz="2400" dirty="0" smtClean="0">
+                <a:latin typeface="Courier New" panose="02070309020205020404" pitchFamily="49" charset="0"/>
+                <a:cs typeface="Courier New" panose="02070309020205020404" pitchFamily="49" charset="0"/>
+              </a:rPr>
+              <a:t>prototype</a:t>
+            </a:r>
+            <a:r>
+              <a:rPr lang="ro-RO" altLang="en-US" sz="2400" dirty="0" smtClean="0"/>
+              <a:t> property of the </a:t>
+            </a:r>
+            <a:r>
+              <a:rPr lang="ro-RO" altLang="en-US" sz="2400" dirty="0" smtClean="0">
+                <a:latin typeface="Courier New" panose="02070309020205020404" pitchFamily="49" charset="0"/>
+                <a:cs typeface="Courier New" panose="02070309020205020404" pitchFamily="49" charset="0"/>
+              </a:rPr>
+              <a:t>FakeBase</a:t>
+            </a:r>
+            <a:r>
+              <a:rPr lang="ro-RO" altLang="en-US" sz="2400" dirty="0" smtClean="0"/>
+              <a:t> function</a:t>
+            </a:r>
+          </a:p>
+        </p:txBody>
+      </p:sp>
+      <p:sp>
+        <p:nvSpPr>
+          <p:cNvPr id="5" name="TextBox 4"/>
+          <p:cNvSpPr txBox="1"/>
+          <p:nvPr/>
+        </p:nvSpPr>
+        <p:spPr>
+          <a:xfrm>
+            <a:off x="3352800" y="6459379"/>
+            <a:ext cx="2518638" cy="246221"/>
+          </a:xfrm>
+          <a:prstGeom prst="rect">
+            <a:avLst/>
+          </a:prstGeom>
+          <a:solidFill>
+            <a:schemeClr val="bg1"/>
+          </a:solidFill>
+        </p:spPr>
+        <p:txBody>
+          <a:bodyPr wrap="none" rtlCol="0">
+            <a:spAutoFit/>
+          </a:bodyPr>
+          <a:lstStyle/>
+          <a:p>
+            <a:r>
+              <a:rPr lang="en-US" sz="1000" dirty="0" smtClean="0">
+                <a:solidFill>
+                  <a:schemeClr val="bg1">
+                    <a:lumMod val="50000"/>
+                  </a:schemeClr>
+                </a:solidFill>
+              </a:rPr>
+              <a:t>© iQuest Group 2013. All rights reserved.</a:t>
+            </a:r>
           </a:p>
         </p:txBody>
       </p:sp>
@@ -9005,8 +9530,8 @@
         </p:blipFill>
         <p:spPr bwMode="auto">
           <a:xfrm>
-            <a:off x="1165344" y="2895600"/>
-            <a:ext cx="6838950" cy="1828800"/>
+            <a:off x="1195388" y="2952750"/>
+            <a:ext cx="6753225" cy="1619250"/>
           </a:xfrm>
           <a:prstGeom prst="rect">
             <a:avLst/>
@@ -9036,64 +9561,10 @@
           </a:extLst>
         </p:spPr>
       </p:pic>
-      <p:sp>
-        <p:nvSpPr>
-          <p:cNvPr id="6" name="TextBox 5"/>
-          <p:cNvSpPr txBox="1"/>
-          <p:nvPr/>
-        </p:nvSpPr>
-        <p:spPr>
-          <a:xfrm>
-            <a:off x="3352800" y="6459379"/>
-            <a:ext cx="2518638" cy="246221"/>
-          </a:xfrm>
-          <a:prstGeom prst="rect">
-            <a:avLst/>
-          </a:prstGeom>
-          <a:solidFill>
-            <a:schemeClr val="bg1"/>
-          </a:solidFill>
-        </p:spPr>
-        <p:txBody>
-          <a:bodyPr wrap="none" rtlCol="0">
-            <a:spAutoFit/>
-          </a:bodyPr>
-          <a:lstStyle/>
-          <a:p>
-            <a:r>
-              <a:rPr lang="en-US" sz="1000" dirty="0" smtClean="0">
-                <a:solidFill>
-                  <a:schemeClr val="bg1">
-                    <a:lumMod val="50000"/>
-                  </a:schemeClr>
-                </a:solidFill>
-              </a:rPr>
-              <a:t>© iQuest </a:t>
-            </a:r>
-            <a:r>
-              <a:rPr lang="en-US" sz="1000" dirty="0" smtClean="0">
-                <a:solidFill>
-                  <a:schemeClr val="bg1">
-                    <a:lumMod val="50000"/>
-                  </a:schemeClr>
-                </a:solidFill>
-              </a:rPr>
-              <a:t>Group 2013. All rights reserved.</a:t>
-            </a:r>
-            <a:endParaRPr lang="en-US" sz="1000" dirty="0" smtClean="0">
-              <a:solidFill>
-                <a:schemeClr val="bg1">
-                  <a:lumMod val="50000"/>
-                </a:schemeClr>
-              </a:solidFill>
-            </a:endParaRPr>
-          </a:p>
-        </p:txBody>
-      </p:sp>
     </p:spTree>
     <p:extLst>
       <p:ext uri="{BB962C8B-B14F-4D97-AF65-F5344CB8AC3E}">
-        <p14:creationId xmlns:p14="http://schemas.microsoft.com/office/powerpoint/2010/main" val="4027063244"/>
+        <p14:creationId xmlns:p14="http://schemas.microsoft.com/office/powerpoint/2010/main" val="1861461591"/>
       </p:ext>
     </p:extLst>
   </p:cSld>
@@ -9173,7 +9644,7 @@
       </p:sp>
       <p:sp>
         <p:nvSpPr>
-          <p:cNvPr id="5" name="Content Placeholder 2"/>
+          <p:cNvPr id="6" name="Content Placeholder 2"/>
           <p:cNvSpPr>
             <a:spLocks noGrp="1"/>
           </p:cNvSpPr>
@@ -9183,8 +9654,8 @@
         </p:nvSpPr>
         <p:spPr>
           <a:xfrm>
-            <a:off x="685800" y="1295400"/>
-            <a:ext cx="5029200" cy="533400"/>
+            <a:off x="685800" y="1371600"/>
+            <a:ext cx="7696200" cy="1143000"/>
           </a:xfrm>
         </p:spPr>
         <p:txBody>
@@ -9193,14 +9664,73 @@
           <a:p>
             <a:r>
               <a:rPr lang="ro-RO" altLang="en-US" sz="2400" dirty="0" smtClean="0"/>
-              <a:t>In ECMA Script 5</a:t>
+              <a:t>Set the </a:t>
+            </a:r>
+            <a:r>
+              <a:rPr lang="ro-RO" altLang="en-US" sz="2400" dirty="0" smtClean="0">
+                <a:latin typeface="Courier New" panose="02070309020205020404" pitchFamily="49" charset="0"/>
+                <a:cs typeface="Courier New" panose="02070309020205020404" pitchFamily="49" charset="0"/>
+              </a:rPr>
+              <a:t>prototype</a:t>
+            </a:r>
+            <a:r>
+              <a:rPr lang="ro-RO" altLang="en-US" sz="2400" dirty="0" smtClean="0"/>
+              <a:t> property of the </a:t>
+            </a:r>
+            <a:r>
+              <a:rPr lang="ro-RO" altLang="en-US" sz="2400" dirty="0" smtClean="0">
+                <a:latin typeface="Courier New" panose="02070309020205020404" pitchFamily="49" charset="0"/>
+                <a:cs typeface="Courier New" panose="02070309020205020404" pitchFamily="49" charset="0"/>
+              </a:rPr>
+              <a:t>Dog </a:t>
+            </a:r>
+            <a:r>
+              <a:rPr lang="ro-RO" altLang="en-US" sz="2400" dirty="0" smtClean="0"/>
+              <a:t>function</a:t>
+            </a:r>
+          </a:p>
+        </p:txBody>
+      </p:sp>
+      <p:sp>
+        <p:nvSpPr>
+          <p:cNvPr id="5" name="TextBox 4"/>
+          <p:cNvSpPr txBox="1"/>
+          <p:nvPr/>
+        </p:nvSpPr>
+        <p:spPr>
+          <a:xfrm>
+            <a:off x="3352800" y="6459379"/>
+            <a:ext cx="2518638" cy="246221"/>
+          </a:xfrm>
+          <a:prstGeom prst="rect">
+            <a:avLst/>
+          </a:prstGeom>
+          <a:solidFill>
+            <a:schemeClr val="bg1"/>
+          </a:solidFill>
+        </p:spPr>
+        <p:txBody>
+          <a:bodyPr wrap="none" rtlCol="0">
+            <a:spAutoFit/>
+          </a:bodyPr>
+          <a:lstStyle/>
+          <a:p>
+            <a:r>
+              <a:rPr lang="en-US" sz="1000" dirty="0" smtClean="0">
+                <a:solidFill>
+                  <a:schemeClr val="bg1">
+                    <a:lumMod val="50000"/>
+                  </a:schemeClr>
+                </a:solidFill>
+              </a:rPr>
+              <a:t>© iQuest Group 2013. All rights reserved.</a:t>
             </a:r>
           </a:p>
         </p:txBody>
       </p:sp>
       <p:pic>
         <p:nvPicPr>
-          <p:cNvPr id="6146" name="Picture 2"/>
+          <p:cNvPr id="4098" name="Picture 2"/>
           <p:cNvPicPr>
             <a:picLocks noChangeAspect="1" noChangeArrowheads="1"/>
           </p:cNvPicPr>
@@ -9221,8 +9751,8 @@
         </p:blipFill>
         <p:spPr bwMode="auto">
           <a:xfrm>
-            <a:off x="1245817" y="1981200"/>
-            <a:ext cx="6686550" cy="3981450"/>
+            <a:off x="1176338" y="2038350"/>
+            <a:ext cx="6791325" cy="4057650"/>
           </a:xfrm>
           <a:prstGeom prst="rect">
             <a:avLst/>
@@ -9252,127 +9782,10 @@
           </a:extLst>
         </p:spPr>
       </p:pic>
-      <p:sp>
-        <p:nvSpPr>
-          <p:cNvPr id="6" name="TextBox 5"/>
-          <p:cNvSpPr txBox="1"/>
-          <p:nvPr/>
-        </p:nvSpPr>
-        <p:spPr>
-          <a:xfrm>
-            <a:off x="6400800" y="6027139"/>
-            <a:ext cx="2169184" cy="246221"/>
-          </a:xfrm>
-          <a:prstGeom prst="rect">
-            <a:avLst/>
-          </a:prstGeom>
-          <a:noFill/>
-        </p:spPr>
-        <p:txBody>
-          <a:bodyPr wrap="none" rtlCol="0">
-            <a:spAutoFit/>
-          </a:bodyPr>
-          <a:lstStyle/>
-          <a:p>
-            <a:pPr algn="r"/>
-            <a:r>
-              <a:rPr lang="ro-RO" sz="1000" dirty="0" smtClean="0">
-                <a:solidFill>
-                  <a:schemeClr val="bg1">
-                    <a:lumMod val="75000"/>
-                  </a:schemeClr>
-                </a:solidFill>
-              </a:rPr>
-              <a:t>[</a:t>
-            </a:r>
-            <a:r>
-              <a:rPr lang="en-US" sz="1000" dirty="0" smtClean="0">
-                <a:solidFill>
-                  <a:schemeClr val="bg1">
-                    <a:lumMod val="75000"/>
-                  </a:schemeClr>
-                </a:solidFill>
-              </a:rPr>
-              <a:t>show code: Biorhythm inheritance</a:t>
-            </a:r>
-            <a:r>
-              <a:rPr lang="ro-RO" sz="1000" dirty="0" smtClean="0">
-                <a:solidFill>
-                  <a:schemeClr val="bg1">
-                    <a:lumMod val="75000"/>
-                  </a:schemeClr>
-                </a:solidFill>
-              </a:rPr>
-              <a:t>]</a:t>
-            </a:r>
-            <a:endParaRPr lang="en-US" sz="1000" dirty="0">
-              <a:solidFill>
-                <a:schemeClr val="bg1">
-                  <a:lumMod val="75000"/>
-                </a:schemeClr>
-              </a:solidFill>
-            </a:endParaRPr>
-          </a:p>
-        </p:txBody>
-      </p:sp>
-      <p:sp>
-        <p:nvSpPr>
-          <p:cNvPr id="7" name="TextBox 6"/>
-          <p:cNvSpPr txBox="1"/>
-          <p:nvPr/>
-        </p:nvSpPr>
-        <p:spPr>
-          <a:xfrm>
-            <a:off x="3352800" y="6459379"/>
-            <a:ext cx="2518638" cy="246221"/>
-          </a:xfrm>
-          <a:prstGeom prst="rect">
-            <a:avLst/>
-          </a:prstGeom>
-          <a:solidFill>
-            <a:schemeClr val="bg1"/>
-          </a:solidFill>
-        </p:spPr>
-        <p:txBody>
-          <a:bodyPr wrap="none" rtlCol="0">
-            <a:spAutoFit/>
-          </a:bodyPr>
-          <a:lstStyle/>
-          <a:p>
-            <a:r>
-              <a:rPr lang="en-US" sz="1000" dirty="0" smtClean="0">
-                <a:solidFill>
-                  <a:schemeClr val="bg1">
-                    <a:lumMod val="50000"/>
-                  </a:schemeClr>
-                </a:solidFill>
-              </a:rPr>
-              <a:t>© iQuest </a:t>
-            </a:r>
-            <a:r>
-              <a:rPr lang="en-US" sz="1000" dirty="0" smtClean="0">
-                <a:solidFill>
-                  <a:schemeClr val="bg1">
-                    <a:lumMod val="50000"/>
-                  </a:schemeClr>
-                </a:solidFill>
-              </a:rPr>
-              <a:t>Group 2013. All rights reserved.</a:t>
-            </a:r>
-            <a:endParaRPr lang="en-US" sz="1000" dirty="0" smtClean="0">
-              <a:solidFill>
-                <a:schemeClr val="bg1">
-                  <a:lumMod val="50000"/>
-                </a:schemeClr>
-              </a:solidFill>
-            </a:endParaRPr>
-          </a:p>
-        </p:txBody>
-      </p:sp>
     </p:spTree>
     <p:extLst>
       <p:ext uri="{BB962C8B-B14F-4D97-AF65-F5344CB8AC3E}">
-        <p14:creationId xmlns:p14="http://schemas.microsoft.com/office/powerpoint/2010/main" val="1830154489"/>
+        <p14:creationId xmlns:p14="http://schemas.microsoft.com/office/powerpoint/2010/main" val="3125307590"/>
       </p:ext>
     </p:extLst>
   </p:cSld>
@@ -9470,38 +9883,39 @@
             <a:endParaRPr lang="ro-RO" altLang="en-US" sz="2400" dirty="0"/>
           </a:p>
           <a:p>
+            <a:endParaRPr lang="en-US" altLang="en-US" sz="2400" dirty="0" smtClean="0"/>
+          </a:p>
+          <a:p>
+            <a:r>
+              <a:rPr lang="en-US" altLang="en-US" sz="2400" dirty="0" smtClean="0"/>
+              <a:t>Function Call</a:t>
+            </a:r>
+          </a:p>
+          <a:p>
+            <a:endParaRPr lang="en-US" altLang="en-US" sz="2400" dirty="0"/>
+          </a:p>
+          <a:p>
+            <a:r>
+              <a:rPr lang="en-US" altLang="en-US" sz="2400" dirty="0" smtClean="0"/>
+              <a:t>Object Creation</a:t>
+            </a:r>
             <a:endParaRPr lang="ro-RO" altLang="en-US" sz="2400" dirty="0" smtClean="0"/>
+          </a:p>
+          <a:p>
+            <a:endParaRPr lang="en-US" altLang="en-US" sz="2400" b="1" dirty="0" smtClean="0"/>
           </a:p>
           <a:p>
             <a:r>
               <a:rPr lang="ro-RO" altLang="en-US" sz="2400" dirty="0" smtClean="0"/>
               <a:t>Inheritance</a:t>
             </a:r>
-            <a:endParaRPr lang="en-US" altLang="en-US" sz="2400" dirty="0" smtClean="0"/>
-          </a:p>
-          <a:p>
-            <a:endParaRPr lang="en-US" altLang="en-US" sz="2400" dirty="0"/>
-          </a:p>
-          <a:p>
-            <a:r>
-              <a:rPr lang="en-US" altLang="en-US" sz="2400" dirty="0" smtClean="0"/>
-              <a:t>Public, Private, Protected</a:t>
-            </a:r>
-          </a:p>
-          <a:p>
-            <a:endParaRPr lang="en-US" altLang="en-US" sz="2400" dirty="0" smtClean="0"/>
-          </a:p>
-          <a:p>
-            <a:r>
-              <a:rPr lang="ro-RO" altLang="en-US" sz="2400" dirty="0" smtClean="0"/>
-              <a:t>Adapter Pattern</a:t>
-            </a:r>
-          </a:p>
-        </p:txBody>
-      </p:sp>
-      <p:sp>
-        <p:nvSpPr>
-          <p:cNvPr id="2" name="TextBox 1"/>
+            <a:endParaRPr lang="ro-RO" altLang="en-US" sz="1800" dirty="0" smtClean="0"/>
+          </a:p>
+        </p:txBody>
+      </p:sp>
+      <p:sp>
+        <p:nvSpPr>
+          <p:cNvPr id="4" name="TextBox 3"/>
           <p:cNvSpPr txBox="1"/>
           <p:nvPr/>
         </p:nvSpPr>
@@ -9531,90 +9945,17 @@
                   </a:schemeClr>
                 </a:solidFill>
               </a:rPr>
-              <a:t>© iQuest </a:t>
-            </a:r>
-            <a:r>
-              <a:rPr lang="en-US" sz="1000" dirty="0" smtClean="0">
-                <a:solidFill>
-                  <a:schemeClr val="bg1">
-                    <a:lumMod val="50000"/>
-                  </a:schemeClr>
-                </a:solidFill>
-              </a:rPr>
-              <a:t>Group 2013. All rights reserved.</a:t>
-            </a:r>
-            <a:endParaRPr lang="en-US" sz="1000" dirty="0" smtClean="0">
-              <a:solidFill>
-                <a:schemeClr val="bg1">
-                  <a:lumMod val="50000"/>
-                </a:schemeClr>
-              </a:solidFill>
-            </a:endParaRPr>
-          </a:p>
-        </p:txBody>
-      </p:sp>
-      <p:sp>
-        <p:nvSpPr>
-          <p:cNvPr id="5" name="Flowchart: Process 4"/>
-          <p:cNvSpPr/>
-          <p:nvPr/>
-        </p:nvSpPr>
-        <p:spPr bwMode="auto">
-          <a:xfrm>
-            <a:off x="2895600" y="6065186"/>
-            <a:ext cx="914400" cy="612648"/>
-          </a:xfrm>
-          <a:prstGeom prst="flowChartProcess">
-            <a:avLst/>
-          </a:prstGeom>
-          <a:noFill/>
-          <a:ln w="9525" cap="flat" cmpd="sng" algn="ctr">
-            <a:noFill/>
-            <a:prstDash val="solid"/>
-            <a:round/>
-            <a:headEnd type="none" w="med" len="med"/>
-            <a:tailEnd type="none" w="med" len="med"/>
-          </a:ln>
-          <a:effectLst/>
-        </p:spPr>
-        <p:txBody>
-          <a:bodyPr vert="horz" wrap="none" lIns="91440" tIns="45720" rIns="91440" bIns="45720" numCol="1" rtlCol="0" anchor="ctr" anchorCtr="0" compatLnSpc="1">
-            <a:prstTxWarp prst="textNoShape">
-              <a:avLst/>
-            </a:prstTxWarp>
-          </a:bodyPr>
-          <a:lstStyle/>
-          <a:p>
-            <a:pPr marL="0" marR="0" indent="0" algn="ctr" defTabSz="914400" rtl="0" eaLnBrk="1" fontAlgn="base" latinLnBrk="0" hangingPunct="1">
-              <a:lnSpc>
-                <a:spcPct val="100000"/>
-              </a:lnSpc>
-              <a:spcBef>
-                <a:spcPct val="0"/>
-              </a:spcBef>
-              <a:spcAft>
-                <a:spcPct val="0"/>
-              </a:spcAft>
-              <a:buClrTx/>
-              <a:buSzTx/>
-              <a:buFontTx/>
-              <a:buNone/>
-              <a:tabLst/>
-            </a:pPr>
-            <a:endParaRPr kumimoji="0" lang="en-US" sz="2000" b="0" i="0" u="none" strike="noStrike" cap="none" normalizeH="0" baseline="0" smtClean="0">
-              <a:ln>
-                <a:noFill/>
-              </a:ln>
-              <a:solidFill>
-                <a:srgbClr val="3E5A84"/>
-              </a:solidFill>
-              <a:effectLst/>
-              <a:latin typeface="Arial" charset="0"/>
-            </a:endParaRPr>
+              <a:t>© iQuest Group 2013. All rights reserved.</a:t>
+            </a:r>
           </a:p>
         </p:txBody>
       </p:sp>
     </p:spTree>
+    <p:extLst>
+      <p:ext uri="{BB962C8B-B14F-4D97-AF65-F5344CB8AC3E}">
+        <p14:creationId xmlns:p14="http://schemas.microsoft.com/office/powerpoint/2010/main" val="4019312994"/>
+      </p:ext>
+    </p:extLst>
   </p:cSld>
   <p:clrMapOvr>
     <a:masterClrMapping/>
@@ -9667,15 +10008,32 @@
           <a:lstStyle/>
           <a:p>
             <a:r>
+              <a:rPr lang="ro-RO" altLang="en-US" sz="2400" dirty="0" smtClean="0"/>
+              <a:t>Inheritance – </a:t>
+            </a:r>
+            <a:r>
               <a:rPr lang="en-US" altLang="en-US" sz="2400" dirty="0" smtClean="0"/>
-              <a:t>Agenda</a:t>
-            </a:r>
-          </a:p>
-        </p:txBody>
-      </p:sp>
-      <p:sp>
-        <p:nvSpPr>
-          <p:cNvPr id="5123" name="Content Placeholder 2"/>
+              <a:t>W</a:t>
+            </a:r>
+            <a:r>
+              <a:rPr lang="ro-RO" altLang="en-US" sz="2400" dirty="0" smtClean="0"/>
+              <a:t>ith </a:t>
+            </a:r>
+            <a:r>
+              <a:rPr lang="en-US" altLang="en-US" sz="2400" dirty="0" smtClean="0"/>
+              <a:t>P</a:t>
+            </a:r>
+            <a:r>
+              <a:rPr lang="ro-RO" altLang="en-US" sz="2400" dirty="0" smtClean="0"/>
+              <a:t>arameters</a:t>
+            </a:r>
+            <a:endParaRPr lang="en-US" altLang="en-US" sz="2400" dirty="0" smtClean="0"/>
+          </a:p>
+        </p:txBody>
+      </p:sp>
+      <p:sp>
+        <p:nvSpPr>
+          <p:cNvPr id="5" name="Content Placeholder 2"/>
           <p:cNvSpPr>
             <a:spLocks noGrp="1"/>
           </p:cNvSpPr>
@@ -9685,8 +10043,8 @@
         </p:nvSpPr>
         <p:spPr>
           <a:xfrm>
-            <a:off x="2286000" y="1600200"/>
-            <a:ext cx="5257800" cy="4267200"/>
+            <a:off x="685800" y="1371600"/>
+            <a:ext cx="7772400" cy="1143000"/>
           </a:xfrm>
         </p:spPr>
         <p:txBody>
@@ -9695,66 +10053,38 @@
           <a:p>
             <a:r>
               <a:rPr lang="ro-RO" altLang="en-US" sz="2400" dirty="0" smtClean="0"/>
-              <a:t>Introduction</a:t>
-            </a:r>
-            <a:endParaRPr lang="en-US" altLang="en-US" sz="2400" dirty="0" smtClean="0"/>
-          </a:p>
-          <a:p>
-            <a:endParaRPr lang="ro-RO" altLang="en-US" sz="2400" dirty="0" smtClean="0"/>
-          </a:p>
-          <a:p>
+              <a:t>Fix the „</a:t>
+            </a:r>
+            <a:r>
+              <a:rPr lang="ro-RO" altLang="en-US" sz="2400" dirty="0" smtClean="0">
+                <a:latin typeface="Courier New" panose="02070309020205020404" pitchFamily="49" charset="0"/>
+                <a:cs typeface="Courier New" panose="02070309020205020404" pitchFamily="49" charset="0"/>
+              </a:rPr>
+              <a:t>constructor</a:t>
+            </a:r>
             <a:r>
               <a:rPr lang="ro-RO" altLang="en-US" sz="2400" dirty="0" smtClean="0"/>
-              <a:t>BioCalc Application</a:t>
-            </a:r>
-            <a:endParaRPr lang="ro-RO" altLang="en-US" sz="2400" dirty="0"/>
-          </a:p>
-          <a:p>
-            <a:endParaRPr lang="ro-RO" altLang="en-US" sz="2400" dirty="0" smtClean="0"/>
-          </a:p>
-          <a:p>
-            <a:r>
-              <a:rPr lang="ro-RO" altLang="en-US" sz="2400" dirty="0" smtClean="0"/>
-              <a:t>Inheritance</a:t>
-            </a:r>
-            <a:endParaRPr lang="en-US" altLang="en-US" sz="2400" dirty="0" smtClean="0"/>
-          </a:p>
-          <a:p>
-            <a:endParaRPr lang="en-US" altLang="en-US" sz="2400" dirty="0" smtClean="0"/>
-          </a:p>
-          <a:p>
-            <a:r>
-              <a:rPr lang="en-US" altLang="en-US" sz="2400" b="1" dirty="0"/>
-              <a:t>Public, </a:t>
-            </a:r>
-            <a:r>
-              <a:rPr lang="en-US" altLang="en-US" sz="2400" b="1" dirty="0" smtClean="0"/>
-              <a:t>Private</a:t>
-            </a:r>
-            <a:r>
-              <a:rPr lang="en-US" altLang="en-US" sz="2400" b="1" dirty="0"/>
-              <a:t>, </a:t>
-            </a:r>
-            <a:r>
-              <a:rPr lang="en-US" altLang="en-US" sz="2400" b="1" dirty="0" smtClean="0"/>
-              <a:t>Protected</a:t>
-            </a:r>
-            <a:endParaRPr lang="en-US" altLang="en-US" sz="2400" b="1" dirty="0"/>
-          </a:p>
-          <a:p>
-            <a:endParaRPr lang="en-US" altLang="en-US" sz="2400" b="1" dirty="0" smtClean="0"/>
-          </a:p>
-          <a:p>
-            <a:r>
-              <a:rPr lang="ro-RO" altLang="en-US" sz="2400" dirty="0" smtClean="0"/>
-              <a:t>Adapter Pattern</a:t>
-            </a:r>
-          </a:p>
-        </p:txBody>
-      </p:sp>
-      <p:sp>
-        <p:nvSpPr>
-          <p:cNvPr id="4" name="TextBox 3"/>
+              <a:t>” property of the </a:t>
+            </a:r>
+            <a:r>
+              <a:rPr lang="ro-RO" altLang="en-US" sz="2400" dirty="0" smtClean="0">
+                <a:latin typeface="Courier New" panose="02070309020205020404" pitchFamily="49" charset="0"/>
+                <a:cs typeface="Courier New" panose="02070309020205020404" pitchFamily="49" charset="0"/>
+              </a:rPr>
+              <a:t>FakeBase </a:t>
+            </a:r>
+            <a:r>
+              <a:rPr lang="ro-RO" altLang="en-US" sz="2400" dirty="0" smtClean="0">
+                <a:cs typeface="Courier New" panose="02070309020205020404" pitchFamily="49" charset="0"/>
+              </a:rPr>
+              <a:t>function</a:t>
+            </a:r>
+          </a:p>
+        </p:txBody>
+      </p:sp>
+      <p:sp>
+        <p:nvSpPr>
+          <p:cNvPr id="6" name="TextBox 5"/>
           <p:cNvSpPr txBox="1"/>
           <p:nvPr/>
         </p:nvSpPr>
@@ -9784,32 +10114,69 @@
                   </a:schemeClr>
                 </a:solidFill>
               </a:rPr>
-              <a:t>© iQuest </a:t>
-            </a:r>
-            <a:r>
-              <a:rPr lang="en-US" sz="1000" dirty="0" smtClean="0">
-                <a:solidFill>
-                  <a:schemeClr val="bg1">
-                    <a:lumMod val="50000"/>
-                  </a:schemeClr>
-                </a:solidFill>
-              </a:rPr>
-              <a:t>Group 2013. All rights reserved.</a:t>
-            </a:r>
-            <a:endParaRPr lang="en-US" sz="1000" dirty="0" smtClean="0">
-              <a:solidFill>
-                <a:schemeClr val="bg1">
-                  <a:lumMod val="50000"/>
-                </a:schemeClr>
-              </a:solidFill>
-            </a:endParaRPr>
-          </a:p>
-        </p:txBody>
-      </p:sp>
+              <a:t>© iQuest Group 2013. All rights reserved.</a:t>
+            </a:r>
+          </a:p>
+        </p:txBody>
+      </p:sp>
+      <p:pic>
+        <p:nvPicPr>
+          <p:cNvPr id="3074" name="Picture 2"/>
+          <p:cNvPicPr>
+            <a:picLocks noChangeAspect="1" noChangeArrowheads="1"/>
+          </p:cNvPicPr>
+          <p:nvPr/>
+        </p:nvPicPr>
+        <p:blipFill>
+          <a:blip r:embed="rId2">
+            <a:extLst>
+              <a:ext uri="{28A0092B-C50C-407E-A947-70E740481C1C}">
+                <a14:useLocalDpi xmlns:a14="http://schemas.microsoft.com/office/drawing/2010/main" val="0"/>
+              </a:ext>
+            </a:extLst>
+          </a:blip>
+          <a:srcRect/>
+          <a:stretch>
+            <a:fillRect/>
+          </a:stretch>
+        </p:blipFill>
+        <p:spPr bwMode="auto">
+          <a:xfrm>
+            <a:off x="1152525" y="2971800"/>
+            <a:ext cx="6838950" cy="1828800"/>
+          </a:xfrm>
+          <a:prstGeom prst="rect">
+            <a:avLst/>
+          </a:prstGeom>
+          <a:noFill/>
+          <a:ln>
+            <a:noFill/>
+          </a:ln>
+          <a:extLst>
+            <a:ext uri="{909E8E84-426E-40DD-AFC4-6F175D3DCCD1}">
+              <a14:hiddenFill xmlns:a14="http://schemas.microsoft.com/office/drawing/2010/main">
+                <a:solidFill>
+                  <a:schemeClr val="accent1"/>
+                </a:solidFill>
+              </a14:hiddenFill>
+            </a:ext>
+            <a:ext uri="{91240B29-F687-4F45-9708-019B960494DF}">
+              <a14:hiddenLine xmlns:a14="http://schemas.microsoft.com/office/drawing/2010/main" w="9525">
+                <a:solidFill>
+                  <a:schemeClr val="tx1"/>
+                </a:solidFill>
+                <a:miter lim="800000"/>
+                <a:headEnd/>
+                <a:tailEnd/>
+              </a14:hiddenLine>
+            </a:ext>
+          </a:extLst>
+        </p:spPr>
+      </p:pic>
     </p:spTree>
     <p:extLst>
       <p:ext uri="{BB962C8B-B14F-4D97-AF65-F5344CB8AC3E}">
-        <p14:creationId xmlns:p14="http://schemas.microsoft.com/office/powerpoint/2010/main" val="719981763"/>
+        <p14:creationId xmlns:p14="http://schemas.microsoft.com/office/powerpoint/2010/main" val="3138581112"/>
       </p:ext>
     </p:extLst>
   </p:cSld>
@@ -9864,28 +10231,121 @@
           <a:lstStyle/>
           <a:p>
             <a:r>
-              <a:rPr lang="en-US" altLang="en-US" sz="2400" dirty="0"/>
+              <a:rPr lang="ro-RO" altLang="en-US" sz="2400" dirty="0" smtClean="0"/>
+              <a:t>Inheritance – </a:t>
+            </a:r>
+            <a:r>
+              <a:rPr lang="en-US" altLang="en-US" sz="2400" dirty="0" smtClean="0"/>
+              <a:t>W</a:t>
+            </a:r>
+            <a:r>
+              <a:rPr lang="ro-RO" altLang="en-US" sz="2400" dirty="0" smtClean="0"/>
+              <a:t>ith </a:t>
+            </a:r>
+            <a:r>
+              <a:rPr lang="en-US" altLang="en-US" sz="2400" dirty="0" smtClean="0"/>
               <a:t>P</a:t>
             </a:r>
             <a:r>
+              <a:rPr lang="ro-RO" altLang="en-US" sz="2400" dirty="0" smtClean="0"/>
+              <a:t>arameters</a:t>
+            </a:r>
+            <a:endParaRPr lang="en-US" altLang="en-US" sz="2400" dirty="0" smtClean="0"/>
+          </a:p>
+        </p:txBody>
+      </p:sp>
+      <p:sp>
+        <p:nvSpPr>
+          <p:cNvPr id="5" name="Content Placeholder 2"/>
+          <p:cNvSpPr>
+            <a:spLocks noGrp="1"/>
+          </p:cNvSpPr>
+          <p:nvPr>
+            <p:ph idx="1"/>
+          </p:nvPr>
+        </p:nvSpPr>
+        <p:spPr>
+          <a:xfrm>
+            <a:off x="685800" y="1371600"/>
+            <a:ext cx="7772400" cy="1143000"/>
+          </a:xfrm>
+        </p:spPr>
+        <p:txBody>
+          <a:bodyPr/>
+          <a:lstStyle/>
+          <a:p>
+            <a:r>
               <a:rPr lang="en-US" altLang="en-US" sz="2400" dirty="0" smtClean="0"/>
-              <a:t>ublic members</a:t>
-            </a:r>
-          </a:p>
-        </p:txBody>
-      </p:sp>
-      <p:sp>
-        <p:nvSpPr>
-          <p:cNvPr id="8" name="Content Placeholder 2"/>
-          <p:cNvSpPr txBox="1">
-            <a:spLocks/>
-          </p:cNvSpPr>
+              <a:t>Call base constructor.</a:t>
+            </a:r>
+            <a:endParaRPr lang="ro-RO" altLang="en-US" sz="2400" dirty="0" smtClean="0">
+              <a:cs typeface="Courier New" panose="02070309020205020404" pitchFamily="49" charset="0"/>
+            </a:endParaRPr>
+          </a:p>
+        </p:txBody>
+      </p:sp>
+      <p:sp>
+        <p:nvSpPr>
+          <p:cNvPr id="6" name="TextBox 5"/>
+          <p:cNvSpPr txBox="1"/>
           <p:nvPr/>
         </p:nvSpPr>
+        <p:spPr>
+          <a:xfrm>
+            <a:off x="3352800" y="6459379"/>
+            <a:ext cx="2518638" cy="246221"/>
+          </a:xfrm>
+          <a:prstGeom prst="rect">
+            <a:avLst/>
+          </a:prstGeom>
+          <a:solidFill>
+            <a:schemeClr val="bg1"/>
+          </a:solidFill>
+        </p:spPr>
+        <p:txBody>
+          <a:bodyPr wrap="none" rtlCol="0">
+            <a:spAutoFit/>
+          </a:bodyPr>
+          <a:lstStyle/>
+          <a:p>
+            <a:r>
+              <a:rPr lang="en-US" sz="1000" dirty="0" smtClean="0">
+                <a:solidFill>
+                  <a:schemeClr val="bg1">
+                    <a:lumMod val="50000"/>
+                  </a:schemeClr>
+                </a:solidFill>
+              </a:rPr>
+              <a:t>© iQuest Group 2013. All rights reserved.</a:t>
+            </a:r>
+          </a:p>
+        </p:txBody>
+      </p:sp>
+      <p:pic>
+        <p:nvPicPr>
+          <p:cNvPr id="2051" name="Picture 3"/>
+          <p:cNvPicPr>
+            <a:picLocks noChangeAspect="1" noChangeArrowheads="1"/>
+          </p:cNvPicPr>
+          <p:nvPr/>
+        </p:nvPicPr>
+        <p:blipFill>
+          <a:blip r:embed="rId2">
+            <a:extLst>
+              <a:ext uri="{28A0092B-C50C-407E-A947-70E740481C1C}">
+                <a14:useLocalDpi xmlns:a14="http://schemas.microsoft.com/office/drawing/2010/main" val="0"/>
+              </a:ext>
+            </a:extLst>
+          </a:blip>
+          <a:srcRect/>
+          <a:stretch>
+            <a:fillRect/>
+          </a:stretch>
+        </p:blipFill>
         <p:spPr bwMode="auto">
           <a:xfrm>
-            <a:off x="838200" y="1871246"/>
-            <a:ext cx="6553200" cy="533400"/>
+            <a:off x="1152525" y="1981200"/>
+            <a:ext cx="6838950" cy="4171950"/>
           </a:xfrm>
           <a:prstGeom prst="rect">
             <a:avLst/>
@@ -9898,14 +10358,14 @@
             <a:ext uri="{909E8E84-426E-40DD-AFC4-6F175D3DCCD1}">
               <a14:hiddenFill xmlns:a14="http://schemas.microsoft.com/office/drawing/2010/main">
                 <a:solidFill>
-                  <a:srgbClr val="FFFFFF"/>
+                  <a:schemeClr val="accent1"/>
                 </a:solidFill>
               </a14:hiddenFill>
             </a:ext>
             <a:ext uri="{91240B29-F687-4F45-9708-019B960494DF}">
               <a14:hiddenLine xmlns:a14="http://schemas.microsoft.com/office/drawing/2010/main" w="9525">
                 <a:solidFill>
-                  <a:srgbClr val="000000"/>
+                  <a:schemeClr val="tx1"/>
                 </a:solidFill>
                 <a:miter lim="800000"/>
                 <a:headEnd/>
@@ -9914,358 +10374,11 @@
             </a:ext>
           </a:extLst>
         </p:spPr>
-        <p:txBody>
-          <a:bodyPr vert="horz" wrap="square" lIns="91440" tIns="45720" rIns="91440" bIns="45720" numCol="1" anchor="t" anchorCtr="0" compatLnSpc="1">
-            <a:prstTxWarp prst="textNoShape">
-              <a:avLst/>
-            </a:prstTxWarp>
-          </a:bodyPr>
-          <a:lstStyle>
-            <a:lvl1pPr marL="190500" indent="-190500" algn="l" rtl="0" eaLnBrk="0" fontAlgn="base" hangingPunct="0">
-              <a:spcBef>
-                <a:spcPct val="20000"/>
-              </a:spcBef>
-              <a:spcAft>
-                <a:spcPct val="0"/>
-              </a:spcAft>
-              <a:buSzPct val="80000"/>
-              <a:buFont typeface="Wingdings" pitchFamily="2" charset="2"/>
-              <a:buChar char="§"/>
-              <a:defRPr sz="2000">
-                <a:solidFill>
-                  <a:srgbClr val="32496A"/>
-                </a:solidFill>
-                <a:latin typeface="+mn-lt"/>
-                <a:ea typeface="+mn-ea"/>
-                <a:cs typeface="+mn-cs"/>
-              </a:defRPr>
-            </a:lvl1pPr>
-            <a:lvl2pPr marL="571500" indent="-190500" algn="l" rtl="0" eaLnBrk="0" fontAlgn="base" hangingPunct="0">
-              <a:spcBef>
-                <a:spcPct val="20000"/>
-              </a:spcBef>
-              <a:spcAft>
-                <a:spcPct val="0"/>
-              </a:spcAft>
-              <a:buClr>
-                <a:srgbClr val="32496A"/>
-              </a:buClr>
-              <a:buSzPct val="80000"/>
-              <a:buFont typeface="Arial" charset="0"/>
-              <a:buChar char="-"/>
-              <a:defRPr sz="2800">
-                <a:solidFill>
-                  <a:srgbClr val="32496A"/>
-                </a:solidFill>
-                <a:latin typeface="+mn-lt"/>
-              </a:defRPr>
-            </a:lvl2pPr>
-            <a:lvl3pPr marL="952500" indent="-190500" algn="l" rtl="0" eaLnBrk="0" fontAlgn="base" hangingPunct="0">
-              <a:spcBef>
-                <a:spcPct val="20000"/>
-              </a:spcBef>
-              <a:spcAft>
-                <a:spcPct val="0"/>
-              </a:spcAft>
-              <a:buClr>
-                <a:srgbClr val="32496A"/>
-              </a:buClr>
-              <a:buSzPct val="70000"/>
-              <a:buFont typeface="Wingdings" pitchFamily="2" charset="2"/>
-              <a:buChar char="à"/>
-              <a:defRPr sz="1400">
-                <a:solidFill>
-                  <a:srgbClr val="32496A"/>
-                </a:solidFill>
-                <a:latin typeface="+mn-lt"/>
-              </a:defRPr>
-            </a:lvl3pPr>
-            <a:lvl4pPr marL="1333500" indent="-190500" algn="l" rtl="0" eaLnBrk="0" fontAlgn="base" hangingPunct="0">
-              <a:spcBef>
-                <a:spcPct val="20000"/>
-              </a:spcBef>
-              <a:spcAft>
-                <a:spcPct val="0"/>
-              </a:spcAft>
-              <a:buSzPct val="80000"/>
-              <a:buFont typeface="Wingdings" pitchFamily="2" charset="2"/>
-              <a:buChar char="§"/>
-              <a:defRPr sz="1400">
-                <a:solidFill>
-                  <a:srgbClr val="32496A"/>
-                </a:solidFill>
-                <a:latin typeface="+mn-lt"/>
-              </a:defRPr>
-            </a:lvl4pPr>
-            <a:lvl5pPr marL="1714500" indent="-190500" algn="l" rtl="0" eaLnBrk="0" fontAlgn="base" hangingPunct="0">
-              <a:spcBef>
-                <a:spcPct val="20000"/>
-              </a:spcBef>
-              <a:spcAft>
-                <a:spcPct val="0"/>
-              </a:spcAft>
-              <a:buChar char="»"/>
-              <a:defRPr sz="2000">
-                <a:solidFill>
-                  <a:schemeClr val="tx1"/>
-                </a:solidFill>
-                <a:latin typeface="+mn-lt"/>
-              </a:defRPr>
-            </a:lvl5pPr>
-            <a:lvl6pPr marL="2171700" indent="-190500" algn="l" rtl="0" fontAlgn="base">
-              <a:spcBef>
-                <a:spcPct val="20000"/>
-              </a:spcBef>
-              <a:spcAft>
-                <a:spcPct val="0"/>
-              </a:spcAft>
-              <a:buChar char="»"/>
-              <a:defRPr sz="2000">
-                <a:solidFill>
-                  <a:schemeClr val="tx1"/>
-                </a:solidFill>
-                <a:latin typeface="+mn-lt"/>
-              </a:defRPr>
-            </a:lvl6pPr>
-            <a:lvl7pPr marL="2628900" indent="-190500" algn="l" rtl="0" fontAlgn="base">
-              <a:spcBef>
-                <a:spcPct val="20000"/>
-              </a:spcBef>
-              <a:spcAft>
-                <a:spcPct val="0"/>
-              </a:spcAft>
-              <a:buChar char="»"/>
-              <a:defRPr sz="2000">
-                <a:solidFill>
-                  <a:schemeClr val="tx1"/>
-                </a:solidFill>
-                <a:latin typeface="+mn-lt"/>
-              </a:defRPr>
-            </a:lvl7pPr>
-            <a:lvl8pPr marL="3086100" indent="-190500" algn="l" rtl="0" fontAlgn="base">
-              <a:spcBef>
-                <a:spcPct val="20000"/>
-              </a:spcBef>
-              <a:spcAft>
-                <a:spcPct val="0"/>
-              </a:spcAft>
-              <a:buChar char="»"/>
-              <a:defRPr sz="2000">
-                <a:solidFill>
-                  <a:schemeClr val="tx1"/>
-                </a:solidFill>
-                <a:latin typeface="+mn-lt"/>
-              </a:defRPr>
-            </a:lvl8pPr>
-            <a:lvl9pPr marL="3543300" indent="-190500" algn="l" rtl="0" fontAlgn="base">
-              <a:spcBef>
-                <a:spcPct val="20000"/>
-              </a:spcBef>
-              <a:spcAft>
-                <a:spcPct val="0"/>
-              </a:spcAft>
-              <a:buChar char="»"/>
-              <a:defRPr sz="2000">
-                <a:solidFill>
-                  <a:schemeClr val="tx1"/>
-                </a:solidFill>
-                <a:latin typeface="+mn-lt"/>
-              </a:defRPr>
-            </a:lvl9pPr>
-          </a:lstStyle>
-          <a:p>
-            <a:r>
-              <a:rPr lang="en-US" kern="0" dirty="0" smtClean="0"/>
-              <a:t>How we create public members?</a:t>
-            </a:r>
-            <a:endParaRPr lang="en-US" kern="0" dirty="0"/>
-          </a:p>
-        </p:txBody>
-      </p:sp>
-      <p:sp>
-        <p:nvSpPr>
-          <p:cNvPr id="9" name="TextBox 8"/>
-          <p:cNvSpPr txBox="1"/>
-          <p:nvPr/>
-        </p:nvSpPr>
-        <p:spPr>
-          <a:xfrm>
-            <a:off x="1295401" y="2404646"/>
-            <a:ext cx="685800" cy="338554"/>
-          </a:xfrm>
-          <a:prstGeom prst="rect">
-            <a:avLst/>
-          </a:prstGeom>
-          <a:noFill/>
-        </p:spPr>
-        <p:txBody>
-          <a:bodyPr wrap="square" rtlCol="0">
-            <a:spAutoFit/>
-          </a:bodyPr>
-          <a:lstStyle/>
-          <a:p>
-            <a:r>
-              <a:rPr lang="en-US" sz="1600" dirty="0" smtClean="0"/>
-              <a:t>Easy.</a:t>
-            </a:r>
-            <a:endParaRPr lang="en-US" sz="1600" dirty="0" smtClean="0">
-              <a:latin typeface="Courier New" panose="02070309020205020404" pitchFamily="49" charset="0"/>
-              <a:cs typeface="Courier New" panose="02070309020205020404" pitchFamily="49" charset="0"/>
-            </a:endParaRPr>
-          </a:p>
-        </p:txBody>
-      </p:sp>
-      <p:sp>
-        <p:nvSpPr>
-          <p:cNvPr id="13" name="TextBox 12"/>
-          <p:cNvSpPr txBox="1"/>
-          <p:nvPr/>
-        </p:nvSpPr>
-        <p:spPr>
-          <a:xfrm>
-            <a:off x="6553200" y="5883468"/>
-            <a:ext cx="1978426" cy="246221"/>
-          </a:xfrm>
-          <a:prstGeom prst="rect">
-            <a:avLst/>
-          </a:prstGeom>
-          <a:noFill/>
-        </p:spPr>
-        <p:txBody>
-          <a:bodyPr wrap="none" rtlCol="0">
-            <a:spAutoFit/>
-          </a:bodyPr>
-          <a:lstStyle/>
-          <a:p>
-            <a:pPr algn="r"/>
-            <a:r>
-              <a:rPr lang="ro-RO" sz="1000" dirty="0" smtClean="0">
-                <a:solidFill>
-                  <a:schemeClr val="bg1">
-                    <a:lumMod val="75000"/>
-                  </a:schemeClr>
-                </a:solidFill>
-              </a:rPr>
-              <a:t>[</a:t>
-            </a:r>
-            <a:r>
-              <a:rPr lang="en-US" sz="1000" dirty="0" err="1" smtClean="0">
-                <a:solidFill>
-                  <a:schemeClr val="bg1">
-                    <a:lumMod val="75000"/>
-                  </a:schemeClr>
-                </a:solidFill>
-              </a:rPr>
-              <a:t>jsfiddle</a:t>
-            </a:r>
-            <a:r>
-              <a:rPr lang="en-US" sz="1000" dirty="0">
-                <a:solidFill>
-                  <a:schemeClr val="bg1">
-                    <a:lumMod val="75000"/>
-                  </a:schemeClr>
-                </a:solidFill>
-              </a:rPr>
-              <a:t>: </a:t>
-            </a:r>
-            <a:r>
-              <a:rPr lang="en-US" sz="1000" dirty="0" smtClean="0">
-                <a:solidFill>
-                  <a:schemeClr val="bg1">
-                    <a:lumMod val="75000"/>
-                  </a:schemeClr>
-                </a:solidFill>
-              </a:rPr>
-              <a:t>Virtual </a:t>
-            </a:r>
-            <a:r>
-              <a:rPr lang="en-US" sz="1000" dirty="0">
-                <a:solidFill>
-                  <a:schemeClr val="bg1">
-                    <a:lumMod val="75000"/>
-                  </a:schemeClr>
-                </a:solidFill>
-              </a:rPr>
-              <a:t>public methods</a:t>
-            </a:r>
-            <a:r>
-              <a:rPr lang="ro-RO" sz="1000" dirty="0" smtClean="0">
-                <a:solidFill>
-                  <a:schemeClr val="bg1">
-                    <a:lumMod val="75000"/>
-                  </a:schemeClr>
-                </a:solidFill>
-              </a:rPr>
-              <a:t>]</a:t>
-            </a:r>
-            <a:endParaRPr lang="en-US" sz="1000" dirty="0">
-              <a:solidFill>
-                <a:schemeClr val="bg1">
-                  <a:lumMod val="75000"/>
-                </a:schemeClr>
-              </a:solidFill>
-            </a:endParaRPr>
-          </a:p>
-        </p:txBody>
-      </p:sp>
-      <p:sp>
-        <p:nvSpPr>
-          <p:cNvPr id="6" name="TextBox 5"/>
-          <p:cNvSpPr txBox="1"/>
-          <p:nvPr/>
-        </p:nvSpPr>
-        <p:spPr>
-          <a:xfrm>
-            <a:off x="3352800" y="6459379"/>
-            <a:ext cx="2518638" cy="246221"/>
-          </a:xfrm>
-          <a:prstGeom prst="rect">
-            <a:avLst/>
-          </a:prstGeom>
-          <a:solidFill>
-            <a:schemeClr val="bg1"/>
-          </a:solidFill>
-        </p:spPr>
-        <p:txBody>
-          <a:bodyPr wrap="none" rtlCol="0">
-            <a:spAutoFit/>
-          </a:bodyPr>
-          <a:lstStyle/>
-          <a:p>
-            <a:r>
-              <a:rPr lang="en-US" sz="1000" dirty="0" smtClean="0">
-                <a:solidFill>
-                  <a:schemeClr val="bg1">
-                    <a:lumMod val="50000"/>
-                  </a:schemeClr>
-                </a:solidFill>
-              </a:rPr>
-              <a:t>© iQuest </a:t>
-            </a:r>
-            <a:r>
-              <a:rPr lang="en-US" sz="1000" dirty="0" smtClean="0">
-                <a:solidFill>
-                  <a:schemeClr val="bg1">
-                    <a:lumMod val="50000"/>
-                  </a:schemeClr>
-                </a:solidFill>
-              </a:rPr>
-              <a:t>Group 2013. All rights reserved.</a:t>
-            </a:r>
-            <a:endParaRPr lang="en-US" sz="1000" dirty="0" smtClean="0">
-              <a:solidFill>
-                <a:schemeClr val="bg1">
-                  <a:lumMod val="50000"/>
-                </a:schemeClr>
-              </a:solidFill>
-            </a:endParaRPr>
-          </a:p>
-        </p:txBody>
-      </p:sp>
+      </p:pic>
     </p:spTree>
     <p:extLst>
       <p:ext uri="{BB962C8B-B14F-4D97-AF65-F5344CB8AC3E}">
-        <p14:creationId xmlns:p14="http://schemas.microsoft.com/office/powerpoint/2010/main" val="30351439"/>
+        <p14:creationId xmlns:p14="http://schemas.microsoft.com/office/powerpoint/2010/main" val="4027063244"/>
       </p:ext>
     </p:extLst>
   </p:cSld>
@@ -10275,134 +10388,9 @@
   <p:timing>
     <p:tnLst>
       <p:par>
-        <p:cTn id="1" dur="indefinite" restart="never" nodeType="tmRoot">
-          <p:childTnLst>
-            <p:seq concurrent="1" nextAc="seek">
-              <p:cTn id="2" dur="indefinite" nodeType="mainSeq">
-                <p:childTnLst>
-                  <p:par>
-                    <p:cTn id="3" fill="hold">
-                      <p:stCondLst>
-                        <p:cond delay="indefinite"/>
-                      </p:stCondLst>
-                      <p:childTnLst>
-                        <p:par>
-                          <p:cTn id="4" fill="hold">
-                            <p:stCondLst>
-                              <p:cond delay="0"/>
-                            </p:stCondLst>
-                            <p:childTnLst>
-                              <p:par>
-                                <p:cTn id="5" presetID="53" presetClass="entr" presetSubtype="16" fill="hold" grpId="0" nodeType="clickEffect">
-                                  <p:stCondLst>
-                                    <p:cond delay="0"/>
-                                  </p:stCondLst>
-                                  <p:childTnLst>
-                                    <p:set>
-                                      <p:cBhvr>
-                                        <p:cTn id="6" dur="1" fill="hold">
-                                          <p:stCondLst>
-                                            <p:cond delay="0"/>
-                                          </p:stCondLst>
-                                        </p:cTn>
-                                        <p:tgtEl>
-                                          <p:spTgt spid="9"/>
-                                        </p:tgtEl>
-                                        <p:attrNameLst>
-                                          <p:attrName>style.visibility</p:attrName>
-                                        </p:attrNameLst>
-                                      </p:cBhvr>
-                                      <p:to>
-                                        <p:strVal val="visible"/>
-                                      </p:to>
-                                    </p:set>
-                                    <p:anim calcmode="lin" valueType="num">
-                                      <p:cBhvr>
-                                        <p:cTn id="7" dur="500" fill="hold"/>
-                                        <p:tgtEl>
-                                          <p:spTgt spid="9"/>
-                                        </p:tgtEl>
-                                        <p:attrNameLst>
-                                          <p:attrName>ppt_w</p:attrName>
-                                        </p:attrNameLst>
-                                      </p:cBhvr>
-                                      <p:tavLst>
-                                        <p:tav tm="0">
-                                          <p:val>
-                                            <p:fltVal val="0"/>
-                                          </p:val>
-                                        </p:tav>
-                                        <p:tav tm="100000">
-                                          <p:val>
-                                            <p:strVal val="#ppt_w"/>
-                                          </p:val>
-                                        </p:tav>
-                                      </p:tavLst>
-                                    </p:anim>
-                                    <p:anim calcmode="lin" valueType="num">
-                                      <p:cBhvr>
-                                        <p:cTn id="8" dur="500" fill="hold"/>
-                                        <p:tgtEl>
-                                          <p:spTgt spid="9"/>
-                                        </p:tgtEl>
-                                        <p:attrNameLst>
-                                          <p:attrName>ppt_h</p:attrName>
-                                        </p:attrNameLst>
-                                      </p:cBhvr>
-                                      <p:tavLst>
-                                        <p:tav tm="0">
-                                          <p:val>
-                                            <p:fltVal val="0"/>
-                                          </p:val>
-                                        </p:tav>
-                                        <p:tav tm="100000">
-                                          <p:val>
-                                            <p:strVal val="#ppt_h"/>
-                                          </p:val>
-                                        </p:tav>
-                                      </p:tavLst>
-                                    </p:anim>
-                                    <p:animEffect transition="in" filter="fade">
-                                      <p:cBhvr>
-                                        <p:cTn id="9" dur="500"/>
-                                        <p:tgtEl>
-                                          <p:spTgt spid="9"/>
-                                        </p:tgtEl>
-                                      </p:cBhvr>
-                                    </p:animEffect>
-                                  </p:childTnLst>
-                                </p:cTn>
-                              </p:par>
-                            </p:childTnLst>
-                          </p:cTn>
-                        </p:par>
-                      </p:childTnLst>
-                    </p:cTn>
-                  </p:par>
-                </p:childTnLst>
-              </p:cTn>
-              <p:prevCondLst>
-                <p:cond evt="onPrev" delay="0">
-                  <p:tgtEl>
-                    <p:sldTgt/>
-                  </p:tgtEl>
-                </p:cond>
-              </p:prevCondLst>
-              <p:nextCondLst>
-                <p:cond evt="onNext" delay="0">
-                  <p:tgtEl>
-                    <p:sldTgt/>
-                  </p:tgtEl>
-                </p:cond>
-              </p:nextCondLst>
-            </p:seq>
-          </p:childTnLst>
-        </p:cTn>
+        <p:cTn id="1" dur="indefinite" restart="never" nodeType="tmRoot"/>
       </p:par>
     </p:tnLst>
-    <p:bldLst>
-      <p:bldP spid="9" grpId="0"/>
-    </p:bldLst>
   </p:timing>
 </p:sld>
 </file>
@@ -10445,24 +10433,81 @@
           <a:lstStyle/>
           <a:p>
             <a:r>
+              <a:rPr lang="ro-RO" altLang="en-US" sz="2400" dirty="0" smtClean="0"/>
+              <a:t>Inheritance – </a:t>
+            </a:r>
+            <a:r>
               <a:rPr lang="en-US" altLang="en-US" sz="2400" dirty="0" smtClean="0"/>
-              <a:t>Private members</a:t>
-            </a:r>
-          </a:p>
-        </p:txBody>
-      </p:sp>
-      <p:sp>
-        <p:nvSpPr>
-          <p:cNvPr id="8" name="Content Placeholder 2"/>
-          <p:cNvSpPr txBox="1">
-            <a:spLocks/>
+              <a:t>W</a:t>
+            </a:r>
+            <a:r>
+              <a:rPr lang="ro-RO" altLang="en-US" sz="2400" dirty="0" smtClean="0"/>
+              <a:t>ith </a:t>
+            </a:r>
+            <a:r>
+              <a:rPr lang="en-US" altLang="en-US" sz="2400" dirty="0" smtClean="0"/>
+              <a:t>P</a:t>
+            </a:r>
+            <a:r>
+              <a:rPr lang="ro-RO" altLang="en-US" sz="2400" dirty="0" smtClean="0"/>
+              <a:t>arameters</a:t>
+            </a:r>
+            <a:endParaRPr lang="en-US" altLang="en-US" sz="2400" dirty="0" smtClean="0"/>
+          </a:p>
+        </p:txBody>
+      </p:sp>
+      <p:sp>
+        <p:nvSpPr>
+          <p:cNvPr id="5" name="Content Placeholder 2"/>
+          <p:cNvSpPr>
+            <a:spLocks noGrp="1"/>
           </p:cNvSpPr>
+          <p:nvPr>
+            <p:ph idx="1"/>
+          </p:nvPr>
+        </p:nvSpPr>
+        <p:spPr>
+          <a:xfrm>
+            <a:off x="685800" y="1295400"/>
+            <a:ext cx="5029200" cy="533400"/>
+          </a:xfrm>
+        </p:spPr>
+        <p:txBody>
+          <a:bodyPr/>
+          <a:lstStyle/>
+          <a:p>
+            <a:r>
+              <a:rPr lang="ro-RO" altLang="en-US" sz="2400" dirty="0" smtClean="0"/>
+              <a:t>In ECMA Script 5</a:t>
+            </a:r>
+          </a:p>
+        </p:txBody>
+      </p:sp>
+      <p:pic>
+        <p:nvPicPr>
+          <p:cNvPr id="6146" name="Picture 2"/>
+          <p:cNvPicPr>
+            <a:picLocks noChangeAspect="1" noChangeArrowheads="1"/>
+          </p:cNvPicPr>
           <p:nvPr/>
-        </p:nvSpPr>
+        </p:nvPicPr>
+        <p:blipFill>
+          <a:blip r:embed="rId2">
+            <a:extLst>
+              <a:ext uri="{28A0092B-C50C-407E-A947-70E740481C1C}">
+                <a14:useLocalDpi xmlns:a14="http://schemas.microsoft.com/office/drawing/2010/main" val="0"/>
+              </a:ext>
+            </a:extLst>
+          </a:blip>
+          <a:srcRect/>
+          <a:stretch>
+            <a:fillRect/>
+          </a:stretch>
+        </p:blipFill>
         <p:spPr bwMode="auto">
           <a:xfrm>
-            <a:off x="838200" y="1871246"/>
-            <a:ext cx="6553200" cy="533400"/>
+            <a:off x="1245817" y="1981200"/>
+            <a:ext cx="6686550" cy="3981450"/>
           </a:xfrm>
           <a:prstGeom prst="rect">
             <a:avLst/>
@@ -10475,14 +10520,14 @@
             <a:ext uri="{909E8E84-426E-40DD-AFC4-6F175D3DCCD1}">
               <a14:hiddenFill xmlns:a14="http://schemas.microsoft.com/office/drawing/2010/main">
                 <a:solidFill>
-                  <a:srgbClr val="FFFFFF"/>
+                  <a:schemeClr val="accent1"/>
                 </a:solidFill>
               </a14:hiddenFill>
             </a:ext>
             <a:ext uri="{91240B29-F687-4F45-9708-019B960494DF}">
               <a14:hiddenLine xmlns:a14="http://schemas.microsoft.com/office/drawing/2010/main" w="9525">
                 <a:solidFill>
-                  <a:srgbClr val="000000"/>
+                  <a:schemeClr val="tx1"/>
                 </a:solidFill>
                 <a:miter lim="800000"/>
                 <a:headEnd/>
@@ -10491,184 +10536,17 @@
             </a:ext>
           </a:extLst>
         </p:spPr>
-        <p:txBody>
-          <a:bodyPr vert="horz" wrap="square" lIns="91440" tIns="45720" rIns="91440" bIns="45720" numCol="1" anchor="t" anchorCtr="0" compatLnSpc="1">
-            <a:prstTxWarp prst="textNoShape">
-              <a:avLst/>
-            </a:prstTxWarp>
-          </a:bodyPr>
-          <a:lstStyle>
-            <a:lvl1pPr marL="190500" indent="-190500" algn="l" rtl="0" eaLnBrk="0" fontAlgn="base" hangingPunct="0">
-              <a:spcBef>
-                <a:spcPct val="20000"/>
-              </a:spcBef>
-              <a:spcAft>
-                <a:spcPct val="0"/>
-              </a:spcAft>
-              <a:buSzPct val="80000"/>
-              <a:buFont typeface="Wingdings" pitchFamily="2" charset="2"/>
-              <a:buChar char="§"/>
-              <a:defRPr sz="2000">
-                <a:solidFill>
-                  <a:srgbClr val="32496A"/>
-                </a:solidFill>
-                <a:latin typeface="+mn-lt"/>
-                <a:ea typeface="+mn-ea"/>
-                <a:cs typeface="+mn-cs"/>
-              </a:defRPr>
-            </a:lvl1pPr>
-            <a:lvl2pPr marL="571500" indent="-190500" algn="l" rtl="0" eaLnBrk="0" fontAlgn="base" hangingPunct="0">
-              <a:spcBef>
-                <a:spcPct val="20000"/>
-              </a:spcBef>
-              <a:spcAft>
-                <a:spcPct val="0"/>
-              </a:spcAft>
-              <a:buClr>
-                <a:srgbClr val="32496A"/>
-              </a:buClr>
-              <a:buSzPct val="80000"/>
-              <a:buFont typeface="Arial" charset="0"/>
-              <a:buChar char="-"/>
-              <a:defRPr sz="2800">
-                <a:solidFill>
-                  <a:srgbClr val="32496A"/>
-                </a:solidFill>
-                <a:latin typeface="+mn-lt"/>
-              </a:defRPr>
-            </a:lvl2pPr>
-            <a:lvl3pPr marL="952500" indent="-190500" algn="l" rtl="0" eaLnBrk="0" fontAlgn="base" hangingPunct="0">
-              <a:spcBef>
-                <a:spcPct val="20000"/>
-              </a:spcBef>
-              <a:spcAft>
-                <a:spcPct val="0"/>
-              </a:spcAft>
-              <a:buClr>
-                <a:srgbClr val="32496A"/>
-              </a:buClr>
-              <a:buSzPct val="70000"/>
-              <a:buFont typeface="Wingdings" pitchFamily="2" charset="2"/>
-              <a:buChar char="à"/>
-              <a:defRPr sz="1400">
-                <a:solidFill>
-                  <a:srgbClr val="32496A"/>
-                </a:solidFill>
-                <a:latin typeface="+mn-lt"/>
-              </a:defRPr>
-            </a:lvl3pPr>
-            <a:lvl4pPr marL="1333500" indent="-190500" algn="l" rtl="0" eaLnBrk="0" fontAlgn="base" hangingPunct="0">
-              <a:spcBef>
-                <a:spcPct val="20000"/>
-              </a:spcBef>
-              <a:spcAft>
-                <a:spcPct val="0"/>
-              </a:spcAft>
-              <a:buSzPct val="80000"/>
-              <a:buFont typeface="Wingdings" pitchFamily="2" charset="2"/>
-              <a:buChar char="§"/>
-              <a:defRPr sz="1400">
-                <a:solidFill>
-                  <a:srgbClr val="32496A"/>
-                </a:solidFill>
-                <a:latin typeface="+mn-lt"/>
-              </a:defRPr>
-            </a:lvl4pPr>
-            <a:lvl5pPr marL="1714500" indent="-190500" algn="l" rtl="0" eaLnBrk="0" fontAlgn="base" hangingPunct="0">
-              <a:spcBef>
-                <a:spcPct val="20000"/>
-              </a:spcBef>
-              <a:spcAft>
-                <a:spcPct val="0"/>
-              </a:spcAft>
-              <a:buChar char="»"/>
-              <a:defRPr sz="2000">
-                <a:solidFill>
-                  <a:schemeClr val="tx1"/>
-                </a:solidFill>
-                <a:latin typeface="+mn-lt"/>
-              </a:defRPr>
-            </a:lvl5pPr>
-            <a:lvl6pPr marL="2171700" indent="-190500" algn="l" rtl="0" fontAlgn="base">
-              <a:spcBef>
-                <a:spcPct val="20000"/>
-              </a:spcBef>
-              <a:spcAft>
-                <a:spcPct val="0"/>
-              </a:spcAft>
-              <a:buChar char="»"/>
-              <a:defRPr sz="2000">
-                <a:solidFill>
-                  <a:schemeClr val="tx1"/>
-                </a:solidFill>
-                <a:latin typeface="+mn-lt"/>
-              </a:defRPr>
-            </a:lvl6pPr>
-            <a:lvl7pPr marL="2628900" indent="-190500" algn="l" rtl="0" fontAlgn="base">
-              <a:spcBef>
-                <a:spcPct val="20000"/>
-              </a:spcBef>
-              <a:spcAft>
-                <a:spcPct val="0"/>
-              </a:spcAft>
-              <a:buChar char="»"/>
-              <a:defRPr sz="2000">
-                <a:solidFill>
-                  <a:schemeClr val="tx1"/>
-                </a:solidFill>
-                <a:latin typeface="+mn-lt"/>
-              </a:defRPr>
-            </a:lvl7pPr>
-            <a:lvl8pPr marL="3086100" indent="-190500" algn="l" rtl="0" fontAlgn="base">
-              <a:spcBef>
-                <a:spcPct val="20000"/>
-              </a:spcBef>
-              <a:spcAft>
-                <a:spcPct val="0"/>
-              </a:spcAft>
-              <a:buChar char="»"/>
-              <a:defRPr sz="2000">
-                <a:solidFill>
-                  <a:schemeClr val="tx1"/>
-                </a:solidFill>
-                <a:latin typeface="+mn-lt"/>
-              </a:defRPr>
-            </a:lvl8pPr>
-            <a:lvl9pPr marL="3543300" indent="-190500" algn="l" rtl="0" fontAlgn="base">
-              <a:spcBef>
-                <a:spcPct val="20000"/>
-              </a:spcBef>
-              <a:spcAft>
-                <a:spcPct val="0"/>
-              </a:spcAft>
-              <a:buChar char="»"/>
-              <a:defRPr sz="2000">
-                <a:solidFill>
-                  <a:schemeClr val="tx1"/>
-                </a:solidFill>
-                <a:latin typeface="+mn-lt"/>
-              </a:defRPr>
-            </a:lvl9pPr>
-          </a:lstStyle>
-          <a:p>
-            <a:r>
-              <a:rPr lang="en-US" kern="0" dirty="0" smtClean="0"/>
-              <a:t>How we create private members?</a:t>
-            </a:r>
-            <a:endParaRPr lang="en-US" kern="0" dirty="0"/>
-          </a:p>
-        </p:txBody>
-      </p:sp>
-      <p:sp>
-        <p:nvSpPr>
-          <p:cNvPr id="9" name="TextBox 8"/>
+      </p:pic>
+      <p:sp>
+        <p:nvSpPr>
+          <p:cNvPr id="6" name="TextBox 5"/>
           <p:cNvSpPr txBox="1"/>
           <p:nvPr/>
         </p:nvSpPr>
         <p:spPr>
           <a:xfrm>
-            <a:off x="1295401" y="2404646"/>
-            <a:ext cx="3733799" cy="338554"/>
+            <a:off x="6400800" y="6027139"/>
+            <a:ext cx="2169184" cy="246221"/>
           </a:xfrm>
           <a:prstGeom prst="rect">
             <a:avLst/>
@@ -10676,39 +10554,6 @@
           <a:noFill/>
         </p:spPr>
         <p:txBody>
-          <a:bodyPr wrap="square" rtlCol="0">
-            <a:spAutoFit/>
-          </a:bodyPr>
-          <a:lstStyle/>
-          <a:p>
-            <a:r>
-              <a:rPr lang="en-US" sz="1600" dirty="0" smtClean="0"/>
-              <a:t>We cannot, but we can emulate them.</a:t>
-            </a:r>
-            <a:endParaRPr lang="en-US" sz="1600" dirty="0" smtClean="0">
-              <a:latin typeface="Courier New" panose="02070309020205020404" pitchFamily="49" charset="0"/>
-              <a:cs typeface="Courier New" panose="02070309020205020404" pitchFamily="49" charset="0"/>
-            </a:endParaRPr>
-          </a:p>
-        </p:txBody>
-      </p:sp>
-      <p:sp>
-        <p:nvSpPr>
-          <p:cNvPr id="13" name="TextBox 12"/>
-          <p:cNvSpPr txBox="1"/>
-          <p:nvPr/>
-        </p:nvSpPr>
-        <p:spPr>
-          <a:xfrm>
-            <a:off x="6858000" y="5910466"/>
-            <a:ext cx="1645002" cy="246221"/>
-          </a:xfrm>
-          <a:prstGeom prst="rect">
-            <a:avLst/>
-          </a:prstGeom>
-          <a:noFill/>
-        </p:spPr>
-        <p:txBody>
           <a:bodyPr wrap="none" rtlCol="0">
             <a:spAutoFit/>
           </a:bodyPr>
@@ -10726,24 +10571,14 @@
               <a:t>[</a:t>
             </a:r>
             <a:r>
-              <a:rPr lang="en-US" sz="1000" dirty="0" err="1" smtClean="0">
+              <a:rPr lang="en-US" sz="1000" dirty="0" smtClean="0">
                 <a:solidFill>
                   <a:schemeClr val="bg1">
                     <a:lumMod val="75000"/>
                   </a:schemeClr>
                 </a:solidFill>
               </a:rPr>
-              <a:t>jsfiddle</a:t>
-            </a:r>
-            <a:r>
-              <a:rPr lang="en-US" sz="1000" dirty="0">
-                <a:solidFill>
-                  <a:schemeClr val="bg1">
-                    <a:lumMod val="75000"/>
-                  </a:schemeClr>
-                </a:solidFill>
-              </a:rPr>
-              <a:t>: Private methods</a:t>
+              <a:t>show code: Biorhythm inheritance</a:t>
             </a:r>
             <a:r>
               <a:rPr lang="ro-RO" sz="1000" dirty="0" smtClean="0">
@@ -10767,7 +10602,7 @@
       </p:sp>
       <p:sp>
         <p:nvSpPr>
-          <p:cNvPr id="6" name="TextBox 5"/>
+          <p:cNvPr id="7" name="TextBox 6"/>
           <p:cNvSpPr txBox="1"/>
           <p:nvPr/>
         </p:nvSpPr>
@@ -10797,32 +10632,15 @@
                   </a:schemeClr>
                 </a:solidFill>
               </a:rPr>
-              <a:t>© iQuest </a:t>
-            </a:r>
-            <a:r>
-              <a:rPr lang="en-US" sz="1000" dirty="0" smtClean="0">
-                <a:solidFill>
-                  <a:schemeClr val="bg1">
-                    <a:lumMod val="50000"/>
-                  </a:schemeClr>
-                </a:solidFill>
-              </a:rPr>
-              <a:t>Group 2013. All rights reserved.</a:t>
-            </a:r>
-            <a:endParaRPr lang="en-US" sz="1000" dirty="0" smtClean="0">
-              <a:solidFill>
-                <a:schemeClr val="bg1">
-                  <a:lumMod val="50000"/>
-                </a:schemeClr>
-              </a:solidFill>
-            </a:endParaRPr>
+              <a:t>© iQuest Group 2013. All rights reserved.</a:t>
+            </a:r>
           </a:p>
         </p:txBody>
       </p:sp>
     </p:spTree>
     <p:extLst>
       <p:ext uri="{BB962C8B-B14F-4D97-AF65-F5344CB8AC3E}">
-        <p14:creationId xmlns:p14="http://schemas.microsoft.com/office/powerpoint/2010/main" val="1925126406"/>
+        <p14:creationId xmlns:p14="http://schemas.microsoft.com/office/powerpoint/2010/main" val="1830154489"/>
       </p:ext>
     </p:extLst>
   </p:cSld>
@@ -10832,134 +10650,9 @@
   <p:timing>
     <p:tnLst>
       <p:par>
-        <p:cTn id="1" dur="indefinite" restart="never" nodeType="tmRoot">
-          <p:childTnLst>
-            <p:seq concurrent="1" nextAc="seek">
-              <p:cTn id="2" dur="indefinite" nodeType="mainSeq">
-                <p:childTnLst>
-                  <p:par>
-                    <p:cTn id="3" fill="hold">
-                      <p:stCondLst>
-                        <p:cond delay="indefinite"/>
-                      </p:stCondLst>
-                      <p:childTnLst>
-                        <p:par>
-                          <p:cTn id="4" fill="hold">
-                            <p:stCondLst>
-                              <p:cond delay="0"/>
-                            </p:stCondLst>
-                            <p:childTnLst>
-                              <p:par>
-                                <p:cTn id="5" presetID="53" presetClass="entr" presetSubtype="16" fill="hold" grpId="0" nodeType="clickEffect">
-                                  <p:stCondLst>
-                                    <p:cond delay="0"/>
-                                  </p:stCondLst>
-                                  <p:childTnLst>
-                                    <p:set>
-                                      <p:cBhvr>
-                                        <p:cTn id="6" dur="1" fill="hold">
-                                          <p:stCondLst>
-                                            <p:cond delay="0"/>
-                                          </p:stCondLst>
-                                        </p:cTn>
-                                        <p:tgtEl>
-                                          <p:spTgt spid="9"/>
-                                        </p:tgtEl>
-                                        <p:attrNameLst>
-                                          <p:attrName>style.visibility</p:attrName>
-                                        </p:attrNameLst>
-                                      </p:cBhvr>
-                                      <p:to>
-                                        <p:strVal val="visible"/>
-                                      </p:to>
-                                    </p:set>
-                                    <p:anim calcmode="lin" valueType="num">
-                                      <p:cBhvr>
-                                        <p:cTn id="7" dur="500" fill="hold"/>
-                                        <p:tgtEl>
-                                          <p:spTgt spid="9"/>
-                                        </p:tgtEl>
-                                        <p:attrNameLst>
-                                          <p:attrName>ppt_w</p:attrName>
-                                        </p:attrNameLst>
-                                      </p:cBhvr>
-                                      <p:tavLst>
-                                        <p:tav tm="0">
-                                          <p:val>
-                                            <p:fltVal val="0"/>
-                                          </p:val>
-                                        </p:tav>
-                                        <p:tav tm="100000">
-                                          <p:val>
-                                            <p:strVal val="#ppt_w"/>
-                                          </p:val>
-                                        </p:tav>
-                                      </p:tavLst>
-                                    </p:anim>
-                                    <p:anim calcmode="lin" valueType="num">
-                                      <p:cBhvr>
-                                        <p:cTn id="8" dur="500" fill="hold"/>
-                                        <p:tgtEl>
-                                          <p:spTgt spid="9"/>
-                                        </p:tgtEl>
-                                        <p:attrNameLst>
-                                          <p:attrName>ppt_h</p:attrName>
-                                        </p:attrNameLst>
-                                      </p:cBhvr>
-                                      <p:tavLst>
-                                        <p:tav tm="0">
-                                          <p:val>
-                                            <p:fltVal val="0"/>
-                                          </p:val>
-                                        </p:tav>
-                                        <p:tav tm="100000">
-                                          <p:val>
-                                            <p:strVal val="#ppt_h"/>
-                                          </p:val>
-                                        </p:tav>
-                                      </p:tavLst>
-                                    </p:anim>
-                                    <p:animEffect transition="in" filter="fade">
-                                      <p:cBhvr>
-                                        <p:cTn id="9" dur="500"/>
-                                        <p:tgtEl>
-                                          <p:spTgt spid="9"/>
-                                        </p:tgtEl>
-                                      </p:cBhvr>
-                                    </p:animEffect>
-                                  </p:childTnLst>
-                                </p:cTn>
-                              </p:par>
-                            </p:childTnLst>
-                          </p:cTn>
-                        </p:par>
-                      </p:childTnLst>
-                    </p:cTn>
-                  </p:par>
-                </p:childTnLst>
-              </p:cTn>
-              <p:prevCondLst>
-                <p:cond evt="onPrev" delay="0">
-                  <p:tgtEl>
-                    <p:sldTgt/>
-                  </p:tgtEl>
-                </p:cond>
-              </p:prevCondLst>
-              <p:nextCondLst>
-                <p:cond evt="onNext" delay="0">
-                  <p:tgtEl>
-                    <p:sldTgt/>
-                  </p:tgtEl>
-                </p:cond>
-              </p:nextCondLst>
-            </p:seq>
-          </p:childTnLst>
-        </p:cTn>
+        <p:cTn id="1" dur="indefinite" restart="never" nodeType="tmRoot"/>
       </p:par>
     </p:tnLst>
-    <p:bldLst>
-      <p:bldP spid="9" grpId="0"/>
-    </p:bldLst>
   </p:timing>
 </p:sld>
 </file>
@@ -11002,9 +10695,411 @@
           <a:lstStyle/>
           <a:p>
             <a:r>
+              <a:rPr lang="ro-RO" altLang="en-US" sz="2400" dirty="0" smtClean="0"/>
+              <a:t>Inheritance – </a:t>
+            </a:r>
+            <a:r>
               <a:rPr lang="en-US" altLang="en-US" sz="2400" dirty="0" smtClean="0"/>
-              <a:t>Protected members</a:t>
-            </a:r>
+              <a:t>Conclusion</a:t>
+            </a:r>
+          </a:p>
+        </p:txBody>
+      </p:sp>
+      <p:sp>
+        <p:nvSpPr>
+          <p:cNvPr id="5" name="Content Placeholder 2"/>
+          <p:cNvSpPr>
+            <a:spLocks noGrp="1"/>
+          </p:cNvSpPr>
+          <p:nvPr>
+            <p:ph idx="1"/>
+          </p:nvPr>
+        </p:nvSpPr>
+        <p:spPr>
+          <a:xfrm>
+            <a:off x="685800" y="1295400"/>
+            <a:ext cx="5029200" cy="533400"/>
+          </a:xfrm>
+        </p:spPr>
+        <p:txBody>
+          <a:bodyPr/>
+          <a:lstStyle/>
+          <a:p>
+            <a:r>
+              <a:rPr lang="en-US" altLang="en-US" sz="2400" dirty="0" smtClean="0"/>
+              <a:t>Inheritance – no </a:t>
+            </a:r>
+            <a:r>
+              <a:rPr lang="en-US" altLang="en-US" sz="2400" dirty="0" err="1" smtClean="0"/>
+              <a:t>params</a:t>
+            </a:r>
+            <a:endParaRPr lang="ro-RO" altLang="en-US" sz="2400" dirty="0" smtClean="0"/>
+          </a:p>
+        </p:txBody>
+      </p:sp>
+      <p:sp>
+        <p:nvSpPr>
+          <p:cNvPr id="6" name="TextBox 5"/>
+          <p:cNvSpPr txBox="1"/>
+          <p:nvPr/>
+        </p:nvSpPr>
+        <p:spPr>
+          <a:xfrm>
+            <a:off x="6400800" y="6027139"/>
+            <a:ext cx="2169184" cy="246221"/>
+          </a:xfrm>
+          <a:prstGeom prst="rect">
+            <a:avLst/>
+          </a:prstGeom>
+          <a:noFill/>
+        </p:spPr>
+        <p:txBody>
+          <a:bodyPr wrap="none" rtlCol="0">
+            <a:spAutoFit/>
+          </a:bodyPr>
+          <a:lstStyle/>
+          <a:p>
+            <a:pPr algn="r"/>
+            <a:r>
+              <a:rPr lang="ro-RO" sz="1000" dirty="0" smtClean="0">
+                <a:solidFill>
+                  <a:schemeClr val="bg1">
+                    <a:lumMod val="75000"/>
+                  </a:schemeClr>
+                </a:solidFill>
+              </a:rPr>
+              <a:t>[</a:t>
+            </a:r>
+            <a:r>
+              <a:rPr lang="en-US" sz="1000" dirty="0" smtClean="0">
+                <a:solidFill>
+                  <a:schemeClr val="bg1">
+                    <a:lumMod val="75000"/>
+                  </a:schemeClr>
+                </a:solidFill>
+              </a:rPr>
+              <a:t>show code: Biorhythm inheritance</a:t>
+            </a:r>
+            <a:r>
+              <a:rPr lang="ro-RO" sz="1000" dirty="0" smtClean="0">
+                <a:solidFill>
+                  <a:schemeClr val="bg1">
+                    <a:lumMod val="75000"/>
+                  </a:schemeClr>
+                </a:solidFill>
+              </a:rPr>
+              <a:t>]</a:t>
+            </a:r>
+            <a:endParaRPr lang="en-US" sz="1000" dirty="0">
+              <a:solidFill>
+                <a:schemeClr val="bg1">
+                  <a:lumMod val="75000"/>
+                </a:schemeClr>
+              </a:solidFill>
+            </a:endParaRPr>
+          </a:p>
+        </p:txBody>
+      </p:sp>
+      <p:sp>
+        <p:nvSpPr>
+          <p:cNvPr id="7" name="TextBox 6"/>
+          <p:cNvSpPr txBox="1"/>
+          <p:nvPr/>
+        </p:nvSpPr>
+        <p:spPr>
+          <a:xfrm>
+            <a:off x="3352800" y="6459379"/>
+            <a:ext cx="2518638" cy="246221"/>
+          </a:xfrm>
+          <a:prstGeom prst="rect">
+            <a:avLst/>
+          </a:prstGeom>
+          <a:solidFill>
+            <a:schemeClr val="bg1"/>
+          </a:solidFill>
+        </p:spPr>
+        <p:txBody>
+          <a:bodyPr wrap="none" rtlCol="0">
+            <a:spAutoFit/>
+          </a:bodyPr>
+          <a:lstStyle/>
+          <a:p>
+            <a:r>
+              <a:rPr lang="en-US" sz="1000" dirty="0" smtClean="0">
+                <a:solidFill>
+                  <a:schemeClr val="bg1">
+                    <a:lumMod val="50000"/>
+                  </a:schemeClr>
+                </a:solidFill>
+              </a:rPr>
+              <a:t>© iQuest Group 2013. All rights reserved.</a:t>
+            </a:r>
+          </a:p>
+        </p:txBody>
+      </p:sp>
+      <p:sp>
+        <p:nvSpPr>
+          <p:cNvPr id="3" name="TextBox 2"/>
+          <p:cNvSpPr txBox="1"/>
+          <p:nvPr/>
+        </p:nvSpPr>
+        <p:spPr>
+          <a:xfrm>
+            <a:off x="2057400" y="1905000"/>
+            <a:ext cx="3159839" cy="1200329"/>
+          </a:xfrm>
+          <a:prstGeom prst="rect">
+            <a:avLst/>
+          </a:prstGeom>
+          <a:noFill/>
+        </p:spPr>
+        <p:txBody>
+          <a:bodyPr wrap="none" rtlCol="0">
+            <a:spAutoFit/>
+          </a:bodyPr>
+          <a:lstStyle/>
+          <a:p>
+            <a:r>
+              <a:rPr lang="en-US" sz="1200" dirty="0">
+                <a:latin typeface="Courier New" panose="02070309020205020404" pitchFamily="49" charset="0"/>
+                <a:cs typeface="Courier New" panose="02070309020205020404" pitchFamily="49" charset="0"/>
+              </a:rPr>
+              <a:t>function Animal() </a:t>
+            </a:r>
+            <a:r>
+              <a:rPr lang="en-US" sz="1200" dirty="0" smtClean="0">
+                <a:latin typeface="Courier New" panose="02070309020205020404" pitchFamily="49" charset="0"/>
+                <a:cs typeface="Courier New" panose="02070309020205020404" pitchFamily="49" charset="0"/>
+              </a:rPr>
+              <a:t>{}</a:t>
+            </a:r>
+          </a:p>
+          <a:p>
+            <a:endParaRPr lang="en-US" sz="1200" dirty="0">
+              <a:latin typeface="Courier New" panose="02070309020205020404" pitchFamily="49" charset="0"/>
+              <a:cs typeface="Courier New" panose="02070309020205020404" pitchFamily="49" charset="0"/>
+            </a:endParaRPr>
+          </a:p>
+          <a:p>
+            <a:r>
+              <a:rPr lang="en-US" sz="1200" dirty="0">
+                <a:latin typeface="Courier New" panose="02070309020205020404" pitchFamily="49" charset="0"/>
+                <a:cs typeface="Courier New" panose="02070309020205020404" pitchFamily="49" charset="0"/>
+              </a:rPr>
+              <a:t>function Dog() {}</a:t>
+            </a:r>
+          </a:p>
+          <a:p>
+            <a:endParaRPr lang="en-US" sz="1200" dirty="0">
+              <a:latin typeface="Courier New" panose="02070309020205020404" pitchFamily="49" charset="0"/>
+              <a:cs typeface="Courier New" panose="02070309020205020404" pitchFamily="49" charset="0"/>
+            </a:endParaRPr>
+          </a:p>
+          <a:p>
+            <a:r>
+              <a:rPr lang="en-US" sz="1200" dirty="0" err="1">
+                <a:latin typeface="Courier New" panose="02070309020205020404" pitchFamily="49" charset="0"/>
+                <a:cs typeface="Courier New" panose="02070309020205020404" pitchFamily="49" charset="0"/>
+              </a:rPr>
+              <a:t>Dog.prototype</a:t>
+            </a:r>
+            <a:r>
+              <a:rPr lang="en-US" sz="1200" dirty="0">
+                <a:latin typeface="Courier New" panose="02070309020205020404" pitchFamily="49" charset="0"/>
+                <a:cs typeface="Courier New" panose="02070309020205020404" pitchFamily="49" charset="0"/>
+              </a:rPr>
+              <a:t> = new Animal();</a:t>
+            </a:r>
+          </a:p>
+          <a:p>
+            <a:r>
+              <a:rPr lang="en-US" sz="1200" dirty="0" err="1">
+                <a:latin typeface="Courier New" panose="02070309020205020404" pitchFamily="49" charset="0"/>
+                <a:cs typeface="Courier New" panose="02070309020205020404" pitchFamily="49" charset="0"/>
+              </a:rPr>
+              <a:t>Dog.prototype.constructor</a:t>
+            </a:r>
+            <a:r>
+              <a:rPr lang="en-US" sz="1200" dirty="0">
+                <a:latin typeface="Courier New" panose="02070309020205020404" pitchFamily="49" charset="0"/>
+                <a:cs typeface="Courier New" panose="02070309020205020404" pitchFamily="49" charset="0"/>
+              </a:rPr>
+              <a:t> = Dog</a:t>
+            </a:r>
+            <a:r>
+              <a:rPr lang="en-US" sz="1200" dirty="0" smtClean="0">
+                <a:latin typeface="Courier New" panose="02070309020205020404" pitchFamily="49" charset="0"/>
+                <a:cs typeface="Courier New" panose="02070309020205020404" pitchFamily="49" charset="0"/>
+              </a:rPr>
+              <a:t>;</a:t>
+            </a:r>
+            <a:endParaRPr lang="en-US" sz="1200" dirty="0">
+              <a:latin typeface="Courier New" panose="02070309020205020404" pitchFamily="49" charset="0"/>
+              <a:cs typeface="Courier New" panose="02070309020205020404" pitchFamily="49" charset="0"/>
+            </a:endParaRPr>
+          </a:p>
+        </p:txBody>
+      </p:sp>
+      <p:sp>
+        <p:nvSpPr>
+          <p:cNvPr id="4" name="TextBox 3"/>
+          <p:cNvSpPr txBox="1"/>
+          <p:nvPr/>
+        </p:nvSpPr>
+        <p:spPr>
+          <a:xfrm>
+            <a:off x="2058174" y="4084260"/>
+            <a:ext cx="4647426" cy="1569660"/>
+          </a:xfrm>
+          <a:prstGeom prst="rect">
+            <a:avLst/>
+          </a:prstGeom>
+          <a:noFill/>
+        </p:spPr>
+        <p:txBody>
+          <a:bodyPr wrap="none" rtlCol="0">
+            <a:spAutoFit/>
+          </a:bodyPr>
+          <a:lstStyle/>
+          <a:p>
+            <a:r>
+              <a:rPr lang="en-US" sz="1200" dirty="0">
+                <a:latin typeface="Courier New" panose="02070309020205020404" pitchFamily="49" charset="0"/>
+                <a:cs typeface="Courier New" panose="02070309020205020404" pitchFamily="49" charset="0"/>
+              </a:rPr>
+              <a:t>function Animal(name) </a:t>
+            </a:r>
+            <a:r>
+              <a:rPr lang="en-US" sz="1200" dirty="0" smtClean="0">
+                <a:latin typeface="Courier New" panose="02070309020205020404" pitchFamily="49" charset="0"/>
+                <a:cs typeface="Courier New" panose="02070309020205020404" pitchFamily="49" charset="0"/>
+              </a:rPr>
+              <a:t>{}</a:t>
+            </a:r>
+          </a:p>
+          <a:p>
+            <a:endParaRPr lang="en-US" sz="1200" dirty="0">
+              <a:latin typeface="Courier New" panose="02070309020205020404" pitchFamily="49" charset="0"/>
+              <a:cs typeface="Courier New" panose="02070309020205020404" pitchFamily="49" charset="0"/>
+            </a:endParaRPr>
+          </a:p>
+          <a:p>
+            <a:r>
+              <a:rPr lang="en-US" sz="1200" dirty="0">
+                <a:latin typeface="Courier New" panose="02070309020205020404" pitchFamily="49" charset="0"/>
+                <a:cs typeface="Courier New" panose="02070309020205020404" pitchFamily="49" charset="0"/>
+              </a:rPr>
+              <a:t>function Dog(name) {</a:t>
+            </a:r>
+          </a:p>
+          <a:p>
+            <a:r>
+              <a:rPr lang="en-US" sz="1200" dirty="0">
+                <a:latin typeface="Courier New" panose="02070309020205020404" pitchFamily="49" charset="0"/>
+                <a:cs typeface="Courier New" panose="02070309020205020404" pitchFamily="49" charset="0"/>
+              </a:rPr>
+              <a:t>    </a:t>
+            </a:r>
+            <a:r>
+              <a:rPr lang="en-US" sz="1200" dirty="0" err="1">
+                <a:latin typeface="Courier New" panose="02070309020205020404" pitchFamily="49" charset="0"/>
+                <a:cs typeface="Courier New" panose="02070309020205020404" pitchFamily="49" charset="0"/>
+              </a:rPr>
+              <a:t>Animal.call</a:t>
+            </a:r>
+            <a:r>
+              <a:rPr lang="en-US" sz="1200" dirty="0">
+                <a:latin typeface="Courier New" panose="02070309020205020404" pitchFamily="49" charset="0"/>
+                <a:cs typeface="Courier New" panose="02070309020205020404" pitchFamily="49" charset="0"/>
+              </a:rPr>
+              <a:t>(this, name);</a:t>
+            </a:r>
+          </a:p>
+          <a:p>
+            <a:r>
+              <a:rPr lang="en-US" sz="1200" dirty="0">
+                <a:latin typeface="Courier New" panose="02070309020205020404" pitchFamily="49" charset="0"/>
+                <a:cs typeface="Courier New" panose="02070309020205020404" pitchFamily="49" charset="0"/>
+              </a:rPr>
+              <a:t>}</a:t>
+            </a:r>
+          </a:p>
+          <a:p>
+            <a:endParaRPr lang="en-US" sz="1200" dirty="0">
+              <a:latin typeface="Courier New" panose="02070309020205020404" pitchFamily="49" charset="0"/>
+              <a:cs typeface="Courier New" panose="02070309020205020404" pitchFamily="49" charset="0"/>
+            </a:endParaRPr>
+          </a:p>
+          <a:p>
+            <a:r>
+              <a:rPr lang="en-US" sz="1200" dirty="0" err="1">
+                <a:latin typeface="Courier New" panose="02070309020205020404" pitchFamily="49" charset="0"/>
+                <a:cs typeface="Courier New" panose="02070309020205020404" pitchFamily="49" charset="0"/>
+              </a:rPr>
+              <a:t>Dog.prototype</a:t>
+            </a:r>
+            <a:r>
+              <a:rPr lang="en-US" sz="1200" dirty="0">
+                <a:latin typeface="Courier New" panose="02070309020205020404" pitchFamily="49" charset="0"/>
+                <a:cs typeface="Courier New" panose="02070309020205020404" pitchFamily="49" charset="0"/>
+              </a:rPr>
+              <a:t> = </a:t>
+            </a:r>
+            <a:r>
+              <a:rPr lang="en-US" sz="1200" dirty="0" err="1">
+                <a:latin typeface="Courier New" panose="02070309020205020404" pitchFamily="49" charset="0"/>
+                <a:cs typeface="Courier New" panose="02070309020205020404" pitchFamily="49" charset="0"/>
+              </a:rPr>
+              <a:t>Object.create</a:t>
+            </a:r>
+            <a:r>
+              <a:rPr lang="en-US" sz="1200" dirty="0">
+                <a:latin typeface="Courier New" panose="02070309020205020404" pitchFamily="49" charset="0"/>
+                <a:cs typeface="Courier New" panose="02070309020205020404" pitchFamily="49" charset="0"/>
+              </a:rPr>
+              <a:t>(</a:t>
+            </a:r>
+            <a:r>
+              <a:rPr lang="en-US" sz="1200" dirty="0" err="1">
+                <a:latin typeface="Courier New" panose="02070309020205020404" pitchFamily="49" charset="0"/>
+                <a:cs typeface="Courier New" panose="02070309020205020404" pitchFamily="49" charset="0"/>
+              </a:rPr>
+              <a:t>Animal.prototype</a:t>
+            </a:r>
+            <a:r>
+              <a:rPr lang="en-US" sz="1200" dirty="0">
+                <a:latin typeface="Courier New" panose="02070309020205020404" pitchFamily="49" charset="0"/>
+                <a:cs typeface="Courier New" panose="02070309020205020404" pitchFamily="49" charset="0"/>
+              </a:rPr>
+              <a:t>);</a:t>
+            </a:r>
+          </a:p>
+          <a:p>
+            <a:r>
+              <a:rPr lang="en-US" sz="1200" dirty="0" err="1">
+                <a:latin typeface="Courier New" panose="02070309020205020404" pitchFamily="49" charset="0"/>
+                <a:cs typeface="Courier New" panose="02070309020205020404" pitchFamily="49" charset="0"/>
+              </a:rPr>
+              <a:t>Dog.prototype.constructor</a:t>
+            </a:r>
+            <a:r>
+              <a:rPr lang="en-US" sz="1200" dirty="0">
+                <a:latin typeface="Courier New" panose="02070309020205020404" pitchFamily="49" charset="0"/>
+                <a:cs typeface="Courier New" panose="02070309020205020404" pitchFamily="49" charset="0"/>
+              </a:rPr>
+              <a:t> = Dog</a:t>
+            </a:r>
+            <a:r>
+              <a:rPr lang="en-US" sz="1200" dirty="0" smtClean="0">
+                <a:latin typeface="Courier New" panose="02070309020205020404" pitchFamily="49" charset="0"/>
+                <a:cs typeface="Courier New" panose="02070309020205020404" pitchFamily="49" charset="0"/>
+              </a:rPr>
+              <a:t>;</a:t>
+            </a:r>
+            <a:endParaRPr lang="en-US" sz="1200" dirty="0">
+              <a:latin typeface="Courier New" panose="02070309020205020404" pitchFamily="49" charset="0"/>
+              <a:cs typeface="Courier New" panose="02070309020205020404" pitchFamily="49" charset="0"/>
+            </a:endParaRPr>
           </a:p>
         </p:txBody>
       </p:sp>
@@ -11018,8 +11113,8 @@
         </p:nvSpPr>
         <p:spPr bwMode="auto">
           <a:xfrm>
-            <a:off x="838200" y="1871246"/>
-            <a:ext cx="6553200" cy="533400"/>
+            <a:off x="685800" y="3493093"/>
+            <a:ext cx="5029200" cy="533400"/>
           </a:xfrm>
           <a:prstGeom prst="rect">
             <a:avLst/>
@@ -11209,104 +11304,21 @@
           </a:lstStyle>
           <a:p>
             <a:r>
-              <a:rPr lang="en-US" kern="0" dirty="0" smtClean="0"/>
-              <a:t>How we create protected members?</a:t>
-            </a:r>
-            <a:endParaRPr lang="en-US" kern="0" dirty="0"/>
-          </a:p>
-        </p:txBody>
-      </p:sp>
-      <p:sp>
-        <p:nvSpPr>
-          <p:cNvPr id="12" name="TextBox 11"/>
-          <p:cNvSpPr txBox="1"/>
-          <p:nvPr/>
-        </p:nvSpPr>
-        <p:spPr>
-          <a:xfrm>
-            <a:off x="1291047" y="2404646"/>
-            <a:ext cx="1223554" cy="338554"/>
-          </a:xfrm>
-          <a:prstGeom prst="rect">
-            <a:avLst/>
-          </a:prstGeom>
-          <a:noFill/>
-        </p:spPr>
-        <p:txBody>
-          <a:bodyPr wrap="square" rtlCol="0">
-            <a:spAutoFit/>
-          </a:bodyPr>
-          <a:lstStyle/>
-          <a:p>
-            <a:r>
-              <a:rPr lang="en-US" sz="1600" dirty="0" smtClean="0"/>
-              <a:t>We cannot.</a:t>
-            </a:r>
-            <a:endParaRPr lang="en-US" sz="1600" dirty="0" smtClean="0">
-              <a:latin typeface="Courier New" panose="02070309020205020404" pitchFamily="49" charset="0"/>
-              <a:cs typeface="Courier New" panose="02070309020205020404" pitchFamily="49" charset="0"/>
-            </a:endParaRPr>
-          </a:p>
-        </p:txBody>
-      </p:sp>
-      <p:sp>
-        <p:nvSpPr>
-          <p:cNvPr id="5" name="TextBox 4"/>
-          <p:cNvSpPr txBox="1"/>
-          <p:nvPr/>
-        </p:nvSpPr>
-        <p:spPr>
-          <a:xfrm>
-            <a:off x="3352800" y="6459379"/>
-            <a:ext cx="2518638" cy="246221"/>
-          </a:xfrm>
-          <a:prstGeom prst="rect">
-            <a:avLst/>
-          </a:prstGeom>
-          <a:solidFill>
-            <a:schemeClr val="bg1"/>
-          </a:solidFill>
-        </p:spPr>
-        <p:txBody>
-          <a:bodyPr wrap="none" rtlCol="0">
-            <a:spAutoFit/>
-          </a:bodyPr>
-          <a:lstStyle/>
-          <a:p>
-            <a:r>
-              <a:rPr lang="en-US" sz="1000" dirty="0" smtClean="0">
-                <a:solidFill>
-                  <a:schemeClr val="bg1">
-                    <a:lumMod val="50000"/>
-                  </a:schemeClr>
-                </a:solidFill>
-              </a:rPr>
-              <a:t>© iQuest </a:t>
-            </a:r>
-            <a:r>
-              <a:rPr lang="en-US" sz="1000" dirty="0" smtClean="0">
-                <a:solidFill>
-                  <a:schemeClr val="bg1">
-                    <a:lumMod val="50000"/>
-                  </a:schemeClr>
-                </a:solidFill>
-              </a:rPr>
-              <a:t>Group 2013. All rights reserved.</a:t>
-            </a:r>
-            <a:endParaRPr lang="en-US" sz="1000" dirty="0" smtClean="0">
-              <a:solidFill>
-                <a:schemeClr val="bg1">
-                  <a:lumMod val="50000"/>
-                </a:schemeClr>
-              </a:solidFill>
-            </a:endParaRPr>
+              <a:rPr lang="en-US" altLang="en-US" sz="2400" kern="0" dirty="0" smtClean="0"/>
+              <a:t>Inheritance – with </a:t>
+            </a:r>
+            <a:r>
+              <a:rPr lang="en-US" altLang="en-US" sz="2400" kern="0" dirty="0" err="1" smtClean="0"/>
+              <a:t>params</a:t>
+            </a:r>
+            <a:endParaRPr lang="ro-RO" altLang="en-US" sz="2400" kern="0" dirty="0" smtClean="0"/>
           </a:p>
         </p:txBody>
       </p:sp>
     </p:spTree>
     <p:extLst>
       <p:ext uri="{BB962C8B-B14F-4D97-AF65-F5344CB8AC3E}">
-        <p14:creationId xmlns:p14="http://schemas.microsoft.com/office/powerpoint/2010/main" val="1323662240"/>
+        <p14:creationId xmlns:p14="http://schemas.microsoft.com/office/powerpoint/2010/main" val="1117583433"/>
       </p:ext>
     </p:extLst>
   </p:cSld>
@@ -11316,134 +11328,9 @@
   <p:timing>
     <p:tnLst>
       <p:par>
-        <p:cTn id="1" dur="indefinite" restart="never" nodeType="tmRoot">
-          <p:childTnLst>
-            <p:seq concurrent="1" nextAc="seek">
-              <p:cTn id="2" dur="indefinite" nodeType="mainSeq">
-                <p:childTnLst>
-                  <p:par>
-                    <p:cTn id="3" fill="hold">
-                      <p:stCondLst>
-                        <p:cond delay="indefinite"/>
-                      </p:stCondLst>
-                      <p:childTnLst>
-                        <p:par>
-                          <p:cTn id="4" fill="hold">
-                            <p:stCondLst>
-                              <p:cond delay="0"/>
-                            </p:stCondLst>
-                            <p:childTnLst>
-                              <p:par>
-                                <p:cTn id="5" presetID="53" presetClass="entr" presetSubtype="16" fill="hold" grpId="0" nodeType="clickEffect">
-                                  <p:stCondLst>
-                                    <p:cond delay="0"/>
-                                  </p:stCondLst>
-                                  <p:childTnLst>
-                                    <p:set>
-                                      <p:cBhvr>
-                                        <p:cTn id="6" dur="1" fill="hold">
-                                          <p:stCondLst>
-                                            <p:cond delay="0"/>
-                                          </p:stCondLst>
-                                        </p:cTn>
-                                        <p:tgtEl>
-                                          <p:spTgt spid="12"/>
-                                        </p:tgtEl>
-                                        <p:attrNameLst>
-                                          <p:attrName>style.visibility</p:attrName>
-                                        </p:attrNameLst>
-                                      </p:cBhvr>
-                                      <p:to>
-                                        <p:strVal val="visible"/>
-                                      </p:to>
-                                    </p:set>
-                                    <p:anim calcmode="lin" valueType="num">
-                                      <p:cBhvr>
-                                        <p:cTn id="7" dur="500" fill="hold"/>
-                                        <p:tgtEl>
-                                          <p:spTgt spid="12"/>
-                                        </p:tgtEl>
-                                        <p:attrNameLst>
-                                          <p:attrName>ppt_w</p:attrName>
-                                        </p:attrNameLst>
-                                      </p:cBhvr>
-                                      <p:tavLst>
-                                        <p:tav tm="0">
-                                          <p:val>
-                                            <p:fltVal val="0"/>
-                                          </p:val>
-                                        </p:tav>
-                                        <p:tav tm="100000">
-                                          <p:val>
-                                            <p:strVal val="#ppt_w"/>
-                                          </p:val>
-                                        </p:tav>
-                                      </p:tavLst>
-                                    </p:anim>
-                                    <p:anim calcmode="lin" valueType="num">
-                                      <p:cBhvr>
-                                        <p:cTn id="8" dur="500" fill="hold"/>
-                                        <p:tgtEl>
-                                          <p:spTgt spid="12"/>
-                                        </p:tgtEl>
-                                        <p:attrNameLst>
-                                          <p:attrName>ppt_h</p:attrName>
-                                        </p:attrNameLst>
-                                      </p:cBhvr>
-                                      <p:tavLst>
-                                        <p:tav tm="0">
-                                          <p:val>
-                                            <p:fltVal val="0"/>
-                                          </p:val>
-                                        </p:tav>
-                                        <p:tav tm="100000">
-                                          <p:val>
-                                            <p:strVal val="#ppt_h"/>
-                                          </p:val>
-                                        </p:tav>
-                                      </p:tavLst>
-                                    </p:anim>
-                                    <p:animEffect transition="in" filter="fade">
-                                      <p:cBhvr>
-                                        <p:cTn id="9" dur="500"/>
-                                        <p:tgtEl>
-                                          <p:spTgt spid="12"/>
-                                        </p:tgtEl>
-                                      </p:cBhvr>
-                                    </p:animEffect>
-                                  </p:childTnLst>
-                                </p:cTn>
-                              </p:par>
-                            </p:childTnLst>
-                          </p:cTn>
-                        </p:par>
-                      </p:childTnLst>
-                    </p:cTn>
-                  </p:par>
-                </p:childTnLst>
-              </p:cTn>
-              <p:prevCondLst>
-                <p:cond evt="onPrev" delay="0">
-                  <p:tgtEl>
-                    <p:sldTgt/>
-                  </p:tgtEl>
-                </p:cond>
-              </p:prevCondLst>
-              <p:nextCondLst>
-                <p:cond evt="onNext" delay="0">
-                  <p:tgtEl>
-                    <p:sldTgt/>
-                  </p:tgtEl>
-                </p:cond>
-              </p:nextCondLst>
-            </p:seq>
-          </p:childTnLst>
-        </p:cTn>
+        <p:cTn id="1" dur="indefinite" restart="never" nodeType="tmRoot"/>
       </p:par>
     </p:tnLst>
-    <p:bldLst>
-      <p:bldP spid="12" grpId="0"/>
-    </p:bldLst>
   </p:timing>
 </p:sld>
 </file>
@@ -11467,7 +11354,7 @@
       </p:grpSpPr>
       <p:sp>
         <p:nvSpPr>
-          <p:cNvPr id="5122" name="Title 1"/>
+          <p:cNvPr id="2" name="Title 1"/>
           <p:cNvSpPr>
             <a:spLocks noGrp="1"/>
           </p:cNvSpPr>
@@ -11475,61 +11362,29 @@
             <p:ph type="title"/>
           </p:nvPr>
         </p:nvSpPr>
-        <p:spPr>
-          <a:xfrm>
-            <a:off x="2286000" y="228600"/>
-            <a:ext cx="6400800" cy="563562"/>
-          </a:xfrm>
-        </p:spPr>
+        <p:spPr/>
         <p:txBody>
           <a:bodyPr/>
           <a:lstStyle/>
           <a:p>
             <a:r>
-              <a:rPr lang="en-US" altLang="en-US" sz="2400" dirty="0" smtClean="0"/>
-              <a:t>Alternative to private and protected members</a:t>
-            </a:r>
-          </a:p>
-        </p:txBody>
-      </p:sp>
-      <p:sp>
-        <p:nvSpPr>
-          <p:cNvPr id="6" name="Content Placeholder 2"/>
-          <p:cNvSpPr>
-            <a:spLocks noGrp="1"/>
-          </p:cNvSpPr>
-          <p:nvPr>
-            <p:ph idx="1"/>
-          </p:nvPr>
-        </p:nvSpPr>
-        <p:spPr>
-          <a:xfrm>
-            <a:off x="838200" y="1876961"/>
-            <a:ext cx="6553200" cy="533400"/>
-          </a:xfrm>
-        </p:spPr>
-        <p:txBody>
-          <a:bodyPr/>
-          <a:lstStyle/>
-          <a:p>
-            <a:r>
-              <a:rPr lang="en-US" dirty="0" smtClean="0"/>
-              <a:t>Alternative to private and protected members</a:t>
-            </a:r>
-            <a:endParaRPr lang="en-US" dirty="0"/>
-          </a:p>
-        </p:txBody>
-      </p:sp>
-      <p:sp>
-        <p:nvSpPr>
-          <p:cNvPr id="5" name="TextBox 4"/>
+              <a:rPr lang="en-US" sz="2400" dirty="0" smtClean="0"/>
+              <a:t>Links</a:t>
+            </a:r>
+            <a:endParaRPr lang="en-US" sz="2400" dirty="0"/>
+          </a:p>
+        </p:txBody>
+      </p:sp>
+      <p:sp>
+        <p:nvSpPr>
+          <p:cNvPr id="3" name="TextBox 2"/>
           <p:cNvSpPr txBox="1"/>
           <p:nvPr/>
         </p:nvSpPr>
         <p:spPr>
           <a:xfrm>
-            <a:off x="1295400" y="2715161"/>
-            <a:ext cx="6172199" cy="1569660"/>
+            <a:off x="2514600" y="2057400"/>
+            <a:ext cx="4275529" cy="2585323"/>
           </a:xfrm>
           <a:prstGeom prst="rect">
             <a:avLst/>
@@ -11537,71 +11392,107 @@
           <a:noFill/>
         </p:spPr>
         <p:txBody>
-          <a:bodyPr wrap="square" rtlCol="0">
+          <a:bodyPr wrap="none" rtlCol="0">
             <a:spAutoFit/>
           </a:bodyPr>
           <a:lstStyle/>
           <a:p>
             <a:r>
-              <a:rPr lang="en-US" sz="1600" dirty="0" smtClean="0"/>
-              <a:t>1. Create all as public;</a:t>
-            </a:r>
-          </a:p>
-          <a:p>
-            <a:r>
-              <a:rPr lang="en-US" sz="1600" dirty="0" smtClean="0"/>
-              <a:t>2. Use a </a:t>
-            </a:r>
-            <a:r>
-              <a:rPr lang="en-US" sz="1600" b="1" dirty="0" smtClean="0"/>
-              <a:t>naming convention </a:t>
-            </a:r>
-            <a:r>
-              <a:rPr lang="en-US" sz="1600" dirty="0" smtClean="0"/>
-              <a:t>for “private” and “protected” ones.</a:t>
-            </a:r>
-          </a:p>
-          <a:p>
-            <a:endParaRPr lang="en-US" sz="1600" dirty="0" smtClean="0"/>
-          </a:p>
-          <a:p>
-            <a:endParaRPr lang="en-US" sz="1600" dirty="0"/>
-          </a:p>
-          <a:p>
-            <a:r>
-              <a:rPr lang="en-US" sz="1600" dirty="0" err="1" smtClean="0"/>
-              <a:t>jQuery</a:t>
-            </a:r>
-            <a:r>
-              <a:rPr lang="en-US" sz="1600" dirty="0" smtClean="0"/>
-              <a:t> uses underscore for “private” members:</a:t>
-            </a:r>
-          </a:p>
-          <a:p>
-            <a:r>
-              <a:rPr lang="en-US" sz="1600" dirty="0" smtClean="0"/>
-              <a:t>Example: </a:t>
-            </a:r>
-            <a:r>
-              <a:rPr lang="en-US" sz="1600" dirty="0" err="1" smtClean="0">
-                <a:latin typeface="Courier New" panose="02070309020205020404" pitchFamily="49" charset="0"/>
-                <a:cs typeface="Courier New" panose="02070309020205020404" pitchFamily="49" charset="0"/>
-              </a:rPr>
-              <a:t>this._paint</a:t>
-            </a:r>
-            <a:r>
-              <a:rPr lang="en-US" sz="1600" dirty="0" smtClean="0">
-                <a:latin typeface="Courier New" panose="02070309020205020404" pitchFamily="49" charset="0"/>
-                <a:cs typeface="Courier New" panose="02070309020205020404" pitchFamily="49" charset="0"/>
-              </a:rPr>
-              <a:t>();</a:t>
-            </a:r>
-          </a:p>
-        </p:txBody>
-      </p:sp>
-      <p:sp>
-        <p:nvSpPr>
-          <p:cNvPr id="7" name="TextBox 6"/>
+              <a:rPr lang="en-US" dirty="0" smtClean="0"/>
+              <a:t>Wikipedia Biorhythm page:</a:t>
+            </a:r>
+          </a:p>
+          <a:p>
+            <a:r>
+              <a:rPr lang="en-US" dirty="0" smtClean="0">
+                <a:hlinkClick r:id="rId2"/>
+              </a:rPr>
+              <a:t>http</a:t>
+            </a:r>
+            <a:r>
+              <a:rPr lang="en-US" dirty="0">
+                <a:hlinkClick r:id="rId2"/>
+              </a:rPr>
+              <a:t>://</a:t>
+            </a:r>
+            <a:r>
+              <a:rPr lang="en-US" dirty="0" smtClean="0">
+                <a:hlinkClick r:id="rId2"/>
+              </a:rPr>
+              <a:t>en.wikipedia.org/wiki/Biorhythm</a:t>
+            </a:r>
+            <a:endParaRPr lang="en-US" dirty="0" smtClean="0"/>
+          </a:p>
+          <a:p>
+            <a:endParaRPr lang="en-US" dirty="0" smtClean="0"/>
+          </a:p>
+          <a:p>
+            <a:endParaRPr lang="en-US" dirty="0"/>
+          </a:p>
+          <a:p>
+            <a:endParaRPr lang="en-US" dirty="0"/>
+          </a:p>
+          <a:p>
+            <a:r>
+              <a:rPr lang="en-US" dirty="0" err="1" smtClean="0"/>
+              <a:t>BioCalc</a:t>
+            </a:r>
+            <a:r>
+              <a:rPr lang="en-US" dirty="0" smtClean="0"/>
+              <a:t> </a:t>
+            </a:r>
+            <a:r>
+              <a:rPr lang="en-US" dirty="0" err="1" smtClean="0"/>
+              <a:t>Github</a:t>
+            </a:r>
+            <a:r>
+              <a:rPr lang="en-US" dirty="0" smtClean="0"/>
+              <a:t> page:</a:t>
+            </a:r>
+          </a:p>
+          <a:p>
+            <a:r>
+              <a:rPr lang="en-US" dirty="0">
+                <a:hlinkClick r:id="rId3"/>
+              </a:rPr>
+              <a:t>https://</a:t>
+            </a:r>
+            <a:r>
+              <a:rPr lang="en-US" dirty="0" smtClean="0">
+                <a:hlinkClick r:id="rId3"/>
+              </a:rPr>
+              <a:t>github.com/lastunicorn/BioCalcJs</a:t>
+            </a:r>
+            <a:endParaRPr lang="en-US" dirty="0" smtClean="0"/>
+          </a:p>
+          <a:p>
+            <a:r>
+              <a:rPr lang="en-US" dirty="0" smtClean="0"/>
+              <a:t>or</a:t>
+            </a:r>
+          </a:p>
+          <a:p>
+            <a:r>
+              <a:rPr lang="en-US" dirty="0" smtClean="0">
+                <a:hlinkClick r:id="rId4"/>
+              </a:rPr>
+              <a:t>http://github.com</a:t>
+            </a:r>
+            <a:r>
+              <a:rPr lang="en-US" dirty="0" smtClean="0"/>
+              <a:t> -&gt; search for </a:t>
+            </a:r>
+            <a:r>
+              <a:rPr lang="en-US" dirty="0" err="1" smtClean="0"/>
+              <a:t>BioCalc</a:t>
+            </a:r>
+            <a:endParaRPr lang="en-US" dirty="0" smtClean="0"/>
+          </a:p>
+        </p:txBody>
+      </p:sp>
+      <p:sp>
+        <p:nvSpPr>
+          <p:cNvPr id="4" name="TextBox 3"/>
           <p:cNvSpPr txBox="1"/>
           <p:nvPr/>
         </p:nvSpPr>
@@ -11631,32 +11522,15 @@
                   </a:schemeClr>
                 </a:solidFill>
               </a:rPr>
-              <a:t>© iQuest </a:t>
-            </a:r>
-            <a:r>
-              <a:rPr lang="en-US" sz="1000" dirty="0" smtClean="0">
-                <a:solidFill>
-                  <a:schemeClr val="bg1">
-                    <a:lumMod val="50000"/>
-                  </a:schemeClr>
-                </a:solidFill>
-              </a:rPr>
-              <a:t>Group 2013. All rights reserved.</a:t>
-            </a:r>
-            <a:endParaRPr lang="en-US" sz="1000" dirty="0" smtClean="0">
-              <a:solidFill>
-                <a:schemeClr val="bg1">
-                  <a:lumMod val="50000"/>
-                </a:schemeClr>
-              </a:solidFill>
-            </a:endParaRPr>
+              <a:t>© iQuest Group 2013. All rights reserved.</a:t>
+            </a:r>
           </a:p>
         </p:txBody>
       </p:sp>
     </p:spTree>
     <p:extLst>
       <p:ext uri="{BB962C8B-B14F-4D97-AF65-F5344CB8AC3E}">
-        <p14:creationId xmlns:p14="http://schemas.microsoft.com/office/powerpoint/2010/main" val="790676348"/>
+        <p14:creationId xmlns:p14="http://schemas.microsoft.com/office/powerpoint/2010/main" val="475278987"/>
       </p:ext>
     </p:extLst>
   </p:cSld>
@@ -11692,225 +11566,6 @@
       </p:grpSpPr>
       <p:sp>
         <p:nvSpPr>
-          <p:cNvPr id="5122" name="Title 1"/>
-          <p:cNvSpPr>
-            <a:spLocks noGrp="1"/>
-          </p:cNvSpPr>
-          <p:nvPr>
-            <p:ph type="title"/>
-          </p:nvPr>
-        </p:nvSpPr>
-        <p:spPr>
-          <a:xfrm>
-            <a:off x="2286000" y="228600"/>
-            <a:ext cx="6400800" cy="563562"/>
-          </a:xfrm>
-        </p:spPr>
-        <p:txBody>
-          <a:bodyPr/>
-          <a:lstStyle/>
-          <a:p>
-            <a:r>
-              <a:rPr lang="en-US" altLang="en-US" sz="2400" dirty="0" smtClean="0"/>
-              <a:t>Public, Private, Protected</a:t>
-            </a:r>
-          </a:p>
-        </p:txBody>
-      </p:sp>
-      <p:graphicFrame>
-        <p:nvGraphicFramePr>
-          <p:cNvPr id="3" name="Table 2"/>
-          <p:cNvGraphicFramePr>
-            <a:graphicFrameLocks noGrp="1"/>
-          </p:cNvGraphicFramePr>
-          <p:nvPr>
-            <p:extLst>
-              <p:ext uri="{D42A27DB-BD31-4B8C-83A1-F6EECF244321}">
-                <p14:modId xmlns:p14="http://schemas.microsoft.com/office/powerpoint/2010/main" val="3038689818"/>
-              </p:ext>
-            </p:extLst>
-          </p:nvPr>
-        </p:nvGraphicFramePr>
-        <p:xfrm>
-          <a:off x="1524000" y="2743200"/>
-          <a:ext cx="6096000" cy="1483360"/>
-        </p:xfrm>
-        <a:graphic>
-          <a:graphicData uri="http://schemas.openxmlformats.org/drawingml/2006/table">
-            <a:tbl>
-              <a:tblPr firstRow="1" bandRow="1">
-                <a:tableStyleId>{00A15C55-8517-42AA-B614-E9B94910E393}</a:tableStyleId>
-              </a:tblPr>
-              <a:tblGrid>
-                <a:gridCol w="3048000"/>
-                <a:gridCol w="3048000"/>
-              </a:tblGrid>
-              <a:tr h="370840">
-                <a:tc>
-                  <a:txBody>
-                    <a:bodyPr/>
-                    <a:lstStyle/>
-                    <a:p>
-                      <a:pPr algn="ctr"/>
-                      <a:r>
-                        <a:rPr lang="en-US" dirty="0" smtClean="0"/>
-                        <a:t>Member type</a:t>
-                      </a:r>
-                      <a:endParaRPr lang="en-US" dirty="0"/>
-                    </a:p>
-                  </a:txBody>
-                  <a:tcPr/>
-                </a:tc>
-                <a:tc>
-                  <a:txBody>
-                    <a:bodyPr/>
-                    <a:lstStyle/>
-                    <a:p>
-                      <a:pPr algn="ctr"/>
-                      <a:r>
-                        <a:rPr lang="en-US" dirty="0" smtClean="0"/>
-                        <a:t>Can be</a:t>
-                      </a:r>
-                      <a:r>
-                        <a:rPr lang="en-US" baseline="0" dirty="0" smtClean="0"/>
-                        <a:t> created</a:t>
-                      </a:r>
-                      <a:endParaRPr lang="en-US" dirty="0"/>
-                    </a:p>
-                  </a:txBody>
-                  <a:tcPr/>
-                </a:tc>
-              </a:tr>
-              <a:tr h="370840">
-                <a:tc>
-                  <a:txBody>
-                    <a:bodyPr/>
-                    <a:lstStyle/>
-                    <a:p>
-                      <a:pPr algn="ctr"/>
-                      <a:r>
-                        <a:rPr lang="en-US" dirty="0" smtClean="0"/>
-                        <a:t>public</a:t>
-                      </a:r>
-                      <a:endParaRPr lang="en-US" dirty="0"/>
-                    </a:p>
-                  </a:txBody>
-                  <a:tcPr/>
-                </a:tc>
-                <a:tc>
-                  <a:txBody>
-                    <a:bodyPr/>
-                    <a:lstStyle/>
-                    <a:p>
-                      <a:pPr algn="ctr"/>
-                      <a:r>
-                        <a:rPr lang="en-US" dirty="0" smtClean="0"/>
-                        <a:t>yes</a:t>
-                      </a:r>
-                      <a:endParaRPr lang="en-US" dirty="0"/>
-                    </a:p>
-                  </a:txBody>
-                  <a:tcPr/>
-                </a:tc>
-              </a:tr>
-              <a:tr h="370840">
-                <a:tc>
-                  <a:txBody>
-                    <a:bodyPr/>
-                    <a:lstStyle/>
-                    <a:p>
-                      <a:pPr algn="ctr"/>
-                      <a:r>
-                        <a:rPr lang="en-US" dirty="0" smtClean="0"/>
-                        <a:t>private</a:t>
-                      </a:r>
-                      <a:endParaRPr lang="en-US" dirty="0"/>
-                    </a:p>
-                  </a:txBody>
-                  <a:tcPr/>
-                </a:tc>
-                <a:tc>
-                  <a:txBody>
-                    <a:bodyPr/>
-                    <a:lstStyle/>
-                    <a:p>
-                      <a:pPr algn="ctr"/>
-                      <a:r>
-                        <a:rPr lang="en-US" dirty="0" smtClean="0"/>
-                        <a:t>emulate</a:t>
-                      </a:r>
-                      <a:endParaRPr lang="en-US" dirty="0"/>
-                    </a:p>
-                  </a:txBody>
-                  <a:tcPr/>
-                </a:tc>
-              </a:tr>
-              <a:tr h="370840">
-                <a:tc>
-                  <a:txBody>
-                    <a:bodyPr/>
-                    <a:lstStyle/>
-                    <a:p>
-                      <a:pPr algn="ctr"/>
-                      <a:r>
-                        <a:rPr lang="en-US" dirty="0" smtClean="0"/>
-                        <a:t>protected</a:t>
-                      </a:r>
-                      <a:endParaRPr lang="en-US" dirty="0"/>
-                    </a:p>
-                  </a:txBody>
-                  <a:tcPr/>
-                </a:tc>
-                <a:tc>
-                  <a:txBody>
-                    <a:bodyPr/>
-                    <a:lstStyle/>
-                    <a:p>
-                      <a:pPr algn="ctr"/>
-                      <a:r>
-                        <a:rPr lang="en-US" dirty="0" smtClean="0"/>
-                        <a:t>no</a:t>
-                      </a:r>
-                      <a:endParaRPr lang="en-US" dirty="0"/>
-                    </a:p>
-                  </a:txBody>
-                  <a:tcPr/>
-                </a:tc>
-              </a:tr>
-            </a:tbl>
-          </a:graphicData>
-        </a:graphic>
-      </p:graphicFrame>
-      <p:sp>
-        <p:nvSpPr>
-          <p:cNvPr id="9" name="Content Placeholder 2"/>
-          <p:cNvSpPr>
-            <a:spLocks noGrp="1"/>
-          </p:cNvSpPr>
-          <p:nvPr>
-            <p:ph idx="1"/>
-          </p:nvPr>
-        </p:nvSpPr>
-        <p:spPr>
-          <a:xfrm>
-            <a:off x="838200" y="1876961"/>
-            <a:ext cx="6553200" cy="533400"/>
-          </a:xfrm>
-        </p:spPr>
-        <p:txBody>
-          <a:bodyPr/>
-          <a:lstStyle/>
-          <a:p>
-            <a:r>
-              <a:rPr lang="en-US" dirty="0" smtClean="0"/>
-              <a:t>Conclusion</a:t>
-            </a:r>
-            <a:endParaRPr lang="en-US" dirty="0"/>
-          </a:p>
-        </p:txBody>
-      </p:sp>
-      <p:sp>
-        <p:nvSpPr>
           <p:cNvPr id="5" name="TextBox 4"/>
           <p:cNvSpPr txBox="1"/>
           <p:nvPr/>
@@ -11941,1583 +11596,16 @@
                   </a:schemeClr>
                 </a:solidFill>
               </a:rPr>
-              <a:t>© iQuest </a:t>
-            </a:r>
-            <a:r>
-              <a:rPr lang="en-US" sz="1000" dirty="0" smtClean="0">
-                <a:solidFill>
-                  <a:schemeClr val="bg1">
-                    <a:lumMod val="50000"/>
-                  </a:schemeClr>
-                </a:solidFill>
-              </a:rPr>
-              <a:t>Group 2013. All rights reserved.</a:t>
-            </a:r>
-            <a:endParaRPr lang="en-US" sz="1000" dirty="0" smtClean="0">
-              <a:solidFill>
-                <a:schemeClr val="bg1">
-                  <a:lumMod val="50000"/>
-                </a:schemeClr>
-              </a:solidFill>
-            </a:endParaRPr>
-          </a:p>
-        </p:txBody>
-      </p:sp>
-    </p:spTree>
-    <p:extLst>
-      <p:ext uri="{BB962C8B-B14F-4D97-AF65-F5344CB8AC3E}">
-        <p14:creationId xmlns:p14="http://schemas.microsoft.com/office/powerpoint/2010/main" val="2088202518"/>
-      </p:ext>
-    </p:extLst>
-  </p:cSld>
-  <p:clrMapOvr>
-    <a:masterClrMapping/>
-  </p:clrMapOvr>
-  <p:timing>
-    <p:tnLst>
-      <p:par>
-        <p:cTn id="1" dur="indefinite" restart="never" nodeType="tmRoot"/>
-      </p:par>
-    </p:tnLst>
-  </p:timing>
-</p:sld>
-</file>
-
-<file path=ppt/slides/slide26.xml><?xml version="1.0" encoding="utf-8"?>
-<p:sld xmlns:a="http://schemas.openxmlformats.org/drawingml/2006/main" xmlns:r="http://schemas.openxmlformats.org/officeDocument/2006/relationships" xmlns:p="http://schemas.openxmlformats.org/presentationml/2006/main">
-  <p:cSld>
-    <p:spTree>
-      <p:nvGrpSpPr>
-        <p:cNvPr id="1" name=""/>
-        <p:cNvGrpSpPr/>
-        <p:nvPr/>
-      </p:nvGrpSpPr>
-      <p:grpSpPr>
-        <a:xfrm>
-          <a:off x="0" y="0"/>
-          <a:ext cx="0" cy="0"/>
-          <a:chOff x="0" y="0"/>
-          <a:chExt cx="0" cy="0"/>
-        </a:xfrm>
-      </p:grpSpPr>
-      <p:sp>
-        <p:nvSpPr>
-          <p:cNvPr id="5122" name="Title 1"/>
-          <p:cNvSpPr>
-            <a:spLocks noGrp="1"/>
-          </p:cNvSpPr>
-          <p:nvPr>
-            <p:ph type="title"/>
-          </p:nvPr>
-        </p:nvSpPr>
-        <p:spPr>
-          <a:xfrm>
-            <a:off x="2286000" y="228600"/>
-            <a:ext cx="6400800" cy="563562"/>
-          </a:xfrm>
-        </p:spPr>
-        <p:txBody>
-          <a:bodyPr/>
-          <a:lstStyle/>
-          <a:p>
-            <a:r>
-              <a:rPr lang="en-US" altLang="en-US" sz="2400" dirty="0" smtClean="0"/>
-              <a:t>Agenda</a:t>
-            </a:r>
-          </a:p>
-        </p:txBody>
-      </p:sp>
-      <p:sp>
-        <p:nvSpPr>
-          <p:cNvPr id="5123" name="Content Placeholder 2"/>
-          <p:cNvSpPr>
-            <a:spLocks noGrp="1"/>
-          </p:cNvSpPr>
-          <p:nvPr>
-            <p:ph idx="1"/>
-          </p:nvPr>
-        </p:nvSpPr>
-        <p:spPr>
-          <a:xfrm>
-            <a:off x="2286000" y="1600200"/>
-            <a:ext cx="5257800" cy="4267200"/>
-          </a:xfrm>
-        </p:spPr>
-        <p:txBody>
-          <a:bodyPr/>
-          <a:lstStyle/>
-          <a:p>
-            <a:r>
-              <a:rPr lang="ro-RO" altLang="en-US" sz="2400" dirty="0" smtClean="0"/>
-              <a:t>Introduction</a:t>
-            </a:r>
-            <a:endParaRPr lang="en-US" altLang="en-US" sz="2400" dirty="0" smtClean="0"/>
-          </a:p>
-          <a:p>
-            <a:endParaRPr lang="ro-RO" altLang="en-US" sz="2400" dirty="0" smtClean="0"/>
-          </a:p>
-          <a:p>
-            <a:r>
-              <a:rPr lang="ro-RO" altLang="en-US" sz="2400" dirty="0" smtClean="0"/>
-              <a:t>BioCalc Application</a:t>
-            </a:r>
-            <a:endParaRPr lang="ro-RO" altLang="en-US" sz="2400" dirty="0"/>
-          </a:p>
-          <a:p>
-            <a:endParaRPr lang="ro-RO" altLang="en-US" sz="2400" dirty="0" smtClean="0"/>
-          </a:p>
-          <a:p>
-            <a:r>
-              <a:rPr lang="ro-RO" altLang="en-US" sz="2400" dirty="0" smtClean="0"/>
-              <a:t>Inheritance</a:t>
-            </a:r>
-            <a:endParaRPr lang="en-US" altLang="en-US" sz="2400" dirty="0" smtClean="0"/>
-          </a:p>
-          <a:p>
-            <a:endParaRPr lang="en-US" altLang="en-US" sz="2400" dirty="0" smtClean="0"/>
-          </a:p>
-          <a:p>
-            <a:r>
-              <a:rPr lang="en-US" altLang="en-US" sz="2400" dirty="0"/>
-              <a:t>Public, </a:t>
-            </a:r>
-            <a:r>
-              <a:rPr lang="en-US" altLang="en-US" sz="2400" dirty="0" smtClean="0"/>
-              <a:t>Private</a:t>
-            </a:r>
-            <a:r>
-              <a:rPr lang="en-US" altLang="en-US" sz="2400" dirty="0"/>
-              <a:t>, </a:t>
-            </a:r>
-            <a:r>
-              <a:rPr lang="en-US" altLang="en-US" sz="2400" dirty="0" smtClean="0"/>
-              <a:t>Protected</a:t>
-            </a:r>
-            <a:endParaRPr lang="en-US" altLang="en-US" sz="2400" b="1" dirty="0"/>
-          </a:p>
-          <a:p>
-            <a:endParaRPr lang="en-US" altLang="en-US" sz="2400" b="1" dirty="0" smtClean="0"/>
-          </a:p>
-          <a:p>
-            <a:r>
-              <a:rPr lang="ro-RO" altLang="en-US" sz="2400" b="1" dirty="0" smtClean="0"/>
-              <a:t>Adapter Pattern</a:t>
-            </a:r>
-          </a:p>
-        </p:txBody>
-      </p:sp>
-      <p:sp>
-        <p:nvSpPr>
-          <p:cNvPr id="4" name="TextBox 3"/>
-          <p:cNvSpPr txBox="1"/>
-          <p:nvPr/>
-        </p:nvSpPr>
-        <p:spPr>
-          <a:xfrm>
-            <a:off x="3352800" y="6459379"/>
-            <a:ext cx="2518638" cy="246221"/>
-          </a:xfrm>
-          <a:prstGeom prst="rect">
-            <a:avLst/>
-          </a:prstGeom>
-          <a:solidFill>
-            <a:schemeClr val="bg1"/>
-          </a:solidFill>
-        </p:spPr>
-        <p:txBody>
-          <a:bodyPr wrap="none" rtlCol="0">
-            <a:spAutoFit/>
-          </a:bodyPr>
-          <a:lstStyle/>
-          <a:p>
-            <a:r>
-              <a:rPr lang="en-US" sz="1000" dirty="0" smtClean="0">
-                <a:solidFill>
-                  <a:schemeClr val="bg1">
-                    <a:lumMod val="50000"/>
-                  </a:schemeClr>
-                </a:solidFill>
-              </a:rPr>
-              <a:t>© iQuest </a:t>
-            </a:r>
-            <a:r>
-              <a:rPr lang="en-US" sz="1000" dirty="0" smtClean="0">
-                <a:solidFill>
-                  <a:schemeClr val="bg1">
-                    <a:lumMod val="50000"/>
-                  </a:schemeClr>
-                </a:solidFill>
-              </a:rPr>
-              <a:t>Group 2013. All rights reserved.</a:t>
-            </a:r>
-            <a:endParaRPr lang="en-US" sz="1000" dirty="0" smtClean="0">
-              <a:solidFill>
-                <a:schemeClr val="bg1">
-                  <a:lumMod val="50000"/>
-                </a:schemeClr>
-              </a:solidFill>
-            </a:endParaRPr>
-          </a:p>
-        </p:txBody>
-      </p:sp>
-    </p:spTree>
-    <p:extLst>
-      <p:ext uri="{BB962C8B-B14F-4D97-AF65-F5344CB8AC3E}">
-        <p14:creationId xmlns:p14="http://schemas.microsoft.com/office/powerpoint/2010/main" val="1410434610"/>
-      </p:ext>
-    </p:extLst>
-  </p:cSld>
-  <p:clrMapOvr>
-    <a:masterClrMapping/>
-  </p:clrMapOvr>
-  <p:timing>
-    <p:tnLst>
-      <p:par>
-        <p:cTn id="1" dur="indefinite" restart="never" nodeType="tmRoot"/>
-      </p:par>
-    </p:tnLst>
-  </p:timing>
-</p:sld>
-</file>
-
-<file path=ppt/slides/slide27.xml><?xml version="1.0" encoding="utf-8"?>
-<p:sld xmlns:a="http://schemas.openxmlformats.org/drawingml/2006/main" xmlns:r="http://schemas.openxmlformats.org/officeDocument/2006/relationships" xmlns:p="http://schemas.openxmlformats.org/presentationml/2006/main">
-  <p:cSld>
-    <p:spTree>
-      <p:nvGrpSpPr>
-        <p:cNvPr id="1" name=""/>
-        <p:cNvGrpSpPr/>
-        <p:nvPr/>
-      </p:nvGrpSpPr>
-      <p:grpSpPr>
-        <a:xfrm>
-          <a:off x="0" y="0"/>
-          <a:ext cx="0" cy="0"/>
-          <a:chOff x="0" y="0"/>
-          <a:chExt cx="0" cy="0"/>
-        </a:xfrm>
-      </p:grpSpPr>
-      <p:sp>
-        <p:nvSpPr>
-          <p:cNvPr id="2" name="Title 1"/>
-          <p:cNvSpPr>
-            <a:spLocks noGrp="1"/>
-          </p:cNvSpPr>
-          <p:nvPr>
-            <p:ph type="title"/>
-          </p:nvPr>
-        </p:nvSpPr>
-        <p:spPr/>
-        <p:txBody>
-          <a:bodyPr/>
-          <a:lstStyle/>
-          <a:p>
-            <a:r>
-              <a:rPr lang="en-US" sz="2400" dirty="0" smtClean="0"/>
-              <a:t>Adapter Pattern – Duck Typing</a:t>
-            </a:r>
-            <a:endParaRPr lang="en-US" sz="2400" dirty="0"/>
-          </a:p>
-        </p:txBody>
-      </p:sp>
-      <p:sp>
-        <p:nvSpPr>
-          <p:cNvPr id="4" name="TextBox 3"/>
-          <p:cNvSpPr txBox="1"/>
-          <p:nvPr/>
-        </p:nvSpPr>
-        <p:spPr>
-          <a:xfrm>
-            <a:off x="600344" y="2286000"/>
-            <a:ext cx="3066865" cy="830997"/>
-          </a:xfrm>
-          <a:prstGeom prst="rect">
-            <a:avLst/>
-          </a:prstGeom>
-          <a:noFill/>
-        </p:spPr>
-        <p:txBody>
-          <a:bodyPr wrap="none" rtlCol="0">
-            <a:spAutoFit/>
-          </a:bodyPr>
-          <a:lstStyle/>
-          <a:p>
-            <a:r>
-              <a:rPr lang="en-US" sz="1200" dirty="0" smtClean="0">
-                <a:latin typeface="Courier New" panose="02070309020205020404" pitchFamily="49" charset="0"/>
-                <a:cs typeface="Courier New" panose="02070309020205020404" pitchFamily="49" charset="0"/>
-              </a:rPr>
-              <a:t>public interface </a:t>
-            </a:r>
-            <a:r>
-              <a:rPr lang="en-US" sz="1200" dirty="0" err="1" smtClean="0">
-                <a:latin typeface="Courier New" panose="02070309020205020404" pitchFamily="49" charset="0"/>
-                <a:cs typeface="Courier New" panose="02070309020205020404" pitchFamily="49" charset="0"/>
-              </a:rPr>
-              <a:t>IMyInterface</a:t>
-            </a:r>
-            <a:r>
-              <a:rPr lang="en-US" sz="1200" dirty="0" smtClean="0">
-                <a:latin typeface="Courier New" panose="02070309020205020404" pitchFamily="49" charset="0"/>
-                <a:cs typeface="Courier New" panose="02070309020205020404" pitchFamily="49" charset="0"/>
-              </a:rPr>
-              <a:t>()</a:t>
-            </a:r>
-          </a:p>
-          <a:p>
-            <a:r>
-              <a:rPr lang="en-US" sz="1200" dirty="0" smtClean="0">
-                <a:latin typeface="Courier New" panose="02070309020205020404" pitchFamily="49" charset="0"/>
-                <a:cs typeface="Courier New" panose="02070309020205020404" pitchFamily="49" charset="0"/>
-              </a:rPr>
-              <a:t>{</a:t>
-            </a:r>
-          </a:p>
-          <a:p>
-            <a:r>
-              <a:rPr lang="en-US" sz="1200" dirty="0">
-                <a:latin typeface="Courier New" panose="02070309020205020404" pitchFamily="49" charset="0"/>
-                <a:cs typeface="Courier New" panose="02070309020205020404" pitchFamily="49" charset="0"/>
-              </a:rPr>
-              <a:t> </a:t>
-            </a:r>
-            <a:r>
-              <a:rPr lang="en-US" sz="1200" dirty="0" smtClean="0">
-                <a:latin typeface="Courier New" panose="02070309020205020404" pitchFamily="49" charset="0"/>
-                <a:cs typeface="Courier New" panose="02070309020205020404" pitchFamily="49" charset="0"/>
-              </a:rPr>
-              <a:t>   void </a:t>
-            </a:r>
-            <a:r>
-              <a:rPr lang="en-US" sz="1200" dirty="0" err="1" smtClean="0">
-                <a:latin typeface="Courier New" panose="02070309020205020404" pitchFamily="49" charset="0"/>
-                <a:cs typeface="Courier New" panose="02070309020205020404" pitchFamily="49" charset="0"/>
-              </a:rPr>
-              <a:t>MyFunction</a:t>
-            </a:r>
-            <a:r>
-              <a:rPr lang="en-US" sz="1200" dirty="0" smtClean="0">
-                <a:latin typeface="Courier New" panose="02070309020205020404" pitchFamily="49" charset="0"/>
-                <a:cs typeface="Courier New" panose="02070309020205020404" pitchFamily="49" charset="0"/>
-              </a:rPr>
-              <a:t>();</a:t>
-            </a:r>
-          </a:p>
-          <a:p>
-            <a:r>
-              <a:rPr lang="en-US" sz="1200" dirty="0" smtClean="0">
-                <a:latin typeface="Courier New" panose="02070309020205020404" pitchFamily="49" charset="0"/>
-                <a:cs typeface="Courier New" panose="02070309020205020404" pitchFamily="49" charset="0"/>
-              </a:rPr>
-              <a:t>}</a:t>
-            </a:r>
-          </a:p>
-        </p:txBody>
-      </p:sp>
-      <p:sp>
-        <p:nvSpPr>
-          <p:cNvPr id="6" name="Content Placeholder 2"/>
-          <p:cNvSpPr>
-            <a:spLocks noGrp="1"/>
-          </p:cNvSpPr>
-          <p:nvPr>
-            <p:ph idx="1"/>
-          </p:nvPr>
-        </p:nvSpPr>
-        <p:spPr>
-          <a:xfrm>
-            <a:off x="1447800" y="1490911"/>
-            <a:ext cx="1143000" cy="457200"/>
-          </a:xfrm>
-        </p:spPr>
-        <p:txBody>
-          <a:bodyPr/>
-          <a:lstStyle/>
-          <a:p>
-            <a:pPr marL="0" indent="0" algn="ctr">
-              <a:buNone/>
-            </a:pPr>
-            <a:r>
-              <a:rPr lang="en-US" dirty="0" smtClean="0"/>
-              <a:t>C#</a:t>
-            </a:r>
-            <a:endParaRPr lang="en-US" dirty="0"/>
-          </a:p>
-        </p:txBody>
-      </p:sp>
-      <p:sp>
-        <p:nvSpPr>
-          <p:cNvPr id="7" name="Content Placeholder 2"/>
-          <p:cNvSpPr txBox="1">
-            <a:spLocks/>
-          </p:cNvSpPr>
-          <p:nvPr/>
-        </p:nvSpPr>
-        <p:spPr bwMode="auto">
-          <a:xfrm>
-            <a:off x="5337296" y="1414711"/>
-            <a:ext cx="2209800" cy="457200"/>
-          </a:xfrm>
-          <a:prstGeom prst="rect">
-            <a:avLst/>
-          </a:prstGeom>
-          <a:noFill/>
-          <a:ln>
-            <a:noFill/>
-          </a:ln>
-          <a:extLst>
-            <a:ext uri="{909E8E84-426E-40DD-AFC4-6F175D3DCCD1}">
-              <a14:hiddenFill xmlns:a14="http://schemas.microsoft.com/office/drawing/2010/main">
-                <a:solidFill>
-                  <a:srgbClr val="FFFFFF"/>
-                </a:solidFill>
-              </a14:hiddenFill>
-            </a:ext>
-            <a:ext uri="{91240B29-F687-4F45-9708-019B960494DF}">
-              <a14:hiddenLine xmlns:a14="http://schemas.microsoft.com/office/drawing/2010/main" w="9525">
-                <a:solidFill>
-                  <a:srgbClr val="000000"/>
-                </a:solidFill>
-                <a:miter lim="800000"/>
-                <a:headEnd/>
-                <a:tailEnd/>
-              </a14:hiddenLine>
-            </a:ext>
-          </a:extLst>
-        </p:spPr>
-        <p:txBody>
-          <a:bodyPr vert="horz" wrap="square" lIns="91440" tIns="45720" rIns="91440" bIns="45720" numCol="1" anchor="t" anchorCtr="0" compatLnSpc="1">
-            <a:prstTxWarp prst="textNoShape">
-              <a:avLst/>
-            </a:prstTxWarp>
-          </a:bodyPr>
-          <a:lstStyle>
-            <a:lvl1pPr marL="190500" indent="-190500" algn="l" rtl="0" eaLnBrk="0" fontAlgn="base" hangingPunct="0">
-              <a:spcBef>
-                <a:spcPct val="20000"/>
-              </a:spcBef>
-              <a:spcAft>
-                <a:spcPct val="0"/>
-              </a:spcAft>
-              <a:buSzPct val="80000"/>
-              <a:buFont typeface="Wingdings" pitchFamily="2" charset="2"/>
-              <a:buChar char="§"/>
-              <a:defRPr sz="2000">
-                <a:solidFill>
-                  <a:srgbClr val="32496A"/>
-                </a:solidFill>
-                <a:latin typeface="+mn-lt"/>
-                <a:ea typeface="+mn-ea"/>
-                <a:cs typeface="+mn-cs"/>
-              </a:defRPr>
-            </a:lvl1pPr>
-            <a:lvl2pPr marL="571500" indent="-190500" algn="l" rtl="0" eaLnBrk="0" fontAlgn="base" hangingPunct="0">
-              <a:spcBef>
-                <a:spcPct val="20000"/>
-              </a:spcBef>
-              <a:spcAft>
-                <a:spcPct val="0"/>
-              </a:spcAft>
-              <a:buClr>
-                <a:srgbClr val="32496A"/>
-              </a:buClr>
-              <a:buSzPct val="80000"/>
-              <a:buFont typeface="Arial" charset="0"/>
-              <a:buChar char="-"/>
-              <a:defRPr sz="2800">
-                <a:solidFill>
-                  <a:srgbClr val="32496A"/>
-                </a:solidFill>
-                <a:latin typeface="+mn-lt"/>
-              </a:defRPr>
-            </a:lvl2pPr>
-            <a:lvl3pPr marL="952500" indent="-190500" algn="l" rtl="0" eaLnBrk="0" fontAlgn="base" hangingPunct="0">
-              <a:spcBef>
-                <a:spcPct val="20000"/>
-              </a:spcBef>
-              <a:spcAft>
-                <a:spcPct val="0"/>
-              </a:spcAft>
-              <a:buClr>
-                <a:srgbClr val="32496A"/>
-              </a:buClr>
-              <a:buSzPct val="70000"/>
-              <a:buFont typeface="Wingdings" pitchFamily="2" charset="2"/>
-              <a:buChar char="à"/>
-              <a:defRPr sz="1400">
-                <a:solidFill>
-                  <a:srgbClr val="32496A"/>
-                </a:solidFill>
-                <a:latin typeface="+mn-lt"/>
-              </a:defRPr>
-            </a:lvl3pPr>
-            <a:lvl4pPr marL="1333500" indent="-190500" algn="l" rtl="0" eaLnBrk="0" fontAlgn="base" hangingPunct="0">
-              <a:spcBef>
-                <a:spcPct val="20000"/>
-              </a:spcBef>
-              <a:spcAft>
-                <a:spcPct val="0"/>
-              </a:spcAft>
-              <a:buSzPct val="80000"/>
-              <a:buFont typeface="Wingdings" pitchFamily="2" charset="2"/>
-              <a:buChar char="§"/>
-              <a:defRPr sz="1400">
-                <a:solidFill>
-                  <a:srgbClr val="32496A"/>
-                </a:solidFill>
-                <a:latin typeface="+mn-lt"/>
-              </a:defRPr>
-            </a:lvl4pPr>
-            <a:lvl5pPr marL="1714500" indent="-190500" algn="l" rtl="0" eaLnBrk="0" fontAlgn="base" hangingPunct="0">
-              <a:spcBef>
-                <a:spcPct val="20000"/>
-              </a:spcBef>
-              <a:spcAft>
-                <a:spcPct val="0"/>
-              </a:spcAft>
-              <a:buChar char="»"/>
-              <a:defRPr sz="2000">
-                <a:solidFill>
-                  <a:schemeClr val="tx1"/>
-                </a:solidFill>
-                <a:latin typeface="+mn-lt"/>
-              </a:defRPr>
-            </a:lvl5pPr>
-            <a:lvl6pPr marL="2171700" indent="-190500" algn="l" rtl="0" fontAlgn="base">
-              <a:spcBef>
-                <a:spcPct val="20000"/>
-              </a:spcBef>
-              <a:spcAft>
-                <a:spcPct val="0"/>
-              </a:spcAft>
-              <a:buChar char="»"/>
-              <a:defRPr sz="2000">
-                <a:solidFill>
-                  <a:schemeClr val="tx1"/>
-                </a:solidFill>
-                <a:latin typeface="+mn-lt"/>
-              </a:defRPr>
-            </a:lvl6pPr>
-            <a:lvl7pPr marL="2628900" indent="-190500" algn="l" rtl="0" fontAlgn="base">
-              <a:spcBef>
-                <a:spcPct val="20000"/>
-              </a:spcBef>
-              <a:spcAft>
-                <a:spcPct val="0"/>
-              </a:spcAft>
-              <a:buChar char="»"/>
-              <a:defRPr sz="2000">
-                <a:solidFill>
-                  <a:schemeClr val="tx1"/>
-                </a:solidFill>
-                <a:latin typeface="+mn-lt"/>
-              </a:defRPr>
-            </a:lvl7pPr>
-            <a:lvl8pPr marL="3086100" indent="-190500" algn="l" rtl="0" fontAlgn="base">
-              <a:spcBef>
-                <a:spcPct val="20000"/>
-              </a:spcBef>
-              <a:spcAft>
-                <a:spcPct val="0"/>
-              </a:spcAft>
-              <a:buChar char="»"/>
-              <a:defRPr sz="2000">
-                <a:solidFill>
-                  <a:schemeClr val="tx1"/>
-                </a:solidFill>
-                <a:latin typeface="+mn-lt"/>
-              </a:defRPr>
-            </a:lvl8pPr>
-            <a:lvl9pPr marL="3543300" indent="-190500" algn="l" rtl="0" fontAlgn="base">
-              <a:spcBef>
-                <a:spcPct val="20000"/>
-              </a:spcBef>
-              <a:spcAft>
-                <a:spcPct val="0"/>
-              </a:spcAft>
-              <a:buChar char="»"/>
-              <a:defRPr sz="2000">
-                <a:solidFill>
-                  <a:schemeClr val="tx1"/>
-                </a:solidFill>
-                <a:latin typeface="+mn-lt"/>
-              </a:defRPr>
-            </a:lvl9pPr>
-          </a:lstStyle>
-          <a:p>
-            <a:pPr marL="0" indent="0" algn="ctr">
-              <a:buFont typeface="Wingdings" pitchFamily="2" charset="2"/>
-              <a:buNone/>
-            </a:pPr>
-            <a:r>
-              <a:rPr lang="en-US" kern="0" dirty="0" smtClean="0"/>
-              <a:t>JavaScript</a:t>
-            </a:r>
-            <a:endParaRPr lang="en-US" kern="0" dirty="0"/>
-          </a:p>
-        </p:txBody>
-      </p:sp>
-      <p:sp>
-        <p:nvSpPr>
-          <p:cNvPr id="8" name="TextBox 7"/>
-          <p:cNvSpPr txBox="1"/>
-          <p:nvPr/>
-        </p:nvSpPr>
-        <p:spPr>
-          <a:xfrm>
-            <a:off x="4257944" y="3688784"/>
-            <a:ext cx="4368504" cy="646331"/>
-          </a:xfrm>
-          <a:prstGeom prst="rect">
-            <a:avLst/>
-          </a:prstGeom>
-          <a:noFill/>
-        </p:spPr>
-        <p:txBody>
-          <a:bodyPr wrap="none" rtlCol="0">
-            <a:spAutoFit/>
-          </a:bodyPr>
-          <a:lstStyle/>
-          <a:p>
-            <a:r>
-              <a:rPr lang="en-US" sz="1200" dirty="0" smtClean="0">
-                <a:latin typeface="Courier New" panose="02070309020205020404" pitchFamily="49" charset="0"/>
-                <a:cs typeface="Courier New" panose="02070309020205020404" pitchFamily="49" charset="0"/>
-              </a:rPr>
-              <a:t>if </a:t>
-            </a:r>
-            <a:r>
-              <a:rPr lang="en-US" sz="1200" dirty="0">
-                <a:latin typeface="Courier New" panose="02070309020205020404" pitchFamily="49" charset="0"/>
-                <a:cs typeface="Courier New" panose="02070309020205020404" pitchFamily="49" charset="0"/>
-              </a:rPr>
-              <a:t>(</a:t>
-            </a:r>
-            <a:r>
-              <a:rPr lang="en-US" sz="1200" dirty="0" err="1">
-                <a:latin typeface="Courier New" panose="02070309020205020404" pitchFamily="49" charset="0"/>
-                <a:cs typeface="Courier New" panose="02070309020205020404" pitchFamily="49" charset="0"/>
-              </a:rPr>
-              <a:t>typeof</a:t>
-            </a:r>
-            <a:r>
-              <a:rPr lang="en-US" sz="1200" dirty="0">
-                <a:latin typeface="Courier New" panose="02070309020205020404" pitchFamily="49" charset="0"/>
-                <a:cs typeface="Courier New" panose="02070309020205020404" pitchFamily="49" charset="0"/>
-              </a:rPr>
-              <a:t> </a:t>
-            </a:r>
-            <a:r>
-              <a:rPr lang="en-US" sz="1200" dirty="0" err="1" smtClean="0">
-                <a:latin typeface="Courier New" panose="02070309020205020404" pitchFamily="49" charset="0"/>
-                <a:cs typeface="Courier New" panose="02070309020205020404" pitchFamily="49" charset="0"/>
-              </a:rPr>
-              <a:t>myObj.myFunction</a:t>
-            </a:r>
-            <a:r>
-              <a:rPr lang="en-US" sz="1200" dirty="0" smtClean="0">
-                <a:latin typeface="Courier New" panose="02070309020205020404" pitchFamily="49" charset="0"/>
-                <a:cs typeface="Courier New" panose="02070309020205020404" pitchFamily="49" charset="0"/>
-              </a:rPr>
-              <a:t> </a:t>
-            </a:r>
-            <a:r>
-              <a:rPr lang="en-US" sz="1200" dirty="0">
-                <a:latin typeface="Courier New" panose="02070309020205020404" pitchFamily="49" charset="0"/>
-                <a:cs typeface="Courier New" panose="02070309020205020404" pitchFamily="49" charset="0"/>
-              </a:rPr>
-              <a:t>=== "function") {</a:t>
-            </a:r>
-          </a:p>
-          <a:p>
-            <a:r>
-              <a:rPr lang="en-US" sz="1200" dirty="0" smtClean="0">
-                <a:latin typeface="Courier New" panose="02070309020205020404" pitchFamily="49" charset="0"/>
-                <a:cs typeface="Courier New" panose="02070309020205020404" pitchFamily="49" charset="0"/>
-              </a:rPr>
-              <a:t>    </a:t>
-            </a:r>
-            <a:r>
-              <a:rPr lang="en-US" sz="1200" dirty="0" err="1" smtClean="0">
-                <a:latin typeface="Courier New" panose="02070309020205020404" pitchFamily="49" charset="0"/>
-                <a:cs typeface="Courier New" panose="02070309020205020404" pitchFamily="49" charset="0"/>
-              </a:rPr>
-              <a:t>myObj.myFunction</a:t>
-            </a:r>
-            <a:r>
-              <a:rPr lang="en-US" sz="1200" dirty="0" smtClean="0">
-                <a:latin typeface="Courier New" panose="02070309020205020404" pitchFamily="49" charset="0"/>
-                <a:cs typeface="Courier New" panose="02070309020205020404" pitchFamily="49" charset="0"/>
-              </a:rPr>
-              <a:t>();</a:t>
-            </a:r>
-          </a:p>
-          <a:p>
-            <a:r>
-              <a:rPr lang="en-US" sz="1200" dirty="0" smtClean="0">
-                <a:latin typeface="Courier New" panose="02070309020205020404" pitchFamily="49" charset="0"/>
-                <a:cs typeface="Courier New" panose="02070309020205020404" pitchFamily="49" charset="0"/>
-              </a:rPr>
-              <a:t>}</a:t>
-            </a:r>
-          </a:p>
-        </p:txBody>
-      </p:sp>
-      <p:sp>
-        <p:nvSpPr>
-          <p:cNvPr id="9" name="TextBox 8"/>
-          <p:cNvSpPr txBox="1"/>
-          <p:nvPr/>
-        </p:nvSpPr>
-        <p:spPr>
-          <a:xfrm>
-            <a:off x="573993" y="3657600"/>
-            <a:ext cx="3159839" cy="1200329"/>
-          </a:xfrm>
-          <a:prstGeom prst="rect">
-            <a:avLst/>
-          </a:prstGeom>
-          <a:noFill/>
-        </p:spPr>
-        <p:txBody>
-          <a:bodyPr wrap="none" rtlCol="0">
-            <a:spAutoFit/>
-          </a:bodyPr>
-          <a:lstStyle/>
-          <a:p>
-            <a:r>
-              <a:rPr lang="en-US" sz="1200" dirty="0" err="1" smtClean="0">
-                <a:latin typeface="Courier New" panose="02070309020205020404" pitchFamily="49" charset="0"/>
-                <a:cs typeface="Courier New" panose="02070309020205020404" pitchFamily="49" charset="0"/>
-              </a:rPr>
-              <a:t>var</a:t>
-            </a:r>
-            <a:r>
-              <a:rPr lang="en-US" sz="1200" dirty="0" smtClean="0">
-                <a:latin typeface="Courier New" panose="02070309020205020404" pitchFamily="49" charset="0"/>
-                <a:cs typeface="Courier New" panose="02070309020205020404" pitchFamily="49" charset="0"/>
-              </a:rPr>
-              <a:t> </a:t>
-            </a:r>
-            <a:r>
-              <a:rPr lang="en-US" sz="1200" dirty="0" err="1" smtClean="0">
-                <a:latin typeface="Courier New" panose="02070309020205020404" pitchFamily="49" charset="0"/>
-                <a:cs typeface="Courier New" panose="02070309020205020404" pitchFamily="49" charset="0"/>
-              </a:rPr>
-              <a:t>myObj</a:t>
-            </a:r>
-            <a:r>
-              <a:rPr lang="en-US" sz="1200" dirty="0" smtClean="0">
-                <a:latin typeface="Courier New" panose="02070309020205020404" pitchFamily="49" charset="0"/>
-                <a:cs typeface="Courier New" panose="02070309020205020404" pitchFamily="49" charset="0"/>
-              </a:rPr>
-              <a:t> = </a:t>
-            </a:r>
-            <a:r>
-              <a:rPr lang="en-US" sz="1200" dirty="0" err="1" smtClean="0">
-                <a:latin typeface="Courier New" panose="02070309020205020404" pitchFamily="49" charset="0"/>
-                <a:cs typeface="Courier New" panose="02070309020205020404" pitchFamily="49" charset="0"/>
-              </a:rPr>
-              <a:t>obj</a:t>
-            </a:r>
-            <a:r>
-              <a:rPr lang="en-US" sz="1200" dirty="0" smtClean="0">
-                <a:latin typeface="Courier New" panose="02070309020205020404" pitchFamily="49" charset="0"/>
-                <a:cs typeface="Courier New" panose="02070309020205020404" pitchFamily="49" charset="0"/>
-              </a:rPr>
-              <a:t> as </a:t>
-            </a:r>
-            <a:r>
-              <a:rPr lang="en-US" sz="1200" dirty="0" err="1" smtClean="0">
-                <a:latin typeface="Courier New" panose="02070309020205020404" pitchFamily="49" charset="0"/>
-                <a:cs typeface="Courier New" panose="02070309020205020404" pitchFamily="49" charset="0"/>
-              </a:rPr>
-              <a:t>IMyInterface</a:t>
-            </a:r>
-            <a:r>
-              <a:rPr lang="en-US" sz="1200" dirty="0" smtClean="0">
-                <a:latin typeface="Courier New" panose="02070309020205020404" pitchFamily="49" charset="0"/>
-                <a:cs typeface="Courier New" panose="02070309020205020404" pitchFamily="49" charset="0"/>
-              </a:rPr>
-              <a:t>;</a:t>
-            </a:r>
-          </a:p>
-          <a:p>
-            <a:endParaRPr lang="en-US" sz="1200" dirty="0" smtClean="0">
-              <a:latin typeface="Courier New" panose="02070309020205020404" pitchFamily="49" charset="0"/>
-              <a:cs typeface="Courier New" panose="02070309020205020404" pitchFamily="49" charset="0"/>
-            </a:endParaRPr>
-          </a:p>
-          <a:p>
-            <a:r>
-              <a:rPr lang="en-US" sz="1200" dirty="0" smtClean="0">
-                <a:latin typeface="Courier New" panose="02070309020205020404" pitchFamily="49" charset="0"/>
-                <a:cs typeface="Courier New" panose="02070309020205020404" pitchFamily="49" charset="0"/>
-              </a:rPr>
-              <a:t>if </a:t>
-            </a:r>
-            <a:r>
-              <a:rPr lang="en-US" sz="1200" dirty="0">
-                <a:latin typeface="Courier New" panose="02070309020205020404" pitchFamily="49" charset="0"/>
-                <a:cs typeface="Courier New" panose="02070309020205020404" pitchFamily="49" charset="0"/>
-              </a:rPr>
-              <a:t>(</a:t>
-            </a:r>
-            <a:r>
-              <a:rPr lang="en-US" sz="1200" dirty="0" err="1" smtClean="0">
-                <a:latin typeface="Courier New" panose="02070309020205020404" pitchFamily="49" charset="0"/>
-                <a:cs typeface="Courier New" panose="02070309020205020404" pitchFamily="49" charset="0"/>
-              </a:rPr>
-              <a:t>myObj</a:t>
-            </a:r>
-            <a:r>
-              <a:rPr lang="en-US" sz="1200" dirty="0" smtClean="0">
-                <a:latin typeface="Courier New" panose="02070309020205020404" pitchFamily="49" charset="0"/>
-                <a:cs typeface="Courier New" panose="02070309020205020404" pitchFamily="49" charset="0"/>
-              </a:rPr>
-              <a:t> != null)</a:t>
-            </a:r>
-            <a:endParaRPr lang="en-US" sz="1200" dirty="0">
-              <a:latin typeface="Courier New" panose="02070309020205020404" pitchFamily="49" charset="0"/>
-              <a:cs typeface="Courier New" panose="02070309020205020404" pitchFamily="49" charset="0"/>
-            </a:endParaRPr>
-          </a:p>
-          <a:p>
-            <a:r>
-              <a:rPr lang="en-US" sz="1200" dirty="0">
-                <a:latin typeface="Courier New" panose="02070309020205020404" pitchFamily="49" charset="0"/>
-                <a:cs typeface="Courier New" panose="02070309020205020404" pitchFamily="49" charset="0"/>
-              </a:rPr>
-              <a:t>{</a:t>
-            </a:r>
-          </a:p>
-          <a:p>
-            <a:r>
-              <a:rPr lang="en-US" sz="1200" dirty="0" smtClean="0">
-                <a:latin typeface="Courier New" panose="02070309020205020404" pitchFamily="49" charset="0"/>
-                <a:cs typeface="Courier New" panose="02070309020205020404" pitchFamily="49" charset="0"/>
-              </a:rPr>
-              <a:t>    </a:t>
-            </a:r>
-            <a:r>
-              <a:rPr lang="en-US" sz="1200" dirty="0" err="1" smtClean="0">
-                <a:latin typeface="Courier New" panose="02070309020205020404" pitchFamily="49" charset="0"/>
-                <a:cs typeface="Courier New" panose="02070309020205020404" pitchFamily="49" charset="0"/>
-              </a:rPr>
-              <a:t>myObj.MyFunction</a:t>
-            </a:r>
-            <a:r>
-              <a:rPr lang="en-US" sz="1200" dirty="0" smtClean="0">
-                <a:latin typeface="Courier New" panose="02070309020205020404" pitchFamily="49" charset="0"/>
-                <a:cs typeface="Courier New" panose="02070309020205020404" pitchFamily="49" charset="0"/>
-              </a:rPr>
-              <a:t>();</a:t>
-            </a:r>
-            <a:endParaRPr lang="en-US" sz="1200" dirty="0">
-              <a:latin typeface="Courier New" panose="02070309020205020404" pitchFamily="49" charset="0"/>
-              <a:cs typeface="Courier New" panose="02070309020205020404" pitchFamily="49" charset="0"/>
-            </a:endParaRPr>
-          </a:p>
-          <a:p>
-            <a:r>
-              <a:rPr lang="en-US" sz="1200" dirty="0" smtClean="0">
-                <a:latin typeface="Courier New" panose="02070309020205020404" pitchFamily="49" charset="0"/>
-                <a:cs typeface="Courier New" panose="02070309020205020404" pitchFamily="49" charset="0"/>
-              </a:rPr>
-              <a:t>}</a:t>
-            </a:r>
-          </a:p>
-        </p:txBody>
-      </p:sp>
-      <p:sp>
-        <p:nvSpPr>
-          <p:cNvPr id="10" name="TextBox 9"/>
-          <p:cNvSpPr txBox="1"/>
-          <p:nvPr/>
-        </p:nvSpPr>
-        <p:spPr>
-          <a:xfrm>
-            <a:off x="4243700" y="2290273"/>
-            <a:ext cx="4382747" cy="276999"/>
-          </a:xfrm>
-          <a:prstGeom prst="rect">
-            <a:avLst/>
-          </a:prstGeom>
-          <a:noFill/>
-        </p:spPr>
-        <p:txBody>
-          <a:bodyPr wrap="square" rtlCol="0">
-            <a:spAutoFit/>
-          </a:bodyPr>
-          <a:lstStyle/>
-          <a:p>
-            <a:pPr algn="ctr"/>
-            <a:r>
-              <a:rPr lang="en-US" sz="1200" dirty="0" smtClean="0">
-                <a:latin typeface="+mn-lt"/>
-                <a:cs typeface="Courier New" panose="02070309020205020404" pitchFamily="49" charset="0"/>
-              </a:rPr>
-              <a:t>We don’t have interfaces</a:t>
-            </a:r>
-          </a:p>
-        </p:txBody>
-      </p:sp>
-      <p:sp>
-        <p:nvSpPr>
-          <p:cNvPr id="11" name="Content Placeholder 2"/>
-          <p:cNvSpPr txBox="1">
-            <a:spLocks/>
-          </p:cNvSpPr>
-          <p:nvPr/>
-        </p:nvSpPr>
-        <p:spPr bwMode="auto">
-          <a:xfrm>
-            <a:off x="600346" y="5410200"/>
-            <a:ext cx="8026102" cy="457200"/>
-          </a:xfrm>
-          <a:prstGeom prst="rect">
-            <a:avLst/>
-          </a:prstGeom>
-          <a:noFill/>
-          <a:ln>
-            <a:noFill/>
-          </a:ln>
-          <a:extLst>
-            <a:ext uri="{909E8E84-426E-40DD-AFC4-6F175D3DCCD1}">
-              <a14:hiddenFill xmlns:a14="http://schemas.microsoft.com/office/drawing/2010/main">
-                <a:solidFill>
-                  <a:srgbClr val="FFFFFF"/>
-                </a:solidFill>
-              </a14:hiddenFill>
-            </a:ext>
-            <a:ext uri="{91240B29-F687-4F45-9708-019B960494DF}">
-              <a14:hiddenLine xmlns:a14="http://schemas.microsoft.com/office/drawing/2010/main" w="9525">
-                <a:solidFill>
-                  <a:srgbClr val="000000"/>
-                </a:solidFill>
-                <a:miter lim="800000"/>
-                <a:headEnd/>
-                <a:tailEnd/>
-              </a14:hiddenLine>
-            </a:ext>
-          </a:extLst>
-        </p:spPr>
-        <p:txBody>
-          <a:bodyPr vert="horz" wrap="square" lIns="91440" tIns="45720" rIns="91440" bIns="45720" numCol="1" anchor="t" anchorCtr="0" compatLnSpc="1">
-            <a:prstTxWarp prst="textNoShape">
-              <a:avLst/>
-            </a:prstTxWarp>
-          </a:bodyPr>
-          <a:lstStyle>
-            <a:lvl1pPr marL="190500" indent="-190500" algn="l" rtl="0" eaLnBrk="0" fontAlgn="base" hangingPunct="0">
-              <a:spcBef>
-                <a:spcPct val="20000"/>
-              </a:spcBef>
-              <a:spcAft>
-                <a:spcPct val="0"/>
-              </a:spcAft>
-              <a:buSzPct val="80000"/>
-              <a:buFont typeface="Wingdings" pitchFamily="2" charset="2"/>
-              <a:buChar char="§"/>
-              <a:defRPr sz="2000">
-                <a:solidFill>
-                  <a:srgbClr val="32496A"/>
-                </a:solidFill>
-                <a:latin typeface="+mn-lt"/>
-                <a:ea typeface="+mn-ea"/>
-                <a:cs typeface="+mn-cs"/>
-              </a:defRPr>
-            </a:lvl1pPr>
-            <a:lvl2pPr marL="571500" indent="-190500" algn="l" rtl="0" eaLnBrk="0" fontAlgn="base" hangingPunct="0">
-              <a:spcBef>
-                <a:spcPct val="20000"/>
-              </a:spcBef>
-              <a:spcAft>
-                <a:spcPct val="0"/>
-              </a:spcAft>
-              <a:buClr>
-                <a:srgbClr val="32496A"/>
-              </a:buClr>
-              <a:buSzPct val="80000"/>
-              <a:buFont typeface="Arial" charset="0"/>
-              <a:buChar char="-"/>
-              <a:defRPr sz="2800">
-                <a:solidFill>
-                  <a:srgbClr val="32496A"/>
-                </a:solidFill>
-                <a:latin typeface="+mn-lt"/>
-              </a:defRPr>
-            </a:lvl2pPr>
-            <a:lvl3pPr marL="952500" indent="-190500" algn="l" rtl="0" eaLnBrk="0" fontAlgn="base" hangingPunct="0">
-              <a:spcBef>
-                <a:spcPct val="20000"/>
-              </a:spcBef>
-              <a:spcAft>
-                <a:spcPct val="0"/>
-              </a:spcAft>
-              <a:buClr>
-                <a:srgbClr val="32496A"/>
-              </a:buClr>
-              <a:buSzPct val="70000"/>
-              <a:buFont typeface="Wingdings" pitchFamily="2" charset="2"/>
-              <a:buChar char="à"/>
-              <a:defRPr sz="1400">
-                <a:solidFill>
-                  <a:srgbClr val="32496A"/>
-                </a:solidFill>
-                <a:latin typeface="+mn-lt"/>
-              </a:defRPr>
-            </a:lvl3pPr>
-            <a:lvl4pPr marL="1333500" indent="-190500" algn="l" rtl="0" eaLnBrk="0" fontAlgn="base" hangingPunct="0">
-              <a:spcBef>
-                <a:spcPct val="20000"/>
-              </a:spcBef>
-              <a:spcAft>
-                <a:spcPct val="0"/>
-              </a:spcAft>
-              <a:buSzPct val="80000"/>
-              <a:buFont typeface="Wingdings" pitchFamily="2" charset="2"/>
-              <a:buChar char="§"/>
-              <a:defRPr sz="1400">
-                <a:solidFill>
-                  <a:srgbClr val="32496A"/>
-                </a:solidFill>
-                <a:latin typeface="+mn-lt"/>
-              </a:defRPr>
-            </a:lvl4pPr>
-            <a:lvl5pPr marL="1714500" indent="-190500" algn="l" rtl="0" eaLnBrk="0" fontAlgn="base" hangingPunct="0">
-              <a:spcBef>
-                <a:spcPct val="20000"/>
-              </a:spcBef>
-              <a:spcAft>
-                <a:spcPct val="0"/>
-              </a:spcAft>
-              <a:buChar char="»"/>
-              <a:defRPr sz="2000">
-                <a:solidFill>
-                  <a:schemeClr val="tx1"/>
-                </a:solidFill>
-                <a:latin typeface="+mn-lt"/>
-              </a:defRPr>
-            </a:lvl5pPr>
-            <a:lvl6pPr marL="2171700" indent="-190500" algn="l" rtl="0" fontAlgn="base">
-              <a:spcBef>
-                <a:spcPct val="20000"/>
-              </a:spcBef>
-              <a:spcAft>
-                <a:spcPct val="0"/>
-              </a:spcAft>
-              <a:buChar char="»"/>
-              <a:defRPr sz="2000">
-                <a:solidFill>
-                  <a:schemeClr val="tx1"/>
-                </a:solidFill>
-                <a:latin typeface="+mn-lt"/>
-              </a:defRPr>
-            </a:lvl6pPr>
-            <a:lvl7pPr marL="2628900" indent="-190500" algn="l" rtl="0" fontAlgn="base">
-              <a:spcBef>
-                <a:spcPct val="20000"/>
-              </a:spcBef>
-              <a:spcAft>
-                <a:spcPct val="0"/>
-              </a:spcAft>
-              <a:buChar char="»"/>
-              <a:defRPr sz="2000">
-                <a:solidFill>
-                  <a:schemeClr val="tx1"/>
-                </a:solidFill>
-                <a:latin typeface="+mn-lt"/>
-              </a:defRPr>
-            </a:lvl7pPr>
-            <a:lvl8pPr marL="3086100" indent="-190500" algn="l" rtl="0" fontAlgn="base">
-              <a:spcBef>
-                <a:spcPct val="20000"/>
-              </a:spcBef>
-              <a:spcAft>
-                <a:spcPct val="0"/>
-              </a:spcAft>
-              <a:buChar char="»"/>
-              <a:defRPr sz="2000">
-                <a:solidFill>
-                  <a:schemeClr val="tx1"/>
-                </a:solidFill>
-                <a:latin typeface="+mn-lt"/>
-              </a:defRPr>
-            </a:lvl8pPr>
-            <a:lvl9pPr marL="3543300" indent="-190500" algn="l" rtl="0" fontAlgn="base">
-              <a:spcBef>
-                <a:spcPct val="20000"/>
-              </a:spcBef>
-              <a:spcAft>
-                <a:spcPct val="0"/>
-              </a:spcAft>
-              <a:buChar char="»"/>
-              <a:defRPr sz="2000">
-                <a:solidFill>
-                  <a:schemeClr val="tx1"/>
-                </a:solidFill>
-                <a:latin typeface="+mn-lt"/>
-              </a:defRPr>
-            </a:lvl9pPr>
-          </a:lstStyle>
-          <a:p>
-            <a:pPr marL="0" indent="0" algn="ctr">
-              <a:buFont typeface="Wingdings" pitchFamily="2" charset="2"/>
-              <a:buNone/>
-            </a:pPr>
-            <a:r>
-              <a:rPr lang="en-US" kern="0" dirty="0" smtClean="0"/>
-              <a:t>“If it walks like a duck and it quacks like a duck then it’s a duck.”</a:t>
-            </a:r>
-            <a:endParaRPr lang="en-US" kern="0" dirty="0"/>
-          </a:p>
-        </p:txBody>
-      </p:sp>
-      <p:sp>
-        <p:nvSpPr>
-          <p:cNvPr id="12" name="TextBox 11"/>
-          <p:cNvSpPr txBox="1"/>
-          <p:nvPr/>
-        </p:nvSpPr>
-        <p:spPr>
-          <a:xfrm>
-            <a:off x="3352800" y="6459379"/>
-            <a:ext cx="2518638" cy="246221"/>
-          </a:xfrm>
-          <a:prstGeom prst="rect">
-            <a:avLst/>
-          </a:prstGeom>
-          <a:solidFill>
-            <a:schemeClr val="bg1"/>
-          </a:solidFill>
-        </p:spPr>
-        <p:txBody>
-          <a:bodyPr wrap="none" rtlCol="0">
-            <a:spAutoFit/>
-          </a:bodyPr>
-          <a:lstStyle/>
-          <a:p>
-            <a:r>
-              <a:rPr lang="en-US" sz="1000" dirty="0" smtClean="0">
-                <a:solidFill>
-                  <a:schemeClr val="bg1">
-                    <a:lumMod val="50000"/>
-                  </a:schemeClr>
-                </a:solidFill>
-              </a:rPr>
-              <a:t>© iQuest </a:t>
-            </a:r>
-            <a:r>
-              <a:rPr lang="en-US" sz="1000" dirty="0" smtClean="0">
-                <a:solidFill>
-                  <a:schemeClr val="bg1">
-                    <a:lumMod val="50000"/>
-                  </a:schemeClr>
-                </a:solidFill>
-              </a:rPr>
-              <a:t>Group 2013. All rights reserved.</a:t>
-            </a:r>
-            <a:endParaRPr lang="en-US" sz="1000" dirty="0" smtClean="0">
-              <a:solidFill>
-                <a:schemeClr val="bg1">
-                  <a:lumMod val="50000"/>
-                </a:schemeClr>
-              </a:solidFill>
-            </a:endParaRPr>
-          </a:p>
-        </p:txBody>
-      </p:sp>
-    </p:spTree>
-    <p:extLst>
-      <p:ext uri="{BB962C8B-B14F-4D97-AF65-F5344CB8AC3E}">
-        <p14:creationId xmlns:p14="http://schemas.microsoft.com/office/powerpoint/2010/main" val="3350290899"/>
-      </p:ext>
-    </p:extLst>
-  </p:cSld>
-  <p:clrMapOvr>
-    <a:masterClrMapping/>
-  </p:clrMapOvr>
-  <p:timing>
-    <p:tnLst>
-      <p:par>
-        <p:cTn id="1" dur="indefinite" restart="never" nodeType="tmRoot">
-          <p:childTnLst>
-            <p:seq concurrent="1" nextAc="seek">
-              <p:cTn id="2" dur="indefinite" nodeType="mainSeq">
-                <p:childTnLst>
-                  <p:par>
-                    <p:cTn id="3" fill="hold">
-                      <p:stCondLst>
-                        <p:cond delay="indefinite"/>
-                      </p:stCondLst>
-                      <p:childTnLst>
-                        <p:par>
-                          <p:cTn id="4" fill="hold">
-                            <p:stCondLst>
-                              <p:cond delay="0"/>
-                            </p:stCondLst>
-                            <p:childTnLst>
-                              <p:par>
-                                <p:cTn id="5" presetID="53" presetClass="entr" presetSubtype="16" fill="hold" grpId="0" nodeType="clickEffect">
-                                  <p:stCondLst>
-                                    <p:cond delay="0"/>
-                                  </p:stCondLst>
-                                  <p:childTnLst>
-                                    <p:set>
-                                      <p:cBhvr>
-                                        <p:cTn id="6" dur="1" fill="hold">
-                                          <p:stCondLst>
-                                            <p:cond delay="0"/>
-                                          </p:stCondLst>
-                                        </p:cTn>
-                                        <p:tgtEl>
-                                          <p:spTgt spid="9"/>
-                                        </p:tgtEl>
-                                        <p:attrNameLst>
-                                          <p:attrName>style.visibility</p:attrName>
-                                        </p:attrNameLst>
-                                      </p:cBhvr>
-                                      <p:to>
-                                        <p:strVal val="visible"/>
-                                      </p:to>
-                                    </p:set>
-                                    <p:anim calcmode="lin" valueType="num">
-                                      <p:cBhvr>
-                                        <p:cTn id="7" dur="500" fill="hold"/>
-                                        <p:tgtEl>
-                                          <p:spTgt spid="9"/>
-                                        </p:tgtEl>
-                                        <p:attrNameLst>
-                                          <p:attrName>ppt_w</p:attrName>
-                                        </p:attrNameLst>
-                                      </p:cBhvr>
-                                      <p:tavLst>
-                                        <p:tav tm="0">
-                                          <p:val>
-                                            <p:fltVal val="0"/>
-                                          </p:val>
-                                        </p:tav>
-                                        <p:tav tm="100000">
-                                          <p:val>
-                                            <p:strVal val="#ppt_w"/>
-                                          </p:val>
-                                        </p:tav>
-                                      </p:tavLst>
-                                    </p:anim>
-                                    <p:anim calcmode="lin" valueType="num">
-                                      <p:cBhvr>
-                                        <p:cTn id="8" dur="500" fill="hold"/>
-                                        <p:tgtEl>
-                                          <p:spTgt spid="9"/>
-                                        </p:tgtEl>
-                                        <p:attrNameLst>
-                                          <p:attrName>ppt_h</p:attrName>
-                                        </p:attrNameLst>
-                                      </p:cBhvr>
-                                      <p:tavLst>
-                                        <p:tav tm="0">
-                                          <p:val>
-                                            <p:fltVal val="0"/>
-                                          </p:val>
-                                        </p:tav>
-                                        <p:tav tm="100000">
-                                          <p:val>
-                                            <p:strVal val="#ppt_h"/>
-                                          </p:val>
-                                        </p:tav>
-                                      </p:tavLst>
-                                    </p:anim>
-                                    <p:animEffect transition="in" filter="fade">
-                                      <p:cBhvr>
-                                        <p:cTn id="9" dur="500"/>
-                                        <p:tgtEl>
-                                          <p:spTgt spid="9"/>
-                                        </p:tgtEl>
-                                      </p:cBhvr>
-                                    </p:animEffect>
-                                  </p:childTnLst>
-                                </p:cTn>
-                              </p:par>
-                            </p:childTnLst>
-                          </p:cTn>
-                        </p:par>
-                      </p:childTnLst>
-                    </p:cTn>
-                  </p:par>
-                  <p:par>
-                    <p:cTn id="10" fill="hold">
-                      <p:stCondLst>
-                        <p:cond delay="indefinite"/>
-                      </p:stCondLst>
-                      <p:childTnLst>
-                        <p:par>
-                          <p:cTn id="11" fill="hold">
-                            <p:stCondLst>
-                              <p:cond delay="0"/>
-                            </p:stCondLst>
-                            <p:childTnLst>
-                              <p:par>
-                                <p:cTn id="12" presetID="53" presetClass="entr" presetSubtype="16" fill="hold" grpId="0" nodeType="clickEffect">
-                                  <p:stCondLst>
-                                    <p:cond delay="0"/>
-                                  </p:stCondLst>
-                                  <p:childTnLst>
-                                    <p:set>
-                                      <p:cBhvr>
-                                        <p:cTn id="13" dur="1" fill="hold">
-                                          <p:stCondLst>
-                                            <p:cond delay="0"/>
-                                          </p:stCondLst>
-                                        </p:cTn>
-                                        <p:tgtEl>
-                                          <p:spTgt spid="8"/>
-                                        </p:tgtEl>
-                                        <p:attrNameLst>
-                                          <p:attrName>style.visibility</p:attrName>
-                                        </p:attrNameLst>
-                                      </p:cBhvr>
-                                      <p:to>
-                                        <p:strVal val="visible"/>
-                                      </p:to>
-                                    </p:set>
-                                    <p:anim calcmode="lin" valueType="num">
-                                      <p:cBhvr>
-                                        <p:cTn id="14" dur="500" fill="hold"/>
-                                        <p:tgtEl>
-                                          <p:spTgt spid="8"/>
-                                        </p:tgtEl>
-                                        <p:attrNameLst>
-                                          <p:attrName>ppt_w</p:attrName>
-                                        </p:attrNameLst>
-                                      </p:cBhvr>
-                                      <p:tavLst>
-                                        <p:tav tm="0">
-                                          <p:val>
-                                            <p:fltVal val="0"/>
-                                          </p:val>
-                                        </p:tav>
-                                        <p:tav tm="100000">
-                                          <p:val>
-                                            <p:strVal val="#ppt_w"/>
-                                          </p:val>
-                                        </p:tav>
-                                      </p:tavLst>
-                                    </p:anim>
-                                    <p:anim calcmode="lin" valueType="num">
-                                      <p:cBhvr>
-                                        <p:cTn id="15" dur="500" fill="hold"/>
-                                        <p:tgtEl>
-                                          <p:spTgt spid="8"/>
-                                        </p:tgtEl>
-                                        <p:attrNameLst>
-                                          <p:attrName>ppt_h</p:attrName>
-                                        </p:attrNameLst>
-                                      </p:cBhvr>
-                                      <p:tavLst>
-                                        <p:tav tm="0">
-                                          <p:val>
-                                            <p:fltVal val="0"/>
-                                          </p:val>
-                                        </p:tav>
-                                        <p:tav tm="100000">
-                                          <p:val>
-                                            <p:strVal val="#ppt_h"/>
-                                          </p:val>
-                                        </p:tav>
-                                      </p:tavLst>
-                                    </p:anim>
-                                    <p:animEffect transition="in" filter="fade">
-                                      <p:cBhvr>
-                                        <p:cTn id="16" dur="500"/>
-                                        <p:tgtEl>
-                                          <p:spTgt spid="8"/>
-                                        </p:tgtEl>
-                                      </p:cBhvr>
-                                    </p:animEffect>
-                                  </p:childTnLst>
-                                </p:cTn>
-                              </p:par>
-                            </p:childTnLst>
-                          </p:cTn>
-                        </p:par>
-                      </p:childTnLst>
-                    </p:cTn>
-                  </p:par>
-                  <p:par>
-                    <p:cTn id="17" fill="hold">
-                      <p:stCondLst>
-                        <p:cond delay="indefinite"/>
-                      </p:stCondLst>
-                      <p:childTnLst>
-                        <p:par>
-                          <p:cTn id="18" fill="hold">
-                            <p:stCondLst>
-                              <p:cond delay="0"/>
-                            </p:stCondLst>
-                            <p:childTnLst>
-                              <p:par>
-                                <p:cTn id="19" presetID="53" presetClass="entr" presetSubtype="16" fill="hold" grpId="0" nodeType="clickEffect">
-                                  <p:stCondLst>
-                                    <p:cond delay="0"/>
-                                  </p:stCondLst>
-                                  <p:childTnLst>
-                                    <p:set>
-                                      <p:cBhvr>
-                                        <p:cTn id="20" dur="1" fill="hold">
-                                          <p:stCondLst>
-                                            <p:cond delay="0"/>
-                                          </p:stCondLst>
-                                        </p:cTn>
-                                        <p:tgtEl>
-                                          <p:spTgt spid="11"/>
-                                        </p:tgtEl>
-                                        <p:attrNameLst>
-                                          <p:attrName>style.visibility</p:attrName>
-                                        </p:attrNameLst>
-                                      </p:cBhvr>
-                                      <p:to>
-                                        <p:strVal val="visible"/>
-                                      </p:to>
-                                    </p:set>
-                                    <p:anim calcmode="lin" valueType="num">
-                                      <p:cBhvr>
-                                        <p:cTn id="21" dur="500" fill="hold"/>
-                                        <p:tgtEl>
-                                          <p:spTgt spid="11"/>
-                                        </p:tgtEl>
-                                        <p:attrNameLst>
-                                          <p:attrName>ppt_w</p:attrName>
-                                        </p:attrNameLst>
-                                      </p:cBhvr>
-                                      <p:tavLst>
-                                        <p:tav tm="0">
-                                          <p:val>
-                                            <p:fltVal val="0"/>
-                                          </p:val>
-                                        </p:tav>
-                                        <p:tav tm="100000">
-                                          <p:val>
-                                            <p:strVal val="#ppt_w"/>
-                                          </p:val>
-                                        </p:tav>
-                                      </p:tavLst>
-                                    </p:anim>
-                                    <p:anim calcmode="lin" valueType="num">
-                                      <p:cBhvr>
-                                        <p:cTn id="22" dur="500" fill="hold"/>
-                                        <p:tgtEl>
-                                          <p:spTgt spid="11"/>
-                                        </p:tgtEl>
-                                        <p:attrNameLst>
-                                          <p:attrName>ppt_h</p:attrName>
-                                        </p:attrNameLst>
-                                      </p:cBhvr>
-                                      <p:tavLst>
-                                        <p:tav tm="0">
-                                          <p:val>
-                                            <p:fltVal val="0"/>
-                                          </p:val>
-                                        </p:tav>
-                                        <p:tav tm="100000">
-                                          <p:val>
-                                            <p:strVal val="#ppt_h"/>
-                                          </p:val>
-                                        </p:tav>
-                                      </p:tavLst>
-                                    </p:anim>
-                                    <p:animEffect transition="in" filter="fade">
-                                      <p:cBhvr>
-                                        <p:cTn id="23" dur="500"/>
-                                        <p:tgtEl>
-                                          <p:spTgt spid="11"/>
-                                        </p:tgtEl>
-                                      </p:cBhvr>
-                                    </p:animEffect>
-                                  </p:childTnLst>
-                                </p:cTn>
-                              </p:par>
-                            </p:childTnLst>
-                          </p:cTn>
-                        </p:par>
-                      </p:childTnLst>
-                    </p:cTn>
-                  </p:par>
-                </p:childTnLst>
-              </p:cTn>
-              <p:prevCondLst>
-                <p:cond evt="onPrev" delay="0">
-                  <p:tgtEl>
-                    <p:sldTgt/>
-                  </p:tgtEl>
-                </p:cond>
-              </p:prevCondLst>
-              <p:nextCondLst>
-                <p:cond evt="onNext" delay="0">
-                  <p:tgtEl>
-                    <p:sldTgt/>
-                  </p:tgtEl>
-                </p:cond>
-              </p:nextCondLst>
-            </p:seq>
-          </p:childTnLst>
-        </p:cTn>
-      </p:par>
-    </p:tnLst>
-    <p:bldLst>
-      <p:bldP spid="8" grpId="0"/>
-      <p:bldP spid="9" grpId="0"/>
-      <p:bldP spid="11" grpId="0"/>
-    </p:bldLst>
-  </p:timing>
-</p:sld>
-</file>
-
-<file path=ppt/slides/slide28.xml><?xml version="1.0" encoding="utf-8"?>
-<p:sld xmlns:a="http://schemas.openxmlformats.org/drawingml/2006/main" xmlns:r="http://schemas.openxmlformats.org/officeDocument/2006/relationships" xmlns:p="http://schemas.openxmlformats.org/presentationml/2006/main">
-  <p:cSld>
-    <p:spTree>
-      <p:nvGrpSpPr>
-        <p:cNvPr id="1" name=""/>
-        <p:cNvGrpSpPr/>
-        <p:nvPr/>
-      </p:nvGrpSpPr>
-      <p:grpSpPr>
-        <a:xfrm>
-          <a:off x="0" y="0"/>
-          <a:ext cx="0" cy="0"/>
-          <a:chOff x="0" y="0"/>
-          <a:chExt cx="0" cy="0"/>
-        </a:xfrm>
-      </p:grpSpPr>
-      <p:sp>
-        <p:nvSpPr>
-          <p:cNvPr id="2" name="Title 1"/>
-          <p:cNvSpPr>
-            <a:spLocks noGrp="1"/>
-          </p:cNvSpPr>
-          <p:nvPr>
-            <p:ph type="title"/>
-          </p:nvPr>
-        </p:nvSpPr>
-        <p:spPr/>
-        <p:txBody>
-          <a:bodyPr/>
-          <a:lstStyle/>
-          <a:p>
-            <a:r>
-              <a:rPr lang="en-US" sz="2400" dirty="0" smtClean="0"/>
-              <a:t>Adapter Pattern</a:t>
-            </a:r>
-            <a:endParaRPr lang="en-US" sz="2400" dirty="0"/>
+              <a:t>© iQuest Group 2013. All rights reserved.</a:t>
+            </a:r>
           </a:p>
         </p:txBody>
       </p:sp>
       <p:pic>
         <p:nvPicPr>
-          <p:cNvPr id="9218" name="Picture 2"/>
+          <p:cNvPr id="4" name="Picture 3"/>
           <p:cNvPicPr>
-            <a:picLocks noChangeAspect="1" noChangeArrowheads="1"/>
+            <a:picLocks noChangeAspect="1"/>
           </p:cNvPicPr>
           <p:nvPr/>
         </p:nvPicPr>
@@ -13529,59 +11617,42 @@
               </a:ext>
             </a:extLst>
           </a:blip>
-          <a:srcRect/>
           <a:stretch>
             <a:fillRect/>
           </a:stretch>
         </p:blipFill>
-        <p:spPr bwMode="auto">
-          <a:xfrm>
-            <a:off x="2743200" y="1905000"/>
-            <a:ext cx="3629025" cy="3333750"/>
+        <p:spPr>
+          <a:xfrm>
+            <a:off x="0" y="-549681"/>
+            <a:ext cx="9144000" cy="8058624"/>
+          </a:xfrm>
+          <a:prstGeom prst="rect">
+            <a:avLst/>
+          </a:prstGeom>
+        </p:spPr>
+      </p:pic>
+      <p:sp>
+        <p:nvSpPr>
+          <p:cNvPr id="3" name="TextBox 2"/>
+          <p:cNvSpPr txBox="1"/>
+          <p:nvPr/>
+        </p:nvSpPr>
+        <p:spPr>
+          <a:xfrm>
+            <a:off x="3433273" y="2971799"/>
+            <a:ext cx="2129109" cy="1015663"/>
           </a:xfrm>
           <a:prstGeom prst="rect">
             <a:avLst/>
           </a:prstGeom>
           <a:noFill/>
-          <a:ln>
-            <a:noFill/>
-          </a:ln>
-          <a:extLst>
-            <a:ext uri="{909E8E84-426E-40DD-AFC4-6F175D3DCCD1}">
-              <a14:hiddenFill xmlns:a14="http://schemas.microsoft.com/office/drawing/2010/main">
-                <a:solidFill>
-                  <a:schemeClr val="accent1"/>
-                </a:solidFill>
-              </a14:hiddenFill>
-            </a:ext>
-            <a:ext uri="{91240B29-F687-4F45-9708-019B960494DF}">
-              <a14:hiddenLine xmlns:a14="http://schemas.microsoft.com/office/drawing/2010/main" w="9525">
-                <a:solidFill>
-                  <a:schemeClr val="tx1"/>
-                </a:solidFill>
-                <a:miter lim="800000"/>
-                <a:headEnd/>
-                <a:tailEnd/>
-              </a14:hiddenLine>
-            </a:ext>
-          </a:extLst>
-        </p:spPr>
-      </p:pic>
-      <p:sp>
-        <p:nvSpPr>
-          <p:cNvPr id="9" name="TextBox 8"/>
-          <p:cNvSpPr txBox="1"/>
-          <p:nvPr/>
-        </p:nvSpPr>
-        <p:spPr>
-          <a:xfrm>
-            <a:off x="7486263" y="5756518"/>
-            <a:ext cx="864339" cy="246221"/>
-          </a:xfrm>
-          <a:prstGeom prst="rect">
-            <a:avLst/>
-          </a:prstGeom>
-          <a:noFill/>
+          <a:effectLst>
+            <a:outerShdw blurRad="50800" dist="38100" dir="2700000" algn="tl" rotWithShape="0">
+              <a:schemeClr val="bg1">
+                <a:alpha val="40000"/>
+              </a:schemeClr>
+            </a:outerShdw>
+          </a:effectLst>
         </p:spPr>
         <p:txBody>
           <a:bodyPr wrap="none" rtlCol="0">
@@ -13589,334 +11660,24 @@
           </a:bodyPr>
           <a:lstStyle/>
           <a:p>
-            <a:pPr algn="r"/>
-            <a:r>
-              <a:rPr lang="ro-RO" sz="1000" dirty="0" smtClean="0">
+            <a:r>
+              <a:rPr lang="en-US" sz="6000" b="1" dirty="0" smtClean="0">
                 <a:solidFill>
                   <a:schemeClr val="bg1">
-                    <a:lumMod val="75000"/>
+                    <a:lumMod val="95000"/>
                   </a:schemeClr>
                 </a:solidFill>
-              </a:rPr>
-              <a:t>[</a:t>
-            </a:r>
-            <a:r>
-              <a:rPr lang="en-US" sz="1000" dirty="0" smtClean="0">
-                <a:solidFill>
-                  <a:schemeClr val="bg1">
-                    <a:lumMod val="75000"/>
-                  </a:schemeClr>
-                </a:solidFill>
-              </a:rPr>
-              <a:t>show code</a:t>
-            </a:r>
-            <a:r>
-              <a:rPr lang="ro-RO" sz="1000" dirty="0" smtClean="0">
-                <a:solidFill>
-                  <a:schemeClr val="bg1">
-                    <a:lumMod val="75000"/>
-                  </a:schemeClr>
-                </a:solidFill>
-              </a:rPr>
-              <a:t>]</a:t>
-            </a:r>
-            <a:endParaRPr lang="en-US" sz="1000" dirty="0">
-              <a:solidFill>
-                <a:schemeClr val="bg1">
-                  <a:lumMod val="75000"/>
-                </a:schemeClr>
-              </a:solidFill>
-            </a:endParaRPr>
-          </a:p>
-        </p:txBody>
-      </p:sp>
-      <p:sp>
-        <p:nvSpPr>
-          <p:cNvPr id="5" name="TextBox 4"/>
-          <p:cNvSpPr txBox="1"/>
-          <p:nvPr/>
-        </p:nvSpPr>
-        <p:spPr>
-          <a:xfrm>
-            <a:off x="3352800" y="6459379"/>
-            <a:ext cx="2518638" cy="246221"/>
-          </a:xfrm>
-          <a:prstGeom prst="rect">
-            <a:avLst/>
-          </a:prstGeom>
-          <a:solidFill>
-            <a:schemeClr val="bg1"/>
-          </a:solidFill>
-        </p:spPr>
-        <p:txBody>
-          <a:bodyPr wrap="none" rtlCol="0">
-            <a:spAutoFit/>
-          </a:bodyPr>
-          <a:lstStyle/>
-          <a:p>
-            <a:r>
-              <a:rPr lang="en-US" sz="1000" dirty="0" smtClean="0">
-                <a:solidFill>
-                  <a:schemeClr val="bg1">
-                    <a:lumMod val="50000"/>
-                  </a:schemeClr>
-                </a:solidFill>
-              </a:rPr>
-              <a:t>© iQuest </a:t>
-            </a:r>
-            <a:r>
-              <a:rPr lang="en-US" sz="1000" dirty="0" smtClean="0">
-                <a:solidFill>
-                  <a:schemeClr val="bg1">
-                    <a:lumMod val="50000"/>
-                  </a:schemeClr>
-                </a:solidFill>
-              </a:rPr>
-              <a:t>Group 2013. All rights reserved.</a:t>
-            </a:r>
-            <a:endParaRPr lang="en-US" sz="1000" dirty="0" smtClean="0">
-              <a:solidFill>
-                <a:schemeClr val="bg1">
-                  <a:lumMod val="50000"/>
-                </a:schemeClr>
-              </a:solidFill>
-            </a:endParaRPr>
+                <a:latin typeface="Blackadder ITC" panose="04020505051007020D02" pitchFamily="82" charset="0"/>
+              </a:rPr>
+              <a:t>The end</a:t>
+            </a:r>
           </a:p>
         </p:txBody>
       </p:sp>
     </p:spTree>
     <p:extLst>
       <p:ext uri="{BB962C8B-B14F-4D97-AF65-F5344CB8AC3E}">
-        <p14:creationId xmlns:p14="http://schemas.microsoft.com/office/powerpoint/2010/main" val="1408603848"/>
-      </p:ext>
-    </p:extLst>
-  </p:cSld>
-  <p:clrMapOvr>
-    <a:masterClrMapping/>
-  </p:clrMapOvr>
-  <p:timing>
-    <p:tnLst>
-      <p:par>
-        <p:cTn id="1" dur="indefinite" restart="never" nodeType="tmRoot"/>
-      </p:par>
-    </p:tnLst>
-  </p:timing>
-</p:sld>
-</file>
-
-<file path=ppt/slides/slide29.xml><?xml version="1.0" encoding="utf-8"?>
-<p:sld xmlns:a="http://schemas.openxmlformats.org/drawingml/2006/main" xmlns:r="http://schemas.openxmlformats.org/officeDocument/2006/relationships" xmlns:p="http://schemas.openxmlformats.org/presentationml/2006/main">
-  <p:cSld>
-    <p:spTree>
-      <p:nvGrpSpPr>
-        <p:cNvPr id="1" name=""/>
-        <p:cNvGrpSpPr/>
-        <p:nvPr/>
-      </p:nvGrpSpPr>
-      <p:grpSpPr>
-        <a:xfrm>
-          <a:off x="0" y="0"/>
-          <a:ext cx="0" cy="0"/>
-          <a:chOff x="0" y="0"/>
-          <a:chExt cx="0" cy="0"/>
-        </a:xfrm>
-      </p:grpSpPr>
-      <p:sp>
-        <p:nvSpPr>
-          <p:cNvPr id="2" name="Title 1"/>
-          <p:cNvSpPr>
-            <a:spLocks noGrp="1"/>
-          </p:cNvSpPr>
-          <p:nvPr>
-            <p:ph type="title"/>
-          </p:nvPr>
-        </p:nvSpPr>
-        <p:spPr/>
-        <p:txBody>
-          <a:bodyPr/>
-          <a:lstStyle/>
-          <a:p>
-            <a:r>
-              <a:rPr lang="en-US" sz="2400" dirty="0" smtClean="0"/>
-              <a:t>Links</a:t>
-            </a:r>
-            <a:endParaRPr lang="en-US" sz="2400" dirty="0"/>
-          </a:p>
-        </p:txBody>
-      </p:sp>
-      <p:sp>
-        <p:nvSpPr>
-          <p:cNvPr id="3" name="TextBox 2"/>
-          <p:cNvSpPr txBox="1"/>
-          <p:nvPr/>
-        </p:nvSpPr>
-        <p:spPr>
-          <a:xfrm>
-            <a:off x="2514600" y="2057400"/>
-            <a:ext cx="4275529" cy="2585323"/>
-          </a:xfrm>
-          <a:prstGeom prst="rect">
-            <a:avLst/>
-          </a:prstGeom>
-          <a:noFill/>
-        </p:spPr>
-        <p:txBody>
-          <a:bodyPr wrap="none" rtlCol="0">
-            <a:spAutoFit/>
-          </a:bodyPr>
-          <a:lstStyle/>
-          <a:p>
-            <a:r>
-              <a:rPr lang="en-US" dirty="0" smtClean="0"/>
-              <a:t>Wikipedia Biorhythm page:</a:t>
-            </a:r>
-          </a:p>
-          <a:p>
-            <a:r>
-              <a:rPr lang="en-US" dirty="0" smtClean="0">
-                <a:hlinkClick r:id="rId2"/>
-              </a:rPr>
-              <a:t>http</a:t>
-            </a:r>
-            <a:r>
-              <a:rPr lang="en-US" dirty="0">
-                <a:hlinkClick r:id="rId2"/>
-              </a:rPr>
-              <a:t>://</a:t>
-            </a:r>
-            <a:r>
-              <a:rPr lang="en-US" dirty="0" smtClean="0">
-                <a:hlinkClick r:id="rId2"/>
-              </a:rPr>
-              <a:t>en.wikipedia.org/wiki/Biorhythm</a:t>
-            </a:r>
-            <a:endParaRPr lang="en-US" dirty="0" smtClean="0"/>
-          </a:p>
-          <a:p>
-            <a:endParaRPr lang="en-US" dirty="0" smtClean="0"/>
-          </a:p>
-          <a:p>
-            <a:endParaRPr lang="en-US" dirty="0"/>
-          </a:p>
-          <a:p>
-            <a:endParaRPr lang="en-US" dirty="0"/>
-          </a:p>
-          <a:p>
-            <a:r>
-              <a:rPr lang="en-US" dirty="0" err="1" smtClean="0"/>
-              <a:t>BioCalc</a:t>
-            </a:r>
-            <a:r>
-              <a:rPr lang="en-US" dirty="0" smtClean="0"/>
-              <a:t> </a:t>
-            </a:r>
-            <a:r>
-              <a:rPr lang="en-US" dirty="0" err="1" smtClean="0"/>
-              <a:t>Github</a:t>
-            </a:r>
-            <a:r>
-              <a:rPr lang="en-US" dirty="0" smtClean="0"/>
-              <a:t> page:</a:t>
-            </a:r>
-          </a:p>
-          <a:p>
-            <a:r>
-              <a:rPr lang="en-US" dirty="0">
-                <a:hlinkClick r:id="rId3"/>
-              </a:rPr>
-              <a:t>https://</a:t>
-            </a:r>
-            <a:r>
-              <a:rPr lang="en-US" dirty="0" smtClean="0">
-                <a:hlinkClick r:id="rId3"/>
-              </a:rPr>
-              <a:t>github.com/lastunicorn/BioCalcJs</a:t>
-            </a:r>
-            <a:endParaRPr lang="en-US" dirty="0" smtClean="0"/>
-          </a:p>
-          <a:p>
-            <a:r>
-              <a:rPr lang="en-US" dirty="0" smtClean="0"/>
-              <a:t>or</a:t>
-            </a:r>
-          </a:p>
-          <a:p>
-            <a:r>
-              <a:rPr lang="en-US" dirty="0" smtClean="0">
-                <a:hlinkClick r:id="rId4"/>
-              </a:rPr>
-              <a:t>http://github.com</a:t>
-            </a:r>
-            <a:r>
-              <a:rPr lang="en-US" dirty="0" smtClean="0"/>
-              <a:t> -&gt; search for </a:t>
-            </a:r>
-            <a:r>
-              <a:rPr lang="en-US" dirty="0" err="1" smtClean="0"/>
-              <a:t>BioCalc</a:t>
-            </a:r>
-            <a:endParaRPr lang="en-US" dirty="0" smtClean="0"/>
-          </a:p>
-        </p:txBody>
-      </p:sp>
-      <p:sp>
-        <p:nvSpPr>
-          <p:cNvPr id="4" name="TextBox 3"/>
-          <p:cNvSpPr txBox="1"/>
-          <p:nvPr/>
-        </p:nvSpPr>
-        <p:spPr>
-          <a:xfrm>
-            <a:off x="3352800" y="6459379"/>
-            <a:ext cx="2518638" cy="246221"/>
-          </a:xfrm>
-          <a:prstGeom prst="rect">
-            <a:avLst/>
-          </a:prstGeom>
-          <a:solidFill>
-            <a:schemeClr val="bg1"/>
-          </a:solidFill>
-        </p:spPr>
-        <p:txBody>
-          <a:bodyPr wrap="none" rtlCol="0">
-            <a:spAutoFit/>
-          </a:bodyPr>
-          <a:lstStyle/>
-          <a:p>
-            <a:r>
-              <a:rPr lang="en-US" sz="1000" dirty="0" smtClean="0">
-                <a:solidFill>
-                  <a:schemeClr val="bg1">
-                    <a:lumMod val="50000"/>
-                  </a:schemeClr>
-                </a:solidFill>
-              </a:rPr>
-              <a:t>© iQuest </a:t>
-            </a:r>
-            <a:r>
-              <a:rPr lang="en-US" sz="1000" dirty="0" smtClean="0">
-                <a:solidFill>
-                  <a:schemeClr val="bg1">
-                    <a:lumMod val="50000"/>
-                  </a:schemeClr>
-                </a:solidFill>
-              </a:rPr>
-              <a:t>Group 2013. All rights reserved.</a:t>
-            </a:r>
-            <a:endParaRPr lang="en-US" sz="1000" dirty="0" smtClean="0">
-              <a:solidFill>
-                <a:schemeClr val="bg1">
-                  <a:lumMod val="50000"/>
-                </a:schemeClr>
-              </a:solidFill>
-            </a:endParaRPr>
-          </a:p>
-        </p:txBody>
-      </p:sp>
-    </p:spTree>
-    <p:extLst>
-      <p:ext uri="{BB962C8B-B14F-4D97-AF65-F5344CB8AC3E}">
-        <p14:creationId xmlns:p14="http://schemas.microsoft.com/office/powerpoint/2010/main" val="475278987"/>
+        <p14:creationId xmlns:p14="http://schemas.microsoft.com/office/powerpoint/2010/main" val="3873180793"/>
       </p:ext>
     </p:extLst>
   </p:cSld>
@@ -14441,25 +12202,8 @@
                   </a:schemeClr>
                 </a:solidFill>
               </a:rPr>
-              <a:t>© iQuest </a:t>
-            </a:r>
-            <a:r>
-              <a:rPr lang="en-US" sz="1000" dirty="0" smtClean="0">
-                <a:solidFill>
-                  <a:schemeClr val="bg1">
-                    <a:lumMod val="50000"/>
-                  </a:schemeClr>
-                </a:solidFill>
-              </a:rPr>
-              <a:t>Group 2013. All rights reserved.</a:t>
-            </a:r>
-            <a:endParaRPr lang="en-US" sz="1000" dirty="0" smtClean="0">
-              <a:solidFill>
-                <a:schemeClr val="bg1">
-                  <a:lumMod val="50000"/>
-                </a:schemeClr>
-              </a:solidFill>
-            </a:endParaRPr>
+              <a:t>© iQuest Group 2013. All rights reserved.</a:t>
+            </a:r>
           </a:p>
         </p:txBody>
       </p:sp>
@@ -15063,170 +12807,6 @@
 </p:sld>
 </file>
 
-<file path=ppt/slides/slide30.xml><?xml version="1.0" encoding="utf-8"?>
-<p:sld xmlns:a="http://schemas.openxmlformats.org/drawingml/2006/main" xmlns:r="http://schemas.openxmlformats.org/officeDocument/2006/relationships" xmlns:p="http://schemas.openxmlformats.org/presentationml/2006/main">
-  <p:cSld>
-    <p:spTree>
-      <p:nvGrpSpPr>
-        <p:cNvPr id="1" name=""/>
-        <p:cNvGrpSpPr/>
-        <p:nvPr/>
-      </p:nvGrpSpPr>
-      <p:grpSpPr>
-        <a:xfrm>
-          <a:off x="0" y="0"/>
-          <a:ext cx="0" cy="0"/>
-          <a:chOff x="0" y="0"/>
-          <a:chExt cx="0" cy="0"/>
-        </a:xfrm>
-      </p:grpSpPr>
-      <p:sp>
-        <p:nvSpPr>
-          <p:cNvPr id="5" name="TextBox 4"/>
-          <p:cNvSpPr txBox="1"/>
-          <p:nvPr/>
-        </p:nvSpPr>
-        <p:spPr>
-          <a:xfrm>
-            <a:off x="3352800" y="6459379"/>
-            <a:ext cx="2518638" cy="246221"/>
-          </a:xfrm>
-          <a:prstGeom prst="rect">
-            <a:avLst/>
-          </a:prstGeom>
-          <a:solidFill>
-            <a:schemeClr val="bg1"/>
-          </a:solidFill>
-        </p:spPr>
-        <p:txBody>
-          <a:bodyPr wrap="none" rtlCol="0">
-            <a:spAutoFit/>
-          </a:bodyPr>
-          <a:lstStyle/>
-          <a:p>
-            <a:r>
-              <a:rPr lang="en-US" sz="1000" dirty="0" smtClean="0">
-                <a:solidFill>
-                  <a:schemeClr val="bg1">
-                    <a:lumMod val="50000"/>
-                  </a:schemeClr>
-                </a:solidFill>
-              </a:rPr>
-              <a:t>© iQuest </a:t>
-            </a:r>
-            <a:r>
-              <a:rPr lang="en-US" sz="1000" dirty="0" smtClean="0">
-                <a:solidFill>
-                  <a:schemeClr val="bg1">
-                    <a:lumMod val="50000"/>
-                  </a:schemeClr>
-                </a:solidFill>
-              </a:rPr>
-              <a:t>Group 2013. All rights reserved.</a:t>
-            </a:r>
-            <a:endParaRPr lang="en-US" sz="1000" dirty="0" smtClean="0">
-              <a:solidFill>
-                <a:schemeClr val="bg1">
-                  <a:lumMod val="50000"/>
-                </a:schemeClr>
-              </a:solidFill>
-            </a:endParaRPr>
-          </a:p>
-        </p:txBody>
-      </p:sp>
-      <p:pic>
-        <p:nvPicPr>
-          <p:cNvPr id="4" name="Picture 3"/>
-          <p:cNvPicPr>
-            <a:picLocks noChangeAspect="1"/>
-          </p:cNvPicPr>
-          <p:nvPr/>
-        </p:nvPicPr>
-        <p:blipFill>
-          <a:blip r:embed="rId2">
-            <a:extLst>
-              <a:ext uri="{28A0092B-C50C-407E-A947-70E740481C1C}">
-                <a14:useLocalDpi xmlns:a14="http://schemas.microsoft.com/office/drawing/2010/main" val="0"/>
-              </a:ext>
-            </a:extLst>
-          </a:blip>
-          <a:stretch>
-            <a:fillRect/>
-          </a:stretch>
-        </p:blipFill>
-        <p:spPr>
-          <a:xfrm>
-            <a:off x="0" y="-549681"/>
-            <a:ext cx="9144000" cy="8058624"/>
-          </a:xfrm>
-          <a:prstGeom prst="rect">
-            <a:avLst/>
-          </a:prstGeom>
-        </p:spPr>
-      </p:pic>
-      <p:sp>
-        <p:nvSpPr>
-          <p:cNvPr id="3" name="TextBox 2"/>
-          <p:cNvSpPr txBox="1"/>
-          <p:nvPr/>
-        </p:nvSpPr>
-        <p:spPr>
-          <a:xfrm>
-            <a:off x="3433273" y="2971799"/>
-            <a:ext cx="2129109" cy="1015663"/>
-          </a:xfrm>
-          <a:prstGeom prst="rect">
-            <a:avLst/>
-          </a:prstGeom>
-          <a:noFill/>
-          <a:effectLst>
-            <a:outerShdw blurRad="50800" dist="38100" dir="2700000" algn="tl" rotWithShape="0">
-              <a:schemeClr val="bg1">
-                <a:alpha val="40000"/>
-              </a:schemeClr>
-            </a:outerShdw>
-          </a:effectLst>
-        </p:spPr>
-        <p:txBody>
-          <a:bodyPr wrap="none" rtlCol="0">
-            <a:spAutoFit/>
-          </a:bodyPr>
-          <a:lstStyle/>
-          <a:p>
-            <a:r>
-              <a:rPr lang="en-US" sz="6000" b="1" dirty="0" smtClean="0">
-                <a:solidFill>
-                  <a:schemeClr val="bg1">
-                    <a:lumMod val="95000"/>
-                  </a:schemeClr>
-                </a:solidFill>
-                <a:latin typeface="Blackadder ITC" panose="04020505051007020D02" pitchFamily="82" charset="0"/>
-              </a:rPr>
-              <a:t>The end</a:t>
-            </a:r>
-          </a:p>
-        </p:txBody>
-      </p:sp>
-    </p:spTree>
-    <p:extLst>
-      <p:ext uri="{BB962C8B-B14F-4D97-AF65-F5344CB8AC3E}">
-        <p14:creationId xmlns:p14="http://schemas.microsoft.com/office/powerpoint/2010/main" val="3873180793"/>
-      </p:ext>
-    </p:extLst>
-  </p:cSld>
-  <p:clrMapOvr>
-    <a:masterClrMapping/>
-  </p:clrMapOvr>
-  <p:timing>
-    <p:tnLst>
-      <p:par>
-        <p:cTn id="1" dur="indefinite" restart="never" nodeType="tmRoot"/>
-      </p:par>
-    </p:tnLst>
-  </p:timing>
-</p:sld>
-</file>
-
 <file path=ppt/slides/slide4.xml><?xml version="1.0" encoding="utf-8"?>
 <p:sld xmlns:a="http://schemas.openxmlformats.org/drawingml/2006/main" xmlns:r="http://schemas.openxmlformats.org/officeDocument/2006/relationships" xmlns:p="http://schemas.openxmlformats.org/presentationml/2006/main">
   <p:cSld>
@@ -15308,44 +12888,33 @@
             <a:endParaRPr lang="ro-RO" altLang="en-US" sz="2400" b="1" dirty="0"/>
           </a:p>
           <a:p>
+            <a:endParaRPr lang="en-US" altLang="en-US" sz="2400" dirty="0" smtClean="0"/>
+          </a:p>
+          <a:p>
+            <a:r>
+              <a:rPr lang="en-US" altLang="en-US" sz="2400" dirty="0" smtClean="0"/>
+              <a:t>Function Call</a:t>
+            </a:r>
+          </a:p>
+          <a:p>
+            <a:endParaRPr lang="en-US" altLang="en-US" sz="2400" dirty="0"/>
+          </a:p>
+          <a:p>
+            <a:r>
+              <a:rPr lang="en-US" altLang="en-US" sz="2400" dirty="0" smtClean="0"/>
+              <a:t>Object Creation</a:t>
+            </a:r>
             <a:endParaRPr lang="ro-RO" altLang="en-US" sz="2400" dirty="0" smtClean="0"/>
+          </a:p>
+          <a:p>
+            <a:endParaRPr lang="en-US" altLang="en-US" sz="2400" b="1" dirty="0" smtClean="0"/>
           </a:p>
           <a:p>
             <a:r>
               <a:rPr lang="ro-RO" altLang="en-US" sz="2400" dirty="0" smtClean="0"/>
               <a:t>Inheritance</a:t>
             </a:r>
-            <a:endParaRPr lang="en-US" altLang="en-US" sz="2400" dirty="0" smtClean="0"/>
-          </a:p>
-          <a:p>
-            <a:endParaRPr lang="en-US" altLang="en-US" sz="2400" dirty="0"/>
-          </a:p>
-          <a:p>
-            <a:r>
-              <a:rPr lang="en-US" altLang="en-US" sz="2400" dirty="0"/>
-              <a:t>Public, </a:t>
-            </a:r>
-            <a:r>
-              <a:rPr lang="en-US" altLang="en-US" sz="2400" dirty="0" smtClean="0"/>
-              <a:t>Private</a:t>
-            </a:r>
-            <a:r>
-              <a:rPr lang="en-US" altLang="en-US" sz="2400" dirty="0"/>
-              <a:t>, </a:t>
-            </a:r>
-            <a:r>
-              <a:rPr lang="en-US" altLang="en-US" sz="2400" dirty="0" smtClean="0"/>
-              <a:t>Protected</a:t>
-            </a:r>
-          </a:p>
-          <a:p>
-            <a:endParaRPr lang="en-US" altLang="en-US" sz="2400" dirty="0" smtClean="0"/>
-          </a:p>
-          <a:p>
-            <a:r>
-              <a:rPr lang="ro-RO" altLang="en-US" sz="2400" dirty="0" smtClean="0"/>
-              <a:t>Adapter Pattern</a:t>
-            </a:r>
+            <a:endParaRPr lang="ro-RO" altLang="en-US" sz="1800" dirty="0" smtClean="0"/>
           </a:p>
         </p:txBody>
       </p:sp>
@@ -15381,32 +12950,15 @@
                   </a:schemeClr>
                 </a:solidFill>
               </a:rPr>
-              <a:t>© iQuest </a:t>
-            </a:r>
-            <a:r>
-              <a:rPr lang="en-US" sz="1000" dirty="0" smtClean="0">
-                <a:solidFill>
-                  <a:schemeClr val="bg1">
-                    <a:lumMod val="50000"/>
-                  </a:schemeClr>
-                </a:solidFill>
-              </a:rPr>
-              <a:t>Group 2013. All rights reserved.</a:t>
-            </a:r>
-            <a:endParaRPr lang="en-US" sz="1000" dirty="0" smtClean="0">
-              <a:solidFill>
-                <a:schemeClr val="bg1">
-                  <a:lumMod val="50000"/>
-                </a:schemeClr>
-              </a:solidFill>
-            </a:endParaRPr>
+              <a:t>© iQuest Group 2013. All rights reserved.</a:t>
+            </a:r>
           </a:p>
         </p:txBody>
       </p:sp>
     </p:spTree>
     <p:extLst>
       <p:ext uri="{BB962C8B-B14F-4D97-AF65-F5344CB8AC3E}">
-        <p14:creationId xmlns:p14="http://schemas.microsoft.com/office/powerpoint/2010/main" val="1970594709"/>
+        <p14:creationId xmlns:p14="http://schemas.microsoft.com/office/powerpoint/2010/main" val="4019312994"/>
       </p:ext>
     </p:extLst>
   </p:cSld>
@@ -15596,25 +13148,8 @@
                   </a:schemeClr>
                 </a:solidFill>
               </a:rPr>
-              <a:t>© iQuest </a:t>
-            </a:r>
-            <a:r>
-              <a:rPr lang="en-US" sz="1000" dirty="0" smtClean="0">
-                <a:solidFill>
-                  <a:schemeClr val="bg1">
-                    <a:lumMod val="50000"/>
-                  </a:schemeClr>
-                </a:solidFill>
-              </a:rPr>
-              <a:t>Group 2013. All rights reserved.</a:t>
-            </a:r>
-            <a:endParaRPr lang="en-US" sz="1000" dirty="0" smtClean="0">
-              <a:solidFill>
-                <a:schemeClr val="bg1">
-                  <a:lumMod val="50000"/>
-                </a:schemeClr>
-              </a:solidFill>
-            </a:endParaRPr>
+              <a:t>© iQuest Group 2013. All rights reserved.</a:t>
+            </a:r>
           </a:p>
         </p:txBody>
       </p:sp>
@@ -15780,9 +13315,114 @@
           <a:chExt cx="0" cy="0"/>
         </a:xfrm>
       </p:grpSpPr>
+      <p:sp>
+        <p:nvSpPr>
+          <p:cNvPr id="6146" name="Title 1"/>
+          <p:cNvSpPr>
+            <a:spLocks noGrp="1"/>
+          </p:cNvSpPr>
+          <p:nvPr>
+            <p:ph type="title"/>
+          </p:nvPr>
+        </p:nvSpPr>
+        <p:spPr>
+          <a:xfrm>
+            <a:off x="2286000" y="228600"/>
+            <a:ext cx="6400800" cy="563562"/>
+          </a:xfrm>
+        </p:spPr>
+        <p:txBody>
+          <a:bodyPr/>
+          <a:lstStyle/>
+          <a:p>
+            <a:r>
+              <a:rPr lang="ro-RO" altLang="en-US" sz="2400" dirty="0" smtClean="0"/>
+              <a:t>BioCalc Application</a:t>
+            </a:r>
+            <a:r>
+              <a:rPr lang="en-US" altLang="en-US" sz="2400" dirty="0" smtClean="0"/>
+              <a:t> – </a:t>
+            </a:r>
+            <a:r>
+              <a:rPr lang="en-US" altLang="en-US" sz="2400" dirty="0" err="1" smtClean="0"/>
+              <a:t>BioControls</a:t>
+            </a:r>
+            <a:r>
+              <a:rPr lang="en-US" altLang="en-US" sz="2400" dirty="0" smtClean="0"/>
+              <a:t> Project</a:t>
+            </a:r>
+          </a:p>
+        </p:txBody>
+      </p:sp>
+      <p:sp>
+        <p:nvSpPr>
+          <p:cNvPr id="6" name="Content Placeholder 1"/>
+          <p:cNvSpPr>
+            <a:spLocks noGrp="1"/>
+          </p:cNvSpPr>
+          <p:nvPr>
+            <p:ph idx="1"/>
+          </p:nvPr>
+        </p:nvSpPr>
+        <p:spPr>
+          <a:xfrm>
+            <a:off x="990600" y="1524000"/>
+            <a:ext cx="2895600" cy="533400"/>
+          </a:xfrm>
+        </p:spPr>
+        <p:txBody>
+          <a:bodyPr/>
+          <a:lstStyle/>
+          <a:p>
+            <a:pPr lvl="0"/>
+            <a:r>
+              <a:rPr lang="ro-RO" dirty="0" smtClean="0"/>
+              <a:t>BioControls Project</a:t>
+            </a:r>
+            <a:endParaRPr lang="en-US" dirty="0"/>
+          </a:p>
+        </p:txBody>
+      </p:sp>
+      <p:sp>
+        <p:nvSpPr>
+          <p:cNvPr id="5" name="TextBox 4"/>
+          <p:cNvSpPr txBox="1"/>
+          <p:nvPr/>
+        </p:nvSpPr>
+        <p:spPr>
+          <a:xfrm>
+            <a:off x="3352800" y="6459379"/>
+            <a:ext cx="2518638" cy="246221"/>
+          </a:xfrm>
+          <a:prstGeom prst="rect">
+            <a:avLst/>
+          </a:prstGeom>
+          <a:solidFill>
+            <a:schemeClr val="bg1"/>
+          </a:solidFill>
+        </p:spPr>
+        <p:txBody>
+          <a:bodyPr wrap="none" rtlCol="0">
+            <a:spAutoFit/>
+          </a:bodyPr>
+          <a:lstStyle/>
+          <a:p>
+            <a:r>
+              <a:rPr lang="en-US" sz="1000" dirty="0" smtClean="0">
+                <a:solidFill>
+                  <a:schemeClr val="bg1">
+                    <a:lumMod val="50000"/>
+                  </a:schemeClr>
+                </a:solidFill>
+              </a:rPr>
+              <a:t>© iQuest Group 2013. All rights reserved.</a:t>
+            </a:r>
+          </a:p>
+        </p:txBody>
+      </p:sp>
       <p:pic>
         <p:nvPicPr>
-          <p:cNvPr id="2050" name="Picture 2"/>
+          <p:cNvPr id="1026" name="Picture 2"/>
           <p:cNvPicPr>
             <a:picLocks noChangeAspect="1" noChangeArrowheads="1"/>
           </p:cNvPicPr>
@@ -15803,8 +13443,8 @@
         </p:blipFill>
         <p:spPr bwMode="auto">
           <a:xfrm>
-            <a:off x="2133600" y="1466850"/>
-            <a:ext cx="5829300" cy="4552950"/>
+            <a:off x="1600200" y="2305050"/>
+            <a:ext cx="5829300" cy="3486150"/>
           </a:xfrm>
           <a:prstGeom prst="rect">
             <a:avLst/>
@@ -15834,128 +13474,6 @@
           </a:extLst>
         </p:spPr>
       </p:pic>
-      <p:sp>
-        <p:nvSpPr>
-          <p:cNvPr id="6146" name="Title 1"/>
-          <p:cNvSpPr>
-            <a:spLocks noGrp="1"/>
-          </p:cNvSpPr>
-          <p:nvPr>
-            <p:ph type="title"/>
-          </p:nvPr>
-        </p:nvSpPr>
-        <p:spPr>
-          <a:xfrm>
-            <a:off x="2286000" y="228600"/>
-            <a:ext cx="6400800" cy="563562"/>
-          </a:xfrm>
-        </p:spPr>
-        <p:txBody>
-          <a:bodyPr/>
-          <a:lstStyle/>
-          <a:p>
-            <a:r>
-              <a:rPr lang="ro-RO" altLang="en-US" sz="2400" dirty="0" smtClean="0"/>
-              <a:t>BioCalc Application</a:t>
-            </a:r>
-            <a:r>
-              <a:rPr lang="en-US" altLang="en-US" sz="2400" dirty="0" smtClean="0"/>
-              <a:t> – </a:t>
-            </a:r>
-            <a:r>
-              <a:rPr lang="en-US" altLang="en-US" sz="2400" dirty="0" err="1" smtClean="0"/>
-              <a:t>BioControls</a:t>
-            </a:r>
-            <a:r>
-              <a:rPr lang="en-US" altLang="en-US" sz="2400" dirty="0" smtClean="0"/>
-              <a:t> Project</a:t>
-            </a:r>
-          </a:p>
-        </p:txBody>
-      </p:sp>
-      <p:sp>
-        <p:nvSpPr>
-          <p:cNvPr id="6" name="Content Placeholder 1"/>
-          <p:cNvSpPr>
-            <a:spLocks noGrp="1"/>
-          </p:cNvSpPr>
-          <p:nvPr>
-            <p:ph idx="1"/>
-          </p:nvPr>
-        </p:nvSpPr>
-        <p:spPr>
-          <a:xfrm>
-            <a:off x="914400" y="4114800"/>
-            <a:ext cx="2895600" cy="533400"/>
-          </a:xfrm>
-        </p:spPr>
-        <p:txBody>
-          <a:bodyPr/>
-          <a:lstStyle/>
-          <a:p>
-            <a:pPr lvl="0"/>
-            <a:r>
-              <a:rPr lang="ro-RO" dirty="0" smtClean="0"/>
-              <a:t>BioControls Project</a:t>
-            </a:r>
-            <a:endParaRPr lang="en-US" dirty="0"/>
-          </a:p>
-        </p:txBody>
-      </p:sp>
-      <p:sp>
-        <p:nvSpPr>
-          <p:cNvPr id="5" name="TextBox 4"/>
-          <p:cNvSpPr txBox="1"/>
-          <p:nvPr/>
-        </p:nvSpPr>
-        <p:spPr>
-          <a:xfrm>
-            <a:off x="3352800" y="6459379"/>
-            <a:ext cx="2518638" cy="246221"/>
-          </a:xfrm>
-          <a:prstGeom prst="rect">
-            <a:avLst/>
-          </a:prstGeom>
-          <a:solidFill>
-            <a:schemeClr val="bg1"/>
-          </a:solidFill>
-        </p:spPr>
-        <p:txBody>
-          <a:bodyPr wrap="none" rtlCol="0">
-            <a:spAutoFit/>
-          </a:bodyPr>
-          <a:lstStyle/>
-          <a:p>
-            <a:r>
-              <a:rPr lang="en-US" sz="1000" dirty="0" smtClean="0">
-                <a:solidFill>
-                  <a:schemeClr val="bg1">
-                    <a:lumMod val="50000"/>
-                  </a:schemeClr>
-                </a:solidFill>
-              </a:rPr>
-              <a:t>© iQuest </a:t>
-            </a:r>
-            <a:r>
-              <a:rPr lang="en-US" sz="1000" dirty="0" smtClean="0">
-                <a:solidFill>
-                  <a:schemeClr val="bg1">
-                    <a:lumMod val="50000"/>
-                  </a:schemeClr>
-                </a:solidFill>
-              </a:rPr>
-              <a:t>Group 2013. All rights reserved.</a:t>
-            </a:r>
-            <a:endParaRPr lang="en-US" sz="1000" dirty="0" smtClean="0">
-              <a:solidFill>
-                <a:schemeClr val="bg1">
-                  <a:lumMod val="50000"/>
-                </a:schemeClr>
-              </a:solidFill>
-            </a:endParaRPr>
-          </a:p>
-        </p:txBody>
-      </p:sp>
     </p:spTree>
     <p:extLst>
       <p:ext uri="{BB962C8B-B14F-4D97-AF65-F5344CB8AC3E}">
@@ -16100,7 +13618,7 @@
                                           </p:stCondLst>
                                         </p:cTn>
                                         <p:tgtEl>
-                                          <p:spTgt spid="2050"/>
+                                          <p:spTgt spid="1026"/>
                                         </p:tgtEl>
                                         <p:attrNameLst>
                                           <p:attrName>style.visibility</p:attrName>
@@ -16114,7 +13632,7 @@
                                       <p:cBhvr>
                                         <p:cTn id="12" dur="500" fill="hold"/>
                                         <p:tgtEl>
-                                          <p:spTgt spid="2050"/>
+                                          <p:spTgt spid="1026"/>
                                         </p:tgtEl>
                                         <p:attrNameLst>
                                           <p:attrName>ppt_w</p:attrName>
@@ -16137,7 +13655,7 @@
                                       <p:cBhvr>
                                         <p:cTn id="13" dur="500" fill="hold"/>
                                         <p:tgtEl>
-                                          <p:spTgt spid="2050"/>
+                                          <p:spTgt spid="1026"/>
                                         </p:tgtEl>
                                         <p:attrNameLst>
                                           <p:attrName>ppt_h</p:attrName>
@@ -16160,7 +13678,7 @@
                                       <p:cBhvr>
                                         <p:cTn id="14" dur="500"/>
                                         <p:tgtEl>
-                                          <p:spTgt spid="2050"/>
+                                          <p:spTgt spid="1026"/>
                                         </p:tgtEl>
                                       </p:cBhvr>
                                     </p:animEffect>
@@ -16361,22 +13879,47 @@
                   </a:schemeClr>
                 </a:solidFill>
               </a:rPr>
-              <a:t>© iQuest </a:t>
-            </a:r>
-            <a:r>
-              <a:rPr lang="en-US" sz="1000" dirty="0" smtClean="0">
+              <a:t>© iQuest Group 2013. All rights reserved.</a:t>
+            </a:r>
+          </a:p>
+        </p:txBody>
+      </p:sp>
+      <p:sp>
+        <p:nvSpPr>
+          <p:cNvPr id="7" name="TextBox 6"/>
+          <p:cNvSpPr txBox="1"/>
+          <p:nvPr/>
+        </p:nvSpPr>
+        <p:spPr>
+          <a:xfrm>
+            <a:off x="7696200" y="5879631"/>
+            <a:ext cx="864339" cy="246221"/>
+          </a:xfrm>
+          <a:prstGeom prst="rect">
+            <a:avLst/>
+          </a:prstGeom>
+          <a:noFill/>
+        </p:spPr>
+        <p:txBody>
+          <a:bodyPr wrap="none" rtlCol="0">
+            <a:spAutoFit/>
+          </a:bodyPr>
+          <a:lstStyle/>
+          <a:p>
+            <a:r>
+              <a:rPr lang="ro-RO" sz="1000" dirty="0" smtClean="0">
                 <a:solidFill>
                   <a:schemeClr val="bg1">
-                    <a:lumMod val="50000"/>
+                    <a:lumMod val="75000"/>
                   </a:schemeClr>
                 </a:solidFill>
               </a:rPr>
-              <a:t>Group 2013. All rights reserved.</a:t>
-            </a:r>
-            <a:endParaRPr lang="en-US" sz="1000" dirty="0" smtClean="0">
+              <a:t>[show code]</a:t>
+            </a:r>
+            <a:endParaRPr lang="en-US" sz="1000" dirty="0">
               <a:solidFill>
                 <a:schemeClr val="bg1">
-                  <a:lumMod val="50000"/>
+                  <a:lumMod val="75000"/>
                 </a:schemeClr>
               </a:solidFill>
             </a:endParaRPr>
@@ -16484,45 +14027,33 @@
             <a:endParaRPr lang="ro-RO" altLang="en-US" sz="2400" dirty="0"/>
           </a:p>
           <a:p>
+            <a:endParaRPr lang="en-US" altLang="en-US" sz="2400" dirty="0" smtClean="0"/>
+          </a:p>
+          <a:p>
+            <a:r>
+              <a:rPr lang="en-US" altLang="en-US" sz="2400" b="1" dirty="0" smtClean="0"/>
+              <a:t>Function Call</a:t>
+            </a:r>
+          </a:p>
+          <a:p>
+            <a:endParaRPr lang="en-US" altLang="en-US" sz="2400" dirty="0"/>
+          </a:p>
+          <a:p>
+            <a:r>
+              <a:rPr lang="en-US" altLang="en-US" sz="2400" dirty="0" smtClean="0"/>
+              <a:t>Object Creation</a:t>
+            </a:r>
             <a:endParaRPr lang="ro-RO" altLang="en-US" sz="2400" dirty="0" smtClean="0"/>
           </a:p>
           <a:p>
-            <a:r>
-              <a:rPr lang="ro-RO" altLang="en-US" sz="2400" b="1" dirty="0" smtClean="0"/>
+            <a:endParaRPr lang="en-US" altLang="en-US" sz="2400" b="1" dirty="0" smtClean="0"/>
+          </a:p>
+          <a:p>
+            <a:r>
+              <a:rPr lang="ro-RO" altLang="en-US" sz="2400" dirty="0" smtClean="0"/>
               <a:t>Inheritance</a:t>
             </a:r>
-            <a:endParaRPr lang="en-US" altLang="en-US" sz="2400" b="1" dirty="0" smtClean="0"/>
-          </a:p>
-          <a:p>
-            <a:endParaRPr lang="en-US" altLang="en-US" sz="2400" dirty="0" smtClean="0"/>
-          </a:p>
-          <a:p>
-            <a:r>
-              <a:rPr lang="en-US" altLang="en-US" sz="2400" dirty="0"/>
-              <a:t>Public, </a:t>
-            </a:r>
-            <a:r>
-              <a:rPr lang="en-US" altLang="en-US" sz="2400" dirty="0" smtClean="0"/>
-              <a:t>Private</a:t>
-            </a:r>
-            <a:r>
-              <a:rPr lang="en-US" altLang="en-US" sz="2400" dirty="0"/>
-              <a:t>, </a:t>
-            </a:r>
-            <a:r>
-              <a:rPr lang="en-US" altLang="en-US" sz="2400" dirty="0" smtClean="0"/>
-              <a:t>Protected</a:t>
-            </a:r>
-            <a:endParaRPr lang="en-US" altLang="en-US" sz="2400" dirty="0"/>
-          </a:p>
-          <a:p>
-            <a:endParaRPr lang="en-US" altLang="en-US" sz="2400" dirty="0" smtClean="0"/>
-          </a:p>
-          <a:p>
-            <a:r>
-              <a:rPr lang="ro-RO" altLang="en-US" sz="2400" dirty="0" smtClean="0"/>
-              <a:t>Adapter Pattern</a:t>
-            </a:r>
+            <a:endParaRPr lang="ro-RO" altLang="en-US" sz="1800" dirty="0" smtClean="0"/>
           </a:p>
         </p:txBody>
       </p:sp>
@@ -16558,25 +14089,8 @@
                   </a:schemeClr>
                 </a:solidFill>
               </a:rPr>
-              <a:t>© iQuest </a:t>
-            </a:r>
-            <a:r>
-              <a:rPr lang="en-US" sz="1000" dirty="0" smtClean="0">
-                <a:solidFill>
-                  <a:schemeClr val="bg1">
-                    <a:lumMod val="50000"/>
-                  </a:schemeClr>
-                </a:solidFill>
-              </a:rPr>
-              <a:t>Group 2013. All rights reserved.</a:t>
-            </a:r>
-            <a:endParaRPr lang="en-US" sz="1000" dirty="0" smtClean="0">
-              <a:solidFill>
-                <a:schemeClr val="bg1">
-                  <a:lumMod val="50000"/>
-                </a:schemeClr>
-              </a:solidFill>
-            </a:endParaRPr>
+              <a:t>© iQuest Group 2013. All rights reserved.</a:t>
+            </a:r>
           </a:p>
         </p:txBody>
       </p:sp>
@@ -16638,10 +14152,6 @@
           <a:lstStyle/>
           <a:p>
             <a:r>
-              <a:rPr lang="ro-RO" altLang="en-US" sz="2400" dirty="0" smtClean="0"/>
-              <a:t>Inheritance – </a:t>
-            </a:r>
-            <a:r>
               <a:rPr lang="en-US" altLang="en-US" sz="2400" dirty="0" smtClean="0"/>
               <a:t>Function Call</a:t>
             </a:r>
@@ -17244,25 +14754,8 @@
                   </a:schemeClr>
                 </a:solidFill>
               </a:rPr>
-              <a:t>© iQuest </a:t>
-            </a:r>
-            <a:r>
-              <a:rPr lang="en-US" sz="1000" dirty="0" smtClean="0">
-                <a:solidFill>
-                  <a:schemeClr val="bg1">
-                    <a:lumMod val="50000"/>
-                  </a:schemeClr>
-                </a:solidFill>
-              </a:rPr>
-              <a:t>Group 2013. All rights reserved.</a:t>
-            </a:r>
-            <a:endParaRPr lang="en-US" sz="1000" dirty="0" smtClean="0">
-              <a:solidFill>
-                <a:schemeClr val="bg1">
-                  <a:lumMod val="50000"/>
-                </a:schemeClr>
-              </a:solidFill>
-            </a:endParaRPr>
+              <a:t>© iQuest Group 2013. All rights reserved.</a:t>
+            </a:r>
           </a:p>
         </p:txBody>
       </p:sp>
@@ -18438,25 +15931,6 @@
 </file>
 
 <file path=customXml/item1.xml><?xml version="1.0" encoding="utf-8"?>
-<LongProperties xmlns="http://schemas.microsoft.com/office/2006/metadata/longProperties"/>
-</file>
-
-<file path=customXml/item2.xml><?xml version="1.0" encoding="utf-8"?>
-<?mso-contentType ?>
-<FormTemplates xmlns="http://schemas.microsoft.com/sharepoint/v3/contenttype/forms">
-  <Display>DocumentLibraryForm</Display>
-  <Edit>DocumentLibraryForm</Edit>
-  <New>DocumentLibraryForm</New>
-</FormTemplates>
-</file>
-
-<file path=customXml/item3.xml><?xml version="1.0" encoding="utf-8"?>
-<p:properties xmlns:p="http://schemas.microsoft.com/office/2006/metadata/properties" xmlns:xsi="http://www.w3.org/2001/XMLSchema-instance" xmlns:pc="http://schemas.microsoft.com/office/infopath/2007/PartnerControls">
-  <documentManagement/>
-</p:properties>
-</file>
-
-<file path=customXml/item4.xml><?xml version="1.0" encoding="utf-8"?>
 <ct:contentTypeSchema xmlns:ct="http://schemas.microsoft.com/office/2006/metadata/contentType" xmlns:ma="http://schemas.microsoft.com/office/2006/metadata/properties/metaAttributes" ct:_="" ma:_="" ma:contentTypeName="Document" ma:contentTypeID="0x010100152A3CFC636B004F874CAA4462160261" ma:contentTypeVersion="0" ma:contentTypeDescription="Create a new document." ma:contentTypeScope="" ma:versionID="54724255b6a7e390441e7f802fb831c9">
   <xsd:schema xmlns:xsd="http://www.w3.org/2001/XMLSchema" xmlns:xs="http://www.w3.org/2001/XMLSchema" xmlns:p="http://schemas.microsoft.com/office/2006/metadata/properties" targetNamespace="http://schemas.microsoft.com/office/2006/metadata/properties" ma:root="true" ma:fieldsID="c64490b4aec6201516c3a874156f37b2">
     <xsd:element name="properties">
@@ -18570,38 +16044,26 @@
 </ct:contentTypeSchema>
 </file>
 
-<file path=customXml/itemProps1.xml><?xml version="1.0" encoding="utf-8"?>
-<ds:datastoreItem xmlns:ds="http://schemas.openxmlformats.org/officeDocument/2006/customXml" ds:itemID="{E16A62CF-B99A-493C-8B5C-42B74BCBDFA7}">
-  <ds:schemaRefs>
-    <ds:schemaRef ds:uri="http://schemas.microsoft.com/office/2006/metadata/longProperties"/>
-  </ds:schemaRefs>
-</ds:datastoreItem>
+<file path=customXml/item2.xml><?xml version="1.0" encoding="utf-8"?>
+<LongProperties xmlns="http://schemas.microsoft.com/office/2006/metadata/longProperties"/>
 </file>
 
-<file path=customXml/itemProps2.xml><?xml version="1.0" encoding="utf-8"?>
-<ds:datastoreItem xmlns:ds="http://schemas.openxmlformats.org/officeDocument/2006/customXml" ds:itemID="{DDAAD0C2-8AA2-4903-8770-A9DDE0A43745}">
-  <ds:schemaRefs>
-    <ds:schemaRef ds:uri="http://schemas.microsoft.com/sharepoint/v3/contenttype/forms"/>
-  </ds:schemaRefs>
-</ds:datastoreItem>
+<file path=customXml/item3.xml><?xml version="1.0" encoding="utf-8"?>
+<?mso-contentType ?>
+<FormTemplates xmlns="http://schemas.microsoft.com/sharepoint/v3/contenttype/forms">
+  <Display>DocumentLibraryForm</Display>
+  <Edit>DocumentLibraryForm</Edit>
+  <New>DocumentLibraryForm</New>
+</FormTemplates>
 </file>
 
-<file path=customXml/itemProps3.xml><?xml version="1.0" encoding="utf-8"?>
-<ds:datastoreItem xmlns:ds="http://schemas.openxmlformats.org/officeDocument/2006/customXml" ds:itemID="{D3E1AC4D-42DF-494E-976D-E107797B8048}">
-  <ds:schemaRefs>
-    <ds:schemaRef ds:uri="http://purl.org/dc/elements/1.1/"/>
-    <ds:schemaRef ds:uri="http://purl.org/dc/terms/"/>
-    <ds:schemaRef ds:uri="http://www.w3.org/XML/1998/namespace"/>
-    <ds:schemaRef ds:uri="http://purl.org/dc/dcmitype/"/>
-    <ds:schemaRef ds:uri="http://schemas.microsoft.com/office/2006/documentManagement/types"/>
-    <ds:schemaRef ds:uri="http://schemas.microsoft.com/office/2006/metadata/properties"/>
-    <ds:schemaRef ds:uri="http://schemas.microsoft.com/office/infopath/2007/PartnerControls"/>
-    <ds:schemaRef ds:uri="http://schemas.openxmlformats.org/package/2006/metadata/core-properties"/>
-  </ds:schemaRefs>
-</ds:datastoreItem>
+<file path=customXml/item4.xml><?xml version="1.0" encoding="utf-8"?>
+<p:properties xmlns:p="http://schemas.microsoft.com/office/2006/metadata/properties" xmlns:xsi="http://www.w3.org/2001/XMLSchema-instance" xmlns:pc="http://schemas.microsoft.com/office/infopath/2007/PartnerControls">
+  <documentManagement/>
+</p:properties>
 </file>
 
-<file path=customXml/itemProps4.xml><?xml version="1.0" encoding="utf-8"?>
+<file path=customXml/itemProps1.xml><?xml version="1.0" encoding="utf-8"?>
 <ds:datastoreItem xmlns:ds="http://schemas.openxmlformats.org/officeDocument/2006/customXml" ds:itemID="{13855BF2-3E1B-4048-8F5D-5069A0D184FE}">
   <ds:schemaRefs>
     <ds:schemaRef ds:uri="http://schemas.microsoft.com/office/2006/metadata/contentType"/>
@@ -18615,4 +16077,35 @@
     <ds:schemaRef ds:uri="http://schemas.microsoft.com/office/infopath/2007/PartnerControls"/>
   </ds:schemaRefs>
 </ds:datastoreItem>
+</file>
+
+<file path=customXml/itemProps2.xml><?xml version="1.0" encoding="utf-8"?>
+<ds:datastoreItem xmlns:ds="http://schemas.openxmlformats.org/officeDocument/2006/customXml" ds:itemID="{E16A62CF-B99A-493C-8B5C-42B74BCBDFA7}">
+  <ds:schemaRefs>
+    <ds:schemaRef ds:uri="http://schemas.microsoft.com/office/2006/metadata/longProperties"/>
+  </ds:schemaRefs>
+</ds:datastoreItem>
+</file>
+
+<file path=customXml/itemProps3.xml><?xml version="1.0" encoding="utf-8"?>
+<ds:datastoreItem xmlns:ds="http://schemas.openxmlformats.org/officeDocument/2006/customXml" ds:itemID="{DDAAD0C2-8AA2-4903-8770-A9DDE0A43745}">
+  <ds:schemaRefs>
+    <ds:schemaRef ds:uri="http://schemas.microsoft.com/sharepoint/v3/contenttype/forms"/>
+  </ds:schemaRefs>
+</ds:datastoreItem>
+</file>
+
+<file path=customXml/itemProps4.xml><?xml version="1.0" encoding="utf-8"?>
+<ds:datastoreItem xmlns:ds="http://schemas.openxmlformats.org/officeDocument/2006/customXml" ds:itemID="{D3E1AC4D-42DF-494E-976D-E107797B8048}">
+  <ds:schemaRefs>
+    <ds:schemaRef ds:uri="http://purl.org/dc/elements/1.1/"/>
+    <ds:schemaRef ds:uri="http://purl.org/dc/terms/"/>
+    <ds:schemaRef ds:uri="http://www.w3.org/XML/1998/namespace"/>
+    <ds:schemaRef ds:uri="http://purl.org/dc/dcmitype/"/>
+    <ds:schemaRef ds:uri="http://schemas.microsoft.com/office/2006/documentManagement/types"/>
+    <ds:schemaRef ds:uri="http://schemas.microsoft.com/office/2006/metadata/properties"/>
+    <ds:schemaRef ds:uri="http://schemas.microsoft.com/office/infopath/2007/PartnerControls"/>
+    <ds:schemaRef ds:uri="http://schemas.openxmlformats.org/package/2006/metadata/core-properties"/>
+  </ds:schemaRefs>
+</ds:datastoreItem>
 </file>
--- a/doc/BioCalc Presentation.pptx
+++ b/doc/BioCalc Presentation.pptx
@@ -5,7 +5,7 @@
     <p:sldMasterId id="2147483661" r:id="rId5"/>
   </p:sldMasterIdLst>
   <p:notesMasterIdLst>
-    <p:notesMasterId r:id="rId31"/>
+    <p:notesMasterId r:id="rId32"/>
   </p:notesMasterIdLst>
   <p:sldIdLst>
     <p:sldId id="269" r:id="rId6"/>
@@ -21,18 +21,19 @@
     <p:sldId id="305" r:id="rId16"/>
     <p:sldId id="306" r:id="rId17"/>
     <p:sldId id="303" r:id="rId18"/>
-    <p:sldId id="282" r:id="rId19"/>
-    <p:sldId id="283" r:id="rId20"/>
-    <p:sldId id="284" r:id="rId21"/>
-    <p:sldId id="285" r:id="rId22"/>
-    <p:sldId id="286" r:id="rId23"/>
-    <p:sldId id="287" r:id="rId24"/>
-    <p:sldId id="288" r:id="rId25"/>
-    <p:sldId id="301" r:id="rId26"/>
-    <p:sldId id="289" r:id="rId27"/>
-    <p:sldId id="304" r:id="rId28"/>
-    <p:sldId id="299" r:id="rId29"/>
-    <p:sldId id="300" r:id="rId30"/>
+    <p:sldId id="310" r:id="rId19"/>
+    <p:sldId id="282" r:id="rId20"/>
+    <p:sldId id="283" r:id="rId21"/>
+    <p:sldId id="284" r:id="rId22"/>
+    <p:sldId id="285" r:id="rId23"/>
+    <p:sldId id="286" r:id="rId24"/>
+    <p:sldId id="287" r:id="rId25"/>
+    <p:sldId id="288" r:id="rId26"/>
+    <p:sldId id="301" r:id="rId27"/>
+    <p:sldId id="289" r:id="rId28"/>
+    <p:sldId id="304" r:id="rId29"/>
+    <p:sldId id="299" r:id="rId30"/>
+    <p:sldId id="300" r:id="rId31"/>
   </p:sldIdLst>
   <p:sldSz cx="9144000" cy="6858000" type="screen4x3"/>
   <p:notesSz cx="6858000" cy="9144000"/>
@@ -259,7 +260,7 @@
             <a:fld id="{075D426C-3CEB-476F-A82F-ADFA14719D2A}" type="datetimeFigureOut">
               <a:rPr lang="en-US" altLang="en-US"/>
               <a:pPr/>
-              <a:t>9/22/2013</a:t>
+              <a:t>9/23/2013</a:t>
             </a:fld>
             <a:endParaRPr lang="en-US" altLang="en-US"/>
           </a:p>
@@ -6714,6 +6715,9 @@
                     <p:cTn id="3" fill="hold">
                       <p:stCondLst>
                         <p:cond delay="indefinite"/>
+                        <p:cond evt="onBegin" delay="0">
+                          <p:tn val="2"/>
+                        </p:cond>
                       </p:stCondLst>
                       <p:childTnLst>
                         <p:par>
@@ -6723,7 +6727,7 @@
                             </p:stCondLst>
                             <p:childTnLst>
                               <p:par>
-                                <p:cTn id="5" presetID="53" presetClass="entr" presetSubtype="16" fill="hold" grpId="0" nodeType="clickEffect">
+                                <p:cTn id="5" presetID="53" presetClass="entr" presetSubtype="16" fill="hold" grpId="0" nodeType="withEffect">
                                   <p:stCondLst>
                                     <p:cond delay="0"/>
                                   </p:stCondLst>
@@ -6731,6 +6735,283 @@
                                     <p:set>
                                       <p:cBhvr>
                                         <p:cTn id="6" dur="1" fill="hold">
+                                          <p:stCondLst>
+                                            <p:cond delay="0"/>
+                                          </p:stCondLst>
+                                        </p:cTn>
+                                        <p:tgtEl>
+                                          <p:spTgt spid="8">
+                                            <p:txEl>
+                                              <p:pRg st="0" end="0"/>
+                                            </p:txEl>
+                                          </p:spTgt>
+                                        </p:tgtEl>
+                                        <p:attrNameLst>
+                                          <p:attrName>style.visibility</p:attrName>
+                                        </p:attrNameLst>
+                                      </p:cBhvr>
+                                      <p:to>
+                                        <p:strVal val="visible"/>
+                                      </p:to>
+                                    </p:set>
+                                    <p:anim calcmode="lin" valueType="num">
+                                      <p:cBhvr>
+                                        <p:cTn id="7" dur="500" fill="hold"/>
+                                        <p:tgtEl>
+                                          <p:spTgt spid="8">
+                                            <p:txEl>
+                                              <p:pRg st="0" end="0"/>
+                                            </p:txEl>
+                                          </p:spTgt>
+                                        </p:tgtEl>
+                                        <p:attrNameLst>
+                                          <p:attrName>ppt_w</p:attrName>
+                                        </p:attrNameLst>
+                                      </p:cBhvr>
+                                      <p:tavLst>
+                                        <p:tav tm="0">
+                                          <p:val>
+                                            <p:fltVal val="0"/>
+                                          </p:val>
+                                        </p:tav>
+                                        <p:tav tm="100000">
+                                          <p:val>
+                                            <p:strVal val="#ppt_w"/>
+                                          </p:val>
+                                        </p:tav>
+                                      </p:tavLst>
+                                    </p:anim>
+                                    <p:anim calcmode="lin" valueType="num">
+                                      <p:cBhvr>
+                                        <p:cTn id="8" dur="500" fill="hold"/>
+                                        <p:tgtEl>
+                                          <p:spTgt spid="8">
+                                            <p:txEl>
+                                              <p:pRg st="0" end="0"/>
+                                            </p:txEl>
+                                          </p:spTgt>
+                                        </p:tgtEl>
+                                        <p:attrNameLst>
+                                          <p:attrName>ppt_h</p:attrName>
+                                        </p:attrNameLst>
+                                      </p:cBhvr>
+                                      <p:tavLst>
+                                        <p:tav tm="0">
+                                          <p:val>
+                                            <p:fltVal val="0"/>
+                                          </p:val>
+                                        </p:tav>
+                                        <p:tav tm="100000">
+                                          <p:val>
+                                            <p:strVal val="#ppt_h"/>
+                                          </p:val>
+                                        </p:tav>
+                                      </p:tavLst>
+                                    </p:anim>
+                                    <p:animEffect transition="in" filter="fade">
+                                      <p:cBhvr>
+                                        <p:cTn id="9" dur="500"/>
+                                        <p:tgtEl>
+                                          <p:spTgt spid="8">
+                                            <p:txEl>
+                                              <p:pRg st="0" end="0"/>
+                                            </p:txEl>
+                                          </p:spTgt>
+                                        </p:tgtEl>
+                                      </p:cBhvr>
+                                    </p:animEffect>
+                                  </p:childTnLst>
+                                </p:cTn>
+                              </p:par>
+                              <p:par>
+                                <p:cTn id="10" presetID="53" presetClass="entr" presetSubtype="16" fill="hold" grpId="0" nodeType="withEffect">
+                                  <p:stCondLst>
+                                    <p:cond delay="0"/>
+                                  </p:stCondLst>
+                                  <p:childTnLst>
+                                    <p:set>
+                                      <p:cBhvr>
+                                        <p:cTn id="11" dur="1" fill="hold">
+                                          <p:stCondLst>
+                                            <p:cond delay="0"/>
+                                          </p:stCondLst>
+                                        </p:cTn>
+                                        <p:tgtEl>
+                                          <p:spTgt spid="5"/>
+                                        </p:tgtEl>
+                                        <p:attrNameLst>
+                                          <p:attrName>style.visibility</p:attrName>
+                                        </p:attrNameLst>
+                                      </p:cBhvr>
+                                      <p:to>
+                                        <p:strVal val="visible"/>
+                                      </p:to>
+                                    </p:set>
+                                    <p:anim calcmode="lin" valueType="num">
+                                      <p:cBhvr>
+                                        <p:cTn id="12" dur="500" fill="hold"/>
+                                        <p:tgtEl>
+                                          <p:spTgt spid="5"/>
+                                        </p:tgtEl>
+                                        <p:attrNameLst>
+                                          <p:attrName>ppt_w</p:attrName>
+                                        </p:attrNameLst>
+                                      </p:cBhvr>
+                                      <p:tavLst>
+                                        <p:tav tm="0">
+                                          <p:val>
+                                            <p:fltVal val="0"/>
+                                          </p:val>
+                                        </p:tav>
+                                        <p:tav tm="100000">
+                                          <p:val>
+                                            <p:strVal val="#ppt_w"/>
+                                          </p:val>
+                                        </p:tav>
+                                      </p:tavLst>
+                                    </p:anim>
+                                    <p:anim calcmode="lin" valueType="num">
+                                      <p:cBhvr>
+                                        <p:cTn id="13" dur="500" fill="hold"/>
+                                        <p:tgtEl>
+                                          <p:spTgt spid="5"/>
+                                        </p:tgtEl>
+                                        <p:attrNameLst>
+                                          <p:attrName>ppt_h</p:attrName>
+                                        </p:attrNameLst>
+                                      </p:cBhvr>
+                                      <p:tavLst>
+                                        <p:tav tm="0">
+                                          <p:val>
+                                            <p:fltVal val="0"/>
+                                          </p:val>
+                                        </p:tav>
+                                        <p:tav tm="100000">
+                                          <p:val>
+                                            <p:strVal val="#ppt_h"/>
+                                          </p:val>
+                                        </p:tav>
+                                      </p:tavLst>
+                                    </p:anim>
+                                    <p:animEffect transition="in" filter="fade">
+                                      <p:cBhvr>
+                                        <p:cTn id="14" dur="500"/>
+                                        <p:tgtEl>
+                                          <p:spTgt spid="5"/>
+                                        </p:tgtEl>
+                                      </p:cBhvr>
+                                    </p:animEffect>
+                                  </p:childTnLst>
+                                </p:cTn>
+                              </p:par>
+                            </p:childTnLst>
+                          </p:cTn>
+                        </p:par>
+                      </p:childTnLst>
+                    </p:cTn>
+                  </p:par>
+                  <p:par>
+                    <p:cTn id="15" fill="hold">
+                      <p:stCondLst>
+                        <p:cond delay="indefinite"/>
+                      </p:stCondLst>
+                      <p:childTnLst>
+                        <p:par>
+                          <p:cTn id="16" fill="hold">
+                            <p:stCondLst>
+                              <p:cond delay="0"/>
+                            </p:stCondLst>
+                            <p:childTnLst>
+                              <p:par>
+                                <p:cTn id="17" presetID="53" presetClass="entr" presetSubtype="16" fill="hold" grpId="0" nodeType="clickEffect">
+                                  <p:stCondLst>
+                                    <p:cond delay="0"/>
+                                  </p:stCondLst>
+                                  <p:childTnLst>
+                                    <p:set>
+                                      <p:cBhvr>
+                                        <p:cTn id="18" dur="1" fill="hold">
+                                          <p:stCondLst>
+                                            <p:cond delay="0"/>
+                                          </p:stCondLst>
+                                        </p:cTn>
+                                        <p:tgtEl>
+                                          <p:spTgt spid="10"/>
+                                        </p:tgtEl>
+                                        <p:attrNameLst>
+                                          <p:attrName>style.visibility</p:attrName>
+                                        </p:attrNameLst>
+                                      </p:cBhvr>
+                                      <p:to>
+                                        <p:strVal val="visible"/>
+                                      </p:to>
+                                    </p:set>
+                                    <p:anim calcmode="lin" valueType="num">
+                                      <p:cBhvr>
+                                        <p:cTn id="19" dur="500" fill="hold"/>
+                                        <p:tgtEl>
+                                          <p:spTgt spid="10"/>
+                                        </p:tgtEl>
+                                        <p:attrNameLst>
+                                          <p:attrName>ppt_w</p:attrName>
+                                        </p:attrNameLst>
+                                      </p:cBhvr>
+                                      <p:tavLst>
+                                        <p:tav tm="0">
+                                          <p:val>
+                                            <p:fltVal val="0"/>
+                                          </p:val>
+                                        </p:tav>
+                                        <p:tav tm="100000">
+                                          <p:val>
+                                            <p:strVal val="#ppt_w"/>
+                                          </p:val>
+                                        </p:tav>
+                                      </p:tavLst>
+                                    </p:anim>
+                                    <p:anim calcmode="lin" valueType="num">
+                                      <p:cBhvr>
+                                        <p:cTn id="20" dur="500" fill="hold"/>
+                                        <p:tgtEl>
+                                          <p:spTgt spid="10"/>
+                                        </p:tgtEl>
+                                        <p:attrNameLst>
+                                          <p:attrName>ppt_h</p:attrName>
+                                        </p:attrNameLst>
+                                      </p:cBhvr>
+                                      <p:tavLst>
+                                        <p:tav tm="0">
+                                          <p:val>
+                                            <p:fltVal val="0"/>
+                                          </p:val>
+                                        </p:tav>
+                                        <p:tav tm="100000">
+                                          <p:val>
+                                            <p:strVal val="#ppt_h"/>
+                                          </p:val>
+                                        </p:tav>
+                                      </p:tavLst>
+                                    </p:anim>
+                                    <p:animEffect transition="in" filter="fade">
+                                      <p:cBhvr>
+                                        <p:cTn id="21" dur="500"/>
+                                        <p:tgtEl>
+                                          <p:spTgt spid="10"/>
+                                        </p:tgtEl>
+                                      </p:cBhvr>
+                                    </p:animEffect>
+                                  </p:childTnLst>
+                                </p:cTn>
+                              </p:par>
+                              <p:par>
+                                <p:cTn id="22" presetID="53" presetClass="entr" presetSubtype="16" fill="hold" grpId="0" nodeType="withEffect">
+                                  <p:stCondLst>
+                                    <p:cond delay="0"/>
+                                  </p:stCondLst>
+                                  <p:childTnLst>
+                                    <p:set>
+                                      <p:cBhvr>
+                                        <p:cTn id="23" dur="1" fill="hold">
                                           <p:stCondLst>
                                             <p:cond delay="0"/>
                                           </p:stCondLst>
@@ -6748,7 +7029,7 @@
                                     </p:set>
                                     <p:anim calcmode="lin" valueType="num">
                                       <p:cBhvr>
-                                        <p:cTn id="7" dur="500" fill="hold"/>
+                                        <p:cTn id="24" dur="500" fill="hold"/>
                                         <p:tgtEl>
                                           <p:spTgt spid="6"/>
                                         </p:tgtEl>
@@ -6771,7 +7052,7 @@
                                     </p:anim>
                                     <p:anim calcmode="lin" valueType="num">
                                       <p:cBhvr>
-                                        <p:cTn id="8" dur="500" fill="hold"/>
+                                        <p:cTn id="25" dur="500" fill="hold"/>
                                         <p:tgtEl>
                                           <p:spTgt spid="6"/>
                                         </p:tgtEl>
@@ -6794,7 +7075,7 @@
                                     </p:anim>
                                     <p:animEffect transition="in" filter="fade">
                                       <p:cBhvr>
-                                        <p:cTn id="9" dur="500"/>
+                                        <p:cTn id="26" dur="500"/>
                                         <p:tgtEl>
                                           <p:spTgt spid="6"/>
                                         </p:tgtEl>
@@ -6810,26 +7091,107 @@
                     </p:cTn>
                   </p:par>
                   <p:par>
-                    <p:cTn id="10" fill="hold">
+                    <p:cTn id="27" fill="hold">
                       <p:stCondLst>
                         <p:cond delay="indefinite"/>
                       </p:stCondLst>
                       <p:childTnLst>
                         <p:par>
-                          <p:cTn id="11" fill="hold">
+                          <p:cTn id="28" fill="hold">
                             <p:stCondLst>
                               <p:cond delay="0"/>
                             </p:stCondLst>
                             <p:childTnLst>
                               <p:par>
-                                <p:cTn id="12" presetID="53" presetClass="entr" presetSubtype="16" fill="hold" grpId="0" nodeType="clickEffect">
+                                <p:cTn id="29" presetID="53" presetClass="entr" presetSubtype="16" fill="hold" grpId="0" nodeType="clickEffect">
                                   <p:stCondLst>
                                     <p:cond delay="0"/>
                                   </p:stCondLst>
                                   <p:childTnLst>
                                     <p:set>
                                       <p:cBhvr>
-                                        <p:cTn id="13" dur="1" fill="hold">
+                                        <p:cTn id="30" dur="1" fill="hold">
+                                          <p:stCondLst>
+                                            <p:cond delay="0"/>
+                                          </p:stCondLst>
+                                        </p:cTn>
+                                        <p:tgtEl>
+                                          <p:spTgt spid="11"/>
+                                        </p:tgtEl>
+                                        <p:attrNameLst>
+                                          <p:attrName>style.visibility</p:attrName>
+                                        </p:attrNameLst>
+                                      </p:cBhvr>
+                                      <p:to>
+                                        <p:strVal val="visible"/>
+                                      </p:to>
+                                    </p:set>
+                                    <p:anim calcmode="lin" valueType="num">
+                                      <p:cBhvr>
+                                        <p:cTn id="31" dur="500" fill="hold"/>
+                                        <p:tgtEl>
+                                          <p:spTgt spid="11"/>
+                                        </p:tgtEl>
+                                        <p:attrNameLst>
+                                          <p:attrName>ppt_w</p:attrName>
+                                        </p:attrNameLst>
+                                      </p:cBhvr>
+                                      <p:tavLst>
+                                        <p:tav tm="0">
+                                          <p:val>
+                                            <p:fltVal val="0"/>
+                                          </p:val>
+                                        </p:tav>
+                                        <p:tav tm="100000">
+                                          <p:val>
+                                            <p:strVal val="#ppt_w"/>
+                                          </p:val>
+                                        </p:tav>
+                                      </p:tavLst>
+                                    </p:anim>
+                                    <p:anim calcmode="lin" valueType="num">
+                                      <p:cBhvr>
+                                        <p:cTn id="32" dur="500" fill="hold"/>
+                                        <p:tgtEl>
+                                          <p:spTgt spid="11"/>
+                                        </p:tgtEl>
+                                        <p:attrNameLst>
+                                          <p:attrName>ppt_h</p:attrName>
+                                        </p:attrNameLst>
+                                      </p:cBhvr>
+                                      <p:tavLst>
+                                        <p:tav tm="0">
+                                          <p:val>
+                                            <p:fltVal val="0"/>
+                                          </p:val>
+                                        </p:tav>
+                                        <p:tav tm="100000">
+                                          <p:val>
+                                            <p:strVal val="#ppt_h"/>
+                                          </p:val>
+                                        </p:tav>
+                                      </p:tavLst>
+                                    </p:anim>
+                                    <p:animEffect transition="in" filter="fade">
+                                      <p:cBhvr>
+                                        <p:cTn id="33" dur="500"/>
+                                        <p:tgtEl>
+                                          <p:spTgt spid="11"/>
+                                        </p:tgtEl>
+                                      </p:cBhvr>
+                                    </p:animEffect>
+                                  </p:childTnLst>
+                                </p:cTn>
+                              </p:par>
+                              <p:par>
+                                <p:cTn id="34" presetID="53" presetClass="entr" presetSubtype="16" fill="hold" grpId="0" nodeType="withEffect">
+                                  <p:stCondLst>
+                                    <p:cond delay="0"/>
+                                  </p:stCondLst>
+                                  <p:childTnLst>
+                                    <p:set>
+                                      <p:cBhvr>
+                                        <p:cTn id="35" dur="1" fill="hold">
                                           <p:stCondLst>
                                             <p:cond delay="0"/>
                                           </p:stCondLst>
@@ -6847,7 +7209,7 @@
                                     </p:set>
                                     <p:anim calcmode="lin" valueType="num">
                                       <p:cBhvr>
-                                        <p:cTn id="14" dur="500" fill="hold"/>
+                                        <p:cTn id="36" dur="500" fill="hold"/>
                                         <p:tgtEl>
                                           <p:spTgt spid="7"/>
                                         </p:tgtEl>
@@ -6870,7 +7232,7 @@
                                     </p:anim>
                                     <p:anim calcmode="lin" valueType="num">
                                       <p:cBhvr>
-                                        <p:cTn id="15" dur="500" fill="hold"/>
+                                        <p:cTn id="37" dur="500" fill="hold"/>
                                         <p:tgtEl>
                                           <p:spTgt spid="7"/>
                                         </p:tgtEl>
@@ -6893,7 +7255,7 @@
                                     </p:anim>
                                     <p:animEffect transition="in" filter="fade">
                                       <p:cBhvr>
-                                        <p:cTn id="16" dur="500"/>
+                                        <p:cTn id="38" dur="500"/>
                                         <p:tgtEl>
                                           <p:spTgt spid="7"/>
                                         </p:tgtEl>
@@ -6930,8 +7292,12 @@
       </p:par>
     </p:tnLst>
     <p:bldLst>
+      <p:bldP spid="8" grpId="0" build="p"/>
+      <p:bldP spid="5" grpId="0"/>
       <p:bldP spid="6" grpId="0"/>
       <p:bldP spid="7" grpId="0"/>
+      <p:bldP spid="10" grpId="0"/>
+      <p:bldP spid="11" grpId="0"/>
     </p:bldLst>
   </p:timing>
 </p:sld>
@@ -7144,15 +7510,11 @@
           <a:p>
             <a:r>
               <a:rPr lang="ro-RO" altLang="en-US" sz="2400" dirty="0" smtClean="0"/>
-              <a:t>Inheritance – </a:t>
+              <a:t>Inheritance</a:t>
             </a:r>
             <a:r>
               <a:rPr lang="en-US" altLang="en-US" sz="2400" dirty="0" smtClean="0"/>
-              <a:t>B</a:t>
-            </a:r>
-            <a:r>
-              <a:rPr lang="ro-RO" altLang="en-US" sz="2400" dirty="0" smtClean="0"/>
-              <a:t>asic</a:t>
+              <a:t> – Explain notations</a:t>
             </a:r>
             <a:endParaRPr lang="en-US" altLang="en-US" sz="2400" dirty="0" smtClean="0"/>
           </a:p>
@@ -7160,56 +7522,44 @@
       </p:sp>
       <p:sp>
         <p:nvSpPr>
-          <p:cNvPr id="8" name="Content Placeholder 2"/>
-          <p:cNvSpPr>
-            <a:spLocks noGrp="1"/>
-          </p:cNvSpPr>
-          <p:nvPr>
-            <p:ph idx="1"/>
-          </p:nvPr>
+          <p:cNvPr id="5" name="TextBox 4"/>
+          <p:cNvSpPr txBox="1"/>
+          <p:nvPr/>
         </p:nvSpPr>
         <p:spPr>
           <a:xfrm>
-            <a:off x="685800" y="1371600"/>
-            <a:ext cx="6172200" cy="1143000"/>
+            <a:off x="3352800" y="6459379"/>
+            <a:ext cx="2518638" cy="246221"/>
           </a:xfrm>
+          <a:prstGeom prst="rect">
+            <a:avLst/>
+          </a:prstGeom>
+          <a:solidFill>
+            <a:schemeClr val="bg1"/>
+          </a:solidFill>
         </p:spPr>
         <p:txBody>
-          <a:bodyPr/>
+          <a:bodyPr wrap="none" rtlCol="0">
+            <a:spAutoFit/>
+          </a:bodyPr>
           <a:lstStyle/>
           <a:p>
             <a:r>
-              <a:rPr lang="ro-RO" altLang="en-US" sz="2400" dirty="0" smtClean="0"/>
-              <a:t>Create two functions (</a:t>
-            </a:r>
-            <a:r>
-              <a:rPr lang="ro-RO" altLang="en-US" sz="2400" dirty="0" smtClean="0">
-                <a:latin typeface="Courier New" panose="02070309020205020404" pitchFamily="49" charset="0"/>
-                <a:cs typeface="Courier New" panose="02070309020205020404" pitchFamily="49" charset="0"/>
+              <a:rPr lang="en-US" sz="1000" dirty="0" smtClean="0">
+                <a:solidFill>
+                  <a:schemeClr val="bg1">
+                    <a:lumMod val="50000"/>
+                  </a:schemeClr>
+                </a:solidFill>
               </a:rPr>
-              <a:t>Animal</a:t>
-            </a:r>
-            <a:r>
-              <a:rPr lang="ro-RO" altLang="en-US" sz="2400" dirty="0" smtClean="0"/>
-              <a:t> and </a:t>
-            </a:r>
-            <a:r>
-              <a:rPr lang="ro-RO" altLang="en-US" sz="2400" dirty="0" smtClean="0">
-                <a:latin typeface="Courier New" panose="02070309020205020404" pitchFamily="49" charset="0"/>
-                <a:cs typeface="Courier New" panose="02070309020205020404" pitchFamily="49" charset="0"/>
-              </a:rPr>
-              <a:t>Dog</a:t>
-            </a:r>
-            <a:r>
-              <a:rPr lang="ro-RO" altLang="en-US" sz="2400" dirty="0" smtClean="0"/>
-              <a:t>)</a:t>
+              <a:t>© iQuest Group 2013. All rights reserved.</a:t>
             </a:r>
           </a:p>
         </p:txBody>
       </p:sp>
       <p:pic>
         <p:nvPicPr>
-          <p:cNvPr id="3074" name="Picture 2"/>
+          <p:cNvPr id="1031" name="Picture 7"/>
           <p:cNvPicPr>
             <a:picLocks noChangeAspect="1" noChangeArrowheads="1"/>
           </p:cNvPicPr>
@@ -7230,8 +7580,8 @@
         </p:blipFill>
         <p:spPr bwMode="auto">
           <a:xfrm>
-            <a:off x="1028700" y="2057400"/>
-            <a:ext cx="6743700" cy="3886200"/>
+            <a:off x="1576388" y="2057400"/>
+            <a:ext cx="5991225" cy="3067050"/>
           </a:xfrm>
           <a:prstGeom prst="rect">
             <a:avLst/>
@@ -7261,43 +7611,6 @@
           </a:extLst>
         </p:spPr>
       </p:pic>
-      <p:sp>
-        <p:nvSpPr>
-          <p:cNvPr id="5" name="TextBox 4"/>
-          <p:cNvSpPr txBox="1"/>
-          <p:nvPr/>
-        </p:nvSpPr>
-        <p:spPr>
-          <a:xfrm>
-            <a:off x="3352800" y="6459379"/>
-            <a:ext cx="2518638" cy="246221"/>
-          </a:xfrm>
-          <a:prstGeom prst="rect">
-            <a:avLst/>
-          </a:prstGeom>
-          <a:solidFill>
-            <a:schemeClr val="bg1"/>
-          </a:solidFill>
-        </p:spPr>
-        <p:txBody>
-          <a:bodyPr wrap="none" rtlCol="0">
-            <a:spAutoFit/>
-          </a:bodyPr>
-          <a:lstStyle/>
-          <a:p>
-            <a:r>
-              <a:rPr lang="en-US" sz="1000" dirty="0" smtClean="0">
-                <a:solidFill>
-                  <a:schemeClr val="bg1">
-                    <a:lumMod val="50000"/>
-                  </a:schemeClr>
-                </a:solidFill>
-              </a:rPr>
-              <a:t>© iQuest Group 2013. All rights reserved.</a:t>
-            </a:r>
-          </a:p>
-        </p:txBody>
-      </p:sp>
     </p:spTree>
     <p:extLst>
       <p:ext uri="{BB962C8B-B14F-4D97-AF65-F5344CB8AC3E}">
@@ -7373,7 +7686,7 @@
       </p:sp>
       <p:sp>
         <p:nvSpPr>
-          <p:cNvPr id="6" name="Content Placeholder 2"/>
+          <p:cNvPr id="8" name="Content Placeholder 2"/>
           <p:cNvSpPr>
             <a:spLocks noGrp="1"/>
           </p:cNvSpPr>
@@ -7384,7 +7697,7 @@
         <p:spPr>
           <a:xfrm>
             <a:off x="685800" y="1371600"/>
-            <a:ext cx="7696200" cy="1143000"/>
+            <a:ext cx="6172200" cy="1143000"/>
           </a:xfrm>
         </p:spPr>
         <p:txBody>
@@ -7393,18 +7706,18 @@
           <a:p>
             <a:r>
               <a:rPr lang="ro-RO" altLang="en-US" sz="2400" dirty="0" smtClean="0"/>
-              <a:t>Set the </a:t>
+              <a:t>Create two functions (</a:t>
             </a:r>
             <a:r>
               <a:rPr lang="ro-RO" altLang="en-US" sz="2400" dirty="0" smtClean="0">
                 <a:latin typeface="Courier New" panose="02070309020205020404" pitchFamily="49" charset="0"/>
                 <a:cs typeface="Courier New" panose="02070309020205020404" pitchFamily="49" charset="0"/>
               </a:rPr>
-              <a:t>prototype</a:t>
+              <a:t>Animal</a:t>
             </a:r>
             <a:r>
               <a:rPr lang="ro-RO" altLang="en-US" sz="2400" dirty="0" smtClean="0"/>
-              <a:t> property of the </a:t>
+              <a:t> and </a:t>
             </a:r>
             <a:r>
               <a:rPr lang="ro-RO" altLang="en-US" sz="2400" dirty="0" smtClean="0">
@@ -7414,19 +7727,52 @@
               <a:t>Dog</a:t>
             </a:r>
             <a:r>
-              <a:rPr lang="ro-RO" altLang="en-US" sz="2400" dirty="0"/>
-              <a:t> </a:t>
-            </a:r>
-            <a:r>
               <a:rPr lang="ro-RO" altLang="en-US" sz="2400" dirty="0" smtClean="0"/>
-              <a:t>function</a:t>
+              <a:t>)</a:t>
+            </a:r>
+          </a:p>
+        </p:txBody>
+      </p:sp>
+      <p:sp>
+        <p:nvSpPr>
+          <p:cNvPr id="5" name="TextBox 4"/>
+          <p:cNvSpPr txBox="1"/>
+          <p:nvPr/>
+        </p:nvSpPr>
+        <p:spPr>
+          <a:xfrm>
+            <a:off x="3352800" y="6459379"/>
+            <a:ext cx="2518638" cy="246221"/>
+          </a:xfrm>
+          <a:prstGeom prst="rect">
+            <a:avLst/>
+          </a:prstGeom>
+          <a:solidFill>
+            <a:schemeClr val="bg1"/>
+          </a:solidFill>
+        </p:spPr>
+        <p:txBody>
+          <a:bodyPr wrap="none" rtlCol="0">
+            <a:spAutoFit/>
+          </a:bodyPr>
+          <a:lstStyle/>
+          <a:p>
+            <a:r>
+              <a:rPr lang="en-US" sz="1000" dirty="0" smtClean="0">
+                <a:solidFill>
+                  <a:schemeClr val="bg1">
+                    <a:lumMod val="50000"/>
+                  </a:schemeClr>
+                </a:solidFill>
+              </a:rPr>
+              <a:t>© iQuest Group 2013. All rights reserved.</a:t>
             </a:r>
           </a:p>
         </p:txBody>
       </p:sp>
       <p:pic>
         <p:nvPicPr>
-          <p:cNvPr id="4098" name="Picture 2"/>
+          <p:cNvPr id="2050" name="Picture 2"/>
           <p:cNvPicPr>
             <a:picLocks noChangeAspect="1" noChangeArrowheads="1"/>
           </p:cNvPicPr>
@@ -7447,8 +7793,8 @@
         </p:blipFill>
         <p:spPr bwMode="auto">
           <a:xfrm>
-            <a:off x="1066800" y="1981200"/>
-            <a:ext cx="6696075" cy="4248150"/>
+            <a:off x="1200150" y="2133600"/>
+            <a:ext cx="6743700" cy="3886200"/>
           </a:xfrm>
           <a:prstGeom prst="rect">
             <a:avLst/>
@@ -7478,47 +7824,10 @@
           </a:extLst>
         </p:spPr>
       </p:pic>
-      <p:sp>
-        <p:nvSpPr>
-          <p:cNvPr id="5" name="TextBox 4"/>
-          <p:cNvSpPr txBox="1"/>
-          <p:nvPr/>
-        </p:nvSpPr>
-        <p:spPr>
-          <a:xfrm>
-            <a:off x="3352800" y="6459379"/>
-            <a:ext cx="2518638" cy="246221"/>
-          </a:xfrm>
-          <a:prstGeom prst="rect">
-            <a:avLst/>
-          </a:prstGeom>
-          <a:solidFill>
-            <a:schemeClr val="bg1"/>
-          </a:solidFill>
-        </p:spPr>
-        <p:txBody>
-          <a:bodyPr wrap="none" rtlCol="0">
-            <a:spAutoFit/>
-          </a:bodyPr>
-          <a:lstStyle/>
-          <a:p>
-            <a:r>
-              <a:rPr lang="en-US" sz="1000" dirty="0" smtClean="0">
-                <a:solidFill>
-                  <a:schemeClr val="bg1">
-                    <a:lumMod val="50000"/>
-                  </a:schemeClr>
-                </a:solidFill>
-              </a:rPr>
-              <a:t>© iQuest Group 2013. All rights reserved.</a:t>
-            </a:r>
-          </a:p>
-        </p:txBody>
-      </p:sp>
     </p:spTree>
     <p:extLst>
       <p:ext uri="{BB962C8B-B14F-4D97-AF65-F5344CB8AC3E}">
-        <p14:creationId xmlns:p14="http://schemas.microsoft.com/office/powerpoint/2010/main" val="3815883155"/>
+        <p14:creationId xmlns:p14="http://schemas.microsoft.com/office/powerpoint/2010/main" val="3740782922"/>
       </p:ext>
     </p:extLst>
   </p:cSld>
@@ -7552,9 +7861,135 @@
           <a:chExt cx="0" cy="0"/>
         </a:xfrm>
       </p:grpSpPr>
+      <p:sp>
+        <p:nvSpPr>
+          <p:cNvPr id="5122" name="Title 1"/>
+          <p:cNvSpPr>
+            <a:spLocks noGrp="1"/>
+          </p:cNvSpPr>
+          <p:nvPr>
+            <p:ph type="title"/>
+          </p:nvPr>
+        </p:nvSpPr>
+        <p:spPr>
+          <a:xfrm>
+            <a:off x="2286000" y="228600"/>
+            <a:ext cx="6400800" cy="563562"/>
+          </a:xfrm>
+        </p:spPr>
+        <p:txBody>
+          <a:bodyPr/>
+          <a:lstStyle/>
+          <a:p>
+            <a:r>
+              <a:rPr lang="ro-RO" altLang="en-US" sz="2400" dirty="0" smtClean="0"/>
+              <a:t>Inheritance – </a:t>
+            </a:r>
+            <a:r>
+              <a:rPr lang="en-US" altLang="en-US" sz="2400" dirty="0" smtClean="0"/>
+              <a:t>B</a:t>
+            </a:r>
+            <a:r>
+              <a:rPr lang="ro-RO" altLang="en-US" sz="2400" dirty="0" smtClean="0"/>
+              <a:t>asic</a:t>
+            </a:r>
+            <a:endParaRPr lang="en-US" altLang="en-US" sz="2400" dirty="0" smtClean="0"/>
+          </a:p>
+        </p:txBody>
+      </p:sp>
+      <p:sp>
+        <p:nvSpPr>
+          <p:cNvPr id="6" name="Content Placeholder 2"/>
+          <p:cNvSpPr>
+            <a:spLocks noGrp="1"/>
+          </p:cNvSpPr>
+          <p:nvPr>
+            <p:ph idx="1"/>
+          </p:nvPr>
+        </p:nvSpPr>
+        <p:spPr>
+          <a:xfrm>
+            <a:off x="685800" y="1371600"/>
+            <a:ext cx="7696200" cy="1143000"/>
+          </a:xfrm>
+        </p:spPr>
+        <p:txBody>
+          <a:bodyPr/>
+          <a:lstStyle/>
+          <a:p>
+            <a:r>
+              <a:rPr lang="ro-RO" altLang="en-US" sz="2400" dirty="0" smtClean="0"/>
+              <a:t>Set the </a:t>
+            </a:r>
+            <a:r>
+              <a:rPr lang="ro-RO" altLang="en-US" sz="2400" dirty="0" smtClean="0">
+                <a:latin typeface="Courier New" panose="02070309020205020404" pitchFamily="49" charset="0"/>
+                <a:cs typeface="Courier New" panose="02070309020205020404" pitchFamily="49" charset="0"/>
+              </a:rPr>
+              <a:t>prototype</a:t>
+            </a:r>
+            <a:r>
+              <a:rPr lang="ro-RO" altLang="en-US" sz="2400" dirty="0" smtClean="0"/>
+              <a:t> property of the </a:t>
+            </a:r>
+            <a:r>
+              <a:rPr lang="ro-RO" altLang="en-US" sz="2400" dirty="0" smtClean="0">
+                <a:latin typeface="Courier New" panose="02070309020205020404" pitchFamily="49" charset="0"/>
+                <a:cs typeface="Courier New" panose="02070309020205020404" pitchFamily="49" charset="0"/>
+              </a:rPr>
+              <a:t>Dog</a:t>
+            </a:r>
+            <a:r>
+              <a:rPr lang="ro-RO" altLang="en-US" sz="2400" dirty="0"/>
+              <a:t> </a:t>
+            </a:r>
+            <a:r>
+              <a:rPr lang="ro-RO" altLang="en-US" sz="2400" dirty="0" smtClean="0"/>
+              <a:t>function</a:t>
+            </a:r>
+          </a:p>
+        </p:txBody>
+      </p:sp>
+      <p:sp>
+        <p:nvSpPr>
+          <p:cNvPr id="5" name="TextBox 4"/>
+          <p:cNvSpPr txBox="1"/>
+          <p:nvPr/>
+        </p:nvSpPr>
+        <p:spPr>
+          <a:xfrm>
+            <a:off x="3352800" y="6459379"/>
+            <a:ext cx="2518638" cy="246221"/>
+          </a:xfrm>
+          <a:prstGeom prst="rect">
+            <a:avLst/>
+          </a:prstGeom>
+          <a:solidFill>
+            <a:schemeClr val="bg1"/>
+          </a:solidFill>
+        </p:spPr>
+        <p:txBody>
+          <a:bodyPr wrap="none" rtlCol="0">
+            <a:spAutoFit/>
+          </a:bodyPr>
+          <a:lstStyle/>
+          <a:p>
+            <a:r>
+              <a:rPr lang="en-US" sz="1000" dirty="0" smtClean="0">
+                <a:solidFill>
+                  <a:schemeClr val="bg1">
+                    <a:lumMod val="50000"/>
+                  </a:schemeClr>
+                </a:solidFill>
+              </a:rPr>
+              <a:t>© iQuest Group 2013. All rights reserved.</a:t>
+            </a:r>
+          </a:p>
+        </p:txBody>
+      </p:sp>
       <p:pic>
         <p:nvPicPr>
-          <p:cNvPr id="2" name="Picture 2"/>
+          <p:cNvPr id="3074" name="Picture 2"/>
           <p:cNvPicPr>
             <a:picLocks noChangeAspect="1" noChangeArrowheads="1"/>
           </p:cNvPicPr>
@@ -7575,7 +8010,98 @@
         </p:blipFill>
         <p:spPr bwMode="auto">
           <a:xfrm>
-            <a:off x="1219200" y="2011911"/>
+            <a:off x="1223963" y="1981200"/>
+            <a:ext cx="6696075" cy="4067175"/>
+          </a:xfrm>
+          <a:prstGeom prst="rect">
+            <a:avLst/>
+          </a:prstGeom>
+          <a:noFill/>
+          <a:ln>
+            <a:noFill/>
+          </a:ln>
+          <a:extLst>
+            <a:ext uri="{909E8E84-426E-40DD-AFC4-6F175D3DCCD1}">
+              <a14:hiddenFill xmlns:a14="http://schemas.microsoft.com/office/drawing/2010/main">
+                <a:solidFill>
+                  <a:schemeClr val="accent1"/>
+                </a:solidFill>
+              </a14:hiddenFill>
+            </a:ext>
+            <a:ext uri="{91240B29-F687-4F45-9708-019B960494DF}">
+              <a14:hiddenLine xmlns:a14="http://schemas.microsoft.com/office/drawing/2010/main" w="9525">
+                <a:solidFill>
+                  <a:schemeClr val="tx1"/>
+                </a:solidFill>
+                <a:miter lim="800000"/>
+                <a:headEnd/>
+                <a:tailEnd/>
+              </a14:hiddenLine>
+            </a:ext>
+          </a:extLst>
+        </p:spPr>
+      </p:pic>
+    </p:spTree>
+    <p:extLst>
+      <p:ext uri="{BB962C8B-B14F-4D97-AF65-F5344CB8AC3E}">
+        <p14:creationId xmlns:p14="http://schemas.microsoft.com/office/powerpoint/2010/main" val="3815883155"/>
+      </p:ext>
+    </p:extLst>
+  </p:cSld>
+  <p:clrMapOvr>
+    <a:masterClrMapping/>
+  </p:clrMapOvr>
+  <p:timing>
+    <p:tnLst>
+      <p:par>
+        <p:cTn id="1" dur="indefinite" restart="never" nodeType="tmRoot"/>
+      </p:par>
+    </p:tnLst>
+  </p:timing>
+</p:sld>
+</file>
+
+<file path=ppt/slides/slide16.xml><?xml version="1.0" encoding="utf-8"?>
+<p:sld xmlns:a="http://schemas.openxmlformats.org/drawingml/2006/main" xmlns:r="http://schemas.openxmlformats.org/officeDocument/2006/relationships" xmlns:p="http://schemas.openxmlformats.org/presentationml/2006/main">
+  <p:cSld>
+    <p:spTree>
+      <p:nvGrpSpPr>
+        <p:cNvPr id="1" name=""/>
+        <p:cNvGrpSpPr/>
+        <p:nvPr/>
+      </p:nvGrpSpPr>
+      <p:grpSpPr>
+        <a:xfrm>
+          <a:off x="0" y="0"/>
+          <a:ext cx="0" cy="0"/>
+          <a:chOff x="0" y="0"/>
+          <a:chExt cx="0" cy="0"/>
+        </a:xfrm>
+      </p:grpSpPr>
+      <p:pic>
+        <p:nvPicPr>
+          <p:cNvPr id="4098" name="Picture 2"/>
+          <p:cNvPicPr>
+            <a:picLocks noChangeAspect="1" noChangeArrowheads="1"/>
+          </p:cNvPicPr>
+          <p:nvPr/>
+        </p:nvPicPr>
+        <p:blipFill>
+          <a:blip r:embed="rId2">
+            <a:extLst>
+              <a:ext uri="{28A0092B-C50C-407E-A947-70E740481C1C}">
+                <a14:useLocalDpi xmlns:a14="http://schemas.microsoft.com/office/drawing/2010/main" val="0"/>
+              </a:ext>
+            </a:extLst>
+          </a:blip>
+          <a:srcRect/>
+          <a:stretch>
+            <a:fillRect/>
+          </a:stretch>
+        </p:blipFill>
+        <p:spPr bwMode="auto">
+          <a:xfrm>
+            <a:off x="1233488" y="2057400"/>
             <a:ext cx="6677025" cy="3857625"/>
           </a:xfrm>
           <a:prstGeom prst="rect">
@@ -8101,7 +8627,7 @@
 </p:sld>
 </file>
 
-<file path=ppt/slides/slide16.xml><?xml version="1.0" encoding="utf-8"?>
+<file path=ppt/slides/slide17.xml><?xml version="1.0" encoding="utf-8"?>
 <p:sld xmlns:a="http://schemas.openxmlformats.org/drawingml/2006/main" xmlns:r="http://schemas.openxmlformats.org/officeDocument/2006/relationships" xmlns:p="http://schemas.openxmlformats.org/presentationml/2006/main">
   <p:cSld>
     <p:spTree>
@@ -8120,7 +8646,7 @@
       </p:grpSpPr>
       <p:pic>
         <p:nvPicPr>
-          <p:cNvPr id="1026" name="Picture 2"/>
+          <p:cNvPr id="3" name="Picture 2"/>
           <p:cNvPicPr>
             <a:picLocks noChangeAspect="1" noChangeArrowheads="1"/>
           </p:cNvPicPr>
@@ -8141,8 +8667,8 @@
         </p:blipFill>
         <p:spPr bwMode="auto">
           <a:xfrm>
-            <a:off x="1419225" y="2895600"/>
-            <a:ext cx="6305550" cy="1790700"/>
+            <a:off x="1457325" y="2705100"/>
+            <a:ext cx="6267450" cy="1790700"/>
           </a:xfrm>
           <a:prstGeom prst="rect">
             <a:avLst/>
@@ -8790,7 +9316,7 @@
 </p:sld>
 </file>
 
-<file path=ppt/slides/slide17.xml><?xml version="1.0" encoding="utf-8"?>
+<file path=ppt/slides/slide18.xml><?xml version="1.0" encoding="utf-8"?>
 <p:sld xmlns:a="http://schemas.openxmlformats.org/drawingml/2006/main" xmlns:r="http://schemas.openxmlformats.org/officeDocument/2006/relationships" xmlns:p="http://schemas.openxmlformats.org/presentationml/2006/main">
   <p:cSld>
     <p:spTree>
@@ -8807,140 +9333,9 @@
           <a:chExt cx="0" cy="0"/>
         </a:xfrm>
       </p:grpSpPr>
-      <p:sp>
-        <p:nvSpPr>
-          <p:cNvPr id="5122" name="Title 1"/>
-          <p:cNvSpPr>
-            <a:spLocks noGrp="1"/>
-          </p:cNvSpPr>
-          <p:nvPr>
-            <p:ph type="title"/>
-          </p:nvPr>
-        </p:nvSpPr>
-        <p:spPr>
-          <a:xfrm>
-            <a:off x="2286000" y="228600"/>
-            <a:ext cx="6400800" cy="563562"/>
-          </a:xfrm>
-        </p:spPr>
-        <p:txBody>
-          <a:bodyPr/>
-          <a:lstStyle/>
-          <a:p>
-            <a:r>
-              <a:rPr lang="ro-RO" altLang="en-US" sz="2400" dirty="0" smtClean="0"/>
-              <a:t>Inheritance – </a:t>
-            </a:r>
-            <a:r>
-              <a:rPr lang="en-US" altLang="en-US" sz="2400" dirty="0" smtClean="0"/>
-              <a:t>W</a:t>
-            </a:r>
-            <a:r>
-              <a:rPr lang="ro-RO" altLang="en-US" sz="2400" dirty="0" smtClean="0"/>
-              <a:t>ith </a:t>
-            </a:r>
-            <a:r>
-              <a:rPr lang="en-US" altLang="en-US" sz="2400" dirty="0" smtClean="0"/>
-              <a:t>P</a:t>
-            </a:r>
-            <a:r>
-              <a:rPr lang="ro-RO" altLang="en-US" sz="2400" dirty="0" smtClean="0"/>
-              <a:t>arameters</a:t>
-            </a:r>
-            <a:endParaRPr lang="en-US" altLang="en-US" sz="2400" dirty="0" smtClean="0"/>
-          </a:p>
-        </p:txBody>
-      </p:sp>
-      <p:sp>
-        <p:nvSpPr>
-          <p:cNvPr id="8" name="Content Placeholder 2"/>
-          <p:cNvSpPr>
-            <a:spLocks noGrp="1"/>
-          </p:cNvSpPr>
-          <p:nvPr>
-            <p:ph idx="1"/>
-          </p:nvPr>
-        </p:nvSpPr>
-        <p:spPr>
-          <a:xfrm>
-            <a:off x="685800" y="1371600"/>
-            <a:ext cx="7772400" cy="1143000"/>
-          </a:xfrm>
-        </p:spPr>
-        <p:txBody>
-          <a:bodyPr/>
-          <a:lstStyle/>
-          <a:p>
-            <a:r>
-              <a:rPr lang="ro-RO" altLang="en-US" sz="2400" dirty="0" smtClean="0"/>
-              <a:t>Create the constructor function named </a:t>
-            </a:r>
-            <a:r>
-              <a:rPr lang="ro-RO" altLang="en-US" sz="2400" dirty="0" smtClean="0">
-                <a:latin typeface="Courier New" panose="02070309020205020404" pitchFamily="49" charset="0"/>
-                <a:cs typeface="Courier New" panose="02070309020205020404" pitchFamily="49" charset="0"/>
-              </a:rPr>
-              <a:t>FakeBase</a:t>
-            </a:r>
-          </a:p>
-        </p:txBody>
-      </p:sp>
-      <p:sp>
-        <p:nvSpPr>
-          <p:cNvPr id="2" name="TextBox 1"/>
-          <p:cNvSpPr txBox="1"/>
-          <p:nvPr/>
-        </p:nvSpPr>
-        <p:spPr>
-          <a:xfrm>
-            <a:off x="3733800" y="5329646"/>
-            <a:ext cx="4724400" cy="523220"/>
-          </a:xfrm>
-          <a:prstGeom prst="rect">
-            <a:avLst/>
-          </a:prstGeom>
-          <a:noFill/>
-        </p:spPr>
-        <p:txBody>
-          <a:bodyPr wrap="square" rtlCol="0">
-            <a:spAutoFit/>
-          </a:bodyPr>
-          <a:lstStyle/>
-          <a:p>
-            <a:pPr algn="r"/>
-            <a:r>
-              <a:rPr lang="ro-RO" sz="1400" dirty="0" smtClean="0"/>
-              <a:t>We’ll use the parameterless </a:t>
-            </a:r>
-            <a:r>
-              <a:rPr lang="ro-RO" sz="1400" dirty="0" smtClean="0">
-                <a:latin typeface="Courier New" panose="02070309020205020404" pitchFamily="49" charset="0"/>
-                <a:cs typeface="Courier New" panose="02070309020205020404" pitchFamily="49" charset="0"/>
-              </a:rPr>
-              <a:t>FakeBase</a:t>
-            </a:r>
-            <a:r>
-              <a:rPr lang="ro-RO" sz="1400" dirty="0" smtClean="0"/>
-              <a:t> constructor instead of the </a:t>
-            </a:r>
-            <a:r>
-              <a:rPr lang="ro-RO" sz="1400" dirty="0" smtClean="0">
-                <a:latin typeface="Courier New" panose="02070309020205020404" pitchFamily="49" charset="0"/>
-                <a:cs typeface="Courier New" panose="02070309020205020404" pitchFamily="49" charset="0"/>
-              </a:rPr>
-              <a:t>Animal</a:t>
-            </a:r>
-            <a:r>
-              <a:rPr lang="ro-RO" sz="1400" dirty="0" smtClean="0"/>
-              <a:t> constructor.</a:t>
-            </a:r>
-            <a:endParaRPr lang="en-US" sz="1400" dirty="0" smtClean="0"/>
-          </a:p>
-        </p:txBody>
-      </p:sp>
       <p:pic>
         <p:nvPicPr>
-          <p:cNvPr id="3074" name="Picture 2"/>
+          <p:cNvPr id="6146" name="Picture 2"/>
           <p:cNvPicPr>
             <a:picLocks noChangeAspect="1" noChangeArrowheads="1"/>
           </p:cNvPicPr>
@@ -8961,7 +9356,7 @@
         </p:blipFill>
         <p:spPr bwMode="auto">
           <a:xfrm>
-            <a:off x="1138238" y="2790825"/>
+            <a:off x="1138238" y="2819400"/>
             <a:ext cx="6867525" cy="1552575"/>
           </a:xfrm>
           <a:prstGeom prst="rect">
@@ -8992,9 +9387,177 @@
           </a:extLst>
         </p:spPr>
       </p:pic>
+      <p:sp>
+        <p:nvSpPr>
+          <p:cNvPr id="5122" name="Title 1"/>
+          <p:cNvSpPr>
+            <a:spLocks noGrp="1"/>
+          </p:cNvSpPr>
+          <p:nvPr>
+            <p:ph type="title"/>
+          </p:nvPr>
+        </p:nvSpPr>
+        <p:spPr>
+          <a:xfrm>
+            <a:off x="2286000" y="228600"/>
+            <a:ext cx="6400800" cy="563562"/>
+          </a:xfrm>
+        </p:spPr>
+        <p:txBody>
+          <a:bodyPr/>
+          <a:lstStyle/>
+          <a:p>
+            <a:r>
+              <a:rPr lang="ro-RO" altLang="en-US" sz="2400" dirty="0" smtClean="0"/>
+              <a:t>Inheritance – </a:t>
+            </a:r>
+            <a:r>
+              <a:rPr lang="en-US" altLang="en-US" sz="2400" dirty="0" smtClean="0"/>
+              <a:t>W</a:t>
+            </a:r>
+            <a:r>
+              <a:rPr lang="ro-RO" altLang="en-US" sz="2400" dirty="0" smtClean="0"/>
+              <a:t>ith </a:t>
+            </a:r>
+            <a:r>
+              <a:rPr lang="en-US" altLang="en-US" sz="2400" dirty="0" smtClean="0"/>
+              <a:t>P</a:t>
+            </a:r>
+            <a:r>
+              <a:rPr lang="ro-RO" altLang="en-US" sz="2400" dirty="0" smtClean="0"/>
+              <a:t>arameters</a:t>
+            </a:r>
+            <a:endParaRPr lang="en-US" altLang="en-US" sz="2400" dirty="0" smtClean="0"/>
+          </a:p>
+        </p:txBody>
+      </p:sp>
+      <p:sp>
+        <p:nvSpPr>
+          <p:cNvPr id="8" name="Content Placeholder 2"/>
+          <p:cNvSpPr>
+            <a:spLocks noGrp="1"/>
+          </p:cNvSpPr>
+          <p:nvPr>
+            <p:ph idx="1"/>
+          </p:nvPr>
+        </p:nvSpPr>
+        <p:spPr>
+          <a:xfrm>
+            <a:off x="685800" y="1371600"/>
+            <a:ext cx="7772400" cy="1143000"/>
+          </a:xfrm>
+        </p:spPr>
+        <p:txBody>
+          <a:bodyPr/>
+          <a:lstStyle/>
+          <a:p>
+            <a:r>
+              <a:rPr lang="ro-RO" altLang="en-US" sz="2400" dirty="0" smtClean="0"/>
+              <a:t>Create the constructor function named </a:t>
+            </a:r>
+            <a:r>
+              <a:rPr lang="ro-RO" altLang="en-US" sz="2400" dirty="0" smtClean="0">
+                <a:latin typeface="Courier New" panose="02070309020205020404" pitchFamily="49" charset="0"/>
+                <a:cs typeface="Courier New" panose="02070309020205020404" pitchFamily="49" charset="0"/>
+              </a:rPr>
+              <a:t>FakeBase</a:t>
+            </a:r>
+          </a:p>
+        </p:txBody>
+      </p:sp>
+      <p:sp>
+        <p:nvSpPr>
+          <p:cNvPr id="2" name="TextBox 1"/>
+          <p:cNvSpPr txBox="1"/>
+          <p:nvPr/>
+        </p:nvSpPr>
+        <p:spPr>
+          <a:xfrm>
+            <a:off x="3733800" y="5329646"/>
+            <a:ext cx="4724400" cy="523220"/>
+          </a:xfrm>
+          <a:prstGeom prst="rect">
+            <a:avLst/>
+          </a:prstGeom>
+          <a:noFill/>
+        </p:spPr>
+        <p:txBody>
+          <a:bodyPr wrap="square" rtlCol="0">
+            <a:spAutoFit/>
+          </a:bodyPr>
+          <a:lstStyle/>
+          <a:p>
+            <a:pPr algn="r"/>
+            <a:r>
+              <a:rPr lang="ro-RO" sz="1400" dirty="0" smtClean="0"/>
+              <a:t>We’ll use the parameterless </a:t>
+            </a:r>
+            <a:r>
+              <a:rPr lang="ro-RO" sz="1400" dirty="0" smtClean="0">
+                <a:latin typeface="Courier New" panose="02070309020205020404" pitchFamily="49" charset="0"/>
+                <a:cs typeface="Courier New" panose="02070309020205020404" pitchFamily="49" charset="0"/>
+              </a:rPr>
+              <a:t>FakeBase</a:t>
+            </a:r>
+            <a:r>
+              <a:rPr lang="ro-RO" sz="1400" dirty="0" smtClean="0"/>
+              <a:t> constructor instead of the </a:t>
+            </a:r>
+            <a:r>
+              <a:rPr lang="ro-RO" sz="1400" dirty="0" smtClean="0">
+                <a:latin typeface="Courier New" panose="02070309020205020404" pitchFamily="49" charset="0"/>
+                <a:cs typeface="Courier New" panose="02070309020205020404" pitchFamily="49" charset="0"/>
+              </a:rPr>
+              <a:t>Animal</a:t>
+            </a:r>
+            <a:r>
+              <a:rPr lang="ro-RO" sz="1400" dirty="0" smtClean="0"/>
+              <a:t> constructor.</a:t>
+            </a:r>
+            <a:endParaRPr lang="en-US" sz="1400" dirty="0" smtClean="0"/>
+          </a:p>
+        </p:txBody>
+      </p:sp>
+      <p:sp>
+        <p:nvSpPr>
+          <p:cNvPr id="9" name="TextBox 8"/>
+          <p:cNvSpPr txBox="1"/>
+          <p:nvPr/>
+        </p:nvSpPr>
+        <p:spPr>
+          <a:xfrm>
+            <a:off x="3352800" y="6459379"/>
+            <a:ext cx="2518638" cy="246221"/>
+          </a:xfrm>
+          <a:prstGeom prst="rect">
+            <a:avLst/>
+          </a:prstGeom>
+          <a:solidFill>
+            <a:schemeClr val="bg1"/>
+          </a:solidFill>
+        </p:spPr>
+        <p:txBody>
+          <a:bodyPr wrap="none" rtlCol="0">
+            <a:spAutoFit/>
+          </a:bodyPr>
+          <a:lstStyle/>
+          <a:p>
+            <a:r>
+              <a:rPr lang="en-US" sz="1000" dirty="0" smtClean="0">
+                <a:solidFill>
+                  <a:schemeClr val="bg1">
+                    <a:lumMod val="50000"/>
+                  </a:schemeClr>
+                </a:solidFill>
+              </a:rPr>
+              <a:t>© iQuest Group 2013. All rights reserved.</a:t>
+            </a:r>
+          </a:p>
+        </p:txBody>
+      </p:sp>
       <p:pic>
         <p:nvPicPr>
-          <p:cNvPr id="3076" name="Picture 4"/>
+          <p:cNvPr id="6147" name="Picture 3"/>
           <p:cNvPicPr>
             <a:picLocks noChangeAspect="1" noChangeArrowheads="1"/>
           </p:cNvPicPr>
@@ -9015,8 +9578,8 @@
         </p:blipFill>
         <p:spPr bwMode="auto">
           <a:xfrm>
-            <a:off x="2628900" y="2790825"/>
-            <a:ext cx="1333500" cy="1533525"/>
+            <a:off x="2762250" y="2830512"/>
+            <a:ext cx="1533525" cy="1552575"/>
           </a:xfrm>
           <a:prstGeom prst="rect">
             <a:avLst/>
@@ -9048,7 +9611,7 @@
       </p:pic>
       <p:pic>
         <p:nvPicPr>
-          <p:cNvPr id="3078" name="Picture 6"/>
+          <p:cNvPr id="6148" name="Picture 4"/>
           <p:cNvPicPr>
             <a:picLocks noChangeAspect="1" noChangeArrowheads="1"/>
           </p:cNvPicPr>
@@ -9069,7 +9632,7 @@
         </p:blipFill>
         <p:spPr bwMode="auto">
           <a:xfrm>
-            <a:off x="5691188" y="2785172"/>
+            <a:off x="5699124" y="2830512"/>
             <a:ext cx="2314575" cy="752475"/>
           </a:xfrm>
           <a:prstGeom prst="rect">
@@ -9100,43 +9663,6 @@
           </a:extLst>
         </p:spPr>
       </p:pic>
-      <p:sp>
-        <p:nvSpPr>
-          <p:cNvPr id="9" name="TextBox 8"/>
-          <p:cNvSpPr txBox="1"/>
-          <p:nvPr/>
-        </p:nvSpPr>
-        <p:spPr>
-          <a:xfrm>
-            <a:off x="3352800" y="6459379"/>
-            <a:ext cx="2518638" cy="246221"/>
-          </a:xfrm>
-          <a:prstGeom prst="rect">
-            <a:avLst/>
-          </a:prstGeom>
-          <a:solidFill>
-            <a:schemeClr val="bg1"/>
-          </a:solidFill>
-        </p:spPr>
-        <p:txBody>
-          <a:bodyPr wrap="none" rtlCol="0">
-            <a:spAutoFit/>
-          </a:bodyPr>
-          <a:lstStyle/>
-          <a:p>
-            <a:r>
-              <a:rPr lang="en-US" sz="1000" dirty="0" smtClean="0">
-                <a:solidFill>
-                  <a:schemeClr val="bg1">
-                    <a:lumMod val="50000"/>
-                  </a:schemeClr>
-                </a:solidFill>
-              </a:rPr>
-              <a:t>© iQuest Group 2013. All rights reserved.</a:t>
-            </a:r>
-          </a:p>
-        </p:txBody>
-      </p:sp>
     </p:spTree>
     <p:extLst>
       <p:ext uri="{BB962C8B-B14F-4D97-AF65-F5344CB8AC3E}">
@@ -9181,7 +9707,7 @@
                                           </p:stCondLst>
                                         </p:cTn>
                                         <p:tgtEl>
-                                          <p:spTgt spid="3076"/>
+                                          <p:spTgt spid="6148"/>
                                         </p:tgtEl>
                                         <p:attrNameLst>
                                           <p:attrName>style.visibility</p:attrName>
@@ -9195,7 +9721,7 @@
                                       <p:cBhvr>
                                         <p:cTn id="7" dur="500" fill="hold"/>
                                         <p:tgtEl>
-                                          <p:spTgt spid="3076"/>
+                                          <p:spTgt spid="6148"/>
                                         </p:tgtEl>
                                         <p:attrNameLst>
                                           <p:attrName>ppt_w</p:attrName>
@@ -9218,7 +9744,7 @@
                                       <p:cBhvr>
                                         <p:cTn id="8" dur="500" fill="hold"/>
                                         <p:tgtEl>
-                                          <p:spTgt spid="3076"/>
+                                          <p:spTgt spid="6148"/>
                                         </p:tgtEl>
                                         <p:attrNameLst>
                                           <p:attrName>ppt_h</p:attrName>
@@ -9241,7 +9767,7 @@
                                       <p:cBhvr>
                                         <p:cTn id="9" dur="500"/>
                                         <p:tgtEl>
-                                          <p:spTgt spid="3076"/>
+                                          <p:spTgt spid="6148"/>
                                         </p:tgtEl>
                                       </p:cBhvr>
                                     </p:animEffect>
@@ -9262,7 +9788,7 @@
                                           </p:stCondLst>
                                         </p:cTn>
                                         <p:tgtEl>
-                                          <p:spTgt spid="3078"/>
+                                          <p:spTgt spid="6147"/>
                                         </p:tgtEl>
                                         <p:attrNameLst>
                                           <p:attrName>style.visibility</p:attrName>
@@ -9276,7 +9802,7 @@
                                       <p:cBhvr>
                                         <p:cTn id="12" dur="500" fill="hold"/>
                                         <p:tgtEl>
-                                          <p:spTgt spid="3078"/>
+                                          <p:spTgt spid="6147"/>
                                         </p:tgtEl>
                                         <p:attrNameLst>
                                           <p:attrName>ppt_w</p:attrName>
@@ -9299,7 +9825,7 @@
                                       <p:cBhvr>
                                         <p:cTn id="13" dur="500" fill="hold"/>
                                         <p:tgtEl>
-                                          <p:spTgt spid="3078"/>
+                                          <p:spTgt spid="6147"/>
                                         </p:tgtEl>
                                         <p:attrNameLst>
                                           <p:attrName>ppt_h</p:attrName>
@@ -9322,7 +9848,7 @@
                                       <p:cBhvr>
                                         <p:cTn id="14" dur="500"/>
                                         <p:tgtEl>
-                                          <p:spTgt spid="3078"/>
+                                          <p:spTgt spid="6147"/>
                                         </p:tgtEl>
                                       </p:cBhvr>
                                     </p:animEffect>
@@ -9354,227 +9880,6 @@
             </p:seq>
           </p:childTnLst>
         </p:cTn>
-      </p:par>
-    </p:tnLst>
-  </p:timing>
-</p:sld>
-</file>
-
-<file path=ppt/slides/slide18.xml><?xml version="1.0" encoding="utf-8"?>
-<p:sld xmlns:a="http://schemas.openxmlformats.org/drawingml/2006/main" xmlns:r="http://schemas.openxmlformats.org/officeDocument/2006/relationships" xmlns:p="http://schemas.openxmlformats.org/presentationml/2006/main">
-  <p:cSld>
-    <p:spTree>
-      <p:nvGrpSpPr>
-        <p:cNvPr id="1" name=""/>
-        <p:cNvGrpSpPr/>
-        <p:nvPr/>
-      </p:nvGrpSpPr>
-      <p:grpSpPr>
-        <a:xfrm>
-          <a:off x="0" y="0"/>
-          <a:ext cx="0" cy="0"/>
-          <a:chOff x="0" y="0"/>
-          <a:chExt cx="0" cy="0"/>
-        </a:xfrm>
-      </p:grpSpPr>
-      <p:sp>
-        <p:nvSpPr>
-          <p:cNvPr id="5122" name="Title 1"/>
-          <p:cNvSpPr>
-            <a:spLocks noGrp="1"/>
-          </p:cNvSpPr>
-          <p:nvPr>
-            <p:ph type="title"/>
-          </p:nvPr>
-        </p:nvSpPr>
-        <p:spPr>
-          <a:xfrm>
-            <a:off x="2286000" y="228600"/>
-            <a:ext cx="6400800" cy="563562"/>
-          </a:xfrm>
-        </p:spPr>
-        <p:txBody>
-          <a:bodyPr/>
-          <a:lstStyle/>
-          <a:p>
-            <a:r>
-              <a:rPr lang="ro-RO" altLang="en-US" sz="2400" dirty="0" smtClean="0"/>
-              <a:t>Inheritance – </a:t>
-            </a:r>
-            <a:r>
-              <a:rPr lang="en-US" altLang="en-US" sz="2400" dirty="0" smtClean="0"/>
-              <a:t>W</a:t>
-            </a:r>
-            <a:r>
-              <a:rPr lang="ro-RO" altLang="en-US" sz="2400" dirty="0" smtClean="0"/>
-              <a:t>ith </a:t>
-            </a:r>
-            <a:r>
-              <a:rPr lang="en-US" altLang="en-US" sz="2400" dirty="0" smtClean="0"/>
-              <a:t>P</a:t>
-            </a:r>
-            <a:r>
-              <a:rPr lang="ro-RO" altLang="en-US" sz="2400" dirty="0" smtClean="0"/>
-              <a:t>arameters</a:t>
-            </a:r>
-            <a:endParaRPr lang="en-US" altLang="en-US" sz="2400" dirty="0" smtClean="0"/>
-          </a:p>
-        </p:txBody>
-      </p:sp>
-      <p:sp>
-        <p:nvSpPr>
-          <p:cNvPr id="8" name="Content Placeholder 2"/>
-          <p:cNvSpPr>
-            <a:spLocks noGrp="1"/>
-          </p:cNvSpPr>
-          <p:nvPr>
-            <p:ph idx="1"/>
-          </p:nvPr>
-        </p:nvSpPr>
-        <p:spPr>
-          <a:xfrm>
-            <a:off x="685800" y="1371600"/>
-            <a:ext cx="7696200" cy="1143000"/>
-          </a:xfrm>
-        </p:spPr>
-        <p:txBody>
-          <a:bodyPr/>
-          <a:lstStyle/>
-          <a:p>
-            <a:r>
-              <a:rPr lang="ro-RO" altLang="en-US" sz="2400" dirty="0" smtClean="0"/>
-              <a:t>Set the </a:t>
-            </a:r>
-            <a:r>
-              <a:rPr lang="ro-RO" altLang="en-US" sz="2400" dirty="0" smtClean="0">
-                <a:latin typeface="Courier New" panose="02070309020205020404" pitchFamily="49" charset="0"/>
-                <a:cs typeface="Courier New" panose="02070309020205020404" pitchFamily="49" charset="0"/>
-              </a:rPr>
-              <a:t>prototype</a:t>
-            </a:r>
-            <a:r>
-              <a:rPr lang="ro-RO" altLang="en-US" sz="2400" dirty="0" smtClean="0"/>
-              <a:t> property of the </a:t>
-            </a:r>
-            <a:r>
-              <a:rPr lang="ro-RO" altLang="en-US" sz="2400" dirty="0" smtClean="0">
-                <a:latin typeface="Courier New" panose="02070309020205020404" pitchFamily="49" charset="0"/>
-                <a:cs typeface="Courier New" panose="02070309020205020404" pitchFamily="49" charset="0"/>
-              </a:rPr>
-              <a:t>FakeBase</a:t>
-            </a:r>
-            <a:r>
-              <a:rPr lang="ro-RO" altLang="en-US" sz="2400" dirty="0" smtClean="0"/>
-              <a:t> function</a:t>
-            </a:r>
-          </a:p>
-        </p:txBody>
-      </p:sp>
-      <p:sp>
-        <p:nvSpPr>
-          <p:cNvPr id="5" name="TextBox 4"/>
-          <p:cNvSpPr txBox="1"/>
-          <p:nvPr/>
-        </p:nvSpPr>
-        <p:spPr>
-          <a:xfrm>
-            <a:off x="3352800" y="6459379"/>
-            <a:ext cx="2518638" cy="246221"/>
-          </a:xfrm>
-          <a:prstGeom prst="rect">
-            <a:avLst/>
-          </a:prstGeom>
-          <a:solidFill>
-            <a:schemeClr val="bg1"/>
-          </a:solidFill>
-        </p:spPr>
-        <p:txBody>
-          <a:bodyPr wrap="none" rtlCol="0">
-            <a:spAutoFit/>
-          </a:bodyPr>
-          <a:lstStyle/>
-          <a:p>
-            <a:r>
-              <a:rPr lang="en-US" sz="1000" dirty="0" smtClean="0">
-                <a:solidFill>
-                  <a:schemeClr val="bg1">
-                    <a:lumMod val="50000"/>
-                  </a:schemeClr>
-                </a:solidFill>
-              </a:rPr>
-              <a:t>© iQuest Group 2013. All rights reserved.</a:t>
-            </a:r>
-          </a:p>
-        </p:txBody>
-      </p:sp>
-      <p:pic>
-        <p:nvPicPr>
-          <p:cNvPr id="2" name="Picture 2"/>
-          <p:cNvPicPr>
-            <a:picLocks noChangeAspect="1" noChangeArrowheads="1"/>
-          </p:cNvPicPr>
-          <p:nvPr/>
-        </p:nvPicPr>
-        <p:blipFill>
-          <a:blip r:embed="rId2">
-            <a:extLst>
-              <a:ext uri="{28A0092B-C50C-407E-A947-70E740481C1C}">
-                <a14:useLocalDpi xmlns:a14="http://schemas.microsoft.com/office/drawing/2010/main" val="0"/>
-              </a:ext>
-            </a:extLst>
-          </a:blip>
-          <a:srcRect/>
-          <a:stretch>
-            <a:fillRect/>
-          </a:stretch>
-        </p:blipFill>
-        <p:spPr bwMode="auto">
-          <a:xfrm>
-            <a:off x="1195388" y="2952750"/>
-            <a:ext cx="6753225" cy="1619250"/>
-          </a:xfrm>
-          <a:prstGeom prst="rect">
-            <a:avLst/>
-          </a:prstGeom>
-          <a:noFill/>
-          <a:ln>
-            <a:noFill/>
-          </a:ln>
-          <a:extLst>
-            <a:ext uri="{909E8E84-426E-40DD-AFC4-6F175D3DCCD1}">
-              <a14:hiddenFill xmlns:a14="http://schemas.microsoft.com/office/drawing/2010/main">
-                <a:solidFill>
-                  <a:schemeClr val="accent1"/>
-                </a:solidFill>
-              </a14:hiddenFill>
-            </a:ext>
-            <a:ext uri="{91240B29-F687-4F45-9708-019B960494DF}">
-              <a14:hiddenLine xmlns:a14="http://schemas.microsoft.com/office/drawing/2010/main" w="9525">
-                <a:solidFill>
-                  <a:schemeClr val="tx1"/>
-                </a:solidFill>
-                <a:miter lim="800000"/>
-                <a:headEnd/>
-                <a:tailEnd/>
-              </a14:hiddenLine>
-            </a:ext>
-          </a:extLst>
-        </p:spPr>
-      </p:pic>
-    </p:spTree>
-    <p:extLst>
-      <p:ext uri="{BB962C8B-B14F-4D97-AF65-F5344CB8AC3E}">
-        <p14:creationId xmlns:p14="http://schemas.microsoft.com/office/powerpoint/2010/main" val="1861461591"/>
-      </p:ext>
-    </p:extLst>
-  </p:cSld>
-  <p:clrMapOvr>
-    <a:masterClrMapping/>
-  </p:clrMapOvr>
-  <p:timing>
-    <p:tnLst>
-      <p:par>
-        <p:cTn id="1" dur="indefinite" restart="never" nodeType="tmRoot"/>
       </p:par>
     </p:tnLst>
   </p:timing>
@@ -9644,7 +9949,7 @@
       </p:sp>
       <p:sp>
         <p:nvSpPr>
-          <p:cNvPr id="6" name="Content Placeholder 2"/>
+          <p:cNvPr id="8" name="Content Placeholder 2"/>
           <p:cNvSpPr>
             <a:spLocks noGrp="1"/>
           </p:cNvSpPr>
@@ -9682,11 +9987,11 @@
                 <a:latin typeface="Courier New" panose="02070309020205020404" pitchFamily="49" charset="0"/>
                 <a:cs typeface="Courier New" panose="02070309020205020404" pitchFamily="49" charset="0"/>
               </a:rPr>
-              <a:t>Dog </a:t>
+              <a:t>FakeBase</a:t>
             </a:r>
             <a:r>
               <a:rPr lang="ro-RO" altLang="en-US" sz="2400" dirty="0" smtClean="0"/>
-              <a:t>function</a:t>
+              <a:t> function</a:t>
             </a:r>
           </a:p>
         </p:txBody>
@@ -9730,7 +10035,7 @@
       </p:sp>
       <p:pic>
         <p:nvPicPr>
-          <p:cNvPr id="4098" name="Picture 2"/>
+          <p:cNvPr id="7170" name="Picture 2"/>
           <p:cNvPicPr>
             <a:picLocks noChangeAspect="1" noChangeArrowheads="1"/>
           </p:cNvPicPr>
@@ -9751,8 +10056,8 @@
         </p:blipFill>
         <p:spPr bwMode="auto">
           <a:xfrm>
-            <a:off x="1176338" y="2038350"/>
-            <a:ext cx="6791325" cy="4057650"/>
+            <a:off x="1200150" y="2895600"/>
+            <a:ext cx="6743700" cy="1619250"/>
           </a:xfrm>
           <a:prstGeom prst="rect">
             <a:avLst/>
@@ -9785,7 +10090,7 @@
     </p:spTree>
     <p:extLst>
       <p:ext uri="{BB962C8B-B14F-4D97-AF65-F5344CB8AC3E}">
-        <p14:creationId xmlns:p14="http://schemas.microsoft.com/office/powerpoint/2010/main" val="3125307590"/>
+        <p14:creationId xmlns:p14="http://schemas.microsoft.com/office/powerpoint/2010/main" val="1861461591"/>
       </p:ext>
     </p:extLst>
   </p:cSld>
@@ -10033,7 +10338,7 @@
       </p:sp>
       <p:sp>
         <p:nvSpPr>
-          <p:cNvPr id="5" name="Content Placeholder 2"/>
+          <p:cNvPr id="6" name="Content Placeholder 2"/>
           <p:cNvSpPr>
             <a:spLocks noGrp="1"/>
           </p:cNvSpPr>
@@ -10044,7 +10349,7 @@
         <p:spPr>
           <a:xfrm>
             <a:off x="685800" y="1371600"/>
-            <a:ext cx="7772400" cy="1143000"/>
+            <a:ext cx="7696200" cy="1143000"/>
           </a:xfrm>
         </p:spPr>
         <p:txBody>
@@ -10053,30 +10358,28 @@
           <a:p>
             <a:r>
               <a:rPr lang="ro-RO" altLang="en-US" sz="2400" dirty="0" smtClean="0"/>
-              <a:t>Fix the „</a:t>
+              <a:t>Set the </a:t>
             </a:r>
             <a:r>
               <a:rPr lang="ro-RO" altLang="en-US" sz="2400" dirty="0" smtClean="0">
                 <a:latin typeface="Courier New" panose="02070309020205020404" pitchFamily="49" charset="0"/>
                 <a:cs typeface="Courier New" panose="02070309020205020404" pitchFamily="49" charset="0"/>
               </a:rPr>
-              <a:t>constructor</a:t>
+              <a:t>prototype</a:t>
             </a:r>
             <a:r>
               <a:rPr lang="ro-RO" altLang="en-US" sz="2400" dirty="0" smtClean="0"/>
-              <a:t>” property of the </a:t>
+              <a:t> property of the </a:t>
             </a:r>
             <a:r>
               <a:rPr lang="ro-RO" altLang="en-US" sz="2400" dirty="0" smtClean="0">
                 <a:latin typeface="Courier New" panose="02070309020205020404" pitchFamily="49" charset="0"/>
                 <a:cs typeface="Courier New" panose="02070309020205020404" pitchFamily="49" charset="0"/>
               </a:rPr>
-              <a:t>FakeBase </a:t>
-            </a:r>
-            <a:r>
-              <a:rPr lang="ro-RO" altLang="en-US" sz="2400" dirty="0" smtClean="0">
-                <a:cs typeface="Courier New" panose="02070309020205020404" pitchFamily="49" charset="0"/>
-              </a:rPr>
+              <a:t>Dog </a:t>
+            </a:r>
+            <a:r>
+              <a:rPr lang="ro-RO" altLang="en-US" sz="2400" dirty="0" smtClean="0"/>
               <a:t>function</a:t>
             </a:r>
           </a:p>
@@ -10084,7 +10387,7 @@
       </p:sp>
       <p:sp>
         <p:nvSpPr>
-          <p:cNvPr id="6" name="TextBox 5"/>
+          <p:cNvPr id="5" name="TextBox 4"/>
           <p:cNvSpPr txBox="1"/>
           <p:nvPr/>
         </p:nvSpPr>
@@ -10121,7 +10424,7 @@
       </p:sp>
       <p:pic>
         <p:nvPicPr>
-          <p:cNvPr id="3074" name="Picture 2"/>
+          <p:cNvPr id="8194" name="Picture 2"/>
           <p:cNvPicPr>
             <a:picLocks noChangeAspect="1" noChangeArrowheads="1"/>
           </p:cNvPicPr>
@@ -10142,8 +10445,8 @@
         </p:blipFill>
         <p:spPr bwMode="auto">
           <a:xfrm>
-            <a:off x="1152525" y="2971800"/>
-            <a:ext cx="6838950" cy="1828800"/>
+            <a:off x="1176338" y="1962150"/>
+            <a:ext cx="6791325" cy="4057650"/>
           </a:xfrm>
           <a:prstGeom prst="rect">
             <a:avLst/>
@@ -10176,7 +10479,7 @@
     </p:spTree>
     <p:extLst>
       <p:ext uri="{BB962C8B-B14F-4D97-AF65-F5344CB8AC3E}">
-        <p14:creationId xmlns:p14="http://schemas.microsoft.com/office/powerpoint/2010/main" val="3138581112"/>
+        <p14:creationId xmlns:p14="http://schemas.microsoft.com/office/powerpoint/2010/main" val="3125307590"/>
       </p:ext>
     </p:extLst>
   </p:cSld>
@@ -10275,12 +10578,33 @@
           <a:lstStyle/>
           <a:p>
             <a:r>
-              <a:rPr lang="en-US" altLang="en-US" sz="2400" dirty="0" smtClean="0"/>
-              <a:t>Call base constructor.</a:t>
-            </a:r>
-            <a:endParaRPr lang="ro-RO" altLang="en-US" sz="2400" dirty="0" smtClean="0">
-              <a:cs typeface="Courier New" panose="02070309020205020404" pitchFamily="49" charset="0"/>
-            </a:endParaRPr>
+              <a:rPr lang="ro-RO" altLang="en-US" sz="2400" dirty="0" smtClean="0"/>
+              <a:t>Fix the „</a:t>
+            </a:r>
+            <a:r>
+              <a:rPr lang="ro-RO" altLang="en-US" sz="2400" dirty="0" smtClean="0">
+                <a:latin typeface="Courier New" panose="02070309020205020404" pitchFamily="49" charset="0"/>
+                <a:cs typeface="Courier New" panose="02070309020205020404" pitchFamily="49" charset="0"/>
+              </a:rPr>
+              <a:t>constructor</a:t>
+            </a:r>
+            <a:r>
+              <a:rPr lang="ro-RO" altLang="en-US" sz="2400" dirty="0" smtClean="0"/>
+              <a:t>” property of the </a:t>
+            </a:r>
+            <a:r>
+              <a:rPr lang="ro-RO" altLang="en-US" sz="2400" dirty="0" smtClean="0">
+                <a:latin typeface="Courier New" panose="02070309020205020404" pitchFamily="49" charset="0"/>
+                <a:cs typeface="Courier New" panose="02070309020205020404" pitchFamily="49" charset="0"/>
+              </a:rPr>
+              <a:t>FakeBase </a:t>
+            </a:r>
+            <a:r>
+              <a:rPr lang="ro-RO" altLang="en-US" sz="2400" dirty="0" smtClean="0">
+                <a:cs typeface="Courier New" panose="02070309020205020404" pitchFamily="49" charset="0"/>
+              </a:rPr>
+              <a:t>function</a:t>
+            </a:r>
           </a:p>
         </p:txBody>
       </p:sp>
@@ -10323,7 +10647,7 @@
       </p:sp>
       <p:pic>
         <p:nvPicPr>
-          <p:cNvPr id="2051" name="Picture 3"/>
+          <p:cNvPr id="9218" name="Picture 2"/>
           <p:cNvPicPr>
             <a:picLocks noChangeAspect="1" noChangeArrowheads="1"/>
           </p:cNvPicPr>
@@ -10344,8 +10668,8 @@
         </p:blipFill>
         <p:spPr bwMode="auto">
           <a:xfrm>
-            <a:off x="1152525" y="1981200"/>
-            <a:ext cx="6838950" cy="4171950"/>
+            <a:off x="1152525" y="2819400"/>
+            <a:ext cx="6838950" cy="1828800"/>
           </a:xfrm>
           <a:prstGeom prst="rect">
             <a:avLst/>
@@ -10378,7 +10702,7 @@
     </p:spTree>
     <p:extLst>
       <p:ext uri="{BB962C8B-B14F-4D97-AF65-F5344CB8AC3E}">
-        <p14:creationId xmlns:p14="http://schemas.microsoft.com/office/powerpoint/2010/main" val="4027063244"/>
+        <p14:creationId xmlns:p14="http://schemas.microsoft.com/office/powerpoint/2010/main" val="3138581112"/>
       </p:ext>
     </p:extLst>
   </p:cSld>
@@ -10468,8 +10792,8 @@
         </p:nvSpPr>
         <p:spPr>
           <a:xfrm>
-            <a:off x="685800" y="1295400"/>
-            <a:ext cx="5029200" cy="533400"/>
+            <a:off x="685800" y="1371600"/>
+            <a:ext cx="7772400" cy="1143000"/>
           </a:xfrm>
         </p:spPr>
         <p:txBody>
@@ -10477,15 +10801,55 @@
           <a:lstStyle/>
           <a:p>
             <a:r>
-              <a:rPr lang="ro-RO" altLang="en-US" sz="2400" dirty="0" smtClean="0"/>
-              <a:t>In ECMA Script 5</a:t>
+              <a:rPr lang="en-US" altLang="en-US" sz="2400" dirty="0" smtClean="0"/>
+              <a:t>Call base constructor.</a:t>
+            </a:r>
+            <a:endParaRPr lang="ro-RO" altLang="en-US" sz="2400" dirty="0" smtClean="0">
+              <a:cs typeface="Courier New" panose="02070309020205020404" pitchFamily="49" charset="0"/>
+            </a:endParaRPr>
+          </a:p>
+        </p:txBody>
+      </p:sp>
+      <p:sp>
+        <p:nvSpPr>
+          <p:cNvPr id="6" name="TextBox 5"/>
+          <p:cNvSpPr txBox="1"/>
+          <p:nvPr/>
+        </p:nvSpPr>
+        <p:spPr>
+          <a:xfrm>
+            <a:off x="3352800" y="6459379"/>
+            <a:ext cx="2518638" cy="246221"/>
+          </a:xfrm>
+          <a:prstGeom prst="rect">
+            <a:avLst/>
+          </a:prstGeom>
+          <a:solidFill>
+            <a:schemeClr val="bg1"/>
+          </a:solidFill>
+        </p:spPr>
+        <p:txBody>
+          <a:bodyPr wrap="none" rtlCol="0">
+            <a:spAutoFit/>
+          </a:bodyPr>
+          <a:lstStyle/>
+          <a:p>
+            <a:r>
+              <a:rPr lang="en-US" sz="1000" dirty="0" smtClean="0">
+                <a:solidFill>
+                  <a:schemeClr val="bg1">
+                    <a:lumMod val="50000"/>
+                  </a:schemeClr>
+                </a:solidFill>
+              </a:rPr>
+              <a:t>© iQuest Group 2013. All rights reserved.</a:t>
             </a:r>
           </a:p>
         </p:txBody>
       </p:sp>
       <p:pic>
         <p:nvPicPr>
-          <p:cNvPr id="6146" name="Picture 2"/>
+          <p:cNvPr id="10242" name="Picture 2"/>
           <p:cNvPicPr>
             <a:picLocks noChangeAspect="1" noChangeArrowheads="1"/>
           </p:cNvPicPr>
@@ -10506,8 +10870,8 @@
         </p:blipFill>
         <p:spPr bwMode="auto">
           <a:xfrm>
-            <a:off x="1245817" y="1981200"/>
-            <a:ext cx="6686550" cy="3981450"/>
+            <a:off x="1157288" y="2057400"/>
+            <a:ext cx="6829425" cy="3952875"/>
           </a:xfrm>
           <a:prstGeom prst="rect">
             <a:avLst/>
@@ -10537,110 +10901,10 @@
           </a:extLst>
         </p:spPr>
       </p:pic>
-      <p:sp>
-        <p:nvSpPr>
-          <p:cNvPr id="6" name="TextBox 5"/>
-          <p:cNvSpPr txBox="1"/>
-          <p:nvPr/>
-        </p:nvSpPr>
-        <p:spPr>
-          <a:xfrm>
-            <a:off x="6400800" y="6027139"/>
-            <a:ext cx="2169184" cy="246221"/>
-          </a:xfrm>
-          <a:prstGeom prst="rect">
-            <a:avLst/>
-          </a:prstGeom>
-          <a:noFill/>
-        </p:spPr>
-        <p:txBody>
-          <a:bodyPr wrap="none" rtlCol="0">
-            <a:spAutoFit/>
-          </a:bodyPr>
-          <a:lstStyle/>
-          <a:p>
-            <a:pPr algn="r"/>
-            <a:r>
-              <a:rPr lang="ro-RO" sz="1000" dirty="0" smtClean="0">
-                <a:solidFill>
-                  <a:schemeClr val="bg1">
-                    <a:lumMod val="75000"/>
-                  </a:schemeClr>
-                </a:solidFill>
-              </a:rPr>
-              <a:t>[</a:t>
-            </a:r>
-            <a:r>
-              <a:rPr lang="en-US" sz="1000" dirty="0" smtClean="0">
-                <a:solidFill>
-                  <a:schemeClr val="bg1">
-                    <a:lumMod val="75000"/>
-                  </a:schemeClr>
-                </a:solidFill>
-              </a:rPr>
-              <a:t>show code: Biorhythm inheritance</a:t>
-            </a:r>
-            <a:r>
-              <a:rPr lang="ro-RO" sz="1000" dirty="0" smtClean="0">
-                <a:solidFill>
-                  <a:schemeClr val="bg1">
-                    <a:lumMod val="75000"/>
-                  </a:schemeClr>
-                </a:solidFill>
-              </a:rPr>
-              <a:t>]</a:t>
-            </a:r>
-            <a:endParaRPr lang="en-US" sz="1000" dirty="0">
-              <a:solidFill>
-                <a:schemeClr val="bg1">
-                  <a:lumMod val="75000"/>
-                </a:schemeClr>
-              </a:solidFill>
-            </a:endParaRPr>
-          </a:p>
-        </p:txBody>
-      </p:sp>
-      <p:sp>
-        <p:nvSpPr>
-          <p:cNvPr id="7" name="TextBox 6"/>
-          <p:cNvSpPr txBox="1"/>
-          <p:nvPr/>
-        </p:nvSpPr>
-        <p:spPr>
-          <a:xfrm>
-            <a:off x="3352800" y="6459379"/>
-            <a:ext cx="2518638" cy="246221"/>
-          </a:xfrm>
-          <a:prstGeom prst="rect">
-            <a:avLst/>
-          </a:prstGeom>
-          <a:solidFill>
-            <a:schemeClr val="bg1"/>
-          </a:solidFill>
-        </p:spPr>
-        <p:txBody>
-          <a:bodyPr wrap="none" rtlCol="0">
-            <a:spAutoFit/>
-          </a:bodyPr>
-          <a:lstStyle/>
-          <a:p>
-            <a:r>
-              <a:rPr lang="en-US" sz="1000" dirty="0" smtClean="0">
-                <a:solidFill>
-                  <a:schemeClr val="bg1">
-                    <a:lumMod val="50000"/>
-                  </a:schemeClr>
-                </a:solidFill>
-              </a:rPr>
-              <a:t>© iQuest Group 2013. All rights reserved.</a:t>
-            </a:r>
-          </a:p>
-        </p:txBody>
-      </p:sp>
     </p:spTree>
     <p:extLst>
       <p:ext uri="{BB962C8B-B14F-4D97-AF65-F5344CB8AC3E}">
-        <p14:creationId xmlns:p14="http://schemas.microsoft.com/office/powerpoint/2010/main" val="1830154489"/>
+        <p14:creationId xmlns:p14="http://schemas.microsoft.com/office/powerpoint/2010/main" val="4027063244"/>
       </p:ext>
     </p:extLst>
   </p:cSld>
@@ -10700,8 +10964,21 @@
             </a:r>
             <a:r>
               <a:rPr lang="en-US" altLang="en-US" sz="2400" dirty="0" smtClean="0"/>
-              <a:t>Conclusion</a:t>
-            </a:r>
+              <a:t>W</a:t>
+            </a:r>
+            <a:r>
+              <a:rPr lang="ro-RO" altLang="en-US" sz="2400" dirty="0" smtClean="0"/>
+              <a:t>ith </a:t>
+            </a:r>
+            <a:r>
+              <a:rPr lang="en-US" altLang="en-US" sz="2400" dirty="0" smtClean="0"/>
+              <a:t>P</a:t>
+            </a:r>
+            <a:r>
+              <a:rPr lang="ro-RO" altLang="en-US" sz="2400" dirty="0" smtClean="0"/>
+              <a:t>arameters</a:t>
+            </a:r>
+            <a:endParaRPr lang="en-US" altLang="en-US" sz="2400" dirty="0" smtClean="0"/>
           </a:p>
         </p:txBody>
       </p:sp>
@@ -10726,14 +11003,9 @@
           <a:lstStyle/>
           <a:p>
             <a:r>
-              <a:rPr lang="en-US" altLang="en-US" sz="2400" dirty="0" smtClean="0"/>
-              <a:t>Inheritance – no </a:t>
-            </a:r>
-            <a:r>
-              <a:rPr lang="en-US" altLang="en-US" sz="2400" dirty="0" err="1" smtClean="0"/>
-              <a:t>params</a:t>
-            </a:r>
-            <a:endParaRPr lang="ro-RO" altLang="en-US" sz="2400" dirty="0" smtClean="0"/>
+              <a:rPr lang="ro-RO" altLang="en-US" sz="2400" dirty="0" smtClean="0"/>
+              <a:t>In ECMA Script 5</a:t>
+            </a:r>
           </a:p>
         </p:txBody>
       </p:sp>
@@ -10837,284 +11109,31 @@
           </a:p>
         </p:txBody>
       </p:sp>
-      <p:sp>
-        <p:nvSpPr>
-          <p:cNvPr id="3" name="TextBox 2"/>
-          <p:cNvSpPr txBox="1"/>
+      <p:pic>
+        <p:nvPicPr>
+          <p:cNvPr id="11267" name="Picture 3"/>
+          <p:cNvPicPr>
+            <a:picLocks noChangeAspect="1" noChangeArrowheads="1"/>
+          </p:cNvPicPr>
           <p:nvPr/>
-        </p:nvSpPr>
-        <p:spPr>
-          <a:xfrm>
-            <a:off x="2057400" y="1905000"/>
-            <a:ext cx="3159839" cy="1200329"/>
-          </a:xfrm>
-          <a:prstGeom prst="rect">
-            <a:avLst/>
-          </a:prstGeom>
-          <a:noFill/>
-        </p:spPr>
-        <p:txBody>
-          <a:bodyPr wrap="none" rtlCol="0">
-            <a:spAutoFit/>
-          </a:bodyPr>
-          <a:lstStyle/>
-          <a:p>
-            <a:r>
-              <a:rPr lang="en-US" sz="1200" dirty="0">
-                <a:latin typeface="Courier New" panose="02070309020205020404" pitchFamily="49" charset="0"/>
-                <a:cs typeface="Courier New" panose="02070309020205020404" pitchFamily="49" charset="0"/>
-              </a:rPr>
-              <a:t>function Animal() </a:t>
-            </a:r>
-            <a:r>
-              <a:rPr lang="en-US" sz="1200" dirty="0" smtClean="0">
-                <a:latin typeface="Courier New" panose="02070309020205020404" pitchFamily="49" charset="0"/>
-                <a:cs typeface="Courier New" panose="02070309020205020404" pitchFamily="49" charset="0"/>
-              </a:rPr>
-              <a:t>{}</a:t>
-            </a:r>
-          </a:p>
-          <a:p>
-            <a:endParaRPr lang="en-US" sz="1200" dirty="0">
-              <a:latin typeface="Courier New" panose="02070309020205020404" pitchFamily="49" charset="0"/>
-              <a:cs typeface="Courier New" panose="02070309020205020404" pitchFamily="49" charset="0"/>
-            </a:endParaRPr>
-          </a:p>
-          <a:p>
-            <a:r>
-              <a:rPr lang="en-US" sz="1200" dirty="0">
-                <a:latin typeface="Courier New" panose="02070309020205020404" pitchFamily="49" charset="0"/>
-                <a:cs typeface="Courier New" panose="02070309020205020404" pitchFamily="49" charset="0"/>
-              </a:rPr>
-              <a:t>function Dog() {}</a:t>
-            </a:r>
-          </a:p>
-          <a:p>
-            <a:endParaRPr lang="en-US" sz="1200" dirty="0">
-              <a:latin typeface="Courier New" panose="02070309020205020404" pitchFamily="49" charset="0"/>
-              <a:cs typeface="Courier New" panose="02070309020205020404" pitchFamily="49" charset="0"/>
-            </a:endParaRPr>
-          </a:p>
-          <a:p>
-            <a:r>
-              <a:rPr lang="en-US" sz="1200" dirty="0" err="1">
-                <a:latin typeface="Courier New" panose="02070309020205020404" pitchFamily="49" charset="0"/>
-                <a:cs typeface="Courier New" panose="02070309020205020404" pitchFamily="49" charset="0"/>
-              </a:rPr>
-              <a:t>Dog.prototype</a:t>
-            </a:r>
-            <a:r>
-              <a:rPr lang="en-US" sz="1200" dirty="0">
-                <a:latin typeface="Courier New" panose="02070309020205020404" pitchFamily="49" charset="0"/>
-                <a:cs typeface="Courier New" panose="02070309020205020404" pitchFamily="49" charset="0"/>
-              </a:rPr>
-              <a:t> = new Animal();</a:t>
-            </a:r>
-          </a:p>
-          <a:p>
-            <a:r>
-              <a:rPr lang="en-US" sz="1200" dirty="0" err="1">
-                <a:latin typeface="Courier New" panose="02070309020205020404" pitchFamily="49" charset="0"/>
-                <a:cs typeface="Courier New" panose="02070309020205020404" pitchFamily="49" charset="0"/>
-              </a:rPr>
-              <a:t>Dog.prototype.constructor</a:t>
-            </a:r>
-            <a:r>
-              <a:rPr lang="en-US" sz="1200" dirty="0">
-                <a:latin typeface="Courier New" panose="02070309020205020404" pitchFamily="49" charset="0"/>
-                <a:cs typeface="Courier New" panose="02070309020205020404" pitchFamily="49" charset="0"/>
-              </a:rPr>
-              <a:t> = Dog</a:t>
-            </a:r>
-            <a:r>
-              <a:rPr lang="en-US" sz="1200" dirty="0" smtClean="0">
-                <a:latin typeface="Courier New" panose="02070309020205020404" pitchFamily="49" charset="0"/>
-                <a:cs typeface="Courier New" panose="02070309020205020404" pitchFamily="49" charset="0"/>
-              </a:rPr>
-              <a:t>;</a:t>
-            </a:r>
-            <a:endParaRPr lang="en-US" sz="1200" dirty="0">
-              <a:latin typeface="Courier New" panose="02070309020205020404" pitchFamily="49" charset="0"/>
-              <a:cs typeface="Courier New" panose="02070309020205020404" pitchFamily="49" charset="0"/>
-            </a:endParaRPr>
-          </a:p>
-        </p:txBody>
-      </p:sp>
-      <p:sp>
-        <p:nvSpPr>
-          <p:cNvPr id="4" name="TextBox 3"/>
-          <p:cNvSpPr txBox="1"/>
-          <p:nvPr/>
-        </p:nvSpPr>
-        <p:spPr>
-          <a:xfrm>
-            <a:off x="2058174" y="4084260"/>
-            <a:ext cx="4647426" cy="1569660"/>
-          </a:xfrm>
-          <a:prstGeom prst="rect">
-            <a:avLst/>
-          </a:prstGeom>
-          <a:noFill/>
-        </p:spPr>
-        <p:txBody>
-          <a:bodyPr wrap="none" rtlCol="0">
-            <a:spAutoFit/>
-          </a:bodyPr>
-          <a:lstStyle/>
-          <a:p>
-            <a:r>
-              <a:rPr lang="en-US" sz="1200" dirty="0">
-                <a:latin typeface="Courier New" panose="02070309020205020404" pitchFamily="49" charset="0"/>
-                <a:cs typeface="Courier New" panose="02070309020205020404" pitchFamily="49" charset="0"/>
-              </a:rPr>
-              <a:t>function Animal(name) </a:t>
-            </a:r>
-            <a:r>
-              <a:rPr lang="en-US" sz="1200" dirty="0" smtClean="0">
-                <a:latin typeface="Courier New" panose="02070309020205020404" pitchFamily="49" charset="0"/>
-                <a:cs typeface="Courier New" panose="02070309020205020404" pitchFamily="49" charset="0"/>
-              </a:rPr>
-              <a:t>{}</a:t>
-            </a:r>
-          </a:p>
-          <a:p>
-            <a:endParaRPr lang="en-US" sz="1200" dirty="0">
-              <a:latin typeface="Courier New" panose="02070309020205020404" pitchFamily="49" charset="0"/>
-              <a:cs typeface="Courier New" panose="02070309020205020404" pitchFamily="49" charset="0"/>
-            </a:endParaRPr>
-          </a:p>
-          <a:p>
-            <a:r>
-              <a:rPr lang="en-US" sz="1200" dirty="0">
-                <a:latin typeface="Courier New" panose="02070309020205020404" pitchFamily="49" charset="0"/>
-                <a:cs typeface="Courier New" panose="02070309020205020404" pitchFamily="49" charset="0"/>
-              </a:rPr>
-              <a:t>function Dog(name) {</a:t>
-            </a:r>
-          </a:p>
-          <a:p>
-            <a:r>
-              <a:rPr lang="en-US" sz="1200" dirty="0">
-                <a:latin typeface="Courier New" panose="02070309020205020404" pitchFamily="49" charset="0"/>
-                <a:cs typeface="Courier New" panose="02070309020205020404" pitchFamily="49" charset="0"/>
-              </a:rPr>
-              <a:t>    </a:t>
-            </a:r>
-            <a:r>
-              <a:rPr lang="en-US" sz="1200" dirty="0" err="1">
-                <a:latin typeface="Courier New" panose="02070309020205020404" pitchFamily="49" charset="0"/>
-                <a:cs typeface="Courier New" panose="02070309020205020404" pitchFamily="49" charset="0"/>
-              </a:rPr>
-              <a:t>Animal.call</a:t>
-            </a:r>
-            <a:r>
-              <a:rPr lang="en-US" sz="1200" dirty="0">
-                <a:latin typeface="Courier New" panose="02070309020205020404" pitchFamily="49" charset="0"/>
-                <a:cs typeface="Courier New" panose="02070309020205020404" pitchFamily="49" charset="0"/>
-              </a:rPr>
-              <a:t>(this, name);</a:t>
-            </a:r>
-          </a:p>
-          <a:p>
-            <a:r>
-              <a:rPr lang="en-US" sz="1200" dirty="0">
-                <a:latin typeface="Courier New" panose="02070309020205020404" pitchFamily="49" charset="0"/>
-                <a:cs typeface="Courier New" panose="02070309020205020404" pitchFamily="49" charset="0"/>
-              </a:rPr>
-              <a:t>}</a:t>
-            </a:r>
-          </a:p>
-          <a:p>
-            <a:endParaRPr lang="en-US" sz="1200" dirty="0">
-              <a:latin typeface="Courier New" panose="02070309020205020404" pitchFamily="49" charset="0"/>
-              <a:cs typeface="Courier New" panose="02070309020205020404" pitchFamily="49" charset="0"/>
-            </a:endParaRPr>
-          </a:p>
-          <a:p>
-            <a:r>
-              <a:rPr lang="en-US" sz="1200" dirty="0" err="1">
-                <a:latin typeface="Courier New" panose="02070309020205020404" pitchFamily="49" charset="0"/>
-                <a:cs typeface="Courier New" panose="02070309020205020404" pitchFamily="49" charset="0"/>
-              </a:rPr>
-              <a:t>Dog.prototype</a:t>
-            </a:r>
-            <a:r>
-              <a:rPr lang="en-US" sz="1200" dirty="0">
-                <a:latin typeface="Courier New" panose="02070309020205020404" pitchFamily="49" charset="0"/>
-                <a:cs typeface="Courier New" panose="02070309020205020404" pitchFamily="49" charset="0"/>
-              </a:rPr>
-              <a:t> = </a:t>
-            </a:r>
-            <a:r>
-              <a:rPr lang="en-US" sz="1200" dirty="0" err="1">
-                <a:latin typeface="Courier New" panose="02070309020205020404" pitchFamily="49" charset="0"/>
-                <a:cs typeface="Courier New" panose="02070309020205020404" pitchFamily="49" charset="0"/>
-              </a:rPr>
-              <a:t>Object.create</a:t>
-            </a:r>
-            <a:r>
-              <a:rPr lang="en-US" sz="1200" dirty="0">
-                <a:latin typeface="Courier New" panose="02070309020205020404" pitchFamily="49" charset="0"/>
-                <a:cs typeface="Courier New" panose="02070309020205020404" pitchFamily="49" charset="0"/>
-              </a:rPr>
-              <a:t>(</a:t>
-            </a:r>
-            <a:r>
-              <a:rPr lang="en-US" sz="1200" dirty="0" err="1">
-                <a:latin typeface="Courier New" panose="02070309020205020404" pitchFamily="49" charset="0"/>
-                <a:cs typeface="Courier New" panose="02070309020205020404" pitchFamily="49" charset="0"/>
-              </a:rPr>
-              <a:t>Animal.prototype</a:t>
-            </a:r>
-            <a:r>
-              <a:rPr lang="en-US" sz="1200" dirty="0">
-                <a:latin typeface="Courier New" panose="02070309020205020404" pitchFamily="49" charset="0"/>
-                <a:cs typeface="Courier New" panose="02070309020205020404" pitchFamily="49" charset="0"/>
-              </a:rPr>
-              <a:t>);</a:t>
-            </a:r>
-          </a:p>
-          <a:p>
-            <a:r>
-              <a:rPr lang="en-US" sz="1200" dirty="0" err="1">
-                <a:latin typeface="Courier New" panose="02070309020205020404" pitchFamily="49" charset="0"/>
-                <a:cs typeface="Courier New" panose="02070309020205020404" pitchFamily="49" charset="0"/>
-              </a:rPr>
-              <a:t>Dog.prototype.constructor</a:t>
-            </a:r>
-            <a:r>
-              <a:rPr lang="en-US" sz="1200" dirty="0">
-                <a:latin typeface="Courier New" panose="02070309020205020404" pitchFamily="49" charset="0"/>
-                <a:cs typeface="Courier New" panose="02070309020205020404" pitchFamily="49" charset="0"/>
-              </a:rPr>
-              <a:t> = Dog</a:t>
-            </a:r>
-            <a:r>
-              <a:rPr lang="en-US" sz="1200" dirty="0" smtClean="0">
-                <a:latin typeface="Courier New" panose="02070309020205020404" pitchFamily="49" charset="0"/>
-                <a:cs typeface="Courier New" panose="02070309020205020404" pitchFamily="49" charset="0"/>
-              </a:rPr>
-              <a:t>;</a:t>
-            </a:r>
-            <a:endParaRPr lang="en-US" sz="1200" dirty="0">
-              <a:latin typeface="Courier New" panose="02070309020205020404" pitchFamily="49" charset="0"/>
-              <a:cs typeface="Courier New" panose="02070309020205020404" pitchFamily="49" charset="0"/>
-            </a:endParaRPr>
-          </a:p>
-        </p:txBody>
-      </p:sp>
-      <p:sp>
-        <p:nvSpPr>
-          <p:cNvPr id="10" name="Content Placeholder 2"/>
-          <p:cNvSpPr txBox="1">
-            <a:spLocks/>
-          </p:cNvSpPr>
-          <p:nvPr/>
-        </p:nvSpPr>
+        </p:nvPicPr>
+        <p:blipFill>
+          <a:blip r:embed="rId2">
+            <a:extLst>
+              <a:ext uri="{28A0092B-C50C-407E-A947-70E740481C1C}">
+                <a14:useLocalDpi xmlns:a14="http://schemas.microsoft.com/office/drawing/2010/main" val="0"/>
+              </a:ext>
+            </a:extLst>
+          </a:blip>
+          <a:srcRect/>
+          <a:stretch>
+            <a:fillRect/>
+          </a:stretch>
+        </p:blipFill>
         <p:spPr bwMode="auto">
           <a:xfrm>
-            <a:off x="685800" y="3493093"/>
-            <a:ext cx="5029200" cy="533400"/>
+            <a:off x="1233488" y="1962150"/>
+            <a:ext cx="6677025" cy="3981450"/>
           </a:xfrm>
           <a:prstGeom prst="rect">
             <a:avLst/>
@@ -11127,14 +11146,14 @@
             <a:ext uri="{909E8E84-426E-40DD-AFC4-6F175D3DCCD1}">
               <a14:hiddenFill xmlns:a14="http://schemas.microsoft.com/office/drawing/2010/main">
                 <a:solidFill>
-                  <a:srgbClr val="FFFFFF"/>
+                  <a:schemeClr val="accent1"/>
                 </a:solidFill>
               </a14:hiddenFill>
             </a:ext>
             <a:ext uri="{91240B29-F687-4F45-9708-019B960494DF}">
               <a14:hiddenLine xmlns:a14="http://schemas.microsoft.com/office/drawing/2010/main" w="9525">
                 <a:solidFill>
-                  <a:srgbClr val="000000"/>
+                  <a:schemeClr val="tx1"/>
                 </a:solidFill>
                 <a:miter lim="800000"/>
                 <a:headEnd/>
@@ -11143,182 +11162,11 @@
             </a:ext>
           </a:extLst>
         </p:spPr>
-        <p:txBody>
-          <a:bodyPr vert="horz" wrap="square" lIns="91440" tIns="45720" rIns="91440" bIns="45720" numCol="1" anchor="t" anchorCtr="0" compatLnSpc="1">
-            <a:prstTxWarp prst="textNoShape">
-              <a:avLst/>
-            </a:prstTxWarp>
-          </a:bodyPr>
-          <a:lstStyle>
-            <a:lvl1pPr marL="190500" indent="-190500" algn="l" rtl="0" eaLnBrk="0" fontAlgn="base" hangingPunct="0">
-              <a:spcBef>
-                <a:spcPct val="20000"/>
-              </a:spcBef>
-              <a:spcAft>
-                <a:spcPct val="0"/>
-              </a:spcAft>
-              <a:buSzPct val="80000"/>
-              <a:buFont typeface="Wingdings" pitchFamily="2" charset="2"/>
-              <a:buChar char="§"/>
-              <a:defRPr sz="2000">
-                <a:solidFill>
-                  <a:srgbClr val="32496A"/>
-                </a:solidFill>
-                <a:latin typeface="+mn-lt"/>
-                <a:ea typeface="+mn-ea"/>
-                <a:cs typeface="+mn-cs"/>
-              </a:defRPr>
-            </a:lvl1pPr>
-            <a:lvl2pPr marL="571500" indent="-190500" algn="l" rtl="0" eaLnBrk="0" fontAlgn="base" hangingPunct="0">
-              <a:spcBef>
-                <a:spcPct val="20000"/>
-              </a:spcBef>
-              <a:spcAft>
-                <a:spcPct val="0"/>
-              </a:spcAft>
-              <a:buClr>
-                <a:srgbClr val="32496A"/>
-              </a:buClr>
-              <a:buSzPct val="80000"/>
-              <a:buFont typeface="Arial" charset="0"/>
-              <a:buChar char="-"/>
-              <a:defRPr sz="2800">
-                <a:solidFill>
-                  <a:srgbClr val="32496A"/>
-                </a:solidFill>
-                <a:latin typeface="+mn-lt"/>
-              </a:defRPr>
-            </a:lvl2pPr>
-            <a:lvl3pPr marL="952500" indent="-190500" algn="l" rtl="0" eaLnBrk="0" fontAlgn="base" hangingPunct="0">
-              <a:spcBef>
-                <a:spcPct val="20000"/>
-              </a:spcBef>
-              <a:spcAft>
-                <a:spcPct val="0"/>
-              </a:spcAft>
-              <a:buClr>
-                <a:srgbClr val="32496A"/>
-              </a:buClr>
-              <a:buSzPct val="70000"/>
-              <a:buFont typeface="Wingdings" pitchFamily="2" charset="2"/>
-              <a:buChar char="à"/>
-              <a:defRPr sz="1400">
-                <a:solidFill>
-                  <a:srgbClr val="32496A"/>
-                </a:solidFill>
-                <a:latin typeface="+mn-lt"/>
-              </a:defRPr>
-            </a:lvl3pPr>
-            <a:lvl4pPr marL="1333500" indent="-190500" algn="l" rtl="0" eaLnBrk="0" fontAlgn="base" hangingPunct="0">
-              <a:spcBef>
-                <a:spcPct val="20000"/>
-              </a:spcBef>
-              <a:spcAft>
-                <a:spcPct val="0"/>
-              </a:spcAft>
-              <a:buSzPct val="80000"/>
-              <a:buFont typeface="Wingdings" pitchFamily="2" charset="2"/>
-              <a:buChar char="§"/>
-              <a:defRPr sz="1400">
-                <a:solidFill>
-                  <a:srgbClr val="32496A"/>
-                </a:solidFill>
-                <a:latin typeface="+mn-lt"/>
-              </a:defRPr>
-            </a:lvl4pPr>
-            <a:lvl5pPr marL="1714500" indent="-190500" algn="l" rtl="0" eaLnBrk="0" fontAlgn="base" hangingPunct="0">
-              <a:spcBef>
-                <a:spcPct val="20000"/>
-              </a:spcBef>
-              <a:spcAft>
-                <a:spcPct val="0"/>
-              </a:spcAft>
-              <a:buChar char="»"/>
-              <a:defRPr sz="2000">
-                <a:solidFill>
-                  <a:schemeClr val="tx1"/>
-                </a:solidFill>
-                <a:latin typeface="+mn-lt"/>
-              </a:defRPr>
-            </a:lvl5pPr>
-            <a:lvl6pPr marL="2171700" indent="-190500" algn="l" rtl="0" fontAlgn="base">
-              <a:spcBef>
-                <a:spcPct val="20000"/>
-              </a:spcBef>
-              <a:spcAft>
-                <a:spcPct val="0"/>
-              </a:spcAft>
-              <a:buChar char="»"/>
-              <a:defRPr sz="2000">
-                <a:solidFill>
-                  <a:schemeClr val="tx1"/>
-                </a:solidFill>
-                <a:latin typeface="+mn-lt"/>
-              </a:defRPr>
-            </a:lvl6pPr>
-            <a:lvl7pPr marL="2628900" indent="-190500" algn="l" rtl="0" fontAlgn="base">
-              <a:spcBef>
-                <a:spcPct val="20000"/>
-              </a:spcBef>
-              <a:spcAft>
-                <a:spcPct val="0"/>
-              </a:spcAft>
-              <a:buChar char="»"/>
-              <a:defRPr sz="2000">
-                <a:solidFill>
-                  <a:schemeClr val="tx1"/>
-                </a:solidFill>
-                <a:latin typeface="+mn-lt"/>
-              </a:defRPr>
-            </a:lvl7pPr>
-            <a:lvl8pPr marL="3086100" indent="-190500" algn="l" rtl="0" fontAlgn="base">
-              <a:spcBef>
-                <a:spcPct val="20000"/>
-              </a:spcBef>
-              <a:spcAft>
-                <a:spcPct val="0"/>
-              </a:spcAft>
-              <a:buChar char="»"/>
-              <a:defRPr sz="2000">
-                <a:solidFill>
-                  <a:schemeClr val="tx1"/>
-                </a:solidFill>
-                <a:latin typeface="+mn-lt"/>
-              </a:defRPr>
-            </a:lvl8pPr>
-            <a:lvl9pPr marL="3543300" indent="-190500" algn="l" rtl="0" fontAlgn="base">
-              <a:spcBef>
-                <a:spcPct val="20000"/>
-              </a:spcBef>
-              <a:spcAft>
-                <a:spcPct val="0"/>
-              </a:spcAft>
-              <a:buChar char="»"/>
-              <a:defRPr sz="2000">
-                <a:solidFill>
-                  <a:schemeClr val="tx1"/>
-                </a:solidFill>
-                <a:latin typeface="+mn-lt"/>
-              </a:defRPr>
-            </a:lvl9pPr>
-          </a:lstStyle>
-          <a:p>
-            <a:r>
-              <a:rPr lang="en-US" altLang="en-US" sz="2400" kern="0" dirty="0" smtClean="0"/>
-              <a:t>Inheritance – with </a:t>
-            </a:r>
-            <a:r>
-              <a:rPr lang="en-US" altLang="en-US" sz="2400" kern="0" dirty="0" err="1" smtClean="0"/>
-              <a:t>params</a:t>
-            </a:r>
-            <a:endParaRPr lang="ro-RO" altLang="en-US" sz="2400" kern="0" dirty="0" smtClean="0"/>
-          </a:p>
-        </p:txBody>
-      </p:sp>
+      </p:pic>
     </p:spTree>
     <p:extLst>
       <p:ext uri="{BB962C8B-B14F-4D97-AF65-F5344CB8AC3E}">
-        <p14:creationId xmlns:p14="http://schemas.microsoft.com/office/powerpoint/2010/main" val="1117583433"/>
+        <p14:creationId xmlns:p14="http://schemas.microsoft.com/office/powerpoint/2010/main" val="1830154489"/>
       </p:ext>
     </p:extLst>
   </p:cSld>
@@ -11354,6 +11202,684 @@
       </p:grpSpPr>
       <p:sp>
         <p:nvSpPr>
+          <p:cNvPr id="5122" name="Title 1"/>
+          <p:cNvSpPr>
+            <a:spLocks noGrp="1"/>
+          </p:cNvSpPr>
+          <p:nvPr>
+            <p:ph type="title"/>
+          </p:nvPr>
+        </p:nvSpPr>
+        <p:spPr>
+          <a:xfrm>
+            <a:off x="2286000" y="228600"/>
+            <a:ext cx="6400800" cy="563562"/>
+          </a:xfrm>
+        </p:spPr>
+        <p:txBody>
+          <a:bodyPr/>
+          <a:lstStyle/>
+          <a:p>
+            <a:r>
+              <a:rPr lang="ro-RO" altLang="en-US" sz="2400" dirty="0" smtClean="0"/>
+              <a:t>Inheritance – </a:t>
+            </a:r>
+            <a:r>
+              <a:rPr lang="en-US" altLang="en-US" sz="2400" dirty="0" smtClean="0"/>
+              <a:t>Conclusion</a:t>
+            </a:r>
+          </a:p>
+        </p:txBody>
+      </p:sp>
+      <p:sp>
+        <p:nvSpPr>
+          <p:cNvPr id="5" name="Content Placeholder 2"/>
+          <p:cNvSpPr>
+            <a:spLocks noGrp="1"/>
+          </p:cNvSpPr>
+          <p:nvPr>
+            <p:ph idx="1"/>
+          </p:nvPr>
+        </p:nvSpPr>
+        <p:spPr>
+          <a:xfrm>
+            <a:off x="685800" y="1295400"/>
+            <a:ext cx="5029200" cy="533400"/>
+          </a:xfrm>
+        </p:spPr>
+        <p:txBody>
+          <a:bodyPr/>
+          <a:lstStyle/>
+          <a:p>
+            <a:r>
+              <a:rPr lang="en-US" altLang="en-US" sz="2400" dirty="0" smtClean="0"/>
+              <a:t>Inheritance – no </a:t>
+            </a:r>
+            <a:r>
+              <a:rPr lang="en-US" altLang="en-US" sz="2400" dirty="0" err="1" smtClean="0"/>
+              <a:t>params</a:t>
+            </a:r>
+            <a:endParaRPr lang="ro-RO" altLang="en-US" sz="2400" dirty="0" smtClean="0"/>
+          </a:p>
+        </p:txBody>
+      </p:sp>
+      <p:sp>
+        <p:nvSpPr>
+          <p:cNvPr id="6" name="TextBox 5"/>
+          <p:cNvSpPr txBox="1"/>
+          <p:nvPr/>
+        </p:nvSpPr>
+        <p:spPr>
+          <a:xfrm>
+            <a:off x="6400800" y="6027139"/>
+            <a:ext cx="2169184" cy="246221"/>
+          </a:xfrm>
+          <a:prstGeom prst="rect">
+            <a:avLst/>
+          </a:prstGeom>
+          <a:noFill/>
+        </p:spPr>
+        <p:txBody>
+          <a:bodyPr wrap="none" rtlCol="0">
+            <a:spAutoFit/>
+          </a:bodyPr>
+          <a:lstStyle/>
+          <a:p>
+            <a:pPr algn="r"/>
+            <a:r>
+              <a:rPr lang="ro-RO" sz="1000" dirty="0" smtClean="0">
+                <a:solidFill>
+                  <a:schemeClr val="bg1">
+                    <a:lumMod val="75000"/>
+                  </a:schemeClr>
+                </a:solidFill>
+              </a:rPr>
+              <a:t>[</a:t>
+            </a:r>
+            <a:r>
+              <a:rPr lang="en-US" sz="1000" dirty="0" smtClean="0">
+                <a:solidFill>
+                  <a:schemeClr val="bg1">
+                    <a:lumMod val="75000"/>
+                  </a:schemeClr>
+                </a:solidFill>
+              </a:rPr>
+              <a:t>show code: Biorhythm inheritance</a:t>
+            </a:r>
+            <a:r>
+              <a:rPr lang="ro-RO" sz="1000" dirty="0" smtClean="0">
+                <a:solidFill>
+                  <a:schemeClr val="bg1">
+                    <a:lumMod val="75000"/>
+                  </a:schemeClr>
+                </a:solidFill>
+              </a:rPr>
+              <a:t>]</a:t>
+            </a:r>
+            <a:endParaRPr lang="en-US" sz="1000" dirty="0">
+              <a:solidFill>
+                <a:schemeClr val="bg1">
+                  <a:lumMod val="75000"/>
+                </a:schemeClr>
+              </a:solidFill>
+            </a:endParaRPr>
+          </a:p>
+        </p:txBody>
+      </p:sp>
+      <p:sp>
+        <p:nvSpPr>
+          <p:cNvPr id="7" name="TextBox 6"/>
+          <p:cNvSpPr txBox="1"/>
+          <p:nvPr/>
+        </p:nvSpPr>
+        <p:spPr>
+          <a:xfrm>
+            <a:off x="3352800" y="6459379"/>
+            <a:ext cx="2518638" cy="246221"/>
+          </a:xfrm>
+          <a:prstGeom prst="rect">
+            <a:avLst/>
+          </a:prstGeom>
+          <a:solidFill>
+            <a:schemeClr val="bg1"/>
+          </a:solidFill>
+        </p:spPr>
+        <p:txBody>
+          <a:bodyPr wrap="none" rtlCol="0">
+            <a:spAutoFit/>
+          </a:bodyPr>
+          <a:lstStyle/>
+          <a:p>
+            <a:r>
+              <a:rPr lang="en-US" sz="1000" dirty="0" smtClean="0">
+                <a:solidFill>
+                  <a:schemeClr val="bg1">
+                    <a:lumMod val="50000"/>
+                  </a:schemeClr>
+                </a:solidFill>
+              </a:rPr>
+              <a:t>© iQuest Group 2013. All rights reserved.</a:t>
+            </a:r>
+          </a:p>
+        </p:txBody>
+      </p:sp>
+      <p:sp>
+        <p:nvSpPr>
+          <p:cNvPr id="3" name="TextBox 2"/>
+          <p:cNvSpPr txBox="1"/>
+          <p:nvPr/>
+        </p:nvSpPr>
+        <p:spPr>
+          <a:xfrm>
+            <a:off x="2057400" y="1905000"/>
+            <a:ext cx="3159839" cy="1200329"/>
+          </a:xfrm>
+          <a:prstGeom prst="rect">
+            <a:avLst/>
+          </a:prstGeom>
+          <a:noFill/>
+        </p:spPr>
+        <p:txBody>
+          <a:bodyPr wrap="none" rtlCol="0">
+            <a:spAutoFit/>
+          </a:bodyPr>
+          <a:lstStyle/>
+          <a:p>
+            <a:r>
+              <a:rPr lang="en-US" sz="1200" dirty="0">
+                <a:latin typeface="Courier New" panose="02070309020205020404" pitchFamily="49" charset="0"/>
+                <a:cs typeface="Courier New" panose="02070309020205020404" pitchFamily="49" charset="0"/>
+              </a:rPr>
+              <a:t>function Animal() </a:t>
+            </a:r>
+            <a:r>
+              <a:rPr lang="en-US" sz="1200" dirty="0" smtClean="0">
+                <a:latin typeface="Courier New" panose="02070309020205020404" pitchFamily="49" charset="0"/>
+                <a:cs typeface="Courier New" panose="02070309020205020404" pitchFamily="49" charset="0"/>
+              </a:rPr>
+              <a:t>{}</a:t>
+            </a:r>
+          </a:p>
+          <a:p>
+            <a:endParaRPr lang="en-US" sz="1200" dirty="0">
+              <a:latin typeface="Courier New" panose="02070309020205020404" pitchFamily="49" charset="0"/>
+              <a:cs typeface="Courier New" panose="02070309020205020404" pitchFamily="49" charset="0"/>
+            </a:endParaRPr>
+          </a:p>
+          <a:p>
+            <a:r>
+              <a:rPr lang="en-US" sz="1200" dirty="0">
+                <a:latin typeface="Courier New" panose="02070309020205020404" pitchFamily="49" charset="0"/>
+                <a:cs typeface="Courier New" panose="02070309020205020404" pitchFamily="49" charset="0"/>
+              </a:rPr>
+              <a:t>function Dog() {}</a:t>
+            </a:r>
+          </a:p>
+          <a:p>
+            <a:endParaRPr lang="en-US" sz="1200" dirty="0">
+              <a:latin typeface="Courier New" panose="02070309020205020404" pitchFamily="49" charset="0"/>
+              <a:cs typeface="Courier New" panose="02070309020205020404" pitchFamily="49" charset="0"/>
+            </a:endParaRPr>
+          </a:p>
+          <a:p>
+            <a:r>
+              <a:rPr lang="en-US" sz="1200" dirty="0" err="1">
+                <a:latin typeface="Courier New" panose="02070309020205020404" pitchFamily="49" charset="0"/>
+                <a:cs typeface="Courier New" panose="02070309020205020404" pitchFamily="49" charset="0"/>
+              </a:rPr>
+              <a:t>Dog.prototype</a:t>
+            </a:r>
+            <a:r>
+              <a:rPr lang="en-US" sz="1200" dirty="0">
+                <a:latin typeface="Courier New" panose="02070309020205020404" pitchFamily="49" charset="0"/>
+                <a:cs typeface="Courier New" panose="02070309020205020404" pitchFamily="49" charset="0"/>
+              </a:rPr>
+              <a:t> = new Animal();</a:t>
+            </a:r>
+          </a:p>
+          <a:p>
+            <a:r>
+              <a:rPr lang="en-US" sz="1200" dirty="0" err="1">
+                <a:latin typeface="Courier New" panose="02070309020205020404" pitchFamily="49" charset="0"/>
+                <a:cs typeface="Courier New" panose="02070309020205020404" pitchFamily="49" charset="0"/>
+              </a:rPr>
+              <a:t>Dog.prototype.constructor</a:t>
+            </a:r>
+            <a:r>
+              <a:rPr lang="en-US" sz="1200" dirty="0">
+                <a:latin typeface="Courier New" panose="02070309020205020404" pitchFamily="49" charset="0"/>
+                <a:cs typeface="Courier New" panose="02070309020205020404" pitchFamily="49" charset="0"/>
+              </a:rPr>
+              <a:t> = Dog</a:t>
+            </a:r>
+            <a:r>
+              <a:rPr lang="en-US" sz="1200" dirty="0" smtClean="0">
+                <a:latin typeface="Courier New" panose="02070309020205020404" pitchFamily="49" charset="0"/>
+                <a:cs typeface="Courier New" panose="02070309020205020404" pitchFamily="49" charset="0"/>
+              </a:rPr>
+              <a:t>;</a:t>
+            </a:r>
+            <a:endParaRPr lang="en-US" sz="1200" dirty="0">
+              <a:latin typeface="Courier New" panose="02070309020205020404" pitchFamily="49" charset="0"/>
+              <a:cs typeface="Courier New" panose="02070309020205020404" pitchFamily="49" charset="0"/>
+            </a:endParaRPr>
+          </a:p>
+        </p:txBody>
+      </p:sp>
+      <p:sp>
+        <p:nvSpPr>
+          <p:cNvPr id="4" name="TextBox 3"/>
+          <p:cNvSpPr txBox="1"/>
+          <p:nvPr/>
+        </p:nvSpPr>
+        <p:spPr>
+          <a:xfrm>
+            <a:off x="2058174" y="4084260"/>
+            <a:ext cx="4647426" cy="1569660"/>
+          </a:xfrm>
+          <a:prstGeom prst="rect">
+            <a:avLst/>
+          </a:prstGeom>
+          <a:noFill/>
+        </p:spPr>
+        <p:txBody>
+          <a:bodyPr wrap="none" rtlCol="0">
+            <a:spAutoFit/>
+          </a:bodyPr>
+          <a:lstStyle/>
+          <a:p>
+            <a:r>
+              <a:rPr lang="en-US" sz="1200" dirty="0">
+                <a:latin typeface="Courier New" panose="02070309020205020404" pitchFamily="49" charset="0"/>
+                <a:cs typeface="Courier New" panose="02070309020205020404" pitchFamily="49" charset="0"/>
+              </a:rPr>
+              <a:t>function Animal(name) </a:t>
+            </a:r>
+            <a:r>
+              <a:rPr lang="en-US" sz="1200" dirty="0" smtClean="0">
+                <a:latin typeface="Courier New" panose="02070309020205020404" pitchFamily="49" charset="0"/>
+                <a:cs typeface="Courier New" panose="02070309020205020404" pitchFamily="49" charset="0"/>
+              </a:rPr>
+              <a:t>{}</a:t>
+            </a:r>
+          </a:p>
+          <a:p>
+            <a:endParaRPr lang="en-US" sz="1200" dirty="0">
+              <a:latin typeface="Courier New" panose="02070309020205020404" pitchFamily="49" charset="0"/>
+              <a:cs typeface="Courier New" panose="02070309020205020404" pitchFamily="49" charset="0"/>
+            </a:endParaRPr>
+          </a:p>
+          <a:p>
+            <a:r>
+              <a:rPr lang="en-US" sz="1200" dirty="0">
+                <a:latin typeface="Courier New" panose="02070309020205020404" pitchFamily="49" charset="0"/>
+                <a:cs typeface="Courier New" panose="02070309020205020404" pitchFamily="49" charset="0"/>
+              </a:rPr>
+              <a:t>function Dog(name) {</a:t>
+            </a:r>
+          </a:p>
+          <a:p>
+            <a:r>
+              <a:rPr lang="en-US" sz="1200" dirty="0">
+                <a:latin typeface="Courier New" panose="02070309020205020404" pitchFamily="49" charset="0"/>
+                <a:cs typeface="Courier New" panose="02070309020205020404" pitchFamily="49" charset="0"/>
+              </a:rPr>
+              <a:t>    </a:t>
+            </a:r>
+            <a:r>
+              <a:rPr lang="en-US" sz="1200" dirty="0" err="1">
+                <a:latin typeface="Courier New" panose="02070309020205020404" pitchFamily="49" charset="0"/>
+                <a:cs typeface="Courier New" panose="02070309020205020404" pitchFamily="49" charset="0"/>
+              </a:rPr>
+              <a:t>Animal.call</a:t>
+            </a:r>
+            <a:r>
+              <a:rPr lang="en-US" sz="1200" dirty="0">
+                <a:latin typeface="Courier New" panose="02070309020205020404" pitchFamily="49" charset="0"/>
+                <a:cs typeface="Courier New" panose="02070309020205020404" pitchFamily="49" charset="0"/>
+              </a:rPr>
+              <a:t>(this, name);</a:t>
+            </a:r>
+          </a:p>
+          <a:p>
+            <a:r>
+              <a:rPr lang="en-US" sz="1200" dirty="0">
+                <a:latin typeface="Courier New" panose="02070309020205020404" pitchFamily="49" charset="0"/>
+                <a:cs typeface="Courier New" panose="02070309020205020404" pitchFamily="49" charset="0"/>
+              </a:rPr>
+              <a:t>}</a:t>
+            </a:r>
+          </a:p>
+          <a:p>
+            <a:endParaRPr lang="en-US" sz="1200" dirty="0">
+              <a:latin typeface="Courier New" panose="02070309020205020404" pitchFamily="49" charset="0"/>
+              <a:cs typeface="Courier New" panose="02070309020205020404" pitchFamily="49" charset="0"/>
+            </a:endParaRPr>
+          </a:p>
+          <a:p>
+            <a:r>
+              <a:rPr lang="en-US" sz="1200" dirty="0" err="1">
+                <a:latin typeface="Courier New" panose="02070309020205020404" pitchFamily="49" charset="0"/>
+                <a:cs typeface="Courier New" panose="02070309020205020404" pitchFamily="49" charset="0"/>
+              </a:rPr>
+              <a:t>Dog.prototype</a:t>
+            </a:r>
+            <a:r>
+              <a:rPr lang="en-US" sz="1200" dirty="0">
+                <a:latin typeface="Courier New" panose="02070309020205020404" pitchFamily="49" charset="0"/>
+                <a:cs typeface="Courier New" panose="02070309020205020404" pitchFamily="49" charset="0"/>
+              </a:rPr>
+              <a:t> = </a:t>
+            </a:r>
+            <a:r>
+              <a:rPr lang="en-US" sz="1200" dirty="0" err="1">
+                <a:latin typeface="Courier New" panose="02070309020205020404" pitchFamily="49" charset="0"/>
+                <a:cs typeface="Courier New" panose="02070309020205020404" pitchFamily="49" charset="0"/>
+              </a:rPr>
+              <a:t>Object.create</a:t>
+            </a:r>
+            <a:r>
+              <a:rPr lang="en-US" sz="1200" dirty="0">
+                <a:latin typeface="Courier New" panose="02070309020205020404" pitchFamily="49" charset="0"/>
+                <a:cs typeface="Courier New" panose="02070309020205020404" pitchFamily="49" charset="0"/>
+              </a:rPr>
+              <a:t>(</a:t>
+            </a:r>
+            <a:r>
+              <a:rPr lang="en-US" sz="1200" dirty="0" err="1">
+                <a:latin typeface="Courier New" panose="02070309020205020404" pitchFamily="49" charset="0"/>
+                <a:cs typeface="Courier New" panose="02070309020205020404" pitchFamily="49" charset="0"/>
+              </a:rPr>
+              <a:t>Animal.prototype</a:t>
+            </a:r>
+            <a:r>
+              <a:rPr lang="en-US" sz="1200" dirty="0">
+                <a:latin typeface="Courier New" panose="02070309020205020404" pitchFamily="49" charset="0"/>
+                <a:cs typeface="Courier New" panose="02070309020205020404" pitchFamily="49" charset="0"/>
+              </a:rPr>
+              <a:t>);</a:t>
+            </a:r>
+          </a:p>
+          <a:p>
+            <a:r>
+              <a:rPr lang="en-US" sz="1200" dirty="0" err="1">
+                <a:latin typeface="Courier New" panose="02070309020205020404" pitchFamily="49" charset="0"/>
+                <a:cs typeface="Courier New" panose="02070309020205020404" pitchFamily="49" charset="0"/>
+              </a:rPr>
+              <a:t>Dog.prototype.constructor</a:t>
+            </a:r>
+            <a:r>
+              <a:rPr lang="en-US" sz="1200" dirty="0">
+                <a:latin typeface="Courier New" panose="02070309020205020404" pitchFamily="49" charset="0"/>
+                <a:cs typeface="Courier New" panose="02070309020205020404" pitchFamily="49" charset="0"/>
+              </a:rPr>
+              <a:t> = Dog</a:t>
+            </a:r>
+            <a:r>
+              <a:rPr lang="en-US" sz="1200" dirty="0" smtClean="0">
+                <a:latin typeface="Courier New" panose="02070309020205020404" pitchFamily="49" charset="0"/>
+                <a:cs typeface="Courier New" panose="02070309020205020404" pitchFamily="49" charset="0"/>
+              </a:rPr>
+              <a:t>;</a:t>
+            </a:r>
+            <a:endParaRPr lang="en-US" sz="1200" dirty="0">
+              <a:latin typeface="Courier New" panose="02070309020205020404" pitchFamily="49" charset="0"/>
+              <a:cs typeface="Courier New" panose="02070309020205020404" pitchFamily="49" charset="0"/>
+            </a:endParaRPr>
+          </a:p>
+        </p:txBody>
+      </p:sp>
+      <p:sp>
+        <p:nvSpPr>
+          <p:cNvPr id="10" name="Content Placeholder 2"/>
+          <p:cNvSpPr txBox="1">
+            <a:spLocks/>
+          </p:cNvSpPr>
+          <p:nvPr/>
+        </p:nvSpPr>
+        <p:spPr bwMode="auto">
+          <a:xfrm>
+            <a:off x="685800" y="3493093"/>
+            <a:ext cx="5029200" cy="533400"/>
+          </a:xfrm>
+          <a:prstGeom prst="rect">
+            <a:avLst/>
+          </a:prstGeom>
+          <a:noFill/>
+          <a:ln>
+            <a:noFill/>
+          </a:ln>
+          <a:extLst>
+            <a:ext uri="{909E8E84-426E-40DD-AFC4-6F175D3DCCD1}">
+              <a14:hiddenFill xmlns:a14="http://schemas.microsoft.com/office/drawing/2010/main">
+                <a:solidFill>
+                  <a:srgbClr val="FFFFFF"/>
+                </a:solidFill>
+              </a14:hiddenFill>
+            </a:ext>
+            <a:ext uri="{91240B29-F687-4F45-9708-019B960494DF}">
+              <a14:hiddenLine xmlns:a14="http://schemas.microsoft.com/office/drawing/2010/main" w="9525">
+                <a:solidFill>
+                  <a:srgbClr val="000000"/>
+                </a:solidFill>
+                <a:miter lim="800000"/>
+                <a:headEnd/>
+                <a:tailEnd/>
+              </a14:hiddenLine>
+            </a:ext>
+          </a:extLst>
+        </p:spPr>
+        <p:txBody>
+          <a:bodyPr vert="horz" wrap="square" lIns="91440" tIns="45720" rIns="91440" bIns="45720" numCol="1" anchor="t" anchorCtr="0" compatLnSpc="1">
+            <a:prstTxWarp prst="textNoShape">
+              <a:avLst/>
+            </a:prstTxWarp>
+          </a:bodyPr>
+          <a:lstStyle>
+            <a:lvl1pPr marL="190500" indent="-190500" algn="l" rtl="0" eaLnBrk="0" fontAlgn="base" hangingPunct="0">
+              <a:spcBef>
+                <a:spcPct val="20000"/>
+              </a:spcBef>
+              <a:spcAft>
+                <a:spcPct val="0"/>
+              </a:spcAft>
+              <a:buSzPct val="80000"/>
+              <a:buFont typeface="Wingdings" pitchFamily="2" charset="2"/>
+              <a:buChar char="§"/>
+              <a:defRPr sz="2000">
+                <a:solidFill>
+                  <a:srgbClr val="32496A"/>
+                </a:solidFill>
+                <a:latin typeface="+mn-lt"/>
+                <a:ea typeface="+mn-ea"/>
+                <a:cs typeface="+mn-cs"/>
+              </a:defRPr>
+            </a:lvl1pPr>
+            <a:lvl2pPr marL="571500" indent="-190500" algn="l" rtl="0" eaLnBrk="0" fontAlgn="base" hangingPunct="0">
+              <a:spcBef>
+                <a:spcPct val="20000"/>
+              </a:spcBef>
+              <a:spcAft>
+                <a:spcPct val="0"/>
+              </a:spcAft>
+              <a:buClr>
+                <a:srgbClr val="32496A"/>
+              </a:buClr>
+              <a:buSzPct val="80000"/>
+              <a:buFont typeface="Arial" charset="0"/>
+              <a:buChar char="-"/>
+              <a:defRPr sz="2800">
+                <a:solidFill>
+                  <a:srgbClr val="32496A"/>
+                </a:solidFill>
+                <a:latin typeface="+mn-lt"/>
+              </a:defRPr>
+            </a:lvl2pPr>
+            <a:lvl3pPr marL="952500" indent="-190500" algn="l" rtl="0" eaLnBrk="0" fontAlgn="base" hangingPunct="0">
+              <a:spcBef>
+                <a:spcPct val="20000"/>
+              </a:spcBef>
+              <a:spcAft>
+                <a:spcPct val="0"/>
+              </a:spcAft>
+              <a:buClr>
+                <a:srgbClr val="32496A"/>
+              </a:buClr>
+              <a:buSzPct val="70000"/>
+              <a:buFont typeface="Wingdings" pitchFamily="2" charset="2"/>
+              <a:buChar char="à"/>
+              <a:defRPr sz="1400">
+                <a:solidFill>
+                  <a:srgbClr val="32496A"/>
+                </a:solidFill>
+                <a:latin typeface="+mn-lt"/>
+              </a:defRPr>
+            </a:lvl3pPr>
+            <a:lvl4pPr marL="1333500" indent="-190500" algn="l" rtl="0" eaLnBrk="0" fontAlgn="base" hangingPunct="0">
+              <a:spcBef>
+                <a:spcPct val="20000"/>
+              </a:spcBef>
+              <a:spcAft>
+                <a:spcPct val="0"/>
+              </a:spcAft>
+              <a:buSzPct val="80000"/>
+              <a:buFont typeface="Wingdings" pitchFamily="2" charset="2"/>
+              <a:buChar char="§"/>
+              <a:defRPr sz="1400">
+                <a:solidFill>
+                  <a:srgbClr val="32496A"/>
+                </a:solidFill>
+                <a:latin typeface="+mn-lt"/>
+              </a:defRPr>
+            </a:lvl4pPr>
+            <a:lvl5pPr marL="1714500" indent="-190500" algn="l" rtl="0" eaLnBrk="0" fontAlgn="base" hangingPunct="0">
+              <a:spcBef>
+                <a:spcPct val="20000"/>
+              </a:spcBef>
+              <a:spcAft>
+                <a:spcPct val="0"/>
+              </a:spcAft>
+              <a:buChar char="»"/>
+              <a:defRPr sz="2000">
+                <a:solidFill>
+                  <a:schemeClr val="tx1"/>
+                </a:solidFill>
+                <a:latin typeface="+mn-lt"/>
+              </a:defRPr>
+            </a:lvl5pPr>
+            <a:lvl6pPr marL="2171700" indent="-190500" algn="l" rtl="0" fontAlgn="base">
+              <a:spcBef>
+                <a:spcPct val="20000"/>
+              </a:spcBef>
+              <a:spcAft>
+                <a:spcPct val="0"/>
+              </a:spcAft>
+              <a:buChar char="»"/>
+              <a:defRPr sz="2000">
+                <a:solidFill>
+                  <a:schemeClr val="tx1"/>
+                </a:solidFill>
+                <a:latin typeface="+mn-lt"/>
+              </a:defRPr>
+            </a:lvl6pPr>
+            <a:lvl7pPr marL="2628900" indent="-190500" algn="l" rtl="0" fontAlgn="base">
+              <a:spcBef>
+                <a:spcPct val="20000"/>
+              </a:spcBef>
+              <a:spcAft>
+                <a:spcPct val="0"/>
+              </a:spcAft>
+              <a:buChar char="»"/>
+              <a:defRPr sz="2000">
+                <a:solidFill>
+                  <a:schemeClr val="tx1"/>
+                </a:solidFill>
+                <a:latin typeface="+mn-lt"/>
+              </a:defRPr>
+            </a:lvl7pPr>
+            <a:lvl8pPr marL="3086100" indent="-190500" algn="l" rtl="0" fontAlgn="base">
+              <a:spcBef>
+                <a:spcPct val="20000"/>
+              </a:spcBef>
+              <a:spcAft>
+                <a:spcPct val="0"/>
+              </a:spcAft>
+              <a:buChar char="»"/>
+              <a:defRPr sz="2000">
+                <a:solidFill>
+                  <a:schemeClr val="tx1"/>
+                </a:solidFill>
+                <a:latin typeface="+mn-lt"/>
+              </a:defRPr>
+            </a:lvl8pPr>
+            <a:lvl9pPr marL="3543300" indent="-190500" algn="l" rtl="0" fontAlgn="base">
+              <a:spcBef>
+                <a:spcPct val="20000"/>
+              </a:spcBef>
+              <a:spcAft>
+                <a:spcPct val="0"/>
+              </a:spcAft>
+              <a:buChar char="»"/>
+              <a:defRPr sz="2000">
+                <a:solidFill>
+                  <a:schemeClr val="tx1"/>
+                </a:solidFill>
+                <a:latin typeface="+mn-lt"/>
+              </a:defRPr>
+            </a:lvl9pPr>
+          </a:lstStyle>
+          <a:p>
+            <a:r>
+              <a:rPr lang="en-US" altLang="en-US" sz="2400" kern="0" dirty="0" smtClean="0"/>
+              <a:t>Inheritance – with </a:t>
+            </a:r>
+            <a:r>
+              <a:rPr lang="en-US" altLang="en-US" sz="2400" kern="0" dirty="0" err="1" smtClean="0"/>
+              <a:t>params</a:t>
+            </a:r>
+            <a:endParaRPr lang="ro-RO" altLang="en-US" sz="2400" kern="0" dirty="0" smtClean="0"/>
+          </a:p>
+        </p:txBody>
+      </p:sp>
+    </p:spTree>
+    <p:extLst>
+      <p:ext uri="{BB962C8B-B14F-4D97-AF65-F5344CB8AC3E}">
+        <p14:creationId xmlns:p14="http://schemas.microsoft.com/office/powerpoint/2010/main" val="1117583433"/>
+      </p:ext>
+    </p:extLst>
+  </p:cSld>
+  <p:clrMapOvr>
+    <a:masterClrMapping/>
+  </p:clrMapOvr>
+  <p:timing>
+    <p:tnLst>
+      <p:par>
+        <p:cTn id="1" dur="indefinite" restart="never" nodeType="tmRoot"/>
+      </p:par>
+    </p:tnLst>
+  </p:timing>
+</p:sld>
+</file>
+
+<file path=ppt/slides/slide25.xml><?xml version="1.0" encoding="utf-8"?>
+<p:sld xmlns:a="http://schemas.openxmlformats.org/drawingml/2006/main" xmlns:r="http://schemas.openxmlformats.org/officeDocument/2006/relationships" xmlns:p="http://schemas.openxmlformats.org/presentationml/2006/main">
+  <p:cSld>
+    <p:spTree>
+      <p:nvGrpSpPr>
+        <p:cNvPr id="1" name=""/>
+        <p:cNvGrpSpPr/>
+        <p:nvPr/>
+      </p:nvGrpSpPr>
+      <p:grpSpPr>
+        <a:xfrm>
+          <a:off x="0" y="0"/>
+          <a:ext cx="0" cy="0"/>
+          <a:chOff x="0" y="0"/>
+          <a:chExt cx="0" cy="0"/>
+        </a:xfrm>
+      </p:grpSpPr>
+      <p:sp>
+        <p:nvSpPr>
           <p:cNvPr id="2" name="Title 1"/>
           <p:cNvSpPr>
             <a:spLocks noGrp="1"/>
@@ -11547,7 +12073,7 @@
 </p:sld>
 </file>
 
-<file path=ppt/slides/slide25.xml><?xml version="1.0" encoding="utf-8"?>
+<file path=ppt/slides/slide26.xml><?xml version="1.0" encoding="utf-8"?>
 <p:sld xmlns:a="http://schemas.openxmlformats.org/drawingml/2006/main" xmlns:r="http://schemas.openxmlformats.org/officeDocument/2006/relationships" xmlns:p="http://schemas.openxmlformats.org/presentationml/2006/main">
   <p:cSld>
     <p:spTree>
@@ -13939,9 +14465,234 @@
   <p:timing>
     <p:tnLst>
       <p:par>
-        <p:cTn id="1" dur="indefinite" restart="never" nodeType="tmRoot"/>
+        <p:cTn id="1" dur="indefinite" restart="never" nodeType="tmRoot">
+          <p:childTnLst>
+            <p:seq concurrent="1" nextAc="seek">
+              <p:cTn id="2" dur="indefinite" nodeType="mainSeq">
+                <p:childTnLst>
+                  <p:par>
+                    <p:cTn id="3" fill="hold">
+                      <p:stCondLst>
+                        <p:cond delay="indefinite"/>
+                        <p:cond evt="onBegin" delay="0">
+                          <p:tn val="2"/>
+                        </p:cond>
+                      </p:stCondLst>
+                      <p:childTnLst>
+                        <p:par>
+                          <p:cTn id="4" fill="hold">
+                            <p:stCondLst>
+                              <p:cond delay="0"/>
+                            </p:stCondLst>
+                            <p:childTnLst>
+                              <p:par>
+                                <p:cTn id="5" presetID="53" presetClass="entr" presetSubtype="16" fill="hold" nodeType="withEffect">
+                                  <p:stCondLst>
+                                    <p:cond delay="0"/>
+                                  </p:stCondLst>
+                                  <p:childTnLst>
+                                    <p:set>
+                                      <p:cBhvr>
+                                        <p:cTn id="6" dur="1" fill="hold">
+                                          <p:stCondLst>
+                                            <p:cond delay="0"/>
+                                          </p:stCondLst>
+                                        </p:cTn>
+                                        <p:tgtEl>
+                                          <p:spTgt spid="7170"/>
+                                        </p:tgtEl>
+                                        <p:attrNameLst>
+                                          <p:attrName>style.visibility</p:attrName>
+                                        </p:attrNameLst>
+                                      </p:cBhvr>
+                                      <p:to>
+                                        <p:strVal val="visible"/>
+                                      </p:to>
+                                    </p:set>
+                                    <p:anim calcmode="lin" valueType="num">
+                                      <p:cBhvr>
+                                        <p:cTn id="7" dur="500" fill="hold"/>
+                                        <p:tgtEl>
+                                          <p:spTgt spid="7170"/>
+                                        </p:tgtEl>
+                                        <p:attrNameLst>
+                                          <p:attrName>ppt_w</p:attrName>
+                                        </p:attrNameLst>
+                                      </p:cBhvr>
+                                      <p:tavLst>
+                                        <p:tav tm="0">
+                                          <p:val>
+                                            <p:fltVal val="0"/>
+                                          </p:val>
+                                        </p:tav>
+                                        <p:tav tm="100000">
+                                          <p:val>
+                                            <p:strVal val="#ppt_w"/>
+                                          </p:val>
+                                        </p:tav>
+                                      </p:tavLst>
+                                    </p:anim>
+                                    <p:anim calcmode="lin" valueType="num">
+                                      <p:cBhvr>
+                                        <p:cTn id="8" dur="500" fill="hold"/>
+                                        <p:tgtEl>
+                                          <p:spTgt spid="7170"/>
+                                        </p:tgtEl>
+                                        <p:attrNameLst>
+                                          <p:attrName>ppt_h</p:attrName>
+                                        </p:attrNameLst>
+                                      </p:cBhvr>
+                                      <p:tavLst>
+                                        <p:tav tm="0">
+                                          <p:val>
+                                            <p:fltVal val="0"/>
+                                          </p:val>
+                                        </p:tav>
+                                        <p:tav tm="100000">
+                                          <p:val>
+                                            <p:strVal val="#ppt_h"/>
+                                          </p:val>
+                                        </p:tav>
+                                      </p:tavLst>
+                                    </p:anim>
+                                    <p:animEffect transition="in" filter="fade">
+                                      <p:cBhvr>
+                                        <p:cTn id="9" dur="500"/>
+                                        <p:tgtEl>
+                                          <p:spTgt spid="7170"/>
+                                        </p:tgtEl>
+                                      </p:cBhvr>
+                                    </p:animEffect>
+                                  </p:childTnLst>
+                                </p:cTn>
+                              </p:par>
+                              <p:par>
+                                <p:cTn id="10" presetID="53" presetClass="entr" presetSubtype="16" fill="hold" grpId="0" nodeType="withEffect">
+                                  <p:stCondLst>
+                                    <p:cond delay="0"/>
+                                  </p:stCondLst>
+                                  <p:childTnLst>
+                                    <p:set>
+                                      <p:cBhvr>
+                                        <p:cTn id="11" dur="1" fill="hold">
+                                          <p:stCondLst>
+                                            <p:cond delay="0"/>
+                                          </p:stCondLst>
+                                        </p:cTn>
+                                        <p:tgtEl>
+                                          <p:spTgt spid="6">
+                                            <p:txEl>
+                                              <p:pRg st="0" end="0"/>
+                                            </p:txEl>
+                                          </p:spTgt>
+                                        </p:tgtEl>
+                                        <p:attrNameLst>
+                                          <p:attrName>style.visibility</p:attrName>
+                                        </p:attrNameLst>
+                                      </p:cBhvr>
+                                      <p:to>
+                                        <p:strVal val="visible"/>
+                                      </p:to>
+                                    </p:set>
+                                    <p:anim calcmode="lin" valueType="num">
+                                      <p:cBhvr>
+                                        <p:cTn id="12" dur="500" fill="hold"/>
+                                        <p:tgtEl>
+                                          <p:spTgt spid="6">
+                                            <p:txEl>
+                                              <p:pRg st="0" end="0"/>
+                                            </p:txEl>
+                                          </p:spTgt>
+                                        </p:tgtEl>
+                                        <p:attrNameLst>
+                                          <p:attrName>ppt_w</p:attrName>
+                                        </p:attrNameLst>
+                                      </p:cBhvr>
+                                      <p:tavLst>
+                                        <p:tav tm="0">
+                                          <p:val>
+                                            <p:fltVal val="0"/>
+                                          </p:val>
+                                        </p:tav>
+                                        <p:tav tm="100000">
+                                          <p:val>
+                                            <p:strVal val="#ppt_w"/>
+                                          </p:val>
+                                        </p:tav>
+                                      </p:tavLst>
+                                    </p:anim>
+                                    <p:anim calcmode="lin" valueType="num">
+                                      <p:cBhvr>
+                                        <p:cTn id="13" dur="500" fill="hold"/>
+                                        <p:tgtEl>
+                                          <p:spTgt spid="6">
+                                            <p:txEl>
+                                              <p:pRg st="0" end="0"/>
+                                            </p:txEl>
+                                          </p:spTgt>
+                                        </p:tgtEl>
+                                        <p:attrNameLst>
+                                          <p:attrName>ppt_h</p:attrName>
+                                        </p:attrNameLst>
+                                      </p:cBhvr>
+                                      <p:tavLst>
+                                        <p:tav tm="0">
+                                          <p:val>
+                                            <p:fltVal val="0"/>
+                                          </p:val>
+                                        </p:tav>
+                                        <p:tav tm="100000">
+                                          <p:val>
+                                            <p:strVal val="#ppt_h"/>
+                                          </p:val>
+                                        </p:tav>
+                                      </p:tavLst>
+                                    </p:anim>
+                                    <p:animEffect transition="in" filter="fade">
+                                      <p:cBhvr>
+                                        <p:cTn id="14" dur="500"/>
+                                        <p:tgtEl>
+                                          <p:spTgt spid="6">
+                                            <p:txEl>
+                                              <p:pRg st="0" end="0"/>
+                                            </p:txEl>
+                                          </p:spTgt>
+                                        </p:tgtEl>
+                                      </p:cBhvr>
+                                    </p:animEffect>
+                                  </p:childTnLst>
+                                </p:cTn>
+                              </p:par>
+                            </p:childTnLst>
+                          </p:cTn>
+                        </p:par>
+                      </p:childTnLst>
+                    </p:cTn>
+                  </p:par>
+                </p:childTnLst>
+              </p:cTn>
+              <p:prevCondLst>
+                <p:cond evt="onPrev" delay="0">
+                  <p:tgtEl>
+                    <p:sldTgt/>
+                  </p:tgtEl>
+                </p:cond>
+              </p:prevCondLst>
+              <p:nextCondLst>
+                <p:cond evt="onNext" delay="0">
+                  <p:tgtEl>
+                    <p:sldTgt/>
+                  </p:tgtEl>
+                </p:cond>
+              </p:nextCondLst>
+            </p:seq>
+          </p:childTnLst>
+        </p:cTn>
       </p:par>
     </p:tnLst>
+    <p:bldLst>
+      <p:bldP spid="6" grpId="0" build="p"/>
+    </p:bldLst>
   </p:timing>
 </p:sld>
 </file>
@@ -14170,7 +14921,7 @@
         </p:nvSpPr>
         <p:spPr>
           <a:xfrm>
-            <a:off x="685800" y="1371600"/>
+            <a:off x="685800" y="1295400"/>
             <a:ext cx="6172200" cy="533400"/>
           </a:xfrm>
         </p:spPr>
@@ -14180,15 +14931,7 @@
           <a:p>
             <a:r>
               <a:rPr lang="en-US" altLang="en-US" sz="2400" dirty="0" smtClean="0"/>
-              <a:t>How </a:t>
-            </a:r>
-            <a:r>
-              <a:rPr lang="en-US" altLang="en-US" sz="2400" dirty="0" err="1" smtClean="0"/>
-              <a:t>javascript</a:t>
-            </a:r>
-            <a:r>
-              <a:rPr lang="en-US" altLang="en-US" sz="2400" dirty="0" smtClean="0"/>
-              <a:t> runtime calls a function</a:t>
+              <a:t>A function</a:t>
             </a:r>
             <a:endParaRPr lang="ro-RO" altLang="en-US" sz="2400" dirty="0" smtClean="0"/>
           </a:p>
@@ -14202,7 +14945,7 @@
         </p:nvSpPr>
         <p:spPr>
           <a:xfrm>
-            <a:off x="1267626" y="2286000"/>
+            <a:off x="1143001" y="1828800"/>
             <a:ext cx="2416046" cy="276999"/>
           </a:xfrm>
           <a:prstGeom prst="rect">
@@ -14248,8 +14991,8 @@
         </p:nvSpPr>
         <p:spPr>
           <a:xfrm>
-            <a:off x="1267626" y="2971800"/>
-            <a:ext cx="7225055" cy="1015663"/>
+            <a:off x="1143001" y="2946737"/>
+            <a:ext cx="7689926" cy="1015663"/>
           </a:xfrm>
           <a:prstGeom prst="rect">
             <a:avLst/>
@@ -14324,7 +15067,7 @@
                 <a:cs typeface="Courier New" panose="02070309020205020404" pitchFamily="49" charset="0"/>
                 <a:sym typeface="Wingdings" panose="05000000000000000000" pitchFamily="2" charset="2"/>
               </a:rPr>
-              <a:t>(null); // ES5</a:t>
+              <a:t>(undefined); // ES5</a:t>
             </a:r>
           </a:p>
           <a:p>
@@ -14431,7 +15174,7 @@
                 <a:cs typeface="Courier New" panose="02070309020205020404" pitchFamily="49" charset="0"/>
                 <a:sym typeface="Wingdings" panose="05000000000000000000" pitchFamily="2" charset="2"/>
               </a:rPr>
-              <a:t>(null, </a:t>
+              <a:t>(undefined, </a:t>
             </a:r>
             <a:r>
               <a:rPr lang="en-US" sz="1200" dirty="0" err="1">
@@ -14465,7 +15208,7 @@
         </p:nvSpPr>
         <p:spPr>
           <a:xfrm>
-            <a:off x="1267625" y="4419600"/>
+            <a:off x="1143000" y="4711005"/>
             <a:ext cx="6481261" cy="1384995"/>
           </a:xfrm>
           <a:prstGeom prst="rect">
@@ -14756,6 +15499,422 @@
               </a:rPr>
               <a:t>© iQuest Group 2013. All rights reserved.</a:t>
             </a:r>
+          </a:p>
+        </p:txBody>
+      </p:sp>
+      <p:sp>
+        <p:nvSpPr>
+          <p:cNvPr id="11" name="Content Placeholder 2"/>
+          <p:cNvSpPr txBox="1">
+            <a:spLocks/>
+          </p:cNvSpPr>
+          <p:nvPr/>
+        </p:nvSpPr>
+        <p:spPr bwMode="auto">
+          <a:xfrm>
+            <a:off x="685800" y="2438400"/>
+            <a:ext cx="6172200" cy="533400"/>
+          </a:xfrm>
+          <a:prstGeom prst="rect">
+            <a:avLst/>
+          </a:prstGeom>
+          <a:noFill/>
+          <a:ln>
+            <a:noFill/>
+          </a:ln>
+          <a:extLst>
+            <a:ext uri="{909E8E84-426E-40DD-AFC4-6F175D3DCCD1}">
+              <a14:hiddenFill xmlns:a14="http://schemas.microsoft.com/office/drawing/2010/main">
+                <a:solidFill>
+                  <a:srgbClr val="FFFFFF"/>
+                </a:solidFill>
+              </a14:hiddenFill>
+            </a:ext>
+            <a:ext uri="{91240B29-F687-4F45-9708-019B960494DF}">
+              <a14:hiddenLine xmlns:a14="http://schemas.microsoft.com/office/drawing/2010/main" w="9525">
+                <a:solidFill>
+                  <a:srgbClr val="000000"/>
+                </a:solidFill>
+                <a:miter lim="800000"/>
+                <a:headEnd/>
+                <a:tailEnd/>
+              </a14:hiddenLine>
+            </a:ext>
+          </a:extLst>
+        </p:spPr>
+        <p:txBody>
+          <a:bodyPr vert="horz" wrap="square" lIns="91440" tIns="45720" rIns="91440" bIns="45720" numCol="1" anchor="t" anchorCtr="0" compatLnSpc="1">
+            <a:prstTxWarp prst="textNoShape">
+              <a:avLst/>
+            </a:prstTxWarp>
+          </a:bodyPr>
+          <a:lstStyle>
+            <a:lvl1pPr marL="190500" indent="-190500" algn="l" rtl="0" eaLnBrk="0" fontAlgn="base" hangingPunct="0">
+              <a:spcBef>
+                <a:spcPct val="20000"/>
+              </a:spcBef>
+              <a:spcAft>
+                <a:spcPct val="0"/>
+              </a:spcAft>
+              <a:buSzPct val="80000"/>
+              <a:buFont typeface="Wingdings" pitchFamily="2" charset="2"/>
+              <a:buChar char="§"/>
+              <a:defRPr sz="2000">
+                <a:solidFill>
+                  <a:srgbClr val="32496A"/>
+                </a:solidFill>
+                <a:latin typeface="+mn-lt"/>
+                <a:ea typeface="+mn-ea"/>
+                <a:cs typeface="+mn-cs"/>
+              </a:defRPr>
+            </a:lvl1pPr>
+            <a:lvl2pPr marL="571500" indent="-190500" algn="l" rtl="0" eaLnBrk="0" fontAlgn="base" hangingPunct="0">
+              <a:spcBef>
+                <a:spcPct val="20000"/>
+              </a:spcBef>
+              <a:spcAft>
+                <a:spcPct val="0"/>
+              </a:spcAft>
+              <a:buClr>
+                <a:srgbClr val="32496A"/>
+              </a:buClr>
+              <a:buSzPct val="80000"/>
+              <a:buFont typeface="Arial" charset="0"/>
+              <a:buChar char="-"/>
+              <a:defRPr sz="2800">
+                <a:solidFill>
+                  <a:srgbClr val="32496A"/>
+                </a:solidFill>
+                <a:latin typeface="+mn-lt"/>
+              </a:defRPr>
+            </a:lvl2pPr>
+            <a:lvl3pPr marL="952500" indent="-190500" algn="l" rtl="0" eaLnBrk="0" fontAlgn="base" hangingPunct="0">
+              <a:spcBef>
+                <a:spcPct val="20000"/>
+              </a:spcBef>
+              <a:spcAft>
+                <a:spcPct val="0"/>
+              </a:spcAft>
+              <a:buClr>
+                <a:srgbClr val="32496A"/>
+              </a:buClr>
+              <a:buSzPct val="70000"/>
+              <a:buFont typeface="Wingdings" pitchFamily="2" charset="2"/>
+              <a:buChar char="à"/>
+              <a:defRPr sz="1400">
+                <a:solidFill>
+                  <a:srgbClr val="32496A"/>
+                </a:solidFill>
+                <a:latin typeface="+mn-lt"/>
+              </a:defRPr>
+            </a:lvl3pPr>
+            <a:lvl4pPr marL="1333500" indent="-190500" algn="l" rtl="0" eaLnBrk="0" fontAlgn="base" hangingPunct="0">
+              <a:spcBef>
+                <a:spcPct val="20000"/>
+              </a:spcBef>
+              <a:spcAft>
+                <a:spcPct val="0"/>
+              </a:spcAft>
+              <a:buSzPct val="80000"/>
+              <a:buFont typeface="Wingdings" pitchFamily="2" charset="2"/>
+              <a:buChar char="§"/>
+              <a:defRPr sz="1400">
+                <a:solidFill>
+                  <a:srgbClr val="32496A"/>
+                </a:solidFill>
+                <a:latin typeface="+mn-lt"/>
+              </a:defRPr>
+            </a:lvl4pPr>
+            <a:lvl5pPr marL="1714500" indent="-190500" algn="l" rtl="0" eaLnBrk="0" fontAlgn="base" hangingPunct="0">
+              <a:spcBef>
+                <a:spcPct val="20000"/>
+              </a:spcBef>
+              <a:spcAft>
+                <a:spcPct val="0"/>
+              </a:spcAft>
+              <a:buChar char="»"/>
+              <a:defRPr sz="2000">
+                <a:solidFill>
+                  <a:schemeClr val="tx1"/>
+                </a:solidFill>
+                <a:latin typeface="+mn-lt"/>
+              </a:defRPr>
+            </a:lvl5pPr>
+            <a:lvl6pPr marL="2171700" indent="-190500" algn="l" rtl="0" fontAlgn="base">
+              <a:spcBef>
+                <a:spcPct val="20000"/>
+              </a:spcBef>
+              <a:spcAft>
+                <a:spcPct val="0"/>
+              </a:spcAft>
+              <a:buChar char="»"/>
+              <a:defRPr sz="2000">
+                <a:solidFill>
+                  <a:schemeClr val="tx1"/>
+                </a:solidFill>
+                <a:latin typeface="+mn-lt"/>
+              </a:defRPr>
+            </a:lvl6pPr>
+            <a:lvl7pPr marL="2628900" indent="-190500" algn="l" rtl="0" fontAlgn="base">
+              <a:spcBef>
+                <a:spcPct val="20000"/>
+              </a:spcBef>
+              <a:spcAft>
+                <a:spcPct val="0"/>
+              </a:spcAft>
+              <a:buChar char="»"/>
+              <a:defRPr sz="2000">
+                <a:solidFill>
+                  <a:schemeClr val="tx1"/>
+                </a:solidFill>
+                <a:latin typeface="+mn-lt"/>
+              </a:defRPr>
+            </a:lvl7pPr>
+            <a:lvl8pPr marL="3086100" indent="-190500" algn="l" rtl="0" fontAlgn="base">
+              <a:spcBef>
+                <a:spcPct val="20000"/>
+              </a:spcBef>
+              <a:spcAft>
+                <a:spcPct val="0"/>
+              </a:spcAft>
+              <a:buChar char="»"/>
+              <a:defRPr sz="2000">
+                <a:solidFill>
+                  <a:schemeClr val="tx1"/>
+                </a:solidFill>
+                <a:latin typeface="+mn-lt"/>
+              </a:defRPr>
+            </a:lvl8pPr>
+            <a:lvl9pPr marL="3543300" indent="-190500" algn="l" rtl="0" fontAlgn="base">
+              <a:spcBef>
+                <a:spcPct val="20000"/>
+              </a:spcBef>
+              <a:spcAft>
+                <a:spcPct val="0"/>
+              </a:spcAft>
+              <a:buChar char="»"/>
+              <a:defRPr sz="2000">
+                <a:solidFill>
+                  <a:schemeClr val="tx1"/>
+                </a:solidFill>
+                <a:latin typeface="+mn-lt"/>
+              </a:defRPr>
+            </a:lvl9pPr>
+          </a:lstStyle>
+          <a:p>
+            <a:r>
+              <a:rPr lang="en-US" altLang="en-US" sz="2400" kern="0" dirty="0" smtClean="0"/>
+              <a:t>Call function</a:t>
+            </a:r>
+            <a:endParaRPr lang="ro-RO" altLang="en-US" sz="2400" kern="0" dirty="0" smtClean="0"/>
+          </a:p>
+        </p:txBody>
+      </p:sp>
+      <p:sp>
+        <p:nvSpPr>
+          <p:cNvPr id="12" name="Content Placeholder 2"/>
+          <p:cNvSpPr txBox="1">
+            <a:spLocks/>
+          </p:cNvSpPr>
+          <p:nvPr/>
+        </p:nvSpPr>
+        <p:spPr bwMode="auto">
+          <a:xfrm>
+            <a:off x="685800" y="4191000"/>
+            <a:ext cx="6172200" cy="533400"/>
+          </a:xfrm>
+          <a:prstGeom prst="rect">
+            <a:avLst/>
+          </a:prstGeom>
+          <a:noFill/>
+          <a:ln>
+            <a:noFill/>
+          </a:ln>
+          <a:extLst>
+            <a:ext uri="{909E8E84-426E-40DD-AFC4-6F175D3DCCD1}">
+              <a14:hiddenFill xmlns:a14="http://schemas.microsoft.com/office/drawing/2010/main">
+                <a:solidFill>
+                  <a:srgbClr val="FFFFFF"/>
+                </a:solidFill>
+              </a14:hiddenFill>
+            </a:ext>
+            <a:ext uri="{91240B29-F687-4F45-9708-019B960494DF}">
+              <a14:hiddenLine xmlns:a14="http://schemas.microsoft.com/office/drawing/2010/main" w="9525">
+                <a:solidFill>
+                  <a:srgbClr val="000000"/>
+                </a:solidFill>
+                <a:miter lim="800000"/>
+                <a:headEnd/>
+                <a:tailEnd/>
+              </a14:hiddenLine>
+            </a:ext>
+          </a:extLst>
+        </p:spPr>
+        <p:txBody>
+          <a:bodyPr vert="horz" wrap="square" lIns="91440" tIns="45720" rIns="91440" bIns="45720" numCol="1" anchor="t" anchorCtr="0" compatLnSpc="1">
+            <a:prstTxWarp prst="textNoShape">
+              <a:avLst/>
+            </a:prstTxWarp>
+          </a:bodyPr>
+          <a:lstStyle>
+            <a:lvl1pPr marL="190500" indent="-190500" algn="l" rtl="0" eaLnBrk="0" fontAlgn="base" hangingPunct="0">
+              <a:spcBef>
+                <a:spcPct val="20000"/>
+              </a:spcBef>
+              <a:spcAft>
+                <a:spcPct val="0"/>
+              </a:spcAft>
+              <a:buSzPct val="80000"/>
+              <a:buFont typeface="Wingdings" pitchFamily="2" charset="2"/>
+              <a:buChar char="§"/>
+              <a:defRPr sz="2000">
+                <a:solidFill>
+                  <a:srgbClr val="32496A"/>
+                </a:solidFill>
+                <a:latin typeface="+mn-lt"/>
+                <a:ea typeface="+mn-ea"/>
+                <a:cs typeface="+mn-cs"/>
+              </a:defRPr>
+            </a:lvl1pPr>
+            <a:lvl2pPr marL="571500" indent="-190500" algn="l" rtl="0" eaLnBrk="0" fontAlgn="base" hangingPunct="0">
+              <a:spcBef>
+                <a:spcPct val="20000"/>
+              </a:spcBef>
+              <a:spcAft>
+                <a:spcPct val="0"/>
+              </a:spcAft>
+              <a:buClr>
+                <a:srgbClr val="32496A"/>
+              </a:buClr>
+              <a:buSzPct val="80000"/>
+              <a:buFont typeface="Arial" charset="0"/>
+              <a:buChar char="-"/>
+              <a:defRPr sz="2800">
+                <a:solidFill>
+                  <a:srgbClr val="32496A"/>
+                </a:solidFill>
+                <a:latin typeface="+mn-lt"/>
+              </a:defRPr>
+            </a:lvl2pPr>
+            <a:lvl3pPr marL="952500" indent="-190500" algn="l" rtl="0" eaLnBrk="0" fontAlgn="base" hangingPunct="0">
+              <a:spcBef>
+                <a:spcPct val="20000"/>
+              </a:spcBef>
+              <a:spcAft>
+                <a:spcPct val="0"/>
+              </a:spcAft>
+              <a:buClr>
+                <a:srgbClr val="32496A"/>
+              </a:buClr>
+              <a:buSzPct val="70000"/>
+              <a:buFont typeface="Wingdings" pitchFamily="2" charset="2"/>
+              <a:buChar char="à"/>
+              <a:defRPr sz="1400">
+                <a:solidFill>
+                  <a:srgbClr val="32496A"/>
+                </a:solidFill>
+                <a:latin typeface="+mn-lt"/>
+              </a:defRPr>
+            </a:lvl3pPr>
+            <a:lvl4pPr marL="1333500" indent="-190500" algn="l" rtl="0" eaLnBrk="0" fontAlgn="base" hangingPunct="0">
+              <a:spcBef>
+                <a:spcPct val="20000"/>
+              </a:spcBef>
+              <a:spcAft>
+                <a:spcPct val="0"/>
+              </a:spcAft>
+              <a:buSzPct val="80000"/>
+              <a:buFont typeface="Wingdings" pitchFamily="2" charset="2"/>
+              <a:buChar char="§"/>
+              <a:defRPr sz="1400">
+                <a:solidFill>
+                  <a:srgbClr val="32496A"/>
+                </a:solidFill>
+                <a:latin typeface="+mn-lt"/>
+              </a:defRPr>
+            </a:lvl4pPr>
+            <a:lvl5pPr marL="1714500" indent="-190500" algn="l" rtl="0" eaLnBrk="0" fontAlgn="base" hangingPunct="0">
+              <a:spcBef>
+                <a:spcPct val="20000"/>
+              </a:spcBef>
+              <a:spcAft>
+                <a:spcPct val="0"/>
+              </a:spcAft>
+              <a:buChar char="»"/>
+              <a:defRPr sz="2000">
+                <a:solidFill>
+                  <a:schemeClr val="tx1"/>
+                </a:solidFill>
+                <a:latin typeface="+mn-lt"/>
+              </a:defRPr>
+            </a:lvl5pPr>
+            <a:lvl6pPr marL="2171700" indent="-190500" algn="l" rtl="0" fontAlgn="base">
+              <a:spcBef>
+                <a:spcPct val="20000"/>
+              </a:spcBef>
+              <a:spcAft>
+                <a:spcPct val="0"/>
+              </a:spcAft>
+              <a:buChar char="»"/>
+              <a:defRPr sz="2000">
+                <a:solidFill>
+                  <a:schemeClr val="tx1"/>
+                </a:solidFill>
+                <a:latin typeface="+mn-lt"/>
+              </a:defRPr>
+            </a:lvl6pPr>
+            <a:lvl7pPr marL="2628900" indent="-190500" algn="l" rtl="0" fontAlgn="base">
+              <a:spcBef>
+                <a:spcPct val="20000"/>
+              </a:spcBef>
+              <a:spcAft>
+                <a:spcPct val="0"/>
+              </a:spcAft>
+              <a:buChar char="»"/>
+              <a:defRPr sz="2000">
+                <a:solidFill>
+                  <a:schemeClr val="tx1"/>
+                </a:solidFill>
+                <a:latin typeface="+mn-lt"/>
+              </a:defRPr>
+            </a:lvl7pPr>
+            <a:lvl8pPr marL="3086100" indent="-190500" algn="l" rtl="0" fontAlgn="base">
+              <a:spcBef>
+                <a:spcPct val="20000"/>
+              </a:spcBef>
+              <a:spcAft>
+                <a:spcPct val="0"/>
+              </a:spcAft>
+              <a:buChar char="»"/>
+              <a:defRPr sz="2000">
+                <a:solidFill>
+                  <a:schemeClr val="tx1"/>
+                </a:solidFill>
+                <a:latin typeface="+mn-lt"/>
+              </a:defRPr>
+            </a:lvl8pPr>
+            <a:lvl9pPr marL="3543300" indent="-190500" algn="l" rtl="0" fontAlgn="base">
+              <a:spcBef>
+                <a:spcPct val="20000"/>
+              </a:spcBef>
+              <a:spcAft>
+                <a:spcPct val="0"/>
+              </a:spcAft>
+              <a:buChar char="»"/>
+              <a:defRPr sz="2000">
+                <a:solidFill>
+                  <a:schemeClr val="tx1"/>
+                </a:solidFill>
+                <a:latin typeface="+mn-lt"/>
+              </a:defRPr>
+            </a:lvl9pPr>
+          </a:lstStyle>
+          <a:p>
+            <a:r>
+              <a:rPr lang="en-US" altLang="en-US" sz="2400" kern="0" dirty="0" smtClean="0"/>
+              <a:t>Call function as method</a:t>
+            </a:r>
+            <a:endParaRPr lang="ro-RO" altLang="en-US" sz="2400" kern="0" dirty="0" smtClean="0"/>
           </a:p>
         </p:txBody>
       </p:sp>
@@ -14781,6 +15940,9 @@
                     <p:cTn id="3" fill="hold">
                       <p:stCondLst>
                         <p:cond delay="indefinite"/>
+                        <p:cond evt="onBegin" delay="0">
+                          <p:tn val="2"/>
+                        </p:cond>
                       </p:stCondLst>
                       <p:childTnLst>
                         <p:par>
@@ -14790,7 +15952,7 @@
                             </p:stCondLst>
                             <p:childTnLst>
                               <p:par>
-                                <p:cTn id="5" presetID="53" presetClass="entr" presetSubtype="16" fill="hold" grpId="0" nodeType="clickEffect">
+                                <p:cTn id="5" presetID="53" presetClass="entr" presetSubtype="16" fill="hold" grpId="0" nodeType="withEffect">
                                   <p:stCondLst>
                                     <p:cond delay="0"/>
                                   </p:stCondLst>
@@ -14798,6 +15960,202 @@
                                     <p:set>
                                       <p:cBhvr>
                                         <p:cTn id="6" dur="1" fill="hold">
+                                          <p:stCondLst>
+                                            <p:cond delay="0"/>
+                                          </p:stCondLst>
+                                        </p:cTn>
+                                        <p:tgtEl>
+                                          <p:spTgt spid="8">
+                                            <p:txEl>
+                                              <p:pRg st="0" end="0"/>
+                                            </p:txEl>
+                                          </p:spTgt>
+                                        </p:tgtEl>
+                                        <p:attrNameLst>
+                                          <p:attrName>style.visibility</p:attrName>
+                                        </p:attrNameLst>
+                                      </p:cBhvr>
+                                      <p:to>
+                                        <p:strVal val="visible"/>
+                                      </p:to>
+                                    </p:set>
+                                    <p:anim calcmode="lin" valueType="num">
+                                      <p:cBhvr>
+                                        <p:cTn id="7" dur="500" fill="hold"/>
+                                        <p:tgtEl>
+                                          <p:spTgt spid="8">
+                                            <p:txEl>
+                                              <p:pRg st="0" end="0"/>
+                                            </p:txEl>
+                                          </p:spTgt>
+                                        </p:tgtEl>
+                                        <p:attrNameLst>
+                                          <p:attrName>ppt_w</p:attrName>
+                                        </p:attrNameLst>
+                                      </p:cBhvr>
+                                      <p:tavLst>
+                                        <p:tav tm="0">
+                                          <p:val>
+                                            <p:fltVal val="0"/>
+                                          </p:val>
+                                        </p:tav>
+                                        <p:tav tm="100000">
+                                          <p:val>
+                                            <p:strVal val="#ppt_w"/>
+                                          </p:val>
+                                        </p:tav>
+                                      </p:tavLst>
+                                    </p:anim>
+                                    <p:anim calcmode="lin" valueType="num">
+                                      <p:cBhvr>
+                                        <p:cTn id="8" dur="500" fill="hold"/>
+                                        <p:tgtEl>
+                                          <p:spTgt spid="8">
+                                            <p:txEl>
+                                              <p:pRg st="0" end="0"/>
+                                            </p:txEl>
+                                          </p:spTgt>
+                                        </p:tgtEl>
+                                        <p:attrNameLst>
+                                          <p:attrName>ppt_h</p:attrName>
+                                        </p:attrNameLst>
+                                      </p:cBhvr>
+                                      <p:tavLst>
+                                        <p:tav tm="0">
+                                          <p:val>
+                                            <p:fltVal val="0"/>
+                                          </p:val>
+                                        </p:tav>
+                                        <p:tav tm="100000">
+                                          <p:val>
+                                            <p:strVal val="#ppt_h"/>
+                                          </p:val>
+                                        </p:tav>
+                                      </p:tavLst>
+                                    </p:anim>
+                                    <p:animEffect transition="in" filter="fade">
+                                      <p:cBhvr>
+                                        <p:cTn id="9" dur="500"/>
+                                        <p:tgtEl>
+                                          <p:spTgt spid="8">
+                                            <p:txEl>
+                                              <p:pRg st="0" end="0"/>
+                                            </p:txEl>
+                                          </p:spTgt>
+                                        </p:tgtEl>
+                                      </p:cBhvr>
+                                    </p:animEffect>
+                                  </p:childTnLst>
+                                </p:cTn>
+                              </p:par>
+                              <p:par>
+                                <p:cTn id="10" presetID="53" presetClass="entr" presetSubtype="16" fill="hold" grpId="0" nodeType="withEffect">
+                                  <p:stCondLst>
+                                    <p:cond delay="0"/>
+                                  </p:stCondLst>
+                                  <p:childTnLst>
+                                    <p:set>
+                                      <p:cBhvr>
+                                        <p:cTn id="11" dur="1" fill="hold">
+                                          <p:stCondLst>
+                                            <p:cond delay="0"/>
+                                          </p:stCondLst>
+                                        </p:cTn>
+                                        <p:tgtEl>
+                                          <p:spTgt spid="5"/>
+                                        </p:tgtEl>
+                                        <p:attrNameLst>
+                                          <p:attrName>style.visibility</p:attrName>
+                                        </p:attrNameLst>
+                                      </p:cBhvr>
+                                      <p:to>
+                                        <p:strVal val="visible"/>
+                                      </p:to>
+                                    </p:set>
+                                    <p:anim calcmode="lin" valueType="num">
+                                      <p:cBhvr>
+                                        <p:cTn id="12" dur="500" fill="hold"/>
+                                        <p:tgtEl>
+                                          <p:spTgt spid="5"/>
+                                        </p:tgtEl>
+                                        <p:attrNameLst>
+                                          <p:attrName>ppt_w</p:attrName>
+                                        </p:attrNameLst>
+                                      </p:cBhvr>
+                                      <p:tavLst>
+                                        <p:tav tm="0">
+                                          <p:val>
+                                            <p:fltVal val="0"/>
+                                          </p:val>
+                                        </p:tav>
+                                        <p:tav tm="100000">
+                                          <p:val>
+                                            <p:strVal val="#ppt_w"/>
+                                          </p:val>
+                                        </p:tav>
+                                      </p:tavLst>
+                                    </p:anim>
+                                    <p:anim calcmode="lin" valueType="num">
+                                      <p:cBhvr>
+                                        <p:cTn id="13" dur="500" fill="hold"/>
+                                        <p:tgtEl>
+                                          <p:spTgt spid="5"/>
+                                        </p:tgtEl>
+                                        <p:attrNameLst>
+                                          <p:attrName>ppt_h</p:attrName>
+                                        </p:attrNameLst>
+                                      </p:cBhvr>
+                                      <p:tavLst>
+                                        <p:tav tm="0">
+                                          <p:val>
+                                            <p:fltVal val="0"/>
+                                          </p:val>
+                                        </p:tav>
+                                        <p:tav tm="100000">
+                                          <p:val>
+                                            <p:strVal val="#ppt_h"/>
+                                          </p:val>
+                                        </p:tav>
+                                      </p:tavLst>
+                                    </p:anim>
+                                    <p:animEffect transition="in" filter="fade">
+                                      <p:cBhvr>
+                                        <p:cTn id="14" dur="500"/>
+                                        <p:tgtEl>
+                                          <p:spTgt spid="5"/>
+                                        </p:tgtEl>
+                                      </p:cBhvr>
+                                    </p:animEffect>
+                                  </p:childTnLst>
+                                </p:cTn>
+                              </p:par>
+                            </p:childTnLst>
+                          </p:cTn>
+                        </p:par>
+                      </p:childTnLst>
+                    </p:cTn>
+                  </p:par>
+                  <p:par>
+                    <p:cTn id="15" fill="hold">
+                      <p:stCondLst>
+                        <p:cond delay="indefinite"/>
+                      </p:stCondLst>
+                      <p:childTnLst>
+                        <p:par>
+                          <p:cTn id="16" fill="hold">
+                            <p:stCondLst>
+                              <p:cond delay="0"/>
+                            </p:stCondLst>
+                            <p:childTnLst>
+                              <p:par>
+                                <p:cTn id="17" presetID="53" presetClass="entr" presetSubtype="16" fill="hold" grpId="0" nodeType="clickEffect">
+                                  <p:stCondLst>
+                                    <p:cond delay="0"/>
+                                  </p:stCondLst>
+                                  <p:childTnLst>
+                                    <p:set>
+                                      <p:cBhvr>
+                                        <p:cTn id="18" dur="1" fill="hold">
                                           <p:stCondLst>
                                             <p:cond delay="0"/>
                                           </p:stCondLst>
@@ -14815,7 +16173,7 @@
                                     </p:set>
                                     <p:anim calcmode="lin" valueType="num">
                                       <p:cBhvr>
-                                        <p:cTn id="7" dur="500" fill="hold"/>
+                                        <p:cTn id="19" dur="500" fill="hold"/>
                                         <p:tgtEl>
                                           <p:spTgt spid="6"/>
                                         </p:tgtEl>
@@ -14838,7 +16196,7 @@
                                     </p:anim>
                                     <p:anim calcmode="lin" valueType="num">
                                       <p:cBhvr>
-                                        <p:cTn id="8" dur="500" fill="hold"/>
+                                        <p:cTn id="20" dur="500" fill="hold"/>
                                         <p:tgtEl>
                                           <p:spTgt spid="6"/>
                                         </p:tgtEl>
@@ -14861,9 +16219,90 @@
                                     </p:anim>
                                     <p:animEffect transition="in" filter="fade">
                                       <p:cBhvr>
-                                        <p:cTn id="9" dur="500"/>
+                                        <p:cTn id="21" dur="500"/>
                                         <p:tgtEl>
                                           <p:spTgt spid="6"/>
+                                        </p:tgtEl>
+                                      </p:cBhvr>
+                                    </p:animEffect>
+                                  </p:childTnLst>
+                                </p:cTn>
+                              </p:par>
+                              <p:par>
+                                <p:cTn id="22" presetID="53" presetClass="entr" presetSubtype="16" fill="hold" grpId="0" nodeType="withEffect">
+                                  <p:stCondLst>
+                                    <p:cond delay="0"/>
+                                  </p:stCondLst>
+                                  <p:childTnLst>
+                                    <p:set>
+                                      <p:cBhvr>
+                                        <p:cTn id="23" dur="1" fill="hold">
+                                          <p:stCondLst>
+                                            <p:cond delay="0"/>
+                                          </p:stCondLst>
+                                        </p:cTn>
+                                        <p:tgtEl>
+                                          <p:spTgt spid="11"/>
+                                        </p:tgtEl>
+                                        <p:attrNameLst>
+                                          <p:attrName>style.visibility</p:attrName>
+                                        </p:attrNameLst>
+                                      </p:cBhvr>
+                                      <p:to>
+                                        <p:strVal val="visible"/>
+                                      </p:to>
+                                    </p:set>
+                                    <p:anim calcmode="lin" valueType="num">
+                                      <p:cBhvr>
+                                        <p:cTn id="24" dur="500" fill="hold"/>
+                                        <p:tgtEl>
+                                          <p:spTgt spid="11"/>
+                                        </p:tgtEl>
+                                        <p:attrNameLst>
+                                          <p:attrName>ppt_w</p:attrName>
+                                        </p:attrNameLst>
+                                      </p:cBhvr>
+                                      <p:tavLst>
+                                        <p:tav tm="0">
+                                          <p:val>
+                                            <p:fltVal val="0"/>
+                                          </p:val>
+                                        </p:tav>
+                                        <p:tav tm="100000">
+                                          <p:val>
+                                            <p:strVal val="#ppt_w"/>
+                                          </p:val>
+                                        </p:tav>
+                                      </p:tavLst>
+                                    </p:anim>
+                                    <p:anim calcmode="lin" valueType="num">
+                                      <p:cBhvr>
+                                        <p:cTn id="25" dur="500" fill="hold"/>
+                                        <p:tgtEl>
+                                          <p:spTgt spid="11"/>
+                                        </p:tgtEl>
+                                        <p:attrNameLst>
+                                          <p:attrName>ppt_h</p:attrName>
+                                        </p:attrNameLst>
+                                      </p:cBhvr>
+                                      <p:tavLst>
+                                        <p:tav tm="0">
+                                          <p:val>
+                                            <p:fltVal val="0"/>
+                                          </p:val>
+                                        </p:tav>
+                                        <p:tav tm="100000">
+                                          <p:val>
+                                            <p:strVal val="#ppt_h"/>
+                                          </p:val>
+                                        </p:tav>
+                                      </p:tavLst>
+                                    </p:anim>
+                                    <p:animEffect transition="in" filter="fade">
+                                      <p:cBhvr>
+                                        <p:cTn id="26" dur="500"/>
+                                        <p:tgtEl>
+                                          <p:spTgt spid="11"/>
                                         </p:tgtEl>
                                       </p:cBhvr>
                                     </p:animEffect>
@@ -14877,26 +16316,26 @@
                     </p:cTn>
                   </p:par>
                   <p:par>
-                    <p:cTn id="10" fill="hold">
+                    <p:cTn id="27" fill="hold">
                       <p:stCondLst>
                         <p:cond delay="indefinite"/>
                       </p:stCondLst>
                       <p:childTnLst>
                         <p:par>
-                          <p:cTn id="11" fill="hold">
+                          <p:cTn id="28" fill="hold">
                             <p:stCondLst>
                               <p:cond delay="0"/>
                             </p:stCondLst>
                             <p:childTnLst>
                               <p:par>
-                                <p:cTn id="12" presetID="53" presetClass="entr" presetSubtype="16" fill="hold" grpId="0" nodeType="clickEffect">
+                                <p:cTn id="29" presetID="53" presetClass="entr" presetSubtype="16" fill="hold" grpId="0" nodeType="clickEffect">
                                   <p:stCondLst>
                                     <p:cond delay="0"/>
                                   </p:stCondLst>
                                   <p:childTnLst>
                                     <p:set>
                                       <p:cBhvr>
-                                        <p:cTn id="13" dur="1" fill="hold">
+                                        <p:cTn id="30" dur="1" fill="hold">
                                           <p:stCondLst>
                                             <p:cond delay="0"/>
                                           </p:stCondLst>
@@ -14914,7 +16353,7 @@
                                     </p:set>
                                     <p:anim calcmode="lin" valueType="num">
                                       <p:cBhvr>
-                                        <p:cTn id="14" dur="500" fill="hold"/>
+                                        <p:cTn id="31" dur="500" fill="hold"/>
                                         <p:tgtEl>
                                           <p:spTgt spid="7"/>
                                         </p:tgtEl>
@@ -14937,7 +16376,7 @@
                                     </p:anim>
                                     <p:anim calcmode="lin" valueType="num">
                                       <p:cBhvr>
-                                        <p:cTn id="15" dur="500" fill="hold"/>
+                                        <p:cTn id="32" dur="500" fill="hold"/>
                                         <p:tgtEl>
                                           <p:spTgt spid="7"/>
                                         </p:tgtEl>
@@ -14960,9 +16399,90 @@
                                     </p:anim>
                                     <p:animEffect transition="in" filter="fade">
                                       <p:cBhvr>
-                                        <p:cTn id="16" dur="500"/>
+                                        <p:cTn id="33" dur="500"/>
                                         <p:tgtEl>
                                           <p:spTgt spid="7"/>
+                                        </p:tgtEl>
+                                      </p:cBhvr>
+                                    </p:animEffect>
+                                  </p:childTnLst>
+                                </p:cTn>
+                              </p:par>
+                              <p:par>
+                                <p:cTn id="34" presetID="53" presetClass="entr" presetSubtype="16" fill="hold" grpId="0" nodeType="withEffect">
+                                  <p:stCondLst>
+                                    <p:cond delay="0"/>
+                                  </p:stCondLst>
+                                  <p:childTnLst>
+                                    <p:set>
+                                      <p:cBhvr>
+                                        <p:cTn id="35" dur="1" fill="hold">
+                                          <p:stCondLst>
+                                            <p:cond delay="0"/>
+                                          </p:stCondLst>
+                                        </p:cTn>
+                                        <p:tgtEl>
+                                          <p:spTgt spid="12"/>
+                                        </p:tgtEl>
+                                        <p:attrNameLst>
+                                          <p:attrName>style.visibility</p:attrName>
+                                        </p:attrNameLst>
+                                      </p:cBhvr>
+                                      <p:to>
+                                        <p:strVal val="visible"/>
+                                      </p:to>
+                                    </p:set>
+                                    <p:anim calcmode="lin" valueType="num">
+                                      <p:cBhvr>
+                                        <p:cTn id="36" dur="500" fill="hold"/>
+                                        <p:tgtEl>
+                                          <p:spTgt spid="12"/>
+                                        </p:tgtEl>
+                                        <p:attrNameLst>
+                                          <p:attrName>ppt_w</p:attrName>
+                                        </p:attrNameLst>
+                                      </p:cBhvr>
+                                      <p:tavLst>
+                                        <p:tav tm="0">
+                                          <p:val>
+                                            <p:fltVal val="0"/>
+                                          </p:val>
+                                        </p:tav>
+                                        <p:tav tm="100000">
+                                          <p:val>
+                                            <p:strVal val="#ppt_w"/>
+                                          </p:val>
+                                        </p:tav>
+                                      </p:tavLst>
+                                    </p:anim>
+                                    <p:anim calcmode="lin" valueType="num">
+                                      <p:cBhvr>
+                                        <p:cTn id="37" dur="500" fill="hold"/>
+                                        <p:tgtEl>
+                                          <p:spTgt spid="12"/>
+                                        </p:tgtEl>
+                                        <p:attrNameLst>
+                                          <p:attrName>ppt_h</p:attrName>
+                                        </p:attrNameLst>
+                                      </p:cBhvr>
+                                      <p:tavLst>
+                                        <p:tav tm="0">
+                                          <p:val>
+                                            <p:fltVal val="0"/>
+                                          </p:val>
+                                        </p:tav>
+                                        <p:tav tm="100000">
+                                          <p:val>
+                                            <p:strVal val="#ppt_h"/>
+                                          </p:val>
+                                        </p:tav>
+                                      </p:tavLst>
+                                    </p:anim>
+                                    <p:animEffect transition="in" filter="fade">
+                                      <p:cBhvr>
+                                        <p:cTn id="38" dur="500"/>
+                                        <p:tgtEl>
+                                          <p:spTgt spid="12"/>
                                         </p:tgtEl>
                                       </p:cBhvr>
                                     </p:animEffect>
@@ -14997,8 +16517,12 @@
       </p:par>
     </p:tnLst>
     <p:bldLst>
+      <p:bldP spid="8" grpId="0" build="p"/>
+      <p:bldP spid="5" grpId="0"/>
       <p:bldP spid="6" grpId="0"/>
       <p:bldP spid="7" grpId="0"/>
+      <p:bldP spid="11" grpId="0"/>
+      <p:bldP spid="12" grpId="0"/>
     </p:bldLst>
   </p:timing>
 </p:sld>

--- a/doc/BioCalc Presentation.pptx
+++ b/doc/BioCalc Presentation.pptx
@@ -260,7 +260,7 @@
             <a:fld id="{075D426C-3CEB-476F-A82F-ADFA14719D2A}" type="datetimeFigureOut">
               <a:rPr lang="en-US" altLang="en-US"/>
               <a:pPr/>
-              <a:t>9/23/2013</a:t>
+              <a:t>9/25/2013</a:t>
             </a:fld>
             <a:endParaRPr lang="en-US" altLang="en-US"/>
           </a:p>
@@ -6690,6 +6690,79 @@
               <a:t> function</a:t>
             </a:r>
             <a:endParaRPr lang="ro-RO" altLang="en-US" sz="2400" kern="0" dirty="0" smtClean="0"/>
+          </a:p>
+        </p:txBody>
+      </p:sp>
+      <p:sp>
+        <p:nvSpPr>
+          <p:cNvPr id="12" name="TextBox 11"/>
+          <p:cNvSpPr txBox="1"/>
+          <p:nvPr/>
+        </p:nvSpPr>
+        <p:spPr>
+          <a:xfrm>
+            <a:off x="6134417" y="5849779"/>
+            <a:ext cx="2601994" cy="246221"/>
+          </a:xfrm>
+          <a:prstGeom prst="rect">
+            <a:avLst/>
+          </a:prstGeom>
+          <a:noFill/>
+        </p:spPr>
+        <p:txBody>
+          <a:bodyPr wrap="none" rtlCol="0">
+            <a:spAutoFit/>
+          </a:bodyPr>
+          <a:lstStyle/>
+          <a:p>
+            <a:pPr algn="r"/>
+            <a:r>
+              <a:rPr lang="ro-RO" sz="1000" dirty="0">
+                <a:solidFill>
+                  <a:schemeClr val="bg1">
+                    <a:lumMod val="75000"/>
+                  </a:schemeClr>
+                </a:solidFill>
+              </a:rPr>
+              <a:t>[</a:t>
+            </a:r>
+            <a:r>
+              <a:rPr lang="en-US" sz="1000" dirty="0" err="1">
+                <a:solidFill>
+                  <a:schemeClr val="bg1">
+                    <a:lumMod val="75000"/>
+                  </a:schemeClr>
+                </a:solidFill>
+              </a:rPr>
+              <a:t>jsfiddle</a:t>
+            </a:r>
+            <a:r>
+              <a:rPr lang="en-US" sz="1000" dirty="0">
+                <a:solidFill>
+                  <a:schemeClr val="bg1">
+                    <a:lumMod val="75000"/>
+                  </a:schemeClr>
+                </a:solidFill>
+              </a:rPr>
+              <a:t>: Different ways of creating objects</a:t>
+            </a:r>
+            <a:r>
+              <a:rPr lang="ro-RO" sz="1000" dirty="0" smtClean="0">
+                <a:solidFill>
+                  <a:schemeClr val="bg1">
+                    <a:lumMod val="75000"/>
+                  </a:schemeClr>
+                </a:solidFill>
+              </a:rPr>
+              <a:t>]</a:t>
+            </a:r>
+            <a:endParaRPr lang="en-US" sz="1000" dirty="0">
+              <a:solidFill>
+                <a:schemeClr val="bg1">
+                  <a:lumMod val="75000"/>
+                </a:schemeClr>
+              </a:solidFill>
+            </a:endParaRPr>
           </a:p>
         </p:txBody>
       </p:sp>
@@ -7516,7 +7589,6 @@
               <a:rPr lang="en-US" altLang="en-US" sz="2400" dirty="0" smtClean="0"/>
               <a:t> – Explain notations</a:t>
             </a:r>
-            <a:endParaRPr lang="en-US" altLang="en-US" sz="2400" dirty="0" smtClean="0"/>
           </a:p>
         </p:txBody>
       </p:sp>
@@ -8245,8 +8317,8 @@
         </p:nvSpPr>
         <p:spPr bwMode="auto">
           <a:xfrm>
-            <a:off x="5715000" y="5562600"/>
-            <a:ext cx="2667000" cy="609600"/>
+            <a:off x="6400800" y="5562600"/>
+            <a:ext cx="1981200" cy="609600"/>
           </a:xfrm>
           <a:prstGeom prst="rect">
             <a:avLst/>
@@ -8479,6 +8551,89 @@
               </a:rPr>
               <a:t>© iQuest Group 2013. All rights reserved.</a:t>
             </a:r>
+          </a:p>
+        </p:txBody>
+      </p:sp>
+      <p:sp>
+        <p:nvSpPr>
+          <p:cNvPr id="8" name="TextBox 7"/>
+          <p:cNvSpPr txBox="1"/>
+          <p:nvPr/>
+        </p:nvSpPr>
+        <p:spPr>
+          <a:xfrm>
+            <a:off x="6856567" y="5935860"/>
+            <a:ext cx="1765227" cy="246221"/>
+          </a:xfrm>
+          <a:prstGeom prst="rect">
+            <a:avLst/>
+          </a:prstGeom>
+          <a:noFill/>
+        </p:spPr>
+        <p:txBody>
+          <a:bodyPr wrap="none" rtlCol="0">
+            <a:spAutoFit/>
+          </a:bodyPr>
+          <a:lstStyle/>
+          <a:p>
+            <a:pPr algn="r"/>
+            <a:r>
+              <a:rPr lang="ro-RO" sz="1000" dirty="0" smtClean="0">
+                <a:solidFill>
+                  <a:schemeClr val="bg1">
+                    <a:lumMod val="75000"/>
+                  </a:schemeClr>
+                </a:solidFill>
+              </a:rPr>
+              <a:t>[</a:t>
+            </a:r>
+            <a:r>
+              <a:rPr lang="en-US" sz="1000" dirty="0" err="1">
+                <a:solidFill>
+                  <a:schemeClr val="bg1">
+                    <a:lumMod val="75000"/>
+                  </a:schemeClr>
+                </a:solidFill>
+              </a:rPr>
+              <a:t>jsfiddle</a:t>
+            </a:r>
+            <a:r>
+              <a:rPr lang="en-US" sz="1000" dirty="0" smtClean="0">
+                <a:solidFill>
+                  <a:schemeClr val="bg1">
+                    <a:lumMod val="75000"/>
+                  </a:schemeClr>
+                </a:solidFill>
+              </a:rPr>
+              <a:t>: Inheritance </a:t>
+            </a:r>
+            <a:r>
+              <a:rPr lang="en-US" sz="1000" dirty="0">
+                <a:solidFill>
+                  <a:schemeClr val="bg1">
+                    <a:lumMod val="75000"/>
+                  </a:schemeClr>
+                </a:solidFill>
+              </a:rPr>
+              <a:t>- basic</a:t>
+            </a:r>
+            <a:r>
+              <a:rPr lang="ro-RO" sz="1000" dirty="0" smtClean="0">
+                <a:solidFill>
+                  <a:schemeClr val="bg1">
+                    <a:lumMod val="75000"/>
+                  </a:schemeClr>
+                </a:solidFill>
+              </a:rPr>
+              <a:t>]</a:t>
+            </a:r>
+            <a:endParaRPr lang="en-US" sz="1000" dirty="0">
+              <a:solidFill>
+                <a:schemeClr val="bg1">
+                  <a:lumMod val="75000"/>
+                </a:schemeClr>
+              </a:solidFill>
+            </a:endParaRPr>
           </a:p>
         </p:txBody>
       </p:sp>
@@ -8593,6 +8748,87 @@
                                   </p:childTnLst>
                                 </p:cTn>
                               </p:par>
+                              <p:par>
+                                <p:cTn id="10" presetID="53" presetClass="exit" presetSubtype="32" fill="hold" grpId="0" nodeType="withEffect">
+                                  <p:stCondLst>
+                                    <p:cond delay="0"/>
+                                  </p:stCondLst>
+                                  <p:childTnLst>
+                                    <p:anim calcmode="lin" valueType="num">
+                                      <p:cBhvr>
+                                        <p:cTn id="11" dur="500"/>
+                                        <p:tgtEl>
+                                          <p:spTgt spid="8"/>
+                                        </p:tgtEl>
+                                        <p:attrNameLst>
+                                          <p:attrName>ppt_w</p:attrName>
+                                        </p:attrNameLst>
+                                      </p:cBhvr>
+                                      <p:tavLst>
+                                        <p:tav tm="0">
+                                          <p:val>
+                                            <p:strVal val="ppt_w"/>
+                                          </p:val>
+                                        </p:tav>
+                                        <p:tav tm="100000">
+                                          <p:val>
+                                            <p:fltVal val="0"/>
+                                          </p:val>
+                                        </p:tav>
+                                      </p:tavLst>
+                                    </p:anim>
+                                    <p:anim calcmode="lin" valueType="num">
+                                      <p:cBhvr>
+                                        <p:cTn id="12" dur="500"/>
+                                        <p:tgtEl>
+                                          <p:spTgt spid="8"/>
+                                        </p:tgtEl>
+                                        <p:attrNameLst>
+                                          <p:attrName>ppt_h</p:attrName>
+                                        </p:attrNameLst>
+                                      </p:cBhvr>
+                                      <p:tavLst>
+                                        <p:tav tm="0">
+                                          <p:val>
+                                            <p:strVal val="ppt_h"/>
+                                          </p:val>
+                                        </p:tav>
+                                        <p:tav tm="100000">
+                                          <p:val>
+                                            <p:fltVal val="0"/>
+                                          </p:val>
+                                        </p:tav>
+                                      </p:tavLst>
+                                    </p:anim>
+                                    <p:animEffect transition="out" filter="fade">
+                                      <p:cBhvr>
+                                        <p:cTn id="13" dur="500"/>
+                                        <p:tgtEl>
+                                          <p:spTgt spid="8"/>
+                                        </p:tgtEl>
+                                      </p:cBhvr>
+                                    </p:animEffect>
+                                    <p:set>
+                                      <p:cBhvr>
+                                        <p:cTn id="14" dur="1" fill="hold">
+                                          <p:stCondLst>
+                                            <p:cond delay="499"/>
+                                          </p:stCondLst>
+                                        </p:cTn>
+                                        <p:tgtEl>
+                                          <p:spTgt spid="8"/>
+                                        </p:tgtEl>
+                                        <p:attrNameLst>
+                                          <p:attrName>style.visibility</p:attrName>
+                                        </p:attrNameLst>
+                                      </p:cBhvr>
+                                      <p:to>
+                                        <p:strVal val="hidden"/>
+                                      </p:to>
+                                    </p:set>
+                                  </p:childTnLst>
+                                </p:cTn>
+                              </p:par>
                             </p:childTnLst>
                           </p:cTn>
                         </p:par>
@@ -8622,6 +8858,7 @@
     </p:tnLst>
     <p:bldLst>
       <p:bldP spid="6" grpId="0"/>
+      <p:bldP spid="8" grpId="0"/>
     </p:bldLst>
   </p:timing>
 </p:sld>
@@ -11017,8 +11254,8 @@
         </p:nvSpPr>
         <p:spPr>
           <a:xfrm>
-            <a:off x="6400800" y="6027139"/>
-            <a:ext cx="2169184" cy="246221"/>
+            <a:off x="6413624" y="6027139"/>
+            <a:ext cx="2156360" cy="246221"/>
           </a:xfrm>
           <a:prstGeom prst="rect">
             <a:avLst/>
@@ -11043,14 +11280,34 @@
               <a:t>[</a:t>
             </a:r>
             <a:r>
-              <a:rPr lang="en-US" sz="1000" dirty="0" smtClean="0">
+              <a:rPr lang="en-US" sz="1000" dirty="0" err="1" smtClean="0">
                 <a:solidFill>
                   <a:schemeClr val="bg1">
                     <a:lumMod val="75000"/>
                   </a:schemeClr>
                 </a:solidFill>
               </a:rPr>
-              <a:t>show code: Biorhythm inheritance</a:t>
+              <a:t>jsfiddle</a:t>
+            </a:r>
+            <a:r>
+              <a:rPr lang="en-US" sz="1000" dirty="0">
+                <a:solidFill>
+                  <a:schemeClr val="bg1">
+                    <a:lumMod val="75000"/>
+                  </a:schemeClr>
+                </a:solidFill>
+              </a:rPr>
+              <a:t>: Inheritance - with </a:t>
+            </a:r>
+            <a:r>
+              <a:rPr lang="en-US" sz="1000" dirty="0" err="1">
+                <a:solidFill>
+                  <a:schemeClr val="bg1">
+                    <a:lumMod val="75000"/>
+                  </a:schemeClr>
+                </a:solidFill>
+              </a:rPr>
+              <a:t>params</a:t>
             </a:r>
             <a:r>
               <a:rPr lang="ro-RO" sz="1000" dirty="0" smtClean="0">
@@ -15915,6 +16172,89 @@
               <a:t>Call function as method</a:t>
             </a:r>
             <a:endParaRPr lang="ro-RO" altLang="en-US" sz="2400" kern="0" dirty="0" smtClean="0"/>
+          </a:p>
+        </p:txBody>
+      </p:sp>
+      <p:sp>
+        <p:nvSpPr>
+          <p:cNvPr id="10" name="TextBox 9"/>
+          <p:cNvSpPr txBox="1"/>
+          <p:nvPr/>
+        </p:nvSpPr>
+        <p:spPr>
+          <a:xfrm>
+            <a:off x="7086600" y="6096000"/>
+            <a:ext cx="1649811" cy="246221"/>
+          </a:xfrm>
+          <a:prstGeom prst="rect">
+            <a:avLst/>
+          </a:prstGeom>
+          <a:noFill/>
+        </p:spPr>
+        <p:txBody>
+          <a:bodyPr wrap="none" rtlCol="0">
+            <a:spAutoFit/>
+          </a:bodyPr>
+          <a:lstStyle/>
+          <a:p>
+            <a:pPr algn="r"/>
+            <a:r>
+              <a:rPr lang="ro-RO" sz="1000" dirty="0">
+                <a:solidFill>
+                  <a:schemeClr val="bg1">
+                    <a:lumMod val="75000"/>
+                  </a:schemeClr>
+                </a:solidFill>
+              </a:rPr>
+              <a:t>[</a:t>
+            </a:r>
+            <a:r>
+              <a:rPr lang="en-US" sz="1000" dirty="0" err="1">
+                <a:solidFill>
+                  <a:schemeClr val="bg1">
+                    <a:lumMod val="75000"/>
+                  </a:schemeClr>
+                </a:solidFill>
+              </a:rPr>
+              <a:t>jsfiddle</a:t>
+            </a:r>
+            <a:r>
+              <a:rPr lang="en-US" sz="1000" dirty="0">
+                <a:solidFill>
+                  <a:schemeClr val="bg1">
+                    <a:lumMod val="75000"/>
+                  </a:schemeClr>
+                </a:solidFill>
+              </a:rPr>
+              <a:t>:'this' in </a:t>
+            </a:r>
+            <a:r>
+              <a:rPr lang="en-US" sz="1000" dirty="0" smtClean="0">
+                <a:solidFill>
+                  <a:schemeClr val="bg1">
+                    <a:lumMod val="75000"/>
+                  </a:schemeClr>
+                </a:solidFill>
+              </a:rPr>
+              <a:t>functions</a:t>
+            </a:r>
+            <a:r>
+              <a:rPr lang="ro-RO" sz="1000" dirty="0" smtClean="0">
+                <a:solidFill>
+                  <a:schemeClr val="bg1">
+                    <a:lumMod val="75000"/>
+                  </a:schemeClr>
+                </a:solidFill>
+              </a:rPr>
+              <a:t>]</a:t>
+            </a:r>
+            <a:endParaRPr lang="en-US" sz="1000" dirty="0">
+              <a:solidFill>
+                <a:schemeClr val="bg1">
+                  <a:lumMod val="75000"/>
+                </a:schemeClr>
+              </a:solidFill>
+            </a:endParaRPr>
           </a:p>
         </p:txBody>
       </p:sp>
@@ -17455,6 +17795,19 @@
 </file>
 
 <file path=customXml/item1.xml><?xml version="1.0" encoding="utf-8"?>
+<?mso-contentType ?>
+<FormTemplates xmlns="http://schemas.microsoft.com/sharepoint/v3/contenttype/forms">
+  <Display>DocumentLibraryForm</Display>
+  <Edit>DocumentLibraryForm</Edit>
+  <New>DocumentLibraryForm</New>
+</FormTemplates>
+</file>
+
+<file path=customXml/item2.xml><?xml version="1.0" encoding="utf-8"?>
+<LongProperties xmlns="http://schemas.microsoft.com/office/2006/metadata/longProperties"/>
+</file>
+
+<file path=customXml/item3.xml><?xml version="1.0" encoding="utf-8"?>
 <ct:contentTypeSchema xmlns:ct="http://schemas.microsoft.com/office/2006/metadata/contentType" xmlns:ma="http://schemas.microsoft.com/office/2006/metadata/properties/metaAttributes" ct:_="" ma:_="" ma:contentTypeName="Document" ma:contentTypeID="0x010100152A3CFC636B004F874CAA4462160261" ma:contentTypeVersion="0" ma:contentTypeDescription="Create a new document." ma:contentTypeScope="" ma:versionID="54724255b6a7e390441e7f802fb831c9">
   <xsd:schema xmlns:xsd="http://www.w3.org/2001/XMLSchema" xmlns:xs="http://www.w3.org/2001/XMLSchema" xmlns:p="http://schemas.microsoft.com/office/2006/metadata/properties" targetNamespace="http://schemas.microsoft.com/office/2006/metadata/properties" ma:root="true" ma:fieldsID="c64490b4aec6201516c3a874156f37b2">
     <xsd:element name="properties">
@@ -17568,19 +17921,6 @@
 </ct:contentTypeSchema>
 </file>
 
-<file path=customXml/item2.xml><?xml version="1.0" encoding="utf-8"?>
-<LongProperties xmlns="http://schemas.microsoft.com/office/2006/metadata/longProperties"/>
-</file>
-
-<file path=customXml/item3.xml><?xml version="1.0" encoding="utf-8"?>
-<?mso-contentType ?>
-<FormTemplates xmlns="http://schemas.microsoft.com/sharepoint/v3/contenttype/forms">
-  <Display>DocumentLibraryForm</Display>
-  <Edit>DocumentLibraryForm</Edit>
-  <New>DocumentLibraryForm</New>
-</FormTemplates>
-</file>
-
 <file path=customXml/item4.xml><?xml version="1.0" encoding="utf-8"?>
 <p:properties xmlns:p="http://schemas.microsoft.com/office/2006/metadata/properties" xmlns:xsi="http://www.w3.org/2001/XMLSchema-instance" xmlns:pc="http://schemas.microsoft.com/office/infopath/2007/PartnerControls">
   <documentManagement/>
@@ -17588,17 +17928,9 @@
 </file>
 
 <file path=customXml/itemProps1.xml><?xml version="1.0" encoding="utf-8"?>
-<ds:datastoreItem xmlns:ds="http://schemas.openxmlformats.org/officeDocument/2006/customXml" ds:itemID="{13855BF2-3E1B-4048-8F5D-5069A0D184FE}">
+<ds:datastoreItem xmlns:ds="http://schemas.openxmlformats.org/officeDocument/2006/customXml" ds:itemID="{DDAAD0C2-8AA2-4903-8770-A9DDE0A43745}">
   <ds:schemaRefs>
-    <ds:schemaRef ds:uri="http://schemas.microsoft.com/office/2006/metadata/contentType"/>
-    <ds:schemaRef ds:uri="http://schemas.microsoft.com/office/2006/metadata/properties/metaAttributes"/>
-    <ds:schemaRef ds:uri="http://www.w3.org/2001/XMLSchema"/>
-    <ds:schemaRef ds:uri="http://schemas.microsoft.com/office/2006/metadata/properties"/>
-    <ds:schemaRef ds:uri="http://schemas.openxmlformats.org/package/2006/metadata/core-properties"/>
-    <ds:schemaRef ds:uri="http://purl.org/dc/elements/1.1/"/>
-    <ds:schemaRef ds:uri="http://purl.org/dc/terms/"/>
-    <ds:schemaRef ds:uri="http://schemas.microsoft.com/internal/obd"/>
-    <ds:schemaRef ds:uri="http://schemas.microsoft.com/office/infopath/2007/PartnerControls"/>
+    <ds:schemaRef ds:uri="http://schemas.microsoft.com/sharepoint/v3/contenttype/forms"/>
   </ds:schemaRefs>
 </ds:datastoreItem>
 </file>
@@ -17612,9 +17944,17 @@
 </file>
 
 <file path=customXml/itemProps3.xml><?xml version="1.0" encoding="utf-8"?>
-<ds:datastoreItem xmlns:ds="http://schemas.openxmlformats.org/officeDocument/2006/customXml" ds:itemID="{DDAAD0C2-8AA2-4903-8770-A9DDE0A43745}">
+<ds:datastoreItem xmlns:ds="http://schemas.openxmlformats.org/officeDocument/2006/customXml" ds:itemID="{13855BF2-3E1B-4048-8F5D-5069A0D184FE}">
   <ds:schemaRefs>
-    <ds:schemaRef ds:uri="http://schemas.microsoft.com/sharepoint/v3/contenttype/forms"/>
+    <ds:schemaRef ds:uri="http://schemas.microsoft.com/office/2006/metadata/contentType"/>
+    <ds:schemaRef ds:uri="http://schemas.microsoft.com/office/2006/metadata/properties/metaAttributes"/>
+    <ds:schemaRef ds:uri="http://www.w3.org/2001/XMLSchema"/>
+    <ds:schemaRef ds:uri="http://schemas.microsoft.com/office/2006/metadata/properties"/>
+    <ds:schemaRef ds:uri="http://schemas.openxmlformats.org/package/2006/metadata/core-properties"/>
+    <ds:schemaRef ds:uri="http://purl.org/dc/elements/1.1/"/>
+    <ds:schemaRef ds:uri="http://purl.org/dc/terms/"/>
+    <ds:schemaRef ds:uri="http://schemas.microsoft.com/internal/obd"/>
+    <ds:schemaRef ds:uri="http://schemas.microsoft.com/office/infopath/2007/PartnerControls"/>
   </ds:schemaRefs>
 </ds:datastoreItem>
 </file>
